--- a/Lecture slides/NYT A01 - Introduction.pptx
+++ b/Lecture slides/NYT A01 - Introduction.pptx
@@ -29,7 +29,6 @@
     <p:sldId id="274" r:id="rId24"/>
     <p:sldId id="275" r:id="rId25"/>
     <p:sldId id="276" r:id="rId26"/>
-    <p:sldId id="277" r:id="rId27"/>
   </p:sldIdLst>
   <p:sldSz cy="5143500" cx="9144000"/>
   <p:notesSz cx="6858000" cy="9144000"/>
@@ -1601,7 +1600,7 @@
       </p:grpSpPr>
       <p:sp>
         <p:nvSpPr>
-          <p:cNvPr id="155" name="Google Shape;155;g12f961c4d52_0_2:notes"/>
+          <p:cNvPr id="155" name="Google Shape;155;g108fe332759_2_61:notes"/>
           <p:cNvSpPr/>
           <p:nvPr>
             <p:ph idx="2" type="sldImg"/>
@@ -1636,7 +1635,7 @@
       </p:sp>
       <p:sp>
         <p:nvSpPr>
-          <p:cNvPr id="156" name="Google Shape;156;g12f961c4d52_0_2:notes"/>
+          <p:cNvPr id="156" name="Google Shape;156;g108fe332759_2_61:notes"/>
           <p:cNvSpPr txBox="1"/>
           <p:nvPr>
             <p:ph idx="1" type="body"/>
@@ -1700,7 +1699,7 @@
       </p:grpSpPr>
       <p:sp>
         <p:nvSpPr>
-          <p:cNvPr id="162" name="Google Shape;162;g108fe332759_2_61:notes"/>
+          <p:cNvPr id="162" name="Google Shape;162;g108fe332759_2_67:notes"/>
           <p:cNvSpPr/>
           <p:nvPr>
             <p:ph idx="2" type="sldImg"/>
@@ -1735,7 +1734,7 @@
       </p:sp>
       <p:sp>
         <p:nvSpPr>
-          <p:cNvPr id="163" name="Google Shape;163;g108fe332759_2_61:notes"/>
+          <p:cNvPr id="163" name="Google Shape;163;g108fe332759_2_67:notes"/>
           <p:cNvSpPr txBox="1"/>
           <p:nvPr>
             <p:ph idx="1" type="body"/>
@@ -1898,7 +1897,7 @@
       </p:grpSpPr>
       <p:sp>
         <p:nvSpPr>
-          <p:cNvPr id="169" name="Google Shape;169;g108fe332759_2_67:notes"/>
+          <p:cNvPr id="169" name="Google Shape;169;gf5a950148e_0_0:notes"/>
           <p:cNvSpPr/>
           <p:nvPr>
             <p:ph idx="2" type="sldImg"/>
@@ -1933,7 +1932,7 @@
       </p:sp>
       <p:sp>
         <p:nvSpPr>
-          <p:cNvPr id="170" name="Google Shape;170;g108fe332759_2_67:notes"/>
+          <p:cNvPr id="170" name="Google Shape;170;gf5a950148e_0_0:notes"/>
           <p:cNvSpPr txBox="1"/>
           <p:nvPr>
             <p:ph idx="1" type="body"/>
@@ -1983,7 +1982,7 @@
   <p:cSld>
     <p:spTree>
       <p:nvGrpSpPr>
-        <p:cNvPr id="175" name="Shape 175"/>
+        <p:cNvPr id="174" name="Shape 174"/>
         <p:cNvGrpSpPr/>
         <p:nvPr/>
       </p:nvGrpSpPr>
@@ -1997,7 +1996,7 @@
       </p:grpSpPr>
       <p:sp>
         <p:nvSpPr>
-          <p:cNvPr id="176" name="Google Shape;176;gf5a950148e_0_0:notes"/>
+          <p:cNvPr id="175" name="Google Shape;175;gf5a950148e_0_6:notes"/>
           <p:cNvSpPr/>
           <p:nvPr>
             <p:ph idx="2" type="sldImg"/>
@@ -2032,106 +2031,7 @@
       </p:sp>
       <p:sp>
         <p:nvSpPr>
-          <p:cNvPr id="177" name="Google Shape;177;gf5a950148e_0_0:notes"/>
-          <p:cNvSpPr txBox="1"/>
-          <p:nvPr>
-            <p:ph idx="1" type="body"/>
-          </p:nvPr>
-        </p:nvSpPr>
-        <p:spPr>
-          <a:xfrm>
-            <a:off x="685800" y="4343400"/>
-            <a:ext cx="5486400" cy="4114800"/>
-          </a:xfrm>
-          <a:prstGeom prst="rect">
-            <a:avLst/>
-          </a:prstGeom>
-        </p:spPr>
-        <p:txBody>
-          <a:bodyPr anchorCtr="0" anchor="t" bIns="91425" lIns="91425" spcFirstLastPara="1" rIns="91425" wrap="square" tIns="91425">
-            <a:noAutofit/>
-          </a:bodyPr>
-          <a:lstStyle/>
-          <a:p>
-            <a:pPr indent="0" lvl="0" marL="0" rtl="0" algn="l">
-              <a:spcBef>
-                <a:spcPts val="0"/>
-              </a:spcBef>
-              <a:spcAft>
-                <a:spcPts val="0"/>
-              </a:spcAft>
-              <a:buNone/>
-            </a:pPr>
-            <a:r>
-              <a:t/>
-            </a:r>
-            <a:endParaRPr/>
-          </a:p>
-        </p:txBody>
-      </p:sp>
-    </p:spTree>
-  </p:cSld>
-  <p:clrMapOvr>
-    <a:masterClrMapping/>
-  </p:clrMapOvr>
-</p:notes>
-</file>
-
-<file path=ppt/notesSlides/notesSlide22.xml><?xml version="1.0" encoding="utf-8"?>
-<p:notes xmlns:a="http://schemas.openxmlformats.org/drawingml/2006/main" xmlns:r="http://schemas.openxmlformats.org/officeDocument/2006/relationships" xmlns:mc="http://schemas.openxmlformats.org/markup-compatibility/2006" xmlns:mv="urn:schemas-microsoft-com:mac:vml" xmlns:p="http://schemas.openxmlformats.org/presentationml/2006/main" xmlns:c="http://schemas.openxmlformats.org/drawingml/2006/chart" xmlns:dgm="http://schemas.openxmlformats.org/drawingml/2006/diagram" xmlns:o="urn:schemas-microsoft-com:office:office" xmlns:v="urn:schemas-microsoft-com:vml" xmlns:pvml="urn:schemas-microsoft-com:office:powerpoint" xmlns:com="http://schemas.openxmlformats.org/drawingml/2006/compatibility" xmlns:p14="http://schemas.microsoft.com/office/powerpoint/2010/main" xmlns:p15="http://schemas.microsoft.com/office/powerpoint/2012/main" xmlns:ahyp="http://schemas.microsoft.com/office/drawing/2018/hyperlinkcolor" showMasterPhAnim="0" showMasterSp="0">
-  <p:cSld>
-    <p:spTree>
-      <p:nvGrpSpPr>
-        <p:cNvPr id="181" name="Shape 181"/>
-        <p:cNvGrpSpPr/>
-        <p:nvPr/>
-      </p:nvGrpSpPr>
-      <p:grpSpPr>
-        <a:xfrm>
-          <a:off x="0" y="0"/>
-          <a:ext cx="0" cy="0"/>
-          <a:chOff x="0" y="0"/>
-          <a:chExt cx="0" cy="0"/>
-        </a:xfrm>
-      </p:grpSpPr>
-      <p:sp>
-        <p:nvSpPr>
-          <p:cNvPr id="182" name="Google Shape;182;gf5a950148e_0_6:notes"/>
-          <p:cNvSpPr/>
-          <p:nvPr>
-            <p:ph idx="2" type="sldImg"/>
-          </p:nvPr>
-        </p:nvSpPr>
-        <p:spPr>
-          <a:xfrm>
-            <a:off x="381300" y="685800"/>
-            <a:ext cx="6096000" cy="3429000"/>
-          </a:xfrm>
-          <a:custGeom>
-            <a:rect b="b" l="l" r="r" t="t"/>
-            <a:pathLst>
-              <a:path extrusionOk="0" h="120000" w="120000">
-                <a:moveTo>
-                  <a:pt x="0" y="0"/>
-                </a:moveTo>
-                <a:lnTo>
-                  <a:pt x="120000" y="0"/>
-                </a:lnTo>
-                <a:lnTo>
-                  <a:pt x="120000" y="120000"/>
-                </a:lnTo>
-                <a:lnTo>
-                  <a:pt x="0" y="120000"/>
-                </a:lnTo>
-                <a:close/>
-              </a:path>
-            </a:pathLst>
-          </a:custGeom>
-        </p:spPr>
-      </p:sp>
-      <p:sp>
-        <p:nvSpPr>
-          <p:cNvPr id="183" name="Google Shape;183;gf5a950148e_0_6:notes"/>
+          <p:cNvPr id="176" name="Google Shape;176;gf5a950148e_0_6:notes"/>
           <p:cNvSpPr txBox="1"/>
           <p:nvPr>
             <p:ph idx="1" type="body"/>
@@ -3186,7 +3086,7 @@
             <a:avLst/>
           </a:prstGeom>
           <a:solidFill>
-            <a:schemeClr val="accent1"/>
+            <a:schemeClr val="accent5"/>
           </a:solidFill>
           <a:ln>
             <a:noFill/>
@@ -3379,7 +3279,7 @@
             <a:avLst/>
           </a:prstGeom>
           <a:solidFill>
-            <a:schemeClr val="accent1"/>
+            <a:schemeClr val="accent5"/>
           </a:solidFill>
           <a:ln>
             <a:noFill/>
@@ -3843,7 +3743,7 @@
             <a:avLst/>
           </a:prstGeom>
           <a:solidFill>
-            <a:schemeClr val="accent1"/>
+            <a:schemeClr val="accent5"/>
           </a:solidFill>
           <a:ln>
             <a:noFill/>
@@ -4435,7 +4335,7 @@
             <a:avLst/>
           </a:prstGeom>
           <a:solidFill>
-            <a:schemeClr val="accent1"/>
+            <a:schemeClr val="accent5"/>
           </a:solidFill>
           <a:ln>
             <a:noFill/>
@@ -4774,7 +4674,7 @@
             <a:avLst/>
           </a:prstGeom>
           <a:solidFill>
-            <a:schemeClr val="accent1"/>
+            <a:schemeClr val="accent5"/>
           </a:solidFill>
           <a:ln>
             <a:noFill/>
@@ -6421,7 +6321,7 @@
             </a:pPr>
             <a:r>
               <a:rPr lang="en"/>
-              <a:t>A quiz will test your understanding of last session’s lecture(s)</a:t>
+              <a:t>A quiz will test your understanding of last session’s topic</a:t>
             </a:r>
             <a:endParaRPr/>
           </a:p>
@@ -6547,21 +6447,7 @@
               <a:buNone/>
             </a:pPr>
             <a:r>
-              <a:rPr lang="en"/>
-              <a:t>Please see the class quiz FAQ at </a:t>
-            </a:r>
-            <a:r>
-              <a:rPr lang="en" u="sng">
-                <a:solidFill>
-                  <a:schemeClr val="hlink"/>
-                </a:solidFill>
-                <a:hlinkClick r:id="rId3"/>
-              </a:rPr>
-              <a:t>https://bit.ly/2JpgjnQ</a:t>
-            </a:r>
-            <a:r>
-              <a:rPr lang="en"/>
-              <a:t>  </a:t>
+              <a:t/>
             </a:r>
             <a:endParaRPr/>
           </a:p>
@@ -6620,7 +6506,7 @@
                 <a:solidFill>
                   <a:schemeClr val="hlink"/>
                 </a:solidFill>
-                <a:hlinkClick r:id="rId4"/>
+                <a:hlinkClick r:id="rId3"/>
               </a:rPr>
               <a:t>https://profriehle.com</a:t>
             </a:r>
@@ -6793,7 +6679,7 @@
             <a:tbl>
               <a:tblPr>
                 <a:noFill/>
-                <a:tableStyleId>{14B4BF16-B9DC-46FC-A811-A1A9D4ED67F8}</a:tableStyleId>
+                <a:tableStyleId>{289D13A9-D2F7-4F60-86CA-BBA6726F6D71}</a:tableStyleId>
               </a:tblPr>
               <a:tblGrid>
                 <a:gridCol w="1227850"/>
@@ -6872,7 +6758,7 @@
                       <a:tailEnd len="sm" w="sm" type="none"/>
                     </a:lnB>
                     <a:solidFill>
-                      <a:schemeClr val="accent4"/>
+                      <a:schemeClr val="dk2"/>
                     </a:solidFill>
                   </a:tcPr>
                 </a:tc>
@@ -6943,7 +6829,7 @@
                       <a:tailEnd len="sm" w="sm" type="none"/>
                     </a:lnB>
                     <a:solidFill>
-                      <a:schemeClr val="accent4"/>
+                      <a:schemeClr val="dk2"/>
                     </a:solidFill>
                   </a:tcPr>
                 </a:tc>
@@ -7018,7 +6904,7 @@
                       <a:tailEnd len="sm" w="sm" type="none"/>
                     </a:lnB>
                     <a:solidFill>
-                      <a:schemeClr val="accent4"/>
+                      <a:schemeClr val="dk2"/>
                     </a:solidFill>
                   </a:tcPr>
                 </a:tc>
@@ -7092,7 +6978,7 @@
                       <a:tailEnd len="sm" w="sm" type="none"/>
                     </a:lnB>
                     <a:solidFill>
-                      <a:schemeClr val="dk2"/>
+                      <a:schemeClr val="lt2"/>
                     </a:solidFill>
                   </a:tcPr>
                 </a:tc>
@@ -7163,7 +7049,7 @@
                       <a:tailEnd len="sm" w="sm" type="none"/>
                     </a:lnB>
                     <a:solidFill>
-                      <a:schemeClr val="dk2"/>
+                      <a:schemeClr val="lt2"/>
                     </a:solidFill>
                   </a:tcPr>
                 </a:tc>
@@ -7234,7 +7120,7 @@
                       <a:tailEnd len="sm" w="sm" type="none"/>
                     </a:lnB>
                     <a:solidFill>
-                      <a:schemeClr val="dk2"/>
+                      <a:schemeClr val="lt2"/>
                     </a:solidFill>
                   </a:tcPr>
                 </a:tc>
@@ -7320,7 +7206,7 @@
                       <a:tailEnd len="sm" w="sm" type="none"/>
                     </a:lnB>
                     <a:solidFill>
-                      <a:schemeClr val="dk2"/>
+                      <a:schemeClr val="lt2"/>
                     </a:solidFill>
                   </a:tcPr>
                 </a:tc>
@@ -7391,7 +7277,7 @@
                       <a:tailEnd len="sm" w="sm" type="none"/>
                     </a:lnB>
                     <a:solidFill>
-                      <a:schemeClr val="dk2"/>
+                      <a:schemeClr val="lt2"/>
                     </a:solidFill>
                   </a:tcPr>
                 </a:tc>
@@ -7785,7 +7671,7 @@
                       <a:tailEnd len="sm" w="sm" type="none"/>
                     </a:lnB>
                     <a:solidFill>
-                      <a:schemeClr val="accent6"/>
+                      <a:schemeClr val="accent1"/>
                     </a:solidFill>
                   </a:tcPr>
                 </a:tc>
@@ -7860,7 +7746,7 @@
                       <a:tailEnd len="sm" w="sm" type="none"/>
                     </a:lnB>
                     <a:solidFill>
-                      <a:schemeClr val="accent6"/>
+                      <a:schemeClr val="accent1"/>
                     </a:solidFill>
                   </a:tcPr>
                 </a:tc>
@@ -8271,7 +8157,7 @@
                       <a:tailEnd len="sm" w="sm" type="none"/>
                     </a:lnB>
                     <a:solidFill>
-                      <a:schemeClr val="accent6"/>
+                      <a:schemeClr val="accent1"/>
                     </a:solidFill>
                   </a:tcPr>
                 </a:tc>
@@ -8346,7 +8232,7 @@
                       <a:tailEnd len="sm" w="sm" type="none"/>
                     </a:lnB>
                     <a:solidFill>
-                      <a:schemeClr val="accent6"/>
+                      <a:schemeClr val="accent1"/>
                     </a:solidFill>
                   </a:tcPr>
                 </a:tc>
@@ -8766,7 +8652,7 @@
             </a:pPr>
             <a:r>
               <a:rPr lang="en"/>
-              <a:t>None, sorry!</a:t>
+              <a:t>Let’s see…</a:t>
             </a:r>
             <a:endParaRPr/>
           </a:p>
@@ -10117,7 +10003,7 @@
             </a:pPr>
             <a:r>
               <a:rPr lang="en"/>
-              <a:t>Interpretation of Schedule</a:t>
+              <a:t>Work Rhythm</a:t>
             </a:r>
             <a:endParaRPr/>
           </a:p>
@@ -10224,13 +10110,162 @@
                 <a:spcPts val="0"/>
               </a:spcBef>
               <a:spcAft>
+                <a:spcPts val="0"/>
+              </a:spcAft>
+              <a:buNone/>
+            </a:pPr>
+            <a:r>
+              <a:rPr b="1" lang="en"/>
+              <a:t>Lecture (class)</a:t>
+            </a:r>
+            <a:endParaRPr b="1"/>
+          </a:p>
+          <a:p>
+            <a:pPr indent="-342900" lvl="0" marL="457200" rtl="0" algn="l">
+              <a:spcBef>
                 <a:spcPts val="1200"/>
-              </a:spcAft>
-              <a:buNone/>
+              </a:spcBef>
+              <a:spcAft>
+                <a:spcPts val="0"/>
+              </a:spcAft>
+              <a:buSzPts val="1800"/>
+              <a:buChar char="●"/>
             </a:pPr>
             <a:r>
               <a:rPr lang="en"/>
-              <a:t>TBD</a:t>
+              <a:t>Review of last week (quiz)</a:t>
+            </a:r>
+            <a:endParaRPr/>
+          </a:p>
+          <a:p>
+            <a:pPr indent="-342900" lvl="0" marL="457200" rtl="0" algn="l">
+              <a:spcBef>
+                <a:spcPts val="0"/>
+              </a:spcBef>
+              <a:spcAft>
+                <a:spcPts val="0"/>
+              </a:spcAft>
+              <a:buSzPts val="1800"/>
+              <a:buChar char="●"/>
+            </a:pPr>
+            <a:r>
+              <a:rPr lang="en"/>
+              <a:t>Presentation of this week’s topic</a:t>
+            </a:r>
+            <a:endParaRPr/>
+          </a:p>
+          <a:p>
+            <a:pPr indent="0" lvl="0" marL="0" rtl="0" algn="l">
+              <a:spcBef>
+                <a:spcPts val="1200"/>
+              </a:spcBef>
+              <a:spcAft>
+                <a:spcPts val="0"/>
+              </a:spcAft>
+              <a:buNone/>
+            </a:pPr>
+            <a:r>
+              <a:rPr b="1" lang="en"/>
+              <a:t>Method exercise</a:t>
+            </a:r>
+            <a:endParaRPr b="1"/>
+          </a:p>
+          <a:p>
+            <a:pPr indent="-342900" lvl="0" marL="457200" rtl="0" algn="l">
+              <a:spcBef>
+                <a:spcPts val="1200"/>
+              </a:spcBef>
+              <a:spcAft>
+                <a:spcPts val="0"/>
+              </a:spcAft>
+              <a:buSzPts val="1800"/>
+              <a:buChar char="●"/>
+            </a:pPr>
+            <a:r>
+              <a:rPr lang="en"/>
+              <a:t>Discussion of articles</a:t>
+            </a:r>
+            <a:endParaRPr/>
+          </a:p>
+          <a:p>
+            <a:pPr indent="-342900" lvl="0" marL="457200" rtl="0" algn="l">
+              <a:spcBef>
+                <a:spcPts val="0"/>
+              </a:spcBef>
+              <a:spcAft>
+                <a:spcPts val="0"/>
+              </a:spcAft>
+              <a:buSzPts val="1800"/>
+              <a:buChar char="●"/>
+            </a:pPr>
+            <a:r>
+              <a:rPr lang="en"/>
+              <a:t>Discussion of homework</a:t>
+            </a:r>
+            <a:endParaRPr/>
+          </a:p>
+          <a:p>
+            <a:pPr indent="0" lvl="0" marL="0" rtl="0" algn="l">
+              <a:spcBef>
+                <a:spcPts val="1200"/>
+              </a:spcBef>
+              <a:spcAft>
+                <a:spcPts val="0"/>
+              </a:spcAft>
+              <a:buNone/>
+            </a:pPr>
+            <a:r>
+              <a:rPr b="1" lang="en"/>
+              <a:t>Written homework</a:t>
+            </a:r>
+            <a:endParaRPr b="1"/>
+          </a:p>
+          <a:p>
+            <a:pPr indent="-342900" lvl="0" marL="457200" rtl="0" algn="l">
+              <a:spcBef>
+                <a:spcPts val="1200"/>
+              </a:spcBef>
+              <a:spcAft>
+                <a:spcPts val="0"/>
+              </a:spcAft>
+              <a:buSzPts val="1800"/>
+              <a:buChar char="●"/>
+            </a:pPr>
+            <a:r>
+              <a:rPr lang="en"/>
+              <a:t>See Course organization doc</a:t>
+            </a:r>
+            <a:endParaRPr/>
+          </a:p>
+          <a:p>
+            <a:pPr indent="-342900" lvl="0" marL="457200" rtl="0" algn="l">
+              <a:spcBef>
+                <a:spcPts val="0"/>
+              </a:spcBef>
+              <a:spcAft>
+                <a:spcPts val="0"/>
+              </a:spcAft>
+              <a:buSzPts val="1800"/>
+              <a:buChar char="●"/>
+            </a:pPr>
+            <a:r>
+              <a:rPr lang="en"/>
+              <a:t>Self-organized</a:t>
+            </a:r>
+            <a:endParaRPr/>
+          </a:p>
+          <a:p>
+            <a:pPr indent="0" lvl="0" marL="0" rtl="0" algn="l">
+              <a:spcBef>
+                <a:spcPts val="1200"/>
+              </a:spcBef>
+              <a:spcAft>
+                <a:spcPts val="1200"/>
+              </a:spcAft>
+              <a:buNone/>
+            </a:pPr>
+            <a:r>
+              <a:t/>
             </a:r>
             <a:endParaRPr/>
           </a:p>
@@ -10295,7 +10330,7 @@
             </a:pPr>
             <a:r>
               <a:rPr lang="en"/>
-              <a:t>Work Rhythm</a:t>
+              <a:t>Course Communication</a:t>
             </a:r>
             <a:endParaRPr/>
           </a:p>
@@ -10304,6 +10339,153 @@
       <p:sp>
         <p:nvSpPr>
           <p:cNvPr id="166" name="Google Shape;166;p26"/>
+          <p:cNvSpPr txBox="1"/>
+          <p:nvPr>
+            <p:ph idx="1" type="body"/>
+          </p:nvPr>
+        </p:nvSpPr>
+        <p:spPr>
+          <a:xfrm>
+            <a:off x="274320" y="914400"/>
+            <a:ext cx="8595300" cy="4114800"/>
+          </a:xfrm>
+          <a:prstGeom prst="rect">
+            <a:avLst/>
+          </a:prstGeom>
+        </p:spPr>
+        <p:txBody>
+          <a:bodyPr anchorCtr="0" anchor="t" bIns="0" lIns="0" spcFirstLastPara="1" rIns="0" wrap="square" tIns="0">
+            <a:noAutofit/>
+          </a:bodyPr>
+          <a:lstStyle/>
+          <a:p>
+            <a:pPr indent="0" lvl="0" marL="0" rtl="0" algn="l">
+              <a:spcBef>
+                <a:spcPts val="0"/>
+              </a:spcBef>
+              <a:spcAft>
+                <a:spcPts val="0"/>
+              </a:spcAft>
+              <a:buClr>
+                <a:schemeClr val="dk1"/>
+              </a:buClr>
+              <a:buSzPts val="1100"/>
+              <a:buFont typeface="Arial"/>
+              <a:buNone/>
+            </a:pPr>
+            <a:r>
+              <a:rPr lang="en"/>
+              <a:t>Announcements by email</a:t>
+            </a:r>
+            <a:endParaRPr/>
+          </a:p>
+          <a:p>
+            <a:pPr indent="-342900" lvl="0" marL="457200" rtl="0" algn="l">
+              <a:spcBef>
+                <a:spcPts val="1200"/>
+              </a:spcBef>
+              <a:spcAft>
+                <a:spcPts val="0"/>
+              </a:spcAft>
+              <a:buSzPts val="1800"/>
+              <a:buChar char="●"/>
+            </a:pPr>
+            <a:r>
+              <a:rPr lang="en"/>
+              <a:t>Through course management system</a:t>
+            </a:r>
+            <a:endParaRPr/>
+          </a:p>
+          <a:p>
+            <a:pPr indent="0" lvl="0" marL="0" rtl="0" algn="l">
+              <a:spcBef>
+                <a:spcPts val="1200"/>
+              </a:spcBef>
+              <a:spcAft>
+                <a:spcPts val="0"/>
+              </a:spcAft>
+              <a:buNone/>
+            </a:pPr>
+            <a:r>
+              <a:rPr lang="en"/>
+              <a:t>Questions to teaching team</a:t>
+            </a:r>
+            <a:endParaRPr/>
+          </a:p>
+          <a:p>
+            <a:pPr indent="-342900" lvl="0" marL="457200" rtl="0" algn="l">
+              <a:spcBef>
+                <a:spcPts val="1200"/>
+              </a:spcBef>
+              <a:spcAft>
+                <a:spcPts val="0"/>
+              </a:spcAft>
+              <a:buSzPts val="1800"/>
+              <a:buChar char="●"/>
+            </a:pPr>
+            <a:r>
+              <a:rPr lang="en"/>
+              <a:t>Please ask your question in the course forum</a:t>
+            </a:r>
+            <a:endParaRPr/>
+          </a:p>
+          <a:p>
+            <a:pPr indent="-342900" lvl="0" marL="457200" rtl="0" algn="l">
+              <a:spcBef>
+                <a:spcPts val="0"/>
+              </a:spcBef>
+              <a:spcAft>
+                <a:spcPts val="0"/>
+              </a:spcAft>
+              <a:buSzPts val="1800"/>
+              <a:buChar char="●"/>
+            </a:pPr>
+            <a:r>
+              <a:rPr lang="en"/>
+              <a:t>For private questions, use the teaching team email alias</a:t>
+            </a:r>
+            <a:endParaRPr/>
+          </a:p>
+          <a:p>
+            <a:pPr indent="0" lvl="0" marL="0" rtl="0" algn="l">
+              <a:spcBef>
+                <a:spcPts val="1200"/>
+              </a:spcBef>
+              <a:spcAft>
+                <a:spcPts val="0"/>
+              </a:spcAft>
+              <a:buClr>
+                <a:schemeClr val="dk1"/>
+              </a:buClr>
+              <a:buSzPts val="1100"/>
+              <a:buFont typeface="Arial"/>
+              <a:buNone/>
+            </a:pPr>
+            <a:r>
+              <a:t/>
+            </a:r>
+            <a:endParaRPr/>
+          </a:p>
+          <a:p>
+            <a:pPr indent="0" lvl="0" marL="0" rtl="0" algn="l">
+              <a:spcBef>
+                <a:spcPts val="1200"/>
+              </a:spcBef>
+              <a:spcAft>
+                <a:spcPts val="1200"/>
+              </a:spcAft>
+              <a:buNone/>
+            </a:pPr>
+            <a:r>
+              <a:t/>
+            </a:r>
+            <a:endParaRPr/>
+          </a:p>
+        </p:txBody>
+      </p:sp>
+      <p:sp>
+        <p:nvSpPr>
+          <p:cNvPr id="167" name="Google Shape;167;p26"/>
           <p:cNvSpPr txBox="1"/>
           <p:nvPr>
             <p:ph idx="12" type="sldNum"/>
@@ -10371,195 +10553,6 @@
                 <a:schemeClr val="dk2"/>
               </a:solidFill>
             </a:endParaRPr>
-          </a:p>
-        </p:txBody>
-      </p:sp>
-      <p:sp>
-        <p:nvSpPr>
-          <p:cNvPr id="167" name="Google Shape;167;p26"/>
-          <p:cNvSpPr txBox="1"/>
-          <p:nvPr>
-            <p:ph idx="1" type="body"/>
-          </p:nvPr>
-        </p:nvSpPr>
-        <p:spPr>
-          <a:xfrm>
-            <a:off x="274320" y="914400"/>
-            <a:ext cx="8595300" cy="4114800"/>
-          </a:xfrm>
-          <a:prstGeom prst="rect">
-            <a:avLst/>
-          </a:prstGeom>
-        </p:spPr>
-        <p:txBody>
-          <a:bodyPr anchorCtr="0" anchor="t" bIns="0" lIns="0" spcFirstLastPara="1" rIns="0" wrap="square" tIns="0">
-            <a:noAutofit/>
-          </a:bodyPr>
-          <a:lstStyle/>
-          <a:p>
-            <a:pPr indent="0" lvl="0" marL="0" rtl="0" algn="l">
-              <a:spcBef>
-                <a:spcPts val="0"/>
-              </a:spcBef>
-              <a:spcAft>
-                <a:spcPts val="0"/>
-              </a:spcAft>
-              <a:buNone/>
-            </a:pPr>
-            <a:r>
-              <a:rPr b="1" lang="en"/>
-              <a:t>Lecture (class)</a:t>
-            </a:r>
-            <a:endParaRPr b="1"/>
-          </a:p>
-          <a:p>
-            <a:pPr indent="-342900" lvl="0" marL="457200" rtl="0" algn="l">
-              <a:spcBef>
-                <a:spcPts val="1200"/>
-              </a:spcBef>
-              <a:spcAft>
-                <a:spcPts val="0"/>
-              </a:spcAft>
-              <a:buSzPts val="1800"/>
-              <a:buChar char="●"/>
-            </a:pPr>
-            <a:r>
-              <a:rPr lang="en"/>
-              <a:t>Review of last week (quiz)</a:t>
-            </a:r>
-            <a:endParaRPr/>
-          </a:p>
-          <a:p>
-            <a:pPr indent="-342900" lvl="0" marL="457200" rtl="0" algn="l">
-              <a:spcBef>
-                <a:spcPts val="0"/>
-              </a:spcBef>
-              <a:spcAft>
-                <a:spcPts val="0"/>
-              </a:spcAft>
-              <a:buSzPts val="1800"/>
-              <a:buChar char="●"/>
-            </a:pPr>
-            <a:r>
-              <a:rPr lang="en"/>
-              <a:t>Presentation of this week’s topic</a:t>
-            </a:r>
-            <a:endParaRPr/>
-          </a:p>
-          <a:p>
-            <a:pPr indent="0" lvl="0" marL="0" rtl="0" algn="l">
-              <a:spcBef>
-                <a:spcPts val="1200"/>
-              </a:spcBef>
-              <a:spcAft>
-                <a:spcPts val="0"/>
-              </a:spcAft>
-              <a:buNone/>
-            </a:pPr>
-            <a:r>
-              <a:rPr b="1" lang="en"/>
-              <a:t>Method exercise</a:t>
-            </a:r>
-            <a:endParaRPr b="1"/>
-          </a:p>
-          <a:p>
-            <a:pPr indent="-342900" lvl="0" marL="457200" rtl="0" algn="l">
-              <a:spcBef>
-                <a:spcPts val="1200"/>
-              </a:spcBef>
-              <a:spcAft>
-                <a:spcPts val="0"/>
-              </a:spcAft>
-              <a:buSzPts val="1800"/>
-              <a:buChar char="●"/>
-            </a:pPr>
-            <a:r>
-              <a:rPr lang="en"/>
-              <a:t>Discussion of articles</a:t>
-            </a:r>
-            <a:endParaRPr/>
-          </a:p>
-          <a:p>
-            <a:pPr indent="-342900" lvl="0" marL="457200" rtl="0" algn="l">
-              <a:spcBef>
-                <a:spcPts val="0"/>
-              </a:spcBef>
-              <a:spcAft>
-                <a:spcPts val="0"/>
-              </a:spcAft>
-              <a:buSzPts val="1800"/>
-              <a:buChar char="●"/>
-            </a:pPr>
-            <a:r>
-              <a:rPr lang="en"/>
-              <a:t>Discussion of homework</a:t>
-            </a:r>
-            <a:endParaRPr/>
-          </a:p>
-          <a:p>
-            <a:pPr indent="0" lvl="0" marL="0" rtl="0" algn="l">
-              <a:spcBef>
-                <a:spcPts val="1200"/>
-              </a:spcBef>
-              <a:spcAft>
-                <a:spcPts val="0"/>
-              </a:spcAft>
-              <a:buNone/>
-            </a:pPr>
-            <a:r>
-              <a:rPr b="1" lang="en"/>
-              <a:t>Written homework</a:t>
-            </a:r>
-            <a:endParaRPr b="1"/>
-          </a:p>
-          <a:p>
-            <a:pPr indent="-342900" lvl="0" marL="457200" rtl="0" algn="l">
-              <a:spcBef>
-                <a:spcPts val="1200"/>
-              </a:spcBef>
-              <a:spcAft>
-                <a:spcPts val="0"/>
-              </a:spcAft>
-              <a:buSzPts val="1800"/>
-              <a:buChar char="●"/>
-            </a:pPr>
-            <a:r>
-              <a:rPr lang="en"/>
-              <a:t>See Course organization doc</a:t>
-            </a:r>
-            <a:endParaRPr/>
-          </a:p>
-          <a:p>
-            <a:pPr indent="-342900" lvl="0" marL="457200" rtl="0" algn="l">
-              <a:spcBef>
-                <a:spcPts val="0"/>
-              </a:spcBef>
-              <a:spcAft>
-                <a:spcPts val="0"/>
-              </a:spcAft>
-              <a:buSzPts val="1800"/>
-              <a:buChar char="●"/>
-            </a:pPr>
-            <a:r>
-              <a:rPr lang="en"/>
-              <a:t>Self-organized</a:t>
-            </a:r>
-            <a:endParaRPr/>
-          </a:p>
-          <a:p>
-            <a:pPr indent="0" lvl="0" marL="0" rtl="0" algn="l">
-              <a:spcBef>
-                <a:spcPts val="1200"/>
-              </a:spcBef>
-              <a:spcAft>
-                <a:spcPts val="1200"/>
-              </a:spcAft>
-              <a:buNone/>
-            </a:pPr>
-            <a:r>
-              <a:t/>
-            </a:r>
-            <a:endParaRPr/>
           </a:p>
         </p:txBody>
       </p:sp>
@@ -10906,6 +10899,190 @@
           <p:cNvPr id="172" name="Google Shape;172;p27"/>
           <p:cNvSpPr txBox="1"/>
           <p:nvPr>
+            <p:ph type="ctrTitle"/>
+          </p:nvPr>
+        </p:nvSpPr>
+        <p:spPr>
+          <a:xfrm>
+            <a:off x="0" y="0"/>
+            <a:ext cx="9144000" cy="2388900"/>
+          </a:xfrm>
+          <a:prstGeom prst="rect">
+            <a:avLst/>
+          </a:prstGeom>
+        </p:spPr>
+        <p:txBody>
+          <a:bodyPr anchorCtr="0" anchor="b" bIns="274300" lIns="91425" spcFirstLastPara="1" rIns="91425" wrap="square" tIns="91425">
+            <a:noAutofit/>
+          </a:bodyPr>
+          <a:lstStyle/>
+          <a:p>
+            <a:pPr indent="0" lvl="0" marL="0" rtl="0" algn="ctr">
+              <a:spcBef>
+                <a:spcPts val="0"/>
+              </a:spcBef>
+              <a:spcAft>
+                <a:spcPts val="0"/>
+              </a:spcAft>
+              <a:buNone/>
+            </a:pPr>
+            <a:r>
+              <a:rPr lang="en"/>
+              <a:t>Thank you! Any questions?</a:t>
+            </a:r>
+            <a:endParaRPr/>
+          </a:p>
+        </p:txBody>
+      </p:sp>
+      <p:sp>
+        <p:nvSpPr>
+          <p:cNvPr id="173" name="Google Shape;173;p27"/>
+          <p:cNvSpPr txBox="1"/>
+          <p:nvPr>
+            <p:ph idx="1" type="subTitle"/>
+          </p:nvPr>
+        </p:nvSpPr>
+        <p:spPr>
+          <a:xfrm>
+            <a:off x="0" y="2569475"/>
+            <a:ext cx="9144000" cy="2574000"/>
+          </a:xfrm>
+          <a:prstGeom prst="rect">
+            <a:avLst/>
+          </a:prstGeom>
+        </p:spPr>
+        <p:txBody>
+          <a:bodyPr anchorCtr="0" anchor="t" bIns="91425" lIns="91425" spcFirstLastPara="1" rIns="91425" wrap="square" tIns="274300">
+            <a:noAutofit/>
+          </a:bodyPr>
+          <a:lstStyle/>
+          <a:p>
+            <a:pPr indent="0" lvl="0" marL="0" rtl="0" algn="ctr">
+              <a:lnSpc>
+                <a:spcPct val="150000"/>
+              </a:lnSpc>
+              <a:spcBef>
+                <a:spcPts val="0"/>
+              </a:spcBef>
+              <a:spcAft>
+                <a:spcPts val="0"/>
+              </a:spcAft>
+              <a:buNone/>
+            </a:pPr>
+            <a:r>
+              <a:rPr lang="en" u="sng">
+                <a:solidFill>
+                  <a:schemeClr val="hlink"/>
+                </a:solidFill>
+                <a:hlinkClick r:id="rId3"/>
+              </a:rPr>
+              <a:t>dirk.riehle@fau.de</a:t>
+            </a:r>
+            <a:r>
+              <a:rPr lang="en"/>
+              <a:t> </a:t>
+            </a:r>
+            <a:r>
+              <a:rPr lang="en" sz="2400"/>
+              <a:t>–</a:t>
+            </a:r>
+            <a:r>
+              <a:rPr lang="en"/>
+              <a:t> </a:t>
+            </a:r>
+            <a:r>
+              <a:rPr lang="en" u="sng">
+                <a:solidFill>
+                  <a:schemeClr val="hlink"/>
+                </a:solidFill>
+                <a:hlinkClick r:id="rId4"/>
+              </a:rPr>
+              <a:t>https://oss.cs.fau.de</a:t>
+            </a:r>
+            <a:endParaRPr/>
+          </a:p>
+          <a:p>
+            <a:pPr indent="0" lvl="0" marL="0" rtl="0" algn="ctr">
+              <a:lnSpc>
+                <a:spcPct val="150000"/>
+              </a:lnSpc>
+              <a:spcBef>
+                <a:spcPts val="0"/>
+              </a:spcBef>
+              <a:spcAft>
+                <a:spcPts val="0"/>
+              </a:spcAft>
+              <a:buNone/>
+            </a:pPr>
+            <a:r>
+              <a:rPr lang="en" sz="2400" u="sng">
+                <a:solidFill>
+                  <a:schemeClr val="hlink"/>
+                </a:solidFill>
+                <a:hlinkClick r:id="rId5"/>
+              </a:rPr>
+              <a:t>dirk@riehle.org</a:t>
+            </a:r>
+            <a:r>
+              <a:rPr lang="en" sz="2400"/>
+              <a:t> – </a:t>
+            </a:r>
+            <a:r>
+              <a:rPr lang="en" sz="2400" u="sng">
+                <a:solidFill>
+                  <a:schemeClr val="hlink"/>
+                </a:solidFill>
+                <a:hlinkClick r:id="rId6"/>
+              </a:rPr>
+              <a:t>https://dirkriehle.com</a:t>
+            </a:r>
+            <a:r>
+              <a:rPr lang="en" sz="2400"/>
+              <a:t> – </a:t>
+            </a:r>
+            <a:r>
+              <a:rPr lang="en" sz="2400" u="sng">
+                <a:solidFill>
+                  <a:schemeClr val="hlink"/>
+                </a:solidFill>
+                <a:hlinkClick r:id="rId7"/>
+              </a:rPr>
+              <a:t>@dirkriehle</a:t>
+            </a:r>
+            <a:endParaRPr sz="2400"/>
+          </a:p>
+        </p:txBody>
+      </p:sp>
+    </p:spTree>
+  </p:cSld>
+  <p:clrMapOvr>
+    <a:masterClrMapping/>
+  </p:clrMapOvr>
+</p:sld>
+</file>
+
+<file path=ppt/slides/slide21.xml><?xml version="1.0" encoding="utf-8"?>
+<p:sld xmlns:a="http://schemas.openxmlformats.org/drawingml/2006/main" xmlns:r="http://schemas.openxmlformats.org/officeDocument/2006/relationships" xmlns:mc="http://schemas.openxmlformats.org/markup-compatibility/2006" xmlns:mv="urn:schemas-microsoft-com:mac:vml" xmlns:p="http://schemas.openxmlformats.org/presentationml/2006/main" xmlns:c="http://schemas.openxmlformats.org/drawingml/2006/chart" xmlns:dgm="http://schemas.openxmlformats.org/drawingml/2006/diagram" xmlns:o="urn:schemas-microsoft-com:office:office" xmlns:v="urn:schemas-microsoft-com:vml" xmlns:pvml="urn:schemas-microsoft-com:office:powerpoint" xmlns:com="http://schemas.openxmlformats.org/drawingml/2006/compatibility" xmlns:p14="http://schemas.microsoft.com/office/powerpoint/2010/main" xmlns:p15="http://schemas.microsoft.com/office/powerpoint/2012/main" xmlns:ahyp="http://schemas.microsoft.com/office/drawing/2018/hyperlinkcolor">
+  <p:cSld>
+    <p:spTree>
+      <p:nvGrpSpPr>
+        <p:cNvPr id="177" name="Shape 177"/>
+        <p:cNvGrpSpPr/>
+        <p:nvPr/>
+      </p:nvGrpSpPr>
+      <p:grpSpPr>
+        <a:xfrm>
+          <a:off x="0" y="0"/>
+          <a:ext cx="0" cy="0"/>
+          <a:chOff x="0" y="0"/>
+          <a:chExt cx="0" cy="0"/>
+        </a:xfrm>
+      </p:grpSpPr>
+      <p:sp>
+        <p:nvSpPr>
+          <p:cNvPr id="178" name="Google Shape;178;p28"/>
+          <p:cNvSpPr txBox="1"/>
+          <p:nvPr>
             <p:ph type="title"/>
           </p:nvPr>
         </p:nvSpPr>
@@ -10935,7 +11112,7 @@
             </a:pPr>
             <a:r>
               <a:rPr lang="en"/>
-              <a:t>Course Communication</a:t>
+              <a:t>Legal Notices</a:t>
             </a:r>
             <a:endParaRPr/>
           </a:p>
@@ -10943,154 +11120,7 @@
       </p:sp>
       <p:sp>
         <p:nvSpPr>
-          <p:cNvPr id="173" name="Google Shape;173;p27"/>
-          <p:cNvSpPr txBox="1"/>
-          <p:nvPr>
-            <p:ph idx="1" type="body"/>
-          </p:nvPr>
-        </p:nvSpPr>
-        <p:spPr>
-          <a:xfrm>
-            <a:off x="274320" y="914400"/>
-            <a:ext cx="8595300" cy="4114800"/>
-          </a:xfrm>
-          <a:prstGeom prst="rect">
-            <a:avLst/>
-          </a:prstGeom>
-        </p:spPr>
-        <p:txBody>
-          <a:bodyPr anchorCtr="0" anchor="t" bIns="0" lIns="0" spcFirstLastPara="1" rIns="0" wrap="square" tIns="0">
-            <a:noAutofit/>
-          </a:bodyPr>
-          <a:lstStyle/>
-          <a:p>
-            <a:pPr indent="0" lvl="0" marL="0" rtl="0" algn="l">
-              <a:spcBef>
-                <a:spcPts val="0"/>
-              </a:spcBef>
-              <a:spcAft>
-                <a:spcPts val="0"/>
-              </a:spcAft>
-              <a:buClr>
-                <a:schemeClr val="dk1"/>
-              </a:buClr>
-              <a:buSzPts val="1100"/>
-              <a:buFont typeface="Arial"/>
-              <a:buNone/>
-            </a:pPr>
-            <a:r>
-              <a:rPr lang="en"/>
-              <a:t>Announcements by email</a:t>
-            </a:r>
-            <a:endParaRPr/>
-          </a:p>
-          <a:p>
-            <a:pPr indent="-342900" lvl="0" marL="457200" rtl="0" algn="l">
-              <a:spcBef>
-                <a:spcPts val="1200"/>
-              </a:spcBef>
-              <a:spcAft>
-                <a:spcPts val="0"/>
-              </a:spcAft>
-              <a:buSzPts val="1800"/>
-              <a:buChar char="●"/>
-            </a:pPr>
-            <a:r>
-              <a:rPr lang="en"/>
-              <a:t>Through course management system</a:t>
-            </a:r>
-            <a:endParaRPr/>
-          </a:p>
-          <a:p>
-            <a:pPr indent="0" lvl="0" marL="0" rtl="0" algn="l">
-              <a:spcBef>
-                <a:spcPts val="1200"/>
-              </a:spcBef>
-              <a:spcAft>
-                <a:spcPts val="0"/>
-              </a:spcAft>
-              <a:buNone/>
-            </a:pPr>
-            <a:r>
-              <a:rPr lang="en"/>
-              <a:t>Questions to teaching team</a:t>
-            </a:r>
-            <a:endParaRPr/>
-          </a:p>
-          <a:p>
-            <a:pPr indent="-342900" lvl="0" marL="457200" rtl="0" algn="l">
-              <a:spcBef>
-                <a:spcPts val="1200"/>
-              </a:spcBef>
-              <a:spcAft>
-                <a:spcPts val="0"/>
-              </a:spcAft>
-              <a:buSzPts val="1800"/>
-              <a:buChar char="●"/>
-            </a:pPr>
-            <a:r>
-              <a:rPr lang="en"/>
-              <a:t>Please ask your question in the course forum</a:t>
-            </a:r>
-            <a:endParaRPr/>
-          </a:p>
-          <a:p>
-            <a:pPr indent="-342900" lvl="0" marL="457200" rtl="0" algn="l">
-              <a:spcBef>
-                <a:spcPts val="0"/>
-              </a:spcBef>
-              <a:spcAft>
-                <a:spcPts val="0"/>
-              </a:spcAft>
-              <a:buSzPts val="1800"/>
-              <a:buChar char="●"/>
-            </a:pPr>
-            <a:r>
-              <a:rPr lang="en"/>
-              <a:t>For private questions, use the teaching team email alias</a:t>
-            </a:r>
-            <a:endParaRPr/>
-          </a:p>
-          <a:p>
-            <a:pPr indent="0" lvl="0" marL="0" rtl="0" algn="l">
-              <a:spcBef>
-                <a:spcPts val="1200"/>
-              </a:spcBef>
-              <a:spcAft>
-                <a:spcPts val="0"/>
-              </a:spcAft>
-              <a:buClr>
-                <a:schemeClr val="dk1"/>
-              </a:buClr>
-              <a:buSzPts val="1100"/>
-              <a:buFont typeface="Arial"/>
-              <a:buNone/>
-            </a:pPr>
-            <a:r>
-              <a:t/>
-            </a:r>
-            <a:endParaRPr/>
-          </a:p>
-          <a:p>
-            <a:pPr indent="0" lvl="0" marL="0" rtl="0" algn="l">
-              <a:spcBef>
-                <a:spcPts val="1200"/>
-              </a:spcBef>
-              <a:spcAft>
-                <a:spcPts val="1200"/>
-              </a:spcAft>
-              <a:buNone/>
-            </a:pPr>
-            <a:r>
-              <a:t/>
-            </a:r>
-            <a:endParaRPr/>
-          </a:p>
-        </p:txBody>
-      </p:sp>
-      <p:sp>
-        <p:nvSpPr>
-          <p:cNvPr id="174" name="Google Shape;174;p27"/>
+          <p:cNvPr id="179" name="Google Shape;179;p28"/>
           <p:cNvSpPr txBox="1"/>
           <p:nvPr>
             <p:ph idx="12" type="sldNum"/>
@@ -11161,331 +11191,9 @@
           </a:p>
         </p:txBody>
       </p:sp>
-    </p:spTree>
-  </p:cSld>
-  <p:clrMapOvr>
-    <a:masterClrMapping/>
-  </p:clrMapOvr>
-</p:sld>
-</file>
-
-<file path=ppt/slides/slide21.xml><?xml version="1.0" encoding="utf-8"?>
-<p:sld xmlns:a="http://schemas.openxmlformats.org/drawingml/2006/main" xmlns:r="http://schemas.openxmlformats.org/officeDocument/2006/relationships" xmlns:mc="http://schemas.openxmlformats.org/markup-compatibility/2006" xmlns:mv="urn:schemas-microsoft-com:mac:vml" xmlns:p="http://schemas.openxmlformats.org/presentationml/2006/main" xmlns:c="http://schemas.openxmlformats.org/drawingml/2006/chart" xmlns:dgm="http://schemas.openxmlformats.org/drawingml/2006/diagram" xmlns:o="urn:schemas-microsoft-com:office:office" xmlns:v="urn:schemas-microsoft-com:vml" xmlns:pvml="urn:schemas-microsoft-com:office:powerpoint" xmlns:com="http://schemas.openxmlformats.org/drawingml/2006/compatibility" xmlns:p14="http://schemas.microsoft.com/office/powerpoint/2010/main" xmlns:p15="http://schemas.microsoft.com/office/powerpoint/2012/main" xmlns:ahyp="http://schemas.microsoft.com/office/drawing/2018/hyperlinkcolor">
-  <p:cSld>
-    <p:spTree>
-      <p:nvGrpSpPr>
-        <p:cNvPr id="178" name="Shape 178"/>
-        <p:cNvGrpSpPr/>
-        <p:nvPr/>
-      </p:nvGrpSpPr>
-      <p:grpSpPr>
-        <a:xfrm>
-          <a:off x="0" y="0"/>
-          <a:ext cx="0" cy="0"/>
-          <a:chOff x="0" y="0"/>
-          <a:chExt cx="0" cy="0"/>
-        </a:xfrm>
-      </p:grpSpPr>
-      <p:sp>
-        <p:nvSpPr>
-          <p:cNvPr id="179" name="Google Shape;179;p28"/>
-          <p:cNvSpPr txBox="1"/>
-          <p:nvPr>
-            <p:ph type="ctrTitle"/>
-          </p:nvPr>
-        </p:nvSpPr>
-        <p:spPr>
-          <a:xfrm>
-            <a:off x="0" y="0"/>
-            <a:ext cx="9144000" cy="2388900"/>
-          </a:xfrm>
-          <a:prstGeom prst="rect">
-            <a:avLst/>
-          </a:prstGeom>
-        </p:spPr>
-        <p:txBody>
-          <a:bodyPr anchorCtr="0" anchor="b" bIns="274300" lIns="91425" spcFirstLastPara="1" rIns="91425" wrap="square" tIns="91425">
-            <a:noAutofit/>
-          </a:bodyPr>
-          <a:lstStyle/>
-          <a:p>
-            <a:pPr indent="0" lvl="0" marL="0" rtl="0" algn="ctr">
-              <a:spcBef>
-                <a:spcPts val="0"/>
-              </a:spcBef>
-              <a:spcAft>
-                <a:spcPts val="0"/>
-              </a:spcAft>
-              <a:buNone/>
-            </a:pPr>
-            <a:r>
-              <a:rPr lang="en"/>
-              <a:t>Thank you! Any questions?</a:t>
-            </a:r>
-            <a:endParaRPr/>
-          </a:p>
-        </p:txBody>
-      </p:sp>
       <p:sp>
         <p:nvSpPr>
           <p:cNvPr id="180" name="Google Shape;180;p28"/>
-          <p:cNvSpPr txBox="1"/>
-          <p:nvPr>
-            <p:ph idx="1" type="subTitle"/>
-          </p:nvPr>
-        </p:nvSpPr>
-        <p:spPr>
-          <a:xfrm>
-            <a:off x="0" y="2569475"/>
-            <a:ext cx="9144000" cy="2574000"/>
-          </a:xfrm>
-          <a:prstGeom prst="rect">
-            <a:avLst/>
-          </a:prstGeom>
-        </p:spPr>
-        <p:txBody>
-          <a:bodyPr anchorCtr="0" anchor="t" bIns="91425" lIns="91425" spcFirstLastPara="1" rIns="91425" wrap="square" tIns="274300">
-            <a:noAutofit/>
-          </a:bodyPr>
-          <a:lstStyle/>
-          <a:p>
-            <a:pPr indent="0" lvl="0" marL="0" rtl="0" algn="ctr">
-              <a:lnSpc>
-                <a:spcPct val="150000"/>
-              </a:lnSpc>
-              <a:spcBef>
-                <a:spcPts val="0"/>
-              </a:spcBef>
-              <a:spcAft>
-                <a:spcPts val="0"/>
-              </a:spcAft>
-              <a:buNone/>
-            </a:pPr>
-            <a:r>
-              <a:rPr lang="en" u="sng">
-                <a:solidFill>
-                  <a:schemeClr val="hlink"/>
-                </a:solidFill>
-                <a:hlinkClick r:id="rId3"/>
-              </a:rPr>
-              <a:t>dirk.riehle@fau.de</a:t>
-            </a:r>
-            <a:r>
-              <a:rPr lang="en"/>
-              <a:t> </a:t>
-            </a:r>
-            <a:r>
-              <a:rPr lang="en" sz="2400"/>
-              <a:t>–</a:t>
-            </a:r>
-            <a:r>
-              <a:rPr lang="en"/>
-              <a:t> </a:t>
-            </a:r>
-            <a:r>
-              <a:rPr lang="en" u="sng">
-                <a:solidFill>
-                  <a:schemeClr val="hlink"/>
-                </a:solidFill>
-                <a:hlinkClick r:id="rId4"/>
-              </a:rPr>
-              <a:t>https://oss.cs.fau.de</a:t>
-            </a:r>
-            <a:endParaRPr/>
-          </a:p>
-          <a:p>
-            <a:pPr indent="0" lvl="0" marL="0" rtl="0" algn="ctr">
-              <a:lnSpc>
-                <a:spcPct val="150000"/>
-              </a:lnSpc>
-              <a:spcBef>
-                <a:spcPts val="0"/>
-              </a:spcBef>
-              <a:spcAft>
-                <a:spcPts val="0"/>
-              </a:spcAft>
-              <a:buNone/>
-            </a:pPr>
-            <a:r>
-              <a:rPr lang="en" sz="2400" u="sng">
-                <a:solidFill>
-                  <a:schemeClr val="hlink"/>
-                </a:solidFill>
-                <a:hlinkClick r:id="rId5"/>
-              </a:rPr>
-              <a:t>dirk@riehle.org</a:t>
-            </a:r>
-            <a:r>
-              <a:rPr lang="en" sz="2400"/>
-              <a:t> – </a:t>
-            </a:r>
-            <a:r>
-              <a:rPr lang="en" sz="2400" u="sng">
-                <a:solidFill>
-                  <a:schemeClr val="hlink"/>
-                </a:solidFill>
-                <a:hlinkClick r:id="rId6"/>
-              </a:rPr>
-              <a:t>https://dirkriehle.com</a:t>
-            </a:r>
-            <a:r>
-              <a:rPr lang="en" sz="2400"/>
-              <a:t> – </a:t>
-            </a:r>
-            <a:r>
-              <a:rPr lang="en" sz="2400" u="sng">
-                <a:solidFill>
-                  <a:schemeClr val="hlink"/>
-                </a:solidFill>
-                <a:hlinkClick r:id="rId7"/>
-              </a:rPr>
-              <a:t>@dirkriehle</a:t>
-            </a:r>
-            <a:endParaRPr sz="2400"/>
-          </a:p>
-        </p:txBody>
-      </p:sp>
-    </p:spTree>
-  </p:cSld>
-  <p:clrMapOvr>
-    <a:masterClrMapping/>
-  </p:clrMapOvr>
-</p:sld>
-</file>
-
-<file path=ppt/slides/slide22.xml><?xml version="1.0" encoding="utf-8"?>
-<p:sld xmlns:a="http://schemas.openxmlformats.org/drawingml/2006/main" xmlns:r="http://schemas.openxmlformats.org/officeDocument/2006/relationships" xmlns:mc="http://schemas.openxmlformats.org/markup-compatibility/2006" xmlns:mv="urn:schemas-microsoft-com:mac:vml" xmlns:p="http://schemas.openxmlformats.org/presentationml/2006/main" xmlns:c="http://schemas.openxmlformats.org/drawingml/2006/chart" xmlns:dgm="http://schemas.openxmlformats.org/drawingml/2006/diagram" xmlns:o="urn:schemas-microsoft-com:office:office" xmlns:v="urn:schemas-microsoft-com:vml" xmlns:pvml="urn:schemas-microsoft-com:office:powerpoint" xmlns:com="http://schemas.openxmlformats.org/drawingml/2006/compatibility" xmlns:p14="http://schemas.microsoft.com/office/powerpoint/2010/main" xmlns:p15="http://schemas.microsoft.com/office/powerpoint/2012/main" xmlns:ahyp="http://schemas.microsoft.com/office/drawing/2018/hyperlinkcolor">
-  <p:cSld>
-    <p:spTree>
-      <p:nvGrpSpPr>
-        <p:cNvPr id="184" name="Shape 184"/>
-        <p:cNvGrpSpPr/>
-        <p:nvPr/>
-      </p:nvGrpSpPr>
-      <p:grpSpPr>
-        <a:xfrm>
-          <a:off x="0" y="0"/>
-          <a:ext cx="0" cy="0"/>
-          <a:chOff x="0" y="0"/>
-          <a:chExt cx="0" cy="0"/>
-        </a:xfrm>
-      </p:grpSpPr>
-      <p:sp>
-        <p:nvSpPr>
-          <p:cNvPr id="185" name="Google Shape;185;p29"/>
-          <p:cNvSpPr txBox="1"/>
-          <p:nvPr>
-            <p:ph type="title"/>
-          </p:nvPr>
-        </p:nvSpPr>
-        <p:spPr>
-          <a:xfrm>
-            <a:off x="0" y="0"/>
-            <a:ext cx="9144000" cy="685800"/>
-          </a:xfrm>
-          <a:prstGeom prst="rect">
-            <a:avLst/>
-          </a:prstGeom>
-        </p:spPr>
-        <p:txBody>
-          <a:bodyPr anchorCtr="0" anchor="ctr" bIns="91425" lIns="274300" spcFirstLastPara="1" rIns="91425" wrap="square" tIns="91425">
-            <a:noAutofit/>
-          </a:bodyPr>
-          <a:lstStyle/>
-          <a:p>
-            <a:pPr indent="0" lvl="0" marL="0" rtl="0" algn="l">
-              <a:spcBef>
-                <a:spcPts val="0"/>
-              </a:spcBef>
-              <a:spcAft>
-                <a:spcPts val="0"/>
-              </a:spcAft>
-              <a:buNone/>
-            </a:pPr>
-            <a:r>
-              <a:rPr lang="en"/>
-              <a:t>Legal Notices</a:t>
-            </a:r>
-            <a:endParaRPr/>
-          </a:p>
-        </p:txBody>
-      </p:sp>
-      <p:sp>
-        <p:nvSpPr>
-          <p:cNvPr id="186" name="Google Shape;186;p29"/>
-          <p:cNvSpPr txBox="1"/>
-          <p:nvPr>
-            <p:ph idx="12" type="sldNum"/>
-          </p:nvPr>
-        </p:nvSpPr>
-        <p:spPr>
-          <a:xfrm>
-            <a:off x="7315202" y="4416550"/>
-            <a:ext cx="1828800" cy="731400"/>
-          </a:xfrm>
-          <a:prstGeom prst="rect">
-            <a:avLst/>
-          </a:prstGeom>
-        </p:spPr>
-        <p:txBody>
-          <a:bodyPr anchorCtr="0" anchor="b" bIns="91425" lIns="91425" spcFirstLastPara="1" rIns="91425" wrap="square" tIns="91425">
-            <a:noAutofit/>
-          </a:bodyPr>
-          <a:lstStyle/>
-          <a:p>
-            <a:pPr indent="0" lvl="0" marL="0" rtl="0" algn="r">
-              <a:spcBef>
-                <a:spcPts val="0"/>
-              </a:spcBef>
-              <a:spcAft>
-                <a:spcPts val="0"/>
-              </a:spcAft>
-              <a:buNone/>
-            </a:pPr>
-            <a:fld id="{00000000-1234-1234-1234-123412341234}" type="slidenum">
-              <a:rPr lang="en"/>
-              <a:t>‹#›</a:t>
-            </a:fld>
-            <a:endParaRPr/>
-          </a:p>
-          <a:p>
-            <a:pPr indent="0" lvl="0" marL="0" rtl="0" algn="r">
-              <a:spcBef>
-                <a:spcPts val="0"/>
-              </a:spcBef>
-              <a:spcAft>
-                <a:spcPts val="0"/>
-              </a:spcAft>
-              <a:buNone/>
-            </a:pPr>
-            <a:r>
-              <a:rPr b="0" lang="en" sz="900" u="sng">
-                <a:solidFill>
-                  <a:schemeClr val="hlink"/>
-                </a:solidFill>
-                <a:hlinkClick r:id="rId3"/>
-              </a:rPr>
-              <a:t>https://profriehle.com</a:t>
-            </a:r>
-            <a:r>
-              <a:rPr b="0" lang="en" sz="900">
-                <a:solidFill>
-                  <a:schemeClr val="dk2"/>
-                </a:solidFill>
-              </a:rPr>
-              <a:t> </a:t>
-            </a:r>
-            <a:endParaRPr b="0" sz="900">
-              <a:solidFill>
-                <a:schemeClr val="dk2"/>
-              </a:solidFill>
-            </a:endParaRPr>
-          </a:p>
-        </p:txBody>
-      </p:sp>
-      <p:sp>
-        <p:nvSpPr>
-          <p:cNvPr id="187" name="Google Shape;187;p29"/>
           <p:cNvSpPr txBox="1"/>
           <p:nvPr>
             <p:ph idx="1" type="body"/>
@@ -11862,7 +11570,7 @@
             </a:pPr>
             <a:r>
               <a:rPr lang="en"/>
-              <a:t>Course Syllabus</a:t>
+              <a:t>Course Content and Structure</a:t>
             </a:r>
             <a:endParaRPr/>
           </a:p>
@@ -11941,2395 +11649,34 @@
           </a:p>
         </p:txBody>
       </p:sp>
-      <p:graphicFrame>
-        <p:nvGraphicFramePr>
+      <p:pic>
+        <p:nvPicPr>
           <p:cNvPr id="58" name="Google Shape;58;p11"/>
-          <p:cNvGraphicFramePr/>
+          <p:cNvPicPr preferRelativeResize="0"/>
           <p:nvPr/>
-        </p:nvGraphicFramePr>
-        <p:xfrm>
-          <a:off x="274320" y="914400"/>
-          <a:ext cx="3000000" cy="3000000"/>
-        </p:xfrm>
-        <a:graphic>
-          <a:graphicData uri="http://schemas.openxmlformats.org/drawingml/2006/table">
-            <a:tbl>
-              <a:tblPr>
-                <a:noFill/>
-                <a:tableStyleId>{23EBFF20-7562-40A0-8FD4-97E65A76C2C4}</a:tableStyleId>
-              </a:tblPr>
-              <a:tblGrid>
-                <a:gridCol w="651300"/>
-                <a:gridCol w="2266250"/>
-                <a:gridCol w="5677825"/>
-              </a:tblGrid>
-              <a:tr h="316525">
-                <a:tc>
-                  <a:txBody>
-                    <a:bodyPr/>
-                    <a:lstStyle/>
-                    <a:p>
-                      <a:pPr indent="0" lvl="0" marL="0" rtl="0" algn="ctr">
-                        <a:spcBef>
-                          <a:spcPts val="0"/>
-                        </a:spcBef>
-                        <a:spcAft>
-                          <a:spcPts val="0"/>
-                        </a:spcAft>
-                        <a:buNone/>
-                      </a:pPr>
-                      <a:r>
-                        <a:rPr b="1" lang="en" sz="1200">
-                          <a:solidFill>
-                            <a:schemeClr val="lt1"/>
-                          </a:solidFill>
-                        </a:rPr>
-                        <a:t>1.</a:t>
-                      </a:r>
-                      <a:endParaRPr b="1" sz="1200">
-                        <a:solidFill>
-                          <a:schemeClr val="lt1"/>
-                        </a:solidFill>
-                      </a:endParaRPr>
-                    </a:p>
-                  </a:txBody>
-                  <a:tcPr marT="0" marB="0" marR="91425" marL="91425" anchor="ctr">
-                    <a:lnL cap="flat" cmpd="sng" w="38100">
-                      <a:solidFill>
-                        <a:schemeClr val="lt1"/>
-                      </a:solidFill>
-                      <a:prstDash val="solid"/>
-                      <a:round/>
-                      <a:headEnd len="sm" w="sm" type="none"/>
-                      <a:tailEnd len="sm" w="sm" type="none"/>
-                    </a:lnL>
-                    <a:lnR cap="flat" cmpd="sng" w="38100">
-                      <a:solidFill>
-                        <a:schemeClr val="lt1"/>
-                      </a:solidFill>
-                      <a:prstDash val="solid"/>
-                      <a:round/>
-                      <a:headEnd len="sm" w="sm" type="none"/>
-                      <a:tailEnd len="sm" w="sm" type="none"/>
-                    </a:lnR>
-                    <a:lnT cap="flat" cmpd="sng" w="38100">
-                      <a:solidFill>
-                        <a:schemeClr val="lt1"/>
-                      </a:solidFill>
-                      <a:prstDash val="solid"/>
-                      <a:round/>
-                      <a:headEnd len="sm" w="sm" type="none"/>
-                      <a:tailEnd len="sm" w="sm" type="none"/>
-                    </a:lnT>
-                    <a:lnB cap="flat" cmpd="sng" w="38100">
-                      <a:solidFill>
-                        <a:schemeClr val="lt1"/>
-                      </a:solidFill>
-                      <a:prstDash val="solid"/>
-                      <a:round/>
-                      <a:headEnd len="sm" w="sm" type="none"/>
-                      <a:tailEnd len="sm" w="sm" type="none"/>
-                    </a:lnB>
-                    <a:solidFill>
-                      <a:schemeClr val="accent4"/>
-                    </a:solidFill>
-                  </a:tcPr>
-                </a:tc>
-                <a:tc rowSpan="2">
-                  <a:txBody>
-                    <a:bodyPr/>
-                    <a:lstStyle/>
-                    <a:p>
-                      <a:pPr indent="0" lvl="0" marL="0" rtl="0" algn="l">
-                        <a:spcBef>
-                          <a:spcPts val="0"/>
-                        </a:spcBef>
-                        <a:spcAft>
-                          <a:spcPts val="0"/>
-                        </a:spcAft>
-                        <a:buNone/>
-                      </a:pPr>
-                      <a:r>
-                        <a:rPr b="1" lang="en" sz="1200">
-                          <a:solidFill>
-                            <a:schemeClr val="lt1"/>
-                          </a:solidFill>
-                        </a:rPr>
-                        <a:t>Science in general</a:t>
-                      </a:r>
-                      <a:endParaRPr b="1" sz="1200">
-                        <a:solidFill>
-                          <a:schemeClr val="lt1"/>
-                        </a:solidFill>
-                      </a:endParaRPr>
-                    </a:p>
-                  </a:txBody>
-                  <a:tcPr marT="0" marB="0" marR="91425" marL="91425" anchor="ctr">
-                    <a:lnL cap="flat" cmpd="sng" w="38100">
-                      <a:solidFill>
-                        <a:schemeClr val="lt1"/>
-                      </a:solidFill>
-                      <a:prstDash val="solid"/>
-                      <a:round/>
-                      <a:headEnd len="sm" w="sm" type="none"/>
-                      <a:tailEnd len="sm" w="sm" type="none"/>
-                    </a:lnL>
-                    <a:lnR cap="flat" cmpd="sng" w="38100">
-                      <a:solidFill>
-                        <a:schemeClr val="lt1"/>
-                      </a:solidFill>
-                      <a:prstDash val="solid"/>
-                      <a:round/>
-                      <a:headEnd len="sm" w="sm" type="none"/>
-                      <a:tailEnd len="sm" w="sm" type="none"/>
-                    </a:lnR>
-                    <a:lnT cap="flat" cmpd="sng" w="38100">
-                      <a:solidFill>
-                        <a:schemeClr val="lt1"/>
-                      </a:solidFill>
-                      <a:prstDash val="solid"/>
-                      <a:round/>
-                      <a:headEnd len="sm" w="sm" type="none"/>
-                      <a:tailEnd len="sm" w="sm" type="none"/>
-                    </a:lnT>
-                    <a:lnB cap="flat" cmpd="sng" w="38100">
-                      <a:solidFill>
-                        <a:schemeClr val="lt1"/>
-                      </a:solidFill>
-                      <a:prstDash val="solid"/>
-                      <a:round/>
-                      <a:headEnd len="sm" w="sm" type="none"/>
-                      <a:tailEnd len="sm" w="sm" type="none"/>
-                    </a:lnB>
-                    <a:solidFill>
-                      <a:schemeClr val="dk2"/>
-                    </a:solidFill>
-                  </a:tcPr>
-                </a:tc>
-                <a:tc>
-                  <a:txBody>
-                    <a:bodyPr/>
-                    <a:lstStyle/>
-                    <a:p>
-                      <a:pPr indent="0" lvl="0" marL="0" rtl="0" algn="l">
-                        <a:spcBef>
-                          <a:spcPts val="0"/>
-                        </a:spcBef>
-                        <a:spcAft>
-                          <a:spcPts val="0"/>
-                        </a:spcAft>
-                        <a:buNone/>
-                      </a:pPr>
-                      <a:r>
-                        <a:rPr lang="en" sz="1200"/>
-                        <a:t>What is science?</a:t>
-                      </a:r>
-                      <a:endParaRPr sz="1200"/>
-                    </a:p>
-                  </a:txBody>
-                  <a:tcPr marT="0" marB="0" marR="91425" marL="91425" anchor="ctr">
-                    <a:lnL cap="flat" cmpd="sng" w="38100">
-                      <a:solidFill>
-                        <a:schemeClr val="lt1"/>
-                      </a:solidFill>
-                      <a:prstDash val="solid"/>
-                      <a:round/>
-                      <a:headEnd len="sm" w="sm" type="none"/>
-                      <a:tailEnd len="sm" w="sm" type="none"/>
-                    </a:lnL>
-                    <a:lnR cap="flat" cmpd="sng" w="38100">
-                      <a:solidFill>
-                        <a:schemeClr val="lt1"/>
-                      </a:solidFill>
-                      <a:prstDash val="solid"/>
-                      <a:round/>
-                      <a:headEnd len="sm" w="sm" type="none"/>
-                      <a:tailEnd len="sm" w="sm" type="none"/>
-                    </a:lnR>
-                    <a:lnT cap="flat" cmpd="sng" w="38100">
-                      <a:solidFill>
-                        <a:schemeClr val="lt1"/>
-                      </a:solidFill>
-                      <a:prstDash val="solid"/>
-                      <a:round/>
-                      <a:headEnd len="sm" w="sm" type="none"/>
-                      <a:tailEnd len="sm" w="sm" type="none"/>
-                    </a:lnT>
-                    <a:lnB cap="flat" cmpd="sng" w="38100">
-                      <a:solidFill>
-                        <a:schemeClr val="lt1"/>
-                      </a:solidFill>
-                      <a:prstDash val="solid"/>
-                      <a:round/>
-                      <a:headEnd len="sm" w="sm" type="none"/>
-                      <a:tailEnd len="sm" w="sm" type="none"/>
-                    </a:lnB>
-                  </a:tcPr>
-                </a:tc>
-              </a:tr>
-              <a:tr h="316525">
-                <a:tc>
-                  <a:txBody>
-                    <a:bodyPr/>
-                    <a:lstStyle/>
-                    <a:p>
-                      <a:pPr indent="0" lvl="0" marL="0" rtl="0" algn="ctr">
-                        <a:spcBef>
-                          <a:spcPts val="0"/>
-                        </a:spcBef>
-                        <a:spcAft>
-                          <a:spcPts val="0"/>
-                        </a:spcAft>
-                        <a:buNone/>
-                      </a:pPr>
-                      <a:r>
-                        <a:rPr b="1" lang="en" sz="1200">
-                          <a:solidFill>
-                            <a:schemeClr val="lt1"/>
-                          </a:solidFill>
-                        </a:rPr>
-                        <a:t>2.</a:t>
-                      </a:r>
-                      <a:endParaRPr b="1" sz="1200">
-                        <a:solidFill>
-                          <a:schemeClr val="lt1"/>
-                        </a:solidFill>
-                      </a:endParaRPr>
-                    </a:p>
-                  </a:txBody>
-                  <a:tcPr marT="0" marB="0" marR="91425" marL="91425" anchor="ctr">
-                    <a:lnL cap="flat" cmpd="sng" w="38100">
-                      <a:solidFill>
-                        <a:schemeClr val="lt1"/>
-                      </a:solidFill>
-                      <a:prstDash val="solid"/>
-                      <a:round/>
-                      <a:headEnd len="sm" w="sm" type="none"/>
-                      <a:tailEnd len="sm" w="sm" type="none"/>
-                    </a:lnL>
-                    <a:lnR cap="flat" cmpd="sng" w="38100">
-                      <a:solidFill>
-                        <a:schemeClr val="lt1"/>
-                      </a:solidFill>
-                      <a:prstDash val="solid"/>
-                      <a:round/>
-                      <a:headEnd len="sm" w="sm" type="none"/>
-                      <a:tailEnd len="sm" w="sm" type="none"/>
-                    </a:lnR>
-                    <a:lnT cap="flat" cmpd="sng" w="38100">
-                      <a:solidFill>
-                        <a:schemeClr val="lt1"/>
-                      </a:solidFill>
-                      <a:prstDash val="solid"/>
-                      <a:round/>
-                      <a:headEnd len="sm" w="sm" type="none"/>
-                      <a:tailEnd len="sm" w="sm" type="none"/>
-                    </a:lnT>
-                    <a:lnB cap="flat" cmpd="sng" w="38100">
-                      <a:solidFill>
-                        <a:schemeClr val="lt1"/>
-                      </a:solidFill>
-                      <a:prstDash val="solid"/>
-                      <a:round/>
-                      <a:headEnd len="sm" w="sm" type="none"/>
-                      <a:tailEnd len="sm" w="sm" type="none"/>
-                    </a:lnB>
-                    <a:solidFill>
-                      <a:schemeClr val="accent4"/>
-                    </a:solidFill>
-                  </a:tcPr>
-                </a:tc>
-                <a:tc vMerge="1"/>
-                <a:tc>
-                  <a:txBody>
-                    <a:bodyPr/>
-                    <a:lstStyle/>
-                    <a:p>
-                      <a:pPr indent="0" lvl="0" marL="0" rtl="0" algn="l">
-                        <a:spcBef>
-                          <a:spcPts val="0"/>
-                        </a:spcBef>
-                        <a:spcAft>
-                          <a:spcPts val="0"/>
-                        </a:spcAft>
-                        <a:buNone/>
-                      </a:pPr>
-                      <a:r>
-                        <a:rPr lang="en" sz="1200">
-                          <a:solidFill>
-                            <a:schemeClr val="dk1"/>
-                          </a:solidFill>
-                        </a:rPr>
-                        <a:t>Scientific research</a:t>
-                      </a:r>
-                      <a:endParaRPr sz="1200">
-                        <a:solidFill>
-                          <a:schemeClr val="dk1"/>
-                        </a:solidFill>
-                      </a:endParaRPr>
-                    </a:p>
-                  </a:txBody>
-                  <a:tcPr marT="0" marB="0" marR="91425" marL="91425" anchor="ctr">
-                    <a:lnL cap="flat" cmpd="sng" w="38100">
-                      <a:solidFill>
-                        <a:schemeClr val="lt1"/>
-                      </a:solidFill>
-                      <a:prstDash val="solid"/>
-                      <a:round/>
-                      <a:headEnd len="sm" w="sm" type="none"/>
-                      <a:tailEnd len="sm" w="sm" type="none"/>
-                    </a:lnL>
-                    <a:lnR cap="flat" cmpd="sng" w="38100">
-                      <a:solidFill>
-                        <a:schemeClr val="lt1"/>
-                      </a:solidFill>
-                      <a:prstDash val="solid"/>
-                      <a:round/>
-                      <a:headEnd len="sm" w="sm" type="none"/>
-                      <a:tailEnd len="sm" w="sm" type="none"/>
-                    </a:lnR>
-                    <a:lnT cap="flat" cmpd="sng" w="38100">
-                      <a:solidFill>
-                        <a:schemeClr val="lt1"/>
-                      </a:solidFill>
-                      <a:prstDash val="solid"/>
-                      <a:round/>
-                      <a:headEnd len="sm" w="sm" type="none"/>
-                      <a:tailEnd len="sm" w="sm" type="none"/>
-                    </a:lnT>
-                    <a:lnB cap="flat" cmpd="sng" w="38100">
-                      <a:solidFill>
-                        <a:schemeClr val="lt1"/>
-                      </a:solidFill>
-                      <a:prstDash val="solid"/>
-                      <a:round/>
-                      <a:headEnd len="sm" w="sm" type="none"/>
-                      <a:tailEnd len="sm" w="sm" type="none"/>
-                    </a:lnB>
-                    <a:solidFill>
-                      <a:schemeClr val="lt2"/>
-                    </a:solidFill>
-                  </a:tcPr>
-                </a:tc>
-              </a:tr>
-              <a:tr h="316525">
-                <a:tc>
-                  <a:txBody>
-                    <a:bodyPr/>
-                    <a:lstStyle/>
-                    <a:p>
-                      <a:pPr indent="0" lvl="0" marL="0" rtl="0" algn="ctr">
-                        <a:spcBef>
-                          <a:spcPts val="0"/>
-                        </a:spcBef>
-                        <a:spcAft>
-                          <a:spcPts val="0"/>
-                        </a:spcAft>
-                        <a:buNone/>
-                      </a:pPr>
-                      <a:r>
-                        <a:rPr b="1" lang="en" sz="1200">
-                          <a:solidFill>
-                            <a:schemeClr val="lt1"/>
-                          </a:solidFill>
-                        </a:rPr>
-                        <a:t>3.</a:t>
-                      </a:r>
-                      <a:endParaRPr b="1" sz="1200">
-                        <a:solidFill>
-                          <a:schemeClr val="lt1"/>
-                        </a:solidFill>
-                      </a:endParaRPr>
-                    </a:p>
-                  </a:txBody>
-                  <a:tcPr marT="0" marB="0" marR="91425" marL="91425" anchor="ctr">
-                    <a:lnL cap="flat" cmpd="sng" w="38100">
-                      <a:solidFill>
-                        <a:schemeClr val="lt1"/>
-                      </a:solidFill>
-                      <a:prstDash val="solid"/>
-                      <a:round/>
-                      <a:headEnd len="sm" w="sm" type="none"/>
-                      <a:tailEnd len="sm" w="sm" type="none"/>
-                    </a:lnL>
-                    <a:lnR cap="flat" cmpd="sng" w="38100">
-                      <a:solidFill>
-                        <a:schemeClr val="lt1"/>
-                      </a:solidFill>
-                      <a:prstDash val="solid"/>
-                      <a:round/>
-                      <a:headEnd len="sm" w="sm" type="none"/>
-                      <a:tailEnd len="sm" w="sm" type="none"/>
-                    </a:lnR>
-                    <a:lnT cap="flat" cmpd="sng" w="38100">
-                      <a:solidFill>
-                        <a:schemeClr val="lt1"/>
-                      </a:solidFill>
-                      <a:prstDash val="solid"/>
-                      <a:round/>
-                      <a:headEnd len="sm" w="sm" type="none"/>
-                      <a:tailEnd len="sm" w="sm" type="none"/>
-                    </a:lnT>
-                    <a:lnB cap="flat" cmpd="sng" w="38100">
-                      <a:solidFill>
-                        <a:schemeClr val="lt1"/>
-                      </a:solidFill>
-                      <a:prstDash val="solid"/>
-                      <a:round/>
-                      <a:headEnd len="sm" w="sm" type="none"/>
-                      <a:tailEnd len="sm" w="sm" type="none"/>
-                    </a:lnB>
-                    <a:solidFill>
-                      <a:schemeClr val="accent4"/>
-                    </a:solidFill>
-                  </a:tcPr>
-                </a:tc>
-                <a:tc rowSpan="2">
-                  <a:txBody>
-                    <a:bodyPr/>
-                    <a:lstStyle/>
-                    <a:p>
-                      <a:pPr indent="0" lvl="0" marL="0" rtl="0" algn="l">
-                        <a:spcBef>
-                          <a:spcPts val="0"/>
-                        </a:spcBef>
-                        <a:spcAft>
-                          <a:spcPts val="0"/>
-                        </a:spcAft>
-                        <a:buNone/>
-                      </a:pPr>
-                      <a:r>
-                        <a:rPr b="1" lang="en" sz="1200">
-                          <a:solidFill>
-                            <a:schemeClr val="lt1"/>
-                          </a:solidFill>
-                        </a:rPr>
-                        <a:t>Research methods</a:t>
-                      </a:r>
-                      <a:endParaRPr b="1" sz="1200">
-                        <a:solidFill>
-                          <a:schemeClr val="lt1"/>
-                        </a:solidFill>
-                      </a:endParaRPr>
-                    </a:p>
-                  </a:txBody>
-                  <a:tcPr marT="0" marB="0" marR="91425" marL="91425" anchor="ctr">
-                    <a:lnL cap="flat" cmpd="sng" w="38100">
-                      <a:solidFill>
-                        <a:schemeClr val="lt1"/>
-                      </a:solidFill>
-                      <a:prstDash val="solid"/>
-                      <a:round/>
-                      <a:headEnd len="sm" w="sm" type="none"/>
-                      <a:tailEnd len="sm" w="sm" type="none"/>
-                    </a:lnL>
-                    <a:lnR cap="flat" cmpd="sng" w="38100">
-                      <a:solidFill>
-                        <a:schemeClr val="lt1"/>
-                      </a:solidFill>
-                      <a:prstDash val="solid"/>
-                      <a:round/>
-                      <a:headEnd len="sm" w="sm" type="none"/>
-                      <a:tailEnd len="sm" w="sm" type="none"/>
-                    </a:lnR>
-                    <a:lnT cap="flat" cmpd="sng" w="38100">
-                      <a:solidFill>
-                        <a:schemeClr val="lt1"/>
-                      </a:solidFill>
-                      <a:prstDash val="solid"/>
-                      <a:round/>
-                      <a:headEnd len="sm" w="sm" type="none"/>
-                      <a:tailEnd len="sm" w="sm" type="none"/>
-                    </a:lnT>
-                    <a:lnB cap="flat" cmpd="sng" w="38100">
-                      <a:solidFill>
-                        <a:schemeClr val="lt1"/>
-                      </a:solidFill>
-                      <a:prstDash val="solid"/>
-                      <a:round/>
-                      <a:headEnd len="sm" w="sm" type="none"/>
-                      <a:tailEnd len="sm" w="sm" type="none"/>
-                    </a:lnB>
-                    <a:solidFill>
-                      <a:schemeClr val="dk2"/>
-                    </a:solidFill>
-                  </a:tcPr>
-                </a:tc>
-                <a:tc>
-                  <a:txBody>
-                    <a:bodyPr/>
-                    <a:lstStyle/>
-                    <a:p>
-                      <a:pPr indent="0" lvl="0" marL="0" rtl="0" algn="l">
-                        <a:spcBef>
-                          <a:spcPts val="0"/>
-                        </a:spcBef>
-                        <a:spcAft>
-                          <a:spcPts val="0"/>
-                        </a:spcAft>
-                        <a:buNone/>
-                      </a:pPr>
-                      <a:r>
-                        <a:rPr lang="en" sz="1200">
-                          <a:solidFill>
-                            <a:schemeClr val="dk1"/>
-                          </a:solidFill>
-                        </a:rPr>
-                        <a:t>Qualitative data analysis</a:t>
-                      </a:r>
-                      <a:endParaRPr sz="1200">
-                        <a:solidFill>
-                          <a:schemeClr val="dk1"/>
-                        </a:solidFill>
-                      </a:endParaRPr>
-                    </a:p>
-                  </a:txBody>
-                  <a:tcPr marT="0" marB="0" marR="91425" marL="91425" anchor="ctr">
-                    <a:lnL cap="flat" cmpd="sng" w="38100">
-                      <a:solidFill>
-                        <a:schemeClr val="lt1"/>
-                      </a:solidFill>
-                      <a:prstDash val="solid"/>
-                      <a:round/>
-                      <a:headEnd len="sm" w="sm" type="none"/>
-                      <a:tailEnd len="sm" w="sm" type="none"/>
-                    </a:lnL>
-                    <a:lnR cap="flat" cmpd="sng" w="38100">
-                      <a:solidFill>
-                        <a:schemeClr val="lt1"/>
-                      </a:solidFill>
-                      <a:prstDash val="solid"/>
-                      <a:round/>
-                      <a:headEnd len="sm" w="sm" type="none"/>
-                      <a:tailEnd len="sm" w="sm" type="none"/>
-                    </a:lnR>
-                    <a:lnT cap="flat" cmpd="sng" w="38100">
-                      <a:solidFill>
-                        <a:schemeClr val="lt1"/>
-                      </a:solidFill>
-                      <a:prstDash val="solid"/>
-                      <a:round/>
-                      <a:headEnd len="sm" w="sm" type="none"/>
-                      <a:tailEnd len="sm" w="sm" type="none"/>
-                    </a:lnT>
-                    <a:lnB cap="flat" cmpd="sng" w="38100">
-                      <a:solidFill>
-                        <a:schemeClr val="lt1"/>
-                      </a:solidFill>
-                      <a:prstDash val="solid"/>
-                      <a:round/>
-                      <a:headEnd len="sm" w="sm" type="none"/>
-                      <a:tailEnd len="sm" w="sm" type="none"/>
-                    </a:lnB>
-                    <a:solidFill>
-                      <a:schemeClr val="lt1"/>
-                    </a:solidFill>
-                  </a:tcPr>
-                </a:tc>
-              </a:tr>
-              <a:tr h="316525">
-                <a:tc>
-                  <a:txBody>
-                    <a:bodyPr/>
-                    <a:lstStyle/>
-                    <a:p>
-                      <a:pPr indent="0" lvl="0" marL="0" rtl="0" algn="ctr">
-                        <a:spcBef>
-                          <a:spcPts val="0"/>
-                        </a:spcBef>
-                        <a:spcAft>
-                          <a:spcPts val="0"/>
-                        </a:spcAft>
-                        <a:buNone/>
-                      </a:pPr>
-                      <a:r>
-                        <a:rPr b="1" lang="en" sz="1200">
-                          <a:solidFill>
-                            <a:schemeClr val="lt1"/>
-                          </a:solidFill>
-                        </a:rPr>
-                        <a:t>4.</a:t>
-                      </a:r>
-                      <a:endParaRPr b="1" sz="1200">
-                        <a:solidFill>
-                          <a:schemeClr val="lt1"/>
-                        </a:solidFill>
-                      </a:endParaRPr>
-                    </a:p>
-                  </a:txBody>
-                  <a:tcPr marT="0" marB="0" marR="91425" marL="91425" anchor="ctr">
-                    <a:lnL cap="flat" cmpd="sng" w="38100">
-                      <a:solidFill>
-                        <a:schemeClr val="lt1"/>
-                      </a:solidFill>
-                      <a:prstDash val="solid"/>
-                      <a:round/>
-                      <a:headEnd len="sm" w="sm" type="none"/>
-                      <a:tailEnd len="sm" w="sm" type="none"/>
-                    </a:lnL>
-                    <a:lnR cap="flat" cmpd="sng" w="38100">
-                      <a:solidFill>
-                        <a:schemeClr val="lt1"/>
-                      </a:solidFill>
-                      <a:prstDash val="solid"/>
-                      <a:round/>
-                      <a:headEnd len="sm" w="sm" type="none"/>
-                      <a:tailEnd len="sm" w="sm" type="none"/>
-                    </a:lnR>
-                    <a:lnT cap="flat" cmpd="sng" w="38100">
-                      <a:solidFill>
-                        <a:schemeClr val="lt1"/>
-                      </a:solidFill>
-                      <a:prstDash val="solid"/>
-                      <a:round/>
-                      <a:headEnd len="sm" w="sm" type="none"/>
-                      <a:tailEnd len="sm" w="sm" type="none"/>
-                    </a:lnT>
-                    <a:lnB cap="flat" cmpd="sng" w="38100">
-                      <a:solidFill>
-                        <a:schemeClr val="lt1"/>
-                      </a:solidFill>
-                      <a:prstDash val="solid"/>
-                      <a:round/>
-                      <a:headEnd len="sm" w="sm" type="none"/>
-                      <a:tailEnd len="sm" w="sm" type="none"/>
-                    </a:lnB>
-                    <a:solidFill>
-                      <a:schemeClr val="accent4"/>
-                    </a:solidFill>
-                  </a:tcPr>
-                </a:tc>
-                <a:tc vMerge="1"/>
-                <a:tc>
-                  <a:txBody>
-                    <a:bodyPr/>
-                    <a:lstStyle/>
-                    <a:p>
-                      <a:pPr indent="0" lvl="0" marL="0" rtl="0" algn="l">
-                        <a:spcBef>
-                          <a:spcPts val="0"/>
-                        </a:spcBef>
-                        <a:spcAft>
-                          <a:spcPts val="0"/>
-                        </a:spcAft>
-                        <a:buNone/>
-                      </a:pPr>
-                      <a:r>
-                        <a:rPr lang="en" sz="1200">
-                          <a:solidFill>
-                            <a:schemeClr val="dk1"/>
-                          </a:solidFill>
-                        </a:rPr>
-                        <a:t>Literature reviews</a:t>
-                      </a:r>
-                      <a:endParaRPr sz="1200">
-                        <a:solidFill>
-                          <a:schemeClr val="dk1"/>
-                        </a:solidFill>
-                      </a:endParaRPr>
-                    </a:p>
-                  </a:txBody>
-                  <a:tcPr marT="0" marB="0" marR="91425" marL="91425" anchor="ctr">
-                    <a:lnL cap="flat" cmpd="sng" w="38100">
-                      <a:solidFill>
-                        <a:schemeClr val="lt1"/>
-                      </a:solidFill>
-                      <a:prstDash val="solid"/>
-                      <a:round/>
-                      <a:headEnd len="sm" w="sm" type="none"/>
-                      <a:tailEnd len="sm" w="sm" type="none"/>
-                    </a:lnL>
-                    <a:lnR cap="flat" cmpd="sng" w="38100">
-                      <a:solidFill>
-                        <a:schemeClr val="lt1"/>
-                      </a:solidFill>
-                      <a:prstDash val="solid"/>
-                      <a:round/>
-                      <a:headEnd len="sm" w="sm" type="none"/>
-                      <a:tailEnd len="sm" w="sm" type="none"/>
-                    </a:lnR>
-                    <a:lnT cap="flat" cmpd="sng" w="38100">
-                      <a:solidFill>
-                        <a:schemeClr val="lt1"/>
-                      </a:solidFill>
-                      <a:prstDash val="solid"/>
-                      <a:round/>
-                      <a:headEnd len="sm" w="sm" type="none"/>
-                      <a:tailEnd len="sm" w="sm" type="none"/>
-                    </a:lnT>
-                    <a:lnB cap="flat" cmpd="sng" w="38100">
-                      <a:solidFill>
-                        <a:schemeClr val="lt1"/>
-                      </a:solidFill>
-                      <a:prstDash val="solid"/>
-                      <a:round/>
-                      <a:headEnd len="sm" w="sm" type="none"/>
-                      <a:tailEnd len="sm" w="sm" type="none"/>
-                    </a:lnB>
-                    <a:solidFill>
-                      <a:schemeClr val="lt2"/>
-                    </a:solidFill>
-                  </a:tcPr>
-                </a:tc>
-              </a:tr>
-              <a:tr h="316525">
-                <a:tc>
-                  <a:txBody>
-                    <a:bodyPr/>
-                    <a:lstStyle/>
-                    <a:p>
-                      <a:pPr indent="0" lvl="0" marL="0" rtl="0" algn="ctr">
-                        <a:spcBef>
-                          <a:spcPts val="0"/>
-                        </a:spcBef>
-                        <a:spcAft>
-                          <a:spcPts val="0"/>
-                        </a:spcAft>
-                        <a:buNone/>
-                      </a:pPr>
-                      <a:r>
-                        <a:rPr b="1" lang="en" sz="1200">
-                          <a:solidFill>
-                            <a:schemeClr val="lt1"/>
-                          </a:solidFill>
-                        </a:rPr>
-                        <a:t>5.</a:t>
-                      </a:r>
-                      <a:endParaRPr b="1" sz="1200">
-                        <a:solidFill>
-                          <a:schemeClr val="lt1"/>
-                        </a:solidFill>
-                      </a:endParaRPr>
-                    </a:p>
-                  </a:txBody>
-                  <a:tcPr marT="0" marB="0" marR="91425" marL="91425" anchor="ctr">
-                    <a:lnL cap="flat" cmpd="sng" w="38100">
-                      <a:solidFill>
-                        <a:schemeClr val="lt1"/>
-                      </a:solidFill>
-                      <a:prstDash val="solid"/>
-                      <a:round/>
-                      <a:headEnd len="sm" w="sm" type="none"/>
-                      <a:tailEnd len="sm" w="sm" type="none"/>
-                    </a:lnL>
-                    <a:lnR cap="flat" cmpd="sng" w="38100">
-                      <a:solidFill>
-                        <a:schemeClr val="lt1"/>
-                      </a:solidFill>
-                      <a:prstDash val="solid"/>
-                      <a:round/>
-                      <a:headEnd len="sm" w="sm" type="none"/>
-                      <a:tailEnd len="sm" w="sm" type="none"/>
-                    </a:lnR>
-                    <a:lnT cap="flat" cmpd="sng" w="38100">
-                      <a:solidFill>
-                        <a:schemeClr val="lt1"/>
-                      </a:solidFill>
-                      <a:prstDash val="solid"/>
-                      <a:round/>
-                      <a:headEnd len="sm" w="sm" type="none"/>
-                      <a:tailEnd len="sm" w="sm" type="none"/>
-                    </a:lnT>
-                    <a:lnB cap="flat" cmpd="sng" w="38100">
-                      <a:solidFill>
-                        <a:schemeClr val="lt1"/>
-                      </a:solidFill>
-                      <a:prstDash val="solid"/>
-                      <a:round/>
-                      <a:headEnd len="sm" w="sm" type="none"/>
-                      <a:tailEnd len="sm" w="sm" type="none"/>
-                    </a:lnB>
-                    <a:solidFill>
-                      <a:schemeClr val="accent4"/>
-                    </a:solidFill>
-                  </a:tcPr>
-                </a:tc>
-                <a:tc>
-                  <a:txBody>
-                    <a:bodyPr/>
-                    <a:lstStyle/>
-                    <a:p>
-                      <a:pPr indent="0" lvl="0" marL="0" rtl="0" algn="l">
-                        <a:spcBef>
-                          <a:spcPts val="0"/>
-                        </a:spcBef>
-                        <a:spcAft>
-                          <a:spcPts val="0"/>
-                        </a:spcAft>
-                        <a:buNone/>
-                      </a:pPr>
-                      <a:r>
-                        <a:rPr b="1" lang="en" sz="1200">
-                          <a:solidFill>
-                            <a:schemeClr val="lt1"/>
-                          </a:solidFill>
-                        </a:rPr>
-                        <a:t>Science in general</a:t>
-                      </a:r>
-                      <a:endParaRPr sz="1200">
-                        <a:solidFill>
-                          <a:schemeClr val="lt1"/>
-                        </a:solidFill>
-                      </a:endParaRPr>
-                    </a:p>
-                  </a:txBody>
-                  <a:tcPr marT="0" marB="0" marR="91425" marL="91425" anchor="ctr">
-                    <a:lnL cap="flat" cmpd="sng" w="38100">
-                      <a:solidFill>
-                        <a:schemeClr val="lt1"/>
-                      </a:solidFill>
-                      <a:prstDash val="solid"/>
-                      <a:round/>
-                      <a:headEnd len="sm" w="sm" type="none"/>
-                      <a:tailEnd len="sm" w="sm" type="none"/>
-                    </a:lnL>
-                    <a:lnR cap="flat" cmpd="sng" w="38100">
-                      <a:solidFill>
-                        <a:schemeClr val="lt1"/>
-                      </a:solidFill>
-                      <a:prstDash val="solid"/>
-                      <a:round/>
-                      <a:headEnd len="sm" w="sm" type="none"/>
-                      <a:tailEnd len="sm" w="sm" type="none"/>
-                    </a:lnR>
-                    <a:lnT cap="flat" cmpd="sng" w="38100">
-                      <a:solidFill>
-                        <a:schemeClr val="lt1"/>
-                      </a:solidFill>
-                      <a:prstDash val="solid"/>
-                      <a:round/>
-                      <a:headEnd len="sm" w="sm" type="none"/>
-                      <a:tailEnd len="sm" w="sm" type="none"/>
-                    </a:lnT>
-                    <a:lnB cap="flat" cmpd="sng" w="38100">
-                      <a:solidFill>
-                        <a:schemeClr val="lt1"/>
-                      </a:solidFill>
-                      <a:prstDash val="solid"/>
-                      <a:round/>
-                      <a:headEnd len="sm" w="sm" type="none"/>
-                      <a:tailEnd len="sm" w="sm" type="none"/>
-                    </a:lnB>
-                    <a:solidFill>
-                      <a:schemeClr val="dk2"/>
-                    </a:solidFill>
-                  </a:tcPr>
-                </a:tc>
-                <a:tc>
-                  <a:txBody>
-                    <a:bodyPr/>
-                    <a:lstStyle/>
-                    <a:p>
-                      <a:pPr indent="0" lvl="0" marL="0" rtl="0" algn="l">
-                        <a:spcBef>
-                          <a:spcPts val="0"/>
-                        </a:spcBef>
-                        <a:spcAft>
-                          <a:spcPts val="0"/>
-                        </a:spcAft>
-                        <a:buNone/>
-                      </a:pPr>
-                      <a:r>
-                        <a:rPr lang="en" sz="1200">
-                          <a:solidFill>
-                            <a:schemeClr val="dk1"/>
-                          </a:solidFill>
-                        </a:rPr>
-                        <a:t>Theory building</a:t>
-                      </a:r>
-                      <a:endParaRPr sz="1200">
-                        <a:solidFill>
-                          <a:schemeClr val="dk1"/>
-                        </a:solidFill>
-                      </a:endParaRPr>
-                    </a:p>
-                  </a:txBody>
-                  <a:tcPr marT="0" marB="0" marR="91425" marL="91425" anchor="ctr">
-                    <a:lnL cap="flat" cmpd="sng" w="38100">
-                      <a:solidFill>
-                        <a:schemeClr val="lt1"/>
-                      </a:solidFill>
-                      <a:prstDash val="solid"/>
-                      <a:round/>
-                      <a:headEnd len="sm" w="sm" type="none"/>
-                      <a:tailEnd len="sm" w="sm" type="none"/>
-                    </a:lnL>
-                    <a:lnR cap="flat" cmpd="sng" w="38100">
-                      <a:solidFill>
-                        <a:schemeClr val="lt1"/>
-                      </a:solidFill>
-                      <a:prstDash val="solid"/>
-                      <a:round/>
-                      <a:headEnd len="sm" w="sm" type="none"/>
-                      <a:tailEnd len="sm" w="sm" type="none"/>
-                    </a:lnR>
-                    <a:lnT cap="flat" cmpd="sng" w="38100">
-                      <a:solidFill>
-                        <a:schemeClr val="lt1"/>
-                      </a:solidFill>
-                      <a:prstDash val="solid"/>
-                      <a:round/>
-                      <a:headEnd len="sm" w="sm" type="none"/>
-                      <a:tailEnd len="sm" w="sm" type="none"/>
-                    </a:lnT>
-                    <a:lnB cap="flat" cmpd="sng" w="38100">
-                      <a:solidFill>
-                        <a:schemeClr val="lt1"/>
-                      </a:solidFill>
-                      <a:prstDash val="solid"/>
-                      <a:round/>
-                      <a:headEnd len="sm" w="sm" type="none"/>
-                      <a:tailEnd len="sm" w="sm" type="none"/>
-                    </a:lnB>
-                    <a:solidFill>
-                      <a:schemeClr val="lt1"/>
-                    </a:solidFill>
-                  </a:tcPr>
-                </a:tc>
-              </a:tr>
-              <a:tr h="316525">
-                <a:tc>
-                  <a:txBody>
-                    <a:bodyPr/>
-                    <a:lstStyle/>
-                    <a:p>
-                      <a:pPr indent="0" lvl="0" marL="0" rtl="0" algn="ctr">
-                        <a:spcBef>
-                          <a:spcPts val="0"/>
-                        </a:spcBef>
-                        <a:spcAft>
-                          <a:spcPts val="0"/>
-                        </a:spcAft>
-                        <a:buNone/>
-                      </a:pPr>
-                      <a:r>
-                        <a:rPr b="1" lang="en" sz="1200">
-                          <a:solidFill>
-                            <a:schemeClr val="lt1"/>
-                          </a:solidFill>
-                        </a:rPr>
-                        <a:t>6.</a:t>
-                      </a:r>
-                      <a:endParaRPr b="1" sz="1200">
-                        <a:solidFill>
-                          <a:schemeClr val="lt1"/>
-                        </a:solidFill>
-                      </a:endParaRPr>
-                    </a:p>
-                  </a:txBody>
-                  <a:tcPr marT="0" marB="0" marR="91425" marL="91425" anchor="ctr">
-                    <a:lnL cap="flat" cmpd="sng" w="38100">
-                      <a:solidFill>
-                        <a:schemeClr val="lt1"/>
-                      </a:solidFill>
-                      <a:prstDash val="solid"/>
-                      <a:round/>
-                      <a:headEnd len="sm" w="sm" type="none"/>
-                      <a:tailEnd len="sm" w="sm" type="none"/>
-                    </a:lnL>
-                    <a:lnR cap="flat" cmpd="sng" w="38100">
-                      <a:solidFill>
-                        <a:schemeClr val="lt1"/>
-                      </a:solidFill>
-                      <a:prstDash val="solid"/>
-                      <a:round/>
-                      <a:headEnd len="sm" w="sm" type="none"/>
-                      <a:tailEnd len="sm" w="sm" type="none"/>
-                    </a:lnR>
-                    <a:lnT cap="flat" cmpd="sng" w="38100">
-                      <a:solidFill>
-                        <a:schemeClr val="lt1"/>
-                      </a:solidFill>
-                      <a:prstDash val="solid"/>
-                      <a:round/>
-                      <a:headEnd len="sm" w="sm" type="none"/>
-                      <a:tailEnd len="sm" w="sm" type="none"/>
-                    </a:lnT>
-                    <a:lnB cap="flat" cmpd="sng" w="38100">
-                      <a:solidFill>
-                        <a:schemeClr val="lt1"/>
-                      </a:solidFill>
-                      <a:prstDash val="solid"/>
-                      <a:round/>
-                      <a:headEnd len="sm" w="sm" type="none"/>
-                      <a:tailEnd len="sm" w="sm" type="none"/>
-                    </a:lnB>
-                    <a:solidFill>
-                      <a:schemeClr val="accent4"/>
-                    </a:solidFill>
-                  </a:tcPr>
-                </a:tc>
-                <a:tc rowSpan="3">
-                  <a:txBody>
-                    <a:bodyPr/>
-                    <a:lstStyle/>
-                    <a:p>
-                      <a:pPr indent="0" lvl="0" marL="0" rtl="0" algn="l">
-                        <a:spcBef>
-                          <a:spcPts val="0"/>
-                        </a:spcBef>
-                        <a:spcAft>
-                          <a:spcPts val="0"/>
-                        </a:spcAft>
-                        <a:buNone/>
-                      </a:pPr>
-                      <a:r>
-                        <a:rPr b="1" lang="en" sz="1200">
-                          <a:solidFill>
-                            <a:schemeClr val="lt1"/>
-                          </a:solidFill>
-                        </a:rPr>
-                        <a:t>Research methods</a:t>
-                      </a:r>
-                      <a:endParaRPr sz="1200">
-                        <a:solidFill>
-                          <a:schemeClr val="lt1"/>
-                        </a:solidFill>
-                      </a:endParaRPr>
-                    </a:p>
-                  </a:txBody>
-                  <a:tcPr marT="0" marB="0" marR="91425" marL="91425" anchor="ctr">
-                    <a:lnL cap="flat" cmpd="sng" w="38100">
-                      <a:solidFill>
-                        <a:schemeClr val="lt1"/>
-                      </a:solidFill>
-                      <a:prstDash val="solid"/>
-                      <a:round/>
-                      <a:headEnd len="sm" w="sm" type="none"/>
-                      <a:tailEnd len="sm" w="sm" type="none"/>
-                    </a:lnL>
-                    <a:lnR cap="flat" cmpd="sng" w="38100">
-                      <a:solidFill>
-                        <a:schemeClr val="lt1"/>
-                      </a:solidFill>
-                      <a:prstDash val="solid"/>
-                      <a:round/>
-                      <a:headEnd len="sm" w="sm" type="none"/>
-                      <a:tailEnd len="sm" w="sm" type="none"/>
-                    </a:lnR>
-                    <a:lnT cap="flat" cmpd="sng" w="38100">
-                      <a:solidFill>
-                        <a:schemeClr val="lt1"/>
-                      </a:solidFill>
-                      <a:prstDash val="solid"/>
-                      <a:round/>
-                      <a:headEnd len="sm" w="sm" type="none"/>
-                      <a:tailEnd len="sm" w="sm" type="none"/>
-                    </a:lnT>
-                    <a:lnB cap="flat" cmpd="sng" w="38100">
-                      <a:solidFill>
-                        <a:schemeClr val="lt1"/>
-                      </a:solidFill>
-                      <a:prstDash val="solid"/>
-                      <a:round/>
-                      <a:headEnd len="sm" w="sm" type="none"/>
-                      <a:tailEnd len="sm" w="sm" type="none"/>
-                    </a:lnB>
-                    <a:solidFill>
-                      <a:schemeClr val="dk2"/>
-                    </a:solidFill>
-                  </a:tcPr>
-                </a:tc>
-                <a:tc>
-                  <a:txBody>
-                    <a:bodyPr/>
-                    <a:lstStyle/>
-                    <a:p>
-                      <a:pPr indent="0" lvl="0" marL="0" rtl="0" algn="l">
-                        <a:spcBef>
-                          <a:spcPts val="0"/>
-                        </a:spcBef>
-                        <a:spcAft>
-                          <a:spcPts val="0"/>
-                        </a:spcAft>
-                        <a:buNone/>
-                      </a:pPr>
-                      <a:r>
-                        <a:rPr lang="en" sz="1200">
-                          <a:solidFill>
-                            <a:schemeClr val="dk1"/>
-                          </a:solidFill>
-                        </a:rPr>
-                        <a:t>Qualitative surveys</a:t>
-                      </a:r>
-                      <a:endParaRPr sz="1200">
-                        <a:solidFill>
-                          <a:schemeClr val="dk1"/>
-                        </a:solidFill>
-                      </a:endParaRPr>
-                    </a:p>
-                  </a:txBody>
-                  <a:tcPr marT="0" marB="0" marR="91425" marL="91425" anchor="ctr">
-                    <a:lnL cap="flat" cmpd="sng" w="38100">
-                      <a:solidFill>
-                        <a:schemeClr val="lt1"/>
-                      </a:solidFill>
-                      <a:prstDash val="solid"/>
-                      <a:round/>
-                      <a:headEnd len="sm" w="sm" type="none"/>
-                      <a:tailEnd len="sm" w="sm" type="none"/>
-                    </a:lnL>
-                    <a:lnR cap="flat" cmpd="sng" w="38100">
-                      <a:solidFill>
-                        <a:schemeClr val="lt1"/>
-                      </a:solidFill>
-                      <a:prstDash val="solid"/>
-                      <a:round/>
-                      <a:headEnd len="sm" w="sm" type="none"/>
-                      <a:tailEnd len="sm" w="sm" type="none"/>
-                    </a:lnR>
-                    <a:lnT cap="flat" cmpd="sng" w="38100">
-                      <a:solidFill>
-                        <a:schemeClr val="lt1"/>
-                      </a:solidFill>
-                      <a:prstDash val="solid"/>
-                      <a:round/>
-                      <a:headEnd len="sm" w="sm" type="none"/>
-                      <a:tailEnd len="sm" w="sm" type="none"/>
-                    </a:lnT>
-                    <a:lnB cap="flat" cmpd="sng" w="38100">
-                      <a:solidFill>
-                        <a:schemeClr val="lt1"/>
-                      </a:solidFill>
-                      <a:prstDash val="solid"/>
-                      <a:round/>
-                      <a:headEnd len="sm" w="sm" type="none"/>
-                      <a:tailEnd len="sm" w="sm" type="none"/>
-                    </a:lnB>
-                    <a:solidFill>
-                      <a:schemeClr val="lt2"/>
-                    </a:solidFill>
-                  </a:tcPr>
-                </a:tc>
-              </a:tr>
-              <a:tr h="316525">
-                <a:tc>
-                  <a:txBody>
-                    <a:bodyPr/>
-                    <a:lstStyle/>
-                    <a:p>
-                      <a:pPr indent="0" lvl="0" marL="0" rtl="0" algn="ctr">
-                        <a:spcBef>
-                          <a:spcPts val="0"/>
-                        </a:spcBef>
-                        <a:spcAft>
-                          <a:spcPts val="0"/>
-                        </a:spcAft>
-                        <a:buNone/>
-                      </a:pPr>
-                      <a:r>
-                        <a:rPr b="1" lang="en" sz="1200">
-                          <a:solidFill>
-                            <a:schemeClr val="lt1"/>
-                          </a:solidFill>
-                        </a:rPr>
-                        <a:t>7.</a:t>
-                      </a:r>
-                      <a:endParaRPr b="1" sz="1200">
-                        <a:solidFill>
-                          <a:schemeClr val="lt1"/>
-                        </a:solidFill>
-                      </a:endParaRPr>
-                    </a:p>
-                  </a:txBody>
-                  <a:tcPr marT="0" marB="0" marR="91425" marL="91425" anchor="ctr">
-                    <a:lnL cap="flat" cmpd="sng" w="38100">
-                      <a:solidFill>
-                        <a:schemeClr val="lt1"/>
-                      </a:solidFill>
-                      <a:prstDash val="solid"/>
-                      <a:round/>
-                      <a:headEnd len="sm" w="sm" type="none"/>
-                      <a:tailEnd len="sm" w="sm" type="none"/>
-                    </a:lnL>
-                    <a:lnR cap="flat" cmpd="sng" w="38100">
-                      <a:solidFill>
-                        <a:schemeClr val="lt1"/>
-                      </a:solidFill>
-                      <a:prstDash val="solid"/>
-                      <a:round/>
-                      <a:headEnd len="sm" w="sm" type="none"/>
-                      <a:tailEnd len="sm" w="sm" type="none"/>
-                    </a:lnR>
-                    <a:lnT cap="flat" cmpd="sng" w="38100">
-                      <a:solidFill>
-                        <a:schemeClr val="lt1"/>
-                      </a:solidFill>
-                      <a:prstDash val="solid"/>
-                      <a:round/>
-                      <a:headEnd len="sm" w="sm" type="none"/>
-                      <a:tailEnd len="sm" w="sm" type="none"/>
-                    </a:lnT>
-                    <a:lnB cap="flat" cmpd="sng" w="38100">
-                      <a:solidFill>
-                        <a:schemeClr val="lt1"/>
-                      </a:solidFill>
-                      <a:prstDash val="solid"/>
-                      <a:round/>
-                      <a:headEnd len="sm" w="sm" type="none"/>
-                      <a:tailEnd len="sm" w="sm" type="none"/>
-                    </a:lnB>
-                    <a:solidFill>
-                      <a:schemeClr val="accent4"/>
-                    </a:solidFill>
-                  </a:tcPr>
-                </a:tc>
-                <a:tc vMerge="1"/>
-                <a:tc>
-                  <a:txBody>
-                    <a:bodyPr/>
-                    <a:lstStyle/>
-                    <a:p>
-                      <a:pPr indent="0" lvl="0" marL="0" rtl="0" algn="l">
-                        <a:spcBef>
-                          <a:spcPts val="0"/>
-                        </a:spcBef>
-                        <a:spcAft>
-                          <a:spcPts val="0"/>
-                        </a:spcAft>
-                        <a:buNone/>
-                      </a:pPr>
-                      <a:r>
-                        <a:rPr lang="en" sz="1200">
-                          <a:solidFill>
-                            <a:schemeClr val="dk1"/>
-                          </a:solidFill>
-                        </a:rPr>
-                        <a:t>Action research</a:t>
-                      </a:r>
-                      <a:endParaRPr sz="1200">
-                        <a:solidFill>
-                          <a:schemeClr val="dk1"/>
-                        </a:solidFill>
-                      </a:endParaRPr>
-                    </a:p>
-                  </a:txBody>
-                  <a:tcPr marT="0" marB="0" marR="91425" marL="91425" anchor="ctr">
-                    <a:lnL cap="flat" cmpd="sng" w="38100">
-                      <a:solidFill>
-                        <a:schemeClr val="lt1"/>
-                      </a:solidFill>
-                      <a:prstDash val="solid"/>
-                      <a:round/>
-                      <a:headEnd len="sm" w="sm" type="none"/>
-                      <a:tailEnd len="sm" w="sm" type="none"/>
-                    </a:lnL>
-                    <a:lnR cap="flat" cmpd="sng" w="38100">
-                      <a:solidFill>
-                        <a:schemeClr val="lt1"/>
-                      </a:solidFill>
-                      <a:prstDash val="solid"/>
-                      <a:round/>
-                      <a:headEnd len="sm" w="sm" type="none"/>
-                      <a:tailEnd len="sm" w="sm" type="none"/>
-                    </a:lnR>
-                    <a:lnT cap="flat" cmpd="sng" w="38100">
-                      <a:solidFill>
-                        <a:schemeClr val="lt1"/>
-                      </a:solidFill>
-                      <a:prstDash val="solid"/>
-                      <a:round/>
-                      <a:headEnd len="sm" w="sm" type="none"/>
-                      <a:tailEnd len="sm" w="sm" type="none"/>
-                    </a:lnT>
-                    <a:lnB cap="flat" cmpd="sng" w="38100">
-                      <a:solidFill>
-                        <a:schemeClr val="lt1"/>
-                      </a:solidFill>
-                      <a:prstDash val="solid"/>
-                      <a:round/>
-                      <a:headEnd len="sm" w="sm" type="none"/>
-                      <a:tailEnd len="sm" w="sm" type="none"/>
-                    </a:lnB>
-                    <a:solidFill>
-                      <a:schemeClr val="lt1"/>
-                    </a:solidFill>
-                  </a:tcPr>
-                </a:tc>
-              </a:tr>
-              <a:tr h="316525">
-                <a:tc>
-                  <a:txBody>
-                    <a:bodyPr/>
-                    <a:lstStyle/>
-                    <a:p>
-                      <a:pPr indent="0" lvl="0" marL="0" rtl="0" algn="ctr">
-                        <a:spcBef>
-                          <a:spcPts val="0"/>
-                        </a:spcBef>
-                        <a:spcAft>
-                          <a:spcPts val="0"/>
-                        </a:spcAft>
-                        <a:buNone/>
-                      </a:pPr>
-                      <a:r>
-                        <a:rPr b="1" lang="en" sz="1200">
-                          <a:solidFill>
-                            <a:schemeClr val="lt1"/>
-                          </a:solidFill>
-                        </a:rPr>
-                        <a:t>8.</a:t>
-                      </a:r>
-                      <a:endParaRPr b="1" sz="1200">
-                        <a:solidFill>
-                          <a:schemeClr val="lt1"/>
-                        </a:solidFill>
-                      </a:endParaRPr>
-                    </a:p>
-                  </a:txBody>
-                  <a:tcPr marT="0" marB="0" marR="91425" marL="91425" anchor="ctr">
-                    <a:lnL cap="flat" cmpd="sng" w="38100">
-                      <a:solidFill>
-                        <a:schemeClr val="lt1"/>
-                      </a:solidFill>
-                      <a:prstDash val="solid"/>
-                      <a:round/>
-                      <a:headEnd len="sm" w="sm" type="none"/>
-                      <a:tailEnd len="sm" w="sm" type="none"/>
-                    </a:lnL>
-                    <a:lnR cap="flat" cmpd="sng" w="38100">
-                      <a:solidFill>
-                        <a:schemeClr val="lt1"/>
-                      </a:solidFill>
-                      <a:prstDash val="solid"/>
-                      <a:round/>
-                      <a:headEnd len="sm" w="sm" type="none"/>
-                      <a:tailEnd len="sm" w="sm" type="none"/>
-                    </a:lnR>
-                    <a:lnT cap="flat" cmpd="sng" w="38100">
-                      <a:solidFill>
-                        <a:schemeClr val="lt1"/>
-                      </a:solidFill>
-                      <a:prstDash val="solid"/>
-                      <a:round/>
-                      <a:headEnd len="sm" w="sm" type="none"/>
-                      <a:tailEnd len="sm" w="sm" type="none"/>
-                    </a:lnT>
-                    <a:lnB cap="flat" cmpd="sng" w="38100">
-                      <a:solidFill>
-                        <a:schemeClr val="lt1"/>
-                      </a:solidFill>
-                      <a:prstDash val="solid"/>
-                      <a:round/>
-                      <a:headEnd len="sm" w="sm" type="none"/>
-                      <a:tailEnd len="sm" w="sm" type="none"/>
-                    </a:lnB>
-                    <a:solidFill>
-                      <a:schemeClr val="accent4"/>
-                    </a:solidFill>
-                  </a:tcPr>
-                </a:tc>
-                <a:tc vMerge="1"/>
-                <a:tc>
-                  <a:txBody>
-                    <a:bodyPr/>
-                    <a:lstStyle/>
-                    <a:p>
-                      <a:pPr indent="0" lvl="0" marL="0" rtl="0" algn="l">
-                        <a:spcBef>
-                          <a:spcPts val="0"/>
-                        </a:spcBef>
-                        <a:spcAft>
-                          <a:spcPts val="0"/>
-                        </a:spcAft>
-                        <a:buNone/>
-                      </a:pPr>
-                      <a:r>
-                        <a:rPr lang="en" sz="1200">
-                          <a:solidFill>
-                            <a:schemeClr val="dk1"/>
-                          </a:solidFill>
-                        </a:rPr>
-                        <a:t>Case study research</a:t>
-                      </a:r>
-                      <a:endParaRPr sz="1200">
-                        <a:solidFill>
-                          <a:schemeClr val="dk1"/>
-                        </a:solidFill>
-                      </a:endParaRPr>
-                    </a:p>
-                  </a:txBody>
-                  <a:tcPr marT="0" marB="0" marR="91425" marL="91425" anchor="ctr">
-                    <a:lnL cap="flat" cmpd="sng" w="38100">
-                      <a:solidFill>
-                        <a:schemeClr val="lt1"/>
-                      </a:solidFill>
-                      <a:prstDash val="solid"/>
-                      <a:round/>
-                      <a:headEnd len="sm" w="sm" type="none"/>
-                      <a:tailEnd len="sm" w="sm" type="none"/>
-                    </a:lnL>
-                    <a:lnR cap="flat" cmpd="sng" w="38100">
-                      <a:solidFill>
-                        <a:schemeClr val="lt1"/>
-                      </a:solidFill>
-                      <a:prstDash val="solid"/>
-                      <a:round/>
-                      <a:headEnd len="sm" w="sm" type="none"/>
-                      <a:tailEnd len="sm" w="sm" type="none"/>
-                    </a:lnR>
-                    <a:lnT cap="flat" cmpd="sng" w="38100">
-                      <a:solidFill>
-                        <a:schemeClr val="lt1"/>
-                      </a:solidFill>
-                      <a:prstDash val="solid"/>
-                      <a:round/>
-                      <a:headEnd len="sm" w="sm" type="none"/>
-                      <a:tailEnd len="sm" w="sm" type="none"/>
-                    </a:lnT>
-                    <a:lnB cap="flat" cmpd="sng" w="38100">
-                      <a:solidFill>
-                        <a:schemeClr val="lt1"/>
-                      </a:solidFill>
-                      <a:prstDash val="solid"/>
-                      <a:round/>
-                      <a:headEnd len="sm" w="sm" type="none"/>
-                      <a:tailEnd len="sm" w="sm" type="none"/>
-                    </a:lnB>
-                    <a:solidFill>
-                      <a:schemeClr val="lt2"/>
-                    </a:solidFill>
-                  </a:tcPr>
-                </a:tc>
-              </a:tr>
-              <a:tr h="316525">
-                <a:tc>
-                  <a:txBody>
-                    <a:bodyPr/>
-                    <a:lstStyle/>
-                    <a:p>
-                      <a:pPr indent="0" lvl="0" marL="0" rtl="0" algn="ctr">
-                        <a:spcBef>
-                          <a:spcPts val="0"/>
-                        </a:spcBef>
-                        <a:spcAft>
-                          <a:spcPts val="0"/>
-                        </a:spcAft>
-                        <a:buNone/>
-                      </a:pPr>
-                      <a:r>
-                        <a:rPr b="1" lang="en" sz="1200">
-                          <a:solidFill>
-                            <a:schemeClr val="lt1"/>
-                          </a:solidFill>
-                        </a:rPr>
-                        <a:t>9.</a:t>
-                      </a:r>
-                      <a:endParaRPr b="1" sz="1200">
-                        <a:solidFill>
-                          <a:schemeClr val="lt1"/>
-                        </a:solidFill>
-                      </a:endParaRPr>
-                    </a:p>
-                  </a:txBody>
-                  <a:tcPr marT="0" marB="0" marR="91425" marL="91425" anchor="ctr">
-                    <a:lnL cap="flat" cmpd="sng" w="38100">
-                      <a:solidFill>
-                        <a:schemeClr val="lt1"/>
-                      </a:solidFill>
-                      <a:prstDash val="solid"/>
-                      <a:round/>
-                      <a:headEnd len="sm" w="sm" type="none"/>
-                      <a:tailEnd len="sm" w="sm" type="none"/>
-                    </a:lnL>
-                    <a:lnR cap="flat" cmpd="sng" w="38100">
-                      <a:solidFill>
-                        <a:schemeClr val="lt1"/>
-                      </a:solidFill>
-                      <a:prstDash val="solid"/>
-                      <a:round/>
-                      <a:headEnd len="sm" w="sm" type="none"/>
-                      <a:tailEnd len="sm" w="sm" type="none"/>
-                    </a:lnR>
-                    <a:lnT cap="flat" cmpd="sng" w="38100">
-                      <a:solidFill>
-                        <a:schemeClr val="lt1"/>
-                      </a:solidFill>
-                      <a:prstDash val="solid"/>
-                      <a:round/>
-                      <a:headEnd len="sm" w="sm" type="none"/>
-                      <a:tailEnd len="sm" w="sm" type="none"/>
-                    </a:lnT>
-                    <a:lnB cap="flat" cmpd="sng" w="38100">
-                      <a:solidFill>
-                        <a:schemeClr val="lt1"/>
-                      </a:solidFill>
-                      <a:prstDash val="solid"/>
-                      <a:round/>
-                      <a:headEnd len="sm" w="sm" type="none"/>
-                      <a:tailEnd len="sm" w="sm" type="none"/>
-                    </a:lnB>
-                    <a:solidFill>
-                      <a:schemeClr val="accent4"/>
-                    </a:solidFill>
-                  </a:tcPr>
-                </a:tc>
-                <a:tc>
-                  <a:txBody>
-                    <a:bodyPr/>
-                    <a:lstStyle/>
-                    <a:p>
-                      <a:pPr indent="0" lvl="0" marL="0" rtl="0" algn="l">
-                        <a:spcBef>
-                          <a:spcPts val="0"/>
-                        </a:spcBef>
-                        <a:spcAft>
-                          <a:spcPts val="0"/>
-                        </a:spcAft>
-                        <a:buNone/>
-                      </a:pPr>
-                      <a:r>
-                        <a:rPr b="1" lang="en" sz="1200">
-                          <a:solidFill>
-                            <a:schemeClr val="lt1"/>
-                          </a:solidFill>
-                        </a:rPr>
-                        <a:t>Science in general</a:t>
-                      </a:r>
-                      <a:endParaRPr sz="1200">
-                        <a:solidFill>
-                          <a:schemeClr val="lt1"/>
-                        </a:solidFill>
-                      </a:endParaRPr>
-                    </a:p>
-                  </a:txBody>
-                  <a:tcPr marT="0" marB="0" marR="91425" marL="91425" anchor="ctr">
-                    <a:lnL cap="flat" cmpd="sng" w="38100">
-                      <a:solidFill>
-                        <a:schemeClr val="lt1"/>
-                      </a:solidFill>
-                      <a:prstDash val="solid"/>
-                      <a:round/>
-                      <a:headEnd len="sm" w="sm" type="none"/>
-                      <a:tailEnd len="sm" w="sm" type="none"/>
-                    </a:lnL>
-                    <a:lnR cap="flat" cmpd="sng" w="38100">
-                      <a:solidFill>
-                        <a:schemeClr val="lt1"/>
-                      </a:solidFill>
-                      <a:prstDash val="solid"/>
-                      <a:round/>
-                      <a:headEnd len="sm" w="sm" type="none"/>
-                      <a:tailEnd len="sm" w="sm" type="none"/>
-                    </a:lnR>
-                    <a:lnT cap="flat" cmpd="sng" w="38100">
-                      <a:solidFill>
-                        <a:schemeClr val="lt1"/>
-                      </a:solidFill>
-                      <a:prstDash val="solid"/>
-                      <a:round/>
-                      <a:headEnd len="sm" w="sm" type="none"/>
-                      <a:tailEnd len="sm" w="sm" type="none"/>
-                    </a:lnT>
-                    <a:lnB cap="flat" cmpd="sng" w="38100">
-                      <a:solidFill>
-                        <a:schemeClr val="lt1"/>
-                      </a:solidFill>
-                      <a:prstDash val="solid"/>
-                      <a:round/>
-                      <a:headEnd len="sm" w="sm" type="none"/>
-                      <a:tailEnd len="sm" w="sm" type="none"/>
-                    </a:lnB>
-                    <a:solidFill>
-                      <a:schemeClr val="dk2"/>
-                    </a:solidFill>
-                  </a:tcPr>
-                </a:tc>
-                <a:tc>
-                  <a:txBody>
-                    <a:bodyPr/>
-                    <a:lstStyle/>
-                    <a:p>
-                      <a:pPr indent="0" lvl="0" marL="0" rtl="0" algn="l">
-                        <a:spcBef>
-                          <a:spcPts val="0"/>
-                        </a:spcBef>
-                        <a:spcAft>
-                          <a:spcPts val="0"/>
-                        </a:spcAft>
-                        <a:buNone/>
-                      </a:pPr>
-                      <a:r>
-                        <a:rPr lang="en" sz="1200">
-                          <a:solidFill>
-                            <a:schemeClr val="dk1"/>
-                          </a:solidFill>
-                        </a:rPr>
-                        <a:t>Theory validation</a:t>
-                      </a:r>
-                      <a:endParaRPr sz="1200">
-                        <a:solidFill>
-                          <a:schemeClr val="dk1"/>
-                        </a:solidFill>
-                      </a:endParaRPr>
-                    </a:p>
-                  </a:txBody>
-                  <a:tcPr marT="0" marB="0" marR="91425" marL="91425" anchor="ctr">
-                    <a:lnL cap="flat" cmpd="sng" w="38100">
-                      <a:solidFill>
-                        <a:schemeClr val="lt1"/>
-                      </a:solidFill>
-                      <a:prstDash val="solid"/>
-                      <a:round/>
-                      <a:headEnd len="sm" w="sm" type="none"/>
-                      <a:tailEnd len="sm" w="sm" type="none"/>
-                    </a:lnL>
-                    <a:lnR cap="flat" cmpd="sng" w="38100">
-                      <a:solidFill>
-                        <a:schemeClr val="lt1"/>
-                      </a:solidFill>
-                      <a:prstDash val="solid"/>
-                      <a:round/>
-                      <a:headEnd len="sm" w="sm" type="none"/>
-                      <a:tailEnd len="sm" w="sm" type="none"/>
-                    </a:lnR>
-                    <a:lnT cap="flat" cmpd="sng" w="38100">
-                      <a:solidFill>
-                        <a:schemeClr val="lt1"/>
-                      </a:solidFill>
-                      <a:prstDash val="solid"/>
-                      <a:round/>
-                      <a:headEnd len="sm" w="sm" type="none"/>
-                      <a:tailEnd len="sm" w="sm" type="none"/>
-                    </a:lnT>
-                    <a:lnB cap="flat" cmpd="sng" w="38100">
-                      <a:solidFill>
-                        <a:schemeClr val="lt1"/>
-                      </a:solidFill>
-                      <a:prstDash val="solid"/>
-                      <a:round/>
-                      <a:headEnd len="sm" w="sm" type="none"/>
-                      <a:tailEnd len="sm" w="sm" type="none"/>
-                    </a:lnB>
-                    <a:solidFill>
-                      <a:schemeClr val="lt1"/>
-                    </a:solidFill>
-                  </a:tcPr>
-                </a:tc>
-              </a:tr>
-              <a:tr h="316525">
-                <a:tc>
-                  <a:txBody>
-                    <a:bodyPr/>
-                    <a:lstStyle/>
-                    <a:p>
-                      <a:pPr indent="0" lvl="0" marL="0" rtl="0" algn="ctr">
-                        <a:spcBef>
-                          <a:spcPts val="0"/>
-                        </a:spcBef>
-                        <a:spcAft>
-                          <a:spcPts val="0"/>
-                        </a:spcAft>
-                        <a:buNone/>
-                      </a:pPr>
-                      <a:r>
-                        <a:rPr b="1" lang="en" sz="1200">
-                          <a:solidFill>
-                            <a:schemeClr val="lt1"/>
-                          </a:solidFill>
-                        </a:rPr>
-                        <a:t>10.</a:t>
-                      </a:r>
-                      <a:endParaRPr b="1" sz="1200">
-                        <a:solidFill>
-                          <a:schemeClr val="lt1"/>
-                        </a:solidFill>
-                      </a:endParaRPr>
-                    </a:p>
-                  </a:txBody>
-                  <a:tcPr marT="0" marB="0" marR="91425" marL="91425" anchor="ctr">
-                    <a:lnL cap="flat" cmpd="sng" w="38100">
-                      <a:solidFill>
-                        <a:schemeClr val="lt1"/>
-                      </a:solidFill>
-                      <a:prstDash val="solid"/>
-                      <a:round/>
-                      <a:headEnd len="sm" w="sm" type="none"/>
-                      <a:tailEnd len="sm" w="sm" type="none"/>
-                    </a:lnL>
-                    <a:lnR cap="flat" cmpd="sng" w="38100">
-                      <a:solidFill>
-                        <a:schemeClr val="lt1"/>
-                      </a:solidFill>
-                      <a:prstDash val="solid"/>
-                      <a:round/>
-                      <a:headEnd len="sm" w="sm" type="none"/>
-                      <a:tailEnd len="sm" w="sm" type="none"/>
-                    </a:lnR>
-                    <a:lnT cap="flat" cmpd="sng" w="38100">
-                      <a:solidFill>
-                        <a:schemeClr val="lt1"/>
-                      </a:solidFill>
-                      <a:prstDash val="solid"/>
-                      <a:round/>
-                      <a:headEnd len="sm" w="sm" type="none"/>
-                      <a:tailEnd len="sm" w="sm" type="none"/>
-                    </a:lnT>
-                    <a:lnB cap="flat" cmpd="sng" w="38100">
-                      <a:solidFill>
-                        <a:schemeClr val="lt1"/>
-                      </a:solidFill>
-                      <a:prstDash val="solid"/>
-                      <a:round/>
-                      <a:headEnd len="sm" w="sm" type="none"/>
-                      <a:tailEnd len="sm" w="sm" type="none"/>
-                    </a:lnB>
-                    <a:solidFill>
-                      <a:schemeClr val="accent4"/>
-                    </a:solidFill>
-                  </a:tcPr>
-                </a:tc>
-                <a:tc rowSpan="2">
-                  <a:txBody>
-                    <a:bodyPr/>
-                    <a:lstStyle/>
-                    <a:p>
-                      <a:pPr indent="0" lvl="0" marL="0" rtl="0" algn="l">
-                        <a:spcBef>
-                          <a:spcPts val="0"/>
-                        </a:spcBef>
-                        <a:spcAft>
-                          <a:spcPts val="0"/>
-                        </a:spcAft>
-                        <a:buNone/>
-                      </a:pPr>
-                      <a:r>
-                        <a:rPr b="1" lang="en" sz="1200">
-                          <a:solidFill>
-                            <a:schemeClr val="lt1"/>
-                          </a:solidFill>
-                        </a:rPr>
-                        <a:t>Research methods</a:t>
-                      </a:r>
-                      <a:endParaRPr sz="1200">
-                        <a:solidFill>
-                          <a:schemeClr val="lt1"/>
-                        </a:solidFill>
-                      </a:endParaRPr>
-                    </a:p>
-                  </a:txBody>
-                  <a:tcPr marT="0" marB="0" marR="91425" marL="91425" anchor="ctr">
-                    <a:lnL cap="flat" cmpd="sng" w="38100">
-                      <a:solidFill>
-                        <a:schemeClr val="lt1"/>
-                      </a:solidFill>
-                      <a:prstDash val="solid"/>
-                      <a:round/>
-                      <a:headEnd len="sm" w="sm" type="none"/>
-                      <a:tailEnd len="sm" w="sm" type="none"/>
-                    </a:lnL>
-                    <a:lnR cap="flat" cmpd="sng" w="38100">
-                      <a:solidFill>
-                        <a:schemeClr val="lt1"/>
-                      </a:solidFill>
-                      <a:prstDash val="solid"/>
-                      <a:round/>
-                      <a:headEnd len="sm" w="sm" type="none"/>
-                      <a:tailEnd len="sm" w="sm" type="none"/>
-                    </a:lnR>
-                    <a:lnT cap="flat" cmpd="sng" w="38100">
-                      <a:solidFill>
-                        <a:schemeClr val="lt1"/>
-                      </a:solidFill>
-                      <a:prstDash val="solid"/>
-                      <a:round/>
-                      <a:headEnd len="sm" w="sm" type="none"/>
-                      <a:tailEnd len="sm" w="sm" type="none"/>
-                    </a:lnT>
-                    <a:lnB cap="flat" cmpd="sng" w="38100">
-                      <a:solidFill>
-                        <a:schemeClr val="lt1"/>
-                      </a:solidFill>
-                      <a:prstDash val="solid"/>
-                      <a:round/>
-                      <a:headEnd len="sm" w="sm" type="none"/>
-                      <a:tailEnd len="sm" w="sm" type="none"/>
-                    </a:lnB>
-                    <a:solidFill>
-                      <a:schemeClr val="dk2"/>
-                    </a:solidFill>
-                  </a:tcPr>
-                </a:tc>
-                <a:tc>
-                  <a:txBody>
-                    <a:bodyPr/>
-                    <a:lstStyle/>
-                    <a:p>
-                      <a:pPr indent="0" lvl="0" marL="0" rtl="0" algn="l">
-                        <a:spcBef>
-                          <a:spcPts val="0"/>
-                        </a:spcBef>
-                        <a:spcAft>
-                          <a:spcPts val="0"/>
-                        </a:spcAft>
-                        <a:buNone/>
-                      </a:pPr>
-                      <a:r>
-                        <a:rPr lang="en" sz="1200">
-                          <a:solidFill>
-                            <a:schemeClr val="dk1"/>
-                          </a:solidFill>
-                        </a:rPr>
-                        <a:t>Survey research</a:t>
-                      </a:r>
-                      <a:endParaRPr sz="1200">
-                        <a:solidFill>
-                          <a:schemeClr val="dk1"/>
-                        </a:solidFill>
-                      </a:endParaRPr>
-                    </a:p>
-                  </a:txBody>
-                  <a:tcPr marT="0" marB="0" marR="91425" marL="91425" anchor="ctr">
-                    <a:lnL cap="flat" cmpd="sng" w="38100">
-                      <a:solidFill>
-                        <a:schemeClr val="lt1"/>
-                      </a:solidFill>
-                      <a:prstDash val="solid"/>
-                      <a:round/>
-                      <a:headEnd len="sm" w="sm" type="none"/>
-                      <a:tailEnd len="sm" w="sm" type="none"/>
-                    </a:lnL>
-                    <a:lnR cap="flat" cmpd="sng" w="38100">
-                      <a:solidFill>
-                        <a:schemeClr val="lt1"/>
-                      </a:solidFill>
-                      <a:prstDash val="solid"/>
-                      <a:round/>
-                      <a:headEnd len="sm" w="sm" type="none"/>
-                      <a:tailEnd len="sm" w="sm" type="none"/>
-                    </a:lnR>
-                    <a:lnT cap="flat" cmpd="sng" w="38100">
-                      <a:solidFill>
-                        <a:schemeClr val="lt1"/>
-                      </a:solidFill>
-                      <a:prstDash val="solid"/>
-                      <a:round/>
-                      <a:headEnd len="sm" w="sm" type="none"/>
-                      <a:tailEnd len="sm" w="sm" type="none"/>
-                    </a:lnT>
-                    <a:lnB cap="flat" cmpd="sng" w="38100">
-                      <a:solidFill>
-                        <a:schemeClr val="lt1"/>
-                      </a:solidFill>
-                      <a:prstDash val="solid"/>
-                      <a:round/>
-                      <a:headEnd len="sm" w="sm" type="none"/>
-                      <a:tailEnd len="sm" w="sm" type="none"/>
-                    </a:lnB>
-                    <a:solidFill>
-                      <a:schemeClr val="lt2"/>
-                    </a:solidFill>
-                  </a:tcPr>
-                </a:tc>
-              </a:tr>
-              <a:tr h="316525">
-                <a:tc>
-                  <a:txBody>
-                    <a:bodyPr/>
-                    <a:lstStyle/>
-                    <a:p>
-                      <a:pPr indent="0" lvl="0" marL="0" rtl="0" algn="ctr">
-                        <a:spcBef>
-                          <a:spcPts val="0"/>
-                        </a:spcBef>
-                        <a:spcAft>
-                          <a:spcPts val="0"/>
-                        </a:spcAft>
-                        <a:buNone/>
-                      </a:pPr>
-                      <a:r>
-                        <a:rPr b="1" lang="en" sz="1200">
-                          <a:solidFill>
-                            <a:schemeClr val="lt1"/>
-                          </a:solidFill>
-                        </a:rPr>
-                        <a:t>11.</a:t>
-                      </a:r>
-                      <a:endParaRPr b="1" sz="1200">
-                        <a:solidFill>
-                          <a:schemeClr val="lt1"/>
-                        </a:solidFill>
-                      </a:endParaRPr>
-                    </a:p>
-                  </a:txBody>
-                  <a:tcPr marT="0" marB="0" marR="91425" marL="91425" anchor="ctr">
-                    <a:lnL cap="flat" cmpd="sng" w="38100">
-                      <a:solidFill>
-                        <a:schemeClr val="lt1"/>
-                      </a:solidFill>
-                      <a:prstDash val="solid"/>
-                      <a:round/>
-                      <a:headEnd len="sm" w="sm" type="none"/>
-                      <a:tailEnd len="sm" w="sm" type="none"/>
-                    </a:lnL>
-                    <a:lnR cap="flat" cmpd="sng" w="38100">
-                      <a:solidFill>
-                        <a:schemeClr val="lt1"/>
-                      </a:solidFill>
-                      <a:prstDash val="solid"/>
-                      <a:round/>
-                      <a:headEnd len="sm" w="sm" type="none"/>
-                      <a:tailEnd len="sm" w="sm" type="none"/>
-                    </a:lnR>
-                    <a:lnT cap="flat" cmpd="sng" w="38100">
-                      <a:solidFill>
-                        <a:schemeClr val="lt1"/>
-                      </a:solidFill>
-                      <a:prstDash val="solid"/>
-                      <a:round/>
-                      <a:headEnd len="sm" w="sm" type="none"/>
-                      <a:tailEnd len="sm" w="sm" type="none"/>
-                    </a:lnT>
-                    <a:lnB cap="flat" cmpd="sng" w="38100">
-                      <a:solidFill>
-                        <a:schemeClr val="lt1"/>
-                      </a:solidFill>
-                      <a:prstDash val="solid"/>
-                      <a:round/>
-                      <a:headEnd len="sm" w="sm" type="none"/>
-                      <a:tailEnd len="sm" w="sm" type="none"/>
-                    </a:lnB>
-                    <a:solidFill>
-                      <a:schemeClr val="accent4"/>
-                    </a:solidFill>
-                  </a:tcPr>
-                </a:tc>
-                <a:tc vMerge="1"/>
-                <a:tc>
-                  <a:txBody>
-                    <a:bodyPr/>
-                    <a:lstStyle/>
-                    <a:p>
-                      <a:pPr indent="0" lvl="0" marL="0" rtl="0" algn="l">
-                        <a:spcBef>
-                          <a:spcPts val="0"/>
-                        </a:spcBef>
-                        <a:spcAft>
-                          <a:spcPts val="0"/>
-                        </a:spcAft>
-                        <a:buNone/>
-                      </a:pPr>
-                      <a:r>
-                        <a:rPr lang="en" sz="1200">
-                          <a:solidFill>
-                            <a:schemeClr val="dk1"/>
-                          </a:solidFill>
-                        </a:rPr>
-                        <a:t>Controlled experiments</a:t>
-                      </a:r>
-                      <a:endParaRPr sz="1200">
-                        <a:solidFill>
-                          <a:schemeClr val="dk1"/>
-                        </a:solidFill>
-                      </a:endParaRPr>
-                    </a:p>
-                  </a:txBody>
-                  <a:tcPr marT="0" marB="0" marR="91425" marL="91425" anchor="ctr">
-                    <a:lnL cap="flat" cmpd="sng" w="38100">
-                      <a:solidFill>
-                        <a:schemeClr val="lt1"/>
-                      </a:solidFill>
-                      <a:prstDash val="solid"/>
-                      <a:round/>
-                      <a:headEnd len="sm" w="sm" type="none"/>
-                      <a:tailEnd len="sm" w="sm" type="none"/>
-                    </a:lnL>
-                    <a:lnR cap="flat" cmpd="sng" w="38100">
-                      <a:solidFill>
-                        <a:schemeClr val="lt1"/>
-                      </a:solidFill>
-                      <a:prstDash val="solid"/>
-                      <a:round/>
-                      <a:headEnd len="sm" w="sm" type="none"/>
-                      <a:tailEnd len="sm" w="sm" type="none"/>
-                    </a:lnR>
-                    <a:lnT cap="flat" cmpd="sng" w="38100">
-                      <a:solidFill>
-                        <a:schemeClr val="lt1"/>
-                      </a:solidFill>
-                      <a:prstDash val="solid"/>
-                      <a:round/>
-                      <a:headEnd len="sm" w="sm" type="none"/>
-                      <a:tailEnd len="sm" w="sm" type="none"/>
-                    </a:lnT>
-                    <a:lnB cap="flat" cmpd="sng" w="38100">
-                      <a:solidFill>
-                        <a:schemeClr val="lt1"/>
-                      </a:solidFill>
-                      <a:prstDash val="solid"/>
-                      <a:round/>
-                      <a:headEnd len="sm" w="sm" type="none"/>
-                      <a:tailEnd len="sm" w="sm" type="none"/>
-                    </a:lnB>
-                    <a:solidFill>
-                      <a:schemeClr val="lt1"/>
-                    </a:solidFill>
-                  </a:tcPr>
-                </a:tc>
-              </a:tr>
-              <a:tr h="316525">
-                <a:tc>
-                  <a:txBody>
-                    <a:bodyPr/>
-                    <a:lstStyle/>
-                    <a:p>
-                      <a:pPr indent="0" lvl="0" marL="0" rtl="0" algn="ctr">
-                        <a:spcBef>
-                          <a:spcPts val="0"/>
-                        </a:spcBef>
-                        <a:spcAft>
-                          <a:spcPts val="0"/>
-                        </a:spcAft>
-                        <a:buNone/>
-                      </a:pPr>
-                      <a:r>
-                        <a:rPr b="1" lang="en" sz="1200">
-                          <a:solidFill>
-                            <a:schemeClr val="lt1"/>
-                          </a:solidFill>
-                        </a:rPr>
-                        <a:t>12.</a:t>
-                      </a:r>
-                      <a:endParaRPr b="1" sz="1200">
-                        <a:solidFill>
-                          <a:schemeClr val="lt1"/>
-                        </a:solidFill>
-                      </a:endParaRPr>
-                    </a:p>
-                  </a:txBody>
-                  <a:tcPr marT="0" marB="0" marR="91425" marL="91425" anchor="ctr">
-                    <a:lnL cap="flat" cmpd="sng" w="38100">
-                      <a:solidFill>
-                        <a:schemeClr val="lt1"/>
-                      </a:solidFill>
-                      <a:prstDash val="solid"/>
-                      <a:round/>
-                      <a:headEnd len="sm" w="sm" type="none"/>
-                      <a:tailEnd len="sm" w="sm" type="none"/>
-                    </a:lnL>
-                    <a:lnR cap="flat" cmpd="sng" w="38100">
-                      <a:solidFill>
-                        <a:schemeClr val="lt1"/>
-                      </a:solidFill>
-                      <a:prstDash val="solid"/>
-                      <a:round/>
-                      <a:headEnd len="sm" w="sm" type="none"/>
-                      <a:tailEnd len="sm" w="sm" type="none"/>
-                    </a:lnR>
-                    <a:lnT cap="flat" cmpd="sng" w="38100">
-                      <a:solidFill>
-                        <a:schemeClr val="lt1"/>
-                      </a:solidFill>
-                      <a:prstDash val="solid"/>
-                      <a:round/>
-                      <a:headEnd len="sm" w="sm" type="none"/>
-                      <a:tailEnd len="sm" w="sm" type="none"/>
-                    </a:lnT>
-                    <a:lnB cap="flat" cmpd="sng" w="38100">
-                      <a:solidFill>
-                        <a:schemeClr val="lt1"/>
-                      </a:solidFill>
-                      <a:prstDash val="solid"/>
-                      <a:round/>
-                      <a:headEnd len="sm" w="sm" type="none"/>
-                      <a:tailEnd len="sm" w="sm" type="none"/>
-                    </a:lnB>
-                    <a:solidFill>
-                      <a:schemeClr val="accent4"/>
-                    </a:solidFill>
-                  </a:tcPr>
-                </a:tc>
-                <a:tc rowSpan="2">
-                  <a:txBody>
-                    <a:bodyPr/>
-                    <a:lstStyle/>
-                    <a:p>
-                      <a:pPr indent="0" lvl="0" marL="0" rtl="0" algn="l">
-                        <a:spcBef>
-                          <a:spcPts val="0"/>
-                        </a:spcBef>
-                        <a:spcAft>
-                          <a:spcPts val="0"/>
-                        </a:spcAft>
-                        <a:buNone/>
-                      </a:pPr>
-                      <a:r>
-                        <a:rPr b="1" lang="en" sz="1200">
-                          <a:solidFill>
-                            <a:schemeClr val="lt1"/>
-                          </a:solidFill>
-                        </a:rPr>
-                        <a:t>Academic writing</a:t>
-                      </a:r>
-                      <a:endParaRPr b="1" sz="1200">
-                        <a:solidFill>
-                          <a:schemeClr val="lt1"/>
-                        </a:solidFill>
-                      </a:endParaRPr>
-                    </a:p>
-                  </a:txBody>
-                  <a:tcPr marT="0" marB="0" marR="91425" marL="91425" anchor="ctr">
-                    <a:lnL cap="flat" cmpd="sng" w="38100">
-                      <a:solidFill>
-                        <a:schemeClr val="lt1"/>
-                      </a:solidFill>
-                      <a:prstDash val="solid"/>
-                      <a:round/>
-                      <a:headEnd len="sm" w="sm" type="none"/>
-                      <a:tailEnd len="sm" w="sm" type="none"/>
-                    </a:lnL>
-                    <a:lnR cap="flat" cmpd="sng" w="38100">
-                      <a:solidFill>
-                        <a:schemeClr val="lt1"/>
-                      </a:solidFill>
-                      <a:prstDash val="solid"/>
-                      <a:round/>
-                      <a:headEnd len="sm" w="sm" type="none"/>
-                      <a:tailEnd len="sm" w="sm" type="none"/>
-                    </a:lnR>
-                    <a:lnT cap="flat" cmpd="sng" w="38100">
-                      <a:solidFill>
-                        <a:schemeClr val="lt1"/>
-                      </a:solidFill>
-                      <a:prstDash val="solid"/>
-                      <a:round/>
-                      <a:headEnd len="sm" w="sm" type="none"/>
-                      <a:tailEnd len="sm" w="sm" type="none"/>
-                    </a:lnT>
-                    <a:lnB cap="flat" cmpd="sng" w="38100">
-                      <a:solidFill>
-                        <a:schemeClr val="lt1"/>
-                      </a:solidFill>
-                      <a:prstDash val="solid"/>
-                      <a:round/>
-                      <a:headEnd len="sm" w="sm" type="none"/>
-                      <a:tailEnd len="sm" w="sm" type="none"/>
-                    </a:lnB>
-                    <a:solidFill>
-                      <a:schemeClr val="dk2"/>
-                    </a:solidFill>
-                  </a:tcPr>
-                </a:tc>
-                <a:tc>
-                  <a:txBody>
-                    <a:bodyPr/>
-                    <a:lstStyle/>
-                    <a:p>
-                      <a:pPr indent="0" lvl="0" marL="0" rtl="0" algn="l">
-                        <a:spcBef>
-                          <a:spcPts val="0"/>
-                        </a:spcBef>
-                        <a:spcAft>
-                          <a:spcPts val="0"/>
-                        </a:spcAft>
-                        <a:buNone/>
-                      </a:pPr>
-                      <a:r>
-                        <a:rPr lang="en" sz="1200">
-                          <a:solidFill>
-                            <a:schemeClr val="dk1"/>
-                          </a:solidFill>
-                        </a:rPr>
-                        <a:t>Good academic writing</a:t>
-                      </a:r>
-                      <a:endParaRPr sz="1200">
-                        <a:solidFill>
-                          <a:schemeClr val="dk1"/>
-                        </a:solidFill>
-                      </a:endParaRPr>
-                    </a:p>
-                  </a:txBody>
-                  <a:tcPr marT="0" marB="0" marR="91425" marL="91425" anchor="ctr">
-                    <a:lnL cap="flat" cmpd="sng" w="38100">
-                      <a:solidFill>
-                        <a:schemeClr val="lt1"/>
-                      </a:solidFill>
-                      <a:prstDash val="solid"/>
-                      <a:round/>
-                      <a:headEnd len="sm" w="sm" type="none"/>
-                      <a:tailEnd len="sm" w="sm" type="none"/>
-                    </a:lnL>
-                    <a:lnR cap="flat" cmpd="sng" w="38100">
-                      <a:solidFill>
-                        <a:schemeClr val="lt1"/>
-                      </a:solidFill>
-                      <a:prstDash val="solid"/>
-                      <a:round/>
-                      <a:headEnd len="sm" w="sm" type="none"/>
-                      <a:tailEnd len="sm" w="sm" type="none"/>
-                    </a:lnR>
-                    <a:lnT cap="flat" cmpd="sng" w="38100">
-                      <a:solidFill>
-                        <a:schemeClr val="lt1"/>
-                      </a:solidFill>
-                      <a:prstDash val="solid"/>
-                      <a:round/>
-                      <a:headEnd len="sm" w="sm" type="none"/>
-                      <a:tailEnd len="sm" w="sm" type="none"/>
-                    </a:lnT>
-                    <a:lnB cap="flat" cmpd="sng" w="38100">
-                      <a:solidFill>
-                        <a:schemeClr val="lt1"/>
-                      </a:solidFill>
-                      <a:prstDash val="solid"/>
-                      <a:round/>
-                      <a:headEnd len="sm" w="sm" type="none"/>
-                      <a:tailEnd len="sm" w="sm" type="none"/>
-                    </a:lnB>
-                    <a:solidFill>
-                      <a:schemeClr val="lt2"/>
-                    </a:solidFill>
-                  </a:tcPr>
-                </a:tc>
-              </a:tr>
-              <a:tr h="316525">
-                <a:tc>
-                  <a:txBody>
-                    <a:bodyPr/>
-                    <a:lstStyle/>
-                    <a:p>
-                      <a:pPr indent="0" lvl="0" marL="0" rtl="0" algn="ctr">
-                        <a:spcBef>
-                          <a:spcPts val="0"/>
-                        </a:spcBef>
-                        <a:spcAft>
-                          <a:spcPts val="0"/>
-                        </a:spcAft>
-                        <a:buNone/>
-                      </a:pPr>
-                      <a:r>
-                        <a:rPr b="1" lang="en" sz="1200">
-                          <a:solidFill>
-                            <a:schemeClr val="lt1"/>
-                          </a:solidFill>
-                        </a:rPr>
-                        <a:t>13.</a:t>
-                      </a:r>
-                      <a:endParaRPr b="1" sz="1200">
-                        <a:solidFill>
-                          <a:schemeClr val="lt1"/>
-                        </a:solidFill>
-                      </a:endParaRPr>
-                    </a:p>
-                  </a:txBody>
-                  <a:tcPr marT="0" marB="0" marR="91425" marL="91425" anchor="ctr">
-                    <a:lnL cap="flat" cmpd="sng" w="38100">
-                      <a:solidFill>
-                        <a:schemeClr val="lt1"/>
-                      </a:solidFill>
-                      <a:prstDash val="solid"/>
-                      <a:round/>
-                      <a:headEnd len="sm" w="sm" type="none"/>
-                      <a:tailEnd len="sm" w="sm" type="none"/>
-                    </a:lnL>
-                    <a:lnR cap="flat" cmpd="sng" w="38100">
-                      <a:solidFill>
-                        <a:schemeClr val="lt1"/>
-                      </a:solidFill>
-                      <a:prstDash val="solid"/>
-                      <a:round/>
-                      <a:headEnd len="sm" w="sm" type="none"/>
-                      <a:tailEnd len="sm" w="sm" type="none"/>
-                    </a:lnR>
-                    <a:lnT cap="flat" cmpd="sng" w="38100">
-                      <a:solidFill>
-                        <a:schemeClr val="lt1"/>
-                      </a:solidFill>
-                      <a:prstDash val="solid"/>
-                      <a:round/>
-                      <a:headEnd len="sm" w="sm" type="none"/>
-                      <a:tailEnd len="sm" w="sm" type="none"/>
-                    </a:lnT>
-                    <a:lnB cap="flat" cmpd="sng" w="38100">
-                      <a:solidFill>
-                        <a:schemeClr val="lt1"/>
-                      </a:solidFill>
-                      <a:prstDash val="solid"/>
-                      <a:round/>
-                      <a:headEnd len="sm" w="sm" type="none"/>
-                      <a:tailEnd len="sm" w="sm" type="none"/>
-                    </a:lnB>
-                    <a:solidFill>
-                      <a:schemeClr val="accent4"/>
-                    </a:solidFill>
-                  </a:tcPr>
-                </a:tc>
-                <a:tc vMerge="1"/>
-                <a:tc>
-                  <a:txBody>
-                    <a:bodyPr/>
-                    <a:lstStyle/>
-                    <a:p>
-                      <a:pPr indent="0" lvl="0" marL="0" rtl="0" algn="l">
-                        <a:spcBef>
-                          <a:spcPts val="0"/>
-                        </a:spcBef>
-                        <a:spcAft>
-                          <a:spcPts val="0"/>
-                        </a:spcAft>
-                        <a:buNone/>
-                      </a:pPr>
-                      <a:r>
-                        <a:rPr lang="en" sz="1200">
-                          <a:solidFill>
-                            <a:schemeClr val="dk1"/>
-                          </a:solidFill>
-                        </a:rPr>
-                        <a:t>Academic publishing</a:t>
-                      </a:r>
-                      <a:endParaRPr sz="1200">
-                        <a:solidFill>
-                          <a:schemeClr val="dk1"/>
-                        </a:solidFill>
-                      </a:endParaRPr>
-                    </a:p>
-                  </a:txBody>
-                  <a:tcPr marT="0" marB="0" marR="91425" marL="91425" anchor="ctr">
-                    <a:lnL cap="flat" cmpd="sng" w="38100">
-                      <a:solidFill>
-                        <a:schemeClr val="lt1"/>
-                      </a:solidFill>
-                      <a:prstDash val="solid"/>
-                      <a:round/>
-                      <a:headEnd len="sm" w="sm" type="none"/>
-                      <a:tailEnd len="sm" w="sm" type="none"/>
-                    </a:lnL>
-                    <a:lnR cap="flat" cmpd="sng" w="38100">
-                      <a:solidFill>
-                        <a:schemeClr val="lt1"/>
-                      </a:solidFill>
-                      <a:prstDash val="solid"/>
-                      <a:round/>
-                      <a:headEnd len="sm" w="sm" type="none"/>
-                      <a:tailEnd len="sm" w="sm" type="none"/>
-                    </a:lnR>
-                    <a:lnT cap="flat" cmpd="sng" w="38100">
-                      <a:solidFill>
-                        <a:schemeClr val="lt1"/>
-                      </a:solidFill>
-                      <a:prstDash val="solid"/>
-                      <a:round/>
-                      <a:headEnd len="sm" w="sm" type="none"/>
-                      <a:tailEnd len="sm" w="sm" type="none"/>
-                    </a:lnT>
-                    <a:lnB cap="flat" cmpd="sng" w="38100">
-                      <a:solidFill>
-                        <a:schemeClr val="lt1">
-                          <a:alpha val="0"/>
-                        </a:schemeClr>
-                      </a:solidFill>
-                      <a:prstDash val="solid"/>
-                      <a:round/>
-                      <a:headEnd len="sm" w="sm" type="none"/>
-                      <a:tailEnd len="sm" w="sm" type="none"/>
-                    </a:lnB>
-                  </a:tcPr>
-                </a:tc>
-              </a:tr>
-            </a:tbl>
-          </a:graphicData>
-        </a:graphic>
-      </p:graphicFrame>
+        </p:nvPicPr>
+        <p:blipFill>
+          <a:blip r:embed="rId4">
+            <a:alphaModFix/>
+          </a:blip>
+          <a:stretch>
+            <a:fillRect/>
+          </a:stretch>
+        </p:blipFill>
+        <p:spPr>
+          <a:xfrm>
+            <a:off x="274320" y="914400"/>
+            <a:ext cx="8595360" cy="3502840"/>
+          </a:xfrm>
+          <a:prstGeom prst="rect">
+            <a:avLst/>
+          </a:prstGeom>
+          <a:noFill/>
+          <a:ln>
+            <a:noFill/>
+          </a:ln>
+        </p:spPr>
+      </p:pic>
     </p:spTree>
   </p:cSld>
   <p:clrMapOvr>
@@ -15124,7 +12471,7 @@
             <a:tbl>
               <a:tblPr>
                 <a:noFill/>
-                <a:tableStyleId>{14B4BF16-B9DC-46FC-A811-A1A9D4ED67F8}</a:tableStyleId>
+                <a:tableStyleId>{289D13A9-D2F7-4F60-86CA-BBA6726F6D71}</a:tableStyleId>
               </a:tblPr>
               <a:tblGrid>
                 <a:gridCol w="1719075"/>
@@ -15265,7 +12612,7 @@
                       <a:tailEnd len="sm" w="sm" type="none"/>
                     </a:lnB>
                     <a:solidFill>
-                      <a:schemeClr val="accent4"/>
+                      <a:schemeClr val="dk2"/>
                     </a:solidFill>
                   </a:tcPr>
                 </a:tc>
@@ -15342,7 +12689,7 @@
                       <a:tailEnd len="sm" w="sm" type="none"/>
                     </a:lnB>
                     <a:solidFill>
-                      <a:schemeClr val="dk2"/>
+                      <a:schemeClr val="lt2"/>
                     </a:solidFill>
                   </a:tcPr>
                 </a:tc>
@@ -15413,7 +12760,7 @@
                       <a:tailEnd len="sm" w="sm" type="none"/>
                     </a:lnB>
                     <a:solidFill>
-                      <a:schemeClr val="dk2"/>
+                      <a:schemeClr val="lt2"/>
                     </a:solidFill>
                   </a:tcPr>
                 </a:tc>
@@ -15484,7 +12831,7 @@
                       <a:tailEnd len="sm" w="sm" type="none"/>
                     </a:lnB>
                     <a:solidFill>
-                      <a:schemeClr val="dk2"/>
+                      <a:schemeClr val="lt2"/>
                     </a:solidFill>
                   </a:tcPr>
                 </a:tc>
@@ -15557,7 +12904,7 @@
                       <a:tailEnd len="sm" w="sm" type="none"/>
                     </a:lnB>
                     <a:solidFill>
-                      <a:schemeClr val="accent4"/>
+                      <a:schemeClr val="dk2"/>
                     </a:solidFill>
                   </a:tcPr>
                 </a:tc>
@@ -15628,7 +12975,7 @@
                       <a:tailEnd len="sm" w="sm" type="none"/>
                     </a:lnB>
                     <a:solidFill>
-                      <a:schemeClr val="dk2"/>
+                      <a:schemeClr val="lt2"/>
                     </a:solidFill>
                   </a:tcPr>
                 </a:tc>
@@ -15882,7 +13229,7 @@
                       <a:tailEnd len="sm" w="sm" type="none"/>
                     </a:lnB>
                     <a:solidFill>
-                      <a:schemeClr val="dk2"/>
+                      <a:schemeClr val="lt2"/>
                     </a:solidFill>
                   </a:tcPr>
                 </a:tc>
@@ -15945,7 +13292,7 @@
                       <a:tailEnd len="sm" w="sm" type="none"/>
                     </a:lnB>
                     <a:solidFill>
-                      <a:schemeClr val="accent6"/>
+                      <a:schemeClr val="accent1"/>
                     </a:solidFill>
                   </a:tcPr>
                 </a:tc>
@@ -16008,7 +13355,7 @@
                       <a:tailEnd len="sm" w="sm" type="none"/>
                     </a:lnB>
                     <a:solidFill>
-                      <a:schemeClr val="accent6"/>
+                      <a:schemeClr val="accent1"/>
                     </a:solidFill>
                   </a:tcPr>
                 </a:tc>
@@ -16071,7 +13418,7 @@
                       <a:tailEnd len="sm" w="sm" type="none"/>
                     </a:lnB>
                     <a:solidFill>
-                      <a:schemeClr val="accent6"/>
+                      <a:schemeClr val="accent1"/>
                     </a:solidFill>
                   </a:tcPr>
                 </a:tc>
@@ -16169,7 +13516,7 @@
                       <a:tailEnd len="sm" w="sm" type="none"/>
                     </a:lnB>
                     <a:solidFill>
-                      <a:schemeClr val="dk2"/>
+                      <a:schemeClr val="lt2"/>
                     </a:solidFill>
                   </a:tcPr>
                 </a:tc>
@@ -16610,7 +13957,7 @@
             </a:pPr>
             <a:r>
               <a:rPr lang="en"/>
-              <a:t>Lecture content (2 SWS) = 30 / 150 = 20% (of semester contributions)</a:t>
+              <a:t>Lecture content (4 SWS) = 60 / 150 = 40% (of semester contributions)</a:t>
             </a:r>
             <a:endParaRPr/>
           </a:p>
@@ -16644,7 +13991,7 @@
             </a:pPr>
             <a:r>
               <a:rPr lang="en"/>
-              <a:t>Homework submissions = 120 / 150 = 80% (of semester contributions)</a:t>
+              <a:t>Method exercises = 90 / 150 = 60% (of semester contributions)</a:t>
             </a:r>
             <a:endParaRPr/>
           </a:p>
@@ -16661,87 +14008,14 @@
             </a:pPr>
             <a:r>
               <a:rPr lang="en"/>
-              <a:t>Written homework = 9 / 13 of homework submissions</a:t>
-            </a:r>
-            <a:endParaRPr/>
-          </a:p>
-          <a:p>
-            <a:pPr indent="-292100" lvl="2" marL="1371600" rtl="0" algn="l">
-              <a:spcBef>
-                <a:spcPts val="0"/>
-              </a:spcBef>
-              <a:spcAft>
-                <a:spcPts val="0"/>
-              </a:spcAft>
-              <a:buClr>
-                <a:srgbClr val="9E9E9E"/>
-              </a:buClr>
-              <a:buSzPts val="1000"/>
-              <a:buChar char="■"/>
-            </a:pPr>
-            <a:r>
-              <a:rPr lang="en" sz="1000">
-                <a:solidFill>
-                  <a:srgbClr val="9E9E9E"/>
-                </a:solidFill>
-              </a:rPr>
-              <a:t>Graded using [0..10] based on grading rubric (see later slide)</a:t>
-            </a:r>
-            <a:endParaRPr sz="1000">
-              <a:solidFill>
-                <a:srgbClr val="9E9E9E"/>
-              </a:solidFill>
-            </a:endParaRPr>
-          </a:p>
-          <a:p>
-            <a:pPr indent="-317500" lvl="1" marL="914400" rtl="0" algn="l">
-              <a:spcBef>
-                <a:spcPts val="1000"/>
-              </a:spcBef>
-              <a:spcAft>
-                <a:spcPts val="0"/>
-              </a:spcAft>
-              <a:buSzPts val="1400"/>
-              <a:buChar char="○"/>
-            </a:pPr>
-            <a:r>
-              <a:rPr lang="en"/>
-              <a:t>Method exercises = 4 / 13 of homework submissions</a:t>
-            </a:r>
-            <a:endParaRPr/>
-          </a:p>
-          <a:p>
-            <a:pPr indent="-292100" lvl="2" marL="1371600" rtl="0" algn="l">
-              <a:spcBef>
-                <a:spcPts val="0"/>
-              </a:spcBef>
-              <a:spcAft>
-                <a:spcPts val="0"/>
-              </a:spcAft>
-              <a:buClr>
-                <a:srgbClr val="9E9E9E"/>
-              </a:buClr>
-              <a:buSzPts val="1000"/>
-              <a:buChar char="■"/>
-            </a:pPr>
-            <a:r>
-              <a:rPr lang="en" sz="1000">
-                <a:solidFill>
-                  <a:srgbClr val="9E9E9E"/>
-                </a:solidFill>
-              </a:rPr>
-              <a:t>Graded using [0..10] based on grading rubric (see later slide)</a:t>
-            </a:r>
-            <a:endParaRPr sz="1000">
-              <a:solidFill>
-                <a:srgbClr val="9E9E9E"/>
-              </a:solidFill>
-            </a:endParaRPr>
+              <a:t>Graded using [0..10] using tool and grading rubric</a:t>
+            </a:r>
+            <a:endParaRPr/>
           </a:p>
           <a:p>
             <a:pPr indent="0" lvl="0" marL="0" rtl="0" algn="l">
               <a:spcBef>
-                <a:spcPts val="1000"/>
+                <a:spcPts val="1200"/>
               </a:spcBef>
               <a:spcAft>
                 <a:spcPts val="0"/>
@@ -17163,28 +14437,28 @@
         <a:srgbClr val="FFFFFF"/>
       </a:lt1>
       <a:dk2>
-        <a:srgbClr val="808080"/>
+        <a:srgbClr val="404040"/>
       </a:dk2>
       <a:lt2>
-        <a:srgbClr val="DCDCDC"/>
+        <a:srgbClr val="808080"/>
       </a:lt2>
       <a:accent1>
-        <a:srgbClr val="4CAF50"/>
+        <a:srgbClr val="D0D0D0"/>
       </a:accent1>
       <a:accent2>
-        <a:srgbClr val="1E90FF"/>
+        <a:srgbClr val="4169E1"/>
       </a:accent2>
       <a:accent3>
-        <a:srgbClr val="FF0000"/>
+        <a:srgbClr val="D50D01"/>
       </a:accent3>
       <a:accent4>
-        <a:srgbClr val="424242"/>
+        <a:srgbClr val="FEB612"/>
       </a:accent4>
       <a:accent5>
-        <a:srgbClr val="D9D9D9"/>
+        <a:srgbClr val="4CAF50"/>
       </a:accent5>
       <a:accent6>
-        <a:srgbClr val="D9D9D9"/>
+        <a:srgbClr val="8E44AD"/>
       </a:accent6>
       <a:hlink>
         <a:srgbClr val="34A3C5"/>

--- a/Lecture slides/NYT A01 - Introduction.pptx
+++ b/Lecture slides/NYT A01 - Introduction.pptx
@@ -29,6 +29,7 @@
     <p:sldId id="274" r:id="rId24"/>
     <p:sldId id="275" r:id="rId25"/>
     <p:sldId id="276" r:id="rId26"/>
+    <p:sldId id="277" r:id="rId27"/>
   </p:sldIdLst>
   <p:sldSz cy="5143500" cx="9144000"/>
   <p:notesSz cx="6858000" cy="9144000"/>
@@ -808,7 +809,7 @@
       </p:grpSpPr>
       <p:sp>
         <p:nvSpPr>
-          <p:cNvPr id="97" name="Google Shape;97;g108fe332759_2_142:notes"/>
+          <p:cNvPr id="97" name="Google Shape;97;g2395919313b_0_82:notes"/>
           <p:cNvSpPr/>
           <p:nvPr>
             <p:ph idx="2" type="sldImg"/>
@@ -843,7 +844,7 @@
       </p:sp>
       <p:sp>
         <p:nvSpPr>
-          <p:cNvPr id="98" name="Google Shape;98;g108fe332759_2_142:notes"/>
+          <p:cNvPr id="98" name="Google Shape;98;g2395919313b_0_82:notes"/>
           <p:cNvSpPr txBox="1"/>
           <p:nvPr>
             <p:ph idx="1" type="body"/>
@@ -1204,7 +1205,7 @@
       </p:grpSpPr>
       <p:sp>
         <p:nvSpPr>
-          <p:cNvPr id="125" name="Google Shape;125;g108fe332759_2_30:notes"/>
+          <p:cNvPr id="125" name="Google Shape;125;g2395919313b_0_88:notes"/>
           <p:cNvSpPr/>
           <p:nvPr>
             <p:ph idx="2" type="sldImg"/>
@@ -1239,7 +1240,7 @@
       </p:sp>
       <p:sp>
         <p:nvSpPr>
-          <p:cNvPr id="126" name="Google Shape;126;g108fe332759_2_30:notes"/>
+          <p:cNvPr id="126" name="Google Shape;126;g2395919313b_0_88:notes"/>
           <p:cNvSpPr txBox="1"/>
           <p:nvPr>
             <p:ph idx="1" type="body"/>
@@ -1303,7 +1304,7 @@
       </p:grpSpPr>
       <p:sp>
         <p:nvSpPr>
-          <p:cNvPr id="132" name="Google Shape;132;g108fe332759_2_36:notes"/>
+          <p:cNvPr id="132" name="Google Shape;132;g2395919313b_0_94:notes"/>
           <p:cNvSpPr/>
           <p:nvPr>
             <p:ph idx="2" type="sldImg"/>
@@ -1338,7 +1339,7 @@
       </p:sp>
       <p:sp>
         <p:nvSpPr>
-          <p:cNvPr id="133" name="Google Shape;133;g108fe332759_2_36:notes"/>
+          <p:cNvPr id="133" name="Google Shape;133;g2395919313b_0_94:notes"/>
           <p:cNvSpPr txBox="1"/>
           <p:nvPr>
             <p:ph idx="1" type="body"/>
@@ -1388,7 +1389,7 @@
   <p:cSld>
     <p:spTree>
       <p:nvGrpSpPr>
-        <p:cNvPr id="139" name="Shape 139"/>
+        <p:cNvPr id="138" name="Shape 138"/>
         <p:cNvGrpSpPr/>
         <p:nvPr/>
       </p:nvGrpSpPr>
@@ -1402,7 +1403,7 @@
       </p:grpSpPr>
       <p:sp>
         <p:nvSpPr>
-          <p:cNvPr id="140" name="Google Shape;140;g108fe332759_2_43:notes"/>
+          <p:cNvPr id="139" name="Google Shape;139;g2395919313b_0_100:notes"/>
           <p:cNvSpPr/>
           <p:nvPr>
             <p:ph idx="2" type="sldImg"/>
@@ -1437,7 +1438,7 @@
       </p:sp>
       <p:sp>
         <p:nvSpPr>
-          <p:cNvPr id="141" name="Google Shape;141;g108fe332759_2_43:notes"/>
+          <p:cNvPr id="140" name="Google Shape;140;g2395919313b_0_100:notes"/>
           <p:cNvSpPr txBox="1"/>
           <p:nvPr>
             <p:ph idx="1" type="body"/>
@@ -1487,7 +1488,7 @@
   <p:cSld>
     <p:spTree>
       <p:nvGrpSpPr>
-        <p:cNvPr id="147" name="Shape 147"/>
+        <p:cNvPr id="146" name="Shape 146"/>
         <p:cNvGrpSpPr/>
         <p:nvPr/>
       </p:nvGrpSpPr>
@@ -1501,7 +1502,7 @@
       </p:grpSpPr>
       <p:sp>
         <p:nvSpPr>
-          <p:cNvPr id="148" name="Google Shape;148;g108fe332759_2_49:notes"/>
+          <p:cNvPr id="147" name="Google Shape;147;g108fe332759_2_43:notes"/>
           <p:cNvSpPr/>
           <p:nvPr>
             <p:ph idx="2" type="sldImg"/>
@@ -1536,7 +1537,7 @@
       </p:sp>
       <p:sp>
         <p:nvSpPr>
-          <p:cNvPr id="149" name="Google Shape;149;g108fe332759_2_49:notes"/>
+          <p:cNvPr id="148" name="Google Shape;148;g108fe332759_2_43:notes"/>
           <p:cNvSpPr txBox="1"/>
           <p:nvPr>
             <p:ph idx="1" type="body"/>
@@ -1600,7 +1601,7 @@
       </p:grpSpPr>
       <p:sp>
         <p:nvSpPr>
-          <p:cNvPr id="155" name="Google Shape;155;g108fe332759_2_61:notes"/>
+          <p:cNvPr id="155" name="Google Shape;155;g108fe332759_2_49:notes"/>
           <p:cNvSpPr/>
           <p:nvPr>
             <p:ph idx="2" type="sldImg"/>
@@ -1635,7 +1636,7 @@
       </p:sp>
       <p:sp>
         <p:nvSpPr>
-          <p:cNvPr id="156" name="Google Shape;156;g108fe332759_2_61:notes"/>
+          <p:cNvPr id="156" name="Google Shape;156;g108fe332759_2_49:notes"/>
           <p:cNvSpPr txBox="1"/>
           <p:nvPr>
             <p:ph idx="1" type="body"/>
@@ -1699,7 +1700,7 @@
       </p:grpSpPr>
       <p:sp>
         <p:nvSpPr>
-          <p:cNvPr id="162" name="Google Shape;162;g108fe332759_2_67:notes"/>
+          <p:cNvPr id="162" name="Google Shape;162;g108fe332759_2_61:notes"/>
           <p:cNvSpPr/>
           <p:nvPr>
             <p:ph idx="2" type="sldImg"/>
@@ -1734,7 +1735,7 @@
       </p:sp>
       <p:sp>
         <p:nvSpPr>
-          <p:cNvPr id="163" name="Google Shape;163;g108fe332759_2_67:notes"/>
+          <p:cNvPr id="163" name="Google Shape;163;g108fe332759_2_61:notes"/>
           <p:cNvSpPr txBox="1"/>
           <p:nvPr>
             <p:ph idx="1" type="body"/>
@@ -1897,7 +1898,7 @@
       </p:grpSpPr>
       <p:sp>
         <p:nvSpPr>
-          <p:cNvPr id="169" name="Google Shape;169;gf5a950148e_0_0:notes"/>
+          <p:cNvPr id="169" name="Google Shape;169;g2395919313b_0_107:notes"/>
           <p:cNvSpPr/>
           <p:nvPr>
             <p:ph idx="2" type="sldImg"/>
@@ -1932,7 +1933,7 @@
       </p:sp>
       <p:sp>
         <p:nvSpPr>
-          <p:cNvPr id="170" name="Google Shape;170;gf5a950148e_0_0:notes"/>
+          <p:cNvPr id="170" name="Google Shape;170;g2395919313b_0_107:notes"/>
           <p:cNvSpPr txBox="1"/>
           <p:nvPr>
             <p:ph idx="1" type="body"/>
@@ -1982,7 +1983,7 @@
   <p:cSld>
     <p:spTree>
       <p:nvGrpSpPr>
-        <p:cNvPr id="174" name="Shape 174"/>
+        <p:cNvPr id="175" name="Shape 175"/>
         <p:cNvGrpSpPr/>
         <p:nvPr/>
       </p:nvGrpSpPr>
@@ -1996,7 +1997,7 @@
       </p:grpSpPr>
       <p:sp>
         <p:nvSpPr>
-          <p:cNvPr id="175" name="Google Shape;175;gf5a950148e_0_6:notes"/>
+          <p:cNvPr id="176" name="Google Shape;176;g2395919313b_0_38:notes"/>
           <p:cNvSpPr/>
           <p:nvPr>
             <p:ph idx="2" type="sldImg"/>
@@ -2031,7 +2032,106 @@
       </p:sp>
       <p:sp>
         <p:nvSpPr>
-          <p:cNvPr id="176" name="Google Shape;176;gf5a950148e_0_6:notes"/>
+          <p:cNvPr id="177" name="Google Shape;177;g2395919313b_0_38:notes"/>
+          <p:cNvSpPr txBox="1"/>
+          <p:nvPr>
+            <p:ph idx="1" type="body"/>
+          </p:nvPr>
+        </p:nvSpPr>
+        <p:spPr>
+          <a:xfrm>
+            <a:off x="685800" y="4343400"/>
+            <a:ext cx="5486400" cy="4114800"/>
+          </a:xfrm>
+          <a:prstGeom prst="rect">
+            <a:avLst/>
+          </a:prstGeom>
+        </p:spPr>
+        <p:txBody>
+          <a:bodyPr anchorCtr="0" anchor="t" bIns="91425" lIns="91425" spcFirstLastPara="1" rIns="91425" wrap="square" tIns="91425">
+            <a:noAutofit/>
+          </a:bodyPr>
+          <a:lstStyle/>
+          <a:p>
+            <a:pPr indent="0" lvl="0" marL="0" rtl="0" algn="l">
+              <a:spcBef>
+                <a:spcPts val="0"/>
+              </a:spcBef>
+              <a:spcAft>
+                <a:spcPts val="0"/>
+              </a:spcAft>
+              <a:buNone/>
+            </a:pPr>
+            <a:r>
+              <a:t/>
+            </a:r>
+            <a:endParaRPr/>
+          </a:p>
+        </p:txBody>
+      </p:sp>
+    </p:spTree>
+  </p:cSld>
+  <p:clrMapOvr>
+    <a:masterClrMapping/>
+  </p:clrMapOvr>
+</p:notes>
+</file>
+
+<file path=ppt/notesSlides/notesSlide22.xml><?xml version="1.0" encoding="utf-8"?>
+<p:notes xmlns:a="http://schemas.openxmlformats.org/drawingml/2006/main" xmlns:r="http://schemas.openxmlformats.org/officeDocument/2006/relationships" xmlns:mc="http://schemas.openxmlformats.org/markup-compatibility/2006" xmlns:mv="urn:schemas-microsoft-com:mac:vml" xmlns:p="http://schemas.openxmlformats.org/presentationml/2006/main" xmlns:c="http://schemas.openxmlformats.org/drawingml/2006/chart" xmlns:dgm="http://schemas.openxmlformats.org/drawingml/2006/diagram" xmlns:o="urn:schemas-microsoft-com:office:office" xmlns:v="urn:schemas-microsoft-com:vml" xmlns:pvml="urn:schemas-microsoft-com:office:powerpoint" xmlns:com="http://schemas.openxmlformats.org/drawingml/2006/compatibility" xmlns:p14="http://schemas.microsoft.com/office/powerpoint/2010/main" xmlns:p15="http://schemas.microsoft.com/office/powerpoint/2012/main" xmlns:ahyp="http://schemas.microsoft.com/office/drawing/2018/hyperlinkcolor" showMasterPhAnim="0" showMasterSp="0">
+  <p:cSld>
+    <p:spTree>
+      <p:nvGrpSpPr>
+        <p:cNvPr id="181" name="Shape 181"/>
+        <p:cNvGrpSpPr/>
+        <p:nvPr/>
+      </p:nvGrpSpPr>
+      <p:grpSpPr>
+        <a:xfrm>
+          <a:off x="0" y="0"/>
+          <a:ext cx="0" cy="0"/>
+          <a:chOff x="0" y="0"/>
+          <a:chExt cx="0" cy="0"/>
+        </a:xfrm>
+      </p:grpSpPr>
+      <p:sp>
+        <p:nvSpPr>
+          <p:cNvPr id="182" name="Google Shape;182;g2395919313b_0_43:notes"/>
+          <p:cNvSpPr/>
+          <p:nvPr>
+            <p:ph idx="2" type="sldImg"/>
+          </p:nvPr>
+        </p:nvSpPr>
+        <p:spPr>
+          <a:xfrm>
+            <a:off x="381300" y="685800"/>
+            <a:ext cx="6096000" cy="3429000"/>
+          </a:xfrm>
+          <a:custGeom>
+            <a:rect b="b" l="l" r="r" t="t"/>
+            <a:pathLst>
+              <a:path extrusionOk="0" h="120000" w="120000">
+                <a:moveTo>
+                  <a:pt x="0" y="0"/>
+                </a:moveTo>
+                <a:lnTo>
+                  <a:pt x="120000" y="0"/>
+                </a:lnTo>
+                <a:lnTo>
+                  <a:pt x="120000" y="120000"/>
+                </a:lnTo>
+                <a:lnTo>
+                  <a:pt x="0" y="120000"/>
+                </a:lnTo>
+                <a:close/>
+              </a:path>
+            </a:pathLst>
+          </a:custGeom>
+        </p:spPr>
+      </p:sp>
+      <p:sp>
+        <p:nvSpPr>
+          <p:cNvPr id="183" name="Google Shape;183;g2395919313b_0_43:notes"/>
           <p:cNvSpPr txBox="1"/>
           <p:nvPr>
             <p:ph idx="1" type="body"/>
@@ -2491,7 +2591,7 @@
       </p:grpSpPr>
       <p:sp>
         <p:nvSpPr>
-          <p:cNvPr id="74" name="Google Shape;74;g108fe332759_2_12:notes"/>
+          <p:cNvPr id="74" name="Google Shape;74;g2395919313b_0_76:notes"/>
           <p:cNvSpPr/>
           <p:nvPr>
             <p:ph idx="2" type="sldImg"/>
@@ -2526,7 +2626,7 @@
       </p:sp>
       <p:sp>
         <p:nvSpPr>
-          <p:cNvPr id="75" name="Google Shape;75;g108fe332759_2_12:notes"/>
+          <p:cNvPr id="75" name="Google Shape;75;g2395919313b_0_76:notes"/>
           <p:cNvSpPr txBox="1"/>
           <p:nvPr>
             <p:ph idx="1" type="body"/>
@@ -6679,7 +6779,7 @@
             <a:tbl>
               <a:tblPr>
                 <a:noFill/>
-                <a:tableStyleId>{289D13A9-D2F7-4F60-86CA-BBA6726F6D71}</a:tableStyleId>
+                <a:tableStyleId>{067A0ED2-2E35-4495-812A-DB64C3BFA2AA}</a:tableStyleId>
               </a:tblPr>
               <a:tblGrid>
                 <a:gridCol w="1227850"/>
@@ -8790,7 +8890,7 @@
             </a:pPr>
             <a:r>
               <a:rPr lang="en"/>
-              <a:t>Receiving a Grade for the Course</a:t>
+              <a:t>Course Registration vs. Exam Registration</a:t>
             </a:r>
             <a:endParaRPr/>
           </a:p>
@@ -8826,16 +8926,15 @@
               <a:spcAft>
                 <a:spcPts val="0"/>
               </a:spcAft>
-              <a:buClr>
-                <a:schemeClr val="dk1"/>
-              </a:buClr>
-              <a:buSzPts val="1100"/>
-              <a:buFont typeface="Arial"/>
-              <a:buNone/>
-            </a:pPr>
+              <a:buNone/>
+            </a:pPr>
+            <a:r>
+              <a:rPr b="1" lang="en"/>
+              <a:t>Step 1: Course registration </a:t>
+            </a:r>
             <a:r>
               <a:rPr lang="en"/>
-              <a:t>If you want to receive a grade</a:t>
+              <a:t>(German: Kursanmeldung)</a:t>
             </a:r>
             <a:endParaRPr/>
           </a:p>
@@ -8847,101 +8946,19 @@
               <a:spcAft>
                 <a:spcPts val="0"/>
               </a:spcAft>
-              <a:buClr>
-                <a:srgbClr val="212121"/>
-              </a:buClr>
               <a:buSzPts val="1800"/>
               <a:buChar char="●"/>
             </a:pPr>
             <a:r>
-              <a:rPr lang="en">
-                <a:solidFill>
-                  <a:srgbClr val="212121"/>
-                </a:solidFill>
-              </a:rPr>
-              <a:t>You must register through your university’s exam registration system</a:t>
-            </a:r>
-            <a:endParaRPr>
-              <a:solidFill>
-                <a:srgbClr val="212121"/>
-              </a:solidFill>
-            </a:endParaRPr>
-          </a:p>
-          <a:p>
-            <a:pPr indent="-317500" lvl="1" marL="914400" rtl="0" algn="l">
-              <a:spcBef>
-                <a:spcPts val="0"/>
-              </a:spcBef>
-              <a:spcAft>
-                <a:spcPts val="0"/>
-              </a:spcAft>
-              <a:buSzPts val="1400"/>
-              <a:buChar char="○"/>
-            </a:pPr>
-            <a:r>
-              <a:rPr b="1" lang="en"/>
-              <a:t>Your degree program may have split the course into two (VL + UE)</a:t>
-            </a:r>
-            <a:endParaRPr b="1"/>
-          </a:p>
-          <a:p>
-            <a:pPr indent="-317500" lvl="1" marL="914400" rtl="0" algn="l">
-              <a:spcBef>
-                <a:spcPts val="0"/>
-              </a:spcBef>
-              <a:spcAft>
-                <a:spcPts val="0"/>
-              </a:spcAft>
-              <a:buSzPts val="1400"/>
-              <a:buChar char="○"/>
-            </a:pPr>
-            <a:r>
-              <a:rPr b="1" lang="en"/>
-              <a:t>Registration system is different from the course management system</a:t>
-            </a:r>
-            <a:endParaRPr b="1"/>
-          </a:p>
-          <a:p>
-            <a:pPr indent="-317500" lvl="1" marL="914400" rtl="0" algn="l">
-              <a:spcBef>
-                <a:spcPts val="0"/>
-              </a:spcBef>
-              <a:spcAft>
-                <a:spcPts val="0"/>
-              </a:spcAft>
-              <a:buSzPts val="1400"/>
-              <a:buChar char="○"/>
-            </a:pPr>
-            <a:r>
-              <a:rPr b="1" lang="en"/>
-              <a:t>Please check asap that the course is available in your degree program!</a:t>
-            </a:r>
-            <a:endParaRPr b="1">
-              <a:solidFill>
-                <a:srgbClr val="212121"/>
-              </a:solidFill>
-            </a:endParaRPr>
-          </a:p>
-          <a:p>
-            <a:pPr indent="0" lvl="0" marL="0" rtl="0" algn="l">
-              <a:spcBef>
-                <a:spcPts val="1200"/>
-              </a:spcBef>
-              <a:spcAft>
-                <a:spcPts val="0"/>
-              </a:spcAft>
-              <a:buNone/>
-            </a:pPr>
-            <a:r>
               <a:rPr lang="en"/>
-              <a:t>In case of problems, please see</a:t>
+              <a:t>Students sign up through the course management system</a:t>
             </a:r>
             <a:endParaRPr/>
           </a:p>
           <a:p>
             <a:pPr indent="-342900" lvl="0" marL="457200" rtl="0" algn="l">
               <a:spcBef>
-                <a:spcPts val="1200"/>
+                <a:spcPts val="0"/>
               </a:spcBef>
               <a:spcAft>
                 <a:spcPts val="0"/>
@@ -8950,17 +8967,25 @@
               <a:buChar char="●"/>
             </a:pPr>
             <a:r>
-              <a:rPr lang="en" u="sng">
-                <a:solidFill>
-                  <a:schemeClr val="hlink"/>
-                </a:solidFill>
-                <a:hlinkClick r:id="rId3"/>
-              </a:rPr>
-              <a:t>https://oss.cs.fau.de/teaching/course-resources/course-registration/</a:t>
-            </a:r>
-            <a:r>
               <a:rPr lang="en"/>
-              <a:t> </a:t>
+              <a:t>You may or may not get in, various rules and regulations apply</a:t>
+            </a:r>
+            <a:endParaRPr/>
+          </a:p>
+          <a:p>
+            <a:pPr indent="-342900" lvl="0" marL="457200" rtl="0" algn="l">
+              <a:spcBef>
+                <a:spcPts val="0"/>
+              </a:spcBef>
+              <a:spcAft>
+                <a:spcPts val="0"/>
+              </a:spcAft>
+              <a:buSzPts val="1800"/>
+              <a:buChar char="●"/>
+            </a:pPr>
+            <a:r>
+              <a:rPr lang="en"/>
+              <a:t>The earlier you sign up, the more likely you are to get in</a:t>
             </a:r>
             <a:endParaRPr/>
           </a:p>
@@ -8970,13 +8995,68 @@
                 <a:spcPts val="1200"/>
               </a:spcBef>
               <a:spcAft>
+                <a:spcPts val="0"/>
+              </a:spcAft>
+              <a:buNone/>
+            </a:pPr>
+            <a:r>
+              <a:rPr b="1" lang="en"/>
+              <a:t>Step 2: Exam registration </a:t>
+            </a:r>
+            <a:r>
+              <a:rPr lang="en"/>
+              <a:t>(German: Prüfungsanmeldung)</a:t>
+            </a:r>
+            <a:endParaRPr/>
+          </a:p>
+          <a:p>
+            <a:pPr indent="-342900" lvl="0" marL="457200" rtl="0" algn="l">
+              <a:spcBef>
                 <a:spcPts val="1200"/>
-              </a:spcAft>
-              <a:buNone/>
+              </a:spcBef>
+              <a:spcAft>
+                <a:spcPts val="0"/>
+              </a:spcAft>
+              <a:buSzPts val="1800"/>
+              <a:buChar char="●"/>
             </a:pPr>
             <a:r>
               <a:rPr lang="en"/>
-              <a:t>Otherwise: No grade</a:t>
+              <a:t>During the first weeks of the course, you can decide to drop out</a:t>
+            </a:r>
+            <a:endParaRPr/>
+          </a:p>
+          <a:p>
+            <a:pPr indent="-342900" lvl="0" marL="457200" rtl="0" algn="l">
+              <a:spcBef>
+                <a:spcPts val="0"/>
+              </a:spcBef>
+              <a:spcAft>
+                <a:spcPts val="0"/>
+              </a:spcAft>
+              <a:buSzPts val="1800"/>
+              <a:buChar char="●"/>
+            </a:pPr>
+            <a:r>
+              <a:rPr lang="en"/>
+              <a:t>Four weeks (or so) into the semester, you can register for the exam</a:t>
+            </a:r>
+            <a:endParaRPr/>
+          </a:p>
+          <a:p>
+            <a:pPr indent="-342900" lvl="0" marL="457200" rtl="0" algn="l">
+              <a:spcBef>
+                <a:spcPts val="0"/>
+              </a:spcBef>
+              <a:spcAft>
+                <a:spcPts val="0"/>
+              </a:spcAft>
+              <a:buSzPts val="1800"/>
+              <a:buChar char="●"/>
+            </a:pPr>
+            <a:r>
+              <a:rPr lang="en"/>
+              <a:t>After exam registration closes, your decision is binding</a:t>
             </a:r>
             <a:endParaRPr/>
           </a:p>
@@ -9035,7 +9115,7 @@
                 <a:solidFill>
                   <a:schemeClr val="hlink"/>
                 </a:solidFill>
-                <a:hlinkClick r:id="rId4"/>
+                <a:hlinkClick r:id="rId3"/>
               </a:rPr>
               <a:t>https://profriehle.com</a:t>
             </a:r>
@@ -9098,6 +9178,313 @@
           </a:prstGeom>
         </p:spPr>
         <p:txBody>
+          <a:bodyPr anchorCtr="0" anchor="ctr" bIns="91425" lIns="274300" spcFirstLastPara="1" rIns="91425" wrap="square" tIns="91425">
+            <a:noAutofit/>
+          </a:bodyPr>
+          <a:lstStyle/>
+          <a:p>
+            <a:pPr indent="0" lvl="0" marL="0" rtl="0" algn="l">
+              <a:spcBef>
+                <a:spcPts val="0"/>
+              </a:spcBef>
+              <a:spcAft>
+                <a:spcPts val="0"/>
+              </a:spcAft>
+              <a:buNone/>
+            </a:pPr>
+            <a:r>
+              <a:rPr lang="en"/>
+              <a:t>Receiving a Grade for the Course</a:t>
+            </a:r>
+            <a:endParaRPr/>
+          </a:p>
+        </p:txBody>
+      </p:sp>
+      <p:sp>
+        <p:nvSpPr>
+          <p:cNvPr id="136" name="Google Shape;136;p22"/>
+          <p:cNvSpPr txBox="1"/>
+          <p:nvPr>
+            <p:ph idx="1" type="body"/>
+          </p:nvPr>
+        </p:nvSpPr>
+        <p:spPr>
+          <a:xfrm>
+            <a:off x="274320" y="914400"/>
+            <a:ext cx="8595300" cy="4114800"/>
+          </a:xfrm>
+          <a:prstGeom prst="rect">
+            <a:avLst/>
+          </a:prstGeom>
+        </p:spPr>
+        <p:txBody>
+          <a:bodyPr anchorCtr="0" anchor="t" bIns="0" lIns="0" spcFirstLastPara="1" rIns="0" wrap="square" tIns="0">
+            <a:noAutofit/>
+          </a:bodyPr>
+          <a:lstStyle/>
+          <a:p>
+            <a:pPr indent="0" lvl="0" marL="0" rtl="0" algn="l">
+              <a:spcBef>
+                <a:spcPts val="0"/>
+              </a:spcBef>
+              <a:spcAft>
+                <a:spcPts val="0"/>
+              </a:spcAft>
+              <a:buClr>
+                <a:schemeClr val="dk1"/>
+              </a:buClr>
+              <a:buSzPts val="1100"/>
+              <a:buFont typeface="Arial"/>
+              <a:buNone/>
+            </a:pPr>
+            <a:r>
+              <a:rPr lang="en"/>
+              <a:t>If you want to receive a grade</a:t>
+            </a:r>
+            <a:endParaRPr/>
+          </a:p>
+          <a:p>
+            <a:pPr indent="-342900" lvl="0" marL="457200" rtl="0" algn="l">
+              <a:spcBef>
+                <a:spcPts val="1200"/>
+              </a:spcBef>
+              <a:spcAft>
+                <a:spcPts val="0"/>
+              </a:spcAft>
+              <a:buClr>
+                <a:srgbClr val="212121"/>
+              </a:buClr>
+              <a:buSzPts val="1800"/>
+              <a:buChar char="●"/>
+            </a:pPr>
+            <a:r>
+              <a:rPr lang="en">
+                <a:solidFill>
+                  <a:srgbClr val="212121"/>
+                </a:solidFill>
+              </a:rPr>
+              <a:t>You must register through your university’s exam registration system</a:t>
+            </a:r>
+            <a:endParaRPr>
+              <a:solidFill>
+                <a:srgbClr val="212121"/>
+              </a:solidFill>
+            </a:endParaRPr>
+          </a:p>
+          <a:p>
+            <a:pPr indent="-317500" lvl="1" marL="914400" rtl="0" algn="l">
+              <a:spcBef>
+                <a:spcPts val="1000"/>
+              </a:spcBef>
+              <a:spcAft>
+                <a:spcPts val="0"/>
+              </a:spcAft>
+              <a:buSzPts val="1400"/>
+              <a:buChar char="○"/>
+            </a:pPr>
+            <a:r>
+              <a:rPr b="1" lang="en"/>
+              <a:t>Your degree program may have split the course into two (VL + UE)</a:t>
+            </a:r>
+            <a:endParaRPr b="1"/>
+          </a:p>
+          <a:p>
+            <a:pPr indent="-317500" lvl="1" marL="914400" rtl="0" algn="l">
+              <a:spcBef>
+                <a:spcPts val="0"/>
+              </a:spcBef>
+              <a:spcAft>
+                <a:spcPts val="0"/>
+              </a:spcAft>
+              <a:buSzPts val="1400"/>
+              <a:buChar char="○"/>
+            </a:pPr>
+            <a:r>
+              <a:rPr b="1" lang="en"/>
+              <a:t>Please check asap that the course is available in your degree program!</a:t>
+            </a:r>
+            <a:endParaRPr b="1">
+              <a:solidFill>
+                <a:srgbClr val="212121"/>
+              </a:solidFill>
+            </a:endParaRPr>
+          </a:p>
+          <a:p>
+            <a:pPr indent="0" lvl="0" marL="0" rtl="0" algn="l">
+              <a:spcBef>
+                <a:spcPts val="1200"/>
+              </a:spcBef>
+              <a:spcAft>
+                <a:spcPts val="0"/>
+              </a:spcAft>
+              <a:buNone/>
+            </a:pPr>
+            <a:r>
+              <a:rPr lang="en"/>
+              <a:t>In case of problems, please see</a:t>
+            </a:r>
+            <a:endParaRPr/>
+          </a:p>
+          <a:p>
+            <a:pPr indent="-342900" lvl="0" marL="457200" rtl="0" algn="l">
+              <a:spcBef>
+                <a:spcPts val="1200"/>
+              </a:spcBef>
+              <a:spcAft>
+                <a:spcPts val="0"/>
+              </a:spcAft>
+              <a:buSzPts val="1800"/>
+              <a:buChar char="●"/>
+            </a:pPr>
+            <a:r>
+              <a:rPr lang="en" u="sng">
+                <a:solidFill>
+                  <a:schemeClr val="hlink"/>
+                </a:solidFill>
+                <a:hlinkClick r:id="rId3"/>
+              </a:rPr>
+              <a:t>https://oss.cs.fau.de/teaching/course-resources/course-registration/</a:t>
+            </a:r>
+            <a:r>
+              <a:rPr lang="en"/>
+              <a:t> </a:t>
+            </a:r>
+            <a:endParaRPr/>
+          </a:p>
+          <a:p>
+            <a:pPr indent="0" lvl="0" marL="0" rtl="0" algn="l">
+              <a:spcBef>
+                <a:spcPts val="1200"/>
+              </a:spcBef>
+              <a:spcAft>
+                <a:spcPts val="1200"/>
+              </a:spcAft>
+              <a:buNone/>
+            </a:pPr>
+            <a:r>
+              <a:rPr lang="en"/>
+              <a:t>Otherwise: No grade</a:t>
+            </a:r>
+            <a:endParaRPr/>
+          </a:p>
+        </p:txBody>
+      </p:sp>
+      <p:sp>
+        <p:nvSpPr>
+          <p:cNvPr id="137" name="Google Shape;137;p22"/>
+          <p:cNvSpPr txBox="1"/>
+          <p:nvPr>
+            <p:ph idx="12" type="sldNum"/>
+          </p:nvPr>
+        </p:nvSpPr>
+        <p:spPr>
+          <a:xfrm>
+            <a:off x="7315202" y="4416550"/>
+            <a:ext cx="1828800" cy="731400"/>
+          </a:xfrm>
+          <a:prstGeom prst="rect">
+            <a:avLst/>
+          </a:prstGeom>
+        </p:spPr>
+        <p:txBody>
+          <a:bodyPr anchorCtr="0" anchor="b" bIns="91425" lIns="91425" spcFirstLastPara="1" rIns="91425" wrap="square" tIns="91425">
+            <a:noAutofit/>
+          </a:bodyPr>
+          <a:lstStyle/>
+          <a:p>
+            <a:pPr indent="0" lvl="0" marL="0" rtl="0" algn="r">
+              <a:spcBef>
+                <a:spcPts val="0"/>
+              </a:spcBef>
+              <a:spcAft>
+                <a:spcPts val="0"/>
+              </a:spcAft>
+              <a:buNone/>
+            </a:pPr>
+            <a:fld id="{00000000-1234-1234-1234-123412341234}" type="slidenum">
+              <a:rPr lang="en"/>
+              <a:t>‹#›</a:t>
+            </a:fld>
+            <a:endParaRPr/>
+          </a:p>
+          <a:p>
+            <a:pPr indent="0" lvl="0" marL="0" rtl="0" algn="r">
+              <a:spcBef>
+                <a:spcPts val="0"/>
+              </a:spcBef>
+              <a:spcAft>
+                <a:spcPts val="0"/>
+              </a:spcAft>
+              <a:buNone/>
+            </a:pPr>
+            <a:r>
+              <a:rPr b="0" lang="en" sz="900" u="sng">
+                <a:solidFill>
+                  <a:schemeClr val="hlink"/>
+                </a:solidFill>
+                <a:hlinkClick r:id="rId4"/>
+              </a:rPr>
+              <a:t>https://profriehle.com</a:t>
+            </a:r>
+            <a:r>
+              <a:rPr b="0" lang="en" sz="900">
+                <a:solidFill>
+                  <a:schemeClr val="dk2"/>
+                </a:solidFill>
+              </a:rPr>
+              <a:t> </a:t>
+            </a:r>
+            <a:endParaRPr b="0" sz="900">
+              <a:solidFill>
+                <a:schemeClr val="dk2"/>
+              </a:solidFill>
+            </a:endParaRPr>
+          </a:p>
+        </p:txBody>
+      </p:sp>
+    </p:spTree>
+  </p:cSld>
+  <p:clrMapOvr>
+    <a:masterClrMapping/>
+  </p:clrMapOvr>
+</p:sld>
+</file>
+
+<file path=ppt/slides/slide16.xml><?xml version="1.0" encoding="utf-8"?>
+<p:sld xmlns:a="http://schemas.openxmlformats.org/drawingml/2006/main" xmlns:r="http://schemas.openxmlformats.org/officeDocument/2006/relationships" xmlns:mc="http://schemas.openxmlformats.org/markup-compatibility/2006" xmlns:mv="urn:schemas-microsoft-com:mac:vml" xmlns:p="http://schemas.openxmlformats.org/presentationml/2006/main" xmlns:c="http://schemas.openxmlformats.org/drawingml/2006/chart" xmlns:dgm="http://schemas.openxmlformats.org/drawingml/2006/diagram" xmlns:o="urn:schemas-microsoft-com:office:office" xmlns:v="urn:schemas-microsoft-com:vml" xmlns:pvml="urn:schemas-microsoft-com:office:powerpoint" xmlns:com="http://schemas.openxmlformats.org/drawingml/2006/compatibility" xmlns:p14="http://schemas.microsoft.com/office/powerpoint/2010/main" xmlns:p15="http://schemas.microsoft.com/office/powerpoint/2012/main" xmlns:ahyp="http://schemas.microsoft.com/office/drawing/2018/hyperlinkcolor">
+  <p:cSld>
+    <p:spTree>
+      <p:nvGrpSpPr>
+        <p:cNvPr id="141" name="Shape 141"/>
+        <p:cNvGrpSpPr/>
+        <p:nvPr/>
+      </p:nvGrpSpPr>
+      <p:grpSpPr>
+        <a:xfrm>
+          <a:off x="0" y="0"/>
+          <a:ext cx="0" cy="0"/>
+          <a:chOff x="0" y="0"/>
+          <a:chExt cx="0" cy="0"/>
+        </a:xfrm>
+      </p:grpSpPr>
+      <p:sp>
+        <p:nvSpPr>
+          <p:cNvPr id="142" name="Google Shape;142;p23"/>
+          <p:cNvSpPr txBox="1"/>
+          <p:nvPr>
+            <p:ph type="title"/>
+          </p:nvPr>
+        </p:nvSpPr>
+        <p:spPr>
+          <a:xfrm>
+            <a:off x="0" y="0"/>
+            <a:ext cx="9144000" cy="685800"/>
+          </a:xfrm>
+          <a:prstGeom prst="rect">
+            <a:avLst/>
+          </a:prstGeom>
+        </p:spPr>
+        <p:txBody>
           <a:bodyPr anchorCtr="0" anchor="ctr" bIns="0" lIns="274300" spcFirstLastPara="1" rIns="0" wrap="square" tIns="0">
             <a:noAutofit/>
           </a:bodyPr>
@@ -9122,7 +9509,7 @@
       </p:sp>
       <p:pic>
         <p:nvPicPr>
-          <p:cNvPr id="136" name="Google Shape;136;p22"/>
+          <p:cNvPr id="143" name="Google Shape;143;p23"/>
           <p:cNvPicPr preferRelativeResize="0"/>
           <p:nvPr/>
         </p:nvPicPr>
@@ -9150,7 +9537,7 @@
       </p:pic>
       <p:sp>
         <p:nvSpPr>
-          <p:cNvPr id="137" name="Google Shape;137;p22"/>
+          <p:cNvPr id="144" name="Google Shape;144;p23"/>
           <p:cNvSpPr txBox="1"/>
           <p:nvPr/>
         </p:nvSpPr>
@@ -9208,7 +9595,7 @@
       </p:sp>
       <p:sp>
         <p:nvSpPr>
-          <p:cNvPr id="138" name="Google Shape;138;p22"/>
+          <p:cNvPr id="145" name="Google Shape;145;p23"/>
           <p:cNvSpPr txBox="1"/>
           <p:nvPr>
             <p:ph idx="12" type="sldNum"/>
@@ -9287,12 +9674,12 @@
 </p:sld>
 </file>
 
-<file path=ppt/slides/slide16.xml><?xml version="1.0" encoding="utf-8"?>
+<file path=ppt/slides/slide17.xml><?xml version="1.0" encoding="utf-8"?>
 <p:sld xmlns:a="http://schemas.openxmlformats.org/drawingml/2006/main" xmlns:r="http://schemas.openxmlformats.org/officeDocument/2006/relationships" xmlns:mc="http://schemas.openxmlformats.org/markup-compatibility/2006" xmlns:mv="urn:schemas-microsoft-com:mac:vml" xmlns:p="http://schemas.openxmlformats.org/presentationml/2006/main" xmlns:c="http://schemas.openxmlformats.org/drawingml/2006/chart" xmlns:dgm="http://schemas.openxmlformats.org/drawingml/2006/diagram" xmlns:o="urn:schemas-microsoft-com:office:office" xmlns:v="urn:schemas-microsoft-com:vml" xmlns:pvml="urn:schemas-microsoft-com:office:powerpoint" xmlns:com="http://schemas.openxmlformats.org/drawingml/2006/compatibility" xmlns:p14="http://schemas.microsoft.com/office/powerpoint/2010/main" xmlns:p15="http://schemas.microsoft.com/office/powerpoint/2012/main" xmlns:ahyp="http://schemas.microsoft.com/office/drawing/2018/hyperlinkcolor">
   <p:cSld>
     <p:spTree>
       <p:nvGrpSpPr>
-        <p:cNvPr id="142" name="Shape 142"/>
+        <p:cNvPr id="149" name="Shape 149"/>
         <p:cNvGrpSpPr/>
         <p:nvPr/>
       </p:nvGrpSpPr>
@@ -9306,7 +9693,7 @@
       </p:grpSpPr>
       <p:sp>
         <p:nvSpPr>
-          <p:cNvPr id="143" name="Google Shape;143;p23"/>
+          <p:cNvPr id="150" name="Google Shape;150;p24"/>
           <p:cNvSpPr txBox="1"/>
           <p:nvPr>
             <p:ph type="title"/>
@@ -9346,7 +9733,7 @@
       </p:sp>
       <p:sp>
         <p:nvSpPr>
-          <p:cNvPr id="144" name="Google Shape;144;p23"/>
+          <p:cNvPr id="151" name="Google Shape;151;p24"/>
           <p:cNvSpPr txBox="1"/>
           <p:nvPr>
             <p:ph idx="12" type="sldNum"/>
@@ -9419,7 +9806,7 @@
       </p:sp>
       <p:sp>
         <p:nvSpPr>
-          <p:cNvPr id="145" name="Google Shape;145;p23"/>
+          <p:cNvPr id="152" name="Google Shape;152;p24"/>
           <p:cNvSpPr txBox="1"/>
           <p:nvPr/>
         </p:nvSpPr>
@@ -9474,7 +9861,7 @@
       </p:sp>
       <p:sp>
         <p:nvSpPr>
-          <p:cNvPr id="146" name="Google Shape;146;p23"/>
+          <p:cNvPr id="153" name="Google Shape;153;p24"/>
           <p:cNvSpPr txBox="1"/>
           <p:nvPr>
             <p:ph idx="1" type="body"/>
@@ -9636,311 +10023,6 @@
               <a:t>English only</a:t>
             </a:r>
             <a:endParaRPr/>
-          </a:p>
-        </p:txBody>
-      </p:sp>
-    </p:spTree>
-  </p:cSld>
-  <p:clrMapOvr>
-    <a:masterClrMapping/>
-  </p:clrMapOvr>
-</p:sld>
-</file>
-
-<file path=ppt/slides/slide17.xml><?xml version="1.0" encoding="utf-8"?>
-<p:sld xmlns:a="http://schemas.openxmlformats.org/drawingml/2006/main" xmlns:r="http://schemas.openxmlformats.org/officeDocument/2006/relationships" xmlns:mc="http://schemas.openxmlformats.org/markup-compatibility/2006" xmlns:mv="urn:schemas-microsoft-com:mac:vml" xmlns:p="http://schemas.openxmlformats.org/presentationml/2006/main" xmlns:c="http://schemas.openxmlformats.org/drawingml/2006/chart" xmlns:dgm="http://schemas.openxmlformats.org/drawingml/2006/diagram" xmlns:o="urn:schemas-microsoft-com:office:office" xmlns:v="urn:schemas-microsoft-com:vml" xmlns:pvml="urn:schemas-microsoft-com:office:powerpoint" xmlns:com="http://schemas.openxmlformats.org/drawingml/2006/compatibility" xmlns:p14="http://schemas.microsoft.com/office/powerpoint/2010/main" xmlns:p15="http://schemas.microsoft.com/office/powerpoint/2012/main" xmlns:ahyp="http://schemas.microsoft.com/office/drawing/2018/hyperlinkcolor">
-  <p:cSld>
-    <p:spTree>
-      <p:nvGrpSpPr>
-        <p:cNvPr id="150" name="Shape 150"/>
-        <p:cNvGrpSpPr/>
-        <p:nvPr/>
-      </p:nvGrpSpPr>
-      <p:grpSpPr>
-        <a:xfrm>
-          <a:off x="0" y="0"/>
-          <a:ext cx="0" cy="0"/>
-          <a:chOff x="0" y="0"/>
-          <a:chExt cx="0" cy="0"/>
-        </a:xfrm>
-      </p:grpSpPr>
-      <p:sp>
-        <p:nvSpPr>
-          <p:cNvPr id="151" name="Google Shape;151;p24"/>
-          <p:cNvSpPr txBox="1"/>
-          <p:nvPr>
-            <p:ph type="title"/>
-          </p:nvPr>
-        </p:nvSpPr>
-        <p:spPr>
-          <a:xfrm>
-            <a:off x="0" y="0"/>
-            <a:ext cx="9144000" cy="685800"/>
-          </a:xfrm>
-          <a:prstGeom prst="rect">
-            <a:avLst/>
-          </a:prstGeom>
-        </p:spPr>
-        <p:txBody>
-          <a:bodyPr anchorCtr="0" anchor="ctr" bIns="91425" lIns="274300" spcFirstLastPara="1" rIns="91425" wrap="square" tIns="91425">
-            <a:noAutofit/>
-          </a:bodyPr>
-          <a:lstStyle/>
-          <a:p>
-            <a:pPr indent="0" lvl="0" marL="0" rtl="0" algn="l">
-              <a:spcBef>
-                <a:spcPts val="0"/>
-              </a:spcBef>
-              <a:spcAft>
-                <a:spcPts val="0"/>
-              </a:spcAft>
-              <a:buNone/>
-            </a:pPr>
-            <a:r>
-              <a:rPr lang="en"/>
-              <a:t>Course Organization</a:t>
-            </a:r>
-            <a:endParaRPr/>
-          </a:p>
-        </p:txBody>
-      </p:sp>
-      <p:sp>
-        <p:nvSpPr>
-          <p:cNvPr id="152" name="Google Shape;152;p24"/>
-          <p:cNvSpPr txBox="1"/>
-          <p:nvPr>
-            <p:ph idx="1" type="body"/>
-          </p:nvPr>
-        </p:nvSpPr>
-        <p:spPr>
-          <a:xfrm>
-            <a:off x="274320" y="914400"/>
-            <a:ext cx="8595300" cy="4114800"/>
-          </a:xfrm>
-          <a:prstGeom prst="rect">
-            <a:avLst/>
-          </a:prstGeom>
-        </p:spPr>
-        <p:txBody>
-          <a:bodyPr anchorCtr="0" anchor="t" bIns="0" lIns="0" spcFirstLastPara="1" rIns="0" wrap="square" tIns="0">
-            <a:noAutofit/>
-          </a:bodyPr>
-          <a:lstStyle/>
-          <a:p>
-            <a:pPr indent="0" lvl="0" marL="0" rtl="0" algn="l">
-              <a:spcBef>
-                <a:spcPts val="0"/>
-              </a:spcBef>
-              <a:spcAft>
-                <a:spcPts val="0"/>
-              </a:spcAft>
-              <a:buClr>
-                <a:schemeClr val="dk1"/>
-              </a:buClr>
-              <a:buSzPts val="1100"/>
-              <a:buFont typeface="Arial"/>
-              <a:buNone/>
-            </a:pPr>
-            <a:r>
-              <a:rPr b="1" lang="en"/>
-              <a:t>Course organization</a:t>
-            </a:r>
-            <a:endParaRPr b="1"/>
-          </a:p>
-          <a:p>
-            <a:pPr indent="-342900" lvl="0" marL="457200" rtl="0" algn="l">
-              <a:spcBef>
-                <a:spcPts val="1200"/>
-              </a:spcBef>
-              <a:spcAft>
-                <a:spcPts val="0"/>
-              </a:spcAft>
-              <a:buSzPts val="1800"/>
-              <a:buChar char="●"/>
-            </a:pPr>
-            <a:r>
-              <a:rPr lang="en"/>
-              <a:t>See </a:t>
-            </a:r>
-            <a:r>
-              <a:rPr lang="en" u="sng">
-                <a:solidFill>
-                  <a:schemeClr val="hlink"/>
-                </a:solidFill>
-                <a:hlinkClick r:id="rId3"/>
-              </a:rPr>
-              <a:t>https://nyt.uni1.de</a:t>
-            </a:r>
-            <a:r>
-              <a:rPr lang="en"/>
-              <a:t>   </a:t>
-            </a:r>
-            <a:endParaRPr/>
-          </a:p>
-          <a:p>
-            <a:pPr indent="0" lvl="0" marL="0" rtl="0" algn="l">
-              <a:spcBef>
-                <a:spcPts val="1200"/>
-              </a:spcBef>
-              <a:spcAft>
-                <a:spcPts val="0"/>
-              </a:spcAft>
-              <a:buClr>
-                <a:schemeClr val="dk1"/>
-              </a:buClr>
-              <a:buSzPts val="1100"/>
-              <a:buFont typeface="Arial"/>
-              <a:buNone/>
-            </a:pPr>
-            <a:r>
-              <a:rPr b="1" lang="en"/>
-              <a:t>Course schedule</a:t>
-            </a:r>
-            <a:endParaRPr b="1"/>
-          </a:p>
-          <a:p>
-            <a:pPr indent="-342900" lvl="0" marL="457200" rtl="0" algn="l">
-              <a:spcBef>
-                <a:spcPts val="1200"/>
-              </a:spcBef>
-              <a:spcAft>
-                <a:spcPts val="0"/>
-              </a:spcAft>
-              <a:buSzPts val="1800"/>
-              <a:buChar char="●"/>
-            </a:pPr>
-            <a:r>
-              <a:rPr lang="en"/>
-              <a:t>See </a:t>
-            </a:r>
-            <a:r>
-              <a:rPr b="1" lang="en"/>
-              <a:t>Schedule</a:t>
-            </a:r>
-            <a:r>
-              <a:rPr lang="en"/>
-              <a:t> tab on Course organization doc</a:t>
-            </a:r>
-            <a:endParaRPr/>
-          </a:p>
-          <a:p>
-            <a:pPr indent="0" lvl="0" marL="0" rtl="0" algn="l">
-              <a:spcBef>
-                <a:spcPts val="1200"/>
-              </a:spcBef>
-              <a:spcAft>
-                <a:spcPts val="0"/>
-              </a:spcAft>
-              <a:buClr>
-                <a:schemeClr val="dk1"/>
-              </a:buClr>
-              <a:buSzPts val="1100"/>
-              <a:buFont typeface="Arial"/>
-              <a:buNone/>
-            </a:pPr>
-            <a:r>
-              <a:rPr b="1" lang="en"/>
-              <a:t>Project allocation</a:t>
-            </a:r>
-            <a:endParaRPr b="1"/>
-          </a:p>
-          <a:p>
-            <a:pPr indent="-342900" lvl="0" marL="457200" rtl="0" algn="l">
-              <a:spcBef>
-                <a:spcPts val="1200"/>
-              </a:spcBef>
-              <a:spcAft>
-                <a:spcPts val="0"/>
-              </a:spcAft>
-              <a:buSzPts val="1800"/>
-              <a:buChar char="●"/>
-            </a:pPr>
-            <a:r>
-              <a:rPr lang="en"/>
-              <a:t>See </a:t>
-            </a:r>
-            <a:r>
-              <a:rPr b="1" lang="en"/>
-              <a:t>Projects </a:t>
-            </a:r>
-            <a:r>
-              <a:rPr lang="en"/>
-              <a:t>tab on Course organization doc </a:t>
-            </a:r>
-            <a:endParaRPr/>
-          </a:p>
-        </p:txBody>
-      </p:sp>
-      <p:sp>
-        <p:nvSpPr>
-          <p:cNvPr id="153" name="Google Shape;153;p24"/>
-          <p:cNvSpPr txBox="1"/>
-          <p:nvPr>
-            <p:ph idx="12" type="sldNum"/>
-          </p:nvPr>
-        </p:nvSpPr>
-        <p:spPr>
-          <a:xfrm>
-            <a:off x="7315202" y="4416550"/>
-            <a:ext cx="1828800" cy="731400"/>
-          </a:xfrm>
-          <a:prstGeom prst="rect">
-            <a:avLst/>
-          </a:prstGeom>
-        </p:spPr>
-        <p:txBody>
-          <a:bodyPr anchorCtr="0" anchor="b" bIns="91425" lIns="91425" spcFirstLastPara="1" rIns="91425" wrap="square" tIns="91425">
-            <a:noAutofit/>
-          </a:bodyPr>
-          <a:lstStyle/>
-          <a:p>
-            <a:pPr indent="0" lvl="0" marL="0" rtl="0" algn="r">
-              <a:spcBef>
-                <a:spcPts val="0"/>
-              </a:spcBef>
-              <a:spcAft>
-                <a:spcPts val="0"/>
-              </a:spcAft>
-              <a:buNone/>
-            </a:pPr>
-            <a:fld id="{00000000-1234-1234-1234-123412341234}" type="slidenum">
-              <a:rPr lang="en"/>
-              <a:t>‹#›</a:t>
-            </a:fld>
-            <a:endParaRPr/>
-          </a:p>
-          <a:p>
-            <a:pPr indent="0" lvl="0" marL="0" rtl="0" algn="r">
-              <a:spcBef>
-                <a:spcPts val="0"/>
-              </a:spcBef>
-              <a:spcAft>
-                <a:spcPts val="0"/>
-              </a:spcAft>
-              <a:buNone/>
-            </a:pPr>
-            <a:r>
-              <a:rPr b="0" lang="en" sz="900" u="sng">
-                <a:solidFill>
-                  <a:schemeClr val="hlink"/>
-                </a:solidFill>
-                <a:hlinkClick r:id="rId4"/>
-              </a:rPr>
-              <a:t>https://profriehle.com</a:t>
-            </a:r>
-            <a:r>
-              <a:rPr b="0" lang="en" sz="900">
-                <a:solidFill>
-                  <a:schemeClr val="dk2"/>
-                </a:solidFill>
-              </a:rPr>
-              <a:t> </a:t>
-            </a:r>
-            <a:endParaRPr b="0" sz="900">
-              <a:solidFill>
-                <a:schemeClr val="dk2"/>
-              </a:solidFill>
-            </a:endParaRPr>
           </a:p>
         </p:txBody>
       </p:sp>
@@ -10003,7 +10085,7 @@
             </a:pPr>
             <a:r>
               <a:rPr lang="en"/>
-              <a:t>Work Rhythm</a:t>
+              <a:t>Course Organization</a:t>
             </a:r>
             <a:endParaRPr/>
           </a:p>
@@ -10012,6 +10094,173 @@
       <p:sp>
         <p:nvSpPr>
           <p:cNvPr id="159" name="Google Shape;159;p25"/>
+          <p:cNvSpPr txBox="1"/>
+          <p:nvPr>
+            <p:ph idx="1" type="body"/>
+          </p:nvPr>
+        </p:nvSpPr>
+        <p:spPr>
+          <a:xfrm>
+            <a:off x="274320" y="914400"/>
+            <a:ext cx="8595300" cy="4114800"/>
+          </a:xfrm>
+          <a:prstGeom prst="rect">
+            <a:avLst/>
+          </a:prstGeom>
+        </p:spPr>
+        <p:txBody>
+          <a:bodyPr anchorCtr="0" anchor="t" bIns="0" lIns="0" spcFirstLastPara="1" rIns="0" wrap="square" tIns="0">
+            <a:noAutofit/>
+          </a:bodyPr>
+          <a:lstStyle/>
+          <a:p>
+            <a:pPr indent="0" lvl="0" marL="0" rtl="0" algn="l">
+              <a:spcBef>
+                <a:spcPts val="0"/>
+              </a:spcBef>
+              <a:spcAft>
+                <a:spcPts val="0"/>
+              </a:spcAft>
+              <a:buClr>
+                <a:schemeClr val="dk1"/>
+              </a:buClr>
+              <a:buSzPts val="1100"/>
+              <a:buFont typeface="Arial"/>
+              <a:buNone/>
+            </a:pPr>
+            <a:r>
+              <a:rPr b="1" lang="en"/>
+              <a:t>Course organization</a:t>
+            </a:r>
+            <a:endParaRPr b="1"/>
+          </a:p>
+          <a:p>
+            <a:pPr indent="-342900" lvl="0" marL="457200" rtl="0" algn="l">
+              <a:spcBef>
+                <a:spcPts val="1200"/>
+              </a:spcBef>
+              <a:spcAft>
+                <a:spcPts val="0"/>
+              </a:spcAft>
+              <a:buSzPts val="1800"/>
+              <a:buChar char="●"/>
+            </a:pPr>
+            <a:r>
+              <a:rPr lang="en"/>
+              <a:t>See </a:t>
+            </a:r>
+            <a:r>
+              <a:rPr lang="en" u="sng">
+                <a:solidFill>
+                  <a:schemeClr val="hlink"/>
+                </a:solidFill>
+                <a:hlinkClick r:id="rId3"/>
+              </a:rPr>
+              <a:t>https://nyt.uni1.de</a:t>
+            </a:r>
+            <a:r>
+              <a:rPr lang="en"/>
+              <a:t>   </a:t>
+            </a:r>
+            <a:endParaRPr/>
+          </a:p>
+          <a:p>
+            <a:pPr indent="0" lvl="0" marL="0" rtl="0" algn="l">
+              <a:spcBef>
+                <a:spcPts val="1200"/>
+              </a:spcBef>
+              <a:spcAft>
+                <a:spcPts val="0"/>
+              </a:spcAft>
+              <a:buClr>
+                <a:schemeClr val="dk1"/>
+              </a:buClr>
+              <a:buSzPts val="1100"/>
+              <a:buFont typeface="Arial"/>
+              <a:buNone/>
+            </a:pPr>
+            <a:r>
+              <a:rPr b="1" lang="en"/>
+              <a:t>Course schedule</a:t>
+            </a:r>
+            <a:endParaRPr b="1"/>
+          </a:p>
+          <a:p>
+            <a:pPr indent="-342900" lvl="0" marL="457200" rtl="0" algn="l">
+              <a:spcBef>
+                <a:spcPts val="1200"/>
+              </a:spcBef>
+              <a:spcAft>
+                <a:spcPts val="0"/>
+              </a:spcAft>
+              <a:buSzPts val="1800"/>
+              <a:buChar char="●"/>
+            </a:pPr>
+            <a:r>
+              <a:rPr lang="en"/>
+              <a:t>See </a:t>
+            </a:r>
+            <a:r>
+              <a:rPr b="1" lang="en"/>
+              <a:t>Schedule</a:t>
+            </a:r>
+            <a:r>
+              <a:rPr lang="en"/>
+              <a:t> tab on Course organization doc</a:t>
+            </a:r>
+            <a:endParaRPr/>
+          </a:p>
+          <a:p>
+            <a:pPr indent="0" lvl="0" marL="0" rtl="0" algn="l">
+              <a:spcBef>
+                <a:spcPts val="1200"/>
+              </a:spcBef>
+              <a:spcAft>
+                <a:spcPts val="0"/>
+              </a:spcAft>
+              <a:buClr>
+                <a:schemeClr val="dk1"/>
+              </a:buClr>
+              <a:buSzPts val="1100"/>
+              <a:buFont typeface="Arial"/>
+              <a:buNone/>
+            </a:pPr>
+            <a:r>
+              <a:rPr b="1" lang="en"/>
+              <a:t>Project allocation</a:t>
+            </a:r>
+            <a:endParaRPr b="1"/>
+          </a:p>
+          <a:p>
+            <a:pPr indent="-342900" lvl="0" marL="457200" rtl="0" algn="l">
+              <a:spcBef>
+                <a:spcPts val="1200"/>
+              </a:spcBef>
+              <a:spcAft>
+                <a:spcPts val="0"/>
+              </a:spcAft>
+              <a:buSzPts val="1800"/>
+              <a:buChar char="●"/>
+            </a:pPr>
+            <a:r>
+              <a:rPr lang="en"/>
+              <a:t>See </a:t>
+            </a:r>
+            <a:r>
+              <a:rPr b="1" lang="en"/>
+              <a:t>Projects </a:t>
+            </a:r>
+            <a:r>
+              <a:rPr lang="en"/>
+              <a:t>tab on Course organization doc </a:t>
+            </a:r>
+            <a:endParaRPr/>
+          </a:p>
+        </p:txBody>
+      </p:sp>
+      <p:sp>
+        <p:nvSpPr>
+          <p:cNvPr id="160" name="Google Shape;160;p25"/>
           <p:cNvSpPr txBox="1"/>
           <p:nvPr>
             <p:ph idx="12" type="sldNum"/>
@@ -10062,7 +10311,7 @@
                 <a:solidFill>
                   <a:schemeClr val="hlink"/>
                 </a:solidFill>
-                <a:hlinkClick r:id="rId3"/>
+                <a:hlinkClick r:id="rId4"/>
               </a:rPr>
               <a:t>https://profriehle.com</a:t>
             </a:r>
@@ -10079,195 +10328,6 @@
                 <a:schemeClr val="dk2"/>
               </a:solidFill>
             </a:endParaRPr>
-          </a:p>
-        </p:txBody>
-      </p:sp>
-      <p:sp>
-        <p:nvSpPr>
-          <p:cNvPr id="160" name="Google Shape;160;p25"/>
-          <p:cNvSpPr txBox="1"/>
-          <p:nvPr>
-            <p:ph idx="1" type="body"/>
-          </p:nvPr>
-        </p:nvSpPr>
-        <p:spPr>
-          <a:xfrm>
-            <a:off x="274320" y="914400"/>
-            <a:ext cx="8595300" cy="4114800"/>
-          </a:xfrm>
-          <a:prstGeom prst="rect">
-            <a:avLst/>
-          </a:prstGeom>
-        </p:spPr>
-        <p:txBody>
-          <a:bodyPr anchorCtr="0" anchor="t" bIns="0" lIns="0" spcFirstLastPara="1" rIns="0" wrap="square" tIns="0">
-            <a:noAutofit/>
-          </a:bodyPr>
-          <a:lstStyle/>
-          <a:p>
-            <a:pPr indent="0" lvl="0" marL="0" rtl="0" algn="l">
-              <a:spcBef>
-                <a:spcPts val="0"/>
-              </a:spcBef>
-              <a:spcAft>
-                <a:spcPts val="0"/>
-              </a:spcAft>
-              <a:buNone/>
-            </a:pPr>
-            <a:r>
-              <a:rPr b="1" lang="en"/>
-              <a:t>Lecture (class)</a:t>
-            </a:r>
-            <a:endParaRPr b="1"/>
-          </a:p>
-          <a:p>
-            <a:pPr indent="-342900" lvl="0" marL="457200" rtl="0" algn="l">
-              <a:spcBef>
-                <a:spcPts val="1200"/>
-              </a:spcBef>
-              <a:spcAft>
-                <a:spcPts val="0"/>
-              </a:spcAft>
-              <a:buSzPts val="1800"/>
-              <a:buChar char="●"/>
-            </a:pPr>
-            <a:r>
-              <a:rPr lang="en"/>
-              <a:t>Review of last week (quiz)</a:t>
-            </a:r>
-            <a:endParaRPr/>
-          </a:p>
-          <a:p>
-            <a:pPr indent="-342900" lvl="0" marL="457200" rtl="0" algn="l">
-              <a:spcBef>
-                <a:spcPts val="0"/>
-              </a:spcBef>
-              <a:spcAft>
-                <a:spcPts val="0"/>
-              </a:spcAft>
-              <a:buSzPts val="1800"/>
-              <a:buChar char="●"/>
-            </a:pPr>
-            <a:r>
-              <a:rPr lang="en"/>
-              <a:t>Presentation of this week’s topic</a:t>
-            </a:r>
-            <a:endParaRPr/>
-          </a:p>
-          <a:p>
-            <a:pPr indent="0" lvl="0" marL="0" rtl="0" algn="l">
-              <a:spcBef>
-                <a:spcPts val="1200"/>
-              </a:spcBef>
-              <a:spcAft>
-                <a:spcPts val="0"/>
-              </a:spcAft>
-              <a:buNone/>
-            </a:pPr>
-            <a:r>
-              <a:rPr b="1" lang="en"/>
-              <a:t>Method exercise</a:t>
-            </a:r>
-            <a:endParaRPr b="1"/>
-          </a:p>
-          <a:p>
-            <a:pPr indent="-342900" lvl="0" marL="457200" rtl="0" algn="l">
-              <a:spcBef>
-                <a:spcPts val="1200"/>
-              </a:spcBef>
-              <a:spcAft>
-                <a:spcPts val="0"/>
-              </a:spcAft>
-              <a:buSzPts val="1800"/>
-              <a:buChar char="●"/>
-            </a:pPr>
-            <a:r>
-              <a:rPr lang="en"/>
-              <a:t>Discussion of articles</a:t>
-            </a:r>
-            <a:endParaRPr/>
-          </a:p>
-          <a:p>
-            <a:pPr indent="-342900" lvl="0" marL="457200" rtl="0" algn="l">
-              <a:spcBef>
-                <a:spcPts val="0"/>
-              </a:spcBef>
-              <a:spcAft>
-                <a:spcPts val="0"/>
-              </a:spcAft>
-              <a:buSzPts val="1800"/>
-              <a:buChar char="●"/>
-            </a:pPr>
-            <a:r>
-              <a:rPr lang="en"/>
-              <a:t>Discussion of homework</a:t>
-            </a:r>
-            <a:endParaRPr/>
-          </a:p>
-          <a:p>
-            <a:pPr indent="0" lvl="0" marL="0" rtl="0" algn="l">
-              <a:spcBef>
-                <a:spcPts val="1200"/>
-              </a:spcBef>
-              <a:spcAft>
-                <a:spcPts val="0"/>
-              </a:spcAft>
-              <a:buNone/>
-            </a:pPr>
-            <a:r>
-              <a:rPr b="1" lang="en"/>
-              <a:t>Written homework</a:t>
-            </a:r>
-            <a:endParaRPr b="1"/>
-          </a:p>
-          <a:p>
-            <a:pPr indent="-342900" lvl="0" marL="457200" rtl="0" algn="l">
-              <a:spcBef>
-                <a:spcPts val="1200"/>
-              </a:spcBef>
-              <a:spcAft>
-                <a:spcPts val="0"/>
-              </a:spcAft>
-              <a:buSzPts val="1800"/>
-              <a:buChar char="●"/>
-            </a:pPr>
-            <a:r>
-              <a:rPr lang="en"/>
-              <a:t>See Course organization doc</a:t>
-            </a:r>
-            <a:endParaRPr/>
-          </a:p>
-          <a:p>
-            <a:pPr indent="-342900" lvl="0" marL="457200" rtl="0" algn="l">
-              <a:spcBef>
-                <a:spcPts val="0"/>
-              </a:spcBef>
-              <a:spcAft>
-                <a:spcPts val="0"/>
-              </a:spcAft>
-              <a:buSzPts val="1800"/>
-              <a:buChar char="●"/>
-            </a:pPr>
-            <a:r>
-              <a:rPr lang="en"/>
-              <a:t>Self-organized</a:t>
-            </a:r>
-            <a:endParaRPr/>
-          </a:p>
-          <a:p>
-            <a:pPr indent="0" lvl="0" marL="0" rtl="0" algn="l">
-              <a:spcBef>
-                <a:spcPts val="1200"/>
-              </a:spcBef>
-              <a:spcAft>
-                <a:spcPts val="1200"/>
-              </a:spcAft>
-              <a:buNone/>
-            </a:pPr>
-            <a:r>
-              <a:t/>
-            </a:r>
-            <a:endParaRPr/>
           </a:p>
         </p:txBody>
       </p:sp>
@@ -10330,7 +10390,7 @@
             </a:pPr>
             <a:r>
               <a:rPr lang="en"/>
-              <a:t>Course Communication</a:t>
+              <a:t>Work Rhythm</a:t>
             </a:r>
             <a:endParaRPr/>
           </a:p>
@@ -10339,6 +10399,79 @@
       <p:sp>
         <p:nvSpPr>
           <p:cNvPr id="166" name="Google Shape;166;p26"/>
+          <p:cNvSpPr txBox="1"/>
+          <p:nvPr>
+            <p:ph idx="12" type="sldNum"/>
+          </p:nvPr>
+        </p:nvSpPr>
+        <p:spPr>
+          <a:xfrm>
+            <a:off x="7315202" y="4416550"/>
+            <a:ext cx="1828800" cy="731400"/>
+          </a:xfrm>
+          <a:prstGeom prst="rect">
+            <a:avLst/>
+          </a:prstGeom>
+        </p:spPr>
+        <p:txBody>
+          <a:bodyPr anchorCtr="0" anchor="b" bIns="91425" lIns="91425" spcFirstLastPara="1" rIns="91425" wrap="square" tIns="91425">
+            <a:noAutofit/>
+          </a:bodyPr>
+          <a:lstStyle/>
+          <a:p>
+            <a:pPr indent="0" lvl="0" marL="0" rtl="0" algn="r">
+              <a:spcBef>
+                <a:spcPts val="0"/>
+              </a:spcBef>
+              <a:spcAft>
+                <a:spcPts val="0"/>
+              </a:spcAft>
+              <a:buNone/>
+            </a:pPr>
+            <a:fld id="{00000000-1234-1234-1234-123412341234}" type="slidenum">
+              <a:rPr lang="en"/>
+              <a:t>‹#›</a:t>
+            </a:fld>
+            <a:endParaRPr/>
+          </a:p>
+          <a:p>
+            <a:pPr indent="0" lvl="0" marL="0" rtl="0" algn="r">
+              <a:spcBef>
+                <a:spcPts val="0"/>
+              </a:spcBef>
+              <a:spcAft>
+                <a:spcPts val="0"/>
+              </a:spcAft>
+              <a:buNone/>
+            </a:pPr>
+            <a:r>
+              <a:rPr b="0" lang="en" sz="900" u="sng">
+                <a:solidFill>
+                  <a:schemeClr val="hlink"/>
+                </a:solidFill>
+                <a:hlinkClick r:id="rId3"/>
+              </a:rPr>
+              <a:t>https://profriehle.com</a:t>
+            </a:r>
+            <a:r>
+              <a:rPr b="0" lang="en" sz="900">
+                <a:solidFill>
+                  <a:schemeClr val="dk2"/>
+                </a:solidFill>
+              </a:rPr>
+              <a:t> </a:t>
+            </a:r>
+            <a:endParaRPr b="0" sz="900">
+              <a:solidFill>
+                <a:schemeClr val="dk2"/>
+              </a:solidFill>
+            </a:endParaRPr>
+          </a:p>
+        </p:txBody>
+      </p:sp>
+      <p:sp>
+        <p:nvSpPr>
+          <p:cNvPr id="167" name="Google Shape;167;p26"/>
           <p:cNvSpPr txBox="1"/>
           <p:nvPr>
             <p:ph idx="1" type="body"/>
@@ -10366,18 +10499,13 @@
               <a:spcAft>
                 <a:spcPts val="0"/>
               </a:spcAft>
-              <a:buClr>
-                <a:schemeClr val="dk1"/>
-              </a:buClr>
-              <a:buSzPts val="1100"/>
-              <a:buFont typeface="Arial"/>
-              <a:buNone/>
-            </a:pPr>
-            <a:r>
-              <a:rPr lang="en"/>
-              <a:t>Announcements by email</a:t>
-            </a:r>
-            <a:endParaRPr/>
+              <a:buNone/>
+            </a:pPr>
+            <a:r>
+              <a:rPr b="1" lang="en"/>
+              <a:t>Lecture (class)</a:t>
+            </a:r>
+            <a:endParaRPr b="1"/>
           </a:p>
           <a:p>
             <a:pPr indent="-342900" lvl="0" marL="457200" rtl="0" algn="l">
@@ -10392,30 +10520,14 @@
             </a:pPr>
             <a:r>
               <a:rPr lang="en"/>
-              <a:t>Through course management system</a:t>
-            </a:r>
-            <a:endParaRPr/>
-          </a:p>
-          <a:p>
-            <a:pPr indent="0" lvl="0" marL="0" rtl="0" algn="l">
-              <a:spcBef>
-                <a:spcPts val="1200"/>
-              </a:spcBef>
-              <a:spcAft>
-                <a:spcPts val="0"/>
-              </a:spcAft>
-              <a:buNone/>
-            </a:pPr>
-            <a:r>
-              <a:rPr lang="en"/>
-              <a:t>Questions to teaching team</a:t>
+              <a:t>Review of last week (quiz)</a:t>
             </a:r>
             <a:endParaRPr/>
           </a:p>
           <a:p>
             <a:pPr indent="-342900" lvl="0" marL="457200" rtl="0" algn="l">
               <a:spcBef>
-                <a:spcPts val="1200"/>
+                <a:spcPts val="0"/>
               </a:spcBef>
               <a:spcAft>
                 <a:spcPts val="0"/>
@@ -10425,14 +10537,30 @@
             </a:pPr>
             <a:r>
               <a:rPr lang="en"/>
-              <a:t>Please ask your question in the course forum</a:t>
-            </a:r>
-            <a:endParaRPr/>
+              <a:t>Presentation of this week’s topic</a:t>
+            </a:r>
+            <a:endParaRPr/>
+          </a:p>
+          <a:p>
+            <a:pPr indent="0" lvl="0" marL="0" rtl="0" algn="l">
+              <a:spcBef>
+                <a:spcPts val="1200"/>
+              </a:spcBef>
+              <a:spcAft>
+                <a:spcPts val="0"/>
+              </a:spcAft>
+              <a:buNone/>
+            </a:pPr>
+            <a:r>
+              <a:rPr b="1" lang="en"/>
+              <a:t>Method exercise</a:t>
+            </a:r>
+            <a:endParaRPr b="1"/>
           </a:p>
           <a:p>
             <a:pPr indent="-342900" lvl="0" marL="457200" rtl="0" algn="l">
               <a:spcBef>
-                <a:spcPts val="0"/>
+                <a:spcPts val="1200"/>
               </a:spcBef>
               <a:spcAft>
                 <a:spcPts val="0"/>
@@ -10442,7 +10570,24 @@
             </a:pPr>
             <a:r>
               <a:rPr lang="en"/>
-              <a:t>For private questions, use the teaching team email alias</a:t>
+              <a:t>Discussion of articles</a:t>
+            </a:r>
+            <a:endParaRPr/>
+          </a:p>
+          <a:p>
+            <a:pPr indent="-342900" lvl="0" marL="457200" rtl="0" algn="l">
+              <a:spcBef>
+                <a:spcPts val="0"/>
+              </a:spcBef>
+              <a:spcAft>
+                <a:spcPts val="0"/>
+              </a:spcAft>
+              <a:buSzPts val="1800"/>
+              <a:buChar char="●"/>
+            </a:pPr>
+            <a:r>
+              <a:rPr lang="en"/>
+              <a:t>Discussion of homework</a:t>
             </a:r>
             <a:endParaRPr/>
           </a:p>
@@ -10454,105 +10599,62 @@
               <a:spcAft>
                 <a:spcPts val="0"/>
               </a:spcAft>
-              <a:buClr>
-                <a:schemeClr val="dk1"/>
-              </a:buClr>
-              <a:buSzPts val="1100"/>
-              <a:buFont typeface="Arial"/>
+              <a:buNone/>
+            </a:pPr>
+            <a:r>
+              <a:rPr b="1" lang="en"/>
+              <a:t>Written homework</a:t>
+            </a:r>
+            <a:endParaRPr b="1"/>
+          </a:p>
+          <a:p>
+            <a:pPr indent="-342900" lvl="0" marL="457200" rtl="0" algn="l">
+              <a:spcBef>
+                <a:spcPts val="1200"/>
+              </a:spcBef>
+              <a:spcAft>
+                <a:spcPts val="0"/>
+              </a:spcAft>
+              <a:buSzPts val="1800"/>
+              <a:buChar char="●"/>
+            </a:pPr>
+            <a:r>
+              <a:rPr lang="en"/>
+              <a:t>See Course organization doc</a:t>
+            </a:r>
+            <a:endParaRPr/>
+          </a:p>
+          <a:p>
+            <a:pPr indent="-342900" lvl="0" marL="457200" rtl="0" algn="l">
+              <a:spcBef>
+                <a:spcPts val="0"/>
+              </a:spcBef>
+              <a:spcAft>
+                <a:spcPts val="0"/>
+              </a:spcAft>
+              <a:buSzPts val="1800"/>
+              <a:buChar char="●"/>
+            </a:pPr>
+            <a:r>
+              <a:rPr lang="en"/>
+              <a:t>Self-organized</a:t>
+            </a:r>
+            <a:endParaRPr/>
+          </a:p>
+          <a:p>
+            <a:pPr indent="0" lvl="0" marL="0" rtl="0" algn="l">
+              <a:spcBef>
+                <a:spcPts val="1200"/>
+              </a:spcBef>
+              <a:spcAft>
+                <a:spcPts val="1200"/>
+              </a:spcAft>
               <a:buNone/>
             </a:pPr>
             <a:r>
               <a:t/>
             </a:r>
             <a:endParaRPr/>
-          </a:p>
-          <a:p>
-            <a:pPr indent="0" lvl="0" marL="0" rtl="0" algn="l">
-              <a:spcBef>
-                <a:spcPts val="1200"/>
-              </a:spcBef>
-              <a:spcAft>
-                <a:spcPts val="1200"/>
-              </a:spcAft>
-              <a:buNone/>
-            </a:pPr>
-            <a:r>
-              <a:t/>
-            </a:r>
-            <a:endParaRPr/>
-          </a:p>
-        </p:txBody>
-      </p:sp>
-      <p:sp>
-        <p:nvSpPr>
-          <p:cNvPr id="167" name="Google Shape;167;p26"/>
-          <p:cNvSpPr txBox="1"/>
-          <p:nvPr>
-            <p:ph idx="12" type="sldNum"/>
-          </p:nvPr>
-        </p:nvSpPr>
-        <p:spPr>
-          <a:xfrm>
-            <a:off x="7315202" y="4416550"/>
-            <a:ext cx="1828800" cy="731400"/>
-          </a:xfrm>
-          <a:prstGeom prst="rect">
-            <a:avLst/>
-          </a:prstGeom>
-        </p:spPr>
-        <p:txBody>
-          <a:bodyPr anchorCtr="0" anchor="b" bIns="91425" lIns="91425" spcFirstLastPara="1" rIns="91425" wrap="square" tIns="91425">
-            <a:noAutofit/>
-          </a:bodyPr>
-          <a:lstStyle/>
-          <a:p>
-            <a:pPr indent="0" lvl="0" marL="0" rtl="0" algn="r">
-              <a:spcBef>
-                <a:spcPts val="0"/>
-              </a:spcBef>
-              <a:spcAft>
-                <a:spcPts val="0"/>
-              </a:spcAft>
-              <a:buNone/>
-            </a:pPr>
-            <a:fld id="{00000000-1234-1234-1234-123412341234}" type="slidenum">
-              <a:rPr lang="en"/>
-              <a:t>‹#›</a:t>
-            </a:fld>
-            <a:endParaRPr/>
-          </a:p>
-          <a:p>
-            <a:pPr indent="0" lvl="0" marL="0" rtl="0" algn="r">
-              <a:spcBef>
-                <a:spcPts val="0"/>
-              </a:spcBef>
-              <a:spcAft>
-                <a:spcPts val="0"/>
-              </a:spcAft>
-              <a:buNone/>
-            </a:pPr>
-            <a:r>
-              <a:rPr b="0" lang="en" sz="900" u="sng">
-                <a:solidFill>
-                  <a:schemeClr val="hlink"/>
-                </a:solidFill>
-                <a:hlinkClick r:id="rId3"/>
-              </a:rPr>
-              <a:t>https://profriehle.com</a:t>
-            </a:r>
-            <a:r>
-              <a:rPr b="0" lang="en" sz="900">
-                <a:solidFill>
-                  <a:schemeClr val="dk2"/>
-                </a:solidFill>
-              </a:rPr>
-              <a:t> </a:t>
-            </a:r>
-            <a:endParaRPr b="0" sz="900">
-              <a:solidFill>
-                <a:schemeClr val="dk2"/>
-              </a:solidFill>
-            </a:endParaRPr>
           </a:p>
         </p:txBody>
       </p:sp>
@@ -10899,6 +11001,272 @@
           <p:cNvPr id="172" name="Google Shape;172;p27"/>
           <p:cNvSpPr txBox="1"/>
           <p:nvPr>
+            <p:ph type="title"/>
+          </p:nvPr>
+        </p:nvSpPr>
+        <p:spPr>
+          <a:xfrm>
+            <a:off x="0" y="0"/>
+            <a:ext cx="9144000" cy="685800"/>
+          </a:xfrm>
+          <a:prstGeom prst="rect">
+            <a:avLst/>
+          </a:prstGeom>
+        </p:spPr>
+        <p:txBody>
+          <a:bodyPr anchorCtr="0" anchor="ctr" bIns="91425" lIns="274300" spcFirstLastPara="1" rIns="91425" wrap="square" tIns="91425">
+            <a:noAutofit/>
+          </a:bodyPr>
+          <a:lstStyle/>
+          <a:p>
+            <a:pPr indent="0" lvl="0" marL="0" rtl="0" algn="l">
+              <a:spcBef>
+                <a:spcPts val="0"/>
+              </a:spcBef>
+              <a:spcAft>
+                <a:spcPts val="0"/>
+              </a:spcAft>
+              <a:buNone/>
+            </a:pPr>
+            <a:r>
+              <a:rPr lang="en"/>
+              <a:t>Course Communication</a:t>
+            </a:r>
+            <a:endParaRPr/>
+          </a:p>
+        </p:txBody>
+      </p:sp>
+      <p:sp>
+        <p:nvSpPr>
+          <p:cNvPr id="173" name="Google Shape;173;p27"/>
+          <p:cNvSpPr txBox="1"/>
+          <p:nvPr>
+            <p:ph idx="1" type="body"/>
+          </p:nvPr>
+        </p:nvSpPr>
+        <p:spPr>
+          <a:xfrm>
+            <a:off x="274320" y="914400"/>
+            <a:ext cx="8595300" cy="4114800"/>
+          </a:xfrm>
+          <a:prstGeom prst="rect">
+            <a:avLst/>
+          </a:prstGeom>
+        </p:spPr>
+        <p:txBody>
+          <a:bodyPr anchorCtr="0" anchor="t" bIns="0" lIns="0" spcFirstLastPara="1" rIns="0" wrap="square" tIns="0">
+            <a:noAutofit/>
+          </a:bodyPr>
+          <a:lstStyle/>
+          <a:p>
+            <a:pPr indent="0" lvl="0" marL="0" rtl="0" algn="l">
+              <a:spcBef>
+                <a:spcPts val="0"/>
+              </a:spcBef>
+              <a:spcAft>
+                <a:spcPts val="0"/>
+              </a:spcAft>
+              <a:buClr>
+                <a:schemeClr val="dk1"/>
+              </a:buClr>
+              <a:buSzPts val="1100"/>
+              <a:buFont typeface="Arial"/>
+              <a:buNone/>
+            </a:pPr>
+            <a:r>
+              <a:rPr lang="en"/>
+              <a:t>Announcements by email</a:t>
+            </a:r>
+            <a:endParaRPr/>
+          </a:p>
+          <a:p>
+            <a:pPr indent="-342900" lvl="0" marL="457200" rtl="0" algn="l">
+              <a:spcBef>
+                <a:spcPts val="1200"/>
+              </a:spcBef>
+              <a:spcAft>
+                <a:spcPts val="0"/>
+              </a:spcAft>
+              <a:buSzPts val="1800"/>
+              <a:buChar char="●"/>
+            </a:pPr>
+            <a:r>
+              <a:rPr lang="en"/>
+              <a:t>Through course management system</a:t>
+            </a:r>
+            <a:endParaRPr/>
+          </a:p>
+          <a:p>
+            <a:pPr indent="0" lvl="0" marL="0" rtl="0" algn="l">
+              <a:spcBef>
+                <a:spcPts val="1200"/>
+              </a:spcBef>
+              <a:spcAft>
+                <a:spcPts val="0"/>
+              </a:spcAft>
+              <a:buNone/>
+            </a:pPr>
+            <a:r>
+              <a:rPr lang="en"/>
+              <a:t>Questions to teaching team</a:t>
+            </a:r>
+            <a:endParaRPr/>
+          </a:p>
+          <a:p>
+            <a:pPr indent="-342900" lvl="0" marL="457200" rtl="0" algn="l">
+              <a:spcBef>
+                <a:spcPts val="1200"/>
+              </a:spcBef>
+              <a:spcAft>
+                <a:spcPts val="0"/>
+              </a:spcAft>
+              <a:buSzPts val="1800"/>
+              <a:buChar char="●"/>
+            </a:pPr>
+            <a:r>
+              <a:rPr lang="en"/>
+              <a:t>Please ask your question in the course forum</a:t>
+            </a:r>
+            <a:endParaRPr/>
+          </a:p>
+          <a:p>
+            <a:pPr indent="-342900" lvl="0" marL="457200" rtl="0" algn="l">
+              <a:spcBef>
+                <a:spcPts val="0"/>
+              </a:spcBef>
+              <a:spcAft>
+                <a:spcPts val="0"/>
+              </a:spcAft>
+              <a:buSzPts val="1800"/>
+              <a:buChar char="●"/>
+            </a:pPr>
+            <a:r>
+              <a:rPr lang="en"/>
+              <a:t>For private questions, use the teaching team email alias</a:t>
+            </a:r>
+            <a:endParaRPr/>
+          </a:p>
+          <a:p>
+            <a:pPr indent="0" lvl="0" marL="0" rtl="0" algn="l">
+              <a:spcBef>
+                <a:spcPts val="1200"/>
+              </a:spcBef>
+              <a:spcAft>
+                <a:spcPts val="1200"/>
+              </a:spcAft>
+              <a:buNone/>
+            </a:pPr>
+            <a:r>
+              <a:rPr lang="en"/>
+              <a:t>Non-urgent questions will be answered in class</a:t>
+            </a:r>
+            <a:endParaRPr/>
+          </a:p>
+        </p:txBody>
+      </p:sp>
+      <p:sp>
+        <p:nvSpPr>
+          <p:cNvPr id="174" name="Google Shape;174;p27"/>
+          <p:cNvSpPr txBox="1"/>
+          <p:nvPr>
+            <p:ph idx="12" type="sldNum"/>
+          </p:nvPr>
+        </p:nvSpPr>
+        <p:spPr>
+          <a:xfrm>
+            <a:off x="7315202" y="4416550"/>
+            <a:ext cx="1828800" cy="731400"/>
+          </a:xfrm>
+          <a:prstGeom prst="rect">
+            <a:avLst/>
+          </a:prstGeom>
+        </p:spPr>
+        <p:txBody>
+          <a:bodyPr anchorCtr="0" anchor="b" bIns="91425" lIns="91425" spcFirstLastPara="1" rIns="91425" wrap="square" tIns="91425">
+            <a:noAutofit/>
+          </a:bodyPr>
+          <a:lstStyle/>
+          <a:p>
+            <a:pPr indent="0" lvl="0" marL="0" rtl="0" algn="r">
+              <a:spcBef>
+                <a:spcPts val="0"/>
+              </a:spcBef>
+              <a:spcAft>
+                <a:spcPts val="0"/>
+              </a:spcAft>
+              <a:buNone/>
+            </a:pPr>
+            <a:fld id="{00000000-1234-1234-1234-123412341234}" type="slidenum">
+              <a:rPr lang="en"/>
+              <a:t>‹#›</a:t>
+            </a:fld>
+            <a:endParaRPr/>
+          </a:p>
+          <a:p>
+            <a:pPr indent="0" lvl="0" marL="0" rtl="0" algn="r">
+              <a:spcBef>
+                <a:spcPts val="0"/>
+              </a:spcBef>
+              <a:spcAft>
+                <a:spcPts val="0"/>
+              </a:spcAft>
+              <a:buNone/>
+            </a:pPr>
+            <a:r>
+              <a:rPr b="0" lang="en" sz="900" u="sng">
+                <a:solidFill>
+                  <a:schemeClr val="hlink"/>
+                </a:solidFill>
+                <a:hlinkClick r:id="rId3"/>
+              </a:rPr>
+              <a:t>https://profriehle.com</a:t>
+            </a:r>
+            <a:r>
+              <a:rPr b="0" lang="en" sz="900">
+                <a:solidFill>
+                  <a:schemeClr val="dk2"/>
+                </a:solidFill>
+              </a:rPr>
+              <a:t> </a:t>
+            </a:r>
+            <a:endParaRPr b="0" sz="900">
+              <a:solidFill>
+                <a:schemeClr val="dk2"/>
+              </a:solidFill>
+            </a:endParaRPr>
+          </a:p>
+        </p:txBody>
+      </p:sp>
+    </p:spTree>
+  </p:cSld>
+  <p:clrMapOvr>
+    <a:masterClrMapping/>
+  </p:clrMapOvr>
+</p:sld>
+</file>
+
+<file path=ppt/slides/slide21.xml><?xml version="1.0" encoding="utf-8"?>
+<p:sld xmlns:a="http://schemas.openxmlformats.org/drawingml/2006/main" xmlns:r="http://schemas.openxmlformats.org/officeDocument/2006/relationships" xmlns:mc="http://schemas.openxmlformats.org/markup-compatibility/2006" xmlns:mv="urn:schemas-microsoft-com:mac:vml" xmlns:p="http://schemas.openxmlformats.org/presentationml/2006/main" xmlns:c="http://schemas.openxmlformats.org/drawingml/2006/chart" xmlns:dgm="http://schemas.openxmlformats.org/drawingml/2006/diagram" xmlns:o="urn:schemas-microsoft-com:office:office" xmlns:v="urn:schemas-microsoft-com:vml" xmlns:pvml="urn:schemas-microsoft-com:office:powerpoint" xmlns:com="http://schemas.openxmlformats.org/drawingml/2006/compatibility" xmlns:p14="http://schemas.microsoft.com/office/powerpoint/2010/main" xmlns:p15="http://schemas.microsoft.com/office/powerpoint/2012/main" xmlns:ahyp="http://schemas.microsoft.com/office/drawing/2018/hyperlinkcolor">
+  <p:cSld>
+    <p:spTree>
+      <p:nvGrpSpPr>
+        <p:cNvPr id="178" name="Shape 178"/>
+        <p:cNvGrpSpPr/>
+        <p:nvPr/>
+      </p:nvGrpSpPr>
+      <p:grpSpPr>
+        <a:xfrm>
+          <a:off x="0" y="0"/>
+          <a:ext cx="0" cy="0"/>
+          <a:chOff x="0" y="0"/>
+          <a:chExt cx="0" cy="0"/>
+        </a:xfrm>
+      </p:grpSpPr>
+      <p:sp>
+        <p:nvSpPr>
+          <p:cNvPr id="179" name="Google Shape;179;p28"/>
+          <p:cNvSpPr txBox="1"/>
+          <p:nvPr>
             <p:ph type="ctrTitle"/>
           </p:nvPr>
         </p:nvSpPr>
@@ -10936,7 +11304,7 @@
       </p:sp>
       <p:sp>
         <p:nvSpPr>
-          <p:cNvPr id="173" name="Google Shape;173;p27"/>
+          <p:cNvPr id="180" name="Google Shape;180;p28"/>
           <p:cNvSpPr txBox="1"/>
           <p:nvPr>
             <p:ph idx="1" type="subTitle"/>
@@ -11061,12 +11429,12 @@
 </p:sld>
 </file>
 
-<file path=ppt/slides/slide21.xml><?xml version="1.0" encoding="utf-8"?>
+<file path=ppt/slides/slide22.xml><?xml version="1.0" encoding="utf-8"?>
 <p:sld xmlns:a="http://schemas.openxmlformats.org/drawingml/2006/main" xmlns:r="http://schemas.openxmlformats.org/officeDocument/2006/relationships" xmlns:mc="http://schemas.openxmlformats.org/markup-compatibility/2006" xmlns:mv="urn:schemas-microsoft-com:mac:vml" xmlns:p="http://schemas.openxmlformats.org/presentationml/2006/main" xmlns:c="http://schemas.openxmlformats.org/drawingml/2006/chart" xmlns:dgm="http://schemas.openxmlformats.org/drawingml/2006/diagram" xmlns:o="urn:schemas-microsoft-com:office:office" xmlns:v="urn:schemas-microsoft-com:vml" xmlns:pvml="urn:schemas-microsoft-com:office:powerpoint" xmlns:com="http://schemas.openxmlformats.org/drawingml/2006/compatibility" xmlns:p14="http://schemas.microsoft.com/office/powerpoint/2010/main" xmlns:p15="http://schemas.microsoft.com/office/powerpoint/2012/main" xmlns:ahyp="http://schemas.microsoft.com/office/drawing/2018/hyperlinkcolor">
   <p:cSld>
     <p:spTree>
       <p:nvGrpSpPr>
-        <p:cNvPr id="177" name="Shape 177"/>
+        <p:cNvPr id="184" name="Shape 184"/>
         <p:cNvGrpSpPr/>
         <p:nvPr/>
       </p:nvGrpSpPr>
@@ -11080,7 +11448,7 @@
       </p:grpSpPr>
       <p:sp>
         <p:nvSpPr>
-          <p:cNvPr id="178" name="Google Shape;178;p28"/>
+          <p:cNvPr id="185" name="Google Shape;185;p29"/>
           <p:cNvSpPr txBox="1"/>
           <p:nvPr>
             <p:ph type="title"/>
@@ -11120,7 +11488,7 @@
       </p:sp>
       <p:sp>
         <p:nvSpPr>
-          <p:cNvPr id="179" name="Google Shape;179;p28"/>
+          <p:cNvPr id="186" name="Google Shape;186;p29"/>
           <p:cNvSpPr txBox="1"/>
           <p:nvPr>
             <p:ph idx="12" type="sldNum"/>
@@ -11193,7 +11561,7 @@
       </p:sp>
       <p:sp>
         <p:nvSpPr>
-          <p:cNvPr id="180" name="Google Shape;180;p28"/>
+          <p:cNvPr id="187" name="Google Shape;187;p29"/>
           <p:cNvSpPr txBox="1"/>
           <p:nvPr>
             <p:ph idx="1" type="body"/>
@@ -11352,7 +11720,7 @@
           </a:prstGeom>
         </p:spPr>
         <p:txBody>
-          <a:bodyPr anchorCtr="0" anchor="ctr" bIns="91425" lIns="274300" spcFirstLastPara="1" rIns="91425" wrap="square" tIns="91425">
+          <a:bodyPr anchorCtr="0" anchor="ctr" bIns="0" lIns="274300" spcFirstLastPara="1" rIns="0" wrap="square" tIns="0">
             <a:noAutofit/>
           </a:bodyPr>
           <a:lstStyle/>
@@ -11379,7 +11747,7 @@
           <p:cNvPr id="50" name="Google Shape;50;p10"/>
           <p:cNvSpPr txBox="1"/>
           <p:nvPr>
-            <p:ph idx="1" type="body"/>
+            <p:ph idx="4294967295" type="body"/>
           </p:nvPr>
         </p:nvSpPr>
         <p:spPr>
@@ -11503,7 +11871,7 @@
               </a:rPr>
               <a:t> </a:t>
             </a:r>
-            <a:endParaRPr b="0" sz="900">
+            <a:endParaRPr>
               <a:solidFill>
                 <a:schemeClr val="dk2"/>
               </a:solidFill>
@@ -12303,7 +12671,7 @@
         <p:spPr>
           <a:xfrm>
             <a:off x="274320" y="914400"/>
-            <a:ext cx="8595361" cy="3648253"/>
+            <a:ext cx="8595359" cy="3629153"/>
           </a:xfrm>
           <a:prstGeom prst="rect">
             <a:avLst/>
@@ -12471,7 +12839,7 @@
             <a:tbl>
               <a:tblPr>
                 <a:noFill/>
-                <a:tableStyleId>{289D13A9-D2F7-4F60-86CA-BBA6726F6D71}</a:tableStyleId>
+                <a:tableStyleId>{067A0ED2-2E35-4495-812A-DB64C3BFA2AA}</a:tableStyleId>
               </a:tblPr>
               <a:tblGrid>
                 <a:gridCol w="1719075"/>

--- a/Lecture slides/NYT A01 - Introduction.pptx
+++ b/Lecture slides/NYT A01 - Introduction.pptx
@@ -710,7 +710,7 @@
       </p:grpSpPr>
       <p:sp>
         <p:nvSpPr>
-          <p:cNvPr id="33" name="Google Shape;33;g10386efa337_0_7:notes"/>
+          <p:cNvPr id="33" name="Google Shape;33;g2c21efa682d_0_67:notes"/>
           <p:cNvSpPr/>
           <p:nvPr>
             <p:ph idx="2" type="sldImg"/>
@@ -745,7 +745,7 @@
       </p:sp>
       <p:sp>
         <p:nvSpPr>
-          <p:cNvPr id="34" name="Google Shape;34;g10386efa337_0_7:notes"/>
+          <p:cNvPr id="34" name="Google Shape;34;g2c21efa682d_0_67:notes"/>
           <p:cNvSpPr txBox="1"/>
           <p:nvPr>
             <p:ph idx="1" type="body"/>
@@ -795,7 +795,7 @@
   <p:cSld>
     <p:spTree>
       <p:nvGrpSpPr>
-        <p:cNvPr id="96" name="Shape 96"/>
+        <p:cNvPr id="97" name="Shape 97"/>
         <p:cNvGrpSpPr/>
         <p:nvPr/>
       </p:nvGrpSpPr>
@@ -809,7 +809,7 @@
       </p:grpSpPr>
       <p:sp>
         <p:nvSpPr>
-          <p:cNvPr id="97" name="Google Shape;97;g2395919313b_0_82:notes"/>
+          <p:cNvPr id="98" name="Google Shape;98;g2395919313b_0_82:notes"/>
           <p:cNvSpPr/>
           <p:nvPr>
             <p:ph idx="2" type="sldImg"/>
@@ -844,7 +844,7 @@
       </p:sp>
       <p:sp>
         <p:nvSpPr>
-          <p:cNvPr id="98" name="Google Shape;98;g2395919313b_0_82:notes"/>
+          <p:cNvPr id="99" name="Google Shape;99;g2395919313b_0_82:notes"/>
           <p:cNvSpPr txBox="1"/>
           <p:nvPr>
             <p:ph idx="1" type="body"/>
@@ -894,7 +894,7 @@
   <p:cSld>
     <p:spTree>
       <p:nvGrpSpPr>
-        <p:cNvPr id="103" name="Shape 103"/>
+        <p:cNvPr id="104" name="Shape 104"/>
         <p:cNvGrpSpPr/>
         <p:nvPr/>
       </p:nvGrpSpPr>
@@ -908,7 +908,7 @@
       </p:grpSpPr>
       <p:sp>
         <p:nvSpPr>
-          <p:cNvPr id="104" name="Google Shape;104;g108fe332759_2_149:notes"/>
+          <p:cNvPr id="105" name="Google Shape;105;g108fe332759_2_149:notes"/>
           <p:cNvSpPr/>
           <p:nvPr>
             <p:ph idx="2" type="sldImg"/>
@@ -943,7 +943,7 @@
       </p:sp>
       <p:sp>
         <p:nvSpPr>
-          <p:cNvPr id="105" name="Google Shape;105;g108fe332759_2_149:notes"/>
+          <p:cNvPr id="106" name="Google Shape;106;g108fe332759_2_149:notes"/>
           <p:cNvSpPr txBox="1"/>
           <p:nvPr>
             <p:ph idx="1" type="body"/>
@@ -993,7 +993,7 @@
   <p:cSld>
     <p:spTree>
       <p:nvGrpSpPr>
-        <p:cNvPr id="110" name="Shape 110"/>
+        <p:cNvPr id="111" name="Shape 111"/>
         <p:cNvGrpSpPr/>
         <p:nvPr/>
       </p:nvGrpSpPr>
@@ -1007,7 +1007,7 @@
       </p:grpSpPr>
       <p:sp>
         <p:nvSpPr>
-          <p:cNvPr id="111" name="Google Shape;111;g108fe332759_2_133:notes"/>
+          <p:cNvPr id="112" name="Google Shape;112;g108fe332759_2_133:notes"/>
           <p:cNvSpPr/>
           <p:nvPr>
             <p:ph idx="2" type="sldImg"/>
@@ -1042,7 +1042,7 @@
       </p:sp>
       <p:sp>
         <p:nvSpPr>
-          <p:cNvPr id="112" name="Google Shape;112;g108fe332759_2_133:notes"/>
+          <p:cNvPr id="113" name="Google Shape;113;g108fe332759_2_133:notes"/>
           <p:cNvSpPr txBox="1"/>
           <p:nvPr>
             <p:ph idx="1" type="body"/>
@@ -1092,7 +1092,7 @@
   <p:cSld>
     <p:spTree>
       <p:nvGrpSpPr>
-        <p:cNvPr id="117" name="Shape 117"/>
+        <p:cNvPr id="118" name="Shape 118"/>
         <p:cNvGrpSpPr/>
         <p:nvPr/>
       </p:nvGrpSpPr>
@@ -1106,7 +1106,7 @@
       </p:grpSpPr>
       <p:sp>
         <p:nvSpPr>
-          <p:cNvPr id="118" name="Google Shape;118;g108fe332759_2_55:notes"/>
+          <p:cNvPr id="119" name="Google Shape;119;g108fe332759_2_55:notes"/>
           <p:cNvSpPr/>
           <p:nvPr>
             <p:ph idx="2" type="sldImg"/>
@@ -1141,7 +1141,7 @@
       </p:sp>
       <p:sp>
         <p:nvSpPr>
-          <p:cNvPr id="119" name="Google Shape;119;g108fe332759_2_55:notes"/>
+          <p:cNvPr id="120" name="Google Shape;120;g108fe332759_2_55:notes"/>
           <p:cNvSpPr txBox="1"/>
           <p:nvPr>
             <p:ph idx="1" type="body"/>
@@ -1191,7 +1191,7 @@
   <p:cSld>
     <p:spTree>
       <p:nvGrpSpPr>
-        <p:cNvPr id="124" name="Shape 124"/>
+        <p:cNvPr id="125" name="Shape 125"/>
         <p:cNvGrpSpPr/>
         <p:nvPr/>
       </p:nvGrpSpPr>
@@ -1205,7 +1205,7 @@
       </p:grpSpPr>
       <p:sp>
         <p:nvSpPr>
-          <p:cNvPr id="125" name="Google Shape;125;g2395919313b_0_88:notes"/>
+          <p:cNvPr id="126" name="Google Shape;126;g2395919313b_0_88:notes"/>
           <p:cNvSpPr/>
           <p:nvPr>
             <p:ph idx="2" type="sldImg"/>
@@ -1240,7 +1240,7 @@
       </p:sp>
       <p:sp>
         <p:nvSpPr>
-          <p:cNvPr id="126" name="Google Shape;126;g2395919313b_0_88:notes"/>
+          <p:cNvPr id="127" name="Google Shape;127;g2395919313b_0_88:notes"/>
           <p:cNvSpPr txBox="1"/>
           <p:nvPr>
             <p:ph idx="1" type="body"/>
@@ -1290,7 +1290,7 @@
   <p:cSld>
     <p:spTree>
       <p:nvGrpSpPr>
-        <p:cNvPr id="131" name="Shape 131"/>
+        <p:cNvPr id="132" name="Shape 132"/>
         <p:cNvGrpSpPr/>
         <p:nvPr/>
       </p:nvGrpSpPr>
@@ -1304,7 +1304,7 @@
       </p:grpSpPr>
       <p:sp>
         <p:nvSpPr>
-          <p:cNvPr id="132" name="Google Shape;132;g2395919313b_0_94:notes"/>
+          <p:cNvPr id="133" name="Google Shape;133;g2395919313b_0_94:notes"/>
           <p:cNvSpPr/>
           <p:nvPr>
             <p:ph idx="2" type="sldImg"/>
@@ -1339,7 +1339,7 @@
       </p:sp>
       <p:sp>
         <p:nvSpPr>
-          <p:cNvPr id="133" name="Google Shape;133;g2395919313b_0_94:notes"/>
+          <p:cNvPr id="134" name="Google Shape;134;g2395919313b_0_94:notes"/>
           <p:cNvSpPr txBox="1"/>
           <p:nvPr>
             <p:ph idx="1" type="body"/>
@@ -1389,7 +1389,7 @@
   <p:cSld>
     <p:spTree>
       <p:nvGrpSpPr>
-        <p:cNvPr id="138" name="Shape 138"/>
+        <p:cNvPr id="139" name="Shape 139"/>
         <p:cNvGrpSpPr/>
         <p:nvPr/>
       </p:nvGrpSpPr>
@@ -1403,7 +1403,7 @@
       </p:grpSpPr>
       <p:sp>
         <p:nvSpPr>
-          <p:cNvPr id="139" name="Google Shape;139;g2395919313b_0_100:notes"/>
+          <p:cNvPr id="140" name="Google Shape;140;g2395919313b_0_100:notes"/>
           <p:cNvSpPr/>
           <p:nvPr>
             <p:ph idx="2" type="sldImg"/>
@@ -1438,7 +1438,7 @@
       </p:sp>
       <p:sp>
         <p:nvSpPr>
-          <p:cNvPr id="140" name="Google Shape;140;g2395919313b_0_100:notes"/>
+          <p:cNvPr id="141" name="Google Shape;141;g2395919313b_0_100:notes"/>
           <p:cNvSpPr txBox="1"/>
           <p:nvPr>
             <p:ph idx="1" type="body"/>
@@ -1488,7 +1488,7 @@
   <p:cSld>
     <p:spTree>
       <p:nvGrpSpPr>
-        <p:cNvPr id="146" name="Shape 146"/>
+        <p:cNvPr id="147" name="Shape 147"/>
         <p:cNvGrpSpPr/>
         <p:nvPr/>
       </p:nvGrpSpPr>
@@ -1502,7 +1502,7 @@
       </p:grpSpPr>
       <p:sp>
         <p:nvSpPr>
-          <p:cNvPr id="147" name="Google Shape;147;g108fe332759_2_43:notes"/>
+          <p:cNvPr id="148" name="Google Shape;148;g108fe332759_2_43:notes"/>
           <p:cNvSpPr/>
           <p:nvPr>
             <p:ph idx="2" type="sldImg"/>
@@ -1537,7 +1537,7 @@
       </p:sp>
       <p:sp>
         <p:nvSpPr>
-          <p:cNvPr id="148" name="Google Shape;148;g108fe332759_2_43:notes"/>
+          <p:cNvPr id="149" name="Google Shape;149;g108fe332759_2_43:notes"/>
           <p:cNvSpPr txBox="1"/>
           <p:nvPr>
             <p:ph idx="1" type="body"/>
@@ -1587,7 +1587,7 @@
   <p:cSld>
     <p:spTree>
       <p:nvGrpSpPr>
-        <p:cNvPr id="154" name="Shape 154"/>
+        <p:cNvPr id="155" name="Shape 155"/>
         <p:cNvGrpSpPr/>
         <p:nvPr/>
       </p:nvGrpSpPr>
@@ -1601,7 +1601,7 @@
       </p:grpSpPr>
       <p:sp>
         <p:nvSpPr>
-          <p:cNvPr id="155" name="Google Shape;155;g108fe332759_2_49:notes"/>
+          <p:cNvPr id="156" name="Google Shape;156;g108fe332759_2_49:notes"/>
           <p:cNvSpPr/>
           <p:nvPr>
             <p:ph idx="2" type="sldImg"/>
@@ -1636,7 +1636,7 @@
       </p:sp>
       <p:sp>
         <p:nvSpPr>
-          <p:cNvPr id="156" name="Google Shape;156;g108fe332759_2_49:notes"/>
+          <p:cNvPr id="157" name="Google Shape;157;g108fe332759_2_49:notes"/>
           <p:cNvSpPr txBox="1"/>
           <p:nvPr>
             <p:ph idx="1" type="body"/>
@@ -1686,7 +1686,7 @@
   <p:cSld>
     <p:spTree>
       <p:nvGrpSpPr>
-        <p:cNvPr id="161" name="Shape 161"/>
+        <p:cNvPr id="162" name="Shape 162"/>
         <p:cNvGrpSpPr/>
         <p:nvPr/>
       </p:nvGrpSpPr>
@@ -1700,7 +1700,7 @@
       </p:grpSpPr>
       <p:sp>
         <p:nvSpPr>
-          <p:cNvPr id="162" name="Google Shape;162;g108fe332759_2_61:notes"/>
+          <p:cNvPr id="163" name="Google Shape;163;g108fe332759_2_61:notes"/>
           <p:cNvSpPr/>
           <p:nvPr>
             <p:ph idx="2" type="sldImg"/>
@@ -1735,7 +1735,7 @@
       </p:sp>
       <p:sp>
         <p:nvSpPr>
-          <p:cNvPr id="163" name="Google Shape;163;g108fe332759_2_61:notes"/>
+          <p:cNvPr id="164" name="Google Shape;164;g108fe332759_2_61:notes"/>
           <p:cNvSpPr txBox="1"/>
           <p:nvPr>
             <p:ph idx="1" type="body"/>
@@ -1884,7 +1884,7 @@
   <p:cSld>
     <p:spTree>
       <p:nvGrpSpPr>
-        <p:cNvPr id="168" name="Shape 168"/>
+        <p:cNvPr id="169" name="Shape 169"/>
         <p:cNvGrpSpPr/>
         <p:nvPr/>
       </p:nvGrpSpPr>
@@ -1898,7 +1898,7 @@
       </p:grpSpPr>
       <p:sp>
         <p:nvSpPr>
-          <p:cNvPr id="169" name="Google Shape;169;g2395919313b_0_107:notes"/>
+          <p:cNvPr id="170" name="Google Shape;170;g2395919313b_0_107:notes"/>
           <p:cNvSpPr/>
           <p:nvPr>
             <p:ph idx="2" type="sldImg"/>
@@ -1933,7 +1933,7 @@
       </p:sp>
       <p:sp>
         <p:nvSpPr>
-          <p:cNvPr id="170" name="Google Shape;170;g2395919313b_0_107:notes"/>
+          <p:cNvPr id="171" name="Google Shape;171;g2395919313b_0_107:notes"/>
           <p:cNvSpPr txBox="1"/>
           <p:nvPr>
             <p:ph idx="1" type="body"/>
@@ -1983,7 +1983,7 @@
   <p:cSld>
     <p:spTree>
       <p:nvGrpSpPr>
-        <p:cNvPr id="175" name="Shape 175"/>
+        <p:cNvPr id="176" name="Shape 176"/>
         <p:cNvGrpSpPr/>
         <p:nvPr/>
       </p:nvGrpSpPr>
@@ -1997,7 +1997,7 @@
       </p:grpSpPr>
       <p:sp>
         <p:nvSpPr>
-          <p:cNvPr id="176" name="Google Shape;176;g2395919313b_0_38:notes"/>
+          <p:cNvPr id="177" name="Google Shape;177;g2395919313b_0_38:notes"/>
           <p:cNvSpPr/>
           <p:nvPr>
             <p:ph idx="2" type="sldImg"/>
@@ -2032,7 +2032,7 @@
       </p:sp>
       <p:sp>
         <p:nvSpPr>
-          <p:cNvPr id="177" name="Google Shape;177;g2395919313b_0_38:notes"/>
+          <p:cNvPr id="178" name="Google Shape;178;g2395919313b_0_38:notes"/>
           <p:cNvSpPr txBox="1"/>
           <p:nvPr>
             <p:ph idx="1" type="body"/>
@@ -2082,7 +2082,7 @@
   <p:cSld>
     <p:spTree>
       <p:nvGrpSpPr>
-        <p:cNvPr id="181" name="Shape 181"/>
+        <p:cNvPr id="182" name="Shape 182"/>
         <p:cNvGrpSpPr/>
         <p:nvPr/>
       </p:nvGrpSpPr>
@@ -2096,7 +2096,7 @@
       </p:grpSpPr>
       <p:sp>
         <p:nvSpPr>
-          <p:cNvPr id="182" name="Google Shape;182;g2395919313b_0_43:notes"/>
+          <p:cNvPr id="183" name="Google Shape;183;g2395919313b_0_43:notes"/>
           <p:cNvSpPr/>
           <p:nvPr>
             <p:ph idx="2" type="sldImg"/>
@@ -2131,7 +2131,7 @@
       </p:sp>
       <p:sp>
         <p:nvSpPr>
-          <p:cNvPr id="183" name="Google Shape;183;g2395919313b_0_43:notes"/>
+          <p:cNvPr id="184" name="Google Shape;184;g2395919313b_0_43:notes"/>
           <p:cNvSpPr txBox="1"/>
           <p:nvPr>
             <p:ph idx="1" type="body"/>
@@ -2379,7 +2379,7 @@
   <p:cSld>
     <p:spTree>
       <p:nvGrpSpPr>
-        <p:cNvPr id="59" name="Shape 59"/>
+        <p:cNvPr id="60" name="Shape 60"/>
         <p:cNvGrpSpPr/>
         <p:nvPr/>
       </p:nvGrpSpPr>
@@ -2393,7 +2393,7 @@
       </p:grpSpPr>
       <p:sp>
         <p:nvSpPr>
-          <p:cNvPr id="60" name="Google Shape;60;g108fe332759_2_6:notes"/>
+          <p:cNvPr id="61" name="Google Shape;61;g108fe332759_2_6:notes"/>
           <p:cNvSpPr/>
           <p:nvPr>
             <p:ph idx="2" type="sldImg"/>
@@ -2428,7 +2428,7 @@
       </p:sp>
       <p:sp>
         <p:nvSpPr>
-          <p:cNvPr id="61" name="Google Shape;61;g108fe332759_2_6:notes"/>
+          <p:cNvPr id="62" name="Google Shape;62;g108fe332759_2_6:notes"/>
           <p:cNvSpPr txBox="1"/>
           <p:nvPr>
             <p:ph idx="1" type="body"/>
@@ -2478,7 +2478,7 @@
   <p:cSld>
     <p:spTree>
       <p:nvGrpSpPr>
-        <p:cNvPr id="66" name="Shape 66"/>
+        <p:cNvPr id="67" name="Shape 67"/>
         <p:cNvGrpSpPr/>
         <p:nvPr/>
       </p:nvGrpSpPr>
@@ -2492,7 +2492,7 @@
       </p:grpSpPr>
       <p:sp>
         <p:nvSpPr>
-          <p:cNvPr id="67" name="Google Shape;67;g10e7589f98e_0_40:notes"/>
+          <p:cNvPr id="68" name="Google Shape;68;g10e7589f98e_0_40:notes"/>
           <p:cNvSpPr/>
           <p:nvPr>
             <p:ph idx="2" type="sldImg"/>
@@ -2527,7 +2527,7 @@
       </p:sp>
       <p:sp>
         <p:nvSpPr>
-          <p:cNvPr id="68" name="Google Shape;68;g10e7589f98e_0_40:notes"/>
+          <p:cNvPr id="69" name="Google Shape;69;g10e7589f98e_0_40:notes"/>
           <p:cNvSpPr txBox="1"/>
           <p:nvPr>
             <p:ph idx="1" type="body"/>
@@ -2577,7 +2577,7 @@
   <p:cSld>
     <p:spTree>
       <p:nvGrpSpPr>
-        <p:cNvPr id="73" name="Shape 73"/>
+        <p:cNvPr id="74" name="Shape 74"/>
         <p:cNvGrpSpPr/>
         <p:nvPr/>
       </p:nvGrpSpPr>
@@ -2591,7 +2591,7 @@
       </p:grpSpPr>
       <p:sp>
         <p:nvSpPr>
-          <p:cNvPr id="74" name="Google Shape;74;g2395919313b_0_76:notes"/>
+          <p:cNvPr id="75" name="Google Shape;75;g2395919313b_0_76:notes"/>
           <p:cNvSpPr/>
           <p:nvPr>
             <p:ph idx="2" type="sldImg"/>
@@ -2626,7 +2626,7 @@
       </p:sp>
       <p:sp>
         <p:nvSpPr>
-          <p:cNvPr id="75" name="Google Shape;75;g2395919313b_0_76:notes"/>
+          <p:cNvPr id="76" name="Google Shape;76;g2395919313b_0_76:notes"/>
           <p:cNvSpPr txBox="1"/>
           <p:nvPr>
             <p:ph idx="1" type="body"/>
@@ -2676,7 +2676,7 @@
   <p:cSld>
     <p:spTree>
       <p:nvGrpSpPr>
-        <p:cNvPr id="80" name="Shape 80"/>
+        <p:cNvPr id="81" name="Shape 81"/>
         <p:cNvGrpSpPr/>
         <p:nvPr/>
       </p:nvGrpSpPr>
@@ -2690,7 +2690,7 @@
       </p:grpSpPr>
       <p:sp>
         <p:nvSpPr>
-          <p:cNvPr id="81" name="Google Shape;81;g108fe332759_2_18:notes"/>
+          <p:cNvPr id="82" name="Google Shape;82;g108fe332759_2_18:notes"/>
           <p:cNvSpPr/>
           <p:nvPr>
             <p:ph idx="2" type="sldImg"/>
@@ -2725,7 +2725,7 @@
       </p:sp>
       <p:sp>
         <p:nvSpPr>
-          <p:cNvPr id="82" name="Google Shape;82;g108fe332759_2_18:notes"/>
+          <p:cNvPr id="83" name="Google Shape;83;g108fe332759_2_18:notes"/>
           <p:cNvSpPr txBox="1"/>
           <p:nvPr>
             <p:ph idx="1" type="body"/>
@@ -2775,7 +2775,7 @@
   <p:cSld>
     <p:spTree>
       <p:nvGrpSpPr>
-        <p:cNvPr id="88" name="Shape 88"/>
+        <p:cNvPr id="89" name="Shape 89"/>
         <p:cNvGrpSpPr/>
         <p:nvPr/>
       </p:nvGrpSpPr>
@@ -2789,7 +2789,7 @@
       </p:grpSpPr>
       <p:sp>
         <p:nvSpPr>
-          <p:cNvPr id="89" name="Google Shape;89;g108fe332759_2_24:notes"/>
+          <p:cNvPr id="90" name="Google Shape;90;g108fe332759_2_24:notes"/>
           <p:cNvSpPr/>
           <p:nvPr>
             <p:ph idx="2" type="sldImg"/>
@@ -2824,7 +2824,7 @@
       </p:sp>
       <p:sp>
         <p:nvSpPr>
-          <p:cNvPr id="90" name="Google Shape;90;g108fe332759_2_24:notes"/>
+          <p:cNvPr id="91" name="Google Shape;91;g108fe332759_2_24:notes"/>
           <p:cNvSpPr txBox="1"/>
           <p:nvPr>
             <p:ph idx="1" type="body"/>
@@ -6163,6 +6163,11 @@
               <a:spcAft>
                 <a:spcPts val="0"/>
               </a:spcAft>
+              <a:buClr>
+                <a:schemeClr val="dk1"/>
+              </a:buClr>
+              <a:buSzPts val="1100"/>
+              <a:buFont typeface="Arial"/>
               <a:buNone/>
             </a:pPr>
             <a:r>
@@ -6219,11 +6224,6 @@
               <a:spcAft>
                 <a:spcPts val="0"/>
               </a:spcAft>
-              <a:buClr>
-                <a:schemeClr val="dk1"/>
-              </a:buClr>
-              <a:buSzPts val="1100"/>
-              <a:buFont typeface="Arial"/>
               <a:buNone/>
             </a:pPr>
             <a:r>
@@ -6240,11 +6240,6 @@
               <a:spcAft>
                 <a:spcPts val="0"/>
               </a:spcAft>
-              <a:buClr>
-                <a:schemeClr val="dk1"/>
-              </a:buClr>
-              <a:buSzPts val="1100"/>
-              <a:buFont typeface="Arial"/>
               <a:buNone/>
             </a:pPr>
             <a:r>
@@ -6260,11 +6255,6 @@
               <a:spcAft>
                 <a:spcPts val="0"/>
               </a:spcAft>
-              <a:buClr>
-                <a:schemeClr val="dk1"/>
-              </a:buClr>
-              <a:buSzPts val="1100"/>
-              <a:buFont typeface="Arial"/>
               <a:buNone/>
             </a:pPr>
             <a:r>
@@ -6313,7 +6303,7 @@
   <p:cSld>
     <p:spTree>
       <p:nvGrpSpPr>
-        <p:cNvPr id="99" name="Shape 99"/>
+        <p:cNvPr id="100" name="Shape 100"/>
         <p:cNvGrpSpPr/>
         <p:nvPr/>
       </p:nvGrpSpPr>
@@ -6327,7 +6317,7 @@
       </p:grpSpPr>
       <p:sp>
         <p:nvSpPr>
-          <p:cNvPr id="100" name="Google Shape;100;p17"/>
+          <p:cNvPr id="101" name="Google Shape;101;p17"/>
           <p:cNvSpPr txBox="1"/>
           <p:nvPr>
             <p:ph type="title"/>
@@ -6367,7 +6357,7 @@
       </p:sp>
       <p:sp>
         <p:nvSpPr>
-          <p:cNvPr id="101" name="Google Shape;101;p17"/>
+          <p:cNvPr id="102" name="Google Shape;102;p17"/>
           <p:cNvSpPr txBox="1"/>
           <p:nvPr>
             <p:ph idx="1" type="body"/>
@@ -6555,7 +6545,7 @@
       </p:sp>
       <p:sp>
         <p:nvSpPr>
-          <p:cNvPr id="102" name="Google Shape;102;p17"/>
+          <p:cNvPr id="103" name="Google Shape;103;p17"/>
           <p:cNvSpPr txBox="1"/>
           <p:nvPr>
             <p:ph idx="12" type="sldNum"/>
@@ -6639,7 +6629,7 @@
   <p:cSld>
     <p:spTree>
       <p:nvGrpSpPr>
-        <p:cNvPr id="106" name="Shape 106"/>
+        <p:cNvPr id="107" name="Shape 107"/>
         <p:cNvGrpSpPr/>
         <p:nvPr/>
       </p:nvGrpSpPr>
@@ -6653,7 +6643,7 @@
       </p:grpSpPr>
       <p:sp>
         <p:nvSpPr>
-          <p:cNvPr id="107" name="Google Shape;107;p18"/>
+          <p:cNvPr id="108" name="Google Shape;108;p18"/>
           <p:cNvSpPr txBox="1"/>
           <p:nvPr>
             <p:ph type="title"/>
@@ -6693,7 +6683,7 @@
       </p:sp>
       <p:sp>
         <p:nvSpPr>
-          <p:cNvPr id="108" name="Google Shape;108;p18"/>
+          <p:cNvPr id="109" name="Google Shape;109;p18"/>
           <p:cNvSpPr txBox="1"/>
           <p:nvPr>
             <p:ph idx="12" type="sldNum"/>
@@ -6766,7 +6756,7 @@
       </p:sp>
       <p:graphicFrame>
         <p:nvGraphicFramePr>
-          <p:cNvPr id="109" name="Google Shape;109;p18"/>
+          <p:cNvPr id="110" name="Google Shape;110;p18"/>
           <p:cNvGraphicFramePr/>
           <p:nvPr/>
         </p:nvGraphicFramePr>
@@ -6779,7 +6769,7 @@
             <a:tbl>
               <a:tblPr>
                 <a:noFill/>
-                <a:tableStyleId>{067A0ED2-2E35-4495-812A-DB64C3BFA2AA}</a:tableStyleId>
+                <a:tableStyleId>{DDE2DAFE-37E4-4289-9B02-062B57317037}</a:tableStyleId>
               </a:tblPr>
               <a:tblGrid>
                 <a:gridCol w="1227850"/>
@@ -8354,7 +8344,7 @@
   <p:cSld>
     <p:spTree>
       <p:nvGrpSpPr>
-        <p:cNvPr id="113" name="Shape 113"/>
+        <p:cNvPr id="114" name="Shape 114"/>
         <p:cNvGrpSpPr/>
         <p:nvPr/>
       </p:nvGrpSpPr>
@@ -8368,7 +8358,7 @@
       </p:grpSpPr>
       <p:sp>
         <p:nvSpPr>
-          <p:cNvPr id="114" name="Google Shape;114;p19"/>
+          <p:cNvPr id="115" name="Google Shape;115;p19"/>
           <p:cNvSpPr txBox="1"/>
           <p:nvPr>
             <p:ph type="title"/>
@@ -8408,7 +8398,7 @@
       </p:sp>
       <p:sp>
         <p:nvSpPr>
-          <p:cNvPr id="115" name="Google Shape;115;p19"/>
+          <p:cNvPr id="116" name="Google Shape;116;p19"/>
           <p:cNvSpPr txBox="1"/>
           <p:nvPr>
             <p:ph idx="1" type="body"/>
@@ -8582,7 +8572,7 @@
       </p:sp>
       <p:sp>
         <p:nvSpPr>
-          <p:cNvPr id="116" name="Google Shape;116;p19"/>
+          <p:cNvPr id="117" name="Google Shape;117;p19"/>
           <p:cNvSpPr txBox="1"/>
           <p:nvPr>
             <p:ph idx="12" type="sldNum"/>
@@ -8666,7 +8656,7 @@
   <p:cSld>
     <p:spTree>
       <p:nvGrpSpPr>
-        <p:cNvPr id="120" name="Shape 120"/>
+        <p:cNvPr id="121" name="Shape 121"/>
         <p:cNvGrpSpPr/>
         <p:nvPr/>
       </p:nvGrpSpPr>
@@ -8680,7 +8670,7 @@
       </p:grpSpPr>
       <p:sp>
         <p:nvSpPr>
-          <p:cNvPr id="121" name="Google Shape;121;p20"/>
+          <p:cNvPr id="122" name="Google Shape;122;p20"/>
           <p:cNvSpPr txBox="1"/>
           <p:nvPr>
             <p:ph type="title"/>
@@ -8720,7 +8710,7 @@
       </p:sp>
       <p:sp>
         <p:nvSpPr>
-          <p:cNvPr id="122" name="Google Shape;122;p20"/>
+          <p:cNvPr id="123" name="Google Shape;123;p20"/>
           <p:cNvSpPr txBox="1"/>
           <p:nvPr>
             <p:ph idx="1" type="body"/>
@@ -8752,7 +8742,20 @@
             </a:pPr>
             <a:r>
               <a:rPr lang="en"/>
-              <a:t>Let’s see…</a:t>
+              <a:t>Let’s see… </a:t>
+            </a:r>
+            <a:r>
+              <a:rPr lang="en" u="sng">
+                <a:solidFill>
+                  <a:schemeClr val="hlink"/>
+                </a:solidFill>
+                <a:hlinkClick r:id="rId3"/>
+              </a:rPr>
+              <a:t>https://nyt.uni1.de</a:t>
+            </a:r>
+            <a:r>
+              <a:rPr lang="en"/>
+              <a:t> </a:t>
             </a:r>
             <a:endParaRPr/>
           </a:p>
@@ -8760,7 +8763,7 @@
       </p:sp>
       <p:sp>
         <p:nvSpPr>
-          <p:cNvPr id="123" name="Google Shape;123;p20"/>
+          <p:cNvPr id="124" name="Google Shape;124;p20"/>
           <p:cNvSpPr txBox="1"/>
           <p:nvPr>
             <p:ph idx="12" type="sldNum"/>
@@ -8811,7 +8814,7 @@
                 <a:solidFill>
                   <a:schemeClr val="hlink"/>
                 </a:solidFill>
-                <a:hlinkClick r:id="rId3"/>
+                <a:hlinkClick r:id="rId4"/>
               </a:rPr>
               <a:t>https://profriehle.com</a:t>
             </a:r>
@@ -8844,7 +8847,7 @@
   <p:cSld>
     <p:spTree>
       <p:nvGrpSpPr>
-        <p:cNvPr id="127" name="Shape 127"/>
+        <p:cNvPr id="128" name="Shape 128"/>
         <p:cNvGrpSpPr/>
         <p:nvPr/>
       </p:nvGrpSpPr>
@@ -8858,7 +8861,7 @@
       </p:grpSpPr>
       <p:sp>
         <p:nvSpPr>
-          <p:cNvPr id="128" name="Google Shape;128;p21"/>
+          <p:cNvPr id="129" name="Google Shape;129;p21"/>
           <p:cNvSpPr txBox="1"/>
           <p:nvPr>
             <p:ph type="title"/>
@@ -8898,7 +8901,7 @@
       </p:sp>
       <p:sp>
         <p:nvSpPr>
-          <p:cNvPr id="129" name="Google Shape;129;p21"/>
+          <p:cNvPr id="130" name="Google Shape;130;p21"/>
           <p:cNvSpPr txBox="1"/>
           <p:nvPr>
             <p:ph idx="1" type="body"/>
@@ -9064,7 +9067,7 @@
       </p:sp>
       <p:sp>
         <p:nvSpPr>
-          <p:cNvPr id="130" name="Google Shape;130;p21"/>
+          <p:cNvPr id="131" name="Google Shape;131;p21"/>
           <p:cNvSpPr txBox="1"/>
           <p:nvPr>
             <p:ph idx="12" type="sldNum"/>
@@ -9148,7 +9151,7 @@
   <p:cSld>
     <p:spTree>
       <p:nvGrpSpPr>
-        <p:cNvPr id="134" name="Shape 134"/>
+        <p:cNvPr id="135" name="Shape 135"/>
         <p:cNvGrpSpPr/>
         <p:nvPr/>
       </p:nvGrpSpPr>
@@ -9162,7 +9165,7 @@
       </p:grpSpPr>
       <p:sp>
         <p:nvSpPr>
-          <p:cNvPr id="135" name="Google Shape;135;p22"/>
+          <p:cNvPr id="136" name="Google Shape;136;p22"/>
           <p:cNvSpPr txBox="1"/>
           <p:nvPr>
             <p:ph type="title"/>
@@ -9202,7 +9205,7 @@
       </p:sp>
       <p:sp>
         <p:nvSpPr>
-          <p:cNvPr id="136" name="Google Shape;136;p22"/>
+          <p:cNvPr id="137" name="Google Shape;137;p22"/>
           <p:cNvSpPr txBox="1"/>
           <p:nvPr>
             <p:ph idx="1" type="body"/>
@@ -9371,7 +9374,7 @@
       </p:sp>
       <p:sp>
         <p:nvSpPr>
-          <p:cNvPr id="137" name="Google Shape;137;p22"/>
+          <p:cNvPr id="138" name="Google Shape;138;p22"/>
           <p:cNvSpPr txBox="1"/>
           <p:nvPr>
             <p:ph idx="12" type="sldNum"/>
@@ -9455,7 +9458,7 @@
   <p:cSld>
     <p:spTree>
       <p:nvGrpSpPr>
-        <p:cNvPr id="141" name="Shape 141"/>
+        <p:cNvPr id="142" name="Shape 142"/>
         <p:cNvGrpSpPr/>
         <p:nvPr/>
       </p:nvGrpSpPr>
@@ -9469,7 +9472,7 @@
       </p:grpSpPr>
       <p:sp>
         <p:nvSpPr>
-          <p:cNvPr id="142" name="Google Shape;142;p23"/>
+          <p:cNvPr id="143" name="Google Shape;143;p23"/>
           <p:cNvSpPr txBox="1"/>
           <p:nvPr>
             <p:ph type="title"/>
@@ -9509,7 +9512,7 @@
       </p:sp>
       <p:pic>
         <p:nvPicPr>
-          <p:cNvPr id="143" name="Google Shape;143;p23"/>
+          <p:cNvPr id="144" name="Google Shape;144;p23"/>
           <p:cNvPicPr preferRelativeResize="0"/>
           <p:nvPr/>
         </p:nvPicPr>
@@ -9537,14 +9540,14 @@
       </p:pic>
       <p:sp>
         <p:nvSpPr>
-          <p:cNvPr id="144" name="Google Shape;144;p23"/>
+          <p:cNvPr id="145" name="Google Shape;145;p23"/>
           <p:cNvSpPr txBox="1"/>
           <p:nvPr/>
         </p:nvSpPr>
         <p:spPr>
           <a:xfrm>
-            <a:off x="0" y="4233672"/>
-            <a:ext cx="9144000" cy="914400"/>
+            <a:off x="0" y="4233675"/>
+            <a:ext cx="7315200" cy="914400"/>
           </a:xfrm>
           <a:prstGeom prst="rect">
             <a:avLst/>
@@ -9595,7 +9598,7 @@
       </p:sp>
       <p:sp>
         <p:nvSpPr>
-          <p:cNvPr id="145" name="Google Shape;145;p23"/>
+          <p:cNvPr id="146" name="Google Shape;146;p23"/>
           <p:cNvSpPr txBox="1"/>
           <p:nvPr>
             <p:ph idx="12" type="sldNum"/>
@@ -9679,7 +9682,7 @@
   <p:cSld>
     <p:spTree>
       <p:nvGrpSpPr>
-        <p:cNvPr id="149" name="Shape 149"/>
+        <p:cNvPr id="150" name="Shape 150"/>
         <p:cNvGrpSpPr/>
         <p:nvPr/>
       </p:nvGrpSpPr>
@@ -9693,7 +9696,7 @@
       </p:grpSpPr>
       <p:sp>
         <p:nvSpPr>
-          <p:cNvPr id="150" name="Google Shape;150;p24"/>
+          <p:cNvPr id="151" name="Google Shape;151;p24"/>
           <p:cNvSpPr txBox="1"/>
           <p:nvPr>
             <p:ph type="title"/>
@@ -9733,7 +9736,7 @@
       </p:sp>
       <p:sp>
         <p:nvSpPr>
-          <p:cNvPr id="151" name="Google Shape;151;p24"/>
+          <p:cNvPr id="152" name="Google Shape;152;p24"/>
           <p:cNvSpPr txBox="1"/>
           <p:nvPr>
             <p:ph idx="12" type="sldNum"/>
@@ -9806,14 +9809,14 @@
       </p:sp>
       <p:sp>
         <p:nvSpPr>
-          <p:cNvPr id="152" name="Google Shape;152;p24"/>
+          <p:cNvPr id="153" name="Google Shape;153;p24"/>
           <p:cNvSpPr txBox="1"/>
           <p:nvPr/>
         </p:nvSpPr>
         <p:spPr>
           <a:xfrm>
             <a:off x="0" y="4229100"/>
-            <a:ext cx="9144000" cy="914400"/>
+            <a:ext cx="7315200" cy="914400"/>
           </a:xfrm>
           <a:prstGeom prst="rect">
             <a:avLst/>
@@ -9861,7 +9864,7 @@
       </p:sp>
       <p:sp>
         <p:nvSpPr>
-          <p:cNvPr id="153" name="Google Shape;153;p24"/>
+          <p:cNvPr id="154" name="Google Shape;154;p24"/>
           <p:cNvSpPr txBox="1"/>
           <p:nvPr>
             <p:ph idx="1" type="body"/>
@@ -10039,7 +10042,7 @@
   <p:cSld>
     <p:spTree>
       <p:nvGrpSpPr>
-        <p:cNvPr id="157" name="Shape 157"/>
+        <p:cNvPr id="158" name="Shape 158"/>
         <p:cNvGrpSpPr/>
         <p:nvPr/>
       </p:nvGrpSpPr>
@@ -10053,7 +10056,7 @@
       </p:grpSpPr>
       <p:sp>
         <p:nvSpPr>
-          <p:cNvPr id="158" name="Google Shape;158;p25"/>
+          <p:cNvPr id="159" name="Google Shape;159;p25"/>
           <p:cNvSpPr txBox="1"/>
           <p:nvPr>
             <p:ph type="title"/>
@@ -10093,7 +10096,7 @@
       </p:sp>
       <p:sp>
         <p:nvSpPr>
-          <p:cNvPr id="159" name="Google Shape;159;p25"/>
+          <p:cNvPr id="160" name="Google Shape;160;p25"/>
           <p:cNvSpPr txBox="1"/>
           <p:nvPr>
             <p:ph idx="1" type="body"/>
@@ -10260,7 +10263,7 @@
       </p:sp>
       <p:sp>
         <p:nvSpPr>
-          <p:cNvPr id="160" name="Google Shape;160;p25"/>
+          <p:cNvPr id="161" name="Google Shape;161;p25"/>
           <p:cNvSpPr txBox="1"/>
           <p:nvPr>
             <p:ph idx="12" type="sldNum"/>
@@ -10344,7 +10347,7 @@
   <p:cSld>
     <p:spTree>
       <p:nvGrpSpPr>
-        <p:cNvPr id="164" name="Shape 164"/>
+        <p:cNvPr id="165" name="Shape 165"/>
         <p:cNvGrpSpPr/>
         <p:nvPr/>
       </p:nvGrpSpPr>
@@ -10358,7 +10361,7 @@
       </p:grpSpPr>
       <p:sp>
         <p:nvSpPr>
-          <p:cNvPr id="165" name="Google Shape;165;p26"/>
+          <p:cNvPr id="166" name="Google Shape;166;p26"/>
           <p:cNvSpPr txBox="1"/>
           <p:nvPr>
             <p:ph type="title"/>
@@ -10398,7 +10401,7 @@
       </p:sp>
       <p:sp>
         <p:nvSpPr>
-          <p:cNvPr id="166" name="Google Shape;166;p26"/>
+          <p:cNvPr id="167" name="Google Shape;167;p26"/>
           <p:cNvSpPr txBox="1"/>
           <p:nvPr>
             <p:ph idx="12" type="sldNum"/>
@@ -10471,7 +10474,7 @@
       </p:sp>
       <p:sp>
         <p:nvSpPr>
-          <p:cNvPr id="167" name="Google Shape;167;p26"/>
+          <p:cNvPr id="168" name="Google Shape;168;p26"/>
           <p:cNvSpPr txBox="1"/>
           <p:nvPr>
             <p:ph idx="1" type="body"/>
@@ -10984,7 +10987,7 @@
   <p:cSld>
     <p:spTree>
       <p:nvGrpSpPr>
-        <p:cNvPr id="171" name="Shape 171"/>
+        <p:cNvPr id="172" name="Shape 172"/>
         <p:cNvGrpSpPr/>
         <p:nvPr/>
       </p:nvGrpSpPr>
@@ -10998,7 +11001,7 @@
       </p:grpSpPr>
       <p:sp>
         <p:nvSpPr>
-          <p:cNvPr id="172" name="Google Shape;172;p27"/>
+          <p:cNvPr id="173" name="Google Shape;173;p27"/>
           <p:cNvSpPr txBox="1"/>
           <p:nvPr>
             <p:ph type="title"/>
@@ -11038,7 +11041,7 @@
       </p:sp>
       <p:sp>
         <p:nvSpPr>
-          <p:cNvPr id="173" name="Google Shape;173;p27"/>
+          <p:cNvPr id="174" name="Google Shape;174;p27"/>
           <p:cNvSpPr txBox="1"/>
           <p:nvPr>
             <p:ph idx="1" type="body"/>
@@ -11166,7 +11169,7 @@
       </p:sp>
       <p:sp>
         <p:nvSpPr>
-          <p:cNvPr id="174" name="Google Shape;174;p27"/>
+          <p:cNvPr id="175" name="Google Shape;175;p27"/>
           <p:cNvSpPr txBox="1"/>
           <p:nvPr>
             <p:ph idx="12" type="sldNum"/>
@@ -11250,7 +11253,7 @@
   <p:cSld>
     <p:spTree>
       <p:nvGrpSpPr>
-        <p:cNvPr id="178" name="Shape 178"/>
+        <p:cNvPr id="179" name="Shape 179"/>
         <p:cNvGrpSpPr/>
         <p:nvPr/>
       </p:nvGrpSpPr>
@@ -11264,7 +11267,7 @@
       </p:grpSpPr>
       <p:sp>
         <p:nvSpPr>
-          <p:cNvPr id="179" name="Google Shape;179;p28"/>
+          <p:cNvPr id="180" name="Google Shape;180;p28"/>
           <p:cNvSpPr txBox="1"/>
           <p:nvPr>
             <p:ph type="ctrTitle"/>
@@ -11304,7 +11307,7 @@
       </p:sp>
       <p:sp>
         <p:nvSpPr>
-          <p:cNvPr id="180" name="Google Shape;180;p28"/>
+          <p:cNvPr id="181" name="Google Shape;181;p28"/>
           <p:cNvSpPr txBox="1"/>
           <p:nvPr>
             <p:ph idx="1" type="subTitle"/>
@@ -11434,7 +11437,7 @@
   <p:cSld>
     <p:spTree>
       <p:nvGrpSpPr>
-        <p:cNvPr id="184" name="Shape 184"/>
+        <p:cNvPr id="185" name="Shape 185"/>
         <p:cNvGrpSpPr/>
         <p:nvPr/>
       </p:nvGrpSpPr>
@@ -11448,7 +11451,7 @@
       </p:grpSpPr>
       <p:sp>
         <p:nvSpPr>
-          <p:cNvPr id="185" name="Google Shape;185;p29"/>
+          <p:cNvPr id="186" name="Google Shape;186;p29"/>
           <p:cNvSpPr txBox="1"/>
           <p:nvPr>
             <p:ph type="title"/>
@@ -11488,7 +11491,7 @@
       </p:sp>
       <p:sp>
         <p:nvSpPr>
-          <p:cNvPr id="186" name="Google Shape;186;p29"/>
+          <p:cNvPr id="187" name="Google Shape;187;p29"/>
           <p:cNvSpPr txBox="1"/>
           <p:nvPr>
             <p:ph idx="12" type="sldNum"/>
@@ -11561,7 +11564,7 @@
       </p:sp>
       <p:sp>
         <p:nvSpPr>
-          <p:cNvPr id="187" name="Google Shape;187;p29"/>
+          <p:cNvPr id="188" name="Google Shape;188;p29"/>
           <p:cNvSpPr txBox="1"/>
           <p:nvPr>
             <p:ph idx="1" type="body"/>
@@ -11656,7 +11659,7 @@
             </a:pPr>
             <a:r>
               <a:rPr lang="en"/>
-              <a:t>© 2012-2023 Dirk Riehle, some rights reserved</a:t>
+              <a:t>© 2012, 2023 Dirk Riehle, some rights reserved</a:t>
             </a:r>
             <a:endParaRPr/>
           </a:p>
@@ -12017,34 +12020,338 @@
           </a:p>
         </p:txBody>
       </p:sp>
-      <p:pic>
-        <p:nvPicPr>
+      <p:sp>
+        <p:nvSpPr>
           <p:cNvPr id="58" name="Google Shape;58;p11"/>
-          <p:cNvPicPr preferRelativeResize="0"/>
-          <p:nvPr/>
-        </p:nvPicPr>
-        <p:blipFill>
-          <a:blip r:embed="rId4">
-            <a:alphaModFix/>
-          </a:blip>
-          <a:stretch>
-            <a:fillRect/>
-          </a:stretch>
-        </p:blipFill>
+          <p:cNvSpPr txBox="1"/>
+          <p:nvPr>
+            <p:ph idx="1" type="body"/>
+          </p:nvPr>
+        </p:nvSpPr>
         <p:spPr>
           <a:xfrm>
             <a:off x="274320" y="914400"/>
-            <a:ext cx="8595360" cy="3502840"/>
+            <a:ext cx="4114800" cy="4114800"/>
           </a:xfrm>
           <a:prstGeom prst="rect">
             <a:avLst/>
           </a:prstGeom>
-          <a:noFill/>
-          <a:ln>
-            <a:noFill/>
-          </a:ln>
         </p:spPr>
-      </p:pic>
+        <p:txBody>
+          <a:bodyPr anchorCtr="0" anchor="t" bIns="91425" lIns="0" spcFirstLastPara="1" rIns="91425" wrap="square" tIns="0">
+            <a:noAutofit/>
+          </a:bodyPr>
+          <a:lstStyle/>
+          <a:p>
+            <a:pPr indent="0" lvl="0" marL="0" rtl="0" algn="l">
+              <a:spcBef>
+                <a:spcPts val="0"/>
+              </a:spcBef>
+              <a:spcAft>
+                <a:spcPts val="0"/>
+              </a:spcAft>
+              <a:buNone/>
+            </a:pPr>
+            <a:r>
+              <a:rPr b="1" lang="en"/>
+              <a:t>Overview</a:t>
+            </a:r>
+            <a:endParaRPr b="1"/>
+          </a:p>
+          <a:p>
+            <a:pPr indent="-342900" lvl="0" marL="457200" rtl="0" algn="l">
+              <a:spcBef>
+                <a:spcPts val="1200"/>
+              </a:spcBef>
+              <a:spcAft>
+                <a:spcPts val="0"/>
+              </a:spcAft>
+              <a:buSzPts val="1800"/>
+              <a:buAutoNum type="arabicPeriod"/>
+            </a:pPr>
+            <a:r>
+              <a:rPr lang="en"/>
+              <a:t>What is science?</a:t>
+            </a:r>
+            <a:endParaRPr/>
+          </a:p>
+          <a:p>
+            <a:pPr indent="-342900" lvl="0" marL="457200" rtl="0" algn="l">
+              <a:spcBef>
+                <a:spcPts val="0"/>
+              </a:spcBef>
+              <a:spcAft>
+                <a:spcPts val="0"/>
+              </a:spcAft>
+              <a:buSzPts val="1800"/>
+              <a:buAutoNum type="arabicPeriod"/>
+            </a:pPr>
+            <a:r>
+              <a:rPr lang="en"/>
+              <a:t>Scientific research</a:t>
+            </a:r>
+            <a:endParaRPr/>
+          </a:p>
+          <a:p>
+            <a:pPr indent="0" lvl="0" marL="0" rtl="0" algn="l">
+              <a:spcBef>
+                <a:spcPts val="1200"/>
+              </a:spcBef>
+              <a:spcAft>
+                <a:spcPts val="0"/>
+              </a:spcAft>
+              <a:buNone/>
+            </a:pPr>
+            <a:r>
+              <a:rPr b="1" lang="en"/>
+              <a:t>Theory building</a:t>
+            </a:r>
+            <a:endParaRPr b="1"/>
+          </a:p>
+          <a:p>
+            <a:pPr indent="-342900" lvl="0" marL="457200" rtl="0" algn="l">
+              <a:spcBef>
+                <a:spcPts val="1200"/>
+              </a:spcBef>
+              <a:spcAft>
+                <a:spcPts val="0"/>
+              </a:spcAft>
+              <a:buSzPts val="1800"/>
+              <a:buAutoNum type="arabicPeriod" startAt="3"/>
+            </a:pPr>
+            <a:r>
+              <a:rPr lang="en"/>
+              <a:t>Qualitative data analysis</a:t>
+            </a:r>
+            <a:endParaRPr/>
+          </a:p>
+          <a:p>
+            <a:pPr indent="-342900" lvl="0" marL="457200" rtl="0" algn="l">
+              <a:spcBef>
+                <a:spcPts val="0"/>
+              </a:spcBef>
+              <a:spcAft>
+                <a:spcPts val="0"/>
+              </a:spcAft>
+              <a:buSzPts val="1800"/>
+              <a:buAutoNum type="arabicPeriod" startAt="3"/>
+            </a:pPr>
+            <a:r>
+              <a:rPr lang="en"/>
+              <a:t>Systematic reviews</a:t>
+            </a:r>
+            <a:endParaRPr/>
+          </a:p>
+          <a:p>
+            <a:pPr indent="-342900" lvl="0" marL="457200" rtl="0" algn="l">
+              <a:spcBef>
+                <a:spcPts val="0"/>
+              </a:spcBef>
+              <a:spcAft>
+                <a:spcPts val="0"/>
+              </a:spcAft>
+              <a:buSzPts val="1800"/>
+              <a:buAutoNum type="arabicPeriod" startAt="3"/>
+            </a:pPr>
+            <a:r>
+              <a:rPr lang="en"/>
+              <a:t>Qualitative surveys</a:t>
+            </a:r>
+            <a:endParaRPr/>
+          </a:p>
+          <a:p>
+            <a:pPr indent="-342900" lvl="0" marL="457200" rtl="0" algn="l">
+              <a:spcBef>
+                <a:spcPts val="0"/>
+              </a:spcBef>
+              <a:spcAft>
+                <a:spcPts val="0"/>
+              </a:spcAft>
+              <a:buSzPts val="1800"/>
+              <a:buAutoNum type="arabicPeriod" startAt="3"/>
+            </a:pPr>
+            <a:r>
+              <a:rPr lang="en"/>
+              <a:t>Action research</a:t>
+            </a:r>
+            <a:endParaRPr/>
+          </a:p>
+          <a:p>
+            <a:pPr indent="-342900" lvl="0" marL="457200" rtl="0" algn="l">
+              <a:spcBef>
+                <a:spcPts val="0"/>
+              </a:spcBef>
+              <a:spcAft>
+                <a:spcPts val="0"/>
+              </a:spcAft>
+              <a:buSzPts val="1800"/>
+              <a:buAutoNum type="arabicPeriod" startAt="3"/>
+            </a:pPr>
+            <a:r>
+              <a:rPr lang="en"/>
+              <a:t>Case study research</a:t>
+            </a:r>
+            <a:endParaRPr/>
+          </a:p>
+        </p:txBody>
+      </p:sp>
+      <p:sp>
+        <p:nvSpPr>
+          <p:cNvPr id="59" name="Google Shape;59;p11"/>
+          <p:cNvSpPr txBox="1"/>
+          <p:nvPr>
+            <p:ph idx="2" type="body"/>
+          </p:nvPr>
+        </p:nvSpPr>
+        <p:spPr>
+          <a:xfrm>
+            <a:off x="4846320" y="914400"/>
+            <a:ext cx="4114800" cy="4114800"/>
+          </a:xfrm>
+          <a:prstGeom prst="rect">
+            <a:avLst/>
+          </a:prstGeom>
+        </p:spPr>
+        <p:txBody>
+          <a:bodyPr anchorCtr="0" anchor="t" bIns="0" lIns="0" spcFirstLastPara="1" rIns="0" wrap="square" tIns="0">
+            <a:noAutofit/>
+          </a:bodyPr>
+          <a:lstStyle/>
+          <a:p>
+            <a:pPr indent="0" lvl="0" marL="0" rtl="0" algn="l">
+              <a:spcBef>
+                <a:spcPts val="0"/>
+              </a:spcBef>
+              <a:spcAft>
+                <a:spcPts val="0"/>
+              </a:spcAft>
+              <a:buNone/>
+            </a:pPr>
+            <a:r>
+              <a:rPr b="1" lang="en"/>
+              <a:t>Theory validation</a:t>
+            </a:r>
+            <a:endParaRPr b="1"/>
+          </a:p>
+          <a:p>
+            <a:pPr indent="-342900" lvl="0" marL="457200" rtl="0" algn="l">
+              <a:spcBef>
+                <a:spcPts val="1200"/>
+              </a:spcBef>
+              <a:spcAft>
+                <a:spcPts val="0"/>
+              </a:spcAft>
+              <a:buSzPts val="1800"/>
+              <a:buAutoNum type="arabicPeriod" startAt="8"/>
+            </a:pPr>
+            <a:r>
+              <a:rPr lang="en"/>
+              <a:t>Survey research</a:t>
+            </a:r>
+            <a:endParaRPr/>
+          </a:p>
+          <a:p>
+            <a:pPr indent="-342900" lvl="0" marL="457200" rtl="0" algn="l">
+              <a:spcBef>
+                <a:spcPts val="0"/>
+              </a:spcBef>
+              <a:spcAft>
+                <a:spcPts val="0"/>
+              </a:spcAft>
+              <a:buSzPts val="1800"/>
+              <a:buAutoNum type="arabicPeriod" startAt="8"/>
+            </a:pPr>
+            <a:r>
+              <a:rPr lang="en"/>
+              <a:t>Controlled experiments</a:t>
+            </a:r>
+            <a:endParaRPr/>
+          </a:p>
+          <a:p>
+            <a:pPr indent="0" lvl="0" marL="0" rtl="0" algn="l">
+              <a:spcBef>
+                <a:spcPts val="1200"/>
+              </a:spcBef>
+              <a:spcAft>
+                <a:spcPts val="0"/>
+              </a:spcAft>
+              <a:buNone/>
+            </a:pPr>
+            <a:r>
+              <a:rPr b="1" lang="en"/>
+              <a:t>Comprehensive</a:t>
+            </a:r>
+            <a:endParaRPr b="1"/>
+          </a:p>
+          <a:p>
+            <a:pPr indent="-342900" lvl="0" marL="457200" rtl="0" algn="l">
+              <a:spcBef>
+                <a:spcPts val="1200"/>
+              </a:spcBef>
+              <a:spcAft>
+                <a:spcPts val="0"/>
+              </a:spcAft>
+              <a:buSzPts val="1800"/>
+              <a:buAutoNum type="arabicPeriod" startAt="10"/>
+            </a:pPr>
+            <a:r>
+              <a:rPr lang="en"/>
+              <a:t>Design science</a:t>
+            </a:r>
+            <a:endParaRPr/>
+          </a:p>
+          <a:p>
+            <a:pPr indent="0" lvl="0" marL="0" rtl="0" algn="l">
+              <a:spcBef>
+                <a:spcPts val="1200"/>
+              </a:spcBef>
+              <a:spcAft>
+                <a:spcPts val="0"/>
+              </a:spcAft>
+              <a:buNone/>
+            </a:pPr>
+            <a:r>
+              <a:rPr b="1" lang="en"/>
+              <a:t>Academia</a:t>
+            </a:r>
+            <a:endParaRPr b="1"/>
+          </a:p>
+          <a:p>
+            <a:pPr indent="-342900" lvl="0" marL="457200" rtl="0" algn="l">
+              <a:spcBef>
+                <a:spcPts val="1200"/>
+              </a:spcBef>
+              <a:spcAft>
+                <a:spcPts val="0"/>
+              </a:spcAft>
+              <a:buSzPts val="1800"/>
+              <a:buAutoNum type="arabicPeriod" startAt="11"/>
+            </a:pPr>
+            <a:r>
+              <a:rPr lang="en"/>
+              <a:t>Academic writing</a:t>
+            </a:r>
+            <a:endParaRPr/>
+          </a:p>
+          <a:p>
+            <a:pPr indent="-342900" lvl="0" marL="457200" rtl="0" algn="l">
+              <a:spcBef>
+                <a:spcPts val="0"/>
+              </a:spcBef>
+              <a:spcAft>
+                <a:spcPts val="0"/>
+              </a:spcAft>
+              <a:buSzPts val="1800"/>
+              <a:buAutoNum type="arabicPeriod" startAt="11"/>
+            </a:pPr>
+            <a:r>
+              <a:rPr lang="en"/>
+              <a:t>Academic publishing</a:t>
+            </a:r>
+            <a:endParaRPr/>
+          </a:p>
+        </p:txBody>
+      </p:sp>
     </p:spTree>
   </p:cSld>
   <p:clrMapOvr>
@@ -12058,7 +12365,7 @@
   <p:cSld>
     <p:spTree>
       <p:nvGrpSpPr>
-        <p:cNvPr id="62" name="Shape 62"/>
+        <p:cNvPr id="63" name="Shape 63"/>
         <p:cNvGrpSpPr/>
         <p:nvPr/>
       </p:nvGrpSpPr>
@@ -12072,7 +12379,7 @@
       </p:grpSpPr>
       <p:sp>
         <p:nvSpPr>
-          <p:cNvPr id="63" name="Google Shape;63;p12"/>
+          <p:cNvPr id="64" name="Google Shape;64;p12"/>
           <p:cNvSpPr txBox="1"/>
           <p:nvPr>
             <p:ph type="title"/>
@@ -12112,7 +12419,7 @@
       </p:sp>
       <p:sp>
         <p:nvSpPr>
-          <p:cNvPr id="64" name="Google Shape;64;p12"/>
+          <p:cNvPr id="65" name="Google Shape;65;p12"/>
           <p:cNvSpPr txBox="1"/>
           <p:nvPr>
             <p:ph idx="1" type="body"/>
@@ -12169,7 +12476,7 @@
       </p:sp>
       <p:sp>
         <p:nvSpPr>
-          <p:cNvPr id="65" name="Google Shape;65;p12"/>
+          <p:cNvPr id="66" name="Google Shape;66;p12"/>
           <p:cNvSpPr txBox="1"/>
           <p:nvPr>
             <p:ph idx="12" type="sldNum"/>
@@ -12253,7 +12560,7 @@
   <p:cSld>
     <p:spTree>
       <p:nvGrpSpPr>
-        <p:cNvPr id="69" name="Shape 69"/>
+        <p:cNvPr id="70" name="Shape 70"/>
         <p:cNvGrpSpPr/>
         <p:nvPr/>
       </p:nvGrpSpPr>
@@ -12267,7 +12574,7 @@
       </p:grpSpPr>
       <p:sp>
         <p:nvSpPr>
-          <p:cNvPr id="70" name="Google Shape;70;p13"/>
+          <p:cNvPr id="71" name="Google Shape;71;p13"/>
           <p:cNvSpPr txBox="1"/>
           <p:nvPr>
             <p:ph type="title"/>
@@ -12307,7 +12614,7 @@
       </p:sp>
       <p:sp>
         <p:nvSpPr>
-          <p:cNvPr id="71" name="Google Shape;71;p13"/>
+          <p:cNvPr id="72" name="Google Shape;72;p13"/>
           <p:cNvSpPr txBox="1"/>
           <p:nvPr>
             <p:ph idx="1" type="body"/>
@@ -12445,7 +12752,7 @@
       </p:sp>
       <p:sp>
         <p:nvSpPr>
-          <p:cNvPr id="72" name="Google Shape;72;p13"/>
+          <p:cNvPr id="73" name="Google Shape;73;p13"/>
           <p:cNvSpPr txBox="1"/>
           <p:nvPr>
             <p:ph idx="12" type="sldNum"/>
@@ -12529,7 +12836,7 @@
   <p:cSld>
     <p:spTree>
       <p:nvGrpSpPr>
-        <p:cNvPr id="76" name="Shape 76"/>
+        <p:cNvPr id="77" name="Shape 77"/>
         <p:cNvGrpSpPr/>
         <p:nvPr/>
       </p:nvGrpSpPr>
@@ -12543,7 +12850,7 @@
       </p:grpSpPr>
       <p:sp>
         <p:nvSpPr>
-          <p:cNvPr id="77" name="Google Shape;77;p14"/>
+          <p:cNvPr id="78" name="Google Shape;78;p14"/>
           <p:cNvSpPr txBox="1"/>
           <p:nvPr>
             <p:ph type="title"/>
@@ -12583,7 +12890,7 @@
       </p:sp>
       <p:sp>
         <p:nvSpPr>
-          <p:cNvPr id="78" name="Google Shape;78;p14"/>
+          <p:cNvPr id="79" name="Google Shape;79;p14"/>
           <p:cNvSpPr txBox="1"/>
           <p:nvPr>
             <p:ph idx="12" type="sldNum"/>
@@ -12656,7 +12963,7 @@
       </p:sp>
       <p:pic>
         <p:nvPicPr>
-          <p:cNvPr id="79" name="Google Shape;79;p14"/>
+          <p:cNvPr id="80" name="Google Shape;80;p14"/>
           <p:cNvPicPr preferRelativeResize="0"/>
           <p:nvPr/>
         </p:nvPicPr>
@@ -12671,7 +12978,7 @@
         <p:spPr>
           <a:xfrm>
             <a:off x="274320" y="914400"/>
-            <a:ext cx="8595359" cy="3629153"/>
+            <a:ext cx="8595358" cy="3613749"/>
           </a:xfrm>
           <a:prstGeom prst="rect">
             <a:avLst/>
@@ -12695,7 +13002,7 @@
   <p:cSld>
     <p:spTree>
       <p:nvGrpSpPr>
-        <p:cNvPr id="83" name="Shape 83"/>
+        <p:cNvPr id="84" name="Shape 84"/>
         <p:cNvGrpSpPr/>
         <p:nvPr/>
       </p:nvGrpSpPr>
@@ -12709,7 +13016,7 @@
       </p:grpSpPr>
       <p:sp>
         <p:nvSpPr>
-          <p:cNvPr id="84" name="Google Shape;84;p15"/>
+          <p:cNvPr id="85" name="Google Shape;85;p15"/>
           <p:cNvSpPr txBox="1"/>
           <p:nvPr>
             <p:ph type="title"/>
@@ -12753,7 +13060,7 @@
       </p:sp>
       <p:sp>
         <p:nvSpPr>
-          <p:cNvPr id="85" name="Google Shape;85;p15"/>
+          <p:cNvPr id="86" name="Google Shape;86;p15"/>
           <p:cNvSpPr txBox="1"/>
           <p:nvPr>
             <p:ph idx="12" type="sldNum"/>
@@ -12826,7 +13133,7 @@
       </p:sp>
       <p:graphicFrame>
         <p:nvGraphicFramePr>
-          <p:cNvPr id="86" name="Google Shape;86;p15"/>
+          <p:cNvPr id="87" name="Google Shape;87;p15"/>
           <p:cNvGraphicFramePr/>
           <p:nvPr/>
         </p:nvGraphicFramePr>
@@ -12839,7 +13146,7 @@
             <a:tbl>
               <a:tblPr>
                 <a:noFill/>
-                <a:tableStyleId>{067A0ED2-2E35-4495-812A-DB64C3BFA2AA}</a:tableStyleId>
+                <a:tableStyleId>{DDE2DAFE-37E4-4289-9B02-062B57317037}</a:tableStyleId>
               </a:tblPr>
               <a:tblGrid>
                 <a:gridCol w="1719075"/>
@@ -14075,14 +14382,14 @@
       </p:graphicFrame>
       <p:sp>
         <p:nvSpPr>
-          <p:cNvPr id="87" name="Google Shape;87;p15"/>
+          <p:cNvPr id="88" name="Google Shape;88;p15"/>
           <p:cNvSpPr txBox="1"/>
           <p:nvPr/>
         </p:nvSpPr>
         <p:spPr>
           <a:xfrm>
-            <a:off x="0" y="4503350"/>
-            <a:ext cx="9144000" cy="640200"/>
+            <a:off x="0" y="4233672"/>
+            <a:ext cx="7315200" cy="914400"/>
           </a:xfrm>
           <a:prstGeom prst="rect">
             <a:avLst/>
@@ -14144,7 +14451,7 @@
   <p:cSld>
     <p:spTree>
       <p:nvGrpSpPr>
-        <p:cNvPr id="91" name="Shape 91"/>
+        <p:cNvPr id="92" name="Shape 92"/>
         <p:cNvGrpSpPr/>
         <p:nvPr/>
       </p:nvGrpSpPr>
@@ -14158,7 +14465,7 @@
       </p:grpSpPr>
       <p:sp>
         <p:nvSpPr>
-          <p:cNvPr id="92" name="Google Shape;92;p16"/>
+          <p:cNvPr id="93" name="Google Shape;93;p16"/>
           <p:cNvSpPr txBox="1"/>
           <p:nvPr>
             <p:ph type="title"/>
@@ -14198,7 +14505,7 @@
       </p:sp>
       <p:sp>
         <p:nvSpPr>
-          <p:cNvPr id="93" name="Google Shape;93;p16"/>
+          <p:cNvPr id="94" name="Google Shape;94;p16"/>
           <p:cNvSpPr txBox="1"/>
           <p:nvPr>
             <p:ph idx="12" type="sldNum"/>
@@ -14271,7 +14578,7 @@
       </p:sp>
       <p:sp>
         <p:nvSpPr>
-          <p:cNvPr id="94" name="Google Shape;94;p16"/>
+          <p:cNvPr id="95" name="Google Shape;95;p16"/>
           <p:cNvSpPr txBox="1"/>
           <p:nvPr>
             <p:ph idx="1" type="body"/>
@@ -14454,14 +14761,14 @@
       </p:sp>
       <p:sp>
         <p:nvSpPr>
-          <p:cNvPr id="95" name="Google Shape;95;p16"/>
+          <p:cNvPr id="96" name="Google Shape;96;p16"/>
           <p:cNvSpPr txBox="1"/>
           <p:nvPr/>
         </p:nvSpPr>
         <p:spPr>
           <a:xfrm>
             <a:off x="0" y="4233672"/>
-            <a:ext cx="9144000" cy="914400"/>
+            <a:ext cx="7315200" cy="914400"/>
           </a:xfrm>
           <a:prstGeom prst="rect">
             <a:avLst/>
@@ -14516,6 +14823,285 @@
 </file>
 
 <file path=ppt/theme/theme1.xml><?xml version="1.0" encoding="utf-8"?>
+<a:theme xmlns:a="http://schemas.openxmlformats.org/drawingml/2006/main" xmlns:r="http://schemas.openxmlformats.org/officeDocument/2006/relationships" name="NYT Slides Template">
+  <a:themeElements>
+    <a:clrScheme name="Simple Light">
+      <a:dk1>
+        <a:srgbClr val="000000"/>
+      </a:dk1>
+      <a:lt1>
+        <a:srgbClr val="FFFFFF"/>
+      </a:lt1>
+      <a:dk2>
+        <a:srgbClr val="404040"/>
+      </a:dk2>
+      <a:lt2>
+        <a:srgbClr val="808080"/>
+      </a:lt2>
+      <a:accent1>
+        <a:srgbClr val="D0D0D0"/>
+      </a:accent1>
+      <a:accent2>
+        <a:srgbClr val="4169E1"/>
+      </a:accent2>
+      <a:accent3>
+        <a:srgbClr val="D50D01"/>
+      </a:accent3>
+      <a:accent4>
+        <a:srgbClr val="FEB612"/>
+      </a:accent4>
+      <a:accent5>
+        <a:srgbClr val="4CAF50"/>
+      </a:accent5>
+      <a:accent6>
+        <a:srgbClr val="8E44AD"/>
+      </a:accent6>
+      <a:hlink>
+        <a:srgbClr val="34A3C5"/>
+      </a:hlink>
+      <a:folHlink>
+        <a:srgbClr val="0097A7"/>
+      </a:folHlink>
+    </a:clrScheme>
+    <a:fontScheme name="Office">
+      <a:majorFont>
+        <a:latin typeface="Arial"/>
+        <a:ea typeface=""/>
+        <a:cs typeface=""/>
+        <a:font script="Jpan" typeface="ＭＳ Ｐゴシック"/>
+        <a:font script="Hang" typeface="맑은 고딕"/>
+        <a:font script="Hans" typeface="宋体"/>
+        <a:font script="Hant" typeface="新細明體"/>
+        <a:font script="Arab" typeface="Times New Roman"/>
+        <a:font script="Hebr" typeface="Times New Roman"/>
+        <a:font script="Thai" typeface="Angsana New"/>
+        <a:font script="Ethi" typeface="Nyala"/>
+        <a:font script="Beng" typeface="Vrinda"/>
+        <a:font script="Gujr" typeface="Shruti"/>
+        <a:font script="Khmr" typeface="MoolBoran"/>
+        <a:font script="Knda" typeface="Tunga"/>
+        <a:font script="Guru" typeface="Raavi"/>
+        <a:font script="Cans" typeface="Euphemia"/>
+        <a:font script="Cher" typeface="Plantagenet Cherokee"/>
+        <a:font script="Yiii" typeface="Microsoft Yi Baiti"/>
+        <a:font script="Tibt" typeface="Microsoft Himalaya"/>
+        <a:font script="Thaa" typeface="MV Boli"/>
+        <a:font script="Deva" typeface="Mangal"/>
+        <a:font script="Telu" typeface="Gautami"/>
+        <a:font script="Taml" typeface="Latha"/>
+        <a:font script="Syrc" typeface="Estrangelo Edessa"/>
+        <a:font script="Orya" typeface="Kalinga"/>
+        <a:font script="Mlym" typeface="Kartika"/>
+        <a:font script="Laoo" typeface="DokChampa"/>
+        <a:font script="Sinh" typeface="Iskoola Pota"/>
+        <a:font script="Mong" typeface="Mongolian Baiti"/>
+        <a:font script="Viet" typeface="Times New Roman"/>
+        <a:font script="Uigh" typeface="Microsoft Uighur"/>
+        <a:font script="Geor" typeface="Sylfaen"/>
+      </a:majorFont>
+      <a:minorFont>
+        <a:latin typeface="Arial"/>
+        <a:ea typeface=""/>
+        <a:cs typeface=""/>
+        <a:font script="Jpan" typeface="ＭＳ Ｐゴシック"/>
+        <a:font script="Hang" typeface="맑은 고딕"/>
+        <a:font script="Hans" typeface="宋体"/>
+        <a:font script="Hant" typeface="新細明體"/>
+        <a:font script="Arab" typeface="Arial"/>
+        <a:font script="Hebr" typeface="Arial"/>
+        <a:font script="Thai" typeface="Cordia New"/>
+        <a:font script="Ethi" typeface="Nyala"/>
+        <a:font script="Beng" typeface="Vrinda"/>
+        <a:font script="Gujr" typeface="Shruti"/>
+        <a:font script="Khmr" typeface="DaunPenh"/>
+        <a:font script="Knda" typeface="Tunga"/>
+        <a:font script="Guru" typeface="Raavi"/>
+        <a:font script="Cans" typeface="Euphemia"/>
+        <a:font script="Cher" typeface="Plantagenet Cherokee"/>
+        <a:font script="Yiii" typeface="Microsoft Yi Baiti"/>
+        <a:font script="Tibt" typeface="Microsoft Himalaya"/>
+        <a:font script="Thaa" typeface="MV Boli"/>
+        <a:font script="Deva" typeface="Mangal"/>
+        <a:font script="Telu" typeface="Gautami"/>
+        <a:font script="Taml" typeface="Latha"/>
+        <a:font script="Syrc" typeface="Estrangelo Edessa"/>
+        <a:font script="Orya" typeface="Kalinga"/>
+        <a:font script="Mlym" typeface="Kartika"/>
+        <a:font script="Laoo" typeface="DokChampa"/>
+        <a:font script="Sinh" typeface="Iskoola Pota"/>
+        <a:font script="Mong" typeface="Mongolian Baiti"/>
+        <a:font script="Viet" typeface="Arial"/>
+        <a:font script="Uigh" typeface="Microsoft Uighur"/>
+        <a:font script="Geor" typeface="Sylfaen"/>
+      </a:minorFont>
+    </a:fontScheme>
+    <a:fmtScheme name="Office">
+      <a:fillStyleLst>
+        <a:solidFill>
+          <a:schemeClr val="phClr"/>
+        </a:solidFill>
+        <a:gradFill rotWithShape="1">
+          <a:gsLst>
+            <a:gs pos="0">
+              <a:schemeClr val="phClr">
+                <a:tint val="50000"/>
+                <a:satMod val="300000"/>
+              </a:schemeClr>
+            </a:gs>
+            <a:gs pos="35000">
+              <a:schemeClr val="phClr">
+                <a:tint val="37000"/>
+                <a:satMod val="300000"/>
+              </a:schemeClr>
+            </a:gs>
+            <a:gs pos="100000">
+              <a:schemeClr val="phClr">
+                <a:tint val="15000"/>
+                <a:satMod val="350000"/>
+              </a:schemeClr>
+            </a:gs>
+          </a:gsLst>
+          <a:lin ang="16200000" scaled="1"/>
+        </a:gradFill>
+        <a:gradFill rotWithShape="1">
+          <a:gsLst>
+            <a:gs pos="0">
+              <a:schemeClr val="phClr">
+                <a:tint val="100000"/>
+                <a:shade val="100000"/>
+                <a:satMod val="130000"/>
+              </a:schemeClr>
+            </a:gs>
+            <a:gs pos="100000">
+              <a:schemeClr val="phClr">
+                <a:tint val="50000"/>
+                <a:shade val="100000"/>
+                <a:satMod val="350000"/>
+              </a:schemeClr>
+            </a:gs>
+          </a:gsLst>
+          <a:lin ang="16200000" scaled="0"/>
+        </a:gradFill>
+      </a:fillStyleLst>
+      <a:lnStyleLst>
+        <a:ln w="9525" cap="flat" cmpd="sng" algn="ctr">
+          <a:solidFill>
+            <a:schemeClr val="phClr">
+              <a:shade val="95000"/>
+              <a:satMod val="105000"/>
+            </a:schemeClr>
+          </a:solidFill>
+          <a:prstDash val="solid"/>
+        </a:ln>
+        <a:ln w="25400" cap="flat" cmpd="sng" algn="ctr">
+          <a:solidFill>
+            <a:schemeClr val="phClr"/>
+          </a:solidFill>
+          <a:prstDash val="solid"/>
+        </a:ln>
+        <a:ln w="38100" cap="flat" cmpd="sng" algn="ctr">
+          <a:solidFill>
+            <a:schemeClr val="phClr"/>
+          </a:solidFill>
+          <a:prstDash val="solid"/>
+        </a:ln>
+      </a:lnStyleLst>
+      <a:effectStyleLst>
+        <a:effectStyle>
+          <a:effectLst>
+            <a:outerShdw blurRad="40000" dist="20000" dir="5400000" rotWithShape="0">
+              <a:srgbClr val="000000">
+                <a:alpha val="38000"/>
+              </a:srgbClr>
+            </a:outerShdw>
+          </a:effectLst>
+        </a:effectStyle>
+        <a:effectStyle>
+          <a:effectLst>
+            <a:outerShdw blurRad="40000" dist="23000" dir="5400000" rotWithShape="0">
+              <a:srgbClr val="000000">
+                <a:alpha val="35000"/>
+              </a:srgbClr>
+            </a:outerShdw>
+          </a:effectLst>
+        </a:effectStyle>
+        <a:effectStyle>
+          <a:effectLst>
+            <a:outerShdw blurRad="40000" dist="23000" dir="5400000" rotWithShape="0">
+              <a:srgbClr val="000000">
+                <a:alpha val="35000"/>
+              </a:srgbClr>
+            </a:outerShdw>
+          </a:effectLst>
+          <a:scene3d>
+            <a:camera prst="orthographicFront">
+              <a:rot lat="0" lon="0" rev="0"/>
+            </a:camera>
+            <a:lightRig rig="threePt" dir="t">
+              <a:rot lat="0" lon="0" rev="1200000"/>
+            </a:lightRig>
+          </a:scene3d>
+          <a:sp3d>
+            <a:bevelT w="63500" h="25400"/>
+          </a:sp3d>
+        </a:effectStyle>
+      </a:effectStyleLst>
+      <a:bgFillStyleLst>
+        <a:solidFill>
+          <a:schemeClr val="phClr"/>
+        </a:solidFill>
+        <a:gradFill rotWithShape="1">
+          <a:gsLst>
+            <a:gs pos="0">
+              <a:schemeClr val="phClr">
+                <a:tint val="40000"/>
+                <a:satMod val="350000"/>
+              </a:schemeClr>
+            </a:gs>
+            <a:gs pos="40000">
+              <a:schemeClr val="phClr">
+                <a:tint val="45000"/>
+                <a:shade val="99000"/>
+                <a:satMod val="350000"/>
+              </a:schemeClr>
+            </a:gs>
+            <a:gs pos="100000">
+              <a:schemeClr val="phClr">
+                <a:shade val="20000"/>
+                <a:satMod val="255000"/>
+              </a:schemeClr>
+            </a:gs>
+          </a:gsLst>
+          <a:path path="circle">
+            <a:fillToRect l="50000" t="-80000" r="50000" b="180000"/>
+          </a:path>
+        </a:gradFill>
+        <a:gradFill rotWithShape="1">
+          <a:gsLst>
+            <a:gs pos="0">
+              <a:schemeClr val="phClr">
+                <a:tint val="80000"/>
+                <a:satMod val="300000"/>
+              </a:schemeClr>
+            </a:gs>
+            <a:gs pos="100000">
+              <a:schemeClr val="phClr">
+                <a:shade val="30000"/>
+                <a:satMod val="200000"/>
+              </a:schemeClr>
+            </a:gs>
+          </a:gsLst>
+          <a:path path="circle">
+            <a:fillToRect l="50000" t="50000" r="50000" b="50000"/>
+          </a:path>
+        </a:gradFill>
+      </a:bgFillStyleLst>
+    </a:fmtScheme>
+  </a:themeElements>
+</a:theme>
+</file>
+
+<file path=ppt/theme/theme2.xml><?xml version="1.0" encoding="utf-8"?>
 <a:theme xmlns:a="http://schemas.openxmlformats.org/drawingml/2006/main" xmlns:r="http://schemas.openxmlformats.org/officeDocument/2006/relationships">
   <a:themeElements>
     <a:clrScheme name="Default">
@@ -14792,283 +15378,4 @@
     </a:fmtScheme>
   </a:themeElements>
 </a:theme>
-</file>
-
-<file path=ppt/theme/theme2.xml><?xml version="1.0" encoding="utf-8"?>
-<a:theme xmlns:a="http://schemas.openxmlformats.org/drawingml/2006/main" xmlns:r="http://schemas.openxmlformats.org/officeDocument/2006/relationships" name="NYT Slides Template">
-  <a:themeElements>
-    <a:clrScheme name="Simple Light">
-      <a:dk1>
-        <a:srgbClr val="000000"/>
-      </a:dk1>
-      <a:lt1>
-        <a:srgbClr val="FFFFFF"/>
-      </a:lt1>
-      <a:dk2>
-        <a:srgbClr val="404040"/>
-      </a:dk2>
-      <a:lt2>
-        <a:srgbClr val="808080"/>
-      </a:lt2>
-      <a:accent1>
-        <a:srgbClr val="D0D0D0"/>
-      </a:accent1>
-      <a:accent2>
-        <a:srgbClr val="4169E1"/>
-      </a:accent2>
-      <a:accent3>
-        <a:srgbClr val="D50D01"/>
-      </a:accent3>
-      <a:accent4>
-        <a:srgbClr val="FEB612"/>
-      </a:accent4>
-      <a:accent5>
-        <a:srgbClr val="4CAF50"/>
-      </a:accent5>
-      <a:accent6>
-        <a:srgbClr val="8E44AD"/>
-      </a:accent6>
-      <a:hlink>
-        <a:srgbClr val="34A3C5"/>
-      </a:hlink>
-      <a:folHlink>
-        <a:srgbClr val="0097A7"/>
-      </a:folHlink>
-    </a:clrScheme>
-    <a:fontScheme name="Office">
-      <a:majorFont>
-        <a:latin typeface="Arial"/>
-        <a:ea typeface=""/>
-        <a:cs typeface=""/>
-        <a:font script="Jpan" typeface="ＭＳ Ｐゴシック"/>
-        <a:font script="Hang" typeface="맑은 고딕"/>
-        <a:font script="Hans" typeface="宋体"/>
-        <a:font script="Hant" typeface="新細明體"/>
-        <a:font script="Arab" typeface="Times New Roman"/>
-        <a:font script="Hebr" typeface="Times New Roman"/>
-        <a:font script="Thai" typeface="Angsana New"/>
-        <a:font script="Ethi" typeface="Nyala"/>
-        <a:font script="Beng" typeface="Vrinda"/>
-        <a:font script="Gujr" typeface="Shruti"/>
-        <a:font script="Khmr" typeface="MoolBoran"/>
-        <a:font script="Knda" typeface="Tunga"/>
-        <a:font script="Guru" typeface="Raavi"/>
-        <a:font script="Cans" typeface="Euphemia"/>
-        <a:font script="Cher" typeface="Plantagenet Cherokee"/>
-        <a:font script="Yiii" typeface="Microsoft Yi Baiti"/>
-        <a:font script="Tibt" typeface="Microsoft Himalaya"/>
-        <a:font script="Thaa" typeface="MV Boli"/>
-        <a:font script="Deva" typeface="Mangal"/>
-        <a:font script="Telu" typeface="Gautami"/>
-        <a:font script="Taml" typeface="Latha"/>
-        <a:font script="Syrc" typeface="Estrangelo Edessa"/>
-        <a:font script="Orya" typeface="Kalinga"/>
-        <a:font script="Mlym" typeface="Kartika"/>
-        <a:font script="Laoo" typeface="DokChampa"/>
-        <a:font script="Sinh" typeface="Iskoola Pota"/>
-        <a:font script="Mong" typeface="Mongolian Baiti"/>
-        <a:font script="Viet" typeface="Times New Roman"/>
-        <a:font script="Uigh" typeface="Microsoft Uighur"/>
-        <a:font script="Geor" typeface="Sylfaen"/>
-      </a:majorFont>
-      <a:minorFont>
-        <a:latin typeface="Arial"/>
-        <a:ea typeface=""/>
-        <a:cs typeface=""/>
-        <a:font script="Jpan" typeface="ＭＳ Ｐゴシック"/>
-        <a:font script="Hang" typeface="맑은 고딕"/>
-        <a:font script="Hans" typeface="宋体"/>
-        <a:font script="Hant" typeface="新細明體"/>
-        <a:font script="Arab" typeface="Arial"/>
-        <a:font script="Hebr" typeface="Arial"/>
-        <a:font script="Thai" typeface="Cordia New"/>
-        <a:font script="Ethi" typeface="Nyala"/>
-        <a:font script="Beng" typeface="Vrinda"/>
-        <a:font script="Gujr" typeface="Shruti"/>
-        <a:font script="Khmr" typeface="DaunPenh"/>
-        <a:font script="Knda" typeface="Tunga"/>
-        <a:font script="Guru" typeface="Raavi"/>
-        <a:font script="Cans" typeface="Euphemia"/>
-        <a:font script="Cher" typeface="Plantagenet Cherokee"/>
-        <a:font script="Yiii" typeface="Microsoft Yi Baiti"/>
-        <a:font script="Tibt" typeface="Microsoft Himalaya"/>
-        <a:font script="Thaa" typeface="MV Boli"/>
-        <a:font script="Deva" typeface="Mangal"/>
-        <a:font script="Telu" typeface="Gautami"/>
-        <a:font script="Taml" typeface="Latha"/>
-        <a:font script="Syrc" typeface="Estrangelo Edessa"/>
-        <a:font script="Orya" typeface="Kalinga"/>
-        <a:font script="Mlym" typeface="Kartika"/>
-        <a:font script="Laoo" typeface="DokChampa"/>
-        <a:font script="Sinh" typeface="Iskoola Pota"/>
-        <a:font script="Mong" typeface="Mongolian Baiti"/>
-        <a:font script="Viet" typeface="Arial"/>
-        <a:font script="Uigh" typeface="Microsoft Uighur"/>
-        <a:font script="Geor" typeface="Sylfaen"/>
-      </a:minorFont>
-    </a:fontScheme>
-    <a:fmtScheme name="Office">
-      <a:fillStyleLst>
-        <a:solidFill>
-          <a:schemeClr val="phClr"/>
-        </a:solidFill>
-        <a:gradFill rotWithShape="1">
-          <a:gsLst>
-            <a:gs pos="0">
-              <a:schemeClr val="phClr">
-                <a:tint val="50000"/>
-                <a:satMod val="300000"/>
-              </a:schemeClr>
-            </a:gs>
-            <a:gs pos="35000">
-              <a:schemeClr val="phClr">
-                <a:tint val="37000"/>
-                <a:satMod val="300000"/>
-              </a:schemeClr>
-            </a:gs>
-            <a:gs pos="100000">
-              <a:schemeClr val="phClr">
-                <a:tint val="15000"/>
-                <a:satMod val="350000"/>
-              </a:schemeClr>
-            </a:gs>
-          </a:gsLst>
-          <a:lin ang="16200000" scaled="1"/>
-        </a:gradFill>
-        <a:gradFill rotWithShape="1">
-          <a:gsLst>
-            <a:gs pos="0">
-              <a:schemeClr val="phClr">
-                <a:tint val="100000"/>
-                <a:shade val="100000"/>
-                <a:satMod val="130000"/>
-              </a:schemeClr>
-            </a:gs>
-            <a:gs pos="100000">
-              <a:schemeClr val="phClr">
-                <a:tint val="50000"/>
-                <a:shade val="100000"/>
-                <a:satMod val="350000"/>
-              </a:schemeClr>
-            </a:gs>
-          </a:gsLst>
-          <a:lin ang="16200000" scaled="0"/>
-        </a:gradFill>
-      </a:fillStyleLst>
-      <a:lnStyleLst>
-        <a:ln w="9525" cap="flat" cmpd="sng" algn="ctr">
-          <a:solidFill>
-            <a:schemeClr val="phClr">
-              <a:shade val="95000"/>
-              <a:satMod val="105000"/>
-            </a:schemeClr>
-          </a:solidFill>
-          <a:prstDash val="solid"/>
-        </a:ln>
-        <a:ln w="25400" cap="flat" cmpd="sng" algn="ctr">
-          <a:solidFill>
-            <a:schemeClr val="phClr"/>
-          </a:solidFill>
-          <a:prstDash val="solid"/>
-        </a:ln>
-        <a:ln w="38100" cap="flat" cmpd="sng" algn="ctr">
-          <a:solidFill>
-            <a:schemeClr val="phClr"/>
-          </a:solidFill>
-          <a:prstDash val="solid"/>
-        </a:ln>
-      </a:lnStyleLst>
-      <a:effectStyleLst>
-        <a:effectStyle>
-          <a:effectLst>
-            <a:outerShdw blurRad="40000" dist="20000" dir="5400000" rotWithShape="0">
-              <a:srgbClr val="000000">
-                <a:alpha val="38000"/>
-              </a:srgbClr>
-            </a:outerShdw>
-          </a:effectLst>
-        </a:effectStyle>
-        <a:effectStyle>
-          <a:effectLst>
-            <a:outerShdw blurRad="40000" dist="23000" dir="5400000" rotWithShape="0">
-              <a:srgbClr val="000000">
-                <a:alpha val="35000"/>
-              </a:srgbClr>
-            </a:outerShdw>
-          </a:effectLst>
-        </a:effectStyle>
-        <a:effectStyle>
-          <a:effectLst>
-            <a:outerShdw blurRad="40000" dist="23000" dir="5400000" rotWithShape="0">
-              <a:srgbClr val="000000">
-                <a:alpha val="35000"/>
-              </a:srgbClr>
-            </a:outerShdw>
-          </a:effectLst>
-          <a:scene3d>
-            <a:camera prst="orthographicFront">
-              <a:rot lat="0" lon="0" rev="0"/>
-            </a:camera>
-            <a:lightRig rig="threePt" dir="t">
-              <a:rot lat="0" lon="0" rev="1200000"/>
-            </a:lightRig>
-          </a:scene3d>
-          <a:sp3d>
-            <a:bevelT w="63500" h="25400"/>
-          </a:sp3d>
-        </a:effectStyle>
-      </a:effectStyleLst>
-      <a:bgFillStyleLst>
-        <a:solidFill>
-          <a:schemeClr val="phClr"/>
-        </a:solidFill>
-        <a:gradFill rotWithShape="1">
-          <a:gsLst>
-            <a:gs pos="0">
-              <a:schemeClr val="phClr">
-                <a:tint val="40000"/>
-                <a:satMod val="350000"/>
-              </a:schemeClr>
-            </a:gs>
-            <a:gs pos="40000">
-              <a:schemeClr val="phClr">
-                <a:tint val="45000"/>
-                <a:shade val="99000"/>
-                <a:satMod val="350000"/>
-              </a:schemeClr>
-            </a:gs>
-            <a:gs pos="100000">
-              <a:schemeClr val="phClr">
-                <a:shade val="20000"/>
-                <a:satMod val="255000"/>
-              </a:schemeClr>
-            </a:gs>
-          </a:gsLst>
-          <a:path path="circle">
-            <a:fillToRect l="50000" t="-80000" r="50000" b="180000"/>
-          </a:path>
-        </a:gradFill>
-        <a:gradFill rotWithShape="1">
-          <a:gsLst>
-            <a:gs pos="0">
-              <a:schemeClr val="phClr">
-                <a:tint val="80000"/>
-                <a:satMod val="300000"/>
-              </a:schemeClr>
-            </a:gs>
-            <a:gs pos="100000">
-              <a:schemeClr val="phClr">
-                <a:shade val="30000"/>
-                <a:satMod val="200000"/>
-              </a:schemeClr>
-            </a:gs>
-          </a:gsLst>
-          <a:path path="circle">
-            <a:fillToRect l="50000" t="50000" r="50000" b="50000"/>
-          </a:path>
-        </a:gradFill>
-      </a:bgFillStyleLst>
-    </a:fmtScheme>
-  </a:themeElements>
-</a:theme>
 </file>
--- a/Lecture slides/NYT A01 - Introduction.pptx
+++ b/Lecture slides/NYT A01 - Introduction.pptx
@@ -6163,11 +6163,6 @@
               <a:spcAft>
                 <a:spcPts val="0"/>
               </a:spcAft>
-              <a:buClr>
-                <a:schemeClr val="dk1"/>
-              </a:buClr>
-              <a:buSzPts val="1100"/>
-              <a:buFont typeface="Arial"/>
               <a:buNone/>
             </a:pPr>
             <a:r>
@@ -6769,7 +6764,7 @@
             <a:tbl>
               <a:tblPr>
                 <a:noFill/>
-                <a:tableStyleId>{DDE2DAFE-37E4-4289-9B02-062B57317037}</a:tableStyleId>
+                <a:tableStyleId>{6B1FA369-C12C-4A12-AD73-FDA2D61BF893}</a:tableStyleId>
               </a:tblPr>
               <a:tblGrid>
                 <a:gridCol w="1227850"/>
@@ -9277,7 +9272,7 @@
           <a:p>
             <a:pPr indent="-317500" lvl="1" marL="914400" rtl="0" algn="l">
               <a:spcBef>
-                <a:spcPts val="1000"/>
+                <a:spcPts val="0"/>
               </a:spcBef>
               <a:spcAft>
                 <a:spcPts val="0"/>
@@ -13146,7 +13141,7 @@
             <a:tbl>
               <a:tblPr>
                 <a:noFill/>
-                <a:tableStyleId>{DDE2DAFE-37E4-4289-9B02-062B57317037}</a:tableStyleId>
+                <a:tableStyleId>{6B1FA369-C12C-4A12-AD73-FDA2D61BF893}</a:tableStyleId>
               </a:tblPr>
               <a:tblGrid>
                 <a:gridCol w="1719075"/>

--- a/Lecture slides/NYT A01 - Introduction.pptx
+++ b/Lecture slides/NYT A01 - Introduction.pptx
@@ -6764,7 +6764,7 @@
             <a:tbl>
               <a:tblPr>
                 <a:noFill/>
-                <a:tableStyleId>{6B1FA369-C12C-4A12-AD73-FDA2D61BF893}</a:tableStyleId>
+                <a:tableStyleId>{71A0B490-EB64-4E4A-B1CB-EED4A76580A7}</a:tableStyleId>
               </a:tblPr>
               <a:tblGrid>
                 <a:gridCol w="1227850"/>
@@ -13141,7 +13141,7 @@
             <a:tbl>
               <a:tblPr>
                 <a:noFill/>
-                <a:tableStyleId>{6B1FA369-C12C-4A12-AD73-FDA2D61BF893}</a:tableStyleId>
+                <a:tableStyleId>{71A0B490-EB64-4E4A-B1CB-EED4A76580A7}</a:tableStyleId>
               </a:tblPr>
               <a:tblGrid>
                 <a:gridCol w="1719075"/>
@@ -14818,6 +14818,285 @@
 </file>
 
 <file path=ppt/theme/theme1.xml><?xml version="1.0" encoding="utf-8"?>
+<a:theme xmlns:a="http://schemas.openxmlformats.org/drawingml/2006/main" xmlns:r="http://schemas.openxmlformats.org/officeDocument/2006/relationships">
+  <a:themeElements>
+    <a:clrScheme name="Default">
+      <a:dk1>
+        <a:srgbClr val="000000"/>
+      </a:dk1>
+      <a:lt1>
+        <a:srgbClr val="FFFFFF"/>
+      </a:lt1>
+      <a:dk2>
+        <a:srgbClr val="158158"/>
+      </a:dk2>
+      <a:lt2>
+        <a:srgbClr val="F3F3F3"/>
+      </a:lt2>
+      <a:accent1>
+        <a:srgbClr val="058DC7"/>
+      </a:accent1>
+      <a:accent2>
+        <a:srgbClr val="50B432"/>
+      </a:accent2>
+      <a:accent3>
+        <a:srgbClr val="ED561B"/>
+      </a:accent3>
+      <a:accent4>
+        <a:srgbClr val="EDEF00"/>
+      </a:accent4>
+      <a:accent5>
+        <a:srgbClr val="24CBE5"/>
+      </a:accent5>
+      <a:accent6>
+        <a:srgbClr val="64E572"/>
+      </a:accent6>
+      <a:hlink>
+        <a:srgbClr val="2200CC"/>
+      </a:hlink>
+      <a:folHlink>
+        <a:srgbClr val="551A8B"/>
+      </a:folHlink>
+    </a:clrScheme>
+    <a:fontScheme name="Office">
+      <a:majorFont>
+        <a:latin typeface="Arial"/>
+        <a:ea typeface=""/>
+        <a:cs typeface=""/>
+        <a:font script="Jpan" typeface="ＭＳ Ｐゴシック"/>
+        <a:font script="Hang" typeface="맑은 고딕"/>
+        <a:font script="Hans" typeface="宋体"/>
+        <a:font script="Hant" typeface="新細明體"/>
+        <a:font script="Arab" typeface="Times New Roman"/>
+        <a:font script="Hebr" typeface="Times New Roman"/>
+        <a:font script="Thai" typeface="Angsana New"/>
+        <a:font script="Ethi" typeface="Nyala"/>
+        <a:font script="Beng" typeface="Vrinda"/>
+        <a:font script="Gujr" typeface="Shruti"/>
+        <a:font script="Khmr" typeface="MoolBoran"/>
+        <a:font script="Knda" typeface="Tunga"/>
+        <a:font script="Guru" typeface="Raavi"/>
+        <a:font script="Cans" typeface="Euphemia"/>
+        <a:font script="Cher" typeface="Plantagenet Cherokee"/>
+        <a:font script="Yiii" typeface="Microsoft Yi Baiti"/>
+        <a:font script="Tibt" typeface="Microsoft Himalaya"/>
+        <a:font script="Thaa" typeface="MV Boli"/>
+        <a:font script="Deva" typeface="Mangal"/>
+        <a:font script="Telu" typeface="Gautami"/>
+        <a:font script="Taml" typeface="Latha"/>
+        <a:font script="Syrc" typeface="Estrangelo Edessa"/>
+        <a:font script="Orya" typeface="Kalinga"/>
+        <a:font script="Mlym" typeface="Kartika"/>
+        <a:font script="Laoo" typeface="DokChampa"/>
+        <a:font script="Sinh" typeface="Iskoola Pota"/>
+        <a:font script="Mong" typeface="Mongolian Baiti"/>
+        <a:font script="Viet" typeface="Times New Roman"/>
+        <a:font script="Uigh" typeface="Microsoft Uighur"/>
+        <a:font script="Geor" typeface="Sylfaen"/>
+      </a:majorFont>
+      <a:minorFont>
+        <a:latin typeface="Arial"/>
+        <a:ea typeface=""/>
+        <a:cs typeface=""/>
+        <a:font script="Jpan" typeface="ＭＳ Ｐゴシック"/>
+        <a:font script="Hang" typeface="맑은 고딕"/>
+        <a:font script="Hans" typeface="宋体"/>
+        <a:font script="Hant" typeface="新細明體"/>
+        <a:font script="Arab" typeface="Arial"/>
+        <a:font script="Hebr" typeface="Arial"/>
+        <a:font script="Thai" typeface="Cordia New"/>
+        <a:font script="Ethi" typeface="Nyala"/>
+        <a:font script="Beng" typeface="Vrinda"/>
+        <a:font script="Gujr" typeface="Shruti"/>
+        <a:font script="Khmr" typeface="DaunPenh"/>
+        <a:font script="Knda" typeface="Tunga"/>
+        <a:font script="Guru" typeface="Raavi"/>
+        <a:font script="Cans" typeface="Euphemia"/>
+        <a:font script="Cher" typeface="Plantagenet Cherokee"/>
+        <a:font script="Yiii" typeface="Microsoft Yi Baiti"/>
+        <a:font script="Tibt" typeface="Microsoft Himalaya"/>
+        <a:font script="Thaa" typeface="MV Boli"/>
+        <a:font script="Deva" typeface="Mangal"/>
+        <a:font script="Telu" typeface="Gautami"/>
+        <a:font script="Taml" typeface="Latha"/>
+        <a:font script="Syrc" typeface="Estrangelo Edessa"/>
+        <a:font script="Orya" typeface="Kalinga"/>
+        <a:font script="Mlym" typeface="Kartika"/>
+        <a:font script="Laoo" typeface="DokChampa"/>
+        <a:font script="Sinh" typeface="Iskoola Pota"/>
+        <a:font script="Mong" typeface="Mongolian Baiti"/>
+        <a:font script="Viet" typeface="Arial"/>
+        <a:font script="Uigh" typeface="Microsoft Uighur"/>
+        <a:font script="Geor" typeface="Sylfaen"/>
+      </a:minorFont>
+    </a:fontScheme>
+    <a:fmtScheme name="Office">
+      <a:fillStyleLst>
+        <a:solidFill>
+          <a:schemeClr val="phClr"/>
+        </a:solidFill>
+        <a:gradFill rotWithShape="1">
+          <a:gsLst>
+            <a:gs pos="0">
+              <a:schemeClr val="phClr">
+                <a:tint val="50000"/>
+                <a:satMod val="300000"/>
+              </a:schemeClr>
+            </a:gs>
+            <a:gs pos="35000">
+              <a:schemeClr val="phClr">
+                <a:tint val="37000"/>
+                <a:satMod val="300000"/>
+              </a:schemeClr>
+            </a:gs>
+            <a:gs pos="100000">
+              <a:schemeClr val="phClr">
+                <a:tint val="15000"/>
+                <a:satMod val="350000"/>
+              </a:schemeClr>
+            </a:gs>
+          </a:gsLst>
+          <a:lin ang="16200000" scaled="1"/>
+        </a:gradFill>
+        <a:gradFill rotWithShape="1">
+          <a:gsLst>
+            <a:gs pos="0">
+              <a:schemeClr val="phClr">
+                <a:tint val="100000"/>
+                <a:shade val="100000"/>
+                <a:satMod val="130000"/>
+              </a:schemeClr>
+            </a:gs>
+            <a:gs pos="100000">
+              <a:schemeClr val="phClr">
+                <a:tint val="50000"/>
+                <a:shade val="100000"/>
+                <a:satMod val="350000"/>
+              </a:schemeClr>
+            </a:gs>
+          </a:gsLst>
+          <a:lin ang="16200000" scaled="0"/>
+        </a:gradFill>
+      </a:fillStyleLst>
+      <a:lnStyleLst>
+        <a:ln w="9525" cap="flat" cmpd="sng" algn="ctr">
+          <a:solidFill>
+            <a:schemeClr val="phClr">
+              <a:shade val="95000"/>
+              <a:satMod val="105000"/>
+            </a:schemeClr>
+          </a:solidFill>
+          <a:prstDash val="solid"/>
+        </a:ln>
+        <a:ln w="25400" cap="flat" cmpd="sng" algn="ctr">
+          <a:solidFill>
+            <a:schemeClr val="phClr"/>
+          </a:solidFill>
+          <a:prstDash val="solid"/>
+        </a:ln>
+        <a:ln w="38100" cap="flat" cmpd="sng" algn="ctr">
+          <a:solidFill>
+            <a:schemeClr val="phClr"/>
+          </a:solidFill>
+          <a:prstDash val="solid"/>
+        </a:ln>
+      </a:lnStyleLst>
+      <a:effectStyleLst>
+        <a:effectStyle>
+          <a:effectLst>
+            <a:outerShdw blurRad="40000" dist="20000" dir="5400000" rotWithShape="0">
+              <a:srgbClr val="000000">
+                <a:alpha val="38000"/>
+              </a:srgbClr>
+            </a:outerShdw>
+          </a:effectLst>
+        </a:effectStyle>
+        <a:effectStyle>
+          <a:effectLst>
+            <a:outerShdw blurRad="40000" dist="23000" dir="5400000" rotWithShape="0">
+              <a:srgbClr val="000000">
+                <a:alpha val="35000"/>
+              </a:srgbClr>
+            </a:outerShdw>
+          </a:effectLst>
+        </a:effectStyle>
+        <a:effectStyle>
+          <a:effectLst>
+            <a:outerShdw blurRad="40000" dist="23000" dir="5400000" rotWithShape="0">
+              <a:srgbClr val="000000">
+                <a:alpha val="35000"/>
+              </a:srgbClr>
+            </a:outerShdw>
+          </a:effectLst>
+          <a:scene3d>
+            <a:camera prst="orthographicFront">
+              <a:rot lat="0" lon="0" rev="0"/>
+            </a:camera>
+            <a:lightRig rig="threePt" dir="t">
+              <a:rot lat="0" lon="0" rev="1200000"/>
+            </a:lightRig>
+          </a:scene3d>
+          <a:sp3d>
+            <a:bevelT w="63500" h="25400"/>
+          </a:sp3d>
+        </a:effectStyle>
+      </a:effectStyleLst>
+      <a:bgFillStyleLst>
+        <a:solidFill>
+          <a:schemeClr val="phClr"/>
+        </a:solidFill>
+        <a:gradFill rotWithShape="1">
+          <a:gsLst>
+            <a:gs pos="0">
+              <a:schemeClr val="phClr">
+                <a:tint val="40000"/>
+                <a:satMod val="350000"/>
+              </a:schemeClr>
+            </a:gs>
+            <a:gs pos="40000">
+              <a:schemeClr val="phClr">
+                <a:tint val="45000"/>
+                <a:shade val="99000"/>
+                <a:satMod val="350000"/>
+              </a:schemeClr>
+            </a:gs>
+            <a:gs pos="100000">
+              <a:schemeClr val="phClr">
+                <a:shade val="20000"/>
+                <a:satMod val="255000"/>
+              </a:schemeClr>
+            </a:gs>
+          </a:gsLst>
+          <a:path path="circle">
+            <a:fillToRect l="50000" t="-80000" r="50000" b="180000"/>
+          </a:path>
+        </a:gradFill>
+        <a:gradFill rotWithShape="1">
+          <a:gsLst>
+            <a:gs pos="0">
+              <a:schemeClr val="phClr">
+                <a:tint val="80000"/>
+                <a:satMod val="300000"/>
+              </a:schemeClr>
+            </a:gs>
+            <a:gs pos="100000">
+              <a:schemeClr val="phClr">
+                <a:shade val="30000"/>
+                <a:satMod val="200000"/>
+              </a:schemeClr>
+            </a:gs>
+          </a:gsLst>
+          <a:path path="circle">
+            <a:fillToRect l="50000" t="50000" r="50000" b="50000"/>
+          </a:path>
+        </a:gradFill>
+      </a:bgFillStyleLst>
+    </a:fmtScheme>
+  </a:themeElements>
+</a:theme>
+</file>
+
+<file path=ppt/theme/theme2.xml><?xml version="1.0" encoding="utf-8"?>
 <a:theme xmlns:a="http://schemas.openxmlformats.org/drawingml/2006/main" xmlns:r="http://schemas.openxmlformats.org/officeDocument/2006/relationships" name="NYT Slides Template">
   <a:themeElements>
     <a:clrScheme name="Simple Light">
@@ -15094,283 +15373,4 @@
     </a:fmtScheme>
   </a:themeElements>
 </a:theme>
-</file>
-
-<file path=ppt/theme/theme2.xml><?xml version="1.0" encoding="utf-8"?>
-<a:theme xmlns:a="http://schemas.openxmlformats.org/drawingml/2006/main" xmlns:r="http://schemas.openxmlformats.org/officeDocument/2006/relationships">
-  <a:themeElements>
-    <a:clrScheme name="Default">
-      <a:dk1>
-        <a:srgbClr val="000000"/>
-      </a:dk1>
-      <a:lt1>
-        <a:srgbClr val="FFFFFF"/>
-      </a:lt1>
-      <a:dk2>
-        <a:srgbClr val="158158"/>
-      </a:dk2>
-      <a:lt2>
-        <a:srgbClr val="F3F3F3"/>
-      </a:lt2>
-      <a:accent1>
-        <a:srgbClr val="058DC7"/>
-      </a:accent1>
-      <a:accent2>
-        <a:srgbClr val="50B432"/>
-      </a:accent2>
-      <a:accent3>
-        <a:srgbClr val="ED561B"/>
-      </a:accent3>
-      <a:accent4>
-        <a:srgbClr val="EDEF00"/>
-      </a:accent4>
-      <a:accent5>
-        <a:srgbClr val="24CBE5"/>
-      </a:accent5>
-      <a:accent6>
-        <a:srgbClr val="64E572"/>
-      </a:accent6>
-      <a:hlink>
-        <a:srgbClr val="2200CC"/>
-      </a:hlink>
-      <a:folHlink>
-        <a:srgbClr val="551A8B"/>
-      </a:folHlink>
-    </a:clrScheme>
-    <a:fontScheme name="Office">
-      <a:majorFont>
-        <a:latin typeface="Arial"/>
-        <a:ea typeface=""/>
-        <a:cs typeface=""/>
-        <a:font script="Jpan" typeface="ＭＳ Ｐゴシック"/>
-        <a:font script="Hang" typeface="맑은 고딕"/>
-        <a:font script="Hans" typeface="宋体"/>
-        <a:font script="Hant" typeface="新細明體"/>
-        <a:font script="Arab" typeface="Times New Roman"/>
-        <a:font script="Hebr" typeface="Times New Roman"/>
-        <a:font script="Thai" typeface="Angsana New"/>
-        <a:font script="Ethi" typeface="Nyala"/>
-        <a:font script="Beng" typeface="Vrinda"/>
-        <a:font script="Gujr" typeface="Shruti"/>
-        <a:font script="Khmr" typeface="MoolBoran"/>
-        <a:font script="Knda" typeface="Tunga"/>
-        <a:font script="Guru" typeface="Raavi"/>
-        <a:font script="Cans" typeface="Euphemia"/>
-        <a:font script="Cher" typeface="Plantagenet Cherokee"/>
-        <a:font script="Yiii" typeface="Microsoft Yi Baiti"/>
-        <a:font script="Tibt" typeface="Microsoft Himalaya"/>
-        <a:font script="Thaa" typeface="MV Boli"/>
-        <a:font script="Deva" typeface="Mangal"/>
-        <a:font script="Telu" typeface="Gautami"/>
-        <a:font script="Taml" typeface="Latha"/>
-        <a:font script="Syrc" typeface="Estrangelo Edessa"/>
-        <a:font script="Orya" typeface="Kalinga"/>
-        <a:font script="Mlym" typeface="Kartika"/>
-        <a:font script="Laoo" typeface="DokChampa"/>
-        <a:font script="Sinh" typeface="Iskoola Pota"/>
-        <a:font script="Mong" typeface="Mongolian Baiti"/>
-        <a:font script="Viet" typeface="Times New Roman"/>
-        <a:font script="Uigh" typeface="Microsoft Uighur"/>
-        <a:font script="Geor" typeface="Sylfaen"/>
-      </a:majorFont>
-      <a:minorFont>
-        <a:latin typeface="Arial"/>
-        <a:ea typeface=""/>
-        <a:cs typeface=""/>
-        <a:font script="Jpan" typeface="ＭＳ Ｐゴシック"/>
-        <a:font script="Hang" typeface="맑은 고딕"/>
-        <a:font script="Hans" typeface="宋体"/>
-        <a:font script="Hant" typeface="新細明體"/>
-        <a:font script="Arab" typeface="Arial"/>
-        <a:font script="Hebr" typeface="Arial"/>
-        <a:font script="Thai" typeface="Cordia New"/>
-        <a:font script="Ethi" typeface="Nyala"/>
-        <a:font script="Beng" typeface="Vrinda"/>
-        <a:font script="Gujr" typeface="Shruti"/>
-        <a:font script="Khmr" typeface="DaunPenh"/>
-        <a:font script="Knda" typeface="Tunga"/>
-        <a:font script="Guru" typeface="Raavi"/>
-        <a:font script="Cans" typeface="Euphemia"/>
-        <a:font script="Cher" typeface="Plantagenet Cherokee"/>
-        <a:font script="Yiii" typeface="Microsoft Yi Baiti"/>
-        <a:font script="Tibt" typeface="Microsoft Himalaya"/>
-        <a:font script="Thaa" typeface="MV Boli"/>
-        <a:font script="Deva" typeface="Mangal"/>
-        <a:font script="Telu" typeface="Gautami"/>
-        <a:font script="Taml" typeface="Latha"/>
-        <a:font script="Syrc" typeface="Estrangelo Edessa"/>
-        <a:font script="Orya" typeface="Kalinga"/>
-        <a:font script="Mlym" typeface="Kartika"/>
-        <a:font script="Laoo" typeface="DokChampa"/>
-        <a:font script="Sinh" typeface="Iskoola Pota"/>
-        <a:font script="Mong" typeface="Mongolian Baiti"/>
-        <a:font script="Viet" typeface="Arial"/>
-        <a:font script="Uigh" typeface="Microsoft Uighur"/>
-        <a:font script="Geor" typeface="Sylfaen"/>
-      </a:minorFont>
-    </a:fontScheme>
-    <a:fmtScheme name="Office">
-      <a:fillStyleLst>
-        <a:solidFill>
-          <a:schemeClr val="phClr"/>
-        </a:solidFill>
-        <a:gradFill rotWithShape="1">
-          <a:gsLst>
-            <a:gs pos="0">
-              <a:schemeClr val="phClr">
-                <a:tint val="50000"/>
-                <a:satMod val="300000"/>
-              </a:schemeClr>
-            </a:gs>
-            <a:gs pos="35000">
-              <a:schemeClr val="phClr">
-                <a:tint val="37000"/>
-                <a:satMod val="300000"/>
-              </a:schemeClr>
-            </a:gs>
-            <a:gs pos="100000">
-              <a:schemeClr val="phClr">
-                <a:tint val="15000"/>
-                <a:satMod val="350000"/>
-              </a:schemeClr>
-            </a:gs>
-          </a:gsLst>
-          <a:lin ang="16200000" scaled="1"/>
-        </a:gradFill>
-        <a:gradFill rotWithShape="1">
-          <a:gsLst>
-            <a:gs pos="0">
-              <a:schemeClr val="phClr">
-                <a:tint val="100000"/>
-                <a:shade val="100000"/>
-                <a:satMod val="130000"/>
-              </a:schemeClr>
-            </a:gs>
-            <a:gs pos="100000">
-              <a:schemeClr val="phClr">
-                <a:tint val="50000"/>
-                <a:shade val="100000"/>
-                <a:satMod val="350000"/>
-              </a:schemeClr>
-            </a:gs>
-          </a:gsLst>
-          <a:lin ang="16200000" scaled="0"/>
-        </a:gradFill>
-      </a:fillStyleLst>
-      <a:lnStyleLst>
-        <a:ln w="9525" cap="flat" cmpd="sng" algn="ctr">
-          <a:solidFill>
-            <a:schemeClr val="phClr">
-              <a:shade val="95000"/>
-              <a:satMod val="105000"/>
-            </a:schemeClr>
-          </a:solidFill>
-          <a:prstDash val="solid"/>
-        </a:ln>
-        <a:ln w="25400" cap="flat" cmpd="sng" algn="ctr">
-          <a:solidFill>
-            <a:schemeClr val="phClr"/>
-          </a:solidFill>
-          <a:prstDash val="solid"/>
-        </a:ln>
-        <a:ln w="38100" cap="flat" cmpd="sng" algn="ctr">
-          <a:solidFill>
-            <a:schemeClr val="phClr"/>
-          </a:solidFill>
-          <a:prstDash val="solid"/>
-        </a:ln>
-      </a:lnStyleLst>
-      <a:effectStyleLst>
-        <a:effectStyle>
-          <a:effectLst>
-            <a:outerShdw blurRad="40000" dist="20000" dir="5400000" rotWithShape="0">
-              <a:srgbClr val="000000">
-                <a:alpha val="38000"/>
-              </a:srgbClr>
-            </a:outerShdw>
-          </a:effectLst>
-        </a:effectStyle>
-        <a:effectStyle>
-          <a:effectLst>
-            <a:outerShdw blurRad="40000" dist="23000" dir="5400000" rotWithShape="0">
-              <a:srgbClr val="000000">
-                <a:alpha val="35000"/>
-              </a:srgbClr>
-            </a:outerShdw>
-          </a:effectLst>
-        </a:effectStyle>
-        <a:effectStyle>
-          <a:effectLst>
-            <a:outerShdw blurRad="40000" dist="23000" dir="5400000" rotWithShape="0">
-              <a:srgbClr val="000000">
-                <a:alpha val="35000"/>
-              </a:srgbClr>
-            </a:outerShdw>
-          </a:effectLst>
-          <a:scene3d>
-            <a:camera prst="orthographicFront">
-              <a:rot lat="0" lon="0" rev="0"/>
-            </a:camera>
-            <a:lightRig rig="threePt" dir="t">
-              <a:rot lat="0" lon="0" rev="1200000"/>
-            </a:lightRig>
-          </a:scene3d>
-          <a:sp3d>
-            <a:bevelT w="63500" h="25400"/>
-          </a:sp3d>
-        </a:effectStyle>
-      </a:effectStyleLst>
-      <a:bgFillStyleLst>
-        <a:solidFill>
-          <a:schemeClr val="phClr"/>
-        </a:solidFill>
-        <a:gradFill rotWithShape="1">
-          <a:gsLst>
-            <a:gs pos="0">
-              <a:schemeClr val="phClr">
-                <a:tint val="40000"/>
-                <a:satMod val="350000"/>
-              </a:schemeClr>
-            </a:gs>
-            <a:gs pos="40000">
-              <a:schemeClr val="phClr">
-                <a:tint val="45000"/>
-                <a:shade val="99000"/>
-                <a:satMod val="350000"/>
-              </a:schemeClr>
-            </a:gs>
-            <a:gs pos="100000">
-              <a:schemeClr val="phClr">
-                <a:shade val="20000"/>
-                <a:satMod val="255000"/>
-              </a:schemeClr>
-            </a:gs>
-          </a:gsLst>
-          <a:path path="circle">
-            <a:fillToRect l="50000" t="-80000" r="50000" b="180000"/>
-          </a:path>
-        </a:gradFill>
-        <a:gradFill rotWithShape="1">
-          <a:gsLst>
-            <a:gs pos="0">
-              <a:schemeClr val="phClr">
-                <a:tint val="80000"/>
-                <a:satMod val="300000"/>
-              </a:schemeClr>
-            </a:gs>
-            <a:gs pos="100000">
-              <a:schemeClr val="phClr">
-                <a:shade val="30000"/>
-                <a:satMod val="200000"/>
-              </a:schemeClr>
-            </a:gs>
-          </a:gsLst>
-          <a:path path="circle">
-            <a:fillToRect l="50000" t="50000" r="50000" b="50000"/>
-          </a:path>
-        </a:gradFill>
-      </a:bgFillStyleLst>
-    </a:fmtScheme>
-  </a:themeElements>
-</a:theme>
 </file>
--- a/Lecture slides/NYT A01 - Introduction.pptx
+++ b/Lecture slides/NYT A01 - Introduction.pptx
@@ -30,6 +30,9 @@
     <p:sldId id="275" r:id="rId25"/>
     <p:sldId id="276" r:id="rId26"/>
     <p:sldId id="277" r:id="rId27"/>
+    <p:sldId id="278" r:id="rId28"/>
+    <p:sldId id="279" r:id="rId29"/>
+    <p:sldId id="280" r:id="rId30"/>
   </p:sldIdLst>
   <p:sldSz cy="5143500" cx="9144000"/>
   <p:notesSz cx="6858000" cy="9144000"/>
@@ -795,7 +798,7 @@
   <p:cSld>
     <p:spTree>
       <p:nvGrpSpPr>
-        <p:cNvPr id="97" name="Shape 97"/>
+        <p:cNvPr id="96" name="Shape 96"/>
         <p:cNvGrpSpPr/>
         <p:nvPr/>
       </p:nvGrpSpPr>
@@ -809,7 +812,7 @@
       </p:grpSpPr>
       <p:sp>
         <p:nvSpPr>
-          <p:cNvPr id="98" name="Google Shape;98;g2395919313b_0_82:notes"/>
+          <p:cNvPr id="97" name="Google Shape;97;g108fe332759_2_24:notes"/>
           <p:cNvSpPr/>
           <p:nvPr>
             <p:ph idx="2" type="sldImg"/>
@@ -844,7 +847,7 @@
       </p:sp>
       <p:sp>
         <p:nvSpPr>
-          <p:cNvPr id="99" name="Google Shape;99;g2395919313b_0_82:notes"/>
+          <p:cNvPr id="98" name="Google Shape;98;g108fe332759_2_24:notes"/>
           <p:cNvSpPr txBox="1"/>
           <p:nvPr>
             <p:ph idx="1" type="body"/>
@@ -908,7 +911,7 @@
       </p:grpSpPr>
       <p:sp>
         <p:nvSpPr>
-          <p:cNvPr id="105" name="Google Shape;105;g108fe332759_2_149:notes"/>
+          <p:cNvPr id="105" name="Google Shape;105;g2395919313b_0_82:notes"/>
           <p:cNvSpPr/>
           <p:nvPr>
             <p:ph idx="2" type="sldImg"/>
@@ -943,7 +946,7 @@
       </p:sp>
       <p:sp>
         <p:nvSpPr>
-          <p:cNvPr id="106" name="Google Shape;106;g108fe332759_2_149:notes"/>
+          <p:cNvPr id="106" name="Google Shape;106;g2395919313b_0_82:notes"/>
           <p:cNvSpPr txBox="1"/>
           <p:nvPr>
             <p:ph idx="1" type="body"/>
@@ -1007,7 +1010,7 @@
       </p:grpSpPr>
       <p:sp>
         <p:nvSpPr>
-          <p:cNvPr id="112" name="Google Shape;112;g108fe332759_2_133:notes"/>
+          <p:cNvPr id="112" name="Google Shape;112;g2cc48c0d17f_0_0:notes"/>
           <p:cNvSpPr/>
           <p:nvPr>
             <p:ph idx="2" type="sldImg"/>
@@ -1042,7 +1045,7 @@
       </p:sp>
       <p:sp>
         <p:nvSpPr>
-          <p:cNvPr id="113" name="Google Shape;113;g108fe332759_2_133:notes"/>
+          <p:cNvPr id="113" name="Google Shape;113;g2cc48c0d17f_0_0:notes"/>
           <p:cNvSpPr txBox="1"/>
           <p:nvPr>
             <p:ph idx="1" type="body"/>
@@ -1106,7 +1109,7 @@
       </p:grpSpPr>
       <p:sp>
         <p:nvSpPr>
-          <p:cNvPr id="119" name="Google Shape;119;g108fe332759_2_55:notes"/>
+          <p:cNvPr id="119" name="Google Shape;119;g108fe332759_2_149:notes"/>
           <p:cNvSpPr/>
           <p:nvPr>
             <p:ph idx="2" type="sldImg"/>
@@ -1141,7 +1144,7 @@
       </p:sp>
       <p:sp>
         <p:nvSpPr>
-          <p:cNvPr id="120" name="Google Shape;120;g108fe332759_2_55:notes"/>
+          <p:cNvPr id="120" name="Google Shape;120;g108fe332759_2_149:notes"/>
           <p:cNvSpPr txBox="1"/>
           <p:nvPr>
             <p:ph idx="1" type="body"/>
@@ -1205,7 +1208,7 @@
       </p:grpSpPr>
       <p:sp>
         <p:nvSpPr>
-          <p:cNvPr id="126" name="Google Shape;126;g2395919313b_0_88:notes"/>
+          <p:cNvPr id="126" name="Google Shape;126;g108fe332759_2_133:notes"/>
           <p:cNvSpPr/>
           <p:nvPr>
             <p:ph idx="2" type="sldImg"/>
@@ -1240,7 +1243,7 @@
       </p:sp>
       <p:sp>
         <p:nvSpPr>
-          <p:cNvPr id="127" name="Google Shape;127;g2395919313b_0_88:notes"/>
+          <p:cNvPr id="127" name="Google Shape;127;g108fe332759_2_133:notes"/>
           <p:cNvSpPr txBox="1"/>
           <p:nvPr>
             <p:ph idx="1" type="body"/>
@@ -1304,7 +1307,7 @@
       </p:grpSpPr>
       <p:sp>
         <p:nvSpPr>
-          <p:cNvPr id="133" name="Google Shape;133;g2395919313b_0_94:notes"/>
+          <p:cNvPr id="133" name="Google Shape;133;g2395919313b_0_100:notes"/>
           <p:cNvSpPr/>
           <p:nvPr>
             <p:ph idx="2" type="sldImg"/>
@@ -1339,7 +1342,7 @@
       </p:sp>
       <p:sp>
         <p:nvSpPr>
-          <p:cNvPr id="134" name="Google Shape;134;g2395919313b_0_94:notes"/>
+          <p:cNvPr id="134" name="Google Shape;134;g2395919313b_0_100:notes"/>
           <p:cNvSpPr txBox="1"/>
           <p:nvPr>
             <p:ph idx="1" type="body"/>
@@ -1389,7 +1392,7 @@
   <p:cSld>
     <p:spTree>
       <p:nvGrpSpPr>
-        <p:cNvPr id="139" name="Shape 139"/>
+        <p:cNvPr id="140" name="Shape 140"/>
         <p:cNvGrpSpPr/>
         <p:nvPr/>
       </p:nvGrpSpPr>
@@ -1403,7 +1406,7 @@
       </p:grpSpPr>
       <p:sp>
         <p:nvSpPr>
-          <p:cNvPr id="140" name="Google Shape;140;g2395919313b_0_100:notes"/>
+          <p:cNvPr id="141" name="Google Shape;141;g108fe332759_2_43:notes"/>
           <p:cNvSpPr/>
           <p:nvPr>
             <p:ph idx="2" type="sldImg"/>
@@ -1438,7 +1441,7 @@
       </p:sp>
       <p:sp>
         <p:nvSpPr>
-          <p:cNvPr id="141" name="Google Shape;141;g2395919313b_0_100:notes"/>
+          <p:cNvPr id="142" name="Google Shape;142;g108fe332759_2_43:notes"/>
           <p:cNvSpPr txBox="1"/>
           <p:nvPr>
             <p:ph idx="1" type="body"/>
@@ -1488,7 +1491,7 @@
   <p:cSld>
     <p:spTree>
       <p:nvGrpSpPr>
-        <p:cNvPr id="147" name="Shape 147"/>
+        <p:cNvPr id="148" name="Shape 148"/>
         <p:cNvGrpSpPr/>
         <p:nvPr/>
       </p:nvGrpSpPr>
@@ -1502,7 +1505,7 @@
       </p:grpSpPr>
       <p:sp>
         <p:nvSpPr>
-          <p:cNvPr id="148" name="Google Shape;148;g108fe332759_2_43:notes"/>
+          <p:cNvPr id="149" name="Google Shape;149;g2cc48c0d17f_0_12:notes"/>
           <p:cNvSpPr/>
           <p:nvPr>
             <p:ph idx="2" type="sldImg"/>
@@ -1537,7 +1540,7 @@
       </p:sp>
       <p:sp>
         <p:nvSpPr>
-          <p:cNvPr id="149" name="Google Shape;149;g108fe332759_2_43:notes"/>
+          <p:cNvPr id="150" name="Google Shape;150;g2cc48c0d17f_0_12:notes"/>
           <p:cNvSpPr txBox="1"/>
           <p:nvPr>
             <p:ph idx="1" type="body"/>
@@ -1601,7 +1604,7 @@
       </p:grpSpPr>
       <p:sp>
         <p:nvSpPr>
-          <p:cNvPr id="156" name="Google Shape;156;g108fe332759_2_49:notes"/>
+          <p:cNvPr id="156" name="Google Shape;156;g2cc48c0d17f_0_6:notes"/>
           <p:cNvSpPr/>
           <p:nvPr>
             <p:ph idx="2" type="sldImg"/>
@@ -1636,7 +1639,7 @@
       </p:sp>
       <p:sp>
         <p:nvSpPr>
-          <p:cNvPr id="157" name="Google Shape;157;g108fe332759_2_49:notes"/>
+          <p:cNvPr id="157" name="Google Shape;157;g2cc48c0d17f_0_6:notes"/>
           <p:cNvSpPr txBox="1"/>
           <p:nvPr>
             <p:ph idx="1" type="body"/>
@@ -1700,7 +1703,7 @@
       </p:grpSpPr>
       <p:sp>
         <p:nvSpPr>
-          <p:cNvPr id="163" name="Google Shape;163;g108fe332759_2_61:notes"/>
+          <p:cNvPr id="163" name="Google Shape;163;g2395919313b_0_94:notes"/>
           <p:cNvSpPr/>
           <p:nvPr>
             <p:ph idx="2" type="sldImg"/>
@@ -1735,7 +1738,7 @@
       </p:sp>
       <p:sp>
         <p:nvSpPr>
-          <p:cNvPr id="164" name="Google Shape;164;g108fe332759_2_61:notes"/>
+          <p:cNvPr id="164" name="Google Shape;164;g2395919313b_0_94:notes"/>
           <p:cNvSpPr txBox="1"/>
           <p:nvPr>
             <p:ph idx="1" type="body"/>
@@ -1884,7 +1887,7 @@
   <p:cSld>
     <p:spTree>
       <p:nvGrpSpPr>
-        <p:cNvPr id="169" name="Shape 169"/>
+        <p:cNvPr id="170" name="Shape 170"/>
         <p:cNvGrpSpPr/>
         <p:nvPr/>
       </p:nvGrpSpPr>
@@ -1898,7 +1901,7 @@
       </p:grpSpPr>
       <p:sp>
         <p:nvSpPr>
-          <p:cNvPr id="170" name="Google Shape;170;g2395919313b_0_107:notes"/>
+          <p:cNvPr id="171" name="Google Shape;171;g108fe332759_2_49:notes"/>
           <p:cNvSpPr/>
           <p:nvPr>
             <p:ph idx="2" type="sldImg"/>
@@ -1933,7 +1936,7 @@
       </p:sp>
       <p:sp>
         <p:nvSpPr>
-          <p:cNvPr id="171" name="Google Shape;171;g2395919313b_0_107:notes"/>
+          <p:cNvPr id="172" name="Google Shape;172;g108fe332759_2_49:notes"/>
           <p:cNvSpPr txBox="1"/>
           <p:nvPr>
             <p:ph idx="1" type="body"/>
@@ -1983,7 +1986,7 @@
   <p:cSld>
     <p:spTree>
       <p:nvGrpSpPr>
-        <p:cNvPr id="176" name="Shape 176"/>
+        <p:cNvPr id="177" name="Shape 177"/>
         <p:cNvGrpSpPr/>
         <p:nvPr/>
       </p:nvGrpSpPr>
@@ -1997,7 +2000,7 @@
       </p:grpSpPr>
       <p:sp>
         <p:nvSpPr>
-          <p:cNvPr id="177" name="Google Shape;177;g2395919313b_0_38:notes"/>
+          <p:cNvPr id="178" name="Google Shape;178;g108fe332759_2_61:notes"/>
           <p:cNvSpPr/>
           <p:nvPr>
             <p:ph idx="2" type="sldImg"/>
@@ -2032,7 +2035,7 @@
       </p:sp>
       <p:sp>
         <p:nvSpPr>
-          <p:cNvPr id="178" name="Google Shape;178;g2395919313b_0_38:notes"/>
+          <p:cNvPr id="179" name="Google Shape;179;g108fe332759_2_61:notes"/>
           <p:cNvSpPr txBox="1"/>
           <p:nvPr>
             <p:ph idx="1" type="body"/>
@@ -2082,7 +2085,7 @@
   <p:cSld>
     <p:spTree>
       <p:nvGrpSpPr>
-        <p:cNvPr id="182" name="Shape 182"/>
+        <p:cNvPr id="184" name="Shape 184"/>
         <p:cNvGrpSpPr/>
         <p:nvPr/>
       </p:nvGrpSpPr>
@@ -2096,7 +2099,7 @@
       </p:grpSpPr>
       <p:sp>
         <p:nvSpPr>
-          <p:cNvPr id="183" name="Google Shape;183;g2395919313b_0_43:notes"/>
+          <p:cNvPr id="185" name="Google Shape;185;g2395919313b_0_107:notes"/>
           <p:cNvSpPr/>
           <p:nvPr>
             <p:ph idx="2" type="sldImg"/>
@@ -2131,7 +2134,7 @@
       </p:sp>
       <p:sp>
         <p:nvSpPr>
-          <p:cNvPr id="184" name="Google Shape;184;g2395919313b_0_43:notes"/>
+          <p:cNvPr id="186" name="Google Shape;186;g2395919313b_0_107:notes"/>
           <p:cNvSpPr txBox="1"/>
           <p:nvPr>
             <p:ph idx="1" type="body"/>
@@ -2176,12 +2179,12 @@
 </p:notes>
 </file>
 
-<file path=ppt/notesSlides/notesSlide3.xml><?xml version="1.0" encoding="utf-8"?>
+<file path=ppt/notesSlides/notesSlide23.xml><?xml version="1.0" encoding="utf-8"?>
 <p:notes xmlns:a="http://schemas.openxmlformats.org/drawingml/2006/main" xmlns:r="http://schemas.openxmlformats.org/officeDocument/2006/relationships" xmlns:mc="http://schemas.openxmlformats.org/markup-compatibility/2006" xmlns:mv="urn:schemas-microsoft-com:mac:vml" xmlns:p="http://schemas.openxmlformats.org/presentationml/2006/main" xmlns:c="http://schemas.openxmlformats.org/drawingml/2006/chart" xmlns:dgm="http://schemas.openxmlformats.org/drawingml/2006/diagram" xmlns:o="urn:schemas-microsoft-com:office:office" xmlns:v="urn:schemas-microsoft-com:vml" xmlns:pvml="urn:schemas-microsoft-com:office:powerpoint" xmlns:com="http://schemas.openxmlformats.org/drawingml/2006/compatibility" xmlns:p14="http://schemas.microsoft.com/office/powerpoint/2010/main" xmlns:p15="http://schemas.microsoft.com/office/powerpoint/2012/main" xmlns:ahyp="http://schemas.microsoft.com/office/drawing/2018/hyperlinkcolor" showMasterPhAnim="0" showMasterSp="0">
   <p:cSld>
     <p:spTree>
       <p:nvGrpSpPr>
-        <p:cNvPr id="45" name="Shape 45"/>
+        <p:cNvPr id="191" name="Shape 191"/>
         <p:cNvGrpSpPr/>
         <p:nvPr/>
       </p:nvGrpSpPr>
@@ -2195,7 +2198,7 @@
       </p:grpSpPr>
       <p:sp>
         <p:nvSpPr>
-          <p:cNvPr id="46" name="Google Shape;46;g108fe332759_2_119:notes"/>
+          <p:cNvPr id="192" name="Google Shape;192;g108fe332759_2_55:notes"/>
           <p:cNvSpPr/>
           <p:nvPr>
             <p:ph idx="2" type="sldImg"/>
@@ -2230,7 +2233,7 @@
       </p:sp>
       <p:sp>
         <p:nvSpPr>
-          <p:cNvPr id="47" name="Google Shape;47;g108fe332759_2_119:notes"/>
+          <p:cNvPr id="193" name="Google Shape;193;g108fe332759_2_55:notes"/>
           <p:cNvSpPr txBox="1"/>
           <p:nvPr>
             <p:ph idx="1" type="body"/>
@@ -2275,12 +2278,12 @@
 </p:notes>
 </file>
 
-<file path=ppt/notesSlides/notesSlide4.xml><?xml version="1.0" encoding="utf-8"?>
+<file path=ppt/notesSlides/notesSlide24.xml><?xml version="1.0" encoding="utf-8"?>
 <p:notes xmlns:a="http://schemas.openxmlformats.org/drawingml/2006/main" xmlns:r="http://schemas.openxmlformats.org/officeDocument/2006/relationships" xmlns:mc="http://schemas.openxmlformats.org/markup-compatibility/2006" xmlns:mv="urn:schemas-microsoft-com:mac:vml" xmlns:p="http://schemas.openxmlformats.org/presentationml/2006/main" xmlns:c="http://schemas.openxmlformats.org/drawingml/2006/chart" xmlns:dgm="http://schemas.openxmlformats.org/drawingml/2006/diagram" xmlns:o="urn:schemas-microsoft-com:office:office" xmlns:v="urn:schemas-microsoft-com:vml" xmlns:pvml="urn:schemas-microsoft-com:office:powerpoint" xmlns:com="http://schemas.openxmlformats.org/drawingml/2006/compatibility" xmlns:p14="http://schemas.microsoft.com/office/powerpoint/2010/main" xmlns:p15="http://schemas.microsoft.com/office/powerpoint/2012/main" xmlns:ahyp="http://schemas.microsoft.com/office/drawing/2018/hyperlinkcolor" showMasterPhAnim="0" showMasterSp="0">
   <p:cSld>
     <p:spTree>
       <p:nvGrpSpPr>
-        <p:cNvPr id="52" name="Shape 52"/>
+        <p:cNvPr id="198" name="Shape 198"/>
         <p:cNvGrpSpPr/>
         <p:nvPr/>
       </p:nvGrpSpPr>
@@ -2294,7 +2297,7 @@
       </p:grpSpPr>
       <p:sp>
         <p:nvSpPr>
-          <p:cNvPr id="53" name="Google Shape;53;g127c6657edc_0_12:notes"/>
+          <p:cNvPr id="199" name="Google Shape;199;g2395919313b_0_38:notes"/>
           <p:cNvSpPr/>
           <p:nvPr>
             <p:ph idx="2" type="sldImg"/>
@@ -2329,7 +2332,7 @@
       </p:sp>
       <p:sp>
         <p:nvSpPr>
-          <p:cNvPr id="54" name="Google Shape;54;g127c6657edc_0_12:notes"/>
+          <p:cNvPr id="200" name="Google Shape;200;g2395919313b_0_38:notes"/>
           <p:cNvSpPr txBox="1"/>
           <p:nvPr>
             <p:ph idx="1" type="body"/>
@@ -2374,12 +2377,12 @@
 </p:notes>
 </file>
 
-<file path=ppt/notesSlides/notesSlide5.xml><?xml version="1.0" encoding="utf-8"?>
+<file path=ppt/notesSlides/notesSlide25.xml><?xml version="1.0" encoding="utf-8"?>
 <p:notes xmlns:a="http://schemas.openxmlformats.org/drawingml/2006/main" xmlns:r="http://schemas.openxmlformats.org/officeDocument/2006/relationships" xmlns:mc="http://schemas.openxmlformats.org/markup-compatibility/2006" xmlns:mv="urn:schemas-microsoft-com:mac:vml" xmlns:p="http://schemas.openxmlformats.org/presentationml/2006/main" xmlns:c="http://schemas.openxmlformats.org/drawingml/2006/chart" xmlns:dgm="http://schemas.openxmlformats.org/drawingml/2006/diagram" xmlns:o="urn:schemas-microsoft-com:office:office" xmlns:v="urn:schemas-microsoft-com:vml" xmlns:pvml="urn:schemas-microsoft-com:office:powerpoint" xmlns:com="http://schemas.openxmlformats.org/drawingml/2006/compatibility" xmlns:p14="http://schemas.microsoft.com/office/powerpoint/2010/main" xmlns:p15="http://schemas.microsoft.com/office/powerpoint/2012/main" xmlns:ahyp="http://schemas.microsoft.com/office/drawing/2018/hyperlinkcolor" showMasterPhAnim="0" showMasterSp="0">
   <p:cSld>
     <p:spTree>
       <p:nvGrpSpPr>
-        <p:cNvPr id="60" name="Shape 60"/>
+        <p:cNvPr id="204" name="Shape 204"/>
         <p:cNvGrpSpPr/>
         <p:nvPr/>
       </p:nvGrpSpPr>
@@ -2393,7 +2396,7 @@
       </p:grpSpPr>
       <p:sp>
         <p:nvSpPr>
-          <p:cNvPr id="61" name="Google Shape;61;g108fe332759_2_6:notes"/>
+          <p:cNvPr id="205" name="Google Shape;205;g2395919313b_0_43:notes"/>
           <p:cNvSpPr/>
           <p:nvPr>
             <p:ph idx="2" type="sldImg"/>
@@ -2428,7 +2431,7 @@
       </p:sp>
       <p:sp>
         <p:nvSpPr>
-          <p:cNvPr id="62" name="Google Shape;62;g108fe332759_2_6:notes"/>
+          <p:cNvPr id="206" name="Google Shape;206;g2395919313b_0_43:notes"/>
           <p:cNvSpPr txBox="1"/>
           <p:nvPr>
             <p:ph idx="1" type="body"/>
@@ -2473,12 +2476,12 @@
 </p:notes>
 </file>
 
-<file path=ppt/notesSlides/notesSlide6.xml><?xml version="1.0" encoding="utf-8"?>
+<file path=ppt/notesSlides/notesSlide3.xml><?xml version="1.0" encoding="utf-8"?>
 <p:notes xmlns:a="http://schemas.openxmlformats.org/drawingml/2006/main" xmlns:r="http://schemas.openxmlformats.org/officeDocument/2006/relationships" xmlns:mc="http://schemas.openxmlformats.org/markup-compatibility/2006" xmlns:mv="urn:schemas-microsoft-com:mac:vml" xmlns:p="http://schemas.openxmlformats.org/presentationml/2006/main" xmlns:c="http://schemas.openxmlformats.org/drawingml/2006/chart" xmlns:dgm="http://schemas.openxmlformats.org/drawingml/2006/diagram" xmlns:o="urn:schemas-microsoft-com:office:office" xmlns:v="urn:schemas-microsoft-com:vml" xmlns:pvml="urn:schemas-microsoft-com:office:powerpoint" xmlns:com="http://schemas.openxmlformats.org/drawingml/2006/compatibility" xmlns:p14="http://schemas.microsoft.com/office/powerpoint/2010/main" xmlns:p15="http://schemas.microsoft.com/office/powerpoint/2012/main" xmlns:ahyp="http://schemas.microsoft.com/office/drawing/2018/hyperlinkcolor" showMasterPhAnim="0" showMasterSp="0">
   <p:cSld>
     <p:spTree>
       <p:nvGrpSpPr>
-        <p:cNvPr id="67" name="Shape 67"/>
+        <p:cNvPr id="45" name="Shape 45"/>
         <p:cNvGrpSpPr/>
         <p:nvPr/>
       </p:nvGrpSpPr>
@@ -2492,7 +2495,7 @@
       </p:grpSpPr>
       <p:sp>
         <p:nvSpPr>
-          <p:cNvPr id="68" name="Google Shape;68;g10e7589f98e_0_40:notes"/>
+          <p:cNvPr id="46" name="Google Shape;46;g2cc48c0d17f_0_52:notes"/>
           <p:cNvSpPr/>
           <p:nvPr>
             <p:ph idx="2" type="sldImg"/>
@@ -2527,7 +2530,7 @@
       </p:sp>
       <p:sp>
         <p:nvSpPr>
-          <p:cNvPr id="69" name="Google Shape;69;g10e7589f98e_0_40:notes"/>
+          <p:cNvPr id="47" name="Google Shape;47;g2cc48c0d17f_0_52:notes"/>
           <p:cNvSpPr txBox="1"/>
           <p:nvPr>
             <p:ph idx="1" type="body"/>
@@ -2572,12 +2575,12 @@
 </p:notes>
 </file>
 
-<file path=ppt/notesSlides/notesSlide7.xml><?xml version="1.0" encoding="utf-8"?>
+<file path=ppt/notesSlides/notesSlide4.xml><?xml version="1.0" encoding="utf-8"?>
 <p:notes xmlns:a="http://schemas.openxmlformats.org/drawingml/2006/main" xmlns:r="http://schemas.openxmlformats.org/officeDocument/2006/relationships" xmlns:mc="http://schemas.openxmlformats.org/markup-compatibility/2006" xmlns:mv="urn:schemas-microsoft-com:mac:vml" xmlns:p="http://schemas.openxmlformats.org/presentationml/2006/main" xmlns:c="http://schemas.openxmlformats.org/drawingml/2006/chart" xmlns:dgm="http://schemas.openxmlformats.org/drawingml/2006/diagram" xmlns:o="urn:schemas-microsoft-com:office:office" xmlns:v="urn:schemas-microsoft-com:vml" xmlns:pvml="urn:schemas-microsoft-com:office:powerpoint" xmlns:com="http://schemas.openxmlformats.org/drawingml/2006/compatibility" xmlns:p14="http://schemas.microsoft.com/office/powerpoint/2010/main" xmlns:p15="http://schemas.microsoft.com/office/powerpoint/2012/main" xmlns:ahyp="http://schemas.microsoft.com/office/drawing/2018/hyperlinkcolor" showMasterPhAnim="0" showMasterSp="0">
   <p:cSld>
     <p:spTree>
       <p:nvGrpSpPr>
-        <p:cNvPr id="74" name="Shape 74"/>
+        <p:cNvPr id="52" name="Shape 52"/>
         <p:cNvGrpSpPr/>
         <p:nvPr/>
       </p:nvGrpSpPr>
@@ -2591,7 +2594,7 @@
       </p:grpSpPr>
       <p:sp>
         <p:nvSpPr>
-          <p:cNvPr id="75" name="Google Shape;75;g2395919313b_0_76:notes"/>
+          <p:cNvPr id="53" name="Google Shape;53;g108fe332759_2_119:notes"/>
           <p:cNvSpPr/>
           <p:nvPr>
             <p:ph idx="2" type="sldImg"/>
@@ -2626,7 +2629,7 @@
       </p:sp>
       <p:sp>
         <p:nvSpPr>
-          <p:cNvPr id="76" name="Google Shape;76;g2395919313b_0_76:notes"/>
+          <p:cNvPr id="54" name="Google Shape;54;g108fe332759_2_119:notes"/>
           <p:cNvSpPr txBox="1"/>
           <p:nvPr>
             <p:ph idx="1" type="body"/>
@@ -2671,12 +2674,12 @@
 </p:notes>
 </file>
 
-<file path=ppt/notesSlides/notesSlide8.xml><?xml version="1.0" encoding="utf-8"?>
+<file path=ppt/notesSlides/notesSlide5.xml><?xml version="1.0" encoding="utf-8"?>
 <p:notes xmlns:a="http://schemas.openxmlformats.org/drawingml/2006/main" xmlns:r="http://schemas.openxmlformats.org/officeDocument/2006/relationships" xmlns:mc="http://schemas.openxmlformats.org/markup-compatibility/2006" xmlns:mv="urn:schemas-microsoft-com:mac:vml" xmlns:p="http://schemas.openxmlformats.org/presentationml/2006/main" xmlns:c="http://schemas.openxmlformats.org/drawingml/2006/chart" xmlns:dgm="http://schemas.openxmlformats.org/drawingml/2006/diagram" xmlns:o="urn:schemas-microsoft-com:office:office" xmlns:v="urn:schemas-microsoft-com:vml" xmlns:pvml="urn:schemas-microsoft-com:office:powerpoint" xmlns:com="http://schemas.openxmlformats.org/drawingml/2006/compatibility" xmlns:p14="http://schemas.microsoft.com/office/powerpoint/2010/main" xmlns:p15="http://schemas.microsoft.com/office/powerpoint/2012/main" xmlns:ahyp="http://schemas.microsoft.com/office/drawing/2018/hyperlinkcolor" showMasterPhAnim="0" showMasterSp="0">
   <p:cSld>
     <p:spTree>
       <p:nvGrpSpPr>
-        <p:cNvPr id="81" name="Shape 81"/>
+        <p:cNvPr id="59" name="Shape 59"/>
         <p:cNvGrpSpPr/>
         <p:nvPr/>
       </p:nvGrpSpPr>
@@ -2690,7 +2693,7 @@
       </p:grpSpPr>
       <p:sp>
         <p:nvSpPr>
-          <p:cNvPr id="82" name="Google Shape;82;g108fe332759_2_18:notes"/>
+          <p:cNvPr id="60" name="Google Shape;60;g127c6657edc_0_12:notes"/>
           <p:cNvSpPr/>
           <p:nvPr>
             <p:ph idx="2" type="sldImg"/>
@@ -2725,7 +2728,7 @@
       </p:sp>
       <p:sp>
         <p:nvSpPr>
-          <p:cNvPr id="83" name="Google Shape;83;g108fe332759_2_18:notes"/>
+          <p:cNvPr id="61" name="Google Shape;61;g127c6657edc_0_12:notes"/>
           <p:cNvSpPr txBox="1"/>
           <p:nvPr>
             <p:ph idx="1" type="body"/>
@@ -2770,12 +2773,12 @@
 </p:notes>
 </file>
 
-<file path=ppt/notesSlides/notesSlide9.xml><?xml version="1.0" encoding="utf-8"?>
+<file path=ppt/notesSlides/notesSlide6.xml><?xml version="1.0" encoding="utf-8"?>
 <p:notes xmlns:a="http://schemas.openxmlformats.org/drawingml/2006/main" xmlns:r="http://schemas.openxmlformats.org/officeDocument/2006/relationships" xmlns:mc="http://schemas.openxmlformats.org/markup-compatibility/2006" xmlns:mv="urn:schemas-microsoft-com:mac:vml" xmlns:p="http://schemas.openxmlformats.org/presentationml/2006/main" xmlns:c="http://schemas.openxmlformats.org/drawingml/2006/chart" xmlns:dgm="http://schemas.openxmlformats.org/drawingml/2006/diagram" xmlns:o="urn:schemas-microsoft-com:office:office" xmlns:v="urn:schemas-microsoft-com:vml" xmlns:pvml="urn:schemas-microsoft-com:office:powerpoint" xmlns:com="http://schemas.openxmlformats.org/drawingml/2006/compatibility" xmlns:p14="http://schemas.microsoft.com/office/powerpoint/2010/main" xmlns:p15="http://schemas.microsoft.com/office/powerpoint/2012/main" xmlns:ahyp="http://schemas.microsoft.com/office/drawing/2018/hyperlinkcolor" showMasterPhAnim="0" showMasterSp="0">
   <p:cSld>
     <p:spTree>
       <p:nvGrpSpPr>
-        <p:cNvPr id="89" name="Shape 89"/>
+        <p:cNvPr id="67" name="Shape 67"/>
         <p:cNvGrpSpPr/>
         <p:nvPr/>
       </p:nvGrpSpPr>
@@ -2789,7 +2792,7 @@
       </p:grpSpPr>
       <p:sp>
         <p:nvSpPr>
-          <p:cNvPr id="90" name="Google Shape;90;g108fe332759_2_24:notes"/>
+          <p:cNvPr id="68" name="Google Shape;68;g108fe332759_2_6:notes"/>
           <p:cNvSpPr/>
           <p:nvPr>
             <p:ph idx="2" type="sldImg"/>
@@ -2824,7 +2827,304 @@
       </p:sp>
       <p:sp>
         <p:nvSpPr>
-          <p:cNvPr id="91" name="Google Shape;91;g108fe332759_2_24:notes"/>
+          <p:cNvPr id="69" name="Google Shape;69;g108fe332759_2_6:notes"/>
+          <p:cNvSpPr txBox="1"/>
+          <p:nvPr>
+            <p:ph idx="1" type="body"/>
+          </p:nvPr>
+        </p:nvSpPr>
+        <p:spPr>
+          <a:xfrm>
+            <a:off x="685800" y="4343400"/>
+            <a:ext cx="5486400" cy="4114800"/>
+          </a:xfrm>
+          <a:prstGeom prst="rect">
+            <a:avLst/>
+          </a:prstGeom>
+        </p:spPr>
+        <p:txBody>
+          <a:bodyPr anchorCtr="0" anchor="t" bIns="91425" lIns="91425" spcFirstLastPara="1" rIns="91425" wrap="square" tIns="91425">
+            <a:noAutofit/>
+          </a:bodyPr>
+          <a:lstStyle/>
+          <a:p>
+            <a:pPr indent="0" lvl="0" marL="0" rtl="0" algn="l">
+              <a:spcBef>
+                <a:spcPts val="0"/>
+              </a:spcBef>
+              <a:spcAft>
+                <a:spcPts val="0"/>
+              </a:spcAft>
+              <a:buNone/>
+            </a:pPr>
+            <a:r>
+              <a:t/>
+            </a:r>
+            <a:endParaRPr/>
+          </a:p>
+        </p:txBody>
+      </p:sp>
+    </p:spTree>
+  </p:cSld>
+  <p:clrMapOvr>
+    <a:masterClrMapping/>
+  </p:clrMapOvr>
+</p:notes>
+</file>
+
+<file path=ppt/notesSlides/notesSlide7.xml><?xml version="1.0" encoding="utf-8"?>
+<p:notes xmlns:a="http://schemas.openxmlformats.org/drawingml/2006/main" xmlns:r="http://schemas.openxmlformats.org/officeDocument/2006/relationships" xmlns:mc="http://schemas.openxmlformats.org/markup-compatibility/2006" xmlns:mv="urn:schemas-microsoft-com:mac:vml" xmlns:p="http://schemas.openxmlformats.org/presentationml/2006/main" xmlns:c="http://schemas.openxmlformats.org/drawingml/2006/chart" xmlns:dgm="http://schemas.openxmlformats.org/drawingml/2006/diagram" xmlns:o="urn:schemas-microsoft-com:office:office" xmlns:v="urn:schemas-microsoft-com:vml" xmlns:pvml="urn:schemas-microsoft-com:office:powerpoint" xmlns:com="http://schemas.openxmlformats.org/drawingml/2006/compatibility" xmlns:p14="http://schemas.microsoft.com/office/powerpoint/2010/main" xmlns:p15="http://schemas.microsoft.com/office/powerpoint/2012/main" xmlns:ahyp="http://schemas.microsoft.com/office/drawing/2018/hyperlinkcolor" showMasterPhAnim="0" showMasterSp="0">
+  <p:cSld>
+    <p:spTree>
+      <p:nvGrpSpPr>
+        <p:cNvPr id="74" name="Shape 74"/>
+        <p:cNvGrpSpPr/>
+        <p:nvPr/>
+      </p:nvGrpSpPr>
+      <p:grpSpPr>
+        <a:xfrm>
+          <a:off x="0" y="0"/>
+          <a:ext cx="0" cy="0"/>
+          <a:chOff x="0" y="0"/>
+          <a:chExt cx="0" cy="0"/>
+        </a:xfrm>
+      </p:grpSpPr>
+      <p:sp>
+        <p:nvSpPr>
+          <p:cNvPr id="75" name="Google Shape;75;g10e7589f98e_0_40:notes"/>
+          <p:cNvSpPr/>
+          <p:nvPr>
+            <p:ph idx="2" type="sldImg"/>
+          </p:nvPr>
+        </p:nvSpPr>
+        <p:spPr>
+          <a:xfrm>
+            <a:off x="381300" y="685800"/>
+            <a:ext cx="6096000" cy="3429000"/>
+          </a:xfrm>
+          <a:custGeom>
+            <a:rect b="b" l="l" r="r" t="t"/>
+            <a:pathLst>
+              <a:path extrusionOk="0" h="120000" w="120000">
+                <a:moveTo>
+                  <a:pt x="0" y="0"/>
+                </a:moveTo>
+                <a:lnTo>
+                  <a:pt x="120000" y="0"/>
+                </a:lnTo>
+                <a:lnTo>
+                  <a:pt x="120000" y="120000"/>
+                </a:lnTo>
+                <a:lnTo>
+                  <a:pt x="0" y="120000"/>
+                </a:lnTo>
+                <a:close/>
+              </a:path>
+            </a:pathLst>
+          </a:custGeom>
+        </p:spPr>
+      </p:sp>
+      <p:sp>
+        <p:nvSpPr>
+          <p:cNvPr id="76" name="Google Shape;76;g10e7589f98e_0_40:notes"/>
+          <p:cNvSpPr txBox="1"/>
+          <p:nvPr>
+            <p:ph idx="1" type="body"/>
+          </p:nvPr>
+        </p:nvSpPr>
+        <p:spPr>
+          <a:xfrm>
+            <a:off x="685800" y="4343400"/>
+            <a:ext cx="5486400" cy="4114800"/>
+          </a:xfrm>
+          <a:prstGeom prst="rect">
+            <a:avLst/>
+          </a:prstGeom>
+        </p:spPr>
+        <p:txBody>
+          <a:bodyPr anchorCtr="0" anchor="t" bIns="91425" lIns="91425" spcFirstLastPara="1" rIns="91425" wrap="square" tIns="91425">
+            <a:noAutofit/>
+          </a:bodyPr>
+          <a:lstStyle/>
+          <a:p>
+            <a:pPr indent="0" lvl="0" marL="0" rtl="0" algn="l">
+              <a:spcBef>
+                <a:spcPts val="0"/>
+              </a:spcBef>
+              <a:spcAft>
+                <a:spcPts val="0"/>
+              </a:spcAft>
+              <a:buNone/>
+            </a:pPr>
+            <a:r>
+              <a:t/>
+            </a:r>
+            <a:endParaRPr/>
+          </a:p>
+        </p:txBody>
+      </p:sp>
+    </p:spTree>
+  </p:cSld>
+  <p:clrMapOvr>
+    <a:masterClrMapping/>
+  </p:clrMapOvr>
+</p:notes>
+</file>
+
+<file path=ppt/notesSlides/notesSlide8.xml><?xml version="1.0" encoding="utf-8"?>
+<p:notes xmlns:a="http://schemas.openxmlformats.org/drawingml/2006/main" xmlns:r="http://schemas.openxmlformats.org/officeDocument/2006/relationships" xmlns:mc="http://schemas.openxmlformats.org/markup-compatibility/2006" xmlns:mv="urn:schemas-microsoft-com:mac:vml" xmlns:p="http://schemas.openxmlformats.org/presentationml/2006/main" xmlns:c="http://schemas.openxmlformats.org/drawingml/2006/chart" xmlns:dgm="http://schemas.openxmlformats.org/drawingml/2006/diagram" xmlns:o="urn:schemas-microsoft-com:office:office" xmlns:v="urn:schemas-microsoft-com:vml" xmlns:pvml="urn:schemas-microsoft-com:office:powerpoint" xmlns:com="http://schemas.openxmlformats.org/drawingml/2006/compatibility" xmlns:p14="http://schemas.microsoft.com/office/powerpoint/2010/main" xmlns:p15="http://schemas.microsoft.com/office/powerpoint/2012/main" xmlns:ahyp="http://schemas.microsoft.com/office/drawing/2018/hyperlinkcolor" showMasterPhAnim="0" showMasterSp="0">
+  <p:cSld>
+    <p:spTree>
+      <p:nvGrpSpPr>
+        <p:cNvPr id="81" name="Shape 81"/>
+        <p:cNvGrpSpPr/>
+        <p:nvPr/>
+      </p:nvGrpSpPr>
+      <p:grpSpPr>
+        <a:xfrm>
+          <a:off x="0" y="0"/>
+          <a:ext cx="0" cy="0"/>
+          <a:chOff x="0" y="0"/>
+          <a:chExt cx="0" cy="0"/>
+        </a:xfrm>
+      </p:grpSpPr>
+      <p:sp>
+        <p:nvSpPr>
+          <p:cNvPr id="82" name="Google Shape;82;g2395919313b_0_76:notes"/>
+          <p:cNvSpPr/>
+          <p:nvPr>
+            <p:ph idx="2" type="sldImg"/>
+          </p:nvPr>
+        </p:nvSpPr>
+        <p:spPr>
+          <a:xfrm>
+            <a:off x="381300" y="685800"/>
+            <a:ext cx="6096000" cy="3429000"/>
+          </a:xfrm>
+          <a:custGeom>
+            <a:rect b="b" l="l" r="r" t="t"/>
+            <a:pathLst>
+              <a:path extrusionOk="0" h="120000" w="120000">
+                <a:moveTo>
+                  <a:pt x="0" y="0"/>
+                </a:moveTo>
+                <a:lnTo>
+                  <a:pt x="120000" y="0"/>
+                </a:lnTo>
+                <a:lnTo>
+                  <a:pt x="120000" y="120000"/>
+                </a:lnTo>
+                <a:lnTo>
+                  <a:pt x="0" y="120000"/>
+                </a:lnTo>
+                <a:close/>
+              </a:path>
+            </a:pathLst>
+          </a:custGeom>
+        </p:spPr>
+      </p:sp>
+      <p:sp>
+        <p:nvSpPr>
+          <p:cNvPr id="83" name="Google Shape;83;g2395919313b_0_76:notes"/>
+          <p:cNvSpPr txBox="1"/>
+          <p:nvPr>
+            <p:ph idx="1" type="body"/>
+          </p:nvPr>
+        </p:nvSpPr>
+        <p:spPr>
+          <a:xfrm>
+            <a:off x="685800" y="4343400"/>
+            <a:ext cx="5486400" cy="4114800"/>
+          </a:xfrm>
+          <a:prstGeom prst="rect">
+            <a:avLst/>
+          </a:prstGeom>
+        </p:spPr>
+        <p:txBody>
+          <a:bodyPr anchorCtr="0" anchor="t" bIns="91425" lIns="91425" spcFirstLastPara="1" rIns="91425" wrap="square" tIns="91425">
+            <a:noAutofit/>
+          </a:bodyPr>
+          <a:lstStyle/>
+          <a:p>
+            <a:pPr indent="0" lvl="0" marL="0" rtl="0" algn="l">
+              <a:spcBef>
+                <a:spcPts val="0"/>
+              </a:spcBef>
+              <a:spcAft>
+                <a:spcPts val="0"/>
+              </a:spcAft>
+              <a:buNone/>
+            </a:pPr>
+            <a:r>
+              <a:t/>
+            </a:r>
+            <a:endParaRPr/>
+          </a:p>
+        </p:txBody>
+      </p:sp>
+    </p:spTree>
+  </p:cSld>
+  <p:clrMapOvr>
+    <a:masterClrMapping/>
+  </p:clrMapOvr>
+</p:notes>
+</file>
+
+<file path=ppt/notesSlides/notesSlide9.xml><?xml version="1.0" encoding="utf-8"?>
+<p:notes xmlns:a="http://schemas.openxmlformats.org/drawingml/2006/main" xmlns:r="http://schemas.openxmlformats.org/officeDocument/2006/relationships" xmlns:mc="http://schemas.openxmlformats.org/markup-compatibility/2006" xmlns:mv="urn:schemas-microsoft-com:mac:vml" xmlns:p="http://schemas.openxmlformats.org/presentationml/2006/main" xmlns:c="http://schemas.openxmlformats.org/drawingml/2006/chart" xmlns:dgm="http://schemas.openxmlformats.org/drawingml/2006/diagram" xmlns:o="urn:schemas-microsoft-com:office:office" xmlns:v="urn:schemas-microsoft-com:vml" xmlns:pvml="urn:schemas-microsoft-com:office:powerpoint" xmlns:com="http://schemas.openxmlformats.org/drawingml/2006/compatibility" xmlns:p14="http://schemas.microsoft.com/office/powerpoint/2010/main" xmlns:p15="http://schemas.microsoft.com/office/powerpoint/2012/main" xmlns:ahyp="http://schemas.microsoft.com/office/drawing/2018/hyperlinkcolor" showMasterPhAnim="0" showMasterSp="0">
+  <p:cSld>
+    <p:spTree>
+      <p:nvGrpSpPr>
+        <p:cNvPr id="88" name="Shape 88"/>
+        <p:cNvGrpSpPr/>
+        <p:nvPr/>
+      </p:nvGrpSpPr>
+      <p:grpSpPr>
+        <a:xfrm>
+          <a:off x="0" y="0"/>
+          <a:ext cx="0" cy="0"/>
+          <a:chOff x="0" y="0"/>
+          <a:chExt cx="0" cy="0"/>
+        </a:xfrm>
+      </p:grpSpPr>
+      <p:sp>
+        <p:nvSpPr>
+          <p:cNvPr id="89" name="Google Shape;89;g108fe332759_2_18:notes"/>
+          <p:cNvSpPr/>
+          <p:nvPr>
+            <p:ph idx="2" type="sldImg"/>
+          </p:nvPr>
+        </p:nvSpPr>
+        <p:spPr>
+          <a:xfrm>
+            <a:off x="381300" y="685800"/>
+            <a:ext cx="6096000" cy="3429000"/>
+          </a:xfrm>
+          <a:custGeom>
+            <a:rect b="b" l="l" r="r" t="t"/>
+            <a:pathLst>
+              <a:path extrusionOk="0" h="120000" w="120000">
+                <a:moveTo>
+                  <a:pt x="0" y="0"/>
+                </a:moveTo>
+                <a:lnTo>
+                  <a:pt x="120000" y="0"/>
+                </a:lnTo>
+                <a:lnTo>
+                  <a:pt x="120000" y="120000"/>
+                </a:lnTo>
+                <a:lnTo>
+                  <a:pt x="0" y="120000"/>
+                </a:lnTo>
+                <a:close/>
+              </a:path>
+            </a:pathLst>
+          </a:custGeom>
+        </p:spPr>
+      </p:sp>
+      <p:sp>
+        <p:nvSpPr>
+          <p:cNvPr id="90" name="Google Shape;90;g108fe332759_2_18:notes"/>
           <p:cNvSpPr txBox="1"/>
           <p:nvPr>
             <p:ph idx="1" type="body"/>
@@ -6298,7 +6598,7 @@
   <p:cSld>
     <p:spTree>
       <p:nvGrpSpPr>
-        <p:cNvPr id="100" name="Shape 100"/>
+        <p:cNvPr id="99" name="Shape 99"/>
         <p:cNvGrpSpPr/>
         <p:nvPr/>
       </p:nvGrpSpPr>
@@ -6312,7 +6612,7 @@
       </p:grpSpPr>
       <p:sp>
         <p:nvSpPr>
-          <p:cNvPr id="101" name="Google Shape;101;p17"/>
+          <p:cNvPr id="100" name="Google Shape;100;p17"/>
           <p:cNvSpPr txBox="1"/>
           <p:nvPr>
             <p:ph type="title"/>
@@ -6344,9 +6644,82 @@
             </a:pPr>
             <a:r>
               <a:rPr lang="en"/>
-              <a:t>Class Quizzes</a:t>
-            </a:r>
-            <a:endParaRPr/>
+              <a:t>NYT-VUE Grading [1]</a:t>
+            </a:r>
+            <a:endParaRPr/>
+          </a:p>
+        </p:txBody>
+      </p:sp>
+      <p:sp>
+        <p:nvSpPr>
+          <p:cNvPr id="101" name="Google Shape;101;p17"/>
+          <p:cNvSpPr txBox="1"/>
+          <p:nvPr>
+            <p:ph idx="12" type="sldNum"/>
+          </p:nvPr>
+        </p:nvSpPr>
+        <p:spPr>
+          <a:xfrm>
+            <a:off x="7315202" y="4416550"/>
+            <a:ext cx="1828800" cy="731400"/>
+          </a:xfrm>
+          <a:prstGeom prst="rect">
+            <a:avLst/>
+          </a:prstGeom>
+        </p:spPr>
+        <p:txBody>
+          <a:bodyPr anchorCtr="0" anchor="b" bIns="91425" lIns="91425" spcFirstLastPara="1" rIns="91425" wrap="square" tIns="91425">
+            <a:noAutofit/>
+          </a:bodyPr>
+          <a:lstStyle/>
+          <a:p>
+            <a:pPr indent="0" lvl="0" marL="0" rtl="0" algn="r">
+              <a:spcBef>
+                <a:spcPts val="0"/>
+              </a:spcBef>
+              <a:spcAft>
+                <a:spcPts val="0"/>
+              </a:spcAft>
+              <a:buNone/>
+            </a:pPr>
+            <a:fld id="{00000000-1234-1234-1234-123412341234}" type="slidenum">
+              <a:rPr lang="en"/>
+              <a:t>‹#›</a:t>
+            </a:fld>
+            <a:endParaRPr/>
+          </a:p>
+          <a:p>
+            <a:pPr indent="0" lvl="0" marL="0" rtl="0" algn="r">
+              <a:spcBef>
+                <a:spcPts val="0"/>
+              </a:spcBef>
+              <a:spcAft>
+                <a:spcPts val="0"/>
+              </a:spcAft>
+              <a:buNone/>
+            </a:pPr>
+            <a:r>
+              <a:rPr b="0" lang="en" sz="900" u="sng">
+                <a:solidFill>
+                  <a:schemeClr val="hlink"/>
+                </a:solidFill>
+                <a:hlinkClick r:id="rId3"/>
+              </a:rPr>
+              <a:t>https://profriehle.com</a:t>
+            </a:r>
+            <a:r>
+              <a:rPr b="0" lang="en" sz="900">
+                <a:solidFill>
+                  <a:schemeClr val="dk2"/>
+                </a:solidFill>
+              </a:rPr>
+              <a:t> </a:t>
+            </a:r>
+            <a:endParaRPr b="0" sz="900">
+              <a:solidFill>
+                <a:schemeClr val="dk2"/>
+              </a:solidFill>
+            </a:endParaRPr>
           </a:p>
         </p:txBody>
       </p:sp>
@@ -6389,7 +6762,7 @@
             </a:pPr>
             <a:r>
               <a:rPr lang="en"/>
-              <a:t>Each class session starts with a class quiz</a:t>
+              <a:t>Lecture-time contributions = 50% of total grade</a:t>
             </a:r>
             <a:endParaRPr/>
           </a:p>
@@ -6406,14 +6779,31 @@
             </a:pPr>
             <a:r>
               <a:rPr lang="en"/>
-              <a:t>A quiz will test your understanding of last session’s topic</a:t>
+              <a:t>Lecture content (4 SWS) = 60 / 150 = 40% (of semester contributions)</a:t>
+            </a:r>
+            <a:endParaRPr/>
+          </a:p>
+          <a:p>
+            <a:pPr indent="-317500" lvl="1" marL="914400" rtl="0" algn="l">
+              <a:spcBef>
+                <a:spcPts val="0"/>
+              </a:spcBef>
+              <a:spcAft>
+                <a:spcPts val="0"/>
+              </a:spcAft>
+              <a:buSzPts val="1400"/>
+              <a:buChar char="○"/>
+            </a:pPr>
+            <a:r>
+              <a:rPr lang="en"/>
+              <a:t>Graded using [0..10] each class session using class quizzes</a:t>
             </a:r>
             <a:endParaRPr/>
           </a:p>
           <a:p>
             <a:pPr indent="-342900" lvl="0" marL="457200" rtl="0" algn="l">
               <a:spcBef>
-                <a:spcPts val="0"/>
+                <a:spcPts val="1000"/>
               </a:spcBef>
               <a:spcAft>
                 <a:spcPts val="0"/>
@@ -6423,24 +6813,24 @@
             </a:pPr>
             <a:r>
               <a:rPr lang="en"/>
-              <a:t>A quiz typically has 5 questions and will last 10 minutes</a:t>
-            </a:r>
-            <a:endParaRPr/>
-          </a:p>
-          <a:p>
-            <a:pPr indent="-342900" lvl="0" marL="457200" rtl="0" algn="l">
-              <a:spcBef>
-                <a:spcPts val="0"/>
-              </a:spcBef>
-              <a:spcAft>
-                <a:spcPts val="0"/>
-              </a:spcAft>
-              <a:buSzPts val="1800"/>
-              <a:buChar char="●"/>
-            </a:pPr>
-            <a:r>
-              <a:rPr lang="en"/>
-              <a:t>The overall quiz is graded using [0..10] scheme (10 points in total)</a:t>
+              <a:t>Method exercises = 90 / 150 = 60% (of semester contributions)</a:t>
+            </a:r>
+            <a:endParaRPr/>
+          </a:p>
+          <a:p>
+            <a:pPr indent="-317500" lvl="1" marL="914400" rtl="0" algn="l">
+              <a:spcBef>
+                <a:spcPts val="0"/>
+              </a:spcBef>
+              <a:spcAft>
+                <a:spcPts val="0"/>
+              </a:spcAft>
+              <a:buSzPts val="1400"/>
+              <a:buChar char="○"/>
+            </a:pPr>
+            <a:r>
+              <a:rPr lang="en"/>
+              <a:t>Graded using [0..10] using tool and grading rubric</a:t>
             </a:r>
             <a:endParaRPr/>
           </a:p>
@@ -6461,7 +6851,7 @@
             </a:pPr>
             <a:r>
               <a:rPr lang="en"/>
-              <a:t>A class quiz will open precisely when class starts</a:t>
+              <a:t>Oral exam = 50% of total grade</a:t>
             </a:r>
             <a:endParaRPr/>
           </a:p>
@@ -6478,41 +6868,24 @@
             </a:pPr>
             <a:r>
               <a:rPr lang="en"/>
-              <a:t>The quiz is administered automatically</a:t>
-            </a:r>
-            <a:endParaRPr/>
-          </a:p>
-          <a:p>
-            <a:pPr indent="-342900" lvl="0" marL="457200" rtl="0" algn="l">
-              <a:spcBef>
-                <a:spcPts val="0"/>
-              </a:spcBef>
-              <a:spcAft>
-                <a:spcPts val="0"/>
-              </a:spcAft>
-              <a:buSzPts val="1800"/>
-              <a:buChar char="●"/>
-            </a:pPr>
-            <a:r>
-              <a:rPr lang="en"/>
-              <a:t>It is your job to have reliable Internet access etc.</a:t>
-            </a:r>
-            <a:endParaRPr/>
-          </a:p>
-          <a:p>
-            <a:pPr indent="-342900" lvl="0" marL="457200" rtl="0" algn="l">
-              <a:spcBef>
-                <a:spcPts val="0"/>
-              </a:spcBef>
-              <a:spcAft>
-                <a:spcPts val="0"/>
-              </a:spcAft>
-              <a:buSzPts val="1800"/>
-              <a:buChar char="●"/>
-            </a:pPr>
-            <a:r>
-              <a:rPr lang="en"/>
-              <a:t>There is no way to make up for a missed quiz</a:t>
+              <a:t>If both you and we agree on not having an oral exam, it can be dropped</a:t>
+            </a:r>
+            <a:endParaRPr/>
+          </a:p>
+          <a:p>
+            <a:pPr indent="-317500" lvl="1" marL="914400" rtl="0" algn="l">
+              <a:spcBef>
+                <a:spcPts val="0"/>
+              </a:spcBef>
+              <a:spcAft>
+                <a:spcPts val="0"/>
+              </a:spcAft>
+              <a:buSzPts val="1400"/>
+              <a:buChar char="○"/>
+            </a:pPr>
+            <a:r>
+              <a:rPr lang="en"/>
+              <a:t>If you insist on an oral exam, please tell us within two weeks after the last session</a:t>
             </a:r>
             <a:endParaRPr/>
           </a:p>
@@ -6524,11 +6897,6 @@
               <a:spcAft>
                 <a:spcPts val="1200"/>
               </a:spcAft>
-              <a:buClr>
-                <a:schemeClr val="dk1"/>
-              </a:buClr>
-              <a:buSzPts val="1100"/>
-              <a:buFont typeface="Arial"/>
               <a:buNone/>
             </a:pPr>
             <a:r>
@@ -6542,18 +6910,20 @@
         <p:nvSpPr>
           <p:cNvPr id="103" name="Google Shape;103;p17"/>
           <p:cNvSpPr txBox="1"/>
-          <p:nvPr>
-            <p:ph idx="12" type="sldNum"/>
-          </p:nvPr>
+          <p:nvPr/>
         </p:nvSpPr>
         <p:spPr>
           <a:xfrm>
-            <a:off x="7315202" y="4416550"/>
-            <a:ext cx="1828800" cy="731400"/>
+            <a:off x="0" y="4233672"/>
+            <a:ext cx="7315200" cy="914400"/>
           </a:xfrm>
           <a:prstGeom prst="rect">
             <a:avLst/>
           </a:prstGeom>
+          <a:noFill/>
+          <a:ln>
+            <a:noFill/>
+          </a:ln>
         </p:spPr>
         <p:txBody>
           <a:bodyPr anchorCtr="0" anchor="b" bIns="91425" lIns="91425" spcFirstLastPara="1" rIns="91425" wrap="square" tIns="91425">
@@ -6561,53 +6931,33 @@
           </a:bodyPr>
           <a:lstStyle/>
           <a:p>
-            <a:pPr indent="0" lvl="0" marL="0" rtl="0" algn="r">
-              <a:spcBef>
-                <a:spcPts val="0"/>
-              </a:spcBef>
-              <a:spcAft>
-                <a:spcPts val="0"/>
-              </a:spcAft>
-              <a:buNone/>
-            </a:pPr>
-            <a:fld id="{00000000-1234-1234-1234-123412341234}" type="slidenum">
-              <a:rPr lang="en"/>
-              <a:t>‹#›</a:t>
-            </a:fld>
-            <a:endParaRPr/>
-          </a:p>
-          <a:p>
-            <a:pPr indent="0" lvl="0" marL="0" rtl="0" algn="r">
-              <a:spcBef>
-                <a:spcPts val="0"/>
-              </a:spcBef>
-              <a:spcAft>
-                <a:spcPts val="0"/>
-              </a:spcAft>
-              <a:buNone/>
-            </a:pPr>
-            <a:r>
-              <a:rPr b="0" lang="en" sz="900" u="sng">
+            <a:pPr indent="0" lvl="0" marL="0" rtl="0" algn="l">
+              <a:spcBef>
+                <a:spcPts val="0"/>
+              </a:spcBef>
+              <a:spcAft>
+                <a:spcPts val="0"/>
+              </a:spcAft>
+              <a:buNone/>
+            </a:pPr>
+            <a:r>
+              <a:rPr lang="en"/>
+              <a:t>[1] See </a:t>
+            </a:r>
+            <a:r>
+              <a:rPr lang="en" u="sng">
                 <a:solidFill>
                   <a:schemeClr val="hlink"/>
                 </a:solidFill>
-                <a:hlinkClick r:id="rId3"/>
+                <a:hlinkClick r:id="rId4"/>
               </a:rPr>
-              <a:t>https://profriehle.com</a:t>
-            </a:r>
-            <a:r>
-              <a:rPr b="0" lang="en" sz="900">
-                <a:solidFill>
-                  <a:schemeClr val="dk2"/>
-                </a:solidFill>
-              </a:rPr>
-              <a:t> </a:t>
-            </a:r>
-            <a:endParaRPr b="0" sz="900">
-              <a:solidFill>
-                <a:schemeClr val="dk2"/>
-              </a:solidFill>
-            </a:endParaRPr>
+              <a:t>https://oss.cs.fau.de/teaching/course-resources/grading-schemes-and-scales/</a:t>
+            </a:r>
+            <a:r>
+              <a:rPr lang="en"/>
+              <a:t>  </a:t>
+            </a:r>
+            <a:endParaRPr/>
           </a:p>
         </p:txBody>
       </p:sp>
@@ -6654,7 +7004,7 @@
           </a:prstGeom>
         </p:spPr>
         <p:txBody>
-          <a:bodyPr anchorCtr="0" anchor="ctr" bIns="0" lIns="274300" spcFirstLastPara="1" rIns="0" wrap="square" tIns="0">
+          <a:bodyPr anchorCtr="0" anchor="ctr" bIns="91425" lIns="274300" spcFirstLastPara="1" rIns="91425" wrap="square" tIns="91425">
             <a:noAutofit/>
           </a:bodyPr>
           <a:lstStyle/>
@@ -6670,7 +7020,7 @@
             </a:pPr>
             <a:r>
               <a:rPr lang="en"/>
-              <a:t>Grading Rubric for Homework Submissions</a:t>
+              <a:t>Class Quizzes</a:t>
             </a:r>
             <a:endParaRPr/>
           </a:p>
@@ -6679,6 +7029,208 @@
       <p:sp>
         <p:nvSpPr>
           <p:cNvPr id="109" name="Google Shape;109;p18"/>
+          <p:cNvSpPr txBox="1"/>
+          <p:nvPr>
+            <p:ph idx="1" type="body"/>
+          </p:nvPr>
+        </p:nvSpPr>
+        <p:spPr>
+          <a:xfrm>
+            <a:off x="274320" y="914400"/>
+            <a:ext cx="8595300" cy="4114800"/>
+          </a:xfrm>
+          <a:prstGeom prst="rect">
+            <a:avLst/>
+          </a:prstGeom>
+        </p:spPr>
+        <p:txBody>
+          <a:bodyPr anchorCtr="0" anchor="t" bIns="0" lIns="0" spcFirstLastPara="1" rIns="0" wrap="square" tIns="0">
+            <a:noAutofit/>
+          </a:bodyPr>
+          <a:lstStyle/>
+          <a:p>
+            <a:pPr indent="0" lvl="0" marL="0" rtl="0" algn="l">
+              <a:spcBef>
+                <a:spcPts val="0"/>
+              </a:spcBef>
+              <a:spcAft>
+                <a:spcPts val="0"/>
+              </a:spcAft>
+              <a:buClr>
+                <a:schemeClr val="dk1"/>
+              </a:buClr>
+              <a:buSzPts val="1100"/>
+              <a:buFont typeface="Arial"/>
+              <a:buNone/>
+            </a:pPr>
+            <a:r>
+              <a:rPr lang="en"/>
+              <a:t>Each class session starts with a class quiz</a:t>
+            </a:r>
+            <a:endParaRPr/>
+          </a:p>
+          <a:p>
+            <a:pPr indent="-342900" lvl="0" marL="457200" rtl="0" algn="l">
+              <a:spcBef>
+                <a:spcPts val="1200"/>
+              </a:spcBef>
+              <a:spcAft>
+                <a:spcPts val="0"/>
+              </a:spcAft>
+              <a:buSzPts val="1800"/>
+              <a:buChar char="●"/>
+            </a:pPr>
+            <a:r>
+              <a:rPr lang="en"/>
+              <a:t>A quiz will test your understanding of last session’s topic</a:t>
+            </a:r>
+            <a:endParaRPr/>
+          </a:p>
+          <a:p>
+            <a:pPr indent="-342900" lvl="0" marL="457200" rtl="0" algn="l">
+              <a:spcBef>
+                <a:spcPts val="0"/>
+              </a:spcBef>
+              <a:spcAft>
+                <a:spcPts val="0"/>
+              </a:spcAft>
+              <a:buSzPts val="1800"/>
+              <a:buChar char="●"/>
+            </a:pPr>
+            <a:r>
+              <a:rPr lang="en"/>
+              <a:t>A quiz typically has 5 questions and will last 10 minutes</a:t>
+            </a:r>
+            <a:endParaRPr/>
+          </a:p>
+          <a:p>
+            <a:pPr indent="-342900" lvl="0" marL="457200" rtl="0" algn="l">
+              <a:spcBef>
+                <a:spcPts val="0"/>
+              </a:spcBef>
+              <a:spcAft>
+                <a:spcPts val="0"/>
+              </a:spcAft>
+              <a:buSzPts val="1800"/>
+              <a:buChar char="●"/>
+            </a:pPr>
+            <a:r>
+              <a:rPr lang="en"/>
+              <a:t>The overall quiz is graded using [0..10] scheme (10 points in total)</a:t>
+            </a:r>
+            <a:endParaRPr/>
+          </a:p>
+          <a:p>
+            <a:pPr indent="0" lvl="0" marL="0" rtl="0" algn="l">
+              <a:spcBef>
+                <a:spcPts val="1200"/>
+              </a:spcBef>
+              <a:spcAft>
+                <a:spcPts val="0"/>
+              </a:spcAft>
+              <a:buClr>
+                <a:schemeClr val="dk1"/>
+              </a:buClr>
+              <a:buSzPts val="1100"/>
+              <a:buFont typeface="Arial"/>
+              <a:buNone/>
+            </a:pPr>
+            <a:r>
+              <a:rPr lang="en"/>
+              <a:t>A class quiz will open precisely when class starts</a:t>
+            </a:r>
+            <a:endParaRPr/>
+          </a:p>
+          <a:p>
+            <a:pPr indent="-342900" lvl="0" marL="457200" rtl="0" algn="l">
+              <a:spcBef>
+                <a:spcPts val="1200"/>
+              </a:spcBef>
+              <a:spcAft>
+                <a:spcPts val="0"/>
+              </a:spcAft>
+              <a:buSzPts val="1800"/>
+              <a:buChar char="●"/>
+            </a:pPr>
+            <a:r>
+              <a:rPr lang="en"/>
+              <a:t>The quiz is administered automatically</a:t>
+            </a:r>
+            <a:endParaRPr/>
+          </a:p>
+          <a:p>
+            <a:pPr indent="-342900" lvl="0" marL="457200" rtl="0" algn="l">
+              <a:spcBef>
+                <a:spcPts val="0"/>
+              </a:spcBef>
+              <a:spcAft>
+                <a:spcPts val="0"/>
+              </a:spcAft>
+              <a:buSzPts val="1800"/>
+              <a:buChar char="●"/>
+            </a:pPr>
+            <a:r>
+              <a:rPr lang="en"/>
+              <a:t>It is your job to have reliable Internet access etc.</a:t>
+            </a:r>
+            <a:endParaRPr/>
+          </a:p>
+          <a:p>
+            <a:pPr indent="-342900" lvl="0" marL="457200" rtl="0" algn="l">
+              <a:spcBef>
+                <a:spcPts val="0"/>
+              </a:spcBef>
+              <a:spcAft>
+                <a:spcPts val="0"/>
+              </a:spcAft>
+              <a:buSzPts val="1800"/>
+              <a:buChar char="●"/>
+            </a:pPr>
+            <a:r>
+              <a:rPr lang="en"/>
+              <a:t>There is no way to make up for a missed quiz</a:t>
+            </a:r>
+            <a:endParaRPr/>
+          </a:p>
+          <a:p>
+            <a:pPr indent="0" lvl="0" marL="0" rtl="0" algn="l">
+              <a:spcBef>
+                <a:spcPts val="1200"/>
+              </a:spcBef>
+              <a:spcAft>
+                <a:spcPts val="1200"/>
+              </a:spcAft>
+              <a:buClr>
+                <a:schemeClr val="dk1"/>
+              </a:buClr>
+              <a:buSzPts val="1100"/>
+              <a:buFont typeface="Arial"/>
+              <a:buNone/>
+            </a:pPr>
+            <a:r>
+              <a:rPr lang="en"/>
+              <a:t>Sign up on </a:t>
+            </a:r>
+            <a:r>
+              <a:rPr lang="en" u="sng">
+                <a:solidFill>
+                  <a:schemeClr val="hlink"/>
+                </a:solidFill>
+                <a:hlinkClick r:id="rId3"/>
+              </a:rPr>
+              <a:t>https://myc.uni1.de</a:t>
+            </a:r>
+            <a:r>
+              <a:rPr lang="en"/>
+              <a:t> for the quizzes</a:t>
+            </a:r>
+            <a:endParaRPr/>
+          </a:p>
+        </p:txBody>
+      </p:sp>
+      <p:sp>
+        <p:nvSpPr>
+          <p:cNvPr id="110" name="Google Shape;110;p18"/>
           <p:cNvSpPr txBox="1"/>
           <p:nvPr>
             <p:ph idx="12" type="sldNum"/>
@@ -6729,7 +7281,7 @@
                 <a:solidFill>
                   <a:schemeClr val="hlink"/>
                 </a:solidFill>
-                <a:hlinkClick r:id="rId3"/>
+                <a:hlinkClick r:id="rId4"/>
               </a:rPr>
               <a:t>https://profriehle.com</a:t>
             </a:r>
@@ -6741,6 +7293,338 @@
               </a:rPr>
               <a:t> </a:t>
             </a:r>
+            <a:endParaRPr b="0" sz="900">
+              <a:solidFill>
+                <a:schemeClr val="dk2"/>
+              </a:solidFill>
+            </a:endParaRPr>
+          </a:p>
+        </p:txBody>
+      </p:sp>
+    </p:spTree>
+  </p:cSld>
+  <p:clrMapOvr>
+    <a:masterClrMapping/>
+  </p:clrMapOvr>
+</p:sld>
+</file>
+
+<file path=ppt/slides/slide12.xml><?xml version="1.0" encoding="utf-8"?>
+<p:sld xmlns:a="http://schemas.openxmlformats.org/drawingml/2006/main" xmlns:r="http://schemas.openxmlformats.org/officeDocument/2006/relationships" xmlns:mc="http://schemas.openxmlformats.org/markup-compatibility/2006" xmlns:mv="urn:schemas-microsoft-com:mac:vml" xmlns:p="http://schemas.openxmlformats.org/presentationml/2006/main" xmlns:c="http://schemas.openxmlformats.org/drawingml/2006/chart" xmlns:dgm="http://schemas.openxmlformats.org/drawingml/2006/diagram" xmlns:o="urn:schemas-microsoft-com:office:office" xmlns:v="urn:schemas-microsoft-com:vml" xmlns:pvml="urn:schemas-microsoft-com:office:powerpoint" xmlns:com="http://schemas.openxmlformats.org/drawingml/2006/compatibility" xmlns:p14="http://schemas.microsoft.com/office/powerpoint/2010/main" xmlns:p15="http://schemas.microsoft.com/office/powerpoint/2012/main" xmlns:ahyp="http://schemas.microsoft.com/office/drawing/2018/hyperlinkcolor">
+  <p:cSld>
+    <p:spTree>
+      <p:nvGrpSpPr>
+        <p:cNvPr id="114" name="Shape 114"/>
+        <p:cNvGrpSpPr/>
+        <p:nvPr/>
+      </p:nvGrpSpPr>
+      <p:grpSpPr>
+        <a:xfrm>
+          <a:off x="0" y="0"/>
+          <a:ext cx="0" cy="0"/>
+          <a:chOff x="0" y="0"/>
+          <a:chExt cx="0" cy="0"/>
+        </a:xfrm>
+      </p:grpSpPr>
+      <p:sp>
+        <p:nvSpPr>
+          <p:cNvPr id="115" name="Google Shape;115;p19"/>
+          <p:cNvSpPr txBox="1"/>
+          <p:nvPr>
+            <p:ph type="title"/>
+          </p:nvPr>
+        </p:nvSpPr>
+        <p:spPr>
+          <a:xfrm>
+            <a:off x="0" y="0"/>
+            <a:ext cx="9144000" cy="685800"/>
+          </a:xfrm>
+          <a:prstGeom prst="rect">
+            <a:avLst/>
+          </a:prstGeom>
+        </p:spPr>
+        <p:txBody>
+          <a:bodyPr anchorCtr="0" anchor="ctr" bIns="91425" lIns="274300" spcFirstLastPara="1" rIns="91425" wrap="square" tIns="91425">
+            <a:noAutofit/>
+          </a:bodyPr>
+          <a:lstStyle/>
+          <a:p>
+            <a:pPr indent="0" lvl="0" marL="0" rtl="0" algn="l">
+              <a:spcBef>
+                <a:spcPts val="0"/>
+              </a:spcBef>
+              <a:spcAft>
+                <a:spcPts val="0"/>
+              </a:spcAft>
+              <a:buNone/>
+            </a:pPr>
+            <a:r>
+              <a:rPr lang="en"/>
+              <a:t>Method Exercises (Qualitative Data Analysis)</a:t>
+            </a:r>
+            <a:endParaRPr/>
+          </a:p>
+        </p:txBody>
+      </p:sp>
+      <p:sp>
+        <p:nvSpPr>
+          <p:cNvPr id="116" name="Google Shape;116;p19"/>
+          <p:cNvSpPr txBox="1"/>
+          <p:nvPr>
+            <p:ph idx="1" type="body"/>
+          </p:nvPr>
+        </p:nvSpPr>
+        <p:spPr>
+          <a:xfrm>
+            <a:off x="274320" y="914400"/>
+            <a:ext cx="8595300" cy="4114800"/>
+          </a:xfrm>
+          <a:prstGeom prst="rect">
+            <a:avLst/>
+          </a:prstGeom>
+        </p:spPr>
+        <p:txBody>
+          <a:bodyPr anchorCtr="0" anchor="t" bIns="0" lIns="0" spcFirstLastPara="1" rIns="0" wrap="square" tIns="0">
+            <a:noAutofit/>
+          </a:bodyPr>
+          <a:lstStyle/>
+          <a:p>
+            <a:pPr indent="0" lvl="0" marL="0" rtl="0" algn="l">
+              <a:spcBef>
+                <a:spcPts val="0"/>
+              </a:spcBef>
+              <a:spcAft>
+                <a:spcPts val="0"/>
+              </a:spcAft>
+              <a:buNone/>
+            </a:pPr>
+            <a:r>
+              <a:rPr lang="en"/>
+              <a:t>Graded using a structured metric (intercoder reliability) against our solution</a:t>
+            </a:r>
+            <a:endParaRPr/>
+          </a:p>
+          <a:p>
+            <a:pPr indent="0" lvl="0" marL="0" rtl="0" algn="l">
+              <a:spcBef>
+                <a:spcPts val="1200"/>
+              </a:spcBef>
+              <a:spcAft>
+                <a:spcPts val="1200"/>
+              </a:spcAft>
+              <a:buNone/>
+            </a:pPr>
+            <a:r>
+              <a:rPr lang="en"/>
+              <a:t>One qualitative written assignment (presentation of resulting theory)</a:t>
+            </a:r>
+            <a:endParaRPr/>
+          </a:p>
+        </p:txBody>
+      </p:sp>
+      <p:sp>
+        <p:nvSpPr>
+          <p:cNvPr id="117" name="Google Shape;117;p19"/>
+          <p:cNvSpPr txBox="1"/>
+          <p:nvPr>
+            <p:ph idx="12" type="sldNum"/>
+          </p:nvPr>
+        </p:nvSpPr>
+        <p:spPr>
+          <a:xfrm>
+            <a:off x="7315202" y="4416550"/>
+            <a:ext cx="1828800" cy="731400"/>
+          </a:xfrm>
+          <a:prstGeom prst="rect">
+            <a:avLst/>
+          </a:prstGeom>
+        </p:spPr>
+        <p:txBody>
+          <a:bodyPr anchorCtr="0" anchor="b" bIns="91425" lIns="91425" spcFirstLastPara="1" rIns="91425" wrap="square" tIns="91425">
+            <a:noAutofit/>
+          </a:bodyPr>
+          <a:lstStyle/>
+          <a:p>
+            <a:pPr indent="0" lvl="0" marL="0" rtl="0" algn="r">
+              <a:spcBef>
+                <a:spcPts val="0"/>
+              </a:spcBef>
+              <a:spcAft>
+                <a:spcPts val="0"/>
+              </a:spcAft>
+              <a:buNone/>
+            </a:pPr>
+            <a:fld id="{00000000-1234-1234-1234-123412341234}" type="slidenum">
+              <a:rPr lang="en"/>
+              <a:t>‹#›</a:t>
+            </a:fld>
+            <a:endParaRPr/>
+          </a:p>
+          <a:p>
+            <a:pPr indent="0" lvl="0" marL="0" rtl="0" algn="r">
+              <a:spcBef>
+                <a:spcPts val="0"/>
+              </a:spcBef>
+              <a:spcAft>
+                <a:spcPts val="0"/>
+              </a:spcAft>
+              <a:buNone/>
+            </a:pPr>
+            <a:r>
+              <a:rPr b="0" lang="en" sz="900" u="sng">
+                <a:solidFill>
+                  <a:schemeClr val="hlink"/>
+                </a:solidFill>
+                <a:hlinkClick r:id="rId3"/>
+              </a:rPr>
+              <a:t>https://profriehle.com</a:t>
+            </a:r>
+            <a:r>
+              <a:rPr b="0" lang="en" sz="900">
+                <a:solidFill>
+                  <a:schemeClr val="dk2"/>
+                </a:solidFill>
+              </a:rPr>
+              <a:t> </a:t>
+            </a:r>
+            <a:endParaRPr b="0" sz="900">
+              <a:solidFill>
+                <a:schemeClr val="dk2"/>
+              </a:solidFill>
+            </a:endParaRPr>
+          </a:p>
+        </p:txBody>
+      </p:sp>
+    </p:spTree>
+  </p:cSld>
+  <p:clrMapOvr>
+    <a:masterClrMapping/>
+  </p:clrMapOvr>
+</p:sld>
+</file>
+
+<file path=ppt/slides/slide13.xml><?xml version="1.0" encoding="utf-8"?>
+<p:sld xmlns:a="http://schemas.openxmlformats.org/drawingml/2006/main" xmlns:r="http://schemas.openxmlformats.org/officeDocument/2006/relationships" xmlns:mc="http://schemas.openxmlformats.org/markup-compatibility/2006" xmlns:mv="urn:schemas-microsoft-com:mac:vml" xmlns:p="http://schemas.openxmlformats.org/presentationml/2006/main" xmlns:c="http://schemas.openxmlformats.org/drawingml/2006/chart" xmlns:dgm="http://schemas.openxmlformats.org/drawingml/2006/diagram" xmlns:o="urn:schemas-microsoft-com:office:office" xmlns:v="urn:schemas-microsoft-com:vml" xmlns:pvml="urn:schemas-microsoft-com:office:powerpoint" xmlns:com="http://schemas.openxmlformats.org/drawingml/2006/compatibility" xmlns:p14="http://schemas.microsoft.com/office/powerpoint/2010/main" xmlns:p15="http://schemas.microsoft.com/office/powerpoint/2012/main" xmlns:ahyp="http://schemas.microsoft.com/office/drawing/2018/hyperlinkcolor">
+  <p:cSld>
+    <p:spTree>
+      <p:nvGrpSpPr>
+        <p:cNvPr id="121" name="Shape 121"/>
+        <p:cNvGrpSpPr/>
+        <p:nvPr/>
+      </p:nvGrpSpPr>
+      <p:grpSpPr>
+        <a:xfrm>
+          <a:off x="0" y="0"/>
+          <a:ext cx="0" cy="0"/>
+          <a:chOff x="0" y="0"/>
+          <a:chExt cx="0" cy="0"/>
+        </a:xfrm>
+      </p:grpSpPr>
+      <p:sp>
+        <p:nvSpPr>
+          <p:cNvPr id="122" name="Google Shape;122;p20"/>
+          <p:cNvSpPr txBox="1"/>
+          <p:nvPr>
+            <p:ph type="title"/>
+          </p:nvPr>
+        </p:nvSpPr>
+        <p:spPr>
+          <a:xfrm>
+            <a:off x="0" y="0"/>
+            <a:ext cx="9144000" cy="685800"/>
+          </a:xfrm>
+          <a:prstGeom prst="rect">
+            <a:avLst/>
+          </a:prstGeom>
+        </p:spPr>
+        <p:txBody>
+          <a:bodyPr anchorCtr="0" anchor="ctr" bIns="0" lIns="274300" spcFirstLastPara="1" rIns="0" wrap="square" tIns="0">
+            <a:noAutofit/>
+          </a:bodyPr>
+          <a:lstStyle/>
+          <a:p>
+            <a:pPr indent="0" lvl="0" marL="0" rtl="0" algn="l">
+              <a:spcBef>
+                <a:spcPts val="0"/>
+              </a:spcBef>
+              <a:spcAft>
+                <a:spcPts val="0"/>
+              </a:spcAft>
+              <a:buNone/>
+            </a:pPr>
+            <a:r>
+              <a:rPr lang="en"/>
+              <a:t>Grading Rubric for Homework Submissions</a:t>
+            </a:r>
+            <a:endParaRPr/>
+          </a:p>
+        </p:txBody>
+      </p:sp>
+      <p:sp>
+        <p:nvSpPr>
+          <p:cNvPr id="123" name="Google Shape;123;p20"/>
+          <p:cNvSpPr txBox="1"/>
+          <p:nvPr>
+            <p:ph idx="12" type="sldNum"/>
+          </p:nvPr>
+        </p:nvSpPr>
+        <p:spPr>
+          <a:xfrm>
+            <a:off x="7315202" y="4416550"/>
+            <a:ext cx="1828800" cy="731400"/>
+          </a:xfrm>
+          <a:prstGeom prst="rect">
+            <a:avLst/>
+          </a:prstGeom>
+        </p:spPr>
+        <p:txBody>
+          <a:bodyPr anchorCtr="0" anchor="b" bIns="91425" lIns="91425" spcFirstLastPara="1" rIns="91425" wrap="square" tIns="91425">
+            <a:noAutofit/>
+          </a:bodyPr>
+          <a:lstStyle/>
+          <a:p>
+            <a:pPr indent="0" lvl="0" marL="0" rtl="0" algn="r">
+              <a:spcBef>
+                <a:spcPts val="0"/>
+              </a:spcBef>
+              <a:spcAft>
+                <a:spcPts val="0"/>
+              </a:spcAft>
+              <a:buNone/>
+            </a:pPr>
+            <a:fld id="{00000000-1234-1234-1234-123412341234}" type="slidenum">
+              <a:rPr lang="en"/>
+              <a:t>‹#›</a:t>
+            </a:fld>
+            <a:endParaRPr/>
+          </a:p>
+          <a:p>
+            <a:pPr indent="0" lvl="0" marL="0" rtl="0" algn="r">
+              <a:spcBef>
+                <a:spcPts val="0"/>
+              </a:spcBef>
+              <a:spcAft>
+                <a:spcPts val="0"/>
+              </a:spcAft>
+              <a:buNone/>
+            </a:pPr>
+            <a:r>
+              <a:rPr b="0" lang="en" sz="900" u="sng">
+                <a:solidFill>
+                  <a:schemeClr val="hlink"/>
+                </a:solidFill>
+                <a:hlinkClick r:id="rId3"/>
+              </a:rPr>
+              <a:t>https://profriehle.com</a:t>
+            </a:r>
+            <a:r>
+              <a:rPr b="0" lang="en" sz="900">
+                <a:solidFill>
+                  <a:schemeClr val="dk2"/>
+                </a:solidFill>
+              </a:rPr>
+              <a:t> </a:t>
+            </a:r>
             <a:endParaRPr>
               <a:solidFill>
                 <a:schemeClr val="dk2"/>
@@ -6751,7 +7635,7 @@
       </p:sp>
       <p:graphicFrame>
         <p:nvGraphicFramePr>
-          <p:cNvPr id="110" name="Google Shape;110;p18"/>
+          <p:cNvPr id="124" name="Google Shape;124;p20"/>
           <p:cNvGraphicFramePr/>
           <p:nvPr/>
         </p:nvGraphicFramePr>
@@ -6764,7 +7648,7 @@
             <a:tbl>
               <a:tblPr>
                 <a:noFill/>
-                <a:tableStyleId>{71A0B490-EB64-4E4A-B1CB-EED4A76580A7}</a:tableStyleId>
+                <a:tableStyleId>{23652F70-9202-48D5-8F4F-905141E43016}</a:tableStyleId>
               </a:tblPr>
               <a:tblGrid>
                 <a:gridCol w="1227850"/>
@@ -7550,7 +8434,23 @@
                             <a:schemeClr val="dk1"/>
                           </a:solidFill>
                         </a:rPr>
-                        <a:t>Does it meet length re- quirements, is it written in the right language, etc.?</a:t>
+                        <a:t>Does it meet length </a:t>
+                      </a:r>
+                      <a:r>
+                        <a:rPr lang="en" sz="1000">
+                          <a:solidFill>
+                            <a:schemeClr val="dk1"/>
+                          </a:solidFill>
+                        </a:rPr>
+                        <a:t>requirements</a:t>
+                      </a:r>
+                      <a:r>
+                        <a:rPr lang="en" sz="1000">
+                          <a:solidFill>
+                            <a:schemeClr val="dk1"/>
+                          </a:solidFill>
+                        </a:rPr>
+                        <a:t>, is it written in the right language, etc.?</a:t>
                       </a:r>
                       <a:endParaRPr sz="1000">
                         <a:solidFill>
@@ -8334,509 +9234,6 @@
 </p:sld>
 </file>
 
-<file path=ppt/slides/slide12.xml><?xml version="1.0" encoding="utf-8"?>
-<p:sld xmlns:a="http://schemas.openxmlformats.org/drawingml/2006/main" xmlns:r="http://schemas.openxmlformats.org/officeDocument/2006/relationships" xmlns:mc="http://schemas.openxmlformats.org/markup-compatibility/2006" xmlns:mv="urn:schemas-microsoft-com:mac:vml" xmlns:p="http://schemas.openxmlformats.org/presentationml/2006/main" xmlns:c="http://schemas.openxmlformats.org/drawingml/2006/chart" xmlns:dgm="http://schemas.openxmlformats.org/drawingml/2006/diagram" xmlns:o="urn:schemas-microsoft-com:office:office" xmlns:v="urn:schemas-microsoft-com:vml" xmlns:pvml="urn:schemas-microsoft-com:office:powerpoint" xmlns:com="http://schemas.openxmlformats.org/drawingml/2006/compatibility" xmlns:p14="http://schemas.microsoft.com/office/powerpoint/2010/main" xmlns:p15="http://schemas.microsoft.com/office/powerpoint/2012/main" xmlns:ahyp="http://schemas.microsoft.com/office/drawing/2018/hyperlinkcolor">
-  <p:cSld>
-    <p:spTree>
-      <p:nvGrpSpPr>
-        <p:cNvPr id="114" name="Shape 114"/>
-        <p:cNvGrpSpPr/>
-        <p:nvPr/>
-      </p:nvGrpSpPr>
-      <p:grpSpPr>
-        <a:xfrm>
-          <a:off x="0" y="0"/>
-          <a:ext cx="0" cy="0"/>
-          <a:chOff x="0" y="0"/>
-          <a:chExt cx="0" cy="0"/>
-        </a:xfrm>
-      </p:grpSpPr>
-      <p:sp>
-        <p:nvSpPr>
-          <p:cNvPr id="115" name="Google Shape;115;p19"/>
-          <p:cNvSpPr txBox="1"/>
-          <p:nvPr>
-            <p:ph type="title"/>
-          </p:nvPr>
-        </p:nvSpPr>
-        <p:spPr>
-          <a:xfrm>
-            <a:off x="0" y="0"/>
-            <a:ext cx="9144000" cy="685800"/>
-          </a:xfrm>
-          <a:prstGeom prst="rect">
-            <a:avLst/>
-          </a:prstGeom>
-        </p:spPr>
-        <p:txBody>
-          <a:bodyPr anchorCtr="0" anchor="ctr" bIns="91425" lIns="274300" spcFirstLastPara="1" rIns="91425" wrap="square" tIns="91425">
-            <a:noAutofit/>
-          </a:bodyPr>
-          <a:lstStyle/>
-          <a:p>
-            <a:pPr indent="0" lvl="0" marL="0" rtl="0" algn="l">
-              <a:spcBef>
-                <a:spcPts val="0"/>
-              </a:spcBef>
-              <a:spcAft>
-                <a:spcPts val="0"/>
-              </a:spcAft>
-              <a:buNone/>
-            </a:pPr>
-            <a:r>
-              <a:rPr lang="en"/>
-              <a:t>NYT-PROJ Grading</a:t>
-            </a:r>
-            <a:endParaRPr/>
-          </a:p>
-        </p:txBody>
-      </p:sp>
-      <p:sp>
-        <p:nvSpPr>
-          <p:cNvPr id="116" name="Google Shape;116;p19"/>
-          <p:cNvSpPr txBox="1"/>
-          <p:nvPr>
-            <p:ph idx="1" type="body"/>
-          </p:nvPr>
-        </p:nvSpPr>
-        <p:spPr>
-          <a:xfrm>
-            <a:off x="274320" y="914400"/>
-            <a:ext cx="8595300" cy="4114800"/>
-          </a:xfrm>
-          <a:prstGeom prst="rect">
-            <a:avLst/>
-          </a:prstGeom>
-        </p:spPr>
-        <p:txBody>
-          <a:bodyPr anchorCtr="0" anchor="t" bIns="0" lIns="0" spcFirstLastPara="1" rIns="0" wrap="square" tIns="0">
-            <a:noAutofit/>
-          </a:bodyPr>
-          <a:lstStyle/>
-          <a:p>
-            <a:pPr indent="0" lvl="0" marL="0" rtl="0" algn="l">
-              <a:spcBef>
-                <a:spcPts val="0"/>
-              </a:spcBef>
-              <a:spcAft>
-                <a:spcPts val="0"/>
-              </a:spcAft>
-              <a:buNone/>
-            </a:pPr>
-            <a:r>
-              <a:rPr lang="en"/>
-              <a:t>Six submissions and one presentation</a:t>
-            </a:r>
-            <a:endParaRPr/>
-          </a:p>
-          <a:p>
-            <a:pPr indent="-342900" lvl="0" marL="457200" rtl="0" algn="l">
-              <a:spcBef>
-                <a:spcPts val="1200"/>
-              </a:spcBef>
-              <a:spcAft>
-                <a:spcPts val="0"/>
-              </a:spcAft>
-              <a:buSzPts val="1800"/>
-              <a:buAutoNum type="arabicPeriod"/>
-            </a:pPr>
-            <a:r>
-              <a:rPr lang="en"/>
-              <a:t>Paper outline = 5%</a:t>
-            </a:r>
-            <a:endParaRPr/>
-          </a:p>
-          <a:p>
-            <a:pPr indent="-342900" lvl="0" marL="457200" rtl="0" algn="l">
-              <a:spcBef>
-                <a:spcPts val="0"/>
-              </a:spcBef>
-              <a:spcAft>
-                <a:spcPts val="0"/>
-              </a:spcAft>
-              <a:buSzPts val="1800"/>
-              <a:buAutoNum type="arabicPeriod"/>
-            </a:pPr>
-            <a:r>
-              <a:rPr lang="en"/>
-              <a:t>Related work = 10%</a:t>
-            </a:r>
-            <a:endParaRPr/>
-          </a:p>
-          <a:p>
-            <a:pPr indent="-342900" lvl="0" marL="457200" rtl="0" algn="l">
-              <a:spcBef>
-                <a:spcPts val="0"/>
-              </a:spcBef>
-              <a:spcAft>
-                <a:spcPts val="0"/>
-              </a:spcAft>
-              <a:buSzPts val="1800"/>
-              <a:buAutoNum type="arabicPeriod"/>
-            </a:pPr>
-            <a:r>
-              <a:rPr lang="en"/>
-              <a:t>Contributions 1 = 5%</a:t>
-            </a:r>
-            <a:endParaRPr/>
-          </a:p>
-          <a:p>
-            <a:pPr indent="-342900" lvl="0" marL="457200" rtl="0" algn="l">
-              <a:spcBef>
-                <a:spcPts val="0"/>
-              </a:spcBef>
-              <a:spcAft>
-                <a:spcPts val="0"/>
-              </a:spcAft>
-              <a:buSzPts val="1800"/>
-              <a:buAutoNum type="arabicPeriod"/>
-            </a:pPr>
-            <a:r>
-              <a:rPr lang="en"/>
-              <a:t>Contributions 2 = 10%</a:t>
-            </a:r>
-            <a:endParaRPr/>
-          </a:p>
-          <a:p>
-            <a:pPr indent="-342900" lvl="0" marL="457200" rtl="0" algn="l">
-              <a:spcBef>
-                <a:spcPts val="0"/>
-              </a:spcBef>
-              <a:spcAft>
-                <a:spcPts val="0"/>
-              </a:spcAft>
-              <a:buSzPts val="1800"/>
-              <a:buAutoNum type="arabicPeriod"/>
-            </a:pPr>
-            <a:r>
-              <a:rPr lang="en"/>
-              <a:t>Paper draft = 15%</a:t>
-            </a:r>
-            <a:endParaRPr/>
-          </a:p>
-          <a:p>
-            <a:pPr indent="-342900" lvl="0" marL="457200" rtl="0" algn="l">
-              <a:spcBef>
-                <a:spcPts val="0"/>
-              </a:spcBef>
-              <a:spcAft>
-                <a:spcPts val="0"/>
-              </a:spcAft>
-              <a:buSzPts val="1800"/>
-              <a:buAutoNum type="arabicPeriod"/>
-            </a:pPr>
-            <a:r>
-              <a:rPr lang="en"/>
-              <a:t>Final paper = 40%</a:t>
-            </a:r>
-            <a:endParaRPr/>
-          </a:p>
-          <a:p>
-            <a:pPr indent="-342900" lvl="0" marL="457200" rtl="0" algn="l">
-              <a:spcBef>
-                <a:spcPts val="0"/>
-              </a:spcBef>
-              <a:spcAft>
-                <a:spcPts val="0"/>
-              </a:spcAft>
-              <a:buSzPts val="1800"/>
-              <a:buAutoNum type="arabicPeriod"/>
-            </a:pPr>
-            <a:r>
-              <a:rPr lang="en"/>
-              <a:t>Final presentation = 15%</a:t>
-            </a:r>
-            <a:endParaRPr/>
-          </a:p>
-          <a:p>
-            <a:pPr indent="0" lvl="0" marL="0" rtl="0" algn="l">
-              <a:spcBef>
-                <a:spcPts val="1200"/>
-              </a:spcBef>
-              <a:spcAft>
-                <a:spcPts val="1200"/>
-              </a:spcAft>
-              <a:buNone/>
-            </a:pPr>
-            <a:r>
-              <a:t/>
-            </a:r>
-            <a:endParaRPr/>
-          </a:p>
-        </p:txBody>
-      </p:sp>
-      <p:sp>
-        <p:nvSpPr>
-          <p:cNvPr id="117" name="Google Shape;117;p19"/>
-          <p:cNvSpPr txBox="1"/>
-          <p:nvPr>
-            <p:ph idx="12" type="sldNum"/>
-          </p:nvPr>
-        </p:nvSpPr>
-        <p:spPr>
-          <a:xfrm>
-            <a:off x="7315202" y="4416550"/>
-            <a:ext cx="1828800" cy="731400"/>
-          </a:xfrm>
-          <a:prstGeom prst="rect">
-            <a:avLst/>
-          </a:prstGeom>
-        </p:spPr>
-        <p:txBody>
-          <a:bodyPr anchorCtr="0" anchor="b" bIns="91425" lIns="91425" spcFirstLastPara="1" rIns="91425" wrap="square" tIns="91425">
-            <a:noAutofit/>
-          </a:bodyPr>
-          <a:lstStyle/>
-          <a:p>
-            <a:pPr indent="0" lvl="0" marL="0" rtl="0" algn="r">
-              <a:spcBef>
-                <a:spcPts val="0"/>
-              </a:spcBef>
-              <a:spcAft>
-                <a:spcPts val="0"/>
-              </a:spcAft>
-              <a:buNone/>
-            </a:pPr>
-            <a:fld id="{00000000-1234-1234-1234-123412341234}" type="slidenum">
-              <a:rPr lang="en"/>
-              <a:t>‹#›</a:t>
-            </a:fld>
-            <a:endParaRPr/>
-          </a:p>
-          <a:p>
-            <a:pPr indent="0" lvl="0" marL="0" rtl="0" algn="r">
-              <a:spcBef>
-                <a:spcPts val="0"/>
-              </a:spcBef>
-              <a:spcAft>
-                <a:spcPts val="0"/>
-              </a:spcAft>
-              <a:buNone/>
-            </a:pPr>
-            <a:r>
-              <a:rPr b="0" lang="en" sz="900" u="sng">
-                <a:solidFill>
-                  <a:schemeClr val="hlink"/>
-                </a:solidFill>
-                <a:hlinkClick r:id="rId3"/>
-              </a:rPr>
-              <a:t>https://profriehle.com</a:t>
-            </a:r>
-            <a:r>
-              <a:rPr b="0" lang="en" sz="900">
-                <a:solidFill>
-                  <a:schemeClr val="dk2"/>
-                </a:solidFill>
-              </a:rPr>
-              <a:t> </a:t>
-            </a:r>
-            <a:endParaRPr b="0" sz="900">
-              <a:solidFill>
-                <a:schemeClr val="dk2"/>
-              </a:solidFill>
-            </a:endParaRPr>
-          </a:p>
-        </p:txBody>
-      </p:sp>
-    </p:spTree>
-  </p:cSld>
-  <p:clrMapOvr>
-    <a:masterClrMapping/>
-  </p:clrMapOvr>
-</p:sld>
-</file>
-
-<file path=ppt/slides/slide13.xml><?xml version="1.0" encoding="utf-8"?>
-<p:sld xmlns:a="http://schemas.openxmlformats.org/drawingml/2006/main" xmlns:r="http://schemas.openxmlformats.org/officeDocument/2006/relationships" xmlns:mc="http://schemas.openxmlformats.org/markup-compatibility/2006" xmlns:mv="urn:schemas-microsoft-com:mac:vml" xmlns:p="http://schemas.openxmlformats.org/presentationml/2006/main" xmlns:c="http://schemas.openxmlformats.org/drawingml/2006/chart" xmlns:dgm="http://schemas.openxmlformats.org/drawingml/2006/diagram" xmlns:o="urn:schemas-microsoft-com:office:office" xmlns:v="urn:schemas-microsoft-com:vml" xmlns:pvml="urn:schemas-microsoft-com:office:powerpoint" xmlns:com="http://schemas.openxmlformats.org/drawingml/2006/compatibility" xmlns:p14="http://schemas.microsoft.com/office/powerpoint/2010/main" xmlns:p15="http://schemas.microsoft.com/office/powerpoint/2012/main" xmlns:ahyp="http://schemas.microsoft.com/office/drawing/2018/hyperlinkcolor">
-  <p:cSld>
-    <p:spTree>
-      <p:nvGrpSpPr>
-        <p:cNvPr id="121" name="Shape 121"/>
-        <p:cNvGrpSpPr/>
-        <p:nvPr/>
-      </p:nvGrpSpPr>
-      <p:grpSpPr>
-        <a:xfrm>
-          <a:off x="0" y="0"/>
-          <a:ext cx="0" cy="0"/>
-          <a:chOff x="0" y="0"/>
-          <a:chExt cx="0" cy="0"/>
-        </a:xfrm>
-      </p:grpSpPr>
-      <p:sp>
-        <p:nvSpPr>
-          <p:cNvPr id="122" name="Google Shape;122;p20"/>
-          <p:cNvSpPr txBox="1"/>
-          <p:nvPr>
-            <p:ph type="title"/>
-          </p:nvPr>
-        </p:nvSpPr>
-        <p:spPr>
-          <a:xfrm>
-            <a:off x="0" y="0"/>
-            <a:ext cx="9144000" cy="685800"/>
-          </a:xfrm>
-          <a:prstGeom prst="rect">
-            <a:avLst/>
-          </a:prstGeom>
-        </p:spPr>
-        <p:txBody>
-          <a:bodyPr anchorCtr="0" anchor="ctr" bIns="91425" lIns="274300" spcFirstLastPara="1" rIns="91425" wrap="square" tIns="91425">
-            <a:noAutofit/>
-          </a:bodyPr>
-          <a:lstStyle/>
-          <a:p>
-            <a:pPr indent="0" lvl="0" marL="0" rtl="0" algn="l">
-              <a:spcBef>
-                <a:spcPts val="0"/>
-              </a:spcBef>
-              <a:spcAft>
-                <a:spcPts val="0"/>
-              </a:spcAft>
-              <a:buNone/>
-            </a:pPr>
-            <a:r>
-              <a:rPr lang="en"/>
-              <a:t>This Semester’s Projects</a:t>
-            </a:r>
-            <a:endParaRPr/>
-          </a:p>
-        </p:txBody>
-      </p:sp>
-      <p:sp>
-        <p:nvSpPr>
-          <p:cNvPr id="123" name="Google Shape;123;p20"/>
-          <p:cNvSpPr txBox="1"/>
-          <p:nvPr>
-            <p:ph idx="1" type="body"/>
-          </p:nvPr>
-        </p:nvSpPr>
-        <p:spPr>
-          <a:xfrm>
-            <a:off x="274320" y="914400"/>
-            <a:ext cx="8595300" cy="4114800"/>
-          </a:xfrm>
-          <a:prstGeom prst="rect">
-            <a:avLst/>
-          </a:prstGeom>
-        </p:spPr>
-        <p:txBody>
-          <a:bodyPr anchorCtr="0" anchor="t" bIns="0" lIns="0" spcFirstLastPara="1" rIns="0" wrap="square" tIns="0">
-            <a:noAutofit/>
-          </a:bodyPr>
-          <a:lstStyle/>
-          <a:p>
-            <a:pPr indent="0" lvl="0" marL="0" rtl="0" algn="l">
-              <a:spcBef>
-                <a:spcPts val="0"/>
-              </a:spcBef>
-              <a:spcAft>
-                <a:spcPts val="1200"/>
-              </a:spcAft>
-              <a:buNone/>
-            </a:pPr>
-            <a:r>
-              <a:rPr lang="en"/>
-              <a:t>Let’s see… </a:t>
-            </a:r>
-            <a:r>
-              <a:rPr lang="en" u="sng">
-                <a:solidFill>
-                  <a:schemeClr val="hlink"/>
-                </a:solidFill>
-                <a:hlinkClick r:id="rId3"/>
-              </a:rPr>
-              <a:t>https://nyt.uni1.de</a:t>
-            </a:r>
-            <a:r>
-              <a:rPr lang="en"/>
-              <a:t> </a:t>
-            </a:r>
-            <a:endParaRPr/>
-          </a:p>
-        </p:txBody>
-      </p:sp>
-      <p:sp>
-        <p:nvSpPr>
-          <p:cNvPr id="124" name="Google Shape;124;p20"/>
-          <p:cNvSpPr txBox="1"/>
-          <p:nvPr>
-            <p:ph idx="12" type="sldNum"/>
-          </p:nvPr>
-        </p:nvSpPr>
-        <p:spPr>
-          <a:xfrm>
-            <a:off x="7315202" y="4416550"/>
-            <a:ext cx="1828800" cy="731400"/>
-          </a:xfrm>
-          <a:prstGeom prst="rect">
-            <a:avLst/>
-          </a:prstGeom>
-        </p:spPr>
-        <p:txBody>
-          <a:bodyPr anchorCtr="0" anchor="b" bIns="91425" lIns="91425" spcFirstLastPara="1" rIns="91425" wrap="square" tIns="91425">
-            <a:noAutofit/>
-          </a:bodyPr>
-          <a:lstStyle/>
-          <a:p>
-            <a:pPr indent="0" lvl="0" marL="0" rtl="0" algn="r">
-              <a:spcBef>
-                <a:spcPts val="0"/>
-              </a:spcBef>
-              <a:spcAft>
-                <a:spcPts val="0"/>
-              </a:spcAft>
-              <a:buNone/>
-            </a:pPr>
-            <a:fld id="{00000000-1234-1234-1234-123412341234}" type="slidenum">
-              <a:rPr lang="en"/>
-              <a:t>‹#›</a:t>
-            </a:fld>
-            <a:endParaRPr/>
-          </a:p>
-          <a:p>
-            <a:pPr indent="0" lvl="0" marL="0" rtl="0" algn="r">
-              <a:spcBef>
-                <a:spcPts val="0"/>
-              </a:spcBef>
-              <a:spcAft>
-                <a:spcPts val="0"/>
-              </a:spcAft>
-              <a:buNone/>
-            </a:pPr>
-            <a:r>
-              <a:rPr b="0" lang="en" sz="900" u="sng">
-                <a:solidFill>
-                  <a:schemeClr val="hlink"/>
-                </a:solidFill>
-                <a:hlinkClick r:id="rId4"/>
-              </a:rPr>
-              <a:t>https://profriehle.com</a:t>
-            </a:r>
-            <a:r>
-              <a:rPr b="0" lang="en" sz="900">
-                <a:solidFill>
-                  <a:schemeClr val="dk2"/>
-                </a:solidFill>
-              </a:rPr>
-              <a:t> </a:t>
-            </a:r>
-            <a:endParaRPr b="0" sz="900">
-              <a:solidFill>
-                <a:schemeClr val="dk2"/>
-              </a:solidFill>
-            </a:endParaRPr>
-          </a:p>
-        </p:txBody>
-      </p:sp>
-    </p:spTree>
-  </p:cSld>
-  <p:clrMapOvr>
-    <a:masterClrMapping/>
-  </p:clrMapOvr>
-</p:sld>
-</file>
-
 <file path=ppt/slides/slide14.xml><?xml version="1.0" encoding="utf-8"?>
 <p:sld xmlns:a="http://schemas.openxmlformats.org/drawingml/2006/main" xmlns:r="http://schemas.openxmlformats.org/officeDocument/2006/relationships" xmlns:mc="http://schemas.openxmlformats.org/markup-compatibility/2006" xmlns:mv="urn:schemas-microsoft-com:mac:vml" xmlns:p="http://schemas.openxmlformats.org/presentationml/2006/main" xmlns:c="http://schemas.openxmlformats.org/drawingml/2006/chart" xmlns:dgm="http://schemas.openxmlformats.org/drawingml/2006/diagram" xmlns:o="urn:schemas-microsoft-com:office:office" xmlns:v="urn:schemas-microsoft-com:vml" xmlns:pvml="urn:schemas-microsoft-com:office:powerpoint" xmlns:com="http://schemas.openxmlformats.org/drawingml/2006/compatibility" xmlns:p14="http://schemas.microsoft.com/office/powerpoint/2010/main" xmlns:p15="http://schemas.microsoft.com/office/powerpoint/2012/main" xmlns:ahyp="http://schemas.microsoft.com/office/drawing/2018/hyperlinkcolor">
   <p:cSld>
@@ -8888,7 +9285,7 @@
             </a:pPr>
             <a:r>
               <a:rPr lang="en"/>
-              <a:t>Course Registration vs. Exam Registration</a:t>
+              <a:t>NYT-PROJ Grading</a:t>
             </a:r>
             <a:endParaRPr/>
           </a:p>
@@ -8927,12 +9324,8 @@
               <a:buNone/>
             </a:pPr>
             <a:r>
-              <a:rPr b="1" lang="en"/>
-              <a:t>Step 1: Course registration </a:t>
-            </a:r>
-            <a:r>
-              <a:rPr lang="en"/>
-              <a:t>(German: Kursanmeldung)</a:t>
+              <a:rPr lang="en"/>
+              <a:t>Six submissions and one presentation</a:t>
             </a:r>
             <a:endParaRPr/>
           </a:p>
@@ -8945,11 +9338,11 @@
                 <a:spcPts val="0"/>
               </a:spcAft>
               <a:buSzPts val="1800"/>
-              <a:buChar char="●"/>
-            </a:pPr>
-            <a:r>
-              <a:rPr lang="en"/>
-              <a:t>Students sign up through the course management system</a:t>
+              <a:buAutoNum type="arabicPeriod"/>
+            </a:pPr>
+            <a:r>
+              <a:rPr lang="en"/>
+              <a:t>Paper outline = 5%</a:t>
             </a:r>
             <a:endParaRPr/>
           </a:p>
@@ -8962,11 +9355,11 @@
                 <a:spcPts val="0"/>
               </a:spcAft>
               <a:buSzPts val="1800"/>
-              <a:buChar char="●"/>
-            </a:pPr>
-            <a:r>
-              <a:rPr lang="en"/>
-              <a:t>You may or may not get in, various rules and regulations apply</a:t>
+              <a:buAutoNum type="arabicPeriod"/>
+            </a:pPr>
+            <a:r>
+              <a:rPr lang="en"/>
+              <a:t>Related work = 10%</a:t>
             </a:r>
             <a:endParaRPr/>
           </a:p>
@@ -8979,11 +9372,79 @@
                 <a:spcPts val="0"/>
               </a:spcAft>
               <a:buSzPts val="1800"/>
-              <a:buChar char="●"/>
-            </a:pPr>
-            <a:r>
-              <a:rPr lang="en"/>
-              <a:t>The earlier you sign up, the more likely you are to get in</a:t>
+              <a:buAutoNum type="arabicPeriod"/>
+            </a:pPr>
+            <a:r>
+              <a:rPr lang="en"/>
+              <a:t>Contributions 1 = 5%</a:t>
+            </a:r>
+            <a:endParaRPr/>
+          </a:p>
+          <a:p>
+            <a:pPr indent="-342900" lvl="0" marL="457200" rtl="0" algn="l">
+              <a:spcBef>
+                <a:spcPts val="0"/>
+              </a:spcBef>
+              <a:spcAft>
+                <a:spcPts val="0"/>
+              </a:spcAft>
+              <a:buSzPts val="1800"/>
+              <a:buAutoNum type="arabicPeriod"/>
+            </a:pPr>
+            <a:r>
+              <a:rPr lang="en"/>
+              <a:t>Contributions 2 = 10%</a:t>
+            </a:r>
+            <a:endParaRPr/>
+          </a:p>
+          <a:p>
+            <a:pPr indent="-342900" lvl="0" marL="457200" rtl="0" algn="l">
+              <a:spcBef>
+                <a:spcPts val="0"/>
+              </a:spcBef>
+              <a:spcAft>
+                <a:spcPts val="0"/>
+              </a:spcAft>
+              <a:buSzPts val="1800"/>
+              <a:buAutoNum type="arabicPeriod"/>
+            </a:pPr>
+            <a:r>
+              <a:rPr lang="en"/>
+              <a:t>Paper draft = 15%</a:t>
+            </a:r>
+            <a:endParaRPr/>
+          </a:p>
+          <a:p>
+            <a:pPr indent="-342900" lvl="0" marL="457200" rtl="0" algn="l">
+              <a:spcBef>
+                <a:spcPts val="0"/>
+              </a:spcBef>
+              <a:spcAft>
+                <a:spcPts val="0"/>
+              </a:spcAft>
+              <a:buSzPts val="1800"/>
+              <a:buAutoNum type="arabicPeriod"/>
+            </a:pPr>
+            <a:r>
+              <a:rPr lang="en"/>
+              <a:t>Final paper = 40%</a:t>
+            </a:r>
+            <a:endParaRPr/>
+          </a:p>
+          <a:p>
+            <a:pPr indent="-342900" lvl="0" marL="457200" rtl="0" algn="l">
+              <a:spcBef>
+                <a:spcPts val="0"/>
+              </a:spcBef>
+              <a:spcAft>
+                <a:spcPts val="0"/>
+              </a:spcAft>
+              <a:buSzPts val="1800"/>
+              <a:buAutoNum type="arabicPeriod"/>
+            </a:pPr>
+            <a:r>
+              <a:rPr lang="en"/>
+              <a:t>Final presentation = 15%</a:t>
             </a:r>
             <a:endParaRPr/>
           </a:p>
@@ -8993,68 +9454,12 @@
                 <a:spcPts val="1200"/>
               </a:spcBef>
               <a:spcAft>
-                <a:spcPts val="0"/>
-              </a:spcAft>
-              <a:buNone/>
-            </a:pPr>
-            <a:r>
-              <a:rPr b="1" lang="en"/>
-              <a:t>Step 2: Exam registration </a:t>
-            </a:r>
-            <a:r>
-              <a:rPr lang="en"/>
-              <a:t>(German: Prüfungsanmeldung)</a:t>
-            </a:r>
-            <a:endParaRPr/>
-          </a:p>
-          <a:p>
-            <a:pPr indent="-342900" lvl="0" marL="457200" rtl="0" algn="l">
-              <a:spcBef>
                 <a:spcPts val="1200"/>
-              </a:spcBef>
-              <a:spcAft>
-                <a:spcPts val="0"/>
-              </a:spcAft>
-              <a:buSzPts val="1800"/>
-              <a:buChar char="●"/>
-            </a:pPr>
-            <a:r>
-              <a:rPr lang="en"/>
-              <a:t>During the first weeks of the course, you can decide to drop out</a:t>
-            </a:r>
-            <a:endParaRPr/>
-          </a:p>
-          <a:p>
-            <a:pPr indent="-342900" lvl="0" marL="457200" rtl="0" algn="l">
-              <a:spcBef>
-                <a:spcPts val="0"/>
-              </a:spcBef>
-              <a:spcAft>
-                <a:spcPts val="0"/>
-              </a:spcAft>
-              <a:buSzPts val="1800"/>
-              <a:buChar char="●"/>
-            </a:pPr>
-            <a:r>
-              <a:rPr lang="en"/>
-              <a:t>Four weeks (or so) into the semester, you can register for the exam</a:t>
-            </a:r>
-            <a:endParaRPr/>
-          </a:p>
-          <a:p>
-            <a:pPr indent="-342900" lvl="0" marL="457200" rtl="0" algn="l">
-              <a:spcBef>
-                <a:spcPts val="0"/>
-              </a:spcBef>
-              <a:spcAft>
-                <a:spcPts val="0"/>
-              </a:spcAft>
-              <a:buSzPts val="1800"/>
-              <a:buChar char="●"/>
-            </a:pPr>
-            <a:r>
-              <a:rPr lang="en"/>
-              <a:t>After exam registration closes, your decision is binding</a:t>
+              </a:spcAft>
+              <a:buNone/>
+            </a:pPr>
+            <a:r>
+              <a:t/>
             </a:r>
             <a:endParaRPr/>
           </a:p>
@@ -9176,313 +9581,6 @@
           </a:prstGeom>
         </p:spPr>
         <p:txBody>
-          <a:bodyPr anchorCtr="0" anchor="ctr" bIns="91425" lIns="274300" spcFirstLastPara="1" rIns="91425" wrap="square" tIns="91425">
-            <a:noAutofit/>
-          </a:bodyPr>
-          <a:lstStyle/>
-          <a:p>
-            <a:pPr indent="0" lvl="0" marL="0" rtl="0" algn="l">
-              <a:spcBef>
-                <a:spcPts val="0"/>
-              </a:spcBef>
-              <a:spcAft>
-                <a:spcPts val="0"/>
-              </a:spcAft>
-              <a:buNone/>
-            </a:pPr>
-            <a:r>
-              <a:rPr lang="en"/>
-              <a:t>Receiving a Grade for the Course</a:t>
-            </a:r>
-            <a:endParaRPr/>
-          </a:p>
-        </p:txBody>
-      </p:sp>
-      <p:sp>
-        <p:nvSpPr>
-          <p:cNvPr id="137" name="Google Shape;137;p22"/>
-          <p:cNvSpPr txBox="1"/>
-          <p:nvPr>
-            <p:ph idx="1" type="body"/>
-          </p:nvPr>
-        </p:nvSpPr>
-        <p:spPr>
-          <a:xfrm>
-            <a:off x="274320" y="914400"/>
-            <a:ext cx="8595300" cy="4114800"/>
-          </a:xfrm>
-          <a:prstGeom prst="rect">
-            <a:avLst/>
-          </a:prstGeom>
-        </p:spPr>
-        <p:txBody>
-          <a:bodyPr anchorCtr="0" anchor="t" bIns="0" lIns="0" spcFirstLastPara="1" rIns="0" wrap="square" tIns="0">
-            <a:noAutofit/>
-          </a:bodyPr>
-          <a:lstStyle/>
-          <a:p>
-            <a:pPr indent="0" lvl="0" marL="0" rtl="0" algn="l">
-              <a:spcBef>
-                <a:spcPts val="0"/>
-              </a:spcBef>
-              <a:spcAft>
-                <a:spcPts val="0"/>
-              </a:spcAft>
-              <a:buClr>
-                <a:schemeClr val="dk1"/>
-              </a:buClr>
-              <a:buSzPts val="1100"/>
-              <a:buFont typeface="Arial"/>
-              <a:buNone/>
-            </a:pPr>
-            <a:r>
-              <a:rPr lang="en"/>
-              <a:t>If you want to receive a grade</a:t>
-            </a:r>
-            <a:endParaRPr/>
-          </a:p>
-          <a:p>
-            <a:pPr indent="-342900" lvl="0" marL="457200" rtl="0" algn="l">
-              <a:spcBef>
-                <a:spcPts val="1200"/>
-              </a:spcBef>
-              <a:spcAft>
-                <a:spcPts val="0"/>
-              </a:spcAft>
-              <a:buClr>
-                <a:srgbClr val="212121"/>
-              </a:buClr>
-              <a:buSzPts val="1800"/>
-              <a:buChar char="●"/>
-            </a:pPr>
-            <a:r>
-              <a:rPr lang="en">
-                <a:solidFill>
-                  <a:srgbClr val="212121"/>
-                </a:solidFill>
-              </a:rPr>
-              <a:t>You must register through your university’s exam registration system</a:t>
-            </a:r>
-            <a:endParaRPr>
-              <a:solidFill>
-                <a:srgbClr val="212121"/>
-              </a:solidFill>
-            </a:endParaRPr>
-          </a:p>
-          <a:p>
-            <a:pPr indent="-317500" lvl="1" marL="914400" rtl="0" algn="l">
-              <a:spcBef>
-                <a:spcPts val="0"/>
-              </a:spcBef>
-              <a:spcAft>
-                <a:spcPts val="0"/>
-              </a:spcAft>
-              <a:buSzPts val="1400"/>
-              <a:buChar char="○"/>
-            </a:pPr>
-            <a:r>
-              <a:rPr b="1" lang="en"/>
-              <a:t>Your degree program may have split the course into two (VL + UE)</a:t>
-            </a:r>
-            <a:endParaRPr b="1"/>
-          </a:p>
-          <a:p>
-            <a:pPr indent="-317500" lvl="1" marL="914400" rtl="0" algn="l">
-              <a:spcBef>
-                <a:spcPts val="0"/>
-              </a:spcBef>
-              <a:spcAft>
-                <a:spcPts val="0"/>
-              </a:spcAft>
-              <a:buSzPts val="1400"/>
-              <a:buChar char="○"/>
-            </a:pPr>
-            <a:r>
-              <a:rPr b="1" lang="en"/>
-              <a:t>Please check asap that the course is available in your degree program!</a:t>
-            </a:r>
-            <a:endParaRPr b="1">
-              <a:solidFill>
-                <a:srgbClr val="212121"/>
-              </a:solidFill>
-            </a:endParaRPr>
-          </a:p>
-          <a:p>
-            <a:pPr indent="0" lvl="0" marL="0" rtl="0" algn="l">
-              <a:spcBef>
-                <a:spcPts val="1200"/>
-              </a:spcBef>
-              <a:spcAft>
-                <a:spcPts val="0"/>
-              </a:spcAft>
-              <a:buNone/>
-            </a:pPr>
-            <a:r>
-              <a:rPr lang="en"/>
-              <a:t>In case of problems, please see</a:t>
-            </a:r>
-            <a:endParaRPr/>
-          </a:p>
-          <a:p>
-            <a:pPr indent="-342900" lvl="0" marL="457200" rtl="0" algn="l">
-              <a:spcBef>
-                <a:spcPts val="1200"/>
-              </a:spcBef>
-              <a:spcAft>
-                <a:spcPts val="0"/>
-              </a:spcAft>
-              <a:buSzPts val="1800"/>
-              <a:buChar char="●"/>
-            </a:pPr>
-            <a:r>
-              <a:rPr lang="en" u="sng">
-                <a:solidFill>
-                  <a:schemeClr val="hlink"/>
-                </a:solidFill>
-                <a:hlinkClick r:id="rId3"/>
-              </a:rPr>
-              <a:t>https://oss.cs.fau.de/teaching/course-resources/course-registration/</a:t>
-            </a:r>
-            <a:r>
-              <a:rPr lang="en"/>
-              <a:t> </a:t>
-            </a:r>
-            <a:endParaRPr/>
-          </a:p>
-          <a:p>
-            <a:pPr indent="0" lvl="0" marL="0" rtl="0" algn="l">
-              <a:spcBef>
-                <a:spcPts val="1200"/>
-              </a:spcBef>
-              <a:spcAft>
-                <a:spcPts val="1200"/>
-              </a:spcAft>
-              <a:buNone/>
-            </a:pPr>
-            <a:r>
-              <a:rPr lang="en"/>
-              <a:t>Otherwise: No grade</a:t>
-            </a:r>
-            <a:endParaRPr/>
-          </a:p>
-        </p:txBody>
-      </p:sp>
-      <p:sp>
-        <p:nvSpPr>
-          <p:cNvPr id="138" name="Google Shape;138;p22"/>
-          <p:cNvSpPr txBox="1"/>
-          <p:nvPr>
-            <p:ph idx="12" type="sldNum"/>
-          </p:nvPr>
-        </p:nvSpPr>
-        <p:spPr>
-          <a:xfrm>
-            <a:off x="7315202" y="4416550"/>
-            <a:ext cx="1828800" cy="731400"/>
-          </a:xfrm>
-          <a:prstGeom prst="rect">
-            <a:avLst/>
-          </a:prstGeom>
-        </p:spPr>
-        <p:txBody>
-          <a:bodyPr anchorCtr="0" anchor="b" bIns="91425" lIns="91425" spcFirstLastPara="1" rIns="91425" wrap="square" tIns="91425">
-            <a:noAutofit/>
-          </a:bodyPr>
-          <a:lstStyle/>
-          <a:p>
-            <a:pPr indent="0" lvl="0" marL="0" rtl="0" algn="r">
-              <a:spcBef>
-                <a:spcPts val="0"/>
-              </a:spcBef>
-              <a:spcAft>
-                <a:spcPts val="0"/>
-              </a:spcAft>
-              <a:buNone/>
-            </a:pPr>
-            <a:fld id="{00000000-1234-1234-1234-123412341234}" type="slidenum">
-              <a:rPr lang="en"/>
-              <a:t>‹#›</a:t>
-            </a:fld>
-            <a:endParaRPr/>
-          </a:p>
-          <a:p>
-            <a:pPr indent="0" lvl="0" marL="0" rtl="0" algn="r">
-              <a:spcBef>
-                <a:spcPts val="0"/>
-              </a:spcBef>
-              <a:spcAft>
-                <a:spcPts val="0"/>
-              </a:spcAft>
-              <a:buNone/>
-            </a:pPr>
-            <a:r>
-              <a:rPr b="0" lang="en" sz="900" u="sng">
-                <a:solidFill>
-                  <a:schemeClr val="hlink"/>
-                </a:solidFill>
-                <a:hlinkClick r:id="rId4"/>
-              </a:rPr>
-              <a:t>https://profriehle.com</a:t>
-            </a:r>
-            <a:r>
-              <a:rPr b="0" lang="en" sz="900">
-                <a:solidFill>
-                  <a:schemeClr val="dk2"/>
-                </a:solidFill>
-              </a:rPr>
-              <a:t> </a:t>
-            </a:r>
-            <a:endParaRPr b="0" sz="900">
-              <a:solidFill>
-                <a:schemeClr val="dk2"/>
-              </a:solidFill>
-            </a:endParaRPr>
-          </a:p>
-        </p:txBody>
-      </p:sp>
-    </p:spTree>
-  </p:cSld>
-  <p:clrMapOvr>
-    <a:masterClrMapping/>
-  </p:clrMapOvr>
-</p:sld>
-</file>
-
-<file path=ppt/slides/slide16.xml><?xml version="1.0" encoding="utf-8"?>
-<p:sld xmlns:a="http://schemas.openxmlformats.org/drawingml/2006/main" xmlns:r="http://schemas.openxmlformats.org/officeDocument/2006/relationships" xmlns:mc="http://schemas.openxmlformats.org/markup-compatibility/2006" xmlns:mv="urn:schemas-microsoft-com:mac:vml" xmlns:p="http://schemas.openxmlformats.org/presentationml/2006/main" xmlns:c="http://schemas.openxmlformats.org/drawingml/2006/chart" xmlns:dgm="http://schemas.openxmlformats.org/drawingml/2006/diagram" xmlns:o="urn:schemas-microsoft-com:office:office" xmlns:v="urn:schemas-microsoft-com:vml" xmlns:pvml="urn:schemas-microsoft-com:office:powerpoint" xmlns:com="http://schemas.openxmlformats.org/drawingml/2006/compatibility" xmlns:p14="http://schemas.microsoft.com/office/powerpoint/2010/main" xmlns:p15="http://schemas.microsoft.com/office/powerpoint/2012/main" xmlns:ahyp="http://schemas.microsoft.com/office/drawing/2018/hyperlinkcolor">
-  <p:cSld>
-    <p:spTree>
-      <p:nvGrpSpPr>
-        <p:cNvPr id="142" name="Shape 142"/>
-        <p:cNvGrpSpPr/>
-        <p:nvPr/>
-      </p:nvGrpSpPr>
-      <p:grpSpPr>
-        <a:xfrm>
-          <a:off x="0" y="0"/>
-          <a:ext cx="0" cy="0"/>
-          <a:chOff x="0" y="0"/>
-          <a:chExt cx="0" cy="0"/>
-        </a:xfrm>
-      </p:grpSpPr>
-      <p:sp>
-        <p:nvSpPr>
-          <p:cNvPr id="143" name="Google Shape;143;p23"/>
-          <p:cNvSpPr txBox="1"/>
-          <p:nvPr>
-            <p:ph type="title"/>
-          </p:nvPr>
-        </p:nvSpPr>
-        <p:spPr>
-          <a:xfrm>
-            <a:off x="0" y="0"/>
-            <a:ext cx="9144000" cy="685800"/>
-          </a:xfrm>
-          <a:prstGeom prst="rect">
-            <a:avLst/>
-          </a:prstGeom>
-        </p:spPr>
-        <p:txBody>
           <a:bodyPr anchorCtr="0" anchor="ctr" bIns="0" lIns="274300" spcFirstLastPara="1" rIns="0" wrap="square" tIns="0">
             <a:noAutofit/>
           </a:bodyPr>
@@ -9507,7 +9605,7 @@
       </p:sp>
       <p:pic>
         <p:nvPicPr>
-          <p:cNvPr id="144" name="Google Shape;144;p23"/>
+          <p:cNvPr id="137" name="Google Shape;137;p22"/>
           <p:cNvPicPr preferRelativeResize="0"/>
           <p:nvPr/>
         </p:nvPicPr>
@@ -9535,7 +9633,7 @@
       </p:pic>
       <p:sp>
         <p:nvSpPr>
-          <p:cNvPr id="145" name="Google Shape;145;p23"/>
+          <p:cNvPr id="138" name="Google Shape;138;p22"/>
           <p:cNvSpPr txBox="1"/>
           <p:nvPr/>
         </p:nvSpPr>
@@ -9593,7 +9691,7 @@
       </p:sp>
       <p:sp>
         <p:nvSpPr>
-          <p:cNvPr id="146" name="Google Shape;146;p23"/>
+          <p:cNvPr id="139" name="Google Shape;139;p22"/>
           <p:cNvSpPr txBox="1"/>
           <p:nvPr>
             <p:ph idx="12" type="sldNum"/>
@@ -9672,12 +9770,12 @@
 </p:sld>
 </file>
 
-<file path=ppt/slides/slide17.xml><?xml version="1.0" encoding="utf-8"?>
+<file path=ppt/slides/slide16.xml><?xml version="1.0" encoding="utf-8"?>
 <p:sld xmlns:a="http://schemas.openxmlformats.org/drawingml/2006/main" xmlns:r="http://schemas.openxmlformats.org/officeDocument/2006/relationships" xmlns:mc="http://schemas.openxmlformats.org/markup-compatibility/2006" xmlns:mv="urn:schemas-microsoft-com:mac:vml" xmlns:p="http://schemas.openxmlformats.org/presentationml/2006/main" xmlns:c="http://schemas.openxmlformats.org/drawingml/2006/chart" xmlns:dgm="http://schemas.openxmlformats.org/drawingml/2006/diagram" xmlns:o="urn:schemas-microsoft-com:office:office" xmlns:v="urn:schemas-microsoft-com:vml" xmlns:pvml="urn:schemas-microsoft-com:office:powerpoint" xmlns:com="http://schemas.openxmlformats.org/drawingml/2006/compatibility" xmlns:p14="http://schemas.microsoft.com/office/powerpoint/2010/main" xmlns:p15="http://schemas.microsoft.com/office/powerpoint/2012/main" xmlns:ahyp="http://schemas.microsoft.com/office/drawing/2018/hyperlinkcolor">
   <p:cSld>
     <p:spTree>
       <p:nvGrpSpPr>
-        <p:cNvPr id="150" name="Shape 150"/>
+        <p:cNvPr id="143" name="Shape 143"/>
         <p:cNvGrpSpPr/>
         <p:nvPr/>
       </p:nvGrpSpPr>
@@ -9691,7 +9789,7 @@
       </p:grpSpPr>
       <p:sp>
         <p:nvSpPr>
-          <p:cNvPr id="151" name="Google Shape;151;p24"/>
+          <p:cNvPr id="144" name="Google Shape;144;p23"/>
           <p:cNvSpPr txBox="1"/>
           <p:nvPr>
             <p:ph type="title"/>
@@ -9731,7 +9829,7 @@
       </p:sp>
       <p:sp>
         <p:nvSpPr>
-          <p:cNvPr id="152" name="Google Shape;152;p24"/>
+          <p:cNvPr id="145" name="Google Shape;145;p23"/>
           <p:cNvSpPr txBox="1"/>
           <p:nvPr>
             <p:ph idx="12" type="sldNum"/>
@@ -9804,7 +9902,7 @@
       </p:sp>
       <p:sp>
         <p:nvSpPr>
-          <p:cNvPr id="153" name="Google Shape;153;p24"/>
+          <p:cNvPr id="146" name="Google Shape;146;p23"/>
           <p:cNvSpPr txBox="1"/>
           <p:nvPr/>
         </p:nvSpPr>
@@ -9859,7 +9957,7 @@
       </p:sp>
       <p:sp>
         <p:nvSpPr>
-          <p:cNvPr id="154" name="Google Shape;154;p24"/>
+          <p:cNvPr id="147" name="Google Shape;147;p23"/>
           <p:cNvSpPr txBox="1"/>
           <p:nvPr>
             <p:ph idx="1" type="body"/>
@@ -10021,6 +10119,200 @@
               <a:t>English only</a:t>
             </a:r>
             <a:endParaRPr/>
+          </a:p>
+        </p:txBody>
+      </p:sp>
+    </p:spTree>
+  </p:cSld>
+  <p:clrMapOvr>
+    <a:masterClrMapping/>
+  </p:clrMapOvr>
+</p:sld>
+</file>
+
+<file path=ppt/slides/slide17.xml><?xml version="1.0" encoding="utf-8"?>
+<p:sld xmlns:a="http://schemas.openxmlformats.org/drawingml/2006/main" xmlns:r="http://schemas.openxmlformats.org/officeDocument/2006/relationships" xmlns:mc="http://schemas.openxmlformats.org/markup-compatibility/2006" xmlns:mv="urn:schemas-microsoft-com:mac:vml" xmlns:p="http://schemas.openxmlformats.org/presentationml/2006/main" xmlns:c="http://schemas.openxmlformats.org/drawingml/2006/chart" xmlns:dgm="http://schemas.openxmlformats.org/drawingml/2006/diagram" xmlns:o="urn:schemas-microsoft-com:office:office" xmlns:v="urn:schemas-microsoft-com:vml" xmlns:pvml="urn:schemas-microsoft-com:office:powerpoint" xmlns:com="http://schemas.openxmlformats.org/drawingml/2006/compatibility" xmlns:p14="http://schemas.microsoft.com/office/powerpoint/2010/main" xmlns:p15="http://schemas.microsoft.com/office/powerpoint/2012/main" xmlns:ahyp="http://schemas.microsoft.com/office/drawing/2018/hyperlinkcolor">
+  <p:cSld>
+    <p:spTree>
+      <p:nvGrpSpPr>
+        <p:cNvPr id="151" name="Shape 151"/>
+        <p:cNvGrpSpPr/>
+        <p:nvPr/>
+      </p:nvGrpSpPr>
+      <p:grpSpPr>
+        <a:xfrm>
+          <a:off x="0" y="0"/>
+          <a:ext cx="0" cy="0"/>
+          <a:chOff x="0" y="0"/>
+          <a:chExt cx="0" cy="0"/>
+        </a:xfrm>
+      </p:grpSpPr>
+      <p:sp>
+        <p:nvSpPr>
+          <p:cNvPr id="152" name="Google Shape;152;p24"/>
+          <p:cNvSpPr txBox="1"/>
+          <p:nvPr>
+            <p:ph type="title"/>
+          </p:nvPr>
+        </p:nvSpPr>
+        <p:spPr>
+          <a:xfrm>
+            <a:off x="0" y="0"/>
+            <a:ext cx="9144000" cy="685800"/>
+          </a:xfrm>
+          <a:prstGeom prst="rect">
+            <a:avLst/>
+          </a:prstGeom>
+        </p:spPr>
+        <p:txBody>
+          <a:bodyPr anchorCtr="0" anchor="ctr" bIns="91425" lIns="274300" spcFirstLastPara="1" rIns="91425" wrap="square" tIns="91425">
+            <a:noAutofit/>
+          </a:bodyPr>
+          <a:lstStyle/>
+          <a:p>
+            <a:pPr indent="0" lvl="0" marL="0" rtl="0" algn="l">
+              <a:spcBef>
+                <a:spcPts val="0"/>
+              </a:spcBef>
+              <a:spcAft>
+                <a:spcPts val="0"/>
+              </a:spcAft>
+              <a:buNone/>
+            </a:pPr>
+            <a:r>
+              <a:rPr lang="en"/>
+              <a:t>Course Participation (Auditing)</a:t>
+            </a:r>
+            <a:endParaRPr/>
+          </a:p>
+        </p:txBody>
+      </p:sp>
+      <p:sp>
+        <p:nvSpPr>
+          <p:cNvPr id="153" name="Google Shape;153;p24"/>
+          <p:cNvSpPr txBox="1"/>
+          <p:nvPr>
+            <p:ph idx="1" type="body"/>
+          </p:nvPr>
+        </p:nvSpPr>
+        <p:spPr>
+          <a:xfrm>
+            <a:off x="274320" y="914400"/>
+            <a:ext cx="8595300" cy="4114800"/>
+          </a:xfrm>
+          <a:prstGeom prst="rect">
+            <a:avLst/>
+          </a:prstGeom>
+        </p:spPr>
+        <p:txBody>
+          <a:bodyPr anchorCtr="0" anchor="t" bIns="0" lIns="0" spcFirstLastPara="1" rIns="0" wrap="square" tIns="0">
+            <a:noAutofit/>
+          </a:bodyPr>
+          <a:lstStyle/>
+          <a:p>
+            <a:pPr indent="0" lvl="0" marL="0" rtl="0" algn="l">
+              <a:spcBef>
+                <a:spcPts val="0"/>
+              </a:spcBef>
+              <a:spcAft>
+                <a:spcPts val="0"/>
+              </a:spcAft>
+              <a:buNone/>
+            </a:pPr>
+            <a:r>
+              <a:rPr lang="en"/>
+              <a:t>The course is provided publicly, you can always audit it</a:t>
+            </a:r>
+            <a:endParaRPr/>
+          </a:p>
+          <a:p>
+            <a:pPr indent="0" lvl="0" marL="0" rtl="0" algn="l">
+              <a:spcBef>
+                <a:spcPts val="1200"/>
+              </a:spcBef>
+              <a:spcAft>
+                <a:spcPts val="1200"/>
+              </a:spcAft>
+              <a:buNone/>
+            </a:pPr>
+            <a:r>
+              <a:rPr lang="en"/>
+              <a:t>Auditing will not give you credit points towards a degree</a:t>
+            </a:r>
+            <a:endParaRPr/>
+          </a:p>
+        </p:txBody>
+      </p:sp>
+      <p:sp>
+        <p:nvSpPr>
+          <p:cNvPr id="154" name="Google Shape;154;p24"/>
+          <p:cNvSpPr txBox="1"/>
+          <p:nvPr>
+            <p:ph idx="12" type="sldNum"/>
+          </p:nvPr>
+        </p:nvSpPr>
+        <p:spPr>
+          <a:xfrm>
+            <a:off x="7315202" y="4416550"/>
+            <a:ext cx="1828800" cy="731400"/>
+          </a:xfrm>
+          <a:prstGeom prst="rect">
+            <a:avLst/>
+          </a:prstGeom>
+        </p:spPr>
+        <p:txBody>
+          <a:bodyPr anchorCtr="0" anchor="b" bIns="91425" lIns="91425" spcFirstLastPara="1" rIns="91425" wrap="square" tIns="91425">
+            <a:noAutofit/>
+          </a:bodyPr>
+          <a:lstStyle/>
+          <a:p>
+            <a:pPr indent="0" lvl="0" marL="0" rtl="0" algn="r">
+              <a:spcBef>
+                <a:spcPts val="0"/>
+              </a:spcBef>
+              <a:spcAft>
+                <a:spcPts val="0"/>
+              </a:spcAft>
+              <a:buNone/>
+            </a:pPr>
+            <a:fld id="{00000000-1234-1234-1234-123412341234}" type="slidenum">
+              <a:rPr lang="en"/>
+              <a:t>‹#›</a:t>
+            </a:fld>
+            <a:endParaRPr/>
+          </a:p>
+          <a:p>
+            <a:pPr indent="0" lvl="0" marL="0" rtl="0" algn="r">
+              <a:spcBef>
+                <a:spcPts val="0"/>
+              </a:spcBef>
+              <a:spcAft>
+                <a:spcPts val="0"/>
+              </a:spcAft>
+              <a:buNone/>
+            </a:pPr>
+            <a:r>
+              <a:rPr b="0" lang="en" sz="900" u="sng">
+                <a:solidFill>
+                  <a:schemeClr val="hlink"/>
+                </a:solidFill>
+                <a:hlinkClick r:id="rId3"/>
+              </a:rPr>
+              <a:t>https://profriehle.com</a:t>
+            </a:r>
+            <a:r>
+              <a:rPr b="0" lang="en" sz="900">
+                <a:solidFill>
+                  <a:schemeClr val="dk2"/>
+                </a:solidFill>
+              </a:rPr>
+              <a:t> </a:t>
+            </a:r>
+            <a:endParaRPr b="0" sz="900">
+              <a:solidFill>
+                <a:schemeClr val="dk2"/>
+              </a:solidFill>
+            </a:endParaRPr>
           </a:p>
         </p:txBody>
       </p:sp>
@@ -10083,7 +10375,7 @@
             </a:pPr>
             <a:r>
               <a:rPr lang="en"/>
-              <a:t>Course Organization</a:t>
+              <a:t>Course Registration / Waitlist</a:t>
             </a:r>
             <a:endParaRPr/>
           </a:p>
@@ -10092,6 +10384,79 @@
       <p:sp>
         <p:nvSpPr>
           <p:cNvPr id="160" name="Google Shape;160;p25"/>
+          <p:cNvSpPr txBox="1"/>
+          <p:nvPr>
+            <p:ph idx="12" type="sldNum"/>
+          </p:nvPr>
+        </p:nvSpPr>
+        <p:spPr>
+          <a:xfrm>
+            <a:off x="7315202" y="4416550"/>
+            <a:ext cx="1828800" cy="731400"/>
+          </a:xfrm>
+          <a:prstGeom prst="rect">
+            <a:avLst/>
+          </a:prstGeom>
+        </p:spPr>
+        <p:txBody>
+          <a:bodyPr anchorCtr="0" anchor="b" bIns="91425" lIns="91425" spcFirstLastPara="1" rIns="91425" wrap="square" tIns="91425">
+            <a:noAutofit/>
+          </a:bodyPr>
+          <a:lstStyle/>
+          <a:p>
+            <a:pPr indent="0" lvl="0" marL="0" rtl="0" algn="r">
+              <a:spcBef>
+                <a:spcPts val="0"/>
+              </a:spcBef>
+              <a:spcAft>
+                <a:spcPts val="0"/>
+              </a:spcAft>
+              <a:buNone/>
+            </a:pPr>
+            <a:fld id="{00000000-1234-1234-1234-123412341234}" type="slidenum">
+              <a:rPr lang="en"/>
+              <a:t>‹#›</a:t>
+            </a:fld>
+            <a:endParaRPr/>
+          </a:p>
+          <a:p>
+            <a:pPr indent="0" lvl="0" marL="0" rtl="0" algn="r">
+              <a:spcBef>
+                <a:spcPts val="0"/>
+              </a:spcBef>
+              <a:spcAft>
+                <a:spcPts val="0"/>
+              </a:spcAft>
+              <a:buNone/>
+            </a:pPr>
+            <a:r>
+              <a:rPr b="0" lang="en" sz="900" u="sng">
+                <a:solidFill>
+                  <a:schemeClr val="hlink"/>
+                </a:solidFill>
+                <a:hlinkClick r:id="rId3"/>
+              </a:rPr>
+              <a:t>https://profriehle.com</a:t>
+            </a:r>
+            <a:r>
+              <a:rPr b="0" lang="en" sz="900">
+                <a:solidFill>
+                  <a:schemeClr val="dk2"/>
+                </a:solidFill>
+              </a:rPr>
+              <a:t> </a:t>
+            </a:r>
+            <a:endParaRPr b="0" sz="900">
+              <a:solidFill>
+                <a:schemeClr val="dk2"/>
+              </a:solidFill>
+            </a:endParaRPr>
+          </a:p>
+        </p:txBody>
+      </p:sp>
+      <p:sp>
+        <p:nvSpPr>
+          <p:cNvPr id="161" name="Google Shape;161;p25"/>
           <p:cNvSpPr txBox="1"/>
           <p:nvPr>
             <p:ph idx="1" type="body"/>
@@ -10119,46 +10484,27 @@
               <a:spcAft>
                 <a:spcPts val="0"/>
               </a:spcAft>
-              <a:buClr>
-                <a:schemeClr val="dk1"/>
-              </a:buClr>
-              <a:buSzPts val="1100"/>
-              <a:buFont typeface="Arial"/>
-              <a:buNone/>
-            </a:pPr>
-            <a:r>
-              <a:rPr b="1" lang="en"/>
-              <a:t>Course organization</a:t>
-            </a:r>
-            <a:endParaRPr b="1"/>
-          </a:p>
-          <a:p>
-            <a:pPr indent="-342900" lvl="0" marL="457200" rtl="0" algn="l">
+              <a:buNone/>
+            </a:pPr>
+            <a:r>
+              <a:rPr lang="en"/>
+              <a:t>Students must have passed a (trivial) entrance test</a:t>
+            </a:r>
+            <a:endParaRPr/>
+          </a:p>
+          <a:p>
+            <a:pPr indent="0" lvl="0" marL="0" rtl="0" algn="l">
               <a:spcBef>
                 <a:spcPts val="1200"/>
               </a:spcBef>
               <a:spcAft>
                 <a:spcPts val="0"/>
               </a:spcAft>
-              <a:buSzPts val="1800"/>
-              <a:buChar char="●"/>
-            </a:pPr>
-            <a:r>
-              <a:rPr lang="en"/>
-              <a:t>See </a:t>
-            </a:r>
-            <a:r>
-              <a:rPr lang="en" u="sng">
-                <a:solidFill>
-                  <a:schemeClr val="hlink"/>
-                </a:solidFill>
-                <a:hlinkClick r:id="rId3"/>
-              </a:rPr>
-              <a:t>https://nyt.uni1.de</a:t>
-            </a:r>
-            <a:r>
-              <a:rPr lang="en"/>
-              <a:t>   </a:t>
+              <a:buNone/>
+            </a:pPr>
+            <a:r>
+              <a:rPr lang="en"/>
+              <a:t>We use stratified randomized sampling to select students </a:t>
             </a:r>
             <a:endParaRPr/>
           </a:p>
@@ -10170,41 +10516,27 @@
               <a:spcAft>
                 <a:spcPts val="0"/>
               </a:spcAft>
-              <a:buClr>
-                <a:schemeClr val="dk1"/>
-              </a:buClr>
-              <a:buSzPts val="1100"/>
-              <a:buFont typeface="Arial"/>
-              <a:buNone/>
-            </a:pPr>
-            <a:r>
-              <a:rPr b="1" lang="en"/>
-              <a:t>Course schedule</a:t>
-            </a:r>
-            <a:endParaRPr b="1"/>
-          </a:p>
-          <a:p>
-            <a:pPr indent="-342900" lvl="0" marL="457200" rtl="0" algn="l">
+              <a:buNone/>
+            </a:pPr>
+            <a:r>
+              <a:rPr lang="en"/>
+              <a:t>Our current student limit for the course is 120 students</a:t>
+            </a:r>
+            <a:endParaRPr/>
+          </a:p>
+          <a:p>
+            <a:pPr indent="0" lvl="0" marL="0" rtl="0" algn="l">
               <a:spcBef>
                 <a:spcPts val="1200"/>
               </a:spcBef>
               <a:spcAft>
                 <a:spcPts val="0"/>
               </a:spcAft>
-              <a:buSzPts val="1800"/>
-              <a:buChar char="●"/>
-            </a:pPr>
-            <a:r>
-              <a:rPr lang="en"/>
-              <a:t>See </a:t>
-            </a:r>
-            <a:r>
-              <a:rPr b="1" lang="en"/>
-              <a:t>Schedule</a:t>
-            </a:r>
-            <a:r>
-              <a:rPr lang="en"/>
-              <a:t> tab on Course organization doc</a:t>
+              <a:buNone/>
+            </a:pPr>
+            <a:r>
+              <a:rPr lang="en"/>
+              <a:t>Everyone is required to participate in this first class</a:t>
             </a:r>
             <a:endParaRPr/>
           </a:p>
@@ -10216,116 +10548,58 @@
               <a:spcAft>
                 <a:spcPts val="0"/>
               </a:spcAft>
-              <a:buClr>
-                <a:schemeClr val="dk1"/>
-              </a:buClr>
-              <a:buSzPts val="1100"/>
-              <a:buFont typeface="Arial"/>
-              <a:buNone/>
-            </a:pPr>
-            <a:r>
-              <a:rPr b="1" lang="en"/>
-              <a:t>Project allocation</a:t>
-            </a:r>
-            <a:endParaRPr b="1"/>
-          </a:p>
-          <a:p>
-            <a:pPr indent="-342900" lvl="0" marL="457200" rtl="0" algn="l">
+              <a:buNone/>
+            </a:pPr>
+            <a:r>
+              <a:rPr lang="en"/>
+              <a:t>We will inform you after class if you got off the waitlist</a:t>
+            </a:r>
+            <a:endParaRPr/>
+          </a:p>
+          <a:p>
+            <a:pPr indent="0" lvl="0" marL="0" rtl="0" algn="l">
               <a:spcBef>
                 <a:spcPts val="1200"/>
               </a:spcBef>
               <a:spcAft>
                 <a:spcPts val="0"/>
               </a:spcAft>
-              <a:buSzPts val="1800"/>
-              <a:buChar char="●"/>
-            </a:pPr>
-            <a:r>
-              <a:rPr lang="en"/>
-              <a:t>See </a:t>
-            </a:r>
-            <a:r>
-              <a:rPr b="1" lang="en"/>
-              <a:t>Projects </a:t>
-            </a:r>
-            <a:r>
-              <a:rPr lang="en"/>
-              <a:t>tab on Course organization doc </a:t>
-            </a:r>
-            <a:endParaRPr/>
-          </a:p>
-        </p:txBody>
-      </p:sp>
-      <p:sp>
-        <p:nvSpPr>
-          <p:cNvPr id="161" name="Google Shape;161;p25"/>
-          <p:cNvSpPr txBox="1"/>
-          <p:nvPr>
-            <p:ph idx="12" type="sldNum"/>
-          </p:nvPr>
-        </p:nvSpPr>
-        <p:spPr>
-          <a:xfrm>
-            <a:off x="7315202" y="4416550"/>
-            <a:ext cx="1828800" cy="731400"/>
-          </a:xfrm>
-          <a:prstGeom prst="rect">
-            <a:avLst/>
-          </a:prstGeom>
-        </p:spPr>
-        <p:txBody>
-          <a:bodyPr anchorCtr="0" anchor="b" bIns="91425" lIns="91425" spcFirstLastPara="1" rIns="91425" wrap="square" tIns="91425">
-            <a:noAutofit/>
-          </a:bodyPr>
-          <a:lstStyle/>
-          <a:p>
-            <a:pPr indent="0" lvl="0" marL="0" rtl="0" algn="r">
-              <a:spcBef>
-                <a:spcPts val="0"/>
-              </a:spcBef>
-              <a:spcAft>
-                <a:spcPts val="0"/>
-              </a:spcAft>
-              <a:buNone/>
-            </a:pPr>
-            <a:fld id="{00000000-1234-1234-1234-123412341234}" type="slidenum">
-              <a:rPr lang="en"/>
-              <a:t>‹#›</a:t>
-            </a:fld>
-            <a:endParaRPr/>
-          </a:p>
-          <a:p>
-            <a:pPr indent="0" lvl="0" marL="0" rtl="0" algn="r">
-              <a:spcBef>
-                <a:spcPts val="0"/>
-              </a:spcBef>
-              <a:spcAft>
-                <a:spcPts val="0"/>
-              </a:spcAft>
-              <a:buNone/>
-            </a:pPr>
-            <a:r>
-              <a:rPr b="0" lang="en" sz="900" u="sng">
-                <a:solidFill>
-                  <a:schemeClr val="hlink"/>
-                </a:solidFill>
-                <a:hlinkClick r:id="rId4"/>
-              </a:rPr>
-              <a:t>https://profriehle.com</a:t>
-            </a:r>
-            <a:r>
-              <a:rPr b="0" lang="en" sz="900">
-                <a:solidFill>
-                  <a:schemeClr val="dk2"/>
-                </a:solidFill>
-              </a:rPr>
-              <a:t> </a:t>
-            </a:r>
-            <a:endParaRPr b="0" sz="900">
-              <a:solidFill>
-                <a:schemeClr val="dk2"/>
-              </a:solidFill>
-            </a:endParaRPr>
+              <a:buNone/>
+            </a:pPr>
+            <a:r>
+              <a:t/>
+            </a:r>
+            <a:endParaRPr/>
+          </a:p>
+          <a:p>
+            <a:pPr indent="0" lvl="0" marL="0" rtl="0" algn="l">
+              <a:spcBef>
+                <a:spcPts val="1200"/>
+              </a:spcBef>
+              <a:spcAft>
+                <a:spcPts val="0"/>
+              </a:spcAft>
+              <a:buNone/>
+            </a:pPr>
+            <a:r>
+              <a:t/>
+            </a:r>
+            <a:endParaRPr/>
+          </a:p>
+          <a:p>
+            <a:pPr indent="0" lvl="0" marL="0" rtl="0" algn="l">
+              <a:spcBef>
+                <a:spcPts val="1200"/>
+              </a:spcBef>
+              <a:spcAft>
+                <a:spcPts val="1200"/>
+              </a:spcAft>
+              <a:buNone/>
+            </a:pPr>
+            <a:r>
+              <a:t/>
+            </a:r>
+            <a:endParaRPr/>
           </a:p>
         </p:txBody>
       </p:sp>
@@ -10388,7 +10662,11 @@
             </a:pPr>
             <a:r>
               <a:rPr lang="en"/>
-              <a:t>Work Rhythm</a:t>
+              <a:t>Course vs. Exam Registration</a:t>
+            </a:r>
+            <a:r>
+              <a:rPr lang="en"/>
+              <a:t> [1]</a:t>
             </a:r>
             <a:endParaRPr/>
           </a:p>
@@ -10397,6 +10675,158 @@
       <p:sp>
         <p:nvSpPr>
           <p:cNvPr id="167" name="Google Shape;167;p26"/>
+          <p:cNvSpPr txBox="1"/>
+          <p:nvPr>
+            <p:ph idx="1" type="body"/>
+          </p:nvPr>
+        </p:nvSpPr>
+        <p:spPr>
+          <a:xfrm>
+            <a:off x="274320" y="914400"/>
+            <a:ext cx="8595300" cy="4114800"/>
+          </a:xfrm>
+          <a:prstGeom prst="rect">
+            <a:avLst/>
+          </a:prstGeom>
+        </p:spPr>
+        <p:txBody>
+          <a:bodyPr anchorCtr="0" anchor="t" bIns="0" lIns="0" spcFirstLastPara="1" rIns="0" wrap="square" tIns="0">
+            <a:noAutofit/>
+          </a:bodyPr>
+          <a:lstStyle/>
+          <a:p>
+            <a:pPr indent="0" lvl="0" marL="0" rtl="0" algn="l">
+              <a:spcBef>
+                <a:spcPts val="0"/>
+              </a:spcBef>
+              <a:spcAft>
+                <a:spcPts val="0"/>
+              </a:spcAft>
+              <a:buClr>
+                <a:schemeClr val="dk1"/>
+              </a:buClr>
+              <a:buSzPts val="1100"/>
+              <a:buFont typeface="Arial"/>
+              <a:buNone/>
+            </a:pPr>
+            <a:r>
+              <a:rPr lang="en"/>
+              <a:t>Course registration and exam registration are two separate things</a:t>
+            </a:r>
+            <a:endParaRPr/>
+          </a:p>
+          <a:p>
+            <a:pPr indent="0" lvl="0" marL="0" rtl="0" algn="l">
+              <a:spcBef>
+                <a:spcPts val="1200"/>
+              </a:spcBef>
+              <a:spcAft>
+                <a:spcPts val="0"/>
+              </a:spcAft>
+              <a:buClr>
+                <a:schemeClr val="dk1"/>
+              </a:buClr>
+              <a:buSzPts val="1100"/>
+              <a:buFont typeface="Arial"/>
+              <a:buNone/>
+            </a:pPr>
+            <a:r>
+              <a:rPr lang="en"/>
+              <a:t>If you want to receive a grade</a:t>
+            </a:r>
+            <a:endParaRPr/>
+          </a:p>
+          <a:p>
+            <a:pPr indent="-342900" lvl="0" marL="457200" rtl="0" algn="l">
+              <a:spcBef>
+                <a:spcPts val="1200"/>
+              </a:spcBef>
+              <a:spcAft>
+                <a:spcPts val="0"/>
+              </a:spcAft>
+              <a:buClr>
+                <a:srgbClr val="212121"/>
+              </a:buClr>
+              <a:buSzPts val="1800"/>
+              <a:buChar char="●"/>
+            </a:pPr>
+            <a:r>
+              <a:rPr lang="en">
+                <a:solidFill>
+                  <a:srgbClr val="212121"/>
+                </a:solidFill>
+              </a:rPr>
+              <a:t>You must register through your university’s exam registration system</a:t>
+            </a:r>
+            <a:endParaRPr>
+              <a:solidFill>
+                <a:srgbClr val="212121"/>
+              </a:solidFill>
+            </a:endParaRPr>
+          </a:p>
+          <a:p>
+            <a:pPr indent="-317500" lvl="1" marL="914400" rtl="0" algn="l">
+              <a:spcBef>
+                <a:spcPts val="0"/>
+              </a:spcBef>
+              <a:spcAft>
+                <a:spcPts val="0"/>
+              </a:spcAft>
+              <a:buSzPts val="1400"/>
+              <a:buChar char="○"/>
+            </a:pPr>
+            <a:r>
+              <a:rPr b="1" lang="en"/>
+              <a:t>Your degree program may have split the course into two (VL + UE)</a:t>
+            </a:r>
+            <a:endParaRPr b="1"/>
+          </a:p>
+          <a:p>
+            <a:pPr indent="-317500" lvl="1" marL="914400" rtl="0" algn="l">
+              <a:spcBef>
+                <a:spcPts val="0"/>
+              </a:spcBef>
+              <a:spcAft>
+                <a:spcPts val="0"/>
+              </a:spcAft>
+              <a:buSzPts val="1400"/>
+              <a:buChar char="○"/>
+            </a:pPr>
+            <a:r>
+              <a:rPr b="1" lang="en"/>
+              <a:t>Please check asap that the course is available in your degree program!</a:t>
+            </a:r>
+            <a:endParaRPr b="1">
+              <a:solidFill>
+                <a:srgbClr val="212121"/>
+              </a:solidFill>
+            </a:endParaRPr>
+          </a:p>
+          <a:p>
+            <a:pPr indent="0" lvl="0" marL="0" rtl="0" algn="l">
+              <a:spcBef>
+                <a:spcPts val="1200"/>
+              </a:spcBef>
+              <a:spcAft>
+                <a:spcPts val="1200"/>
+              </a:spcAft>
+              <a:buNone/>
+            </a:pPr>
+            <a:r>
+              <a:rPr lang="en"/>
+              <a:t>Otherwise</a:t>
+            </a:r>
+            <a:r>
+              <a:rPr lang="en"/>
+              <a:t>: No grade</a:t>
+            </a:r>
+            <a:endParaRPr/>
+          </a:p>
+        </p:txBody>
+      </p:sp>
+      <p:sp>
+        <p:nvSpPr>
+          <p:cNvPr id="168" name="Google Shape;168;p26"/>
           <p:cNvSpPr txBox="1"/>
           <p:nvPr>
             <p:ph idx="12" type="sldNum"/>
@@ -10469,23 +10899,25 @@
       </p:sp>
       <p:sp>
         <p:nvSpPr>
-          <p:cNvPr id="168" name="Google Shape;168;p26"/>
+          <p:cNvPr id="169" name="Google Shape;169;p26"/>
           <p:cNvSpPr txBox="1"/>
-          <p:nvPr>
-            <p:ph idx="1" type="body"/>
-          </p:nvPr>
+          <p:nvPr/>
         </p:nvSpPr>
         <p:spPr>
           <a:xfrm>
-            <a:off x="274320" y="914400"/>
-            <a:ext cx="8595300" cy="4114800"/>
+            <a:off x="0" y="4233672"/>
+            <a:ext cx="7315200" cy="914400"/>
           </a:xfrm>
           <a:prstGeom prst="rect">
             <a:avLst/>
           </a:prstGeom>
+          <a:noFill/>
+          <a:ln>
+            <a:noFill/>
+          </a:ln>
         </p:spPr>
         <p:txBody>
-          <a:bodyPr anchorCtr="0" anchor="t" bIns="0" lIns="0" spcFirstLastPara="1" rIns="0" wrap="square" tIns="0">
+          <a:bodyPr anchorCtr="0" anchor="b" bIns="91425" lIns="91425" spcFirstLastPara="1" rIns="91425" wrap="square" tIns="91425">
             <a:noAutofit/>
           </a:bodyPr>
           <a:lstStyle/>
@@ -10500,157 +10932,8 @@
               <a:buNone/>
             </a:pPr>
             <a:r>
-              <a:rPr b="1" lang="en"/>
-              <a:t>Lecture (class)</a:t>
-            </a:r>
-            <a:endParaRPr b="1"/>
-          </a:p>
-          <a:p>
-            <a:pPr indent="-342900" lvl="0" marL="457200" rtl="0" algn="l">
-              <a:spcBef>
-                <a:spcPts val="1200"/>
-              </a:spcBef>
-              <a:spcAft>
-                <a:spcPts val="0"/>
-              </a:spcAft>
-              <a:buSzPts val="1800"/>
-              <a:buChar char="●"/>
-            </a:pPr>
-            <a:r>
-              <a:rPr lang="en"/>
-              <a:t>Review of last week (quiz)</a:t>
-            </a:r>
-            <a:endParaRPr/>
-          </a:p>
-          <a:p>
-            <a:pPr indent="-342900" lvl="0" marL="457200" rtl="0" algn="l">
-              <a:spcBef>
-                <a:spcPts val="0"/>
-              </a:spcBef>
-              <a:spcAft>
-                <a:spcPts val="0"/>
-              </a:spcAft>
-              <a:buSzPts val="1800"/>
-              <a:buChar char="●"/>
-            </a:pPr>
-            <a:r>
-              <a:rPr lang="en"/>
-              <a:t>Presentation of this week’s topic</a:t>
-            </a:r>
-            <a:endParaRPr/>
-          </a:p>
-          <a:p>
-            <a:pPr indent="0" lvl="0" marL="0" rtl="0" algn="l">
-              <a:spcBef>
-                <a:spcPts val="1200"/>
-              </a:spcBef>
-              <a:spcAft>
-                <a:spcPts val="0"/>
-              </a:spcAft>
-              <a:buNone/>
-            </a:pPr>
-            <a:r>
-              <a:rPr b="1" lang="en"/>
-              <a:t>Method exercise</a:t>
-            </a:r>
-            <a:endParaRPr b="1"/>
-          </a:p>
-          <a:p>
-            <a:pPr indent="-342900" lvl="0" marL="457200" rtl="0" algn="l">
-              <a:spcBef>
-                <a:spcPts val="1200"/>
-              </a:spcBef>
-              <a:spcAft>
-                <a:spcPts val="0"/>
-              </a:spcAft>
-              <a:buSzPts val="1800"/>
-              <a:buChar char="●"/>
-            </a:pPr>
-            <a:r>
-              <a:rPr lang="en"/>
-              <a:t>Discussion of articles</a:t>
-            </a:r>
-            <a:endParaRPr/>
-          </a:p>
-          <a:p>
-            <a:pPr indent="-342900" lvl="0" marL="457200" rtl="0" algn="l">
-              <a:spcBef>
-                <a:spcPts val="0"/>
-              </a:spcBef>
-              <a:spcAft>
-                <a:spcPts val="0"/>
-              </a:spcAft>
-              <a:buSzPts val="1800"/>
-              <a:buChar char="●"/>
-            </a:pPr>
-            <a:r>
-              <a:rPr lang="en"/>
-              <a:t>Discussion of homework</a:t>
-            </a:r>
-            <a:endParaRPr/>
-          </a:p>
-          <a:p>
-            <a:pPr indent="0" lvl="0" marL="0" rtl="0" algn="l">
-              <a:spcBef>
-                <a:spcPts val="1200"/>
-              </a:spcBef>
-              <a:spcAft>
-                <a:spcPts val="0"/>
-              </a:spcAft>
-              <a:buNone/>
-            </a:pPr>
-            <a:r>
-              <a:rPr b="1" lang="en"/>
-              <a:t>Written homework</a:t>
-            </a:r>
-            <a:endParaRPr b="1"/>
-          </a:p>
-          <a:p>
-            <a:pPr indent="-342900" lvl="0" marL="457200" rtl="0" algn="l">
-              <a:spcBef>
-                <a:spcPts val="1200"/>
-              </a:spcBef>
-              <a:spcAft>
-                <a:spcPts val="0"/>
-              </a:spcAft>
-              <a:buSzPts val="1800"/>
-              <a:buChar char="●"/>
-            </a:pPr>
-            <a:r>
-              <a:rPr lang="en"/>
-              <a:t>See Course organization doc</a:t>
-            </a:r>
-            <a:endParaRPr/>
-          </a:p>
-          <a:p>
-            <a:pPr indent="-342900" lvl="0" marL="457200" rtl="0" algn="l">
-              <a:spcBef>
-                <a:spcPts val="0"/>
-              </a:spcBef>
-              <a:spcAft>
-                <a:spcPts val="0"/>
-              </a:spcAft>
-              <a:buSzPts val="1800"/>
-              <a:buChar char="●"/>
-            </a:pPr>
-            <a:r>
-              <a:rPr lang="en"/>
-              <a:t>Self-organized</a:t>
-            </a:r>
-            <a:endParaRPr/>
-          </a:p>
-          <a:p>
-            <a:pPr indent="0" lvl="0" marL="0" rtl="0" algn="l">
-              <a:spcBef>
-                <a:spcPts val="1200"/>
-              </a:spcBef>
-              <a:spcAft>
-                <a:spcPts val="1200"/>
-              </a:spcAft>
-              <a:buNone/>
-            </a:pPr>
-            <a:r>
-              <a:t/>
+              <a:rPr lang="en"/>
+              <a:t>[1] German: Prüfungsanmeldung</a:t>
             </a:r>
             <a:endParaRPr/>
           </a:p>
@@ -10982,7 +11265,7 @@
   <p:cSld>
     <p:spTree>
       <p:nvGrpSpPr>
-        <p:cNvPr id="172" name="Shape 172"/>
+        <p:cNvPr id="173" name="Shape 173"/>
         <p:cNvGrpSpPr/>
         <p:nvPr/>
       </p:nvGrpSpPr>
@@ -10996,7 +11279,7 @@
       </p:grpSpPr>
       <p:sp>
         <p:nvSpPr>
-          <p:cNvPr id="173" name="Google Shape;173;p27"/>
+          <p:cNvPr id="174" name="Google Shape;174;p27"/>
           <p:cNvSpPr txBox="1"/>
           <p:nvPr>
             <p:ph type="title"/>
@@ -11028,7 +11311,7 @@
             </a:pPr>
             <a:r>
               <a:rPr lang="en"/>
-              <a:t>Course Communication</a:t>
+              <a:t>Course Organization</a:t>
             </a:r>
             <a:endParaRPr/>
           </a:p>
@@ -11036,7 +11319,7 @@
       </p:sp>
       <p:sp>
         <p:nvSpPr>
-          <p:cNvPr id="174" name="Google Shape;174;p27"/>
+          <p:cNvPr id="175" name="Google Shape;175;p27"/>
           <p:cNvSpPr txBox="1"/>
           <p:nvPr>
             <p:ph idx="1" type="body"/>
@@ -11072,10 +11355,10 @@
               <a:buNone/>
             </a:pPr>
             <a:r>
-              <a:rPr lang="en"/>
-              <a:t>Announcements by email</a:t>
-            </a:r>
-            <a:endParaRPr/>
+              <a:rPr b="1" lang="en"/>
+              <a:t>Course organization</a:t>
+            </a:r>
+            <a:endParaRPr b="1"/>
           </a:p>
           <a:p>
             <a:pPr indent="-342900" lvl="0" marL="457200" rtl="0" algn="l">
@@ -11090,7 +11373,20 @@
             </a:pPr>
             <a:r>
               <a:rPr lang="en"/>
-              <a:t>Through course management system</a:t>
+              <a:t>See </a:t>
+            </a:r>
+            <a:r>
+              <a:rPr lang="en" u="sng">
+                <a:solidFill>
+                  <a:schemeClr val="hlink"/>
+                </a:solidFill>
+                <a:hlinkClick r:id="rId3"/>
+              </a:rPr>
+              <a:t>https://nyt.uni1.de</a:t>
+            </a:r>
+            <a:r>
+              <a:rPr lang="en"/>
+              <a:t>   </a:t>
             </a:r>
             <a:endParaRPr/>
           </a:p>
@@ -11102,13 +11398,18 @@
               <a:spcAft>
                 <a:spcPts val="0"/>
               </a:spcAft>
-              <a:buNone/>
-            </a:pPr>
-            <a:r>
-              <a:rPr lang="en"/>
-              <a:t>Questions to teaching team</a:t>
-            </a:r>
-            <a:endParaRPr/>
+              <a:buClr>
+                <a:schemeClr val="dk1"/>
+              </a:buClr>
+              <a:buSzPts val="1100"/>
+              <a:buFont typeface="Arial"/>
+              <a:buNone/>
+            </a:pPr>
+            <a:r>
+              <a:rPr b="1" lang="en"/>
+              <a:t>Course schedule</a:t>
+            </a:r>
+            <a:endParaRPr b="1"/>
           </a:p>
           <a:p>
             <a:pPr indent="-342900" lvl="0" marL="457200" rtl="0" algn="l">
@@ -11123,14 +11424,43 @@
             </a:pPr>
             <a:r>
               <a:rPr lang="en"/>
-              <a:t>Please ask your question in the course forum</a:t>
-            </a:r>
-            <a:endParaRPr/>
+              <a:t>See </a:t>
+            </a:r>
+            <a:r>
+              <a:rPr b="1" lang="en"/>
+              <a:t>Schedule</a:t>
+            </a:r>
+            <a:r>
+              <a:rPr lang="en"/>
+              <a:t> tab on Course organization doc</a:t>
+            </a:r>
+            <a:endParaRPr/>
+          </a:p>
+          <a:p>
+            <a:pPr indent="0" lvl="0" marL="0" rtl="0" algn="l">
+              <a:spcBef>
+                <a:spcPts val="1200"/>
+              </a:spcBef>
+              <a:spcAft>
+                <a:spcPts val="0"/>
+              </a:spcAft>
+              <a:buClr>
+                <a:schemeClr val="dk1"/>
+              </a:buClr>
+              <a:buSzPts val="1100"/>
+              <a:buFont typeface="Arial"/>
+              <a:buNone/>
+            </a:pPr>
+            <a:r>
+              <a:rPr b="1" lang="en"/>
+              <a:t>Project allocation</a:t>
+            </a:r>
+            <a:endParaRPr b="1"/>
           </a:p>
           <a:p>
             <a:pPr indent="-342900" lvl="0" marL="457200" rtl="0" algn="l">
               <a:spcBef>
-                <a:spcPts val="0"/>
+                <a:spcPts val="1200"/>
               </a:spcBef>
               <a:spcAft>
                 <a:spcPts val="0"/>
@@ -11140,23 +11470,15 @@
             </a:pPr>
             <a:r>
               <a:rPr lang="en"/>
-              <a:t>For private questions, use the teaching team email alias</a:t>
-            </a:r>
-            <a:endParaRPr/>
-          </a:p>
-          <a:p>
-            <a:pPr indent="0" lvl="0" marL="0" rtl="0" algn="l">
-              <a:spcBef>
-                <a:spcPts val="1200"/>
-              </a:spcBef>
-              <a:spcAft>
-                <a:spcPts val="1200"/>
-              </a:spcAft>
-              <a:buNone/>
-            </a:pPr>
-            <a:r>
-              <a:rPr lang="en"/>
-              <a:t>Non-urgent questions will be answered in class</a:t>
+              <a:t>See </a:t>
+            </a:r>
+            <a:r>
+              <a:rPr b="1" lang="en"/>
+              <a:t>Projects </a:t>
+            </a:r>
+            <a:r>
+              <a:rPr lang="en"/>
+              <a:t>tab on Course organization doc </a:t>
             </a:r>
             <a:endParaRPr/>
           </a:p>
@@ -11164,7 +11486,7 @@
       </p:sp>
       <p:sp>
         <p:nvSpPr>
-          <p:cNvPr id="175" name="Google Shape;175;p27"/>
+          <p:cNvPr id="176" name="Google Shape;176;p27"/>
           <p:cNvSpPr txBox="1"/>
           <p:nvPr>
             <p:ph idx="12" type="sldNum"/>
@@ -11215,7 +11537,7 @@
                 <a:solidFill>
                   <a:schemeClr val="hlink"/>
                 </a:solidFill>
-                <a:hlinkClick r:id="rId3"/>
+                <a:hlinkClick r:id="rId4"/>
               </a:rPr>
               <a:t>https://profriehle.com</a:t>
             </a:r>
@@ -11248,7 +11570,7 @@
   <p:cSld>
     <p:spTree>
       <p:nvGrpSpPr>
-        <p:cNvPr id="179" name="Shape 179"/>
+        <p:cNvPr id="180" name="Shape 180"/>
         <p:cNvGrpSpPr/>
         <p:nvPr/>
       </p:nvGrpSpPr>
@@ -11262,7 +11584,791 @@
       </p:grpSpPr>
       <p:sp>
         <p:nvSpPr>
-          <p:cNvPr id="180" name="Google Shape;180;p28"/>
+          <p:cNvPr id="181" name="Google Shape;181;p28"/>
+          <p:cNvSpPr txBox="1"/>
+          <p:nvPr>
+            <p:ph type="title"/>
+          </p:nvPr>
+        </p:nvSpPr>
+        <p:spPr>
+          <a:xfrm>
+            <a:off x="0" y="0"/>
+            <a:ext cx="9144000" cy="685800"/>
+          </a:xfrm>
+          <a:prstGeom prst="rect">
+            <a:avLst/>
+          </a:prstGeom>
+        </p:spPr>
+        <p:txBody>
+          <a:bodyPr anchorCtr="0" anchor="ctr" bIns="91425" lIns="274300" spcFirstLastPara="1" rIns="91425" wrap="square" tIns="91425">
+            <a:noAutofit/>
+          </a:bodyPr>
+          <a:lstStyle/>
+          <a:p>
+            <a:pPr indent="0" lvl="0" marL="0" rtl="0" algn="l">
+              <a:spcBef>
+                <a:spcPts val="0"/>
+              </a:spcBef>
+              <a:spcAft>
+                <a:spcPts val="0"/>
+              </a:spcAft>
+              <a:buNone/>
+            </a:pPr>
+            <a:r>
+              <a:rPr lang="en"/>
+              <a:t>Work Rhythm</a:t>
+            </a:r>
+            <a:endParaRPr/>
+          </a:p>
+        </p:txBody>
+      </p:sp>
+      <p:sp>
+        <p:nvSpPr>
+          <p:cNvPr id="182" name="Google Shape;182;p28"/>
+          <p:cNvSpPr txBox="1"/>
+          <p:nvPr>
+            <p:ph idx="12" type="sldNum"/>
+          </p:nvPr>
+        </p:nvSpPr>
+        <p:spPr>
+          <a:xfrm>
+            <a:off x="7315202" y="4416550"/>
+            <a:ext cx="1828800" cy="731400"/>
+          </a:xfrm>
+          <a:prstGeom prst="rect">
+            <a:avLst/>
+          </a:prstGeom>
+        </p:spPr>
+        <p:txBody>
+          <a:bodyPr anchorCtr="0" anchor="b" bIns="91425" lIns="91425" spcFirstLastPara="1" rIns="91425" wrap="square" tIns="91425">
+            <a:noAutofit/>
+          </a:bodyPr>
+          <a:lstStyle/>
+          <a:p>
+            <a:pPr indent="0" lvl="0" marL="0" rtl="0" algn="r">
+              <a:spcBef>
+                <a:spcPts val="0"/>
+              </a:spcBef>
+              <a:spcAft>
+                <a:spcPts val="0"/>
+              </a:spcAft>
+              <a:buNone/>
+            </a:pPr>
+            <a:fld id="{00000000-1234-1234-1234-123412341234}" type="slidenum">
+              <a:rPr lang="en"/>
+              <a:t>‹#›</a:t>
+            </a:fld>
+            <a:endParaRPr/>
+          </a:p>
+          <a:p>
+            <a:pPr indent="0" lvl="0" marL="0" rtl="0" algn="r">
+              <a:spcBef>
+                <a:spcPts val="0"/>
+              </a:spcBef>
+              <a:spcAft>
+                <a:spcPts val="0"/>
+              </a:spcAft>
+              <a:buNone/>
+            </a:pPr>
+            <a:r>
+              <a:rPr b="0" lang="en" sz="900" u="sng">
+                <a:solidFill>
+                  <a:schemeClr val="hlink"/>
+                </a:solidFill>
+                <a:hlinkClick r:id="rId3"/>
+              </a:rPr>
+              <a:t>https://profriehle.com</a:t>
+            </a:r>
+            <a:r>
+              <a:rPr b="0" lang="en" sz="900">
+                <a:solidFill>
+                  <a:schemeClr val="dk2"/>
+                </a:solidFill>
+              </a:rPr>
+              <a:t> </a:t>
+            </a:r>
+            <a:endParaRPr b="0" sz="900">
+              <a:solidFill>
+                <a:schemeClr val="dk2"/>
+              </a:solidFill>
+            </a:endParaRPr>
+          </a:p>
+        </p:txBody>
+      </p:sp>
+      <p:sp>
+        <p:nvSpPr>
+          <p:cNvPr id="183" name="Google Shape;183;p28"/>
+          <p:cNvSpPr txBox="1"/>
+          <p:nvPr>
+            <p:ph idx="1" type="body"/>
+          </p:nvPr>
+        </p:nvSpPr>
+        <p:spPr>
+          <a:xfrm>
+            <a:off x="274320" y="914400"/>
+            <a:ext cx="8595300" cy="4114800"/>
+          </a:xfrm>
+          <a:prstGeom prst="rect">
+            <a:avLst/>
+          </a:prstGeom>
+        </p:spPr>
+        <p:txBody>
+          <a:bodyPr anchorCtr="0" anchor="t" bIns="0" lIns="0" spcFirstLastPara="1" rIns="0" wrap="square" tIns="0">
+            <a:noAutofit/>
+          </a:bodyPr>
+          <a:lstStyle/>
+          <a:p>
+            <a:pPr indent="0" lvl="0" marL="0" rtl="0" algn="l">
+              <a:spcBef>
+                <a:spcPts val="0"/>
+              </a:spcBef>
+              <a:spcAft>
+                <a:spcPts val="0"/>
+              </a:spcAft>
+              <a:buNone/>
+            </a:pPr>
+            <a:r>
+              <a:rPr b="1" lang="en"/>
+              <a:t>Lecture (class)</a:t>
+            </a:r>
+            <a:endParaRPr b="1"/>
+          </a:p>
+          <a:p>
+            <a:pPr indent="-342900" lvl="0" marL="457200" rtl="0" algn="l">
+              <a:spcBef>
+                <a:spcPts val="1200"/>
+              </a:spcBef>
+              <a:spcAft>
+                <a:spcPts val="0"/>
+              </a:spcAft>
+              <a:buSzPts val="1800"/>
+              <a:buChar char="●"/>
+            </a:pPr>
+            <a:r>
+              <a:rPr lang="en"/>
+              <a:t>Review of last week (quiz)</a:t>
+            </a:r>
+            <a:endParaRPr/>
+          </a:p>
+          <a:p>
+            <a:pPr indent="-342900" lvl="0" marL="457200" rtl="0" algn="l">
+              <a:spcBef>
+                <a:spcPts val="0"/>
+              </a:spcBef>
+              <a:spcAft>
+                <a:spcPts val="0"/>
+              </a:spcAft>
+              <a:buSzPts val="1800"/>
+              <a:buChar char="●"/>
+            </a:pPr>
+            <a:r>
+              <a:rPr lang="en"/>
+              <a:t>Presentation of this week’s topic</a:t>
+            </a:r>
+            <a:endParaRPr/>
+          </a:p>
+          <a:p>
+            <a:pPr indent="0" lvl="0" marL="0" rtl="0" algn="l">
+              <a:spcBef>
+                <a:spcPts val="1200"/>
+              </a:spcBef>
+              <a:spcAft>
+                <a:spcPts val="0"/>
+              </a:spcAft>
+              <a:buNone/>
+            </a:pPr>
+            <a:r>
+              <a:rPr b="1" lang="en"/>
+              <a:t>Method exercise</a:t>
+            </a:r>
+            <a:endParaRPr b="1"/>
+          </a:p>
+          <a:p>
+            <a:pPr indent="-342900" lvl="0" marL="457200" rtl="0" algn="l">
+              <a:spcBef>
+                <a:spcPts val="1200"/>
+              </a:spcBef>
+              <a:spcAft>
+                <a:spcPts val="0"/>
+              </a:spcAft>
+              <a:buSzPts val="1800"/>
+              <a:buChar char="●"/>
+            </a:pPr>
+            <a:r>
+              <a:rPr lang="en"/>
+              <a:t>Discussion of articles</a:t>
+            </a:r>
+            <a:endParaRPr/>
+          </a:p>
+          <a:p>
+            <a:pPr indent="-342900" lvl="0" marL="457200" rtl="0" algn="l">
+              <a:spcBef>
+                <a:spcPts val="0"/>
+              </a:spcBef>
+              <a:spcAft>
+                <a:spcPts val="0"/>
+              </a:spcAft>
+              <a:buSzPts val="1800"/>
+              <a:buChar char="●"/>
+            </a:pPr>
+            <a:r>
+              <a:rPr lang="en"/>
+              <a:t>Discussion of homework</a:t>
+            </a:r>
+            <a:endParaRPr/>
+          </a:p>
+          <a:p>
+            <a:pPr indent="0" lvl="0" marL="0" rtl="0" algn="l">
+              <a:spcBef>
+                <a:spcPts val="1200"/>
+              </a:spcBef>
+              <a:spcAft>
+                <a:spcPts val="0"/>
+              </a:spcAft>
+              <a:buNone/>
+            </a:pPr>
+            <a:r>
+              <a:rPr b="1" lang="en"/>
+              <a:t>Written homework</a:t>
+            </a:r>
+            <a:endParaRPr b="1"/>
+          </a:p>
+          <a:p>
+            <a:pPr indent="-342900" lvl="0" marL="457200" rtl="0" algn="l">
+              <a:spcBef>
+                <a:spcPts val="1200"/>
+              </a:spcBef>
+              <a:spcAft>
+                <a:spcPts val="0"/>
+              </a:spcAft>
+              <a:buSzPts val="1800"/>
+              <a:buChar char="●"/>
+            </a:pPr>
+            <a:r>
+              <a:rPr lang="en"/>
+              <a:t>See Course organization doc</a:t>
+            </a:r>
+            <a:endParaRPr/>
+          </a:p>
+          <a:p>
+            <a:pPr indent="-342900" lvl="0" marL="457200" rtl="0" algn="l">
+              <a:spcBef>
+                <a:spcPts val="0"/>
+              </a:spcBef>
+              <a:spcAft>
+                <a:spcPts val="0"/>
+              </a:spcAft>
+              <a:buSzPts val="1800"/>
+              <a:buChar char="●"/>
+            </a:pPr>
+            <a:r>
+              <a:rPr lang="en"/>
+              <a:t>Self-organized</a:t>
+            </a:r>
+            <a:endParaRPr/>
+          </a:p>
+          <a:p>
+            <a:pPr indent="0" lvl="0" marL="0" rtl="0" algn="l">
+              <a:spcBef>
+                <a:spcPts val="1200"/>
+              </a:spcBef>
+              <a:spcAft>
+                <a:spcPts val="1200"/>
+              </a:spcAft>
+              <a:buNone/>
+            </a:pPr>
+            <a:r>
+              <a:t/>
+            </a:r>
+            <a:endParaRPr/>
+          </a:p>
+        </p:txBody>
+      </p:sp>
+    </p:spTree>
+  </p:cSld>
+  <p:clrMapOvr>
+    <a:masterClrMapping/>
+  </p:clrMapOvr>
+</p:sld>
+</file>
+
+<file path=ppt/slides/slide22.xml><?xml version="1.0" encoding="utf-8"?>
+<p:sld xmlns:a="http://schemas.openxmlformats.org/drawingml/2006/main" xmlns:r="http://schemas.openxmlformats.org/officeDocument/2006/relationships" xmlns:mc="http://schemas.openxmlformats.org/markup-compatibility/2006" xmlns:mv="urn:schemas-microsoft-com:mac:vml" xmlns:p="http://schemas.openxmlformats.org/presentationml/2006/main" xmlns:c="http://schemas.openxmlformats.org/drawingml/2006/chart" xmlns:dgm="http://schemas.openxmlformats.org/drawingml/2006/diagram" xmlns:o="urn:schemas-microsoft-com:office:office" xmlns:v="urn:schemas-microsoft-com:vml" xmlns:pvml="urn:schemas-microsoft-com:office:powerpoint" xmlns:com="http://schemas.openxmlformats.org/drawingml/2006/compatibility" xmlns:p14="http://schemas.microsoft.com/office/powerpoint/2010/main" xmlns:p15="http://schemas.microsoft.com/office/powerpoint/2012/main" xmlns:ahyp="http://schemas.microsoft.com/office/drawing/2018/hyperlinkcolor">
+  <p:cSld>
+    <p:spTree>
+      <p:nvGrpSpPr>
+        <p:cNvPr id="187" name="Shape 187"/>
+        <p:cNvGrpSpPr/>
+        <p:nvPr/>
+      </p:nvGrpSpPr>
+      <p:grpSpPr>
+        <a:xfrm>
+          <a:off x="0" y="0"/>
+          <a:ext cx="0" cy="0"/>
+          <a:chOff x="0" y="0"/>
+          <a:chExt cx="0" cy="0"/>
+        </a:xfrm>
+      </p:grpSpPr>
+      <p:sp>
+        <p:nvSpPr>
+          <p:cNvPr id="188" name="Google Shape;188;p29"/>
+          <p:cNvSpPr txBox="1"/>
+          <p:nvPr>
+            <p:ph type="title"/>
+          </p:nvPr>
+        </p:nvSpPr>
+        <p:spPr>
+          <a:xfrm>
+            <a:off x="0" y="0"/>
+            <a:ext cx="9144000" cy="685800"/>
+          </a:xfrm>
+          <a:prstGeom prst="rect">
+            <a:avLst/>
+          </a:prstGeom>
+        </p:spPr>
+        <p:txBody>
+          <a:bodyPr anchorCtr="0" anchor="ctr" bIns="91425" lIns="274300" spcFirstLastPara="1" rIns="91425" wrap="square" tIns="91425">
+            <a:noAutofit/>
+          </a:bodyPr>
+          <a:lstStyle/>
+          <a:p>
+            <a:pPr indent="0" lvl="0" marL="0" rtl="0" algn="l">
+              <a:spcBef>
+                <a:spcPts val="0"/>
+              </a:spcBef>
+              <a:spcAft>
+                <a:spcPts val="0"/>
+              </a:spcAft>
+              <a:buNone/>
+            </a:pPr>
+            <a:r>
+              <a:rPr lang="en"/>
+              <a:t>Course Communication</a:t>
+            </a:r>
+            <a:endParaRPr/>
+          </a:p>
+        </p:txBody>
+      </p:sp>
+      <p:sp>
+        <p:nvSpPr>
+          <p:cNvPr id="189" name="Google Shape;189;p29"/>
+          <p:cNvSpPr txBox="1"/>
+          <p:nvPr>
+            <p:ph idx="1" type="body"/>
+          </p:nvPr>
+        </p:nvSpPr>
+        <p:spPr>
+          <a:xfrm>
+            <a:off x="274320" y="914400"/>
+            <a:ext cx="8595300" cy="4114800"/>
+          </a:xfrm>
+          <a:prstGeom prst="rect">
+            <a:avLst/>
+          </a:prstGeom>
+        </p:spPr>
+        <p:txBody>
+          <a:bodyPr anchorCtr="0" anchor="t" bIns="0" lIns="0" spcFirstLastPara="1" rIns="0" wrap="square" tIns="0">
+            <a:noAutofit/>
+          </a:bodyPr>
+          <a:lstStyle/>
+          <a:p>
+            <a:pPr indent="0" lvl="0" marL="0" rtl="0" algn="l">
+              <a:spcBef>
+                <a:spcPts val="0"/>
+              </a:spcBef>
+              <a:spcAft>
+                <a:spcPts val="0"/>
+              </a:spcAft>
+              <a:buClr>
+                <a:schemeClr val="dk1"/>
+              </a:buClr>
+              <a:buSzPts val="1100"/>
+              <a:buFont typeface="Arial"/>
+              <a:buNone/>
+            </a:pPr>
+            <a:r>
+              <a:rPr lang="en"/>
+              <a:t>Announcements by email</a:t>
+            </a:r>
+            <a:endParaRPr/>
+          </a:p>
+          <a:p>
+            <a:pPr indent="-342900" lvl="0" marL="457200" rtl="0" algn="l">
+              <a:spcBef>
+                <a:spcPts val="1200"/>
+              </a:spcBef>
+              <a:spcAft>
+                <a:spcPts val="0"/>
+              </a:spcAft>
+              <a:buSzPts val="1800"/>
+              <a:buChar char="●"/>
+            </a:pPr>
+            <a:r>
+              <a:rPr lang="en"/>
+              <a:t>Through course management system</a:t>
+            </a:r>
+            <a:endParaRPr/>
+          </a:p>
+          <a:p>
+            <a:pPr indent="0" lvl="0" marL="0" rtl="0" algn="l">
+              <a:spcBef>
+                <a:spcPts val="1200"/>
+              </a:spcBef>
+              <a:spcAft>
+                <a:spcPts val="0"/>
+              </a:spcAft>
+              <a:buNone/>
+            </a:pPr>
+            <a:r>
+              <a:rPr lang="en"/>
+              <a:t>Questions to teaching team</a:t>
+            </a:r>
+            <a:endParaRPr/>
+          </a:p>
+          <a:p>
+            <a:pPr indent="-342900" lvl="0" marL="457200" rtl="0" algn="l">
+              <a:spcBef>
+                <a:spcPts val="1200"/>
+              </a:spcBef>
+              <a:spcAft>
+                <a:spcPts val="0"/>
+              </a:spcAft>
+              <a:buSzPts val="1800"/>
+              <a:buChar char="●"/>
+            </a:pPr>
+            <a:r>
+              <a:rPr lang="en"/>
+              <a:t>Please ask your question in the course forum</a:t>
+            </a:r>
+            <a:endParaRPr/>
+          </a:p>
+          <a:p>
+            <a:pPr indent="-342900" lvl="0" marL="457200" rtl="0" algn="l">
+              <a:spcBef>
+                <a:spcPts val="0"/>
+              </a:spcBef>
+              <a:spcAft>
+                <a:spcPts val="0"/>
+              </a:spcAft>
+              <a:buSzPts val="1800"/>
+              <a:buChar char="●"/>
+            </a:pPr>
+            <a:r>
+              <a:rPr lang="en"/>
+              <a:t>For private questions, use the teaching team email alias</a:t>
+            </a:r>
+            <a:endParaRPr/>
+          </a:p>
+          <a:p>
+            <a:pPr indent="0" lvl="0" marL="0" rtl="0" algn="l">
+              <a:spcBef>
+                <a:spcPts val="1200"/>
+              </a:spcBef>
+              <a:spcAft>
+                <a:spcPts val="1200"/>
+              </a:spcAft>
+              <a:buNone/>
+            </a:pPr>
+            <a:r>
+              <a:rPr lang="en"/>
+              <a:t>Non-urgent questions will be answered in class</a:t>
+            </a:r>
+            <a:endParaRPr/>
+          </a:p>
+        </p:txBody>
+      </p:sp>
+      <p:sp>
+        <p:nvSpPr>
+          <p:cNvPr id="190" name="Google Shape;190;p29"/>
+          <p:cNvSpPr txBox="1"/>
+          <p:nvPr>
+            <p:ph idx="12" type="sldNum"/>
+          </p:nvPr>
+        </p:nvSpPr>
+        <p:spPr>
+          <a:xfrm>
+            <a:off x="7315202" y="4416550"/>
+            <a:ext cx="1828800" cy="731400"/>
+          </a:xfrm>
+          <a:prstGeom prst="rect">
+            <a:avLst/>
+          </a:prstGeom>
+        </p:spPr>
+        <p:txBody>
+          <a:bodyPr anchorCtr="0" anchor="b" bIns="91425" lIns="91425" spcFirstLastPara="1" rIns="91425" wrap="square" tIns="91425">
+            <a:noAutofit/>
+          </a:bodyPr>
+          <a:lstStyle/>
+          <a:p>
+            <a:pPr indent="0" lvl="0" marL="0" rtl="0" algn="r">
+              <a:spcBef>
+                <a:spcPts val="0"/>
+              </a:spcBef>
+              <a:spcAft>
+                <a:spcPts val="0"/>
+              </a:spcAft>
+              <a:buNone/>
+            </a:pPr>
+            <a:fld id="{00000000-1234-1234-1234-123412341234}" type="slidenum">
+              <a:rPr lang="en"/>
+              <a:t>‹#›</a:t>
+            </a:fld>
+            <a:endParaRPr/>
+          </a:p>
+          <a:p>
+            <a:pPr indent="0" lvl="0" marL="0" rtl="0" algn="r">
+              <a:spcBef>
+                <a:spcPts val="0"/>
+              </a:spcBef>
+              <a:spcAft>
+                <a:spcPts val="0"/>
+              </a:spcAft>
+              <a:buNone/>
+            </a:pPr>
+            <a:r>
+              <a:rPr b="0" lang="en" sz="900" u="sng">
+                <a:solidFill>
+                  <a:schemeClr val="hlink"/>
+                </a:solidFill>
+                <a:hlinkClick r:id="rId3"/>
+              </a:rPr>
+              <a:t>https://profriehle.com</a:t>
+            </a:r>
+            <a:r>
+              <a:rPr b="0" lang="en" sz="900">
+                <a:solidFill>
+                  <a:schemeClr val="dk2"/>
+                </a:solidFill>
+              </a:rPr>
+              <a:t> </a:t>
+            </a:r>
+            <a:endParaRPr b="0" sz="900">
+              <a:solidFill>
+                <a:schemeClr val="dk2"/>
+              </a:solidFill>
+            </a:endParaRPr>
+          </a:p>
+        </p:txBody>
+      </p:sp>
+    </p:spTree>
+  </p:cSld>
+  <p:clrMapOvr>
+    <a:masterClrMapping/>
+  </p:clrMapOvr>
+</p:sld>
+</file>
+
+<file path=ppt/slides/slide23.xml><?xml version="1.0" encoding="utf-8"?>
+<p:sld xmlns:a="http://schemas.openxmlformats.org/drawingml/2006/main" xmlns:r="http://schemas.openxmlformats.org/officeDocument/2006/relationships" xmlns:mc="http://schemas.openxmlformats.org/markup-compatibility/2006" xmlns:mv="urn:schemas-microsoft-com:mac:vml" xmlns:p="http://schemas.openxmlformats.org/presentationml/2006/main" xmlns:c="http://schemas.openxmlformats.org/drawingml/2006/chart" xmlns:dgm="http://schemas.openxmlformats.org/drawingml/2006/diagram" xmlns:o="urn:schemas-microsoft-com:office:office" xmlns:v="urn:schemas-microsoft-com:vml" xmlns:pvml="urn:schemas-microsoft-com:office:powerpoint" xmlns:com="http://schemas.openxmlformats.org/drawingml/2006/compatibility" xmlns:p14="http://schemas.microsoft.com/office/powerpoint/2010/main" xmlns:p15="http://schemas.microsoft.com/office/powerpoint/2012/main" xmlns:ahyp="http://schemas.microsoft.com/office/drawing/2018/hyperlinkcolor">
+  <p:cSld>
+    <p:spTree>
+      <p:nvGrpSpPr>
+        <p:cNvPr id="194" name="Shape 194"/>
+        <p:cNvGrpSpPr/>
+        <p:nvPr/>
+      </p:nvGrpSpPr>
+      <p:grpSpPr>
+        <a:xfrm>
+          <a:off x="0" y="0"/>
+          <a:ext cx="0" cy="0"/>
+          <a:chOff x="0" y="0"/>
+          <a:chExt cx="0" cy="0"/>
+        </a:xfrm>
+      </p:grpSpPr>
+      <p:sp>
+        <p:nvSpPr>
+          <p:cNvPr id="195" name="Google Shape;195;p30"/>
+          <p:cNvSpPr txBox="1"/>
+          <p:nvPr>
+            <p:ph type="title"/>
+          </p:nvPr>
+        </p:nvSpPr>
+        <p:spPr>
+          <a:xfrm>
+            <a:off x="0" y="0"/>
+            <a:ext cx="9144000" cy="685800"/>
+          </a:xfrm>
+          <a:prstGeom prst="rect">
+            <a:avLst/>
+          </a:prstGeom>
+        </p:spPr>
+        <p:txBody>
+          <a:bodyPr anchorCtr="0" anchor="ctr" bIns="91425" lIns="274300" spcFirstLastPara="1" rIns="91425" wrap="square" tIns="91425">
+            <a:noAutofit/>
+          </a:bodyPr>
+          <a:lstStyle/>
+          <a:p>
+            <a:pPr indent="0" lvl="0" marL="0" rtl="0" algn="l">
+              <a:spcBef>
+                <a:spcPts val="0"/>
+              </a:spcBef>
+              <a:spcAft>
+                <a:spcPts val="0"/>
+              </a:spcAft>
+              <a:buNone/>
+            </a:pPr>
+            <a:r>
+              <a:rPr lang="en"/>
+              <a:t>This Semester’s Projects</a:t>
+            </a:r>
+            <a:endParaRPr/>
+          </a:p>
+        </p:txBody>
+      </p:sp>
+      <p:sp>
+        <p:nvSpPr>
+          <p:cNvPr id="196" name="Google Shape;196;p30"/>
+          <p:cNvSpPr txBox="1"/>
+          <p:nvPr>
+            <p:ph idx="1" type="body"/>
+          </p:nvPr>
+        </p:nvSpPr>
+        <p:spPr>
+          <a:xfrm>
+            <a:off x="274320" y="914400"/>
+            <a:ext cx="8595300" cy="4114800"/>
+          </a:xfrm>
+          <a:prstGeom prst="rect">
+            <a:avLst/>
+          </a:prstGeom>
+        </p:spPr>
+        <p:txBody>
+          <a:bodyPr anchorCtr="0" anchor="t" bIns="0" lIns="0" spcFirstLastPara="1" rIns="0" wrap="square" tIns="0">
+            <a:noAutofit/>
+          </a:bodyPr>
+          <a:lstStyle/>
+          <a:p>
+            <a:pPr indent="0" lvl="0" marL="0" rtl="0" algn="l">
+              <a:spcBef>
+                <a:spcPts val="0"/>
+              </a:spcBef>
+              <a:spcAft>
+                <a:spcPts val="1200"/>
+              </a:spcAft>
+              <a:buNone/>
+            </a:pPr>
+            <a:r>
+              <a:rPr lang="en"/>
+              <a:t>Let’s see… </a:t>
+            </a:r>
+            <a:r>
+              <a:rPr lang="en" u="sng">
+                <a:solidFill>
+                  <a:schemeClr val="hlink"/>
+                </a:solidFill>
+                <a:hlinkClick r:id="rId3"/>
+              </a:rPr>
+              <a:t>https://nyt.uni1.de</a:t>
+            </a:r>
+            <a:r>
+              <a:rPr lang="en"/>
+              <a:t> </a:t>
+            </a:r>
+            <a:endParaRPr/>
+          </a:p>
+        </p:txBody>
+      </p:sp>
+      <p:sp>
+        <p:nvSpPr>
+          <p:cNvPr id="197" name="Google Shape;197;p30"/>
+          <p:cNvSpPr txBox="1"/>
+          <p:nvPr>
+            <p:ph idx="12" type="sldNum"/>
+          </p:nvPr>
+        </p:nvSpPr>
+        <p:spPr>
+          <a:xfrm>
+            <a:off x="7315202" y="4416550"/>
+            <a:ext cx="1828800" cy="731400"/>
+          </a:xfrm>
+          <a:prstGeom prst="rect">
+            <a:avLst/>
+          </a:prstGeom>
+        </p:spPr>
+        <p:txBody>
+          <a:bodyPr anchorCtr="0" anchor="b" bIns="91425" lIns="91425" spcFirstLastPara="1" rIns="91425" wrap="square" tIns="91425">
+            <a:noAutofit/>
+          </a:bodyPr>
+          <a:lstStyle/>
+          <a:p>
+            <a:pPr indent="0" lvl="0" marL="0" rtl="0" algn="r">
+              <a:spcBef>
+                <a:spcPts val="0"/>
+              </a:spcBef>
+              <a:spcAft>
+                <a:spcPts val="0"/>
+              </a:spcAft>
+              <a:buNone/>
+            </a:pPr>
+            <a:fld id="{00000000-1234-1234-1234-123412341234}" type="slidenum">
+              <a:rPr lang="en"/>
+              <a:t>‹#›</a:t>
+            </a:fld>
+            <a:endParaRPr/>
+          </a:p>
+          <a:p>
+            <a:pPr indent="0" lvl="0" marL="0" rtl="0" algn="r">
+              <a:spcBef>
+                <a:spcPts val="0"/>
+              </a:spcBef>
+              <a:spcAft>
+                <a:spcPts val="0"/>
+              </a:spcAft>
+              <a:buNone/>
+            </a:pPr>
+            <a:r>
+              <a:rPr b="0" lang="en" sz="900" u="sng">
+                <a:solidFill>
+                  <a:schemeClr val="hlink"/>
+                </a:solidFill>
+                <a:hlinkClick r:id="rId4"/>
+              </a:rPr>
+              <a:t>https://profriehle.com</a:t>
+            </a:r>
+            <a:r>
+              <a:rPr b="0" lang="en" sz="900">
+                <a:solidFill>
+                  <a:schemeClr val="dk2"/>
+                </a:solidFill>
+              </a:rPr>
+              <a:t> </a:t>
+            </a:r>
+            <a:endParaRPr b="0" sz="900">
+              <a:solidFill>
+                <a:schemeClr val="dk2"/>
+              </a:solidFill>
+            </a:endParaRPr>
+          </a:p>
+        </p:txBody>
+      </p:sp>
+    </p:spTree>
+  </p:cSld>
+  <p:clrMapOvr>
+    <a:masterClrMapping/>
+  </p:clrMapOvr>
+</p:sld>
+</file>
+
+<file path=ppt/slides/slide24.xml><?xml version="1.0" encoding="utf-8"?>
+<p:sld xmlns:a="http://schemas.openxmlformats.org/drawingml/2006/main" xmlns:r="http://schemas.openxmlformats.org/officeDocument/2006/relationships" xmlns:mc="http://schemas.openxmlformats.org/markup-compatibility/2006" xmlns:mv="urn:schemas-microsoft-com:mac:vml" xmlns:p="http://schemas.openxmlformats.org/presentationml/2006/main" xmlns:c="http://schemas.openxmlformats.org/drawingml/2006/chart" xmlns:dgm="http://schemas.openxmlformats.org/drawingml/2006/diagram" xmlns:o="urn:schemas-microsoft-com:office:office" xmlns:v="urn:schemas-microsoft-com:vml" xmlns:pvml="urn:schemas-microsoft-com:office:powerpoint" xmlns:com="http://schemas.openxmlformats.org/drawingml/2006/compatibility" xmlns:p14="http://schemas.microsoft.com/office/powerpoint/2010/main" xmlns:p15="http://schemas.microsoft.com/office/powerpoint/2012/main" xmlns:ahyp="http://schemas.microsoft.com/office/drawing/2018/hyperlinkcolor">
+  <p:cSld>
+    <p:spTree>
+      <p:nvGrpSpPr>
+        <p:cNvPr id="201" name="Shape 201"/>
+        <p:cNvGrpSpPr/>
+        <p:nvPr/>
+      </p:nvGrpSpPr>
+      <p:grpSpPr>
+        <a:xfrm>
+          <a:off x="0" y="0"/>
+          <a:ext cx="0" cy="0"/>
+          <a:chOff x="0" y="0"/>
+          <a:chExt cx="0" cy="0"/>
+        </a:xfrm>
+      </p:grpSpPr>
+      <p:sp>
+        <p:nvSpPr>
+          <p:cNvPr id="202" name="Google Shape;202;p31"/>
           <p:cNvSpPr txBox="1"/>
           <p:nvPr>
             <p:ph type="ctrTitle"/>
@@ -11302,7 +12408,7 @@
       </p:sp>
       <p:sp>
         <p:nvSpPr>
-          <p:cNvPr id="181" name="Google Shape;181;p28"/>
+          <p:cNvPr id="203" name="Google Shape;203;p31"/>
           <p:cNvSpPr txBox="1"/>
           <p:nvPr>
             <p:ph idx="1" type="subTitle"/>
@@ -11427,12 +12533,12 @@
 </p:sld>
 </file>
 
-<file path=ppt/slides/slide22.xml><?xml version="1.0" encoding="utf-8"?>
+<file path=ppt/slides/slide25.xml><?xml version="1.0" encoding="utf-8"?>
 <p:sld xmlns:a="http://schemas.openxmlformats.org/drawingml/2006/main" xmlns:r="http://schemas.openxmlformats.org/officeDocument/2006/relationships" xmlns:mc="http://schemas.openxmlformats.org/markup-compatibility/2006" xmlns:mv="urn:schemas-microsoft-com:mac:vml" xmlns:p="http://schemas.openxmlformats.org/presentationml/2006/main" xmlns:c="http://schemas.openxmlformats.org/drawingml/2006/chart" xmlns:dgm="http://schemas.openxmlformats.org/drawingml/2006/diagram" xmlns:o="urn:schemas-microsoft-com:office:office" xmlns:v="urn:schemas-microsoft-com:vml" xmlns:pvml="urn:schemas-microsoft-com:office:powerpoint" xmlns:com="http://schemas.openxmlformats.org/drawingml/2006/compatibility" xmlns:p14="http://schemas.microsoft.com/office/powerpoint/2010/main" xmlns:p15="http://schemas.microsoft.com/office/powerpoint/2012/main" xmlns:ahyp="http://schemas.microsoft.com/office/drawing/2018/hyperlinkcolor">
   <p:cSld>
     <p:spTree>
       <p:nvGrpSpPr>
-        <p:cNvPr id="185" name="Shape 185"/>
+        <p:cNvPr id="207" name="Shape 207"/>
         <p:cNvGrpSpPr/>
         <p:nvPr/>
       </p:nvGrpSpPr>
@@ -11446,7 +12552,7 @@
       </p:grpSpPr>
       <p:sp>
         <p:nvSpPr>
-          <p:cNvPr id="186" name="Google Shape;186;p29"/>
+          <p:cNvPr id="208" name="Google Shape;208;p32"/>
           <p:cNvSpPr txBox="1"/>
           <p:nvPr>
             <p:ph type="title"/>
@@ -11486,7 +12592,7 @@
       </p:sp>
       <p:sp>
         <p:nvSpPr>
-          <p:cNvPr id="187" name="Google Shape;187;p29"/>
+          <p:cNvPr id="209" name="Google Shape;209;p32"/>
           <p:cNvSpPr txBox="1"/>
           <p:nvPr>
             <p:ph idx="12" type="sldNum"/>
@@ -11559,7 +12665,7 @@
       </p:sp>
       <p:sp>
         <p:nvSpPr>
-          <p:cNvPr id="188" name="Google Shape;188;p29"/>
+          <p:cNvPr id="210" name="Google Shape;210;p32"/>
           <p:cNvSpPr txBox="1"/>
           <p:nvPr>
             <p:ph idx="1" type="body"/>
@@ -11654,7 +12760,7 @@
             </a:pPr>
             <a:r>
               <a:rPr lang="en"/>
-              <a:t>© 2012, 2023 Dirk Riehle, some rights reserved</a:t>
+              <a:t>© 2012, 2023, 2024 Dirk Riehle, some rights reserved</a:t>
             </a:r>
             <a:endParaRPr/>
           </a:p>
@@ -11718,7 +12824,7 @@
           </a:prstGeom>
         </p:spPr>
         <p:txBody>
-          <a:bodyPr anchorCtr="0" anchor="ctr" bIns="0" lIns="274300" spcFirstLastPara="1" rIns="0" wrap="square" tIns="0">
+          <a:bodyPr anchorCtr="0" anchor="ctr" bIns="91425" lIns="274300" spcFirstLastPara="1" rIns="91425" wrap="square" tIns="91425">
             <a:noAutofit/>
           </a:bodyPr>
           <a:lstStyle/>
@@ -11734,7 +12840,7 @@
             </a:pPr>
             <a:r>
               <a:rPr lang="en"/>
-              <a:t>Definition of Science (Working Definition)</a:t>
+              <a:t>What do you think science is about?</a:t>
             </a:r>
             <a:endParaRPr/>
           </a:p>
@@ -11745,62 +12851,53 @@
           <p:cNvPr id="50" name="Google Shape;50;p10"/>
           <p:cNvSpPr txBox="1"/>
           <p:nvPr>
-            <p:ph idx="4294967295" type="body"/>
+            <p:ph idx="1" type="body"/>
           </p:nvPr>
         </p:nvSpPr>
         <p:spPr>
           <a:xfrm>
-            <a:off x="918576" y="914400"/>
-            <a:ext cx="7315200" cy="3657600"/>
+            <a:off x="274320" y="914400"/>
+            <a:ext cx="8595300" cy="4114800"/>
           </a:xfrm>
           <a:prstGeom prst="rect">
             <a:avLst/>
           </a:prstGeom>
         </p:spPr>
         <p:txBody>
-          <a:bodyPr anchorCtr="0" anchor="ctr" bIns="0" lIns="0" spcFirstLastPara="1" rIns="0" wrap="square" tIns="0">
+          <a:bodyPr anchorCtr="0" anchor="t" bIns="0" lIns="0" spcFirstLastPara="1" rIns="0" wrap="square" tIns="0">
             <a:noAutofit/>
           </a:bodyPr>
           <a:lstStyle/>
           <a:p>
-            <a:pPr indent="0" lvl="0" marL="0" rtl="0" algn="just">
-              <a:spcBef>
-                <a:spcPts val="0"/>
-              </a:spcBef>
-              <a:spcAft>
+            <a:pPr indent="0" lvl="0" marL="0" rtl="0" algn="l">
+              <a:spcBef>
+                <a:spcPts val="0"/>
+              </a:spcBef>
+              <a:spcAft>
+                <a:spcPts val="0"/>
+              </a:spcAft>
+              <a:buNone/>
+            </a:pPr>
+            <a:r>
+              <a:rPr lang="en"/>
+              <a:t>Go to menti.com, enter code 7743 3107</a:t>
+            </a:r>
+            <a:endParaRPr/>
+          </a:p>
+          <a:p>
+            <a:pPr indent="0" lvl="0" marL="0" rtl="0" algn="l">
+              <a:spcBef>
                 <a:spcPts val="1200"/>
-              </a:spcAft>
-              <a:buNone/>
-            </a:pPr>
-            <a:r>
-              <a:rPr b="1" lang="en" sz="3200">
-                <a:solidFill>
-                  <a:schemeClr val="accent2"/>
-                </a:solidFill>
-              </a:rPr>
-              <a:t>Science</a:t>
-            </a:r>
-            <a:r>
-              <a:rPr lang="en" sz="3200"/>
-              <a:t> is the </a:t>
-            </a:r>
-            <a:r>
-              <a:rPr b="1" lang="en" sz="3200"/>
-              <a:t>process of acquiring knowledge</a:t>
-            </a:r>
-            <a:r>
-              <a:rPr lang="en" sz="3200"/>
-              <a:t> for </a:t>
-            </a:r>
-            <a:r>
-              <a:rPr b="1" lang="en" sz="3200"/>
-              <a:t>correct prediction and reliable outcome.</a:t>
-            </a:r>
-            <a:r>
-              <a:rPr lang="en" sz="3200"/>
-              <a:t> [DR]</a:t>
-            </a:r>
-            <a:endParaRPr sz="3200"/>
+              </a:spcBef>
+              <a:spcAft>
+                <a:spcPts val="1200"/>
+              </a:spcAft>
+              <a:buNone/>
+            </a:pPr>
+            <a:r>
+              <a:t/>
+            </a:r>
+            <a:endParaRPr/>
           </a:p>
         </p:txBody>
       </p:sp>
@@ -11869,7 +12966,7 @@
               </a:rPr>
               <a:t> </a:t>
             </a:r>
-            <a:endParaRPr>
+            <a:endParaRPr b="0" sz="900">
               <a:solidFill>
                 <a:schemeClr val="dk2"/>
               </a:solidFill>
@@ -11936,7 +13033,7 @@
             </a:pPr>
             <a:r>
               <a:rPr lang="en"/>
-              <a:t>Course Content and Structure</a:t>
+              <a:t>Definition of Science (Working Definition)</a:t>
             </a:r>
             <a:endParaRPr/>
           </a:p>
@@ -11945,6 +13042,70 @@
       <p:sp>
         <p:nvSpPr>
           <p:cNvPr id="57" name="Google Shape;57;p11"/>
+          <p:cNvSpPr txBox="1"/>
+          <p:nvPr>
+            <p:ph idx="4294967295" type="body"/>
+          </p:nvPr>
+        </p:nvSpPr>
+        <p:spPr>
+          <a:xfrm>
+            <a:off x="918576" y="914400"/>
+            <a:ext cx="7315200" cy="3657600"/>
+          </a:xfrm>
+          <a:prstGeom prst="rect">
+            <a:avLst/>
+          </a:prstGeom>
+        </p:spPr>
+        <p:txBody>
+          <a:bodyPr anchorCtr="0" anchor="ctr" bIns="0" lIns="0" spcFirstLastPara="1" rIns="0" wrap="square" tIns="0">
+            <a:noAutofit/>
+          </a:bodyPr>
+          <a:lstStyle/>
+          <a:p>
+            <a:pPr indent="0" lvl="0" marL="0" rtl="0" algn="just">
+              <a:spcBef>
+                <a:spcPts val="0"/>
+              </a:spcBef>
+              <a:spcAft>
+                <a:spcPts val="1200"/>
+              </a:spcAft>
+              <a:buNone/>
+            </a:pPr>
+            <a:r>
+              <a:rPr b="1" lang="en" sz="3200">
+                <a:solidFill>
+                  <a:schemeClr val="accent5"/>
+                </a:solidFill>
+              </a:rPr>
+              <a:t>Science</a:t>
+            </a:r>
+            <a:r>
+              <a:rPr lang="en" sz="3200"/>
+              <a:t> is the </a:t>
+            </a:r>
+            <a:r>
+              <a:rPr b="1" lang="en" sz="3200"/>
+              <a:t>process of acquiring knowledge</a:t>
+            </a:r>
+            <a:r>
+              <a:rPr lang="en" sz="3200"/>
+              <a:t> for </a:t>
+            </a:r>
+            <a:r>
+              <a:rPr b="1" lang="en" sz="3200"/>
+              <a:t>correct prediction and reliable outcome.</a:t>
+            </a:r>
+            <a:r>
+              <a:rPr lang="en" sz="3200"/>
+              <a:t> [DR]</a:t>
+            </a:r>
+            <a:endParaRPr sz="3200"/>
+          </a:p>
+        </p:txBody>
+      </p:sp>
+      <p:sp>
+        <p:nvSpPr>
+          <p:cNvPr id="58" name="Google Shape;58;p11"/>
           <p:cNvSpPr txBox="1"/>
           <p:nvPr>
             <p:ph idx="12" type="sldNum"/>
@@ -12015,9 +13176,147 @@
           </a:p>
         </p:txBody>
       </p:sp>
+    </p:spTree>
+  </p:cSld>
+  <p:clrMapOvr>
+    <a:masterClrMapping/>
+  </p:clrMapOvr>
+</p:sld>
+</file>
+
+<file path=ppt/slides/slide5.xml><?xml version="1.0" encoding="utf-8"?>
+<p:sld xmlns:a="http://schemas.openxmlformats.org/drawingml/2006/main" xmlns:r="http://schemas.openxmlformats.org/officeDocument/2006/relationships" xmlns:mc="http://schemas.openxmlformats.org/markup-compatibility/2006" xmlns:mv="urn:schemas-microsoft-com:mac:vml" xmlns:p="http://schemas.openxmlformats.org/presentationml/2006/main" xmlns:c="http://schemas.openxmlformats.org/drawingml/2006/chart" xmlns:dgm="http://schemas.openxmlformats.org/drawingml/2006/diagram" xmlns:o="urn:schemas-microsoft-com:office:office" xmlns:v="urn:schemas-microsoft-com:vml" xmlns:pvml="urn:schemas-microsoft-com:office:powerpoint" xmlns:com="http://schemas.openxmlformats.org/drawingml/2006/compatibility" xmlns:p14="http://schemas.microsoft.com/office/powerpoint/2010/main" xmlns:p15="http://schemas.microsoft.com/office/powerpoint/2012/main" xmlns:ahyp="http://schemas.microsoft.com/office/drawing/2018/hyperlinkcolor">
+  <p:cSld>
+    <p:spTree>
+      <p:nvGrpSpPr>
+        <p:cNvPr id="62" name="Shape 62"/>
+        <p:cNvGrpSpPr/>
+        <p:nvPr/>
+      </p:nvGrpSpPr>
+      <p:grpSpPr>
+        <a:xfrm>
+          <a:off x="0" y="0"/>
+          <a:ext cx="0" cy="0"/>
+          <a:chOff x="0" y="0"/>
+          <a:chExt cx="0" cy="0"/>
+        </a:xfrm>
+      </p:grpSpPr>
       <p:sp>
         <p:nvSpPr>
-          <p:cNvPr id="58" name="Google Shape;58;p11"/>
+          <p:cNvPr id="63" name="Google Shape;63;p12"/>
+          <p:cNvSpPr txBox="1"/>
+          <p:nvPr>
+            <p:ph type="title"/>
+          </p:nvPr>
+        </p:nvSpPr>
+        <p:spPr>
+          <a:xfrm>
+            <a:off x="0" y="0"/>
+            <a:ext cx="9144000" cy="685800"/>
+          </a:xfrm>
+          <a:prstGeom prst="rect">
+            <a:avLst/>
+          </a:prstGeom>
+        </p:spPr>
+        <p:txBody>
+          <a:bodyPr anchorCtr="0" anchor="ctr" bIns="0" lIns="274300" spcFirstLastPara="1" rIns="0" wrap="square" tIns="0">
+            <a:noAutofit/>
+          </a:bodyPr>
+          <a:lstStyle/>
+          <a:p>
+            <a:pPr indent="0" lvl="0" marL="0" rtl="0" algn="l">
+              <a:spcBef>
+                <a:spcPts val="0"/>
+              </a:spcBef>
+              <a:spcAft>
+                <a:spcPts val="0"/>
+              </a:spcAft>
+              <a:buNone/>
+            </a:pPr>
+            <a:r>
+              <a:rPr lang="en"/>
+              <a:t>Course Content and Structure</a:t>
+            </a:r>
+            <a:endParaRPr/>
+          </a:p>
+        </p:txBody>
+      </p:sp>
+      <p:sp>
+        <p:nvSpPr>
+          <p:cNvPr id="64" name="Google Shape;64;p12"/>
+          <p:cNvSpPr txBox="1"/>
+          <p:nvPr>
+            <p:ph idx="12" type="sldNum"/>
+          </p:nvPr>
+        </p:nvSpPr>
+        <p:spPr>
+          <a:xfrm>
+            <a:off x="7315202" y="4416550"/>
+            <a:ext cx="1828800" cy="731400"/>
+          </a:xfrm>
+          <a:prstGeom prst="rect">
+            <a:avLst/>
+          </a:prstGeom>
+        </p:spPr>
+        <p:txBody>
+          <a:bodyPr anchorCtr="0" anchor="b" bIns="91425" lIns="91425" spcFirstLastPara="1" rIns="91425" wrap="square" tIns="91425">
+            <a:noAutofit/>
+          </a:bodyPr>
+          <a:lstStyle/>
+          <a:p>
+            <a:pPr indent="0" lvl="0" marL="0" rtl="0" algn="r">
+              <a:spcBef>
+                <a:spcPts val="0"/>
+              </a:spcBef>
+              <a:spcAft>
+                <a:spcPts val="0"/>
+              </a:spcAft>
+              <a:buNone/>
+            </a:pPr>
+            <a:fld id="{00000000-1234-1234-1234-123412341234}" type="slidenum">
+              <a:rPr lang="en"/>
+              <a:t>‹#›</a:t>
+            </a:fld>
+            <a:endParaRPr/>
+          </a:p>
+          <a:p>
+            <a:pPr indent="0" lvl="0" marL="0" rtl="0" algn="r">
+              <a:spcBef>
+                <a:spcPts val="0"/>
+              </a:spcBef>
+              <a:spcAft>
+                <a:spcPts val="0"/>
+              </a:spcAft>
+              <a:buNone/>
+            </a:pPr>
+            <a:r>
+              <a:rPr b="0" lang="en" sz="900" u="sng">
+                <a:solidFill>
+                  <a:schemeClr val="hlink"/>
+                </a:solidFill>
+                <a:hlinkClick r:id="rId3"/>
+              </a:rPr>
+              <a:t>https://profriehle.com</a:t>
+            </a:r>
+            <a:r>
+              <a:rPr b="0" lang="en" sz="900">
+                <a:solidFill>
+                  <a:schemeClr val="dk2"/>
+                </a:solidFill>
+              </a:rPr>
+              <a:t> </a:t>
+            </a:r>
+            <a:endParaRPr>
+              <a:solidFill>
+                <a:schemeClr val="dk2"/>
+              </a:solidFill>
+            </a:endParaRPr>
+          </a:p>
+        </p:txBody>
+      </p:sp>
+      <p:sp>
+        <p:nvSpPr>
+          <p:cNvPr id="65" name="Google Shape;65;p12"/>
           <p:cNvSpPr txBox="1"/>
           <p:nvPr>
             <p:ph idx="1" type="body"/>
@@ -12192,7 +13491,7 @@
       </p:sp>
       <p:sp>
         <p:nvSpPr>
-          <p:cNvPr id="59" name="Google Shape;59;p11"/>
+          <p:cNvPr id="66" name="Google Shape;66;p12"/>
           <p:cNvSpPr txBox="1"/>
           <p:nvPr>
             <p:ph idx="2" type="body"/>
@@ -12344,201 +13643,6 @@
               <a:t>Academic publishing</a:t>
             </a:r>
             <a:endParaRPr/>
-          </a:p>
-        </p:txBody>
-      </p:sp>
-    </p:spTree>
-  </p:cSld>
-  <p:clrMapOvr>
-    <a:masterClrMapping/>
-  </p:clrMapOvr>
-</p:sld>
-</file>
-
-<file path=ppt/slides/slide5.xml><?xml version="1.0" encoding="utf-8"?>
-<p:sld xmlns:a="http://schemas.openxmlformats.org/drawingml/2006/main" xmlns:r="http://schemas.openxmlformats.org/officeDocument/2006/relationships" xmlns:mc="http://schemas.openxmlformats.org/markup-compatibility/2006" xmlns:mv="urn:schemas-microsoft-com:mac:vml" xmlns:p="http://schemas.openxmlformats.org/presentationml/2006/main" xmlns:c="http://schemas.openxmlformats.org/drawingml/2006/chart" xmlns:dgm="http://schemas.openxmlformats.org/drawingml/2006/diagram" xmlns:o="urn:schemas-microsoft-com:office:office" xmlns:v="urn:schemas-microsoft-com:vml" xmlns:pvml="urn:schemas-microsoft-com:office:powerpoint" xmlns:com="http://schemas.openxmlformats.org/drawingml/2006/compatibility" xmlns:p14="http://schemas.microsoft.com/office/powerpoint/2010/main" xmlns:p15="http://schemas.microsoft.com/office/powerpoint/2012/main" xmlns:ahyp="http://schemas.microsoft.com/office/drawing/2018/hyperlinkcolor">
-  <p:cSld>
-    <p:spTree>
-      <p:nvGrpSpPr>
-        <p:cNvPr id="63" name="Shape 63"/>
-        <p:cNvGrpSpPr/>
-        <p:nvPr/>
-      </p:nvGrpSpPr>
-      <p:grpSpPr>
-        <a:xfrm>
-          <a:off x="0" y="0"/>
-          <a:ext cx="0" cy="0"/>
-          <a:chOff x="0" y="0"/>
-          <a:chExt cx="0" cy="0"/>
-        </a:xfrm>
-      </p:grpSpPr>
-      <p:sp>
-        <p:nvSpPr>
-          <p:cNvPr id="64" name="Google Shape;64;p12"/>
-          <p:cNvSpPr txBox="1"/>
-          <p:nvPr>
-            <p:ph type="title"/>
-          </p:nvPr>
-        </p:nvSpPr>
-        <p:spPr>
-          <a:xfrm>
-            <a:off x="0" y="0"/>
-            <a:ext cx="9144000" cy="685800"/>
-          </a:xfrm>
-          <a:prstGeom prst="rect">
-            <a:avLst/>
-          </a:prstGeom>
-        </p:spPr>
-        <p:txBody>
-          <a:bodyPr anchorCtr="0" anchor="ctr" bIns="91425" lIns="274300" spcFirstLastPara="1" rIns="91425" wrap="square" tIns="91425">
-            <a:noAutofit/>
-          </a:bodyPr>
-          <a:lstStyle/>
-          <a:p>
-            <a:pPr indent="0" lvl="0" marL="0" rtl="0" algn="l">
-              <a:spcBef>
-                <a:spcPts val="0"/>
-              </a:spcBef>
-              <a:spcAft>
-                <a:spcPts val="0"/>
-              </a:spcAft>
-              <a:buNone/>
-            </a:pPr>
-            <a:r>
-              <a:rPr lang="en"/>
-              <a:t>Skills Required for Course</a:t>
-            </a:r>
-            <a:endParaRPr/>
-          </a:p>
-        </p:txBody>
-      </p:sp>
-      <p:sp>
-        <p:nvSpPr>
-          <p:cNvPr id="65" name="Google Shape;65;p12"/>
-          <p:cNvSpPr txBox="1"/>
-          <p:nvPr>
-            <p:ph idx="1" type="body"/>
-          </p:nvPr>
-        </p:nvSpPr>
-        <p:spPr>
-          <a:xfrm>
-            <a:off x="274320" y="914400"/>
-            <a:ext cx="8595300" cy="4114800"/>
-          </a:xfrm>
-          <a:prstGeom prst="rect">
-            <a:avLst/>
-          </a:prstGeom>
-        </p:spPr>
-        <p:txBody>
-          <a:bodyPr anchorCtr="0" anchor="t" bIns="0" lIns="0" spcFirstLastPara="1" rIns="0" wrap="square" tIns="0">
-            <a:noAutofit/>
-          </a:bodyPr>
-          <a:lstStyle/>
-          <a:p>
-            <a:pPr indent="0" lvl="0" marL="0" rtl="0" algn="l">
-              <a:spcBef>
-                <a:spcPts val="0"/>
-              </a:spcBef>
-              <a:spcAft>
-                <a:spcPts val="0"/>
-              </a:spcAft>
-              <a:buNone/>
-            </a:pPr>
-            <a:r>
-              <a:rPr lang="en"/>
-              <a:t>No particular requirements, but …</a:t>
-            </a:r>
-            <a:endParaRPr/>
-          </a:p>
-          <a:p>
-            <a:pPr indent="-342900" lvl="0" marL="457200" rtl="0" algn="l">
-              <a:spcBef>
-                <a:spcPts val="1200"/>
-              </a:spcBef>
-              <a:spcAft>
-                <a:spcPts val="0"/>
-              </a:spcAft>
-              <a:buSzPts val="1800"/>
-              <a:buChar char="●"/>
-            </a:pPr>
-            <a:r>
-              <a:rPr lang="en"/>
-              <a:t>Strong conceptual and analytical thinking</a:t>
-            </a:r>
-            <a:endParaRPr/>
-          </a:p>
-        </p:txBody>
-      </p:sp>
-      <p:sp>
-        <p:nvSpPr>
-          <p:cNvPr id="66" name="Google Shape;66;p12"/>
-          <p:cNvSpPr txBox="1"/>
-          <p:nvPr>
-            <p:ph idx="12" type="sldNum"/>
-          </p:nvPr>
-        </p:nvSpPr>
-        <p:spPr>
-          <a:xfrm>
-            <a:off x="7315202" y="4416550"/>
-            <a:ext cx="1828800" cy="731400"/>
-          </a:xfrm>
-          <a:prstGeom prst="rect">
-            <a:avLst/>
-          </a:prstGeom>
-        </p:spPr>
-        <p:txBody>
-          <a:bodyPr anchorCtr="0" anchor="b" bIns="91425" lIns="91425" spcFirstLastPara="1" rIns="91425" wrap="square" tIns="91425">
-            <a:noAutofit/>
-          </a:bodyPr>
-          <a:lstStyle/>
-          <a:p>
-            <a:pPr indent="0" lvl="0" marL="0" rtl="0" algn="r">
-              <a:spcBef>
-                <a:spcPts val="0"/>
-              </a:spcBef>
-              <a:spcAft>
-                <a:spcPts val="0"/>
-              </a:spcAft>
-              <a:buNone/>
-            </a:pPr>
-            <a:fld id="{00000000-1234-1234-1234-123412341234}" type="slidenum">
-              <a:rPr lang="en"/>
-              <a:t>‹#›</a:t>
-            </a:fld>
-            <a:endParaRPr/>
-          </a:p>
-          <a:p>
-            <a:pPr indent="0" lvl="0" marL="0" rtl="0" algn="r">
-              <a:spcBef>
-                <a:spcPts val="0"/>
-              </a:spcBef>
-              <a:spcAft>
-                <a:spcPts val="0"/>
-              </a:spcAft>
-              <a:buNone/>
-            </a:pPr>
-            <a:r>
-              <a:rPr b="0" lang="en" sz="900" u="sng">
-                <a:solidFill>
-                  <a:schemeClr val="hlink"/>
-                </a:solidFill>
-                <a:hlinkClick r:id="rId3"/>
-              </a:rPr>
-              <a:t>https://profriehle.com</a:t>
-            </a:r>
-            <a:r>
-              <a:rPr b="0" lang="en" sz="900">
-                <a:solidFill>
-                  <a:schemeClr val="dk2"/>
-                </a:solidFill>
-              </a:rPr>
-              <a:t> </a:t>
-            </a:r>
-            <a:endParaRPr b="0" sz="900">
-              <a:solidFill>
-                <a:schemeClr val="dk2"/>
-              </a:solidFill>
-            </a:endParaRPr>
           </a:p>
         </p:txBody>
       </p:sp>
@@ -12601,7 +13705,7 @@
             </a:pPr>
             <a:r>
               <a:rPr lang="en"/>
-              <a:t>Requirements for Final Theses</a:t>
+              <a:t>Skills Required for Course</a:t>
             </a:r>
             <a:endParaRPr/>
           </a:p>
@@ -12637,16 +13741,11 @@
               <a:spcAft>
                 <a:spcPts val="0"/>
               </a:spcAft>
-              <a:buClr>
-                <a:schemeClr val="dk1"/>
-              </a:buClr>
-              <a:buSzPts val="1100"/>
-              <a:buFont typeface="Arial"/>
-              <a:buNone/>
-            </a:pPr>
-            <a:r>
-              <a:rPr lang="en"/>
-              <a:t>From the Bachelor-Prüfungsordnung Informatik (“writing about science”)</a:t>
+              <a:buNone/>
+            </a:pPr>
+            <a:r>
+              <a:rPr lang="en"/>
+              <a:t>No particular requirements, but …</a:t>
             </a:r>
             <a:endParaRPr/>
           </a:p>
@@ -12663,83 +13762,7 @@
             </a:pPr>
             <a:r>
               <a:rPr lang="en"/>
-              <a:t>“Die schriftliche Bachelorarbeit soll ein wissenschaftliches Thema aus dem Bereich der Informatik behandeln.” </a:t>
-            </a:r>
-            <a:endParaRPr/>
-          </a:p>
-          <a:p>
-            <a:pPr indent="0" lvl="0" marL="0" rtl="0" algn="l">
-              <a:spcBef>
-                <a:spcPts val="1200"/>
-              </a:spcBef>
-              <a:spcAft>
-                <a:spcPts val="0"/>
-              </a:spcAft>
-              <a:buClr>
-                <a:schemeClr val="dk1"/>
-              </a:buClr>
-              <a:buSzPts val="1100"/>
-              <a:buFont typeface="Arial"/>
-              <a:buNone/>
-            </a:pPr>
-            <a:r>
-              <a:rPr lang="en"/>
-              <a:t>From the Master-Prüfungsordnung Informatik (“applying results of science”)</a:t>
-            </a:r>
-            <a:endParaRPr/>
-          </a:p>
-          <a:p>
-            <a:pPr indent="-342900" lvl="0" marL="457200" rtl="0" algn="l">
-              <a:spcBef>
-                <a:spcPts val="1200"/>
-              </a:spcBef>
-              <a:spcAft>
-                <a:spcPts val="0"/>
-              </a:spcAft>
-              <a:buSzPts val="1800"/>
-              <a:buChar char="●"/>
-            </a:pPr>
-            <a:r>
-              <a:rPr lang="en"/>
-              <a:t>“Die Masterarbeit dient dazu, die selbständige Bearbeitung von wissenschaftlichen Aufgabenstellungen der Informatik nachzuweisen.”</a:t>
-            </a:r>
-            <a:endParaRPr/>
-          </a:p>
-          <a:p>
-            <a:pPr indent="0" lvl="0" marL="0" rtl="0" algn="l">
-              <a:spcBef>
-                <a:spcPts val="1200"/>
-              </a:spcBef>
-              <a:spcAft>
-                <a:spcPts val="0"/>
-              </a:spcAft>
-              <a:buClr>
-                <a:schemeClr val="dk1"/>
-              </a:buClr>
-              <a:buSzPts val="1100"/>
-              <a:buFont typeface="Arial"/>
-              <a:buNone/>
-            </a:pPr>
-            <a:r>
-              <a:rPr lang="en"/>
-              <a:t>From the Promotionsordnung Informatik (“creating scientific progress”)</a:t>
-            </a:r>
-            <a:endParaRPr/>
-          </a:p>
-          <a:p>
-            <a:pPr indent="-342900" lvl="0" marL="457200" rtl="0" algn="l">
-              <a:spcBef>
-                <a:spcPts val="1200"/>
-              </a:spcBef>
-              <a:spcAft>
-                <a:spcPts val="0"/>
-              </a:spcAft>
-              <a:buSzPts val="1800"/>
-              <a:buChar char="●"/>
-            </a:pPr>
-            <a:r>
-              <a:rPr lang="en"/>
-              <a:t>“Die Dissertation soll die Fähigkeit des Bewerbers belegen, ingenieurwissenschaftliche Probleme selbständig und mit Erfolg zu bearbeiten und Wege zu ihrer Lösung zu finden.</a:t>
+              <a:t>Strong conceptual and analytical thinking</a:t>
             </a:r>
             <a:endParaRPr/>
           </a:p>
@@ -12861,7 +13884,7 @@
           </a:prstGeom>
         </p:spPr>
         <p:txBody>
-          <a:bodyPr anchorCtr="0" anchor="ctr" bIns="0" lIns="274300" spcFirstLastPara="1" rIns="0" wrap="square" tIns="0">
+          <a:bodyPr anchorCtr="0" anchor="ctr" bIns="91425" lIns="274300" spcFirstLastPara="1" rIns="91425" wrap="square" tIns="91425">
             <a:noAutofit/>
           </a:bodyPr>
           <a:lstStyle/>
@@ -12877,7 +13900,7 @@
             </a:pPr>
             <a:r>
               <a:rPr lang="en"/>
-              <a:t>Course Position in Curriculum</a:t>
+              <a:t>Requirements for Final Theses</a:t>
             </a:r>
             <a:endParaRPr/>
           </a:p>
@@ -12886,6 +13909,144 @@
       <p:sp>
         <p:nvSpPr>
           <p:cNvPr id="79" name="Google Shape;79;p14"/>
+          <p:cNvSpPr txBox="1"/>
+          <p:nvPr>
+            <p:ph idx="1" type="body"/>
+          </p:nvPr>
+        </p:nvSpPr>
+        <p:spPr>
+          <a:xfrm>
+            <a:off x="274320" y="914400"/>
+            <a:ext cx="8595300" cy="4114800"/>
+          </a:xfrm>
+          <a:prstGeom prst="rect">
+            <a:avLst/>
+          </a:prstGeom>
+        </p:spPr>
+        <p:txBody>
+          <a:bodyPr anchorCtr="0" anchor="t" bIns="0" lIns="0" spcFirstLastPara="1" rIns="0" wrap="square" tIns="0">
+            <a:noAutofit/>
+          </a:bodyPr>
+          <a:lstStyle/>
+          <a:p>
+            <a:pPr indent="0" lvl="0" marL="0" rtl="0" algn="l">
+              <a:spcBef>
+                <a:spcPts val="0"/>
+              </a:spcBef>
+              <a:spcAft>
+                <a:spcPts val="0"/>
+              </a:spcAft>
+              <a:buClr>
+                <a:schemeClr val="dk1"/>
+              </a:buClr>
+              <a:buSzPts val="1100"/>
+              <a:buFont typeface="Arial"/>
+              <a:buNone/>
+            </a:pPr>
+            <a:r>
+              <a:rPr lang="en"/>
+              <a:t>From the Bachelor-Prüfungsordnung Informatik (“writing about science”)</a:t>
+            </a:r>
+            <a:endParaRPr/>
+          </a:p>
+          <a:p>
+            <a:pPr indent="-342900" lvl="0" marL="457200" rtl="0" algn="l">
+              <a:spcBef>
+                <a:spcPts val="1200"/>
+              </a:spcBef>
+              <a:spcAft>
+                <a:spcPts val="0"/>
+              </a:spcAft>
+              <a:buSzPts val="1800"/>
+              <a:buChar char="●"/>
+            </a:pPr>
+            <a:r>
+              <a:rPr lang="en"/>
+              <a:t>“Die schriftliche Bachelorarbeit soll ein wissenschaftliches Thema aus dem Bereich der Informatik behandeln.” </a:t>
+            </a:r>
+            <a:endParaRPr/>
+          </a:p>
+          <a:p>
+            <a:pPr indent="0" lvl="0" marL="0" rtl="0" algn="l">
+              <a:spcBef>
+                <a:spcPts val="1200"/>
+              </a:spcBef>
+              <a:spcAft>
+                <a:spcPts val="0"/>
+              </a:spcAft>
+              <a:buClr>
+                <a:schemeClr val="dk1"/>
+              </a:buClr>
+              <a:buSzPts val="1100"/>
+              <a:buFont typeface="Arial"/>
+              <a:buNone/>
+            </a:pPr>
+            <a:r>
+              <a:rPr lang="en"/>
+              <a:t>From the Master-Prüfungsordnung Informatik (“applying results of science”)</a:t>
+            </a:r>
+            <a:endParaRPr/>
+          </a:p>
+          <a:p>
+            <a:pPr indent="-342900" lvl="0" marL="457200" rtl="0" algn="l">
+              <a:spcBef>
+                <a:spcPts val="1200"/>
+              </a:spcBef>
+              <a:spcAft>
+                <a:spcPts val="0"/>
+              </a:spcAft>
+              <a:buSzPts val="1800"/>
+              <a:buChar char="●"/>
+            </a:pPr>
+            <a:r>
+              <a:rPr lang="en"/>
+              <a:t>“Die Masterarbeit dient dazu, die selbständige Bearbeitung von wissenschaftlichen Aufgabenstellungen der Informatik nachzuweisen.”</a:t>
+            </a:r>
+            <a:endParaRPr/>
+          </a:p>
+          <a:p>
+            <a:pPr indent="0" lvl="0" marL="0" rtl="0" algn="l">
+              <a:spcBef>
+                <a:spcPts val="1200"/>
+              </a:spcBef>
+              <a:spcAft>
+                <a:spcPts val="0"/>
+              </a:spcAft>
+              <a:buClr>
+                <a:schemeClr val="dk1"/>
+              </a:buClr>
+              <a:buSzPts val="1100"/>
+              <a:buFont typeface="Arial"/>
+              <a:buNone/>
+            </a:pPr>
+            <a:r>
+              <a:rPr lang="en"/>
+              <a:t>From the Promotionsordnung Informatik (“creating scientific progress”)</a:t>
+            </a:r>
+            <a:endParaRPr/>
+          </a:p>
+          <a:p>
+            <a:pPr indent="-342900" lvl="0" marL="457200" rtl="0" algn="l">
+              <a:spcBef>
+                <a:spcPts val="1200"/>
+              </a:spcBef>
+              <a:spcAft>
+                <a:spcPts val="0"/>
+              </a:spcAft>
+              <a:buSzPts val="1800"/>
+              <a:buChar char="●"/>
+            </a:pPr>
+            <a:r>
+              <a:rPr lang="en"/>
+              <a:t>“Die Dissertation soll die Fähigkeit des Bewerbers belegen, ingenieurwissenschaftliche Probleme selbständig und mit Erfolg zu bearbeiten und Wege zu ihrer Lösung zu finden.</a:t>
+            </a:r>
+            <a:endParaRPr/>
+          </a:p>
+        </p:txBody>
+      </p:sp>
+      <p:sp>
+        <p:nvSpPr>
+          <p:cNvPr id="80" name="Google Shape;80;p14"/>
           <p:cNvSpPr txBox="1"/>
           <p:nvPr>
             <p:ph idx="12" type="sldNum"/>
@@ -12948,7 +14109,7 @@
               </a:rPr>
               <a:t> </a:t>
             </a:r>
-            <a:endParaRPr>
+            <a:endParaRPr b="0" sz="900">
               <a:solidFill>
                 <a:schemeClr val="dk2"/>
               </a:solidFill>
@@ -12956,34 +14117,6 @@
           </a:p>
         </p:txBody>
       </p:sp>
-      <p:pic>
-        <p:nvPicPr>
-          <p:cNvPr id="80" name="Google Shape;80;p14"/>
-          <p:cNvPicPr preferRelativeResize="0"/>
-          <p:nvPr/>
-        </p:nvPicPr>
-        <p:blipFill>
-          <a:blip r:embed="rId4">
-            <a:alphaModFix/>
-          </a:blip>
-          <a:stretch>
-            <a:fillRect/>
-          </a:stretch>
-        </p:blipFill>
-        <p:spPr>
-          <a:xfrm>
-            <a:off x="274320" y="914400"/>
-            <a:ext cx="8595358" cy="3613749"/>
-          </a:xfrm>
-          <a:prstGeom prst="rect">
-            <a:avLst/>
-          </a:prstGeom>
-          <a:noFill/>
-          <a:ln>
-            <a:noFill/>
-          </a:ln>
-        </p:spPr>
-      </p:pic>
     </p:spTree>
   </p:cSld>
   <p:clrMapOvr>
@@ -13043,11 +14176,7 @@
             </a:pPr>
             <a:r>
               <a:rPr lang="en"/>
-              <a:t>OSS-NYT </a:t>
-            </a:r>
-            <a:r>
-              <a:rPr lang="en"/>
-              <a:t>Courses and Modules</a:t>
+              <a:t>Course Position in Curriculum</a:t>
             </a:r>
             <a:endParaRPr/>
           </a:p>
@@ -13126,9 +14255,179 @@
           </a:p>
         </p:txBody>
       </p:sp>
+      <p:pic>
+        <p:nvPicPr>
+          <p:cNvPr id="87" name="Google Shape;87;p15"/>
+          <p:cNvPicPr preferRelativeResize="0"/>
+          <p:nvPr/>
+        </p:nvPicPr>
+        <p:blipFill>
+          <a:blip r:embed="rId4">
+            <a:alphaModFix/>
+          </a:blip>
+          <a:stretch>
+            <a:fillRect/>
+          </a:stretch>
+        </p:blipFill>
+        <p:spPr>
+          <a:xfrm>
+            <a:off x="274320" y="914400"/>
+            <a:ext cx="8595358" cy="3613749"/>
+          </a:xfrm>
+          <a:prstGeom prst="rect">
+            <a:avLst/>
+          </a:prstGeom>
+          <a:noFill/>
+          <a:ln>
+            <a:noFill/>
+          </a:ln>
+        </p:spPr>
+      </p:pic>
+    </p:spTree>
+  </p:cSld>
+  <p:clrMapOvr>
+    <a:masterClrMapping/>
+  </p:clrMapOvr>
+</p:sld>
+</file>
+
+<file path=ppt/slides/slide9.xml><?xml version="1.0" encoding="utf-8"?>
+<p:sld xmlns:a="http://schemas.openxmlformats.org/drawingml/2006/main" xmlns:r="http://schemas.openxmlformats.org/officeDocument/2006/relationships" xmlns:mc="http://schemas.openxmlformats.org/markup-compatibility/2006" xmlns:mv="urn:schemas-microsoft-com:mac:vml" xmlns:p="http://schemas.openxmlformats.org/presentationml/2006/main" xmlns:c="http://schemas.openxmlformats.org/drawingml/2006/chart" xmlns:dgm="http://schemas.openxmlformats.org/drawingml/2006/diagram" xmlns:o="urn:schemas-microsoft-com:office:office" xmlns:v="urn:schemas-microsoft-com:vml" xmlns:pvml="urn:schemas-microsoft-com:office:powerpoint" xmlns:com="http://schemas.openxmlformats.org/drawingml/2006/compatibility" xmlns:p14="http://schemas.microsoft.com/office/powerpoint/2010/main" xmlns:p15="http://schemas.microsoft.com/office/powerpoint/2012/main" xmlns:ahyp="http://schemas.microsoft.com/office/drawing/2018/hyperlinkcolor">
+  <p:cSld>
+    <p:spTree>
+      <p:nvGrpSpPr>
+        <p:cNvPr id="91" name="Shape 91"/>
+        <p:cNvGrpSpPr/>
+        <p:nvPr/>
+      </p:nvGrpSpPr>
+      <p:grpSpPr>
+        <a:xfrm>
+          <a:off x="0" y="0"/>
+          <a:ext cx="0" cy="0"/>
+          <a:chOff x="0" y="0"/>
+          <a:chExt cx="0" cy="0"/>
+        </a:xfrm>
+      </p:grpSpPr>
+      <p:sp>
+        <p:nvSpPr>
+          <p:cNvPr id="92" name="Google Shape;92;p16"/>
+          <p:cNvSpPr txBox="1"/>
+          <p:nvPr>
+            <p:ph type="title"/>
+          </p:nvPr>
+        </p:nvSpPr>
+        <p:spPr>
+          <a:xfrm>
+            <a:off x="0" y="0"/>
+            <a:ext cx="9144000" cy="685800"/>
+          </a:xfrm>
+          <a:prstGeom prst="rect">
+            <a:avLst/>
+          </a:prstGeom>
+        </p:spPr>
+        <p:txBody>
+          <a:bodyPr anchorCtr="0" anchor="ctr" bIns="0" lIns="274300" spcFirstLastPara="1" rIns="0" wrap="square" tIns="0">
+            <a:noAutofit/>
+          </a:bodyPr>
+          <a:lstStyle/>
+          <a:p>
+            <a:pPr indent="0" lvl="0" marL="0" rtl="0" algn="l">
+              <a:spcBef>
+                <a:spcPts val="0"/>
+              </a:spcBef>
+              <a:spcAft>
+                <a:spcPts val="0"/>
+              </a:spcAft>
+              <a:buNone/>
+            </a:pPr>
+            <a:r>
+              <a:rPr lang="en"/>
+              <a:t>OSS-NYT </a:t>
+            </a:r>
+            <a:r>
+              <a:rPr lang="en"/>
+              <a:t>Courses and Modules</a:t>
+            </a:r>
+            <a:endParaRPr/>
+          </a:p>
+        </p:txBody>
+      </p:sp>
+      <p:sp>
+        <p:nvSpPr>
+          <p:cNvPr id="93" name="Google Shape;93;p16"/>
+          <p:cNvSpPr txBox="1"/>
+          <p:nvPr>
+            <p:ph idx="12" type="sldNum"/>
+          </p:nvPr>
+        </p:nvSpPr>
+        <p:spPr>
+          <a:xfrm>
+            <a:off x="7315202" y="4416550"/>
+            <a:ext cx="1828800" cy="731400"/>
+          </a:xfrm>
+          <a:prstGeom prst="rect">
+            <a:avLst/>
+          </a:prstGeom>
+        </p:spPr>
+        <p:txBody>
+          <a:bodyPr anchorCtr="0" anchor="b" bIns="91425" lIns="91425" spcFirstLastPara="1" rIns="91425" wrap="square" tIns="91425">
+            <a:noAutofit/>
+          </a:bodyPr>
+          <a:lstStyle/>
+          <a:p>
+            <a:pPr indent="0" lvl="0" marL="0" rtl="0" algn="r">
+              <a:spcBef>
+                <a:spcPts val="0"/>
+              </a:spcBef>
+              <a:spcAft>
+                <a:spcPts val="0"/>
+              </a:spcAft>
+              <a:buNone/>
+            </a:pPr>
+            <a:fld id="{00000000-1234-1234-1234-123412341234}" type="slidenum">
+              <a:rPr lang="en"/>
+              <a:t>‹#›</a:t>
+            </a:fld>
+            <a:endParaRPr/>
+          </a:p>
+          <a:p>
+            <a:pPr indent="0" lvl="0" marL="0" rtl="0" algn="r">
+              <a:spcBef>
+                <a:spcPts val="0"/>
+              </a:spcBef>
+              <a:spcAft>
+                <a:spcPts val="0"/>
+              </a:spcAft>
+              <a:buNone/>
+            </a:pPr>
+            <a:r>
+              <a:rPr b="0" lang="en" sz="900" u="sng">
+                <a:solidFill>
+                  <a:schemeClr val="hlink"/>
+                </a:solidFill>
+                <a:hlinkClick r:id="rId3"/>
+              </a:rPr>
+              <a:t>https://profriehle.com</a:t>
+            </a:r>
+            <a:r>
+              <a:rPr b="0" lang="en" sz="900">
+                <a:solidFill>
+                  <a:schemeClr val="dk2"/>
+                </a:solidFill>
+              </a:rPr>
+              <a:t> </a:t>
+            </a:r>
+            <a:endParaRPr>
+              <a:solidFill>
+                <a:schemeClr val="dk2"/>
+              </a:solidFill>
+            </a:endParaRPr>
+          </a:p>
+        </p:txBody>
+      </p:sp>
       <p:graphicFrame>
         <p:nvGraphicFramePr>
-          <p:cNvPr id="87" name="Google Shape;87;p15"/>
+          <p:cNvPr id="94" name="Google Shape;94;p16"/>
           <p:cNvGraphicFramePr/>
           <p:nvPr/>
         </p:nvGraphicFramePr>
@@ -13141,7 +14440,7 @@
             <a:tbl>
               <a:tblPr>
                 <a:noFill/>
-                <a:tableStyleId>{71A0B490-EB64-4E4A-B1CB-EED4A76580A7}</a:tableStyleId>
+                <a:tableStyleId>{23652F70-9202-48D5-8F4F-905141E43016}</a:tableStyleId>
               </a:tblPr>
               <a:tblGrid>
                 <a:gridCol w="1719075"/>
@@ -14377,7 +15676,7 @@
       </p:graphicFrame>
       <p:sp>
         <p:nvSpPr>
-          <p:cNvPr id="88" name="Google Shape;88;p15"/>
+          <p:cNvPr id="95" name="Google Shape;95;p16"/>
           <p:cNvSpPr txBox="1"/>
           <p:nvPr/>
         </p:nvSpPr>
@@ -14428,382 +15727,6 @@
             <a:r>
               <a:rPr lang="en"/>
               <a:t>PROJ = Project</a:t>
-            </a:r>
-            <a:endParaRPr/>
-          </a:p>
-        </p:txBody>
-      </p:sp>
-    </p:spTree>
-  </p:cSld>
-  <p:clrMapOvr>
-    <a:masterClrMapping/>
-  </p:clrMapOvr>
-</p:sld>
-</file>
-
-<file path=ppt/slides/slide9.xml><?xml version="1.0" encoding="utf-8"?>
-<p:sld xmlns:a="http://schemas.openxmlformats.org/drawingml/2006/main" xmlns:r="http://schemas.openxmlformats.org/officeDocument/2006/relationships" xmlns:mc="http://schemas.openxmlformats.org/markup-compatibility/2006" xmlns:mv="urn:schemas-microsoft-com:mac:vml" xmlns:p="http://schemas.openxmlformats.org/presentationml/2006/main" xmlns:c="http://schemas.openxmlformats.org/drawingml/2006/chart" xmlns:dgm="http://schemas.openxmlformats.org/drawingml/2006/diagram" xmlns:o="urn:schemas-microsoft-com:office:office" xmlns:v="urn:schemas-microsoft-com:vml" xmlns:pvml="urn:schemas-microsoft-com:office:powerpoint" xmlns:com="http://schemas.openxmlformats.org/drawingml/2006/compatibility" xmlns:p14="http://schemas.microsoft.com/office/powerpoint/2010/main" xmlns:p15="http://schemas.microsoft.com/office/powerpoint/2012/main" xmlns:ahyp="http://schemas.microsoft.com/office/drawing/2018/hyperlinkcolor">
-  <p:cSld>
-    <p:spTree>
-      <p:nvGrpSpPr>
-        <p:cNvPr id="92" name="Shape 92"/>
-        <p:cNvGrpSpPr/>
-        <p:nvPr/>
-      </p:nvGrpSpPr>
-      <p:grpSpPr>
-        <a:xfrm>
-          <a:off x="0" y="0"/>
-          <a:ext cx="0" cy="0"/>
-          <a:chOff x="0" y="0"/>
-          <a:chExt cx="0" cy="0"/>
-        </a:xfrm>
-      </p:grpSpPr>
-      <p:sp>
-        <p:nvSpPr>
-          <p:cNvPr id="93" name="Google Shape;93;p16"/>
-          <p:cNvSpPr txBox="1"/>
-          <p:nvPr>
-            <p:ph type="title"/>
-          </p:nvPr>
-        </p:nvSpPr>
-        <p:spPr>
-          <a:xfrm>
-            <a:off x="0" y="0"/>
-            <a:ext cx="9144000" cy="685800"/>
-          </a:xfrm>
-          <a:prstGeom prst="rect">
-            <a:avLst/>
-          </a:prstGeom>
-        </p:spPr>
-        <p:txBody>
-          <a:bodyPr anchorCtr="0" anchor="ctr" bIns="91425" lIns="274300" spcFirstLastPara="1" rIns="91425" wrap="square" tIns="91425">
-            <a:noAutofit/>
-          </a:bodyPr>
-          <a:lstStyle/>
-          <a:p>
-            <a:pPr indent="0" lvl="0" marL="0" rtl="0" algn="l">
-              <a:spcBef>
-                <a:spcPts val="0"/>
-              </a:spcBef>
-              <a:spcAft>
-                <a:spcPts val="0"/>
-              </a:spcAft>
-              <a:buNone/>
-            </a:pPr>
-            <a:r>
-              <a:rPr lang="en"/>
-              <a:t>NYT-VUE Grading [1]</a:t>
-            </a:r>
-            <a:endParaRPr/>
-          </a:p>
-        </p:txBody>
-      </p:sp>
-      <p:sp>
-        <p:nvSpPr>
-          <p:cNvPr id="94" name="Google Shape;94;p16"/>
-          <p:cNvSpPr txBox="1"/>
-          <p:nvPr>
-            <p:ph idx="12" type="sldNum"/>
-          </p:nvPr>
-        </p:nvSpPr>
-        <p:spPr>
-          <a:xfrm>
-            <a:off x="7315202" y="4416550"/>
-            <a:ext cx="1828800" cy="731400"/>
-          </a:xfrm>
-          <a:prstGeom prst="rect">
-            <a:avLst/>
-          </a:prstGeom>
-        </p:spPr>
-        <p:txBody>
-          <a:bodyPr anchorCtr="0" anchor="b" bIns="91425" lIns="91425" spcFirstLastPara="1" rIns="91425" wrap="square" tIns="91425">
-            <a:noAutofit/>
-          </a:bodyPr>
-          <a:lstStyle/>
-          <a:p>
-            <a:pPr indent="0" lvl="0" marL="0" rtl="0" algn="r">
-              <a:spcBef>
-                <a:spcPts val="0"/>
-              </a:spcBef>
-              <a:spcAft>
-                <a:spcPts val="0"/>
-              </a:spcAft>
-              <a:buNone/>
-            </a:pPr>
-            <a:fld id="{00000000-1234-1234-1234-123412341234}" type="slidenum">
-              <a:rPr lang="en"/>
-              <a:t>‹#›</a:t>
-            </a:fld>
-            <a:endParaRPr/>
-          </a:p>
-          <a:p>
-            <a:pPr indent="0" lvl="0" marL="0" rtl="0" algn="r">
-              <a:spcBef>
-                <a:spcPts val="0"/>
-              </a:spcBef>
-              <a:spcAft>
-                <a:spcPts val="0"/>
-              </a:spcAft>
-              <a:buNone/>
-            </a:pPr>
-            <a:r>
-              <a:rPr b="0" lang="en" sz="900" u="sng">
-                <a:solidFill>
-                  <a:schemeClr val="hlink"/>
-                </a:solidFill>
-                <a:hlinkClick r:id="rId3"/>
-              </a:rPr>
-              <a:t>https://profriehle.com</a:t>
-            </a:r>
-            <a:r>
-              <a:rPr b="0" lang="en" sz="900">
-                <a:solidFill>
-                  <a:schemeClr val="dk2"/>
-                </a:solidFill>
-              </a:rPr>
-              <a:t> </a:t>
-            </a:r>
-            <a:endParaRPr b="0" sz="900">
-              <a:solidFill>
-                <a:schemeClr val="dk2"/>
-              </a:solidFill>
-            </a:endParaRPr>
-          </a:p>
-        </p:txBody>
-      </p:sp>
-      <p:sp>
-        <p:nvSpPr>
-          <p:cNvPr id="95" name="Google Shape;95;p16"/>
-          <p:cNvSpPr txBox="1"/>
-          <p:nvPr>
-            <p:ph idx="1" type="body"/>
-          </p:nvPr>
-        </p:nvSpPr>
-        <p:spPr>
-          <a:xfrm>
-            <a:off x="274320" y="914400"/>
-            <a:ext cx="8595300" cy="4114800"/>
-          </a:xfrm>
-          <a:prstGeom prst="rect">
-            <a:avLst/>
-          </a:prstGeom>
-        </p:spPr>
-        <p:txBody>
-          <a:bodyPr anchorCtr="0" anchor="t" bIns="0" lIns="0" spcFirstLastPara="1" rIns="0" wrap="square" tIns="0">
-            <a:noAutofit/>
-          </a:bodyPr>
-          <a:lstStyle/>
-          <a:p>
-            <a:pPr indent="0" lvl="0" marL="0" rtl="0" algn="l">
-              <a:spcBef>
-                <a:spcPts val="0"/>
-              </a:spcBef>
-              <a:spcAft>
-                <a:spcPts val="0"/>
-              </a:spcAft>
-              <a:buClr>
-                <a:schemeClr val="dk1"/>
-              </a:buClr>
-              <a:buSzPts val="1100"/>
-              <a:buFont typeface="Arial"/>
-              <a:buNone/>
-            </a:pPr>
-            <a:r>
-              <a:rPr lang="en"/>
-              <a:t>Lecture-time contributions = 50% of total grade</a:t>
-            </a:r>
-            <a:endParaRPr/>
-          </a:p>
-          <a:p>
-            <a:pPr indent="-342900" lvl="0" marL="457200" rtl="0" algn="l">
-              <a:spcBef>
-                <a:spcPts val="1200"/>
-              </a:spcBef>
-              <a:spcAft>
-                <a:spcPts val="0"/>
-              </a:spcAft>
-              <a:buSzPts val="1800"/>
-              <a:buChar char="●"/>
-            </a:pPr>
-            <a:r>
-              <a:rPr lang="en"/>
-              <a:t>Lecture content (4 SWS) = 60 / 150 = 40% (of semester contributions)</a:t>
-            </a:r>
-            <a:endParaRPr/>
-          </a:p>
-          <a:p>
-            <a:pPr indent="-317500" lvl="1" marL="914400" rtl="0" algn="l">
-              <a:spcBef>
-                <a:spcPts val="0"/>
-              </a:spcBef>
-              <a:spcAft>
-                <a:spcPts val="0"/>
-              </a:spcAft>
-              <a:buSzPts val="1400"/>
-              <a:buChar char="○"/>
-            </a:pPr>
-            <a:r>
-              <a:rPr lang="en"/>
-              <a:t>Graded using [0..10] each class session using class quizzes</a:t>
-            </a:r>
-            <a:endParaRPr/>
-          </a:p>
-          <a:p>
-            <a:pPr indent="-342900" lvl="0" marL="457200" rtl="0" algn="l">
-              <a:spcBef>
-                <a:spcPts val="1000"/>
-              </a:spcBef>
-              <a:spcAft>
-                <a:spcPts val="0"/>
-              </a:spcAft>
-              <a:buSzPts val="1800"/>
-              <a:buChar char="●"/>
-            </a:pPr>
-            <a:r>
-              <a:rPr lang="en"/>
-              <a:t>Method exercises = 90 / 150 = 60% (of semester contributions)</a:t>
-            </a:r>
-            <a:endParaRPr/>
-          </a:p>
-          <a:p>
-            <a:pPr indent="-317500" lvl="1" marL="914400" rtl="0" algn="l">
-              <a:spcBef>
-                <a:spcPts val="0"/>
-              </a:spcBef>
-              <a:spcAft>
-                <a:spcPts val="0"/>
-              </a:spcAft>
-              <a:buSzPts val="1400"/>
-              <a:buChar char="○"/>
-            </a:pPr>
-            <a:r>
-              <a:rPr lang="en"/>
-              <a:t>Graded using [0..10] using tool and grading rubric</a:t>
-            </a:r>
-            <a:endParaRPr/>
-          </a:p>
-          <a:p>
-            <a:pPr indent="0" lvl="0" marL="0" rtl="0" algn="l">
-              <a:spcBef>
-                <a:spcPts val="1200"/>
-              </a:spcBef>
-              <a:spcAft>
-                <a:spcPts val="0"/>
-              </a:spcAft>
-              <a:buClr>
-                <a:schemeClr val="dk1"/>
-              </a:buClr>
-              <a:buSzPts val="1100"/>
-              <a:buFont typeface="Arial"/>
-              <a:buNone/>
-            </a:pPr>
-            <a:r>
-              <a:rPr lang="en"/>
-              <a:t>Oral exam = 50% of total grade</a:t>
-            </a:r>
-            <a:endParaRPr/>
-          </a:p>
-          <a:p>
-            <a:pPr indent="-342900" lvl="0" marL="457200" rtl="0" algn="l">
-              <a:spcBef>
-                <a:spcPts val="1200"/>
-              </a:spcBef>
-              <a:spcAft>
-                <a:spcPts val="0"/>
-              </a:spcAft>
-              <a:buSzPts val="1800"/>
-              <a:buChar char="●"/>
-            </a:pPr>
-            <a:r>
-              <a:rPr lang="en"/>
-              <a:t>If both you and we agree on not having an oral exam, it can be dropped</a:t>
-            </a:r>
-            <a:endParaRPr/>
-          </a:p>
-          <a:p>
-            <a:pPr indent="-317500" lvl="1" marL="914400" rtl="0" algn="l">
-              <a:spcBef>
-                <a:spcPts val="0"/>
-              </a:spcBef>
-              <a:spcAft>
-                <a:spcPts val="0"/>
-              </a:spcAft>
-              <a:buSzPts val="1400"/>
-              <a:buChar char="○"/>
-            </a:pPr>
-            <a:r>
-              <a:rPr lang="en"/>
-              <a:t>If you insist on an oral exam, please tell us within two weeks after the last session</a:t>
-            </a:r>
-            <a:endParaRPr/>
-          </a:p>
-          <a:p>
-            <a:pPr indent="0" lvl="0" marL="0" rtl="0" algn="l">
-              <a:spcBef>
-                <a:spcPts val="1200"/>
-              </a:spcBef>
-              <a:spcAft>
-                <a:spcPts val="1200"/>
-              </a:spcAft>
-              <a:buNone/>
-            </a:pPr>
-            <a:r>
-              <a:t/>
-            </a:r>
-            <a:endParaRPr/>
-          </a:p>
-        </p:txBody>
-      </p:sp>
-      <p:sp>
-        <p:nvSpPr>
-          <p:cNvPr id="96" name="Google Shape;96;p16"/>
-          <p:cNvSpPr txBox="1"/>
-          <p:nvPr/>
-        </p:nvSpPr>
-        <p:spPr>
-          <a:xfrm>
-            <a:off x="0" y="4233672"/>
-            <a:ext cx="7315200" cy="914400"/>
-          </a:xfrm>
-          <a:prstGeom prst="rect">
-            <a:avLst/>
-          </a:prstGeom>
-          <a:noFill/>
-          <a:ln>
-            <a:noFill/>
-          </a:ln>
-        </p:spPr>
-        <p:txBody>
-          <a:bodyPr anchorCtr="0" anchor="b" bIns="91425" lIns="91425" spcFirstLastPara="1" rIns="91425" wrap="square" tIns="91425">
-            <a:noAutofit/>
-          </a:bodyPr>
-          <a:lstStyle/>
-          <a:p>
-            <a:pPr indent="0" lvl="0" marL="0" rtl="0" algn="l">
-              <a:spcBef>
-                <a:spcPts val="0"/>
-              </a:spcBef>
-              <a:spcAft>
-                <a:spcPts val="0"/>
-              </a:spcAft>
-              <a:buNone/>
-            </a:pPr>
-            <a:r>
-              <a:rPr lang="en"/>
-              <a:t>[1] See </a:t>
-            </a:r>
-            <a:r>
-              <a:rPr lang="en" u="sng">
-                <a:solidFill>
-                  <a:schemeClr val="hlink"/>
-                </a:solidFill>
-                <a:hlinkClick r:id="rId4"/>
-              </a:rPr>
-              <a:t>https://oss.cs.fau.de/teaching/course-resources/grading-schemes-and-scales/</a:t>
-            </a:r>
-            <a:r>
-              <a:rPr lang="en"/>
-              <a:t>  </a:t>
             </a:r>
             <a:endParaRPr/>
           </a:p>

--- a/Lecture slides/NYT A01 - Introduction.pptx
+++ b/Lecture slides/NYT A01 - Introduction.pptx
@@ -699,7 +699,7 @@
   <p:cSld>
     <p:spTree>
       <p:nvGrpSpPr>
-        <p:cNvPr id="32" name="Shape 32"/>
+        <p:cNvPr id="33" name="Shape 33"/>
         <p:cNvGrpSpPr/>
         <p:nvPr/>
       </p:nvGrpSpPr>
@@ -713,7 +713,7 @@
       </p:grpSpPr>
       <p:sp>
         <p:nvSpPr>
-          <p:cNvPr id="33" name="Google Shape;33;g2c21efa682d_0_67:notes"/>
+          <p:cNvPr id="34" name="Google Shape;34;g2c21efa682d_0_67:notes"/>
           <p:cNvSpPr/>
           <p:nvPr>
             <p:ph idx="2" type="sldImg"/>
@@ -748,7 +748,7 @@
       </p:sp>
       <p:sp>
         <p:nvSpPr>
-          <p:cNvPr id="34" name="Google Shape;34;g2c21efa682d_0_67:notes"/>
+          <p:cNvPr id="35" name="Google Shape;35;g2c21efa682d_0_67:notes"/>
           <p:cNvSpPr txBox="1"/>
           <p:nvPr>
             <p:ph idx="1" type="body"/>
@@ -798,7 +798,7 @@
   <p:cSld>
     <p:spTree>
       <p:nvGrpSpPr>
-        <p:cNvPr id="96" name="Shape 96"/>
+        <p:cNvPr id="98" name="Shape 98"/>
         <p:cNvGrpSpPr/>
         <p:nvPr/>
       </p:nvGrpSpPr>
@@ -812,7 +812,7 @@
       </p:grpSpPr>
       <p:sp>
         <p:nvSpPr>
-          <p:cNvPr id="97" name="Google Shape;97;g108fe332759_2_24:notes"/>
+          <p:cNvPr id="99" name="Google Shape;99;g108fe332759_2_24:notes"/>
           <p:cNvSpPr/>
           <p:nvPr>
             <p:ph idx="2" type="sldImg"/>
@@ -847,7 +847,7 @@
       </p:sp>
       <p:sp>
         <p:nvSpPr>
-          <p:cNvPr id="98" name="Google Shape;98;g108fe332759_2_24:notes"/>
+          <p:cNvPr id="100" name="Google Shape;100;g108fe332759_2_24:notes"/>
           <p:cNvSpPr txBox="1"/>
           <p:nvPr>
             <p:ph idx="1" type="body"/>
@@ -897,7 +897,7 @@
   <p:cSld>
     <p:spTree>
       <p:nvGrpSpPr>
-        <p:cNvPr id="104" name="Shape 104"/>
+        <p:cNvPr id="106" name="Shape 106"/>
         <p:cNvGrpSpPr/>
         <p:nvPr/>
       </p:nvGrpSpPr>
@@ -911,7 +911,7 @@
       </p:grpSpPr>
       <p:sp>
         <p:nvSpPr>
-          <p:cNvPr id="105" name="Google Shape;105;g2395919313b_0_82:notes"/>
+          <p:cNvPr id="107" name="Google Shape;107;g2395919313b_0_82:notes"/>
           <p:cNvSpPr/>
           <p:nvPr>
             <p:ph idx="2" type="sldImg"/>
@@ -946,7 +946,7 @@
       </p:sp>
       <p:sp>
         <p:nvSpPr>
-          <p:cNvPr id="106" name="Google Shape;106;g2395919313b_0_82:notes"/>
+          <p:cNvPr id="108" name="Google Shape;108;g2395919313b_0_82:notes"/>
           <p:cNvSpPr txBox="1"/>
           <p:nvPr>
             <p:ph idx="1" type="body"/>
@@ -996,7 +996,7 @@
   <p:cSld>
     <p:spTree>
       <p:nvGrpSpPr>
-        <p:cNvPr id="111" name="Shape 111"/>
+        <p:cNvPr id="113" name="Shape 113"/>
         <p:cNvGrpSpPr/>
         <p:nvPr/>
       </p:nvGrpSpPr>
@@ -1010,7 +1010,7 @@
       </p:grpSpPr>
       <p:sp>
         <p:nvSpPr>
-          <p:cNvPr id="112" name="Google Shape;112;g2cc48c0d17f_0_0:notes"/>
+          <p:cNvPr id="114" name="Google Shape;114;g2cc48c0d17f_0_0:notes"/>
           <p:cNvSpPr/>
           <p:nvPr>
             <p:ph idx="2" type="sldImg"/>
@@ -1045,7 +1045,7 @@
       </p:sp>
       <p:sp>
         <p:nvSpPr>
-          <p:cNvPr id="113" name="Google Shape;113;g2cc48c0d17f_0_0:notes"/>
+          <p:cNvPr id="115" name="Google Shape;115;g2cc48c0d17f_0_0:notes"/>
           <p:cNvSpPr txBox="1"/>
           <p:nvPr>
             <p:ph idx="1" type="body"/>
@@ -1095,7 +1095,7 @@
   <p:cSld>
     <p:spTree>
       <p:nvGrpSpPr>
-        <p:cNvPr id="118" name="Shape 118"/>
+        <p:cNvPr id="120" name="Shape 120"/>
         <p:cNvGrpSpPr/>
         <p:nvPr/>
       </p:nvGrpSpPr>
@@ -1109,7 +1109,7 @@
       </p:grpSpPr>
       <p:sp>
         <p:nvSpPr>
-          <p:cNvPr id="119" name="Google Shape;119;g108fe332759_2_149:notes"/>
+          <p:cNvPr id="121" name="Google Shape;121;g108fe332759_2_149:notes"/>
           <p:cNvSpPr/>
           <p:nvPr>
             <p:ph idx="2" type="sldImg"/>
@@ -1144,7 +1144,7 @@
       </p:sp>
       <p:sp>
         <p:nvSpPr>
-          <p:cNvPr id="120" name="Google Shape;120;g108fe332759_2_149:notes"/>
+          <p:cNvPr id="122" name="Google Shape;122;g108fe332759_2_149:notes"/>
           <p:cNvSpPr txBox="1"/>
           <p:nvPr>
             <p:ph idx="1" type="body"/>
@@ -1194,7 +1194,7 @@
   <p:cSld>
     <p:spTree>
       <p:nvGrpSpPr>
-        <p:cNvPr id="125" name="Shape 125"/>
+        <p:cNvPr id="127" name="Shape 127"/>
         <p:cNvGrpSpPr/>
         <p:nvPr/>
       </p:nvGrpSpPr>
@@ -1208,7 +1208,7 @@
       </p:grpSpPr>
       <p:sp>
         <p:nvSpPr>
-          <p:cNvPr id="126" name="Google Shape;126;g108fe332759_2_133:notes"/>
+          <p:cNvPr id="128" name="Google Shape;128;g108fe332759_2_133:notes"/>
           <p:cNvSpPr/>
           <p:nvPr>
             <p:ph idx="2" type="sldImg"/>
@@ -1243,7 +1243,7 @@
       </p:sp>
       <p:sp>
         <p:nvSpPr>
-          <p:cNvPr id="127" name="Google Shape;127;g108fe332759_2_133:notes"/>
+          <p:cNvPr id="129" name="Google Shape;129;g108fe332759_2_133:notes"/>
           <p:cNvSpPr txBox="1"/>
           <p:nvPr>
             <p:ph idx="1" type="body"/>
@@ -1293,7 +1293,7 @@
   <p:cSld>
     <p:spTree>
       <p:nvGrpSpPr>
-        <p:cNvPr id="132" name="Shape 132"/>
+        <p:cNvPr id="134" name="Shape 134"/>
         <p:cNvGrpSpPr/>
         <p:nvPr/>
       </p:nvGrpSpPr>
@@ -1307,7 +1307,7 @@
       </p:grpSpPr>
       <p:sp>
         <p:nvSpPr>
-          <p:cNvPr id="133" name="Google Shape;133;g2395919313b_0_100:notes"/>
+          <p:cNvPr id="135" name="Google Shape;135;g2395919313b_0_100:notes"/>
           <p:cNvSpPr/>
           <p:nvPr>
             <p:ph idx="2" type="sldImg"/>
@@ -1342,7 +1342,7 @@
       </p:sp>
       <p:sp>
         <p:nvSpPr>
-          <p:cNvPr id="134" name="Google Shape;134;g2395919313b_0_100:notes"/>
+          <p:cNvPr id="136" name="Google Shape;136;g2395919313b_0_100:notes"/>
           <p:cNvSpPr txBox="1"/>
           <p:nvPr>
             <p:ph idx="1" type="body"/>
@@ -1392,7 +1392,7 @@
   <p:cSld>
     <p:spTree>
       <p:nvGrpSpPr>
-        <p:cNvPr id="140" name="Shape 140"/>
+        <p:cNvPr id="142" name="Shape 142"/>
         <p:cNvGrpSpPr/>
         <p:nvPr/>
       </p:nvGrpSpPr>
@@ -1406,7 +1406,7 @@
       </p:grpSpPr>
       <p:sp>
         <p:nvSpPr>
-          <p:cNvPr id="141" name="Google Shape;141;g108fe332759_2_43:notes"/>
+          <p:cNvPr id="143" name="Google Shape;143;g108fe332759_2_43:notes"/>
           <p:cNvSpPr/>
           <p:nvPr>
             <p:ph idx="2" type="sldImg"/>
@@ -1441,7 +1441,7 @@
       </p:sp>
       <p:sp>
         <p:nvSpPr>
-          <p:cNvPr id="142" name="Google Shape;142;g108fe332759_2_43:notes"/>
+          <p:cNvPr id="144" name="Google Shape;144;g108fe332759_2_43:notes"/>
           <p:cNvSpPr txBox="1"/>
           <p:nvPr>
             <p:ph idx="1" type="body"/>
@@ -1491,7 +1491,7 @@
   <p:cSld>
     <p:spTree>
       <p:nvGrpSpPr>
-        <p:cNvPr id="148" name="Shape 148"/>
+        <p:cNvPr id="150" name="Shape 150"/>
         <p:cNvGrpSpPr/>
         <p:nvPr/>
       </p:nvGrpSpPr>
@@ -1505,7 +1505,7 @@
       </p:grpSpPr>
       <p:sp>
         <p:nvSpPr>
-          <p:cNvPr id="149" name="Google Shape;149;g2cc48c0d17f_0_12:notes"/>
+          <p:cNvPr id="151" name="Google Shape;151;g2cc48c0d17f_0_12:notes"/>
           <p:cNvSpPr/>
           <p:nvPr>
             <p:ph idx="2" type="sldImg"/>
@@ -1540,7 +1540,7 @@
       </p:sp>
       <p:sp>
         <p:nvSpPr>
-          <p:cNvPr id="150" name="Google Shape;150;g2cc48c0d17f_0_12:notes"/>
+          <p:cNvPr id="152" name="Google Shape;152;g2cc48c0d17f_0_12:notes"/>
           <p:cNvSpPr txBox="1"/>
           <p:nvPr>
             <p:ph idx="1" type="body"/>
@@ -1590,7 +1590,7 @@
   <p:cSld>
     <p:spTree>
       <p:nvGrpSpPr>
-        <p:cNvPr id="155" name="Shape 155"/>
+        <p:cNvPr id="157" name="Shape 157"/>
         <p:cNvGrpSpPr/>
         <p:nvPr/>
       </p:nvGrpSpPr>
@@ -1604,7 +1604,7 @@
       </p:grpSpPr>
       <p:sp>
         <p:nvSpPr>
-          <p:cNvPr id="156" name="Google Shape;156;g2cc48c0d17f_0_6:notes"/>
+          <p:cNvPr id="158" name="Google Shape;158;g2cc48c0d17f_0_6:notes"/>
           <p:cNvSpPr/>
           <p:nvPr>
             <p:ph idx="2" type="sldImg"/>
@@ -1639,7 +1639,7 @@
       </p:sp>
       <p:sp>
         <p:nvSpPr>
-          <p:cNvPr id="157" name="Google Shape;157;g2cc48c0d17f_0_6:notes"/>
+          <p:cNvPr id="159" name="Google Shape;159;g2cc48c0d17f_0_6:notes"/>
           <p:cNvSpPr txBox="1"/>
           <p:nvPr>
             <p:ph idx="1" type="body"/>
@@ -1689,7 +1689,7 @@
   <p:cSld>
     <p:spTree>
       <p:nvGrpSpPr>
-        <p:cNvPr id="162" name="Shape 162"/>
+        <p:cNvPr id="164" name="Shape 164"/>
         <p:cNvGrpSpPr/>
         <p:nvPr/>
       </p:nvGrpSpPr>
@@ -1703,7 +1703,7 @@
       </p:grpSpPr>
       <p:sp>
         <p:nvSpPr>
-          <p:cNvPr id="163" name="Google Shape;163;g2395919313b_0_94:notes"/>
+          <p:cNvPr id="165" name="Google Shape;165;g2395919313b_0_94:notes"/>
           <p:cNvSpPr/>
           <p:nvPr>
             <p:ph idx="2" type="sldImg"/>
@@ -1738,7 +1738,7 @@
       </p:sp>
       <p:sp>
         <p:nvSpPr>
-          <p:cNvPr id="164" name="Google Shape;164;g2395919313b_0_94:notes"/>
+          <p:cNvPr id="166" name="Google Shape;166;g2395919313b_0_94:notes"/>
           <p:cNvSpPr txBox="1"/>
           <p:nvPr>
             <p:ph idx="1" type="body"/>
@@ -1788,7 +1788,7 @@
   <p:cSld>
     <p:spTree>
       <p:nvGrpSpPr>
-        <p:cNvPr id="38" name="Shape 38"/>
+        <p:cNvPr id="39" name="Shape 39"/>
         <p:cNvGrpSpPr/>
         <p:nvPr/>
       </p:nvGrpSpPr>
@@ -1802,7 +1802,7 @@
       </p:grpSpPr>
       <p:sp>
         <p:nvSpPr>
-          <p:cNvPr id="39" name="Google Shape;39;g108fe332759_2_0:notes"/>
+          <p:cNvPr id="40" name="Google Shape;40;g108fe332759_2_0:notes"/>
           <p:cNvSpPr/>
           <p:nvPr>
             <p:ph idx="2" type="sldImg"/>
@@ -1837,7 +1837,7 @@
       </p:sp>
       <p:sp>
         <p:nvSpPr>
-          <p:cNvPr id="40" name="Google Shape;40;g108fe332759_2_0:notes"/>
+          <p:cNvPr id="41" name="Google Shape;41;g108fe332759_2_0:notes"/>
           <p:cNvSpPr txBox="1"/>
           <p:nvPr>
             <p:ph idx="1" type="body"/>
@@ -1887,7 +1887,7 @@
   <p:cSld>
     <p:spTree>
       <p:nvGrpSpPr>
-        <p:cNvPr id="170" name="Shape 170"/>
+        <p:cNvPr id="172" name="Shape 172"/>
         <p:cNvGrpSpPr/>
         <p:nvPr/>
       </p:nvGrpSpPr>
@@ -1901,7 +1901,7 @@
       </p:grpSpPr>
       <p:sp>
         <p:nvSpPr>
-          <p:cNvPr id="171" name="Google Shape;171;g108fe332759_2_49:notes"/>
+          <p:cNvPr id="173" name="Google Shape;173;g108fe332759_2_49:notes"/>
           <p:cNvSpPr/>
           <p:nvPr>
             <p:ph idx="2" type="sldImg"/>
@@ -1936,7 +1936,7 @@
       </p:sp>
       <p:sp>
         <p:nvSpPr>
-          <p:cNvPr id="172" name="Google Shape;172;g108fe332759_2_49:notes"/>
+          <p:cNvPr id="174" name="Google Shape;174;g108fe332759_2_49:notes"/>
           <p:cNvSpPr txBox="1"/>
           <p:nvPr>
             <p:ph idx="1" type="body"/>
@@ -1986,7 +1986,7 @@
   <p:cSld>
     <p:spTree>
       <p:nvGrpSpPr>
-        <p:cNvPr id="177" name="Shape 177"/>
+        <p:cNvPr id="179" name="Shape 179"/>
         <p:cNvGrpSpPr/>
         <p:nvPr/>
       </p:nvGrpSpPr>
@@ -2000,7 +2000,7 @@
       </p:grpSpPr>
       <p:sp>
         <p:nvSpPr>
-          <p:cNvPr id="178" name="Google Shape;178;g108fe332759_2_61:notes"/>
+          <p:cNvPr id="180" name="Google Shape;180;g108fe332759_2_61:notes"/>
           <p:cNvSpPr/>
           <p:nvPr>
             <p:ph idx="2" type="sldImg"/>
@@ -2035,7 +2035,7 @@
       </p:sp>
       <p:sp>
         <p:nvSpPr>
-          <p:cNvPr id="179" name="Google Shape;179;g108fe332759_2_61:notes"/>
+          <p:cNvPr id="181" name="Google Shape;181;g108fe332759_2_61:notes"/>
           <p:cNvSpPr txBox="1"/>
           <p:nvPr>
             <p:ph idx="1" type="body"/>
@@ -2085,7 +2085,7 @@
   <p:cSld>
     <p:spTree>
       <p:nvGrpSpPr>
-        <p:cNvPr id="184" name="Shape 184"/>
+        <p:cNvPr id="186" name="Shape 186"/>
         <p:cNvGrpSpPr/>
         <p:nvPr/>
       </p:nvGrpSpPr>
@@ -2099,7 +2099,7 @@
       </p:grpSpPr>
       <p:sp>
         <p:nvSpPr>
-          <p:cNvPr id="185" name="Google Shape;185;g2395919313b_0_107:notes"/>
+          <p:cNvPr id="187" name="Google Shape;187;g2395919313b_0_107:notes"/>
           <p:cNvSpPr/>
           <p:nvPr>
             <p:ph idx="2" type="sldImg"/>
@@ -2134,7 +2134,7 @@
       </p:sp>
       <p:sp>
         <p:nvSpPr>
-          <p:cNvPr id="186" name="Google Shape;186;g2395919313b_0_107:notes"/>
+          <p:cNvPr id="188" name="Google Shape;188;g2395919313b_0_107:notes"/>
           <p:cNvSpPr txBox="1"/>
           <p:nvPr>
             <p:ph idx="1" type="body"/>
@@ -2184,7 +2184,7 @@
   <p:cSld>
     <p:spTree>
       <p:nvGrpSpPr>
-        <p:cNvPr id="191" name="Shape 191"/>
+        <p:cNvPr id="193" name="Shape 193"/>
         <p:cNvGrpSpPr/>
         <p:nvPr/>
       </p:nvGrpSpPr>
@@ -2198,7 +2198,7 @@
       </p:grpSpPr>
       <p:sp>
         <p:nvSpPr>
-          <p:cNvPr id="192" name="Google Shape;192;g108fe332759_2_55:notes"/>
+          <p:cNvPr id="194" name="Google Shape;194;g108fe332759_2_55:notes"/>
           <p:cNvSpPr/>
           <p:nvPr>
             <p:ph idx="2" type="sldImg"/>
@@ -2233,7 +2233,7 @@
       </p:sp>
       <p:sp>
         <p:nvSpPr>
-          <p:cNvPr id="193" name="Google Shape;193;g108fe332759_2_55:notes"/>
+          <p:cNvPr id="195" name="Google Shape;195;g108fe332759_2_55:notes"/>
           <p:cNvSpPr txBox="1"/>
           <p:nvPr>
             <p:ph idx="1" type="body"/>
@@ -2283,7 +2283,7 @@
   <p:cSld>
     <p:spTree>
       <p:nvGrpSpPr>
-        <p:cNvPr id="198" name="Shape 198"/>
+        <p:cNvPr id="200" name="Shape 200"/>
         <p:cNvGrpSpPr/>
         <p:nvPr/>
       </p:nvGrpSpPr>
@@ -2297,7 +2297,7 @@
       </p:grpSpPr>
       <p:sp>
         <p:nvSpPr>
-          <p:cNvPr id="199" name="Google Shape;199;g2395919313b_0_38:notes"/>
+          <p:cNvPr id="201" name="Google Shape;201;g2395919313b_0_38:notes"/>
           <p:cNvSpPr/>
           <p:nvPr>
             <p:ph idx="2" type="sldImg"/>
@@ -2332,7 +2332,7 @@
       </p:sp>
       <p:sp>
         <p:nvSpPr>
-          <p:cNvPr id="200" name="Google Shape;200;g2395919313b_0_38:notes"/>
+          <p:cNvPr id="202" name="Google Shape;202;g2395919313b_0_38:notes"/>
           <p:cNvSpPr txBox="1"/>
           <p:nvPr>
             <p:ph idx="1" type="body"/>
@@ -2382,7 +2382,7 @@
   <p:cSld>
     <p:spTree>
       <p:nvGrpSpPr>
-        <p:cNvPr id="204" name="Shape 204"/>
+        <p:cNvPr id="206" name="Shape 206"/>
         <p:cNvGrpSpPr/>
         <p:nvPr/>
       </p:nvGrpSpPr>
@@ -2396,7 +2396,7 @@
       </p:grpSpPr>
       <p:sp>
         <p:nvSpPr>
-          <p:cNvPr id="205" name="Google Shape;205;g2395919313b_0_43:notes"/>
+          <p:cNvPr id="207" name="Google Shape;207;g2395919313b_0_43:notes"/>
           <p:cNvSpPr/>
           <p:nvPr>
             <p:ph idx="2" type="sldImg"/>
@@ -2431,7 +2431,7 @@
       </p:sp>
       <p:sp>
         <p:nvSpPr>
-          <p:cNvPr id="206" name="Google Shape;206;g2395919313b_0_43:notes"/>
+          <p:cNvPr id="208" name="Google Shape;208;g2395919313b_0_43:notes"/>
           <p:cNvSpPr txBox="1"/>
           <p:nvPr>
             <p:ph idx="1" type="body"/>
@@ -2481,7 +2481,7 @@
   <p:cSld>
     <p:spTree>
       <p:nvGrpSpPr>
-        <p:cNvPr id="45" name="Shape 45"/>
+        <p:cNvPr id="46" name="Shape 46"/>
         <p:cNvGrpSpPr/>
         <p:nvPr/>
       </p:nvGrpSpPr>
@@ -2495,7 +2495,7 @@
       </p:grpSpPr>
       <p:sp>
         <p:nvSpPr>
-          <p:cNvPr id="46" name="Google Shape;46;g2cc48c0d17f_0_52:notes"/>
+          <p:cNvPr id="47" name="Google Shape;47;g108fe332759_2_119:notes"/>
           <p:cNvSpPr/>
           <p:nvPr>
             <p:ph idx="2" type="sldImg"/>
@@ -2530,7 +2530,7 @@
       </p:sp>
       <p:sp>
         <p:nvSpPr>
-          <p:cNvPr id="47" name="Google Shape;47;g2cc48c0d17f_0_52:notes"/>
+          <p:cNvPr id="48" name="Google Shape;48;g108fe332759_2_119:notes"/>
           <p:cNvSpPr txBox="1"/>
           <p:nvPr>
             <p:ph idx="1" type="body"/>
@@ -2580,7 +2580,7 @@
   <p:cSld>
     <p:spTree>
       <p:nvGrpSpPr>
-        <p:cNvPr id="52" name="Shape 52"/>
+        <p:cNvPr id="53" name="Shape 53"/>
         <p:cNvGrpSpPr/>
         <p:nvPr/>
       </p:nvGrpSpPr>
@@ -2594,7 +2594,7 @@
       </p:grpSpPr>
       <p:sp>
         <p:nvSpPr>
-          <p:cNvPr id="53" name="Google Shape;53;g108fe332759_2_119:notes"/>
+          <p:cNvPr id="54" name="Google Shape;54;g127c6657edc_0_12:notes"/>
           <p:cNvSpPr/>
           <p:nvPr>
             <p:ph idx="2" type="sldImg"/>
@@ -2629,7 +2629,7 @@
       </p:sp>
       <p:sp>
         <p:nvSpPr>
-          <p:cNvPr id="54" name="Google Shape;54;g108fe332759_2_119:notes"/>
+          <p:cNvPr id="55" name="Google Shape;55;g127c6657edc_0_12:notes"/>
           <p:cNvSpPr txBox="1"/>
           <p:nvPr>
             <p:ph idx="1" type="body"/>
@@ -2679,7 +2679,7 @@
   <p:cSld>
     <p:spTree>
       <p:nvGrpSpPr>
-        <p:cNvPr id="59" name="Shape 59"/>
+        <p:cNvPr id="61" name="Shape 61"/>
         <p:cNvGrpSpPr/>
         <p:nvPr/>
       </p:nvGrpSpPr>
@@ -2693,7 +2693,7 @@
       </p:grpSpPr>
       <p:sp>
         <p:nvSpPr>
-          <p:cNvPr id="60" name="Google Shape;60;g127c6657edc_0_12:notes"/>
+          <p:cNvPr id="62" name="Google Shape;62;g108fe332759_2_6:notes"/>
           <p:cNvSpPr/>
           <p:nvPr>
             <p:ph idx="2" type="sldImg"/>
@@ -2728,7 +2728,7 @@
       </p:sp>
       <p:sp>
         <p:nvSpPr>
-          <p:cNvPr id="61" name="Google Shape;61;g127c6657edc_0_12:notes"/>
+          <p:cNvPr id="63" name="Google Shape;63;g108fe332759_2_6:notes"/>
           <p:cNvSpPr txBox="1"/>
           <p:nvPr>
             <p:ph idx="1" type="body"/>
@@ -2778,7 +2778,7 @@
   <p:cSld>
     <p:spTree>
       <p:nvGrpSpPr>
-        <p:cNvPr id="67" name="Shape 67"/>
+        <p:cNvPr id="68" name="Shape 68"/>
         <p:cNvGrpSpPr/>
         <p:nvPr/>
       </p:nvGrpSpPr>
@@ -2792,7 +2792,7 @@
       </p:grpSpPr>
       <p:sp>
         <p:nvSpPr>
-          <p:cNvPr id="68" name="Google Shape;68;g108fe332759_2_6:notes"/>
+          <p:cNvPr id="69" name="Google Shape;69;g10e7589f98e_0_40:notes"/>
           <p:cNvSpPr/>
           <p:nvPr>
             <p:ph idx="2" type="sldImg"/>
@@ -2827,7 +2827,7 @@
       </p:sp>
       <p:sp>
         <p:nvSpPr>
-          <p:cNvPr id="69" name="Google Shape;69;g108fe332759_2_6:notes"/>
+          <p:cNvPr id="70" name="Google Shape;70;g10e7589f98e_0_40:notes"/>
           <p:cNvSpPr txBox="1"/>
           <p:nvPr>
             <p:ph idx="1" type="body"/>
@@ -2877,7 +2877,7 @@
   <p:cSld>
     <p:spTree>
       <p:nvGrpSpPr>
-        <p:cNvPr id="74" name="Shape 74"/>
+        <p:cNvPr id="75" name="Shape 75"/>
         <p:cNvGrpSpPr/>
         <p:nvPr/>
       </p:nvGrpSpPr>
@@ -2891,7 +2891,7 @@
       </p:grpSpPr>
       <p:sp>
         <p:nvSpPr>
-          <p:cNvPr id="75" name="Google Shape;75;g10e7589f98e_0_40:notes"/>
+          <p:cNvPr id="76" name="Google Shape;76;g2395919313b_0_76:notes"/>
           <p:cNvSpPr/>
           <p:nvPr>
             <p:ph idx="2" type="sldImg"/>
@@ -2926,7 +2926,7 @@
       </p:sp>
       <p:sp>
         <p:nvSpPr>
-          <p:cNvPr id="76" name="Google Shape;76;g10e7589f98e_0_40:notes"/>
+          <p:cNvPr id="77" name="Google Shape;77;g2395919313b_0_76:notes"/>
           <p:cNvSpPr txBox="1"/>
           <p:nvPr>
             <p:ph idx="1" type="body"/>
@@ -2976,7 +2976,7 @@
   <p:cSld>
     <p:spTree>
       <p:nvGrpSpPr>
-        <p:cNvPr id="81" name="Shape 81"/>
+        <p:cNvPr id="82" name="Shape 82"/>
         <p:cNvGrpSpPr/>
         <p:nvPr/>
       </p:nvGrpSpPr>
@@ -2990,7 +2990,7 @@
       </p:grpSpPr>
       <p:sp>
         <p:nvSpPr>
-          <p:cNvPr id="82" name="Google Shape;82;g2395919313b_0_76:notes"/>
+          <p:cNvPr id="83" name="Google Shape;83;g2cc7df650fd_0_0:notes"/>
           <p:cNvSpPr/>
           <p:nvPr>
             <p:ph idx="2" type="sldImg"/>
@@ -3025,7 +3025,7 @@
       </p:sp>
       <p:sp>
         <p:nvSpPr>
-          <p:cNvPr id="83" name="Google Shape;83;g2395919313b_0_76:notes"/>
+          <p:cNvPr id="84" name="Google Shape;84;g2cc7df650fd_0_0:notes"/>
           <p:cNvSpPr txBox="1"/>
           <p:nvPr>
             <p:ph idx="1" type="body"/>
@@ -3075,7 +3075,7 @@
   <p:cSld>
     <p:spTree>
       <p:nvGrpSpPr>
-        <p:cNvPr id="88" name="Shape 88"/>
+        <p:cNvPr id="90" name="Shape 90"/>
         <p:cNvGrpSpPr/>
         <p:nvPr/>
       </p:nvGrpSpPr>
@@ -3089,7 +3089,7 @@
       </p:grpSpPr>
       <p:sp>
         <p:nvSpPr>
-          <p:cNvPr id="89" name="Google Shape;89;g108fe332759_2_18:notes"/>
+          <p:cNvPr id="91" name="Google Shape;91;g2cc7df650fd_0_6:notes"/>
           <p:cNvSpPr/>
           <p:nvPr>
             <p:ph idx="2" type="sldImg"/>
@@ -3124,7 +3124,7 @@
       </p:sp>
       <p:sp>
         <p:nvSpPr>
-          <p:cNvPr id="90" name="Google Shape;90;g108fe332759_2_18:notes"/>
+          <p:cNvPr id="92" name="Google Shape;92;g2cc7df650fd_0_6:notes"/>
           <p:cNvSpPr txBox="1"/>
           <p:nvPr>
             <p:ph idx="1" type="body"/>
@@ -3707,6 +3707,144 @@
           </a:p>
         </p:txBody>
       </p:sp>
+      <p:sp>
+        <p:nvSpPr>
+          <p:cNvPr id="16" name="Google Shape;16;p3"/>
+          <p:cNvSpPr txBox="1"/>
+          <p:nvPr>
+            <p:ph idx="12" type="sldNum"/>
+          </p:nvPr>
+        </p:nvSpPr>
+        <p:spPr>
+          <a:xfrm>
+            <a:off x="7315209" y="4229101"/>
+            <a:ext cx="1828800" cy="914400"/>
+          </a:xfrm>
+          <a:prstGeom prst="rect">
+            <a:avLst/>
+          </a:prstGeom>
+        </p:spPr>
+        <p:txBody>
+          <a:bodyPr anchorCtr="0" anchor="b" bIns="91425" lIns="91425" spcFirstLastPara="1" rIns="91425" wrap="square" tIns="91425">
+            <a:noAutofit/>
+          </a:bodyPr>
+          <a:lstStyle>
+            <a:lvl1pPr lvl="0" rtl="0" algn="r">
+              <a:buNone/>
+              <a:defRPr b="1" sz="2400">
+                <a:solidFill>
+                  <a:schemeClr val="dk1"/>
+                </a:solidFill>
+              </a:defRPr>
+            </a:lvl1pPr>
+            <a:lvl2pPr lvl="1" rtl="0" algn="r">
+              <a:buNone/>
+              <a:defRPr b="1" sz="2400">
+                <a:solidFill>
+                  <a:schemeClr val="dk1"/>
+                </a:solidFill>
+              </a:defRPr>
+            </a:lvl2pPr>
+            <a:lvl3pPr lvl="2" rtl="0" algn="r">
+              <a:buNone/>
+              <a:defRPr b="1" sz="2400">
+                <a:solidFill>
+                  <a:schemeClr val="dk1"/>
+                </a:solidFill>
+              </a:defRPr>
+            </a:lvl3pPr>
+            <a:lvl4pPr lvl="3" rtl="0" algn="r">
+              <a:buNone/>
+              <a:defRPr b="1" sz="2400">
+                <a:solidFill>
+                  <a:schemeClr val="dk1"/>
+                </a:solidFill>
+              </a:defRPr>
+            </a:lvl4pPr>
+            <a:lvl5pPr lvl="4" rtl="0" algn="r">
+              <a:buNone/>
+              <a:defRPr b="1" sz="2400">
+                <a:solidFill>
+                  <a:schemeClr val="dk1"/>
+                </a:solidFill>
+              </a:defRPr>
+            </a:lvl5pPr>
+            <a:lvl6pPr lvl="5" rtl="0" algn="r">
+              <a:buNone/>
+              <a:defRPr b="1" sz="2400">
+                <a:solidFill>
+                  <a:schemeClr val="dk1"/>
+                </a:solidFill>
+              </a:defRPr>
+            </a:lvl6pPr>
+            <a:lvl7pPr lvl="6" rtl="0" algn="r">
+              <a:buNone/>
+              <a:defRPr b="1" sz="2400">
+                <a:solidFill>
+                  <a:schemeClr val="dk1"/>
+                </a:solidFill>
+              </a:defRPr>
+            </a:lvl7pPr>
+            <a:lvl8pPr lvl="7" rtl="0" algn="r">
+              <a:buNone/>
+              <a:defRPr b="1" sz="2400">
+                <a:solidFill>
+                  <a:schemeClr val="dk1"/>
+                </a:solidFill>
+              </a:defRPr>
+            </a:lvl8pPr>
+            <a:lvl9pPr lvl="8" rtl="0" algn="r">
+              <a:buNone/>
+              <a:defRPr b="1" sz="2400">
+                <a:solidFill>
+                  <a:schemeClr val="dk1"/>
+                </a:solidFill>
+              </a:defRPr>
+            </a:lvl9pPr>
+          </a:lstStyle>
+          <a:p>
+            <a:pPr indent="0" lvl="0" marL="0" rtl="0" algn="r">
+              <a:spcBef>
+                <a:spcPts val="0"/>
+              </a:spcBef>
+              <a:spcAft>
+                <a:spcPts val="0"/>
+              </a:spcAft>
+              <a:buNone/>
+            </a:pPr>
+            <a:fld id="{00000000-1234-1234-1234-123412341234}" type="slidenum">
+              <a:rPr lang="en"/>
+              <a:t>‹#›</a:t>
+            </a:fld>
+            <a:endParaRPr/>
+          </a:p>
+          <a:p>
+            <a:pPr indent="0" lvl="0" marL="0" rtl="0" algn="r">
+              <a:spcBef>
+                <a:spcPts val="0"/>
+              </a:spcBef>
+              <a:spcAft>
+                <a:spcPts val="0"/>
+              </a:spcAft>
+              <a:buNone/>
+            </a:pPr>
+            <a:r>
+              <a:rPr b="0" lang="en" sz="1000" u="sng">
+                <a:solidFill>
+                  <a:schemeClr val="hlink"/>
+                </a:solidFill>
+                <a:hlinkClick r:id="rId2"/>
+              </a:rPr>
+              <a:t>uni1.de/nyt</a:t>
+            </a:r>
+            <a:r>
+              <a:rPr b="0" lang="en" sz="1000"/>
+              <a:t> </a:t>
+            </a:r>
+            <a:endParaRPr b="0" sz="1000"/>
+          </a:p>
+        </p:txBody>
+      </p:sp>
     </p:spTree>
   </p:cSld>
   <p:clrMapOvr>
@@ -3720,7 +3858,7 @@
   <p:cSld name="TITLE_AND_BODY">
     <p:spTree>
       <p:nvGrpSpPr>
-        <p:cNvPr id="16" name="Shape 16"/>
+        <p:cNvPr id="17" name="Shape 17"/>
         <p:cNvGrpSpPr/>
         <p:nvPr/>
       </p:nvGrpSpPr>
@@ -3734,7 +3872,7 @@
       </p:grpSpPr>
       <p:sp>
         <p:nvSpPr>
-          <p:cNvPr id="17" name="Google Shape;17;p4"/>
+          <p:cNvPr id="18" name="Google Shape;18;p4"/>
           <p:cNvSpPr txBox="1"/>
           <p:nvPr>
             <p:ph type="title"/>
@@ -3859,7 +3997,7 @@
       </p:sp>
       <p:sp>
         <p:nvSpPr>
-          <p:cNvPr id="18" name="Google Shape;18;p4"/>
+          <p:cNvPr id="19" name="Google Shape;19;p4"/>
           <p:cNvSpPr txBox="1"/>
           <p:nvPr>
             <p:ph idx="1" type="body"/>
@@ -3980,152 +4118,6 @@
             </a:lvl9pPr>
           </a:lstStyle>
           <a:p/>
-        </p:txBody>
-      </p:sp>
-      <p:sp>
-        <p:nvSpPr>
-          <p:cNvPr id="19" name="Google Shape;19;p4"/>
-          <p:cNvSpPr txBox="1"/>
-          <p:nvPr>
-            <p:ph idx="12" type="sldNum"/>
-          </p:nvPr>
-        </p:nvSpPr>
-        <p:spPr>
-          <a:xfrm>
-            <a:off x="7315202" y="4416550"/>
-            <a:ext cx="1828800" cy="731400"/>
-          </a:xfrm>
-          <a:prstGeom prst="rect">
-            <a:avLst/>
-          </a:prstGeom>
-        </p:spPr>
-        <p:txBody>
-          <a:bodyPr anchorCtr="0" anchor="b" bIns="91425" lIns="91425" spcFirstLastPara="1" rIns="91425" wrap="square" tIns="91425">
-            <a:noAutofit/>
-          </a:bodyPr>
-          <a:lstStyle>
-            <a:lvl1pPr lvl="0" rtl="0">
-              <a:buNone/>
-              <a:defRPr>
-                <a:solidFill>
-                  <a:schemeClr val="dk1"/>
-                </a:solidFill>
-              </a:defRPr>
-            </a:lvl1pPr>
-            <a:lvl2pPr lvl="1" rtl="0">
-              <a:buNone/>
-              <a:defRPr>
-                <a:solidFill>
-                  <a:schemeClr val="dk1"/>
-                </a:solidFill>
-              </a:defRPr>
-            </a:lvl2pPr>
-            <a:lvl3pPr lvl="2" rtl="0">
-              <a:buNone/>
-              <a:defRPr>
-                <a:solidFill>
-                  <a:schemeClr val="dk1"/>
-                </a:solidFill>
-              </a:defRPr>
-            </a:lvl3pPr>
-            <a:lvl4pPr lvl="3" rtl="0">
-              <a:buNone/>
-              <a:defRPr>
-                <a:solidFill>
-                  <a:schemeClr val="dk1"/>
-                </a:solidFill>
-              </a:defRPr>
-            </a:lvl4pPr>
-            <a:lvl5pPr lvl="4" rtl="0">
-              <a:buNone/>
-              <a:defRPr>
-                <a:solidFill>
-                  <a:schemeClr val="dk1"/>
-                </a:solidFill>
-              </a:defRPr>
-            </a:lvl5pPr>
-            <a:lvl6pPr lvl="5" rtl="0">
-              <a:buNone/>
-              <a:defRPr>
-                <a:solidFill>
-                  <a:schemeClr val="dk1"/>
-                </a:solidFill>
-              </a:defRPr>
-            </a:lvl6pPr>
-            <a:lvl7pPr lvl="6" rtl="0">
-              <a:buNone/>
-              <a:defRPr>
-                <a:solidFill>
-                  <a:schemeClr val="dk1"/>
-                </a:solidFill>
-              </a:defRPr>
-            </a:lvl7pPr>
-            <a:lvl8pPr lvl="7" rtl="0">
-              <a:buNone/>
-              <a:defRPr>
-                <a:solidFill>
-                  <a:schemeClr val="dk1"/>
-                </a:solidFill>
-              </a:defRPr>
-            </a:lvl8pPr>
-            <a:lvl9pPr lvl="8" rtl="0">
-              <a:buNone/>
-              <a:defRPr>
-                <a:solidFill>
-                  <a:schemeClr val="dk1"/>
-                </a:solidFill>
-              </a:defRPr>
-            </a:lvl9pPr>
-          </a:lstStyle>
-          <a:p>
-            <a:pPr indent="0" lvl="0" marL="0" rtl="0" algn="r">
-              <a:spcBef>
-                <a:spcPts val="0"/>
-              </a:spcBef>
-              <a:spcAft>
-                <a:spcPts val="0"/>
-              </a:spcAft>
-              <a:buNone/>
-            </a:pPr>
-            <a:fld id="{00000000-1234-1234-1234-123412341234}" type="slidenum">
-              <a:rPr lang="en"/>
-              <a:t>‹#›</a:t>
-            </a:fld>
-            <a:endParaRPr/>
-          </a:p>
-          <a:p>
-            <a:pPr indent="0" lvl="0" marL="0" rtl="0" algn="r">
-              <a:spcBef>
-                <a:spcPts val="0"/>
-              </a:spcBef>
-              <a:spcAft>
-                <a:spcPts val="0"/>
-              </a:spcAft>
-              <a:buNone/>
-            </a:pPr>
-            <a:r>
-              <a:rPr b="0" lang="en" sz="900" u="sng">
-                <a:solidFill>
-                  <a:schemeClr val="hlink"/>
-                </a:solidFill>
-                <a:hlinkClick r:id="rId2"/>
-              </a:rPr>
-              <a:t>https://profriehle.com</a:t>
-            </a:r>
-            <a:r>
-              <a:rPr b="0" lang="en" sz="900">
-                <a:solidFill>
-                  <a:schemeClr val="dk2"/>
-                </a:solidFill>
-              </a:rPr>
-              <a:t> </a:t>
-            </a:r>
-            <a:endParaRPr b="0" sz="900">
-              <a:solidFill>
-                <a:schemeClr val="dk2"/>
-              </a:solidFill>
-            </a:endParaRPr>
-          </a:p>
         </p:txBody>
       </p:sp>
       <p:sp>
@@ -4171,6 +4163,144 @@
           </a:p>
         </p:txBody>
       </p:sp>
+      <p:sp>
+        <p:nvSpPr>
+          <p:cNvPr id="21" name="Google Shape;21;p4"/>
+          <p:cNvSpPr txBox="1"/>
+          <p:nvPr>
+            <p:ph idx="12" type="sldNum"/>
+          </p:nvPr>
+        </p:nvSpPr>
+        <p:spPr>
+          <a:xfrm>
+            <a:off x="7315209" y="4229101"/>
+            <a:ext cx="1828800" cy="914400"/>
+          </a:xfrm>
+          <a:prstGeom prst="rect">
+            <a:avLst/>
+          </a:prstGeom>
+        </p:spPr>
+        <p:txBody>
+          <a:bodyPr anchorCtr="0" anchor="b" bIns="91425" lIns="91425" spcFirstLastPara="1" rIns="91425" wrap="square" tIns="91425">
+            <a:noAutofit/>
+          </a:bodyPr>
+          <a:lstStyle>
+            <a:lvl1pPr lvl="0" rtl="0" algn="r">
+              <a:buNone/>
+              <a:defRPr b="1" sz="2400">
+                <a:solidFill>
+                  <a:schemeClr val="dk1"/>
+                </a:solidFill>
+              </a:defRPr>
+            </a:lvl1pPr>
+            <a:lvl2pPr lvl="1" rtl="0" algn="r">
+              <a:buNone/>
+              <a:defRPr b="1" sz="2400">
+                <a:solidFill>
+                  <a:schemeClr val="dk1"/>
+                </a:solidFill>
+              </a:defRPr>
+            </a:lvl2pPr>
+            <a:lvl3pPr lvl="2" rtl="0" algn="r">
+              <a:buNone/>
+              <a:defRPr b="1" sz="2400">
+                <a:solidFill>
+                  <a:schemeClr val="dk1"/>
+                </a:solidFill>
+              </a:defRPr>
+            </a:lvl3pPr>
+            <a:lvl4pPr lvl="3" rtl="0" algn="r">
+              <a:buNone/>
+              <a:defRPr b="1" sz="2400">
+                <a:solidFill>
+                  <a:schemeClr val="dk1"/>
+                </a:solidFill>
+              </a:defRPr>
+            </a:lvl4pPr>
+            <a:lvl5pPr lvl="4" rtl="0" algn="r">
+              <a:buNone/>
+              <a:defRPr b="1" sz="2400">
+                <a:solidFill>
+                  <a:schemeClr val="dk1"/>
+                </a:solidFill>
+              </a:defRPr>
+            </a:lvl5pPr>
+            <a:lvl6pPr lvl="5" rtl="0" algn="r">
+              <a:buNone/>
+              <a:defRPr b="1" sz="2400">
+                <a:solidFill>
+                  <a:schemeClr val="dk1"/>
+                </a:solidFill>
+              </a:defRPr>
+            </a:lvl6pPr>
+            <a:lvl7pPr lvl="6" rtl="0" algn="r">
+              <a:buNone/>
+              <a:defRPr b="1" sz="2400">
+                <a:solidFill>
+                  <a:schemeClr val="dk1"/>
+                </a:solidFill>
+              </a:defRPr>
+            </a:lvl7pPr>
+            <a:lvl8pPr lvl="7" rtl="0" algn="r">
+              <a:buNone/>
+              <a:defRPr b="1" sz="2400">
+                <a:solidFill>
+                  <a:schemeClr val="dk1"/>
+                </a:solidFill>
+              </a:defRPr>
+            </a:lvl8pPr>
+            <a:lvl9pPr lvl="8" rtl="0" algn="r">
+              <a:buNone/>
+              <a:defRPr b="1" sz="2400">
+                <a:solidFill>
+                  <a:schemeClr val="dk1"/>
+                </a:solidFill>
+              </a:defRPr>
+            </a:lvl9pPr>
+          </a:lstStyle>
+          <a:p>
+            <a:pPr indent="0" lvl="0" marL="0" rtl="0" algn="r">
+              <a:spcBef>
+                <a:spcPts val="0"/>
+              </a:spcBef>
+              <a:spcAft>
+                <a:spcPts val="0"/>
+              </a:spcAft>
+              <a:buNone/>
+            </a:pPr>
+            <a:fld id="{00000000-1234-1234-1234-123412341234}" type="slidenum">
+              <a:rPr lang="en"/>
+              <a:t>‹#›</a:t>
+            </a:fld>
+            <a:endParaRPr/>
+          </a:p>
+          <a:p>
+            <a:pPr indent="0" lvl="0" marL="0" rtl="0" algn="r">
+              <a:spcBef>
+                <a:spcPts val="0"/>
+              </a:spcBef>
+              <a:spcAft>
+                <a:spcPts val="0"/>
+              </a:spcAft>
+              <a:buNone/>
+            </a:pPr>
+            <a:r>
+              <a:rPr b="0" lang="en" sz="1000" u="sng">
+                <a:solidFill>
+                  <a:schemeClr val="hlink"/>
+                </a:solidFill>
+                <a:hlinkClick r:id="rId2"/>
+              </a:rPr>
+              <a:t>uni1.de/nyt</a:t>
+            </a:r>
+            <a:r>
+              <a:rPr b="0" lang="en" sz="1000"/>
+              <a:t> </a:t>
+            </a:r>
+            <a:endParaRPr b="0" sz="1000"/>
+          </a:p>
+        </p:txBody>
+      </p:sp>
     </p:spTree>
   </p:cSld>
   <p:clrMapOvr>
@@ -4184,7 +4314,7 @@
   <p:cSld name="TITLE_AND_TWO_COLUMNS">
     <p:spTree>
       <p:nvGrpSpPr>
-        <p:cNvPr id="21" name="Shape 21"/>
+        <p:cNvPr id="22" name="Shape 22"/>
         <p:cNvGrpSpPr/>
         <p:nvPr/>
       </p:nvGrpSpPr>
@@ -4198,7 +4328,7 @@
       </p:grpSpPr>
       <p:sp>
         <p:nvSpPr>
-          <p:cNvPr id="22" name="Google Shape;22;p5"/>
+          <p:cNvPr id="23" name="Google Shape;23;p5"/>
           <p:cNvSpPr txBox="1"/>
           <p:nvPr>
             <p:ph type="title"/>
@@ -4326,7 +4456,7 @@
       </p:sp>
       <p:sp>
         <p:nvSpPr>
-          <p:cNvPr id="23" name="Google Shape;23;p5"/>
+          <p:cNvPr id="24" name="Google Shape;24;p5"/>
           <p:cNvSpPr txBox="1"/>
           <p:nvPr>
             <p:ph idx="1" type="body"/>
@@ -4451,7 +4581,7 @@
       </p:sp>
       <p:sp>
         <p:nvSpPr>
-          <p:cNvPr id="24" name="Google Shape;24;p5"/>
+          <p:cNvPr id="25" name="Google Shape;25;p5"/>
           <p:cNvSpPr txBox="1"/>
           <p:nvPr>
             <p:ph idx="2" type="body"/>
@@ -4572,152 +4702,6 @@
             </a:lvl9pPr>
           </a:lstStyle>
           <a:p/>
-        </p:txBody>
-      </p:sp>
-      <p:sp>
-        <p:nvSpPr>
-          <p:cNvPr id="25" name="Google Shape;25;p5"/>
-          <p:cNvSpPr txBox="1"/>
-          <p:nvPr>
-            <p:ph idx="12" type="sldNum"/>
-          </p:nvPr>
-        </p:nvSpPr>
-        <p:spPr>
-          <a:xfrm>
-            <a:off x="7315202" y="4416550"/>
-            <a:ext cx="1828800" cy="731400"/>
-          </a:xfrm>
-          <a:prstGeom prst="rect">
-            <a:avLst/>
-          </a:prstGeom>
-        </p:spPr>
-        <p:txBody>
-          <a:bodyPr anchorCtr="0" anchor="b" bIns="91425" lIns="91425" spcFirstLastPara="1" rIns="91425" wrap="square" tIns="91425">
-            <a:noAutofit/>
-          </a:bodyPr>
-          <a:lstStyle>
-            <a:lvl1pPr lvl="0">
-              <a:buNone/>
-              <a:defRPr>
-                <a:solidFill>
-                  <a:schemeClr val="dk1"/>
-                </a:solidFill>
-              </a:defRPr>
-            </a:lvl1pPr>
-            <a:lvl2pPr lvl="1">
-              <a:buNone/>
-              <a:defRPr>
-                <a:solidFill>
-                  <a:schemeClr val="dk1"/>
-                </a:solidFill>
-              </a:defRPr>
-            </a:lvl2pPr>
-            <a:lvl3pPr lvl="2">
-              <a:buNone/>
-              <a:defRPr>
-                <a:solidFill>
-                  <a:schemeClr val="dk1"/>
-                </a:solidFill>
-              </a:defRPr>
-            </a:lvl3pPr>
-            <a:lvl4pPr lvl="3">
-              <a:buNone/>
-              <a:defRPr>
-                <a:solidFill>
-                  <a:schemeClr val="dk1"/>
-                </a:solidFill>
-              </a:defRPr>
-            </a:lvl4pPr>
-            <a:lvl5pPr lvl="4">
-              <a:buNone/>
-              <a:defRPr>
-                <a:solidFill>
-                  <a:schemeClr val="dk1"/>
-                </a:solidFill>
-              </a:defRPr>
-            </a:lvl5pPr>
-            <a:lvl6pPr lvl="5">
-              <a:buNone/>
-              <a:defRPr>
-                <a:solidFill>
-                  <a:schemeClr val="dk1"/>
-                </a:solidFill>
-              </a:defRPr>
-            </a:lvl6pPr>
-            <a:lvl7pPr lvl="6">
-              <a:buNone/>
-              <a:defRPr>
-                <a:solidFill>
-                  <a:schemeClr val="dk1"/>
-                </a:solidFill>
-              </a:defRPr>
-            </a:lvl7pPr>
-            <a:lvl8pPr lvl="7">
-              <a:buNone/>
-              <a:defRPr>
-                <a:solidFill>
-                  <a:schemeClr val="dk1"/>
-                </a:solidFill>
-              </a:defRPr>
-            </a:lvl8pPr>
-            <a:lvl9pPr lvl="8">
-              <a:buNone/>
-              <a:defRPr>
-                <a:solidFill>
-                  <a:schemeClr val="dk1"/>
-                </a:solidFill>
-              </a:defRPr>
-            </a:lvl9pPr>
-          </a:lstStyle>
-          <a:p>
-            <a:pPr indent="0" lvl="0" marL="0" rtl="0" algn="r">
-              <a:spcBef>
-                <a:spcPts val="0"/>
-              </a:spcBef>
-              <a:spcAft>
-                <a:spcPts val="0"/>
-              </a:spcAft>
-              <a:buNone/>
-            </a:pPr>
-            <a:fld id="{00000000-1234-1234-1234-123412341234}" type="slidenum">
-              <a:rPr lang="en"/>
-              <a:t>‹#›</a:t>
-            </a:fld>
-            <a:endParaRPr/>
-          </a:p>
-          <a:p>
-            <a:pPr indent="0" lvl="0" marL="0" rtl="0" algn="r">
-              <a:spcBef>
-                <a:spcPts val="0"/>
-              </a:spcBef>
-              <a:spcAft>
-                <a:spcPts val="0"/>
-              </a:spcAft>
-              <a:buNone/>
-            </a:pPr>
-            <a:r>
-              <a:rPr b="0" lang="en" sz="900" u="sng">
-                <a:solidFill>
-                  <a:schemeClr val="hlink"/>
-                </a:solidFill>
-                <a:hlinkClick r:id="rId2"/>
-              </a:rPr>
-              <a:t>https://profriehle.com</a:t>
-            </a:r>
-            <a:r>
-              <a:rPr b="0" lang="en" sz="900">
-                <a:solidFill>
-                  <a:schemeClr val="dk2"/>
-                </a:solidFill>
-              </a:rPr>
-              <a:t> </a:t>
-            </a:r>
-            <a:endParaRPr>
-              <a:solidFill>
-                <a:schemeClr val="dk2"/>
-              </a:solidFill>
-            </a:endParaRPr>
-          </a:p>
         </p:txBody>
       </p:sp>
       <p:sp>
@@ -4763,6 +4747,144 @@
           </a:p>
         </p:txBody>
       </p:sp>
+      <p:sp>
+        <p:nvSpPr>
+          <p:cNvPr id="27" name="Google Shape;27;p5"/>
+          <p:cNvSpPr txBox="1"/>
+          <p:nvPr>
+            <p:ph idx="12" type="sldNum"/>
+          </p:nvPr>
+        </p:nvSpPr>
+        <p:spPr>
+          <a:xfrm>
+            <a:off x="7315209" y="4229101"/>
+            <a:ext cx="1828800" cy="914400"/>
+          </a:xfrm>
+          <a:prstGeom prst="rect">
+            <a:avLst/>
+          </a:prstGeom>
+        </p:spPr>
+        <p:txBody>
+          <a:bodyPr anchorCtr="0" anchor="b" bIns="91425" lIns="91425" spcFirstLastPara="1" rIns="91425" wrap="square" tIns="91425">
+            <a:noAutofit/>
+          </a:bodyPr>
+          <a:lstStyle>
+            <a:lvl1pPr lvl="0" rtl="0" algn="r">
+              <a:buNone/>
+              <a:defRPr b="1" sz="2400">
+                <a:solidFill>
+                  <a:schemeClr val="dk1"/>
+                </a:solidFill>
+              </a:defRPr>
+            </a:lvl1pPr>
+            <a:lvl2pPr lvl="1" rtl="0" algn="r">
+              <a:buNone/>
+              <a:defRPr b="1" sz="2400">
+                <a:solidFill>
+                  <a:schemeClr val="dk1"/>
+                </a:solidFill>
+              </a:defRPr>
+            </a:lvl2pPr>
+            <a:lvl3pPr lvl="2" rtl="0" algn="r">
+              <a:buNone/>
+              <a:defRPr b="1" sz="2400">
+                <a:solidFill>
+                  <a:schemeClr val="dk1"/>
+                </a:solidFill>
+              </a:defRPr>
+            </a:lvl3pPr>
+            <a:lvl4pPr lvl="3" rtl="0" algn="r">
+              <a:buNone/>
+              <a:defRPr b="1" sz="2400">
+                <a:solidFill>
+                  <a:schemeClr val="dk1"/>
+                </a:solidFill>
+              </a:defRPr>
+            </a:lvl4pPr>
+            <a:lvl5pPr lvl="4" rtl="0" algn="r">
+              <a:buNone/>
+              <a:defRPr b="1" sz="2400">
+                <a:solidFill>
+                  <a:schemeClr val="dk1"/>
+                </a:solidFill>
+              </a:defRPr>
+            </a:lvl5pPr>
+            <a:lvl6pPr lvl="5" rtl="0" algn="r">
+              <a:buNone/>
+              <a:defRPr b="1" sz="2400">
+                <a:solidFill>
+                  <a:schemeClr val="dk1"/>
+                </a:solidFill>
+              </a:defRPr>
+            </a:lvl6pPr>
+            <a:lvl7pPr lvl="6" rtl="0" algn="r">
+              <a:buNone/>
+              <a:defRPr b="1" sz="2400">
+                <a:solidFill>
+                  <a:schemeClr val="dk1"/>
+                </a:solidFill>
+              </a:defRPr>
+            </a:lvl7pPr>
+            <a:lvl8pPr lvl="7" rtl="0" algn="r">
+              <a:buNone/>
+              <a:defRPr b="1" sz="2400">
+                <a:solidFill>
+                  <a:schemeClr val="dk1"/>
+                </a:solidFill>
+              </a:defRPr>
+            </a:lvl8pPr>
+            <a:lvl9pPr lvl="8" rtl="0" algn="r">
+              <a:buNone/>
+              <a:defRPr b="1" sz="2400">
+                <a:solidFill>
+                  <a:schemeClr val="dk1"/>
+                </a:solidFill>
+              </a:defRPr>
+            </a:lvl9pPr>
+          </a:lstStyle>
+          <a:p>
+            <a:pPr indent="0" lvl="0" marL="0" rtl="0" algn="r">
+              <a:spcBef>
+                <a:spcPts val="0"/>
+              </a:spcBef>
+              <a:spcAft>
+                <a:spcPts val="0"/>
+              </a:spcAft>
+              <a:buNone/>
+            </a:pPr>
+            <a:fld id="{00000000-1234-1234-1234-123412341234}" type="slidenum">
+              <a:rPr lang="en"/>
+              <a:t>‹#›</a:t>
+            </a:fld>
+            <a:endParaRPr/>
+          </a:p>
+          <a:p>
+            <a:pPr indent="0" lvl="0" marL="0" rtl="0" algn="r">
+              <a:spcBef>
+                <a:spcPts val="0"/>
+              </a:spcBef>
+              <a:spcAft>
+                <a:spcPts val="0"/>
+              </a:spcAft>
+              <a:buNone/>
+            </a:pPr>
+            <a:r>
+              <a:rPr b="0" lang="en" sz="1000" u="sng">
+                <a:solidFill>
+                  <a:schemeClr val="hlink"/>
+                </a:solidFill>
+                <a:hlinkClick r:id="rId2"/>
+              </a:rPr>
+              <a:t>uni1.de/nyt</a:t>
+            </a:r>
+            <a:r>
+              <a:rPr b="0" lang="en" sz="1000"/>
+              <a:t> </a:t>
+            </a:r>
+            <a:endParaRPr b="0" sz="1000"/>
+          </a:p>
+        </p:txBody>
+      </p:sp>
     </p:spTree>
   </p:cSld>
   <p:clrMapOvr>
@@ -4776,7 +4898,7 @@
   <p:cSld name="TITLE_ONLY">
     <p:spTree>
       <p:nvGrpSpPr>
-        <p:cNvPr id="27" name="Shape 27"/>
+        <p:cNvPr id="28" name="Shape 28"/>
         <p:cNvGrpSpPr/>
         <p:nvPr/>
       </p:nvGrpSpPr>
@@ -4790,7 +4912,7 @@
       </p:grpSpPr>
       <p:sp>
         <p:nvSpPr>
-          <p:cNvPr id="28" name="Google Shape;28;p6"/>
+          <p:cNvPr id="29" name="Google Shape;29;p6"/>
           <p:cNvSpPr txBox="1"/>
           <p:nvPr>
             <p:ph type="title"/>
@@ -4911,152 +5033,6 @@
             </a:lvl9pPr>
           </a:lstStyle>
           <a:p/>
-        </p:txBody>
-      </p:sp>
-      <p:sp>
-        <p:nvSpPr>
-          <p:cNvPr id="29" name="Google Shape;29;p6"/>
-          <p:cNvSpPr txBox="1"/>
-          <p:nvPr>
-            <p:ph idx="12" type="sldNum"/>
-          </p:nvPr>
-        </p:nvSpPr>
-        <p:spPr>
-          <a:xfrm>
-            <a:off x="7315202" y="4416550"/>
-            <a:ext cx="1828800" cy="731400"/>
-          </a:xfrm>
-          <a:prstGeom prst="rect">
-            <a:avLst/>
-          </a:prstGeom>
-        </p:spPr>
-        <p:txBody>
-          <a:bodyPr anchorCtr="0" anchor="b" bIns="91425" lIns="91425" spcFirstLastPara="1" rIns="91425" wrap="square" tIns="91425">
-            <a:noAutofit/>
-          </a:bodyPr>
-          <a:lstStyle>
-            <a:lvl1pPr lvl="0">
-              <a:buNone/>
-              <a:defRPr>
-                <a:solidFill>
-                  <a:schemeClr val="dk1"/>
-                </a:solidFill>
-              </a:defRPr>
-            </a:lvl1pPr>
-            <a:lvl2pPr lvl="1">
-              <a:buNone/>
-              <a:defRPr>
-                <a:solidFill>
-                  <a:schemeClr val="dk1"/>
-                </a:solidFill>
-              </a:defRPr>
-            </a:lvl2pPr>
-            <a:lvl3pPr lvl="2">
-              <a:buNone/>
-              <a:defRPr>
-                <a:solidFill>
-                  <a:schemeClr val="dk1"/>
-                </a:solidFill>
-              </a:defRPr>
-            </a:lvl3pPr>
-            <a:lvl4pPr lvl="3">
-              <a:buNone/>
-              <a:defRPr>
-                <a:solidFill>
-                  <a:schemeClr val="dk1"/>
-                </a:solidFill>
-              </a:defRPr>
-            </a:lvl4pPr>
-            <a:lvl5pPr lvl="4">
-              <a:buNone/>
-              <a:defRPr>
-                <a:solidFill>
-                  <a:schemeClr val="dk1"/>
-                </a:solidFill>
-              </a:defRPr>
-            </a:lvl5pPr>
-            <a:lvl6pPr lvl="5">
-              <a:buNone/>
-              <a:defRPr>
-                <a:solidFill>
-                  <a:schemeClr val="dk1"/>
-                </a:solidFill>
-              </a:defRPr>
-            </a:lvl6pPr>
-            <a:lvl7pPr lvl="6">
-              <a:buNone/>
-              <a:defRPr>
-                <a:solidFill>
-                  <a:schemeClr val="dk1"/>
-                </a:solidFill>
-              </a:defRPr>
-            </a:lvl7pPr>
-            <a:lvl8pPr lvl="7">
-              <a:buNone/>
-              <a:defRPr>
-                <a:solidFill>
-                  <a:schemeClr val="dk1"/>
-                </a:solidFill>
-              </a:defRPr>
-            </a:lvl8pPr>
-            <a:lvl9pPr lvl="8">
-              <a:buNone/>
-              <a:defRPr>
-                <a:solidFill>
-                  <a:schemeClr val="dk1"/>
-                </a:solidFill>
-              </a:defRPr>
-            </a:lvl9pPr>
-          </a:lstStyle>
-          <a:p>
-            <a:pPr indent="0" lvl="0" marL="0" rtl="0" algn="r">
-              <a:spcBef>
-                <a:spcPts val="0"/>
-              </a:spcBef>
-              <a:spcAft>
-                <a:spcPts val="0"/>
-              </a:spcAft>
-              <a:buNone/>
-            </a:pPr>
-            <a:fld id="{00000000-1234-1234-1234-123412341234}" type="slidenum">
-              <a:rPr lang="en"/>
-              <a:t>‹#›</a:t>
-            </a:fld>
-            <a:endParaRPr/>
-          </a:p>
-          <a:p>
-            <a:pPr indent="0" lvl="0" marL="0" rtl="0" algn="r">
-              <a:spcBef>
-                <a:spcPts val="0"/>
-              </a:spcBef>
-              <a:spcAft>
-                <a:spcPts val="0"/>
-              </a:spcAft>
-              <a:buNone/>
-            </a:pPr>
-            <a:r>
-              <a:rPr b="0" lang="en" sz="900" u="sng">
-                <a:solidFill>
-                  <a:schemeClr val="hlink"/>
-                </a:solidFill>
-                <a:hlinkClick r:id="rId2"/>
-              </a:rPr>
-              <a:t>https://profriehle.com</a:t>
-            </a:r>
-            <a:r>
-              <a:rPr b="0" lang="en" sz="900">
-                <a:solidFill>
-                  <a:schemeClr val="dk2"/>
-                </a:solidFill>
-              </a:rPr>
-              <a:t> </a:t>
-            </a:r>
-            <a:endParaRPr>
-              <a:solidFill>
-                <a:schemeClr val="dk2"/>
-              </a:solidFill>
-            </a:endParaRPr>
-          </a:p>
         </p:txBody>
       </p:sp>
       <p:sp>
@@ -5102,6 +5078,144 @@
           </a:p>
         </p:txBody>
       </p:sp>
+      <p:sp>
+        <p:nvSpPr>
+          <p:cNvPr id="31" name="Google Shape;31;p6"/>
+          <p:cNvSpPr txBox="1"/>
+          <p:nvPr>
+            <p:ph idx="12" type="sldNum"/>
+          </p:nvPr>
+        </p:nvSpPr>
+        <p:spPr>
+          <a:xfrm>
+            <a:off x="7315209" y="4229101"/>
+            <a:ext cx="1828800" cy="914400"/>
+          </a:xfrm>
+          <a:prstGeom prst="rect">
+            <a:avLst/>
+          </a:prstGeom>
+        </p:spPr>
+        <p:txBody>
+          <a:bodyPr anchorCtr="0" anchor="b" bIns="91425" lIns="91425" spcFirstLastPara="1" rIns="91425" wrap="square" tIns="91425">
+            <a:noAutofit/>
+          </a:bodyPr>
+          <a:lstStyle>
+            <a:lvl1pPr lvl="0" rtl="0" algn="r">
+              <a:buNone/>
+              <a:defRPr b="1" sz="2400">
+                <a:solidFill>
+                  <a:schemeClr val="dk1"/>
+                </a:solidFill>
+              </a:defRPr>
+            </a:lvl1pPr>
+            <a:lvl2pPr lvl="1" rtl="0" algn="r">
+              <a:buNone/>
+              <a:defRPr b="1" sz="2400">
+                <a:solidFill>
+                  <a:schemeClr val="dk1"/>
+                </a:solidFill>
+              </a:defRPr>
+            </a:lvl2pPr>
+            <a:lvl3pPr lvl="2" rtl="0" algn="r">
+              <a:buNone/>
+              <a:defRPr b="1" sz="2400">
+                <a:solidFill>
+                  <a:schemeClr val="dk1"/>
+                </a:solidFill>
+              </a:defRPr>
+            </a:lvl3pPr>
+            <a:lvl4pPr lvl="3" rtl="0" algn="r">
+              <a:buNone/>
+              <a:defRPr b="1" sz="2400">
+                <a:solidFill>
+                  <a:schemeClr val="dk1"/>
+                </a:solidFill>
+              </a:defRPr>
+            </a:lvl4pPr>
+            <a:lvl5pPr lvl="4" rtl="0" algn="r">
+              <a:buNone/>
+              <a:defRPr b="1" sz="2400">
+                <a:solidFill>
+                  <a:schemeClr val="dk1"/>
+                </a:solidFill>
+              </a:defRPr>
+            </a:lvl5pPr>
+            <a:lvl6pPr lvl="5" rtl="0" algn="r">
+              <a:buNone/>
+              <a:defRPr b="1" sz="2400">
+                <a:solidFill>
+                  <a:schemeClr val="dk1"/>
+                </a:solidFill>
+              </a:defRPr>
+            </a:lvl6pPr>
+            <a:lvl7pPr lvl="6" rtl="0" algn="r">
+              <a:buNone/>
+              <a:defRPr b="1" sz="2400">
+                <a:solidFill>
+                  <a:schemeClr val="dk1"/>
+                </a:solidFill>
+              </a:defRPr>
+            </a:lvl7pPr>
+            <a:lvl8pPr lvl="7" rtl="0" algn="r">
+              <a:buNone/>
+              <a:defRPr b="1" sz="2400">
+                <a:solidFill>
+                  <a:schemeClr val="dk1"/>
+                </a:solidFill>
+              </a:defRPr>
+            </a:lvl8pPr>
+            <a:lvl9pPr lvl="8" rtl="0" algn="r">
+              <a:buNone/>
+              <a:defRPr b="1" sz="2400">
+                <a:solidFill>
+                  <a:schemeClr val="dk1"/>
+                </a:solidFill>
+              </a:defRPr>
+            </a:lvl9pPr>
+          </a:lstStyle>
+          <a:p>
+            <a:pPr indent="0" lvl="0" marL="0" rtl="0" algn="r">
+              <a:spcBef>
+                <a:spcPts val="0"/>
+              </a:spcBef>
+              <a:spcAft>
+                <a:spcPts val="0"/>
+              </a:spcAft>
+              <a:buNone/>
+            </a:pPr>
+            <a:fld id="{00000000-1234-1234-1234-123412341234}" type="slidenum">
+              <a:rPr lang="en"/>
+              <a:t>‹#›</a:t>
+            </a:fld>
+            <a:endParaRPr/>
+          </a:p>
+          <a:p>
+            <a:pPr indent="0" lvl="0" marL="0" rtl="0" algn="r">
+              <a:spcBef>
+                <a:spcPts val="0"/>
+              </a:spcBef>
+              <a:spcAft>
+                <a:spcPts val="0"/>
+              </a:spcAft>
+              <a:buNone/>
+            </a:pPr>
+            <a:r>
+              <a:rPr b="0" lang="en" sz="1000" u="sng">
+                <a:solidFill>
+                  <a:schemeClr val="hlink"/>
+                </a:solidFill>
+                <a:hlinkClick r:id="rId2"/>
+              </a:rPr>
+              <a:t>uni1.de/nyt</a:t>
+            </a:r>
+            <a:r>
+              <a:rPr b="0" lang="en" sz="1000"/>
+              <a:t> </a:t>
+            </a:r>
+            <a:endParaRPr b="0" sz="1000"/>
+          </a:p>
+        </p:txBody>
+      </p:sp>
     </p:spTree>
   </p:cSld>
   <p:clrMapOvr>
@@ -5115,7 +5229,7 @@
   <p:cSld name="BLANK">
     <p:spTree>
       <p:nvGrpSpPr>
-        <p:cNvPr id="31" name="Shape 31"/>
+        <p:cNvPr id="32" name="Shape 32"/>
         <p:cNvGrpSpPr/>
         <p:nvPr/>
       </p:nvGrpSpPr>
@@ -5580,8 +5694,8 @@
         </p:nvSpPr>
         <p:spPr>
           <a:xfrm>
-            <a:off x="7315202" y="4416550"/>
-            <a:ext cx="1828800" cy="731400"/>
+            <a:off x="7315209" y="4229101"/>
+            <a:ext cx="1828800" cy="914400"/>
           </a:xfrm>
           <a:prstGeom prst="rect">
             <a:avLst/>
@@ -5600,7 +5714,7 @@
               <a:buNone/>
               <a:defRPr b="1" sz="2400">
                 <a:solidFill>
-                  <a:schemeClr val="dk2"/>
+                  <a:schemeClr val="dk1"/>
                 </a:solidFill>
               </a:defRPr>
             </a:lvl1pPr>
@@ -5608,7 +5722,7 @@
               <a:buNone/>
               <a:defRPr b="1" sz="2400">
                 <a:solidFill>
-                  <a:schemeClr val="dk2"/>
+                  <a:schemeClr val="dk1"/>
                 </a:solidFill>
               </a:defRPr>
             </a:lvl2pPr>
@@ -5616,7 +5730,7 @@
               <a:buNone/>
               <a:defRPr b="1" sz="2400">
                 <a:solidFill>
-                  <a:schemeClr val="dk2"/>
+                  <a:schemeClr val="dk1"/>
                 </a:solidFill>
               </a:defRPr>
             </a:lvl3pPr>
@@ -5624,7 +5738,7 @@
               <a:buNone/>
               <a:defRPr b="1" sz="2400">
                 <a:solidFill>
-                  <a:schemeClr val="dk2"/>
+                  <a:schemeClr val="dk1"/>
                 </a:solidFill>
               </a:defRPr>
             </a:lvl4pPr>
@@ -5632,7 +5746,7 @@
               <a:buNone/>
               <a:defRPr b="1" sz="2400">
                 <a:solidFill>
-                  <a:schemeClr val="dk2"/>
+                  <a:schemeClr val="dk1"/>
                 </a:solidFill>
               </a:defRPr>
             </a:lvl5pPr>
@@ -5640,7 +5754,7 @@
               <a:buNone/>
               <a:defRPr b="1" sz="2400">
                 <a:solidFill>
-                  <a:schemeClr val="dk2"/>
+                  <a:schemeClr val="dk1"/>
                 </a:solidFill>
               </a:defRPr>
             </a:lvl6pPr>
@@ -5648,7 +5762,7 @@
               <a:buNone/>
               <a:defRPr b="1" sz="2400">
                 <a:solidFill>
-                  <a:schemeClr val="dk2"/>
+                  <a:schemeClr val="dk1"/>
                 </a:solidFill>
               </a:defRPr>
             </a:lvl7pPr>
@@ -5656,7 +5770,7 @@
               <a:buNone/>
               <a:defRPr b="1" sz="2400">
                 <a:solidFill>
-                  <a:schemeClr val="dk2"/>
+                  <a:schemeClr val="dk1"/>
                 </a:solidFill>
               </a:defRPr>
             </a:lvl8pPr>
@@ -5664,7 +5778,7 @@
               <a:buNone/>
               <a:defRPr b="1" sz="2400">
                 <a:solidFill>
-                  <a:schemeClr val="dk2"/>
+                  <a:schemeClr val="dk1"/>
                 </a:solidFill>
               </a:defRPr>
             </a:lvl9pPr>
@@ -5696,19 +5810,19 @@
               <a:buNone/>
             </a:pPr>
             <a:r>
-              <a:rPr b="0" lang="en" sz="900" u="sng">
+              <a:rPr b="0" lang="en" sz="1000" u="sng">
                 <a:solidFill>
                   <a:schemeClr val="hlink"/>
                 </a:solidFill>
                 <a:hlinkClick r:id="rId1"/>
               </a:rPr>
-              <a:t>https://profriehle.com</a:t>
-            </a:r>
-            <a:r>
-              <a:rPr b="0" lang="en" sz="900"/>
+              <a:t>uni1.de/nyt</a:t>
+            </a:r>
+            <a:r>
+              <a:rPr b="0" lang="en" sz="1000"/>
               <a:t> </a:t>
             </a:r>
-            <a:endParaRPr b="0" sz="900"/>
+            <a:endParaRPr b="0" sz="1000"/>
           </a:p>
         </p:txBody>
       </p:sp>
@@ -6421,7 +6535,7 @@
   <p:cSld>
     <p:spTree>
       <p:nvGrpSpPr>
-        <p:cNvPr id="35" name="Shape 35"/>
+        <p:cNvPr id="36" name="Shape 36"/>
         <p:cNvGrpSpPr/>
         <p:nvPr/>
       </p:nvGrpSpPr>
@@ -6435,7 +6549,7 @@
       </p:grpSpPr>
       <p:sp>
         <p:nvSpPr>
-          <p:cNvPr id="36" name="Google Shape;36;p8"/>
+          <p:cNvPr id="37" name="Google Shape;37;p8"/>
           <p:cNvSpPr txBox="1"/>
           <p:nvPr>
             <p:ph type="ctrTitle"/>
@@ -6483,7 +6597,7 @@
             </a:pPr>
             <a:r>
               <a:rPr lang="en"/>
-              <a:t>Nailing your Thesis</a:t>
+              <a:t>Nailing Your Thesis</a:t>
             </a:r>
             <a:endParaRPr/>
           </a:p>
@@ -6491,7 +6605,7 @@
       </p:sp>
       <p:sp>
         <p:nvSpPr>
-          <p:cNvPr id="37" name="Google Shape;37;p8"/>
+          <p:cNvPr id="38" name="Google Shape;38;p8"/>
           <p:cNvSpPr txBox="1"/>
           <p:nvPr>
             <p:ph idx="1" type="subTitle"/>
@@ -6598,7 +6712,7 @@
   <p:cSld>
     <p:spTree>
       <p:nvGrpSpPr>
-        <p:cNvPr id="99" name="Shape 99"/>
+        <p:cNvPr id="101" name="Shape 101"/>
         <p:cNvGrpSpPr/>
         <p:nvPr/>
       </p:nvGrpSpPr>
@@ -6612,7 +6726,7 @@
       </p:grpSpPr>
       <p:sp>
         <p:nvSpPr>
-          <p:cNvPr id="100" name="Google Shape;100;p17"/>
+          <p:cNvPr id="102" name="Google Shape;102;p17"/>
           <p:cNvSpPr txBox="1"/>
           <p:nvPr>
             <p:ph type="title"/>
@@ -6652,7 +6766,7 @@
       </p:sp>
       <p:sp>
         <p:nvSpPr>
-          <p:cNvPr id="101" name="Google Shape;101;p17"/>
+          <p:cNvPr id="103" name="Google Shape;103;p17"/>
           <p:cNvSpPr txBox="1"/>
           <p:nvPr>
             <p:ph idx="12" type="sldNum"/>
@@ -6660,8 +6774,8 @@
         </p:nvSpPr>
         <p:spPr>
           <a:xfrm>
-            <a:off x="7315202" y="4416550"/>
-            <a:ext cx="1828800" cy="731400"/>
+            <a:off x="7315209" y="4229101"/>
+            <a:ext cx="1828800" cy="914400"/>
           </a:xfrm>
           <a:prstGeom prst="rect">
             <a:avLst/>
@@ -6699,33 +6813,25 @@
               <a:buNone/>
             </a:pPr>
             <a:r>
-              <a:rPr b="0" lang="en" sz="900" u="sng">
+              <a:rPr b="0" lang="en" sz="1000" u="sng">
                 <a:solidFill>
                   <a:schemeClr val="hlink"/>
                 </a:solidFill>
                 <a:hlinkClick r:id="rId3"/>
               </a:rPr>
-              <a:t>https://profriehle.com</a:t>
-            </a:r>
-            <a:r>
-              <a:rPr b="0" lang="en" sz="900">
-                <a:solidFill>
-                  <a:schemeClr val="dk2"/>
-                </a:solidFill>
-              </a:rPr>
+              <a:t>uni1.de/nyt</a:t>
+            </a:r>
+            <a:r>
+              <a:rPr b="0" lang="en" sz="1000"/>
               <a:t> </a:t>
             </a:r>
-            <a:endParaRPr b="0" sz="900">
-              <a:solidFill>
-                <a:schemeClr val="dk2"/>
-              </a:solidFill>
-            </a:endParaRPr>
+            <a:endParaRPr b="0" sz="1000"/>
           </a:p>
         </p:txBody>
       </p:sp>
       <p:sp>
         <p:nvSpPr>
-          <p:cNvPr id="102" name="Google Shape;102;p17"/>
+          <p:cNvPr id="104" name="Google Shape;104;p17"/>
           <p:cNvSpPr txBox="1"/>
           <p:nvPr>
             <p:ph idx="1" type="body"/>
@@ -6908,7 +7014,7 @@
       </p:sp>
       <p:sp>
         <p:nvSpPr>
-          <p:cNvPr id="103" name="Google Shape;103;p17"/>
+          <p:cNvPr id="105" name="Google Shape;105;p17"/>
           <p:cNvSpPr txBox="1"/>
           <p:nvPr/>
         </p:nvSpPr>
@@ -6974,7 +7080,7 @@
   <p:cSld>
     <p:spTree>
       <p:nvGrpSpPr>
-        <p:cNvPr id="107" name="Shape 107"/>
+        <p:cNvPr id="109" name="Shape 109"/>
         <p:cNvGrpSpPr/>
         <p:nvPr/>
       </p:nvGrpSpPr>
@@ -6988,7 +7094,7 @@
       </p:grpSpPr>
       <p:sp>
         <p:nvSpPr>
-          <p:cNvPr id="108" name="Google Shape;108;p18"/>
+          <p:cNvPr id="110" name="Google Shape;110;p18"/>
           <p:cNvSpPr txBox="1"/>
           <p:nvPr>
             <p:ph type="title"/>
@@ -7028,7 +7134,7 @@
       </p:sp>
       <p:sp>
         <p:nvSpPr>
-          <p:cNvPr id="109" name="Google Shape;109;p18"/>
+          <p:cNvPr id="111" name="Google Shape;111;p18"/>
           <p:cNvSpPr txBox="1"/>
           <p:nvPr>
             <p:ph idx="1" type="body"/>
@@ -7209,7 +7315,7 @@
             </a:pPr>
             <a:r>
               <a:rPr lang="en"/>
-              <a:t>Sign up on </a:t>
+              <a:t>Please sign up on </a:t>
             </a:r>
             <a:r>
               <a:rPr lang="en" u="sng">
@@ -7230,7 +7336,7 @@
       </p:sp>
       <p:sp>
         <p:nvSpPr>
-          <p:cNvPr id="110" name="Google Shape;110;p18"/>
+          <p:cNvPr id="112" name="Google Shape;112;p18"/>
           <p:cNvSpPr txBox="1"/>
           <p:nvPr>
             <p:ph idx="12" type="sldNum"/>
@@ -7238,8 +7344,8 @@
         </p:nvSpPr>
         <p:spPr>
           <a:xfrm>
-            <a:off x="7315202" y="4416550"/>
-            <a:ext cx="1828800" cy="731400"/>
+            <a:off x="7315209" y="4229101"/>
+            <a:ext cx="1828800" cy="914400"/>
           </a:xfrm>
           <a:prstGeom prst="rect">
             <a:avLst/>
@@ -7277,27 +7383,19 @@
               <a:buNone/>
             </a:pPr>
             <a:r>
-              <a:rPr b="0" lang="en" sz="900" u="sng">
+              <a:rPr b="0" lang="en" sz="1000" u="sng">
                 <a:solidFill>
                   <a:schemeClr val="hlink"/>
                 </a:solidFill>
                 <a:hlinkClick r:id="rId4"/>
               </a:rPr>
-              <a:t>https://profriehle.com</a:t>
-            </a:r>
-            <a:r>
-              <a:rPr b="0" lang="en" sz="900">
-                <a:solidFill>
-                  <a:schemeClr val="dk2"/>
-                </a:solidFill>
-              </a:rPr>
+              <a:t>uni1.de/nyt</a:t>
+            </a:r>
+            <a:r>
+              <a:rPr b="0" lang="en" sz="1000"/>
               <a:t> </a:t>
             </a:r>
-            <a:endParaRPr b="0" sz="900">
-              <a:solidFill>
-                <a:schemeClr val="dk2"/>
-              </a:solidFill>
-            </a:endParaRPr>
+            <a:endParaRPr b="0" sz="1000"/>
           </a:p>
         </p:txBody>
       </p:sp>
@@ -7314,7 +7412,7 @@
   <p:cSld>
     <p:spTree>
       <p:nvGrpSpPr>
-        <p:cNvPr id="114" name="Shape 114"/>
+        <p:cNvPr id="116" name="Shape 116"/>
         <p:cNvGrpSpPr/>
         <p:nvPr/>
       </p:nvGrpSpPr>
@@ -7328,7 +7426,7 @@
       </p:grpSpPr>
       <p:sp>
         <p:nvSpPr>
-          <p:cNvPr id="115" name="Google Shape;115;p19"/>
+          <p:cNvPr id="117" name="Google Shape;117;p19"/>
           <p:cNvSpPr txBox="1"/>
           <p:nvPr>
             <p:ph type="title"/>
@@ -7368,7 +7466,7 @@
       </p:sp>
       <p:sp>
         <p:nvSpPr>
-          <p:cNvPr id="116" name="Google Shape;116;p19"/>
+          <p:cNvPr id="118" name="Google Shape;118;p19"/>
           <p:cNvSpPr txBox="1"/>
           <p:nvPr>
             <p:ph idx="1" type="body"/>
@@ -7424,7 +7522,7 @@
       </p:sp>
       <p:sp>
         <p:nvSpPr>
-          <p:cNvPr id="117" name="Google Shape;117;p19"/>
+          <p:cNvPr id="119" name="Google Shape;119;p19"/>
           <p:cNvSpPr txBox="1"/>
           <p:nvPr>
             <p:ph idx="12" type="sldNum"/>
@@ -7432,8 +7530,8 @@
         </p:nvSpPr>
         <p:spPr>
           <a:xfrm>
-            <a:off x="7315202" y="4416550"/>
-            <a:ext cx="1828800" cy="731400"/>
+            <a:off x="7315209" y="4229101"/>
+            <a:ext cx="1828800" cy="914400"/>
           </a:xfrm>
           <a:prstGeom prst="rect">
             <a:avLst/>
@@ -7471,27 +7569,19 @@
               <a:buNone/>
             </a:pPr>
             <a:r>
-              <a:rPr b="0" lang="en" sz="900" u="sng">
+              <a:rPr b="0" lang="en" sz="1000" u="sng">
                 <a:solidFill>
                   <a:schemeClr val="hlink"/>
                 </a:solidFill>
                 <a:hlinkClick r:id="rId3"/>
               </a:rPr>
-              <a:t>https://profriehle.com</a:t>
-            </a:r>
-            <a:r>
-              <a:rPr b="0" lang="en" sz="900">
-                <a:solidFill>
-                  <a:schemeClr val="dk2"/>
-                </a:solidFill>
-              </a:rPr>
+              <a:t>uni1.de/nyt</a:t>
+            </a:r>
+            <a:r>
+              <a:rPr b="0" lang="en" sz="1000"/>
               <a:t> </a:t>
             </a:r>
-            <a:endParaRPr b="0" sz="900">
-              <a:solidFill>
-                <a:schemeClr val="dk2"/>
-              </a:solidFill>
-            </a:endParaRPr>
+            <a:endParaRPr b="0" sz="1000"/>
           </a:p>
         </p:txBody>
       </p:sp>
@@ -7508,7 +7598,7 @@
   <p:cSld>
     <p:spTree>
       <p:nvGrpSpPr>
-        <p:cNvPr id="121" name="Shape 121"/>
+        <p:cNvPr id="123" name="Shape 123"/>
         <p:cNvGrpSpPr/>
         <p:nvPr/>
       </p:nvGrpSpPr>
@@ -7522,7 +7612,7 @@
       </p:grpSpPr>
       <p:sp>
         <p:nvSpPr>
-          <p:cNvPr id="122" name="Google Shape;122;p20"/>
+          <p:cNvPr id="124" name="Google Shape;124;p20"/>
           <p:cNvSpPr txBox="1"/>
           <p:nvPr>
             <p:ph type="title"/>
@@ -7562,7 +7652,7 @@
       </p:sp>
       <p:sp>
         <p:nvSpPr>
-          <p:cNvPr id="123" name="Google Shape;123;p20"/>
+          <p:cNvPr id="125" name="Google Shape;125;p20"/>
           <p:cNvSpPr txBox="1"/>
           <p:nvPr>
             <p:ph idx="12" type="sldNum"/>
@@ -7570,8 +7660,8 @@
         </p:nvSpPr>
         <p:spPr>
           <a:xfrm>
-            <a:off x="7315202" y="4416550"/>
-            <a:ext cx="1828800" cy="731400"/>
+            <a:off x="7315209" y="4229101"/>
+            <a:ext cx="1828800" cy="914400"/>
           </a:xfrm>
           <a:prstGeom prst="rect">
             <a:avLst/>
@@ -7609,33 +7699,25 @@
               <a:buNone/>
             </a:pPr>
             <a:r>
-              <a:rPr b="0" lang="en" sz="900" u="sng">
+              <a:rPr b="0" lang="en" sz="1000" u="sng">
                 <a:solidFill>
                   <a:schemeClr val="hlink"/>
                 </a:solidFill>
                 <a:hlinkClick r:id="rId3"/>
               </a:rPr>
-              <a:t>https://profriehle.com</a:t>
-            </a:r>
-            <a:r>
-              <a:rPr b="0" lang="en" sz="900">
-                <a:solidFill>
-                  <a:schemeClr val="dk2"/>
-                </a:solidFill>
-              </a:rPr>
+              <a:t>uni1.de/nyt</a:t>
+            </a:r>
+            <a:r>
+              <a:rPr b="0" lang="en" sz="1000"/>
               <a:t> </a:t>
             </a:r>
-            <a:endParaRPr>
-              <a:solidFill>
-                <a:schemeClr val="dk2"/>
-              </a:solidFill>
-            </a:endParaRPr>
+            <a:endParaRPr b="0" sz="1000"/>
           </a:p>
         </p:txBody>
       </p:sp>
       <p:graphicFrame>
         <p:nvGraphicFramePr>
-          <p:cNvPr id="124" name="Google Shape;124;p20"/>
+          <p:cNvPr id="126" name="Google Shape;126;p20"/>
           <p:cNvGraphicFramePr/>
           <p:nvPr/>
         </p:nvGraphicFramePr>
@@ -7648,7 +7730,7 @@
             <a:tbl>
               <a:tblPr>
                 <a:noFill/>
-                <a:tableStyleId>{23652F70-9202-48D5-8F4F-905141E43016}</a:tableStyleId>
+                <a:tableStyleId>{BDD3B64A-7FFF-4E8F-87F6-037DE44E73C1}</a:tableStyleId>
               </a:tblPr>
               <a:tblGrid>
                 <a:gridCol w="1227850"/>
@@ -9239,7 +9321,7 @@
   <p:cSld>
     <p:spTree>
       <p:nvGrpSpPr>
-        <p:cNvPr id="128" name="Shape 128"/>
+        <p:cNvPr id="130" name="Shape 130"/>
         <p:cNvGrpSpPr/>
         <p:nvPr/>
       </p:nvGrpSpPr>
@@ -9253,7 +9335,7 @@
       </p:grpSpPr>
       <p:sp>
         <p:nvSpPr>
-          <p:cNvPr id="129" name="Google Shape;129;p21"/>
+          <p:cNvPr id="131" name="Google Shape;131;p21"/>
           <p:cNvSpPr txBox="1"/>
           <p:nvPr>
             <p:ph type="title"/>
@@ -9293,7 +9375,7 @@
       </p:sp>
       <p:sp>
         <p:nvSpPr>
-          <p:cNvPr id="130" name="Google Shape;130;p21"/>
+          <p:cNvPr id="132" name="Google Shape;132;p21"/>
           <p:cNvSpPr txBox="1"/>
           <p:nvPr>
             <p:ph idx="1" type="body"/>
@@ -9467,7 +9549,7 @@
       </p:sp>
       <p:sp>
         <p:nvSpPr>
-          <p:cNvPr id="131" name="Google Shape;131;p21"/>
+          <p:cNvPr id="133" name="Google Shape;133;p21"/>
           <p:cNvSpPr txBox="1"/>
           <p:nvPr>
             <p:ph idx="12" type="sldNum"/>
@@ -9475,8 +9557,8 @@
         </p:nvSpPr>
         <p:spPr>
           <a:xfrm>
-            <a:off x="7315202" y="4416550"/>
-            <a:ext cx="1828800" cy="731400"/>
+            <a:off x="7315209" y="4229101"/>
+            <a:ext cx="1828800" cy="914400"/>
           </a:xfrm>
           <a:prstGeom prst="rect">
             <a:avLst/>
@@ -9514,27 +9596,19 @@
               <a:buNone/>
             </a:pPr>
             <a:r>
-              <a:rPr b="0" lang="en" sz="900" u="sng">
+              <a:rPr b="0" lang="en" sz="1000" u="sng">
                 <a:solidFill>
                   <a:schemeClr val="hlink"/>
                 </a:solidFill>
                 <a:hlinkClick r:id="rId3"/>
               </a:rPr>
-              <a:t>https://profriehle.com</a:t>
-            </a:r>
-            <a:r>
-              <a:rPr b="0" lang="en" sz="900">
-                <a:solidFill>
-                  <a:schemeClr val="dk2"/>
-                </a:solidFill>
-              </a:rPr>
+              <a:t>uni1.de/nyt</a:t>
+            </a:r>
+            <a:r>
+              <a:rPr b="0" lang="en" sz="1000"/>
               <a:t> </a:t>
             </a:r>
-            <a:endParaRPr b="0" sz="900">
-              <a:solidFill>
-                <a:schemeClr val="dk2"/>
-              </a:solidFill>
-            </a:endParaRPr>
+            <a:endParaRPr b="0" sz="1000"/>
           </a:p>
         </p:txBody>
       </p:sp>
@@ -9551,7 +9625,7 @@
   <p:cSld>
     <p:spTree>
       <p:nvGrpSpPr>
-        <p:cNvPr id="135" name="Shape 135"/>
+        <p:cNvPr id="137" name="Shape 137"/>
         <p:cNvGrpSpPr/>
         <p:nvPr/>
       </p:nvGrpSpPr>
@@ -9565,7 +9639,7 @@
       </p:grpSpPr>
       <p:sp>
         <p:nvSpPr>
-          <p:cNvPr id="136" name="Google Shape;136;p22"/>
+          <p:cNvPr id="138" name="Google Shape;138;p22"/>
           <p:cNvSpPr txBox="1"/>
           <p:nvPr>
             <p:ph type="title"/>
@@ -9605,7 +9679,7 @@
       </p:sp>
       <p:pic>
         <p:nvPicPr>
-          <p:cNvPr id="137" name="Google Shape;137;p22"/>
+          <p:cNvPr id="139" name="Google Shape;139;p22"/>
           <p:cNvPicPr preferRelativeResize="0"/>
           <p:nvPr/>
         </p:nvPicPr>
@@ -9633,7 +9707,7 @@
       </p:pic>
       <p:sp>
         <p:nvSpPr>
-          <p:cNvPr id="138" name="Google Shape;138;p22"/>
+          <p:cNvPr id="140" name="Google Shape;140;p22"/>
           <p:cNvSpPr txBox="1"/>
           <p:nvPr/>
         </p:nvSpPr>
@@ -9691,7 +9765,7 @@
       </p:sp>
       <p:sp>
         <p:nvSpPr>
-          <p:cNvPr id="139" name="Google Shape;139;p22"/>
+          <p:cNvPr id="141" name="Google Shape;141;p22"/>
           <p:cNvSpPr txBox="1"/>
           <p:nvPr>
             <p:ph idx="12" type="sldNum"/>
@@ -9699,8 +9773,8 @@
         </p:nvSpPr>
         <p:spPr>
           <a:xfrm>
-            <a:off x="7315202" y="4416550"/>
-            <a:ext cx="1828800" cy="731400"/>
+            <a:off x="7315209" y="4229101"/>
+            <a:ext cx="1828800" cy="914400"/>
           </a:xfrm>
           <a:prstGeom prst="rect">
             <a:avLst/>
@@ -9738,27 +9812,19 @@
               <a:buNone/>
             </a:pPr>
             <a:r>
-              <a:rPr b="0" lang="en" sz="900" u="sng">
+              <a:rPr b="0" lang="en" sz="1000" u="sng">
                 <a:solidFill>
                   <a:schemeClr val="hlink"/>
                 </a:solidFill>
                 <a:hlinkClick r:id="rId4"/>
               </a:rPr>
-              <a:t>https://profriehle.com</a:t>
-            </a:r>
-            <a:r>
-              <a:rPr b="0" lang="en" sz="900">
-                <a:solidFill>
-                  <a:schemeClr val="dk2"/>
-                </a:solidFill>
-              </a:rPr>
+              <a:t>uni1.de/nyt</a:t>
+            </a:r>
+            <a:r>
+              <a:rPr b="0" lang="en" sz="1000"/>
               <a:t> </a:t>
             </a:r>
-            <a:endParaRPr>
-              <a:solidFill>
-                <a:schemeClr val="dk2"/>
-              </a:solidFill>
-            </a:endParaRPr>
+            <a:endParaRPr b="0" sz="1000"/>
           </a:p>
         </p:txBody>
       </p:sp>
@@ -9775,7 +9841,7 @@
   <p:cSld>
     <p:spTree>
       <p:nvGrpSpPr>
-        <p:cNvPr id="143" name="Shape 143"/>
+        <p:cNvPr id="145" name="Shape 145"/>
         <p:cNvGrpSpPr/>
         <p:nvPr/>
       </p:nvGrpSpPr>
@@ -9789,7 +9855,7 @@
       </p:grpSpPr>
       <p:sp>
         <p:nvSpPr>
-          <p:cNvPr id="144" name="Google Shape;144;p23"/>
+          <p:cNvPr id="146" name="Google Shape;146;p23"/>
           <p:cNvSpPr txBox="1"/>
           <p:nvPr>
             <p:ph type="title"/>
@@ -9829,7 +9895,7 @@
       </p:sp>
       <p:sp>
         <p:nvSpPr>
-          <p:cNvPr id="145" name="Google Shape;145;p23"/>
+          <p:cNvPr id="147" name="Google Shape;147;p23"/>
           <p:cNvSpPr txBox="1"/>
           <p:nvPr>
             <p:ph idx="12" type="sldNum"/>
@@ -9837,8 +9903,8 @@
         </p:nvSpPr>
         <p:spPr>
           <a:xfrm>
-            <a:off x="7315202" y="4416550"/>
-            <a:ext cx="1828800" cy="731400"/>
+            <a:off x="7315209" y="4229101"/>
+            <a:ext cx="1828800" cy="914400"/>
           </a:xfrm>
           <a:prstGeom prst="rect">
             <a:avLst/>
@@ -9876,33 +9942,25 @@
               <a:buNone/>
             </a:pPr>
             <a:r>
-              <a:rPr b="0" lang="en" sz="900" u="sng">
+              <a:rPr b="0" lang="en" sz="1000" u="sng">
                 <a:solidFill>
                   <a:schemeClr val="hlink"/>
                 </a:solidFill>
                 <a:hlinkClick r:id="rId3"/>
               </a:rPr>
-              <a:t>https://profriehle.com</a:t>
-            </a:r>
-            <a:r>
-              <a:rPr b="0" lang="en" sz="900">
-                <a:solidFill>
-                  <a:schemeClr val="dk2"/>
-                </a:solidFill>
-              </a:rPr>
+              <a:t>uni1.de/nyt</a:t>
+            </a:r>
+            <a:r>
+              <a:rPr b="0" lang="en" sz="1000"/>
               <a:t> </a:t>
             </a:r>
-            <a:endParaRPr b="0" sz="900">
-              <a:solidFill>
-                <a:schemeClr val="dk2"/>
-              </a:solidFill>
-            </a:endParaRPr>
+            <a:endParaRPr b="0" sz="1000"/>
           </a:p>
         </p:txBody>
       </p:sp>
       <p:sp>
         <p:nvSpPr>
-          <p:cNvPr id="146" name="Google Shape;146;p23"/>
+          <p:cNvPr id="148" name="Google Shape;148;p23"/>
           <p:cNvSpPr txBox="1"/>
           <p:nvPr/>
         </p:nvSpPr>
@@ -9957,7 +10015,7 @@
       </p:sp>
       <p:sp>
         <p:nvSpPr>
-          <p:cNvPr id="147" name="Google Shape;147;p23"/>
+          <p:cNvPr id="149" name="Google Shape;149;p23"/>
           <p:cNvSpPr txBox="1"/>
           <p:nvPr>
             <p:ph idx="1" type="body"/>
@@ -10135,7 +10193,7 @@
   <p:cSld>
     <p:spTree>
       <p:nvGrpSpPr>
-        <p:cNvPr id="151" name="Shape 151"/>
+        <p:cNvPr id="153" name="Shape 153"/>
         <p:cNvGrpSpPr/>
         <p:nvPr/>
       </p:nvGrpSpPr>
@@ -10149,7 +10207,7 @@
       </p:grpSpPr>
       <p:sp>
         <p:nvSpPr>
-          <p:cNvPr id="152" name="Google Shape;152;p24"/>
+          <p:cNvPr id="154" name="Google Shape;154;p24"/>
           <p:cNvSpPr txBox="1"/>
           <p:nvPr>
             <p:ph type="title"/>
@@ -10189,7 +10247,7 @@
       </p:sp>
       <p:sp>
         <p:nvSpPr>
-          <p:cNvPr id="153" name="Google Shape;153;p24"/>
+          <p:cNvPr id="155" name="Google Shape;155;p24"/>
           <p:cNvSpPr txBox="1"/>
           <p:nvPr>
             <p:ph idx="1" type="body"/>
@@ -10245,7 +10303,7 @@
       </p:sp>
       <p:sp>
         <p:nvSpPr>
-          <p:cNvPr id="154" name="Google Shape;154;p24"/>
+          <p:cNvPr id="156" name="Google Shape;156;p24"/>
           <p:cNvSpPr txBox="1"/>
           <p:nvPr>
             <p:ph idx="12" type="sldNum"/>
@@ -10253,8 +10311,8 @@
         </p:nvSpPr>
         <p:spPr>
           <a:xfrm>
-            <a:off x="7315202" y="4416550"/>
-            <a:ext cx="1828800" cy="731400"/>
+            <a:off x="7315209" y="4229101"/>
+            <a:ext cx="1828800" cy="914400"/>
           </a:xfrm>
           <a:prstGeom prst="rect">
             <a:avLst/>
@@ -10292,27 +10350,19 @@
               <a:buNone/>
             </a:pPr>
             <a:r>
-              <a:rPr b="0" lang="en" sz="900" u="sng">
+              <a:rPr b="0" lang="en" sz="1000" u="sng">
                 <a:solidFill>
                   <a:schemeClr val="hlink"/>
                 </a:solidFill>
                 <a:hlinkClick r:id="rId3"/>
               </a:rPr>
-              <a:t>https://profriehle.com</a:t>
-            </a:r>
-            <a:r>
-              <a:rPr b="0" lang="en" sz="900">
-                <a:solidFill>
-                  <a:schemeClr val="dk2"/>
-                </a:solidFill>
-              </a:rPr>
+              <a:t>uni1.de/nyt</a:t>
+            </a:r>
+            <a:r>
+              <a:rPr b="0" lang="en" sz="1000"/>
               <a:t> </a:t>
             </a:r>
-            <a:endParaRPr b="0" sz="900">
-              <a:solidFill>
-                <a:schemeClr val="dk2"/>
-              </a:solidFill>
-            </a:endParaRPr>
+            <a:endParaRPr b="0" sz="1000"/>
           </a:p>
         </p:txBody>
       </p:sp>
@@ -10329,7 +10379,7 @@
   <p:cSld>
     <p:spTree>
       <p:nvGrpSpPr>
-        <p:cNvPr id="158" name="Shape 158"/>
+        <p:cNvPr id="160" name="Shape 160"/>
         <p:cNvGrpSpPr/>
         <p:nvPr/>
       </p:nvGrpSpPr>
@@ -10343,7 +10393,7 @@
       </p:grpSpPr>
       <p:sp>
         <p:nvSpPr>
-          <p:cNvPr id="159" name="Google Shape;159;p25"/>
+          <p:cNvPr id="161" name="Google Shape;161;p25"/>
           <p:cNvSpPr txBox="1"/>
           <p:nvPr>
             <p:ph type="title"/>
@@ -10383,7 +10433,7 @@
       </p:sp>
       <p:sp>
         <p:nvSpPr>
-          <p:cNvPr id="160" name="Google Shape;160;p25"/>
+          <p:cNvPr id="162" name="Google Shape;162;p25"/>
           <p:cNvSpPr txBox="1"/>
           <p:nvPr>
             <p:ph idx="12" type="sldNum"/>
@@ -10391,8 +10441,8 @@
         </p:nvSpPr>
         <p:spPr>
           <a:xfrm>
-            <a:off x="7315202" y="4416550"/>
-            <a:ext cx="1828800" cy="731400"/>
+            <a:off x="7315209" y="4229101"/>
+            <a:ext cx="1828800" cy="914400"/>
           </a:xfrm>
           <a:prstGeom prst="rect">
             <a:avLst/>
@@ -10430,33 +10480,25 @@
               <a:buNone/>
             </a:pPr>
             <a:r>
-              <a:rPr b="0" lang="en" sz="900" u="sng">
+              <a:rPr b="0" lang="en" sz="1000" u="sng">
                 <a:solidFill>
                   <a:schemeClr val="hlink"/>
                 </a:solidFill>
                 <a:hlinkClick r:id="rId3"/>
               </a:rPr>
-              <a:t>https://profriehle.com</a:t>
-            </a:r>
-            <a:r>
-              <a:rPr b="0" lang="en" sz="900">
-                <a:solidFill>
-                  <a:schemeClr val="dk2"/>
-                </a:solidFill>
-              </a:rPr>
+              <a:t>uni1.de/nyt</a:t>
+            </a:r>
+            <a:r>
+              <a:rPr b="0" lang="en" sz="1000"/>
               <a:t> </a:t>
             </a:r>
-            <a:endParaRPr b="0" sz="900">
-              <a:solidFill>
-                <a:schemeClr val="dk2"/>
-              </a:solidFill>
-            </a:endParaRPr>
+            <a:endParaRPr b="0" sz="1000"/>
           </a:p>
         </p:txBody>
       </p:sp>
       <p:sp>
         <p:nvSpPr>
-          <p:cNvPr id="161" name="Google Shape;161;p25"/>
+          <p:cNvPr id="163" name="Google Shape;163;p25"/>
           <p:cNvSpPr txBox="1"/>
           <p:nvPr>
             <p:ph idx="1" type="body"/>
@@ -10616,7 +10658,7 @@
   <p:cSld>
     <p:spTree>
       <p:nvGrpSpPr>
-        <p:cNvPr id="165" name="Shape 165"/>
+        <p:cNvPr id="167" name="Shape 167"/>
         <p:cNvGrpSpPr/>
         <p:nvPr/>
       </p:nvGrpSpPr>
@@ -10630,7 +10672,7 @@
       </p:grpSpPr>
       <p:sp>
         <p:nvSpPr>
-          <p:cNvPr id="166" name="Google Shape;166;p26"/>
+          <p:cNvPr id="168" name="Google Shape;168;p26"/>
           <p:cNvSpPr txBox="1"/>
           <p:nvPr>
             <p:ph type="title"/>
@@ -10674,7 +10716,7 @@
       </p:sp>
       <p:sp>
         <p:nvSpPr>
-          <p:cNvPr id="167" name="Google Shape;167;p26"/>
+          <p:cNvPr id="169" name="Google Shape;169;p26"/>
           <p:cNvSpPr txBox="1"/>
           <p:nvPr>
             <p:ph idx="1" type="body"/>
@@ -10826,7 +10868,7 @@
       </p:sp>
       <p:sp>
         <p:nvSpPr>
-          <p:cNvPr id="168" name="Google Shape;168;p26"/>
+          <p:cNvPr id="170" name="Google Shape;170;p26"/>
           <p:cNvSpPr txBox="1"/>
           <p:nvPr>
             <p:ph idx="12" type="sldNum"/>
@@ -10834,8 +10876,8 @@
         </p:nvSpPr>
         <p:spPr>
           <a:xfrm>
-            <a:off x="7315202" y="4416550"/>
-            <a:ext cx="1828800" cy="731400"/>
+            <a:off x="7315209" y="4229101"/>
+            <a:ext cx="1828800" cy="914400"/>
           </a:xfrm>
           <a:prstGeom prst="rect">
             <a:avLst/>
@@ -10873,33 +10915,25 @@
               <a:buNone/>
             </a:pPr>
             <a:r>
-              <a:rPr b="0" lang="en" sz="900" u="sng">
+              <a:rPr b="0" lang="en" sz="1000" u="sng">
                 <a:solidFill>
                   <a:schemeClr val="hlink"/>
                 </a:solidFill>
                 <a:hlinkClick r:id="rId3"/>
               </a:rPr>
-              <a:t>https://profriehle.com</a:t>
-            </a:r>
-            <a:r>
-              <a:rPr b="0" lang="en" sz="900">
-                <a:solidFill>
-                  <a:schemeClr val="dk2"/>
-                </a:solidFill>
-              </a:rPr>
+              <a:t>uni1.de/nyt</a:t>
+            </a:r>
+            <a:r>
+              <a:rPr b="0" lang="en" sz="1000"/>
               <a:t> </a:t>
             </a:r>
-            <a:endParaRPr b="0" sz="900">
-              <a:solidFill>
-                <a:schemeClr val="dk2"/>
-              </a:solidFill>
-            </a:endParaRPr>
+            <a:endParaRPr b="0" sz="1000"/>
           </a:p>
         </p:txBody>
       </p:sp>
       <p:sp>
         <p:nvSpPr>
-          <p:cNvPr id="169" name="Google Shape;169;p26"/>
+          <p:cNvPr id="171" name="Google Shape;171;p26"/>
           <p:cNvSpPr txBox="1"/>
           <p:nvPr/>
         </p:nvSpPr>
@@ -10952,7 +10986,7 @@
   <p:cSld>
     <p:spTree>
       <p:nvGrpSpPr>
-        <p:cNvPr id="41" name="Shape 41"/>
+        <p:cNvPr id="42" name="Shape 42"/>
         <p:cNvGrpSpPr/>
         <p:nvPr/>
       </p:nvGrpSpPr>
@@ -10966,7 +11000,7 @@
       </p:grpSpPr>
       <p:sp>
         <p:nvSpPr>
-          <p:cNvPr id="42" name="Google Shape;42;p9"/>
+          <p:cNvPr id="43" name="Google Shape;43;p9"/>
           <p:cNvSpPr txBox="1"/>
           <p:nvPr>
             <p:ph type="title"/>
@@ -11006,7 +11040,7 @@
       </p:sp>
       <p:sp>
         <p:nvSpPr>
-          <p:cNvPr id="43" name="Google Shape;43;p9"/>
+          <p:cNvPr id="44" name="Google Shape;44;p9"/>
           <p:cNvSpPr txBox="1"/>
           <p:nvPr>
             <p:ph idx="1" type="body"/>
@@ -11181,7 +11215,7 @@
       </p:sp>
       <p:sp>
         <p:nvSpPr>
-          <p:cNvPr id="44" name="Google Shape;44;p9"/>
+          <p:cNvPr id="45" name="Google Shape;45;p9"/>
           <p:cNvSpPr txBox="1"/>
           <p:nvPr>
             <p:ph idx="12" type="sldNum"/>
@@ -11189,8 +11223,8 @@
         </p:nvSpPr>
         <p:spPr>
           <a:xfrm>
-            <a:off x="7315202" y="4416550"/>
-            <a:ext cx="1828800" cy="731400"/>
+            <a:off x="7315209" y="4229101"/>
+            <a:ext cx="1828800" cy="914400"/>
           </a:xfrm>
           <a:prstGeom prst="rect">
             <a:avLst/>
@@ -11228,27 +11262,19 @@
               <a:buNone/>
             </a:pPr>
             <a:r>
-              <a:rPr b="0" lang="en" sz="900" u="sng">
+              <a:rPr b="0" lang="en" sz="1000" u="sng">
                 <a:solidFill>
                   <a:schemeClr val="hlink"/>
                 </a:solidFill>
                 <a:hlinkClick r:id="rId3"/>
               </a:rPr>
-              <a:t>https://profriehle.com</a:t>
-            </a:r>
-            <a:r>
-              <a:rPr b="0" lang="en" sz="900">
-                <a:solidFill>
-                  <a:schemeClr val="dk2"/>
-                </a:solidFill>
-              </a:rPr>
+              <a:t>uni1.de/nyt</a:t>
+            </a:r>
+            <a:r>
+              <a:rPr b="0" lang="en" sz="1000"/>
               <a:t> </a:t>
             </a:r>
-            <a:endParaRPr b="0" sz="900">
-              <a:solidFill>
-                <a:schemeClr val="dk2"/>
-              </a:solidFill>
-            </a:endParaRPr>
+            <a:endParaRPr b="0" sz="1000"/>
           </a:p>
         </p:txBody>
       </p:sp>
@@ -11265,7 +11291,7 @@
   <p:cSld>
     <p:spTree>
       <p:nvGrpSpPr>
-        <p:cNvPr id="173" name="Shape 173"/>
+        <p:cNvPr id="175" name="Shape 175"/>
         <p:cNvGrpSpPr/>
         <p:nvPr/>
       </p:nvGrpSpPr>
@@ -11279,7 +11305,7 @@
       </p:grpSpPr>
       <p:sp>
         <p:nvSpPr>
-          <p:cNvPr id="174" name="Google Shape;174;p27"/>
+          <p:cNvPr id="176" name="Google Shape;176;p27"/>
           <p:cNvSpPr txBox="1"/>
           <p:nvPr>
             <p:ph type="title"/>
@@ -11319,7 +11345,7 @@
       </p:sp>
       <p:sp>
         <p:nvSpPr>
-          <p:cNvPr id="175" name="Google Shape;175;p27"/>
+          <p:cNvPr id="177" name="Google Shape;177;p27"/>
           <p:cNvSpPr txBox="1"/>
           <p:nvPr>
             <p:ph idx="1" type="body"/>
@@ -11486,7 +11512,7 @@
       </p:sp>
       <p:sp>
         <p:nvSpPr>
-          <p:cNvPr id="176" name="Google Shape;176;p27"/>
+          <p:cNvPr id="178" name="Google Shape;178;p27"/>
           <p:cNvSpPr txBox="1"/>
           <p:nvPr>
             <p:ph idx="12" type="sldNum"/>
@@ -11494,8 +11520,8 @@
         </p:nvSpPr>
         <p:spPr>
           <a:xfrm>
-            <a:off x="7315202" y="4416550"/>
-            <a:ext cx="1828800" cy="731400"/>
+            <a:off x="7315209" y="4229101"/>
+            <a:ext cx="1828800" cy="914400"/>
           </a:xfrm>
           <a:prstGeom prst="rect">
             <a:avLst/>
@@ -11533,27 +11559,19 @@
               <a:buNone/>
             </a:pPr>
             <a:r>
-              <a:rPr b="0" lang="en" sz="900" u="sng">
+              <a:rPr b="0" lang="en" sz="1000" u="sng">
                 <a:solidFill>
                   <a:schemeClr val="hlink"/>
                 </a:solidFill>
                 <a:hlinkClick r:id="rId4"/>
               </a:rPr>
-              <a:t>https://profriehle.com</a:t>
-            </a:r>
-            <a:r>
-              <a:rPr b="0" lang="en" sz="900">
-                <a:solidFill>
-                  <a:schemeClr val="dk2"/>
-                </a:solidFill>
-              </a:rPr>
+              <a:t>uni1.de/nyt</a:t>
+            </a:r>
+            <a:r>
+              <a:rPr b="0" lang="en" sz="1000"/>
               <a:t> </a:t>
             </a:r>
-            <a:endParaRPr b="0" sz="900">
-              <a:solidFill>
-                <a:schemeClr val="dk2"/>
-              </a:solidFill>
-            </a:endParaRPr>
+            <a:endParaRPr b="0" sz="1000"/>
           </a:p>
         </p:txBody>
       </p:sp>
@@ -11570,7 +11588,7 @@
   <p:cSld>
     <p:spTree>
       <p:nvGrpSpPr>
-        <p:cNvPr id="180" name="Shape 180"/>
+        <p:cNvPr id="182" name="Shape 182"/>
         <p:cNvGrpSpPr/>
         <p:nvPr/>
       </p:nvGrpSpPr>
@@ -11584,7 +11602,7 @@
       </p:grpSpPr>
       <p:sp>
         <p:nvSpPr>
-          <p:cNvPr id="181" name="Google Shape;181;p28"/>
+          <p:cNvPr id="183" name="Google Shape;183;p28"/>
           <p:cNvSpPr txBox="1"/>
           <p:nvPr>
             <p:ph type="title"/>
@@ -11624,7 +11642,7 @@
       </p:sp>
       <p:sp>
         <p:nvSpPr>
-          <p:cNvPr id="182" name="Google Shape;182;p28"/>
+          <p:cNvPr id="184" name="Google Shape;184;p28"/>
           <p:cNvSpPr txBox="1"/>
           <p:nvPr>
             <p:ph idx="12" type="sldNum"/>
@@ -11632,8 +11650,8 @@
         </p:nvSpPr>
         <p:spPr>
           <a:xfrm>
-            <a:off x="7315202" y="4416550"/>
-            <a:ext cx="1828800" cy="731400"/>
+            <a:off x="7315209" y="4229101"/>
+            <a:ext cx="1828800" cy="914400"/>
           </a:xfrm>
           <a:prstGeom prst="rect">
             <a:avLst/>
@@ -11671,33 +11689,25 @@
               <a:buNone/>
             </a:pPr>
             <a:r>
-              <a:rPr b="0" lang="en" sz="900" u="sng">
+              <a:rPr b="0" lang="en" sz="1000" u="sng">
                 <a:solidFill>
                   <a:schemeClr val="hlink"/>
                 </a:solidFill>
                 <a:hlinkClick r:id="rId3"/>
               </a:rPr>
-              <a:t>https://profriehle.com</a:t>
-            </a:r>
-            <a:r>
-              <a:rPr b="0" lang="en" sz="900">
-                <a:solidFill>
-                  <a:schemeClr val="dk2"/>
-                </a:solidFill>
-              </a:rPr>
+              <a:t>uni1.de/nyt</a:t>
+            </a:r>
+            <a:r>
+              <a:rPr b="0" lang="en" sz="1000"/>
               <a:t> </a:t>
             </a:r>
-            <a:endParaRPr b="0" sz="900">
-              <a:solidFill>
-                <a:schemeClr val="dk2"/>
-              </a:solidFill>
-            </a:endParaRPr>
+            <a:endParaRPr b="0" sz="1000"/>
           </a:p>
         </p:txBody>
       </p:sp>
       <p:sp>
         <p:nvSpPr>
-          <p:cNvPr id="183" name="Google Shape;183;p28"/>
+          <p:cNvPr id="185" name="Google Shape;185;p28"/>
           <p:cNvSpPr txBox="1"/>
           <p:nvPr>
             <p:ph idx="1" type="body"/>
@@ -11897,7 +11907,7 @@
   <p:cSld>
     <p:spTree>
       <p:nvGrpSpPr>
-        <p:cNvPr id="187" name="Shape 187"/>
+        <p:cNvPr id="189" name="Shape 189"/>
         <p:cNvGrpSpPr/>
         <p:nvPr/>
       </p:nvGrpSpPr>
@@ -11911,7 +11921,7 @@
       </p:grpSpPr>
       <p:sp>
         <p:nvSpPr>
-          <p:cNvPr id="188" name="Google Shape;188;p29"/>
+          <p:cNvPr id="190" name="Google Shape;190;p29"/>
           <p:cNvSpPr txBox="1"/>
           <p:nvPr>
             <p:ph type="title"/>
@@ -11951,7 +11961,7 @@
       </p:sp>
       <p:sp>
         <p:nvSpPr>
-          <p:cNvPr id="189" name="Google Shape;189;p29"/>
+          <p:cNvPr id="191" name="Google Shape;191;p29"/>
           <p:cNvSpPr txBox="1"/>
           <p:nvPr>
             <p:ph idx="1" type="body"/>
@@ -12079,7 +12089,7 @@
       </p:sp>
       <p:sp>
         <p:nvSpPr>
-          <p:cNvPr id="190" name="Google Shape;190;p29"/>
+          <p:cNvPr id="192" name="Google Shape;192;p29"/>
           <p:cNvSpPr txBox="1"/>
           <p:nvPr>
             <p:ph idx="12" type="sldNum"/>
@@ -12087,8 +12097,8 @@
         </p:nvSpPr>
         <p:spPr>
           <a:xfrm>
-            <a:off x="7315202" y="4416550"/>
-            <a:ext cx="1828800" cy="731400"/>
+            <a:off x="7315209" y="4229101"/>
+            <a:ext cx="1828800" cy="914400"/>
           </a:xfrm>
           <a:prstGeom prst="rect">
             <a:avLst/>
@@ -12126,27 +12136,19 @@
               <a:buNone/>
             </a:pPr>
             <a:r>
-              <a:rPr b="0" lang="en" sz="900" u="sng">
+              <a:rPr b="0" lang="en" sz="1000" u="sng">
                 <a:solidFill>
                   <a:schemeClr val="hlink"/>
                 </a:solidFill>
                 <a:hlinkClick r:id="rId3"/>
               </a:rPr>
-              <a:t>https://profriehle.com</a:t>
-            </a:r>
-            <a:r>
-              <a:rPr b="0" lang="en" sz="900">
-                <a:solidFill>
-                  <a:schemeClr val="dk2"/>
-                </a:solidFill>
-              </a:rPr>
+              <a:t>uni1.de/nyt</a:t>
+            </a:r>
+            <a:r>
+              <a:rPr b="0" lang="en" sz="1000"/>
               <a:t> </a:t>
             </a:r>
-            <a:endParaRPr b="0" sz="900">
-              <a:solidFill>
-                <a:schemeClr val="dk2"/>
-              </a:solidFill>
-            </a:endParaRPr>
+            <a:endParaRPr b="0" sz="1000"/>
           </a:p>
         </p:txBody>
       </p:sp>
@@ -12163,7 +12165,7 @@
   <p:cSld>
     <p:spTree>
       <p:nvGrpSpPr>
-        <p:cNvPr id="194" name="Shape 194"/>
+        <p:cNvPr id="196" name="Shape 196"/>
         <p:cNvGrpSpPr/>
         <p:nvPr/>
       </p:nvGrpSpPr>
@@ -12177,7 +12179,7 @@
       </p:grpSpPr>
       <p:sp>
         <p:nvSpPr>
-          <p:cNvPr id="195" name="Google Shape;195;p30"/>
+          <p:cNvPr id="197" name="Google Shape;197;p30"/>
           <p:cNvSpPr txBox="1"/>
           <p:nvPr>
             <p:ph type="title"/>
@@ -12217,7 +12219,7 @@
       </p:sp>
       <p:sp>
         <p:nvSpPr>
-          <p:cNvPr id="196" name="Google Shape;196;p30"/>
+          <p:cNvPr id="198" name="Google Shape;198;p30"/>
           <p:cNvSpPr txBox="1"/>
           <p:nvPr>
             <p:ph idx="1" type="body"/>
@@ -12270,7 +12272,7 @@
       </p:sp>
       <p:sp>
         <p:nvSpPr>
-          <p:cNvPr id="197" name="Google Shape;197;p30"/>
+          <p:cNvPr id="199" name="Google Shape;199;p30"/>
           <p:cNvSpPr txBox="1"/>
           <p:nvPr>
             <p:ph idx="12" type="sldNum"/>
@@ -12278,8 +12280,8 @@
         </p:nvSpPr>
         <p:spPr>
           <a:xfrm>
-            <a:off x="7315202" y="4416550"/>
-            <a:ext cx="1828800" cy="731400"/>
+            <a:off x="7315209" y="4229101"/>
+            <a:ext cx="1828800" cy="914400"/>
           </a:xfrm>
           <a:prstGeom prst="rect">
             <a:avLst/>
@@ -12317,27 +12319,19 @@
               <a:buNone/>
             </a:pPr>
             <a:r>
-              <a:rPr b="0" lang="en" sz="900" u="sng">
+              <a:rPr b="0" lang="en" sz="1000" u="sng">
                 <a:solidFill>
                   <a:schemeClr val="hlink"/>
                 </a:solidFill>
                 <a:hlinkClick r:id="rId4"/>
               </a:rPr>
-              <a:t>https://profriehle.com</a:t>
-            </a:r>
-            <a:r>
-              <a:rPr b="0" lang="en" sz="900">
-                <a:solidFill>
-                  <a:schemeClr val="dk2"/>
-                </a:solidFill>
-              </a:rPr>
+              <a:t>uni1.de/nyt</a:t>
+            </a:r>
+            <a:r>
+              <a:rPr b="0" lang="en" sz="1000"/>
               <a:t> </a:t>
             </a:r>
-            <a:endParaRPr b="0" sz="900">
-              <a:solidFill>
-                <a:schemeClr val="dk2"/>
-              </a:solidFill>
-            </a:endParaRPr>
+            <a:endParaRPr b="0" sz="1000"/>
           </a:p>
         </p:txBody>
       </p:sp>
@@ -12354,7 +12348,7 @@
   <p:cSld>
     <p:spTree>
       <p:nvGrpSpPr>
-        <p:cNvPr id="201" name="Shape 201"/>
+        <p:cNvPr id="203" name="Shape 203"/>
         <p:cNvGrpSpPr/>
         <p:nvPr/>
       </p:nvGrpSpPr>
@@ -12368,7 +12362,7 @@
       </p:grpSpPr>
       <p:sp>
         <p:nvSpPr>
-          <p:cNvPr id="202" name="Google Shape;202;p31"/>
+          <p:cNvPr id="204" name="Google Shape;204;p31"/>
           <p:cNvSpPr txBox="1"/>
           <p:nvPr>
             <p:ph type="ctrTitle"/>
@@ -12408,7 +12402,7 @@
       </p:sp>
       <p:sp>
         <p:nvSpPr>
-          <p:cNvPr id="203" name="Google Shape;203;p31"/>
+          <p:cNvPr id="205" name="Google Shape;205;p31"/>
           <p:cNvSpPr txBox="1"/>
           <p:nvPr>
             <p:ph idx="1" type="subTitle"/>
@@ -12538,7 +12532,7 @@
   <p:cSld>
     <p:spTree>
       <p:nvGrpSpPr>
-        <p:cNvPr id="207" name="Shape 207"/>
+        <p:cNvPr id="209" name="Shape 209"/>
         <p:cNvGrpSpPr/>
         <p:nvPr/>
       </p:nvGrpSpPr>
@@ -12552,7 +12546,7 @@
       </p:grpSpPr>
       <p:sp>
         <p:nvSpPr>
-          <p:cNvPr id="208" name="Google Shape;208;p32"/>
+          <p:cNvPr id="210" name="Google Shape;210;p32"/>
           <p:cNvSpPr txBox="1"/>
           <p:nvPr>
             <p:ph type="title"/>
@@ -12592,7 +12586,7 @@
       </p:sp>
       <p:sp>
         <p:nvSpPr>
-          <p:cNvPr id="209" name="Google Shape;209;p32"/>
+          <p:cNvPr id="211" name="Google Shape;211;p32"/>
           <p:cNvSpPr txBox="1"/>
           <p:nvPr>
             <p:ph idx="12" type="sldNum"/>
@@ -12600,8 +12594,8 @@
         </p:nvSpPr>
         <p:spPr>
           <a:xfrm>
-            <a:off x="7315202" y="4416550"/>
-            <a:ext cx="1828800" cy="731400"/>
+            <a:off x="7315209" y="4229101"/>
+            <a:ext cx="1828800" cy="914400"/>
           </a:xfrm>
           <a:prstGeom prst="rect">
             <a:avLst/>
@@ -12665,7 +12659,7 @@
       </p:sp>
       <p:sp>
         <p:nvSpPr>
-          <p:cNvPr id="210" name="Google Shape;210;p32"/>
+          <p:cNvPr id="212" name="Google Shape;212;p32"/>
           <p:cNvSpPr txBox="1"/>
           <p:nvPr>
             <p:ph idx="1" type="body"/>
@@ -12794,7 +12788,7 @@
   <p:cSld>
     <p:spTree>
       <p:nvGrpSpPr>
-        <p:cNvPr id="48" name="Shape 48"/>
+        <p:cNvPr id="49" name="Shape 49"/>
         <p:cNvGrpSpPr/>
         <p:nvPr/>
       </p:nvGrpSpPr>
@@ -12808,7 +12802,663 @@
       </p:grpSpPr>
       <p:sp>
         <p:nvSpPr>
-          <p:cNvPr id="49" name="Google Shape;49;p10"/>
+          <p:cNvPr id="50" name="Google Shape;50;p10"/>
+          <p:cNvSpPr txBox="1"/>
+          <p:nvPr>
+            <p:ph type="title"/>
+          </p:nvPr>
+        </p:nvSpPr>
+        <p:spPr>
+          <a:xfrm>
+            <a:off x="0" y="0"/>
+            <a:ext cx="9144000" cy="685800"/>
+          </a:xfrm>
+          <a:prstGeom prst="rect">
+            <a:avLst/>
+          </a:prstGeom>
+        </p:spPr>
+        <p:txBody>
+          <a:bodyPr anchorCtr="0" anchor="ctr" bIns="0" lIns="274300" spcFirstLastPara="1" rIns="0" wrap="square" tIns="0">
+            <a:noAutofit/>
+          </a:bodyPr>
+          <a:lstStyle/>
+          <a:p>
+            <a:pPr indent="0" lvl="0" marL="0" rtl="0" algn="l">
+              <a:spcBef>
+                <a:spcPts val="0"/>
+              </a:spcBef>
+              <a:spcAft>
+                <a:spcPts val="0"/>
+              </a:spcAft>
+              <a:buNone/>
+            </a:pPr>
+            <a:r>
+              <a:rPr lang="en"/>
+              <a:t>Definition of Science (Working Definition)</a:t>
+            </a:r>
+            <a:endParaRPr/>
+          </a:p>
+        </p:txBody>
+      </p:sp>
+      <p:sp>
+        <p:nvSpPr>
+          <p:cNvPr id="51" name="Google Shape;51;p10"/>
+          <p:cNvSpPr txBox="1"/>
+          <p:nvPr>
+            <p:ph idx="4294967295" type="body"/>
+          </p:nvPr>
+        </p:nvSpPr>
+        <p:spPr>
+          <a:xfrm>
+            <a:off x="918576" y="914400"/>
+            <a:ext cx="7315200" cy="3657600"/>
+          </a:xfrm>
+          <a:prstGeom prst="rect">
+            <a:avLst/>
+          </a:prstGeom>
+        </p:spPr>
+        <p:txBody>
+          <a:bodyPr anchorCtr="0" anchor="ctr" bIns="0" lIns="0" spcFirstLastPara="1" rIns="0" wrap="square" tIns="0">
+            <a:noAutofit/>
+          </a:bodyPr>
+          <a:lstStyle/>
+          <a:p>
+            <a:pPr indent="0" lvl="0" marL="0" rtl="0" algn="just">
+              <a:spcBef>
+                <a:spcPts val="0"/>
+              </a:spcBef>
+              <a:spcAft>
+                <a:spcPts val="1200"/>
+              </a:spcAft>
+              <a:buNone/>
+            </a:pPr>
+            <a:r>
+              <a:rPr b="1" lang="en" sz="3200">
+                <a:solidFill>
+                  <a:schemeClr val="accent5"/>
+                </a:solidFill>
+              </a:rPr>
+              <a:t>Science</a:t>
+            </a:r>
+            <a:r>
+              <a:rPr lang="en" sz="3200"/>
+              <a:t> is the </a:t>
+            </a:r>
+            <a:r>
+              <a:rPr b="1" lang="en" sz="3200"/>
+              <a:t>process of acquiring knowledge</a:t>
+            </a:r>
+            <a:r>
+              <a:rPr lang="en" sz="3200"/>
+              <a:t> for </a:t>
+            </a:r>
+            <a:r>
+              <a:rPr b="1" lang="en" sz="3200"/>
+              <a:t>correct prediction and reliable outcome.</a:t>
+            </a:r>
+            <a:r>
+              <a:rPr lang="en" sz="3200"/>
+              <a:t> [DR]</a:t>
+            </a:r>
+            <a:endParaRPr sz="3200"/>
+          </a:p>
+        </p:txBody>
+      </p:sp>
+      <p:sp>
+        <p:nvSpPr>
+          <p:cNvPr id="52" name="Google Shape;52;p10"/>
+          <p:cNvSpPr txBox="1"/>
+          <p:nvPr>
+            <p:ph idx="12" type="sldNum"/>
+          </p:nvPr>
+        </p:nvSpPr>
+        <p:spPr>
+          <a:xfrm>
+            <a:off x="7315209" y="4229101"/>
+            <a:ext cx="1828800" cy="914400"/>
+          </a:xfrm>
+          <a:prstGeom prst="rect">
+            <a:avLst/>
+          </a:prstGeom>
+        </p:spPr>
+        <p:txBody>
+          <a:bodyPr anchorCtr="0" anchor="b" bIns="91425" lIns="91425" spcFirstLastPara="1" rIns="91425" wrap="square" tIns="91425">
+            <a:noAutofit/>
+          </a:bodyPr>
+          <a:lstStyle/>
+          <a:p>
+            <a:pPr indent="0" lvl="0" marL="0" rtl="0" algn="r">
+              <a:spcBef>
+                <a:spcPts val="0"/>
+              </a:spcBef>
+              <a:spcAft>
+                <a:spcPts val="0"/>
+              </a:spcAft>
+              <a:buNone/>
+            </a:pPr>
+            <a:fld id="{00000000-1234-1234-1234-123412341234}" type="slidenum">
+              <a:rPr lang="en"/>
+              <a:t>‹#›</a:t>
+            </a:fld>
+            <a:endParaRPr/>
+          </a:p>
+          <a:p>
+            <a:pPr indent="0" lvl="0" marL="0" rtl="0" algn="r">
+              <a:spcBef>
+                <a:spcPts val="0"/>
+              </a:spcBef>
+              <a:spcAft>
+                <a:spcPts val="0"/>
+              </a:spcAft>
+              <a:buNone/>
+            </a:pPr>
+            <a:r>
+              <a:rPr b="0" lang="en" sz="1000" u="sng">
+                <a:solidFill>
+                  <a:schemeClr val="hlink"/>
+                </a:solidFill>
+                <a:hlinkClick r:id="rId3"/>
+              </a:rPr>
+              <a:t>uni1.de/nyt</a:t>
+            </a:r>
+            <a:r>
+              <a:rPr b="0" lang="en" sz="1000"/>
+              <a:t> </a:t>
+            </a:r>
+            <a:endParaRPr b="0" sz="1000"/>
+          </a:p>
+        </p:txBody>
+      </p:sp>
+    </p:spTree>
+  </p:cSld>
+  <p:clrMapOvr>
+    <a:masterClrMapping/>
+  </p:clrMapOvr>
+</p:sld>
+</file>
+
+<file path=ppt/slides/slide4.xml><?xml version="1.0" encoding="utf-8"?>
+<p:sld xmlns:a="http://schemas.openxmlformats.org/drawingml/2006/main" xmlns:r="http://schemas.openxmlformats.org/officeDocument/2006/relationships" xmlns:mc="http://schemas.openxmlformats.org/markup-compatibility/2006" xmlns:mv="urn:schemas-microsoft-com:mac:vml" xmlns:p="http://schemas.openxmlformats.org/presentationml/2006/main" xmlns:c="http://schemas.openxmlformats.org/drawingml/2006/chart" xmlns:dgm="http://schemas.openxmlformats.org/drawingml/2006/diagram" xmlns:o="urn:schemas-microsoft-com:office:office" xmlns:v="urn:schemas-microsoft-com:vml" xmlns:pvml="urn:schemas-microsoft-com:office:powerpoint" xmlns:com="http://schemas.openxmlformats.org/drawingml/2006/compatibility" xmlns:p14="http://schemas.microsoft.com/office/powerpoint/2010/main" xmlns:p15="http://schemas.microsoft.com/office/powerpoint/2012/main" xmlns:ahyp="http://schemas.microsoft.com/office/drawing/2018/hyperlinkcolor">
+  <p:cSld>
+    <p:spTree>
+      <p:nvGrpSpPr>
+        <p:cNvPr id="56" name="Shape 56"/>
+        <p:cNvGrpSpPr/>
+        <p:nvPr/>
+      </p:nvGrpSpPr>
+      <p:grpSpPr>
+        <a:xfrm>
+          <a:off x="0" y="0"/>
+          <a:ext cx="0" cy="0"/>
+          <a:chOff x="0" y="0"/>
+          <a:chExt cx="0" cy="0"/>
+        </a:xfrm>
+      </p:grpSpPr>
+      <p:sp>
+        <p:nvSpPr>
+          <p:cNvPr id="57" name="Google Shape;57;p11"/>
+          <p:cNvSpPr txBox="1"/>
+          <p:nvPr>
+            <p:ph type="title"/>
+          </p:nvPr>
+        </p:nvSpPr>
+        <p:spPr>
+          <a:xfrm>
+            <a:off x="0" y="0"/>
+            <a:ext cx="9144000" cy="685800"/>
+          </a:xfrm>
+          <a:prstGeom prst="rect">
+            <a:avLst/>
+          </a:prstGeom>
+        </p:spPr>
+        <p:txBody>
+          <a:bodyPr anchorCtr="0" anchor="ctr" bIns="0" lIns="274300" spcFirstLastPara="1" rIns="0" wrap="square" tIns="0">
+            <a:noAutofit/>
+          </a:bodyPr>
+          <a:lstStyle/>
+          <a:p>
+            <a:pPr indent="0" lvl="0" marL="0" rtl="0" algn="l">
+              <a:spcBef>
+                <a:spcPts val="0"/>
+              </a:spcBef>
+              <a:spcAft>
+                <a:spcPts val="0"/>
+              </a:spcAft>
+              <a:buNone/>
+            </a:pPr>
+            <a:r>
+              <a:rPr lang="en"/>
+              <a:t>Course Content and Structure</a:t>
+            </a:r>
+            <a:endParaRPr/>
+          </a:p>
+        </p:txBody>
+      </p:sp>
+      <p:sp>
+        <p:nvSpPr>
+          <p:cNvPr id="58" name="Google Shape;58;p11"/>
+          <p:cNvSpPr txBox="1"/>
+          <p:nvPr>
+            <p:ph idx="12" type="sldNum"/>
+          </p:nvPr>
+        </p:nvSpPr>
+        <p:spPr>
+          <a:xfrm>
+            <a:off x="7315209" y="4229101"/>
+            <a:ext cx="1828800" cy="914400"/>
+          </a:xfrm>
+          <a:prstGeom prst="rect">
+            <a:avLst/>
+          </a:prstGeom>
+        </p:spPr>
+        <p:txBody>
+          <a:bodyPr anchorCtr="0" anchor="b" bIns="91425" lIns="91425" spcFirstLastPara="1" rIns="91425" wrap="square" tIns="91425">
+            <a:noAutofit/>
+          </a:bodyPr>
+          <a:lstStyle/>
+          <a:p>
+            <a:pPr indent="0" lvl="0" marL="0" rtl="0" algn="r">
+              <a:spcBef>
+                <a:spcPts val="0"/>
+              </a:spcBef>
+              <a:spcAft>
+                <a:spcPts val="0"/>
+              </a:spcAft>
+              <a:buNone/>
+            </a:pPr>
+            <a:fld id="{00000000-1234-1234-1234-123412341234}" type="slidenum">
+              <a:rPr lang="en"/>
+              <a:t>‹#›</a:t>
+            </a:fld>
+            <a:endParaRPr/>
+          </a:p>
+          <a:p>
+            <a:pPr indent="0" lvl="0" marL="0" rtl="0" algn="r">
+              <a:spcBef>
+                <a:spcPts val="0"/>
+              </a:spcBef>
+              <a:spcAft>
+                <a:spcPts val="0"/>
+              </a:spcAft>
+              <a:buNone/>
+            </a:pPr>
+            <a:r>
+              <a:rPr b="0" lang="en" sz="1000" u="sng">
+                <a:solidFill>
+                  <a:schemeClr val="hlink"/>
+                </a:solidFill>
+                <a:hlinkClick r:id="rId3"/>
+              </a:rPr>
+              <a:t>uni1.de/nyt</a:t>
+            </a:r>
+            <a:r>
+              <a:rPr b="0" lang="en" sz="1000"/>
+              <a:t> </a:t>
+            </a:r>
+            <a:endParaRPr b="0" sz="1000"/>
+          </a:p>
+        </p:txBody>
+      </p:sp>
+      <p:sp>
+        <p:nvSpPr>
+          <p:cNvPr id="59" name="Google Shape;59;p11"/>
+          <p:cNvSpPr txBox="1"/>
+          <p:nvPr>
+            <p:ph idx="1" type="body"/>
+          </p:nvPr>
+        </p:nvSpPr>
+        <p:spPr>
+          <a:xfrm>
+            <a:off x="274320" y="914400"/>
+            <a:ext cx="4114800" cy="4114800"/>
+          </a:xfrm>
+          <a:prstGeom prst="rect">
+            <a:avLst/>
+          </a:prstGeom>
+        </p:spPr>
+        <p:txBody>
+          <a:bodyPr anchorCtr="0" anchor="t" bIns="91425" lIns="0" spcFirstLastPara="1" rIns="91425" wrap="square" tIns="0">
+            <a:noAutofit/>
+          </a:bodyPr>
+          <a:lstStyle/>
+          <a:p>
+            <a:pPr indent="0" lvl="0" marL="0" rtl="0" algn="l">
+              <a:spcBef>
+                <a:spcPts val="0"/>
+              </a:spcBef>
+              <a:spcAft>
+                <a:spcPts val="0"/>
+              </a:spcAft>
+              <a:buNone/>
+            </a:pPr>
+            <a:r>
+              <a:rPr b="1" lang="en"/>
+              <a:t>Overview</a:t>
+            </a:r>
+            <a:endParaRPr b="1"/>
+          </a:p>
+          <a:p>
+            <a:pPr indent="-342900" lvl="0" marL="457200" rtl="0" algn="l">
+              <a:spcBef>
+                <a:spcPts val="1200"/>
+              </a:spcBef>
+              <a:spcAft>
+                <a:spcPts val="0"/>
+              </a:spcAft>
+              <a:buSzPts val="1800"/>
+              <a:buAutoNum type="arabicPeriod"/>
+            </a:pPr>
+            <a:r>
+              <a:rPr lang="en"/>
+              <a:t>What is science?</a:t>
+            </a:r>
+            <a:endParaRPr/>
+          </a:p>
+          <a:p>
+            <a:pPr indent="-342900" lvl="0" marL="457200" rtl="0" algn="l">
+              <a:spcBef>
+                <a:spcPts val="0"/>
+              </a:spcBef>
+              <a:spcAft>
+                <a:spcPts val="0"/>
+              </a:spcAft>
+              <a:buSzPts val="1800"/>
+              <a:buAutoNum type="arabicPeriod"/>
+            </a:pPr>
+            <a:r>
+              <a:rPr lang="en"/>
+              <a:t>Scientific research</a:t>
+            </a:r>
+            <a:endParaRPr/>
+          </a:p>
+          <a:p>
+            <a:pPr indent="0" lvl="0" marL="0" rtl="0" algn="l">
+              <a:spcBef>
+                <a:spcPts val="1200"/>
+              </a:spcBef>
+              <a:spcAft>
+                <a:spcPts val="0"/>
+              </a:spcAft>
+              <a:buNone/>
+            </a:pPr>
+            <a:r>
+              <a:rPr b="1" lang="en"/>
+              <a:t>Theory building</a:t>
+            </a:r>
+            <a:endParaRPr b="1"/>
+          </a:p>
+          <a:p>
+            <a:pPr indent="-342900" lvl="0" marL="457200" rtl="0" algn="l">
+              <a:spcBef>
+                <a:spcPts val="1200"/>
+              </a:spcBef>
+              <a:spcAft>
+                <a:spcPts val="0"/>
+              </a:spcAft>
+              <a:buSzPts val="1800"/>
+              <a:buAutoNum type="arabicPeriod" startAt="3"/>
+            </a:pPr>
+            <a:r>
+              <a:rPr lang="en"/>
+              <a:t>Qualitative data analysis</a:t>
+            </a:r>
+            <a:endParaRPr/>
+          </a:p>
+          <a:p>
+            <a:pPr indent="-342900" lvl="0" marL="457200" rtl="0" algn="l">
+              <a:spcBef>
+                <a:spcPts val="0"/>
+              </a:spcBef>
+              <a:spcAft>
+                <a:spcPts val="0"/>
+              </a:spcAft>
+              <a:buSzPts val="1800"/>
+              <a:buAutoNum type="arabicPeriod" startAt="3"/>
+            </a:pPr>
+            <a:r>
+              <a:rPr lang="en"/>
+              <a:t>Systematic reviews</a:t>
+            </a:r>
+            <a:endParaRPr/>
+          </a:p>
+          <a:p>
+            <a:pPr indent="-342900" lvl="0" marL="457200" rtl="0" algn="l">
+              <a:spcBef>
+                <a:spcPts val="0"/>
+              </a:spcBef>
+              <a:spcAft>
+                <a:spcPts val="0"/>
+              </a:spcAft>
+              <a:buSzPts val="1800"/>
+              <a:buAutoNum type="arabicPeriod" startAt="3"/>
+            </a:pPr>
+            <a:r>
+              <a:rPr lang="en"/>
+              <a:t>Qualitative surveys</a:t>
+            </a:r>
+            <a:endParaRPr/>
+          </a:p>
+          <a:p>
+            <a:pPr indent="-342900" lvl="0" marL="457200" rtl="0" algn="l">
+              <a:spcBef>
+                <a:spcPts val="0"/>
+              </a:spcBef>
+              <a:spcAft>
+                <a:spcPts val="0"/>
+              </a:spcAft>
+              <a:buSzPts val="1800"/>
+              <a:buAutoNum type="arabicPeriod" startAt="3"/>
+            </a:pPr>
+            <a:r>
+              <a:rPr lang="en"/>
+              <a:t>Action research</a:t>
+            </a:r>
+            <a:endParaRPr/>
+          </a:p>
+          <a:p>
+            <a:pPr indent="-342900" lvl="0" marL="457200" rtl="0" algn="l">
+              <a:spcBef>
+                <a:spcPts val="0"/>
+              </a:spcBef>
+              <a:spcAft>
+                <a:spcPts val="0"/>
+              </a:spcAft>
+              <a:buSzPts val="1800"/>
+              <a:buAutoNum type="arabicPeriod" startAt="3"/>
+            </a:pPr>
+            <a:r>
+              <a:rPr lang="en"/>
+              <a:t>Case study research</a:t>
+            </a:r>
+            <a:endParaRPr/>
+          </a:p>
+        </p:txBody>
+      </p:sp>
+      <p:sp>
+        <p:nvSpPr>
+          <p:cNvPr id="60" name="Google Shape;60;p11"/>
+          <p:cNvSpPr txBox="1"/>
+          <p:nvPr>
+            <p:ph idx="2" type="body"/>
+          </p:nvPr>
+        </p:nvSpPr>
+        <p:spPr>
+          <a:xfrm>
+            <a:off x="4846320" y="914400"/>
+            <a:ext cx="4114800" cy="4114800"/>
+          </a:xfrm>
+          <a:prstGeom prst="rect">
+            <a:avLst/>
+          </a:prstGeom>
+        </p:spPr>
+        <p:txBody>
+          <a:bodyPr anchorCtr="0" anchor="t" bIns="0" lIns="0" spcFirstLastPara="1" rIns="0" wrap="square" tIns="0">
+            <a:noAutofit/>
+          </a:bodyPr>
+          <a:lstStyle/>
+          <a:p>
+            <a:pPr indent="0" lvl="0" marL="0" rtl="0" algn="l">
+              <a:spcBef>
+                <a:spcPts val="0"/>
+              </a:spcBef>
+              <a:spcAft>
+                <a:spcPts val="0"/>
+              </a:spcAft>
+              <a:buNone/>
+            </a:pPr>
+            <a:r>
+              <a:rPr b="1" lang="en"/>
+              <a:t>Theory validation</a:t>
+            </a:r>
+            <a:endParaRPr b="1"/>
+          </a:p>
+          <a:p>
+            <a:pPr indent="-342900" lvl="0" marL="457200" rtl="0" algn="l">
+              <a:spcBef>
+                <a:spcPts val="1200"/>
+              </a:spcBef>
+              <a:spcAft>
+                <a:spcPts val="0"/>
+              </a:spcAft>
+              <a:buSzPts val="1800"/>
+              <a:buAutoNum type="arabicPeriod" startAt="8"/>
+            </a:pPr>
+            <a:r>
+              <a:rPr lang="en"/>
+              <a:t>Survey research</a:t>
+            </a:r>
+            <a:endParaRPr/>
+          </a:p>
+          <a:p>
+            <a:pPr indent="-342900" lvl="0" marL="457200" rtl="0" algn="l">
+              <a:spcBef>
+                <a:spcPts val="0"/>
+              </a:spcBef>
+              <a:spcAft>
+                <a:spcPts val="0"/>
+              </a:spcAft>
+              <a:buSzPts val="1800"/>
+              <a:buAutoNum type="arabicPeriod" startAt="8"/>
+            </a:pPr>
+            <a:r>
+              <a:rPr lang="en"/>
+              <a:t>Controlled experiments</a:t>
+            </a:r>
+            <a:endParaRPr/>
+          </a:p>
+          <a:p>
+            <a:pPr indent="0" lvl="0" marL="0" rtl="0" algn="l">
+              <a:spcBef>
+                <a:spcPts val="1200"/>
+              </a:spcBef>
+              <a:spcAft>
+                <a:spcPts val="0"/>
+              </a:spcAft>
+              <a:buNone/>
+            </a:pPr>
+            <a:r>
+              <a:rPr b="1" lang="en"/>
+              <a:t>Comprehensive</a:t>
+            </a:r>
+            <a:endParaRPr b="1"/>
+          </a:p>
+          <a:p>
+            <a:pPr indent="-342900" lvl="0" marL="457200" rtl="0" algn="l">
+              <a:spcBef>
+                <a:spcPts val="1200"/>
+              </a:spcBef>
+              <a:spcAft>
+                <a:spcPts val="0"/>
+              </a:spcAft>
+              <a:buSzPts val="1800"/>
+              <a:buAutoNum type="arabicPeriod" startAt="10"/>
+            </a:pPr>
+            <a:r>
+              <a:rPr lang="en"/>
+              <a:t>Design science</a:t>
+            </a:r>
+            <a:endParaRPr/>
+          </a:p>
+          <a:p>
+            <a:pPr indent="0" lvl="0" marL="0" rtl="0" algn="l">
+              <a:spcBef>
+                <a:spcPts val="1200"/>
+              </a:spcBef>
+              <a:spcAft>
+                <a:spcPts val="0"/>
+              </a:spcAft>
+              <a:buNone/>
+            </a:pPr>
+            <a:r>
+              <a:rPr b="1" lang="en"/>
+              <a:t>Academia</a:t>
+            </a:r>
+            <a:endParaRPr b="1"/>
+          </a:p>
+          <a:p>
+            <a:pPr indent="-342900" lvl="0" marL="457200" rtl="0" algn="l">
+              <a:spcBef>
+                <a:spcPts val="1200"/>
+              </a:spcBef>
+              <a:spcAft>
+                <a:spcPts val="0"/>
+              </a:spcAft>
+              <a:buSzPts val="1800"/>
+              <a:buAutoNum type="arabicPeriod" startAt="11"/>
+            </a:pPr>
+            <a:r>
+              <a:rPr lang="en"/>
+              <a:t>Academic writing</a:t>
+            </a:r>
+            <a:endParaRPr/>
+          </a:p>
+          <a:p>
+            <a:pPr indent="-342900" lvl="0" marL="457200" rtl="0" algn="l">
+              <a:spcBef>
+                <a:spcPts val="0"/>
+              </a:spcBef>
+              <a:spcAft>
+                <a:spcPts val="0"/>
+              </a:spcAft>
+              <a:buSzPts val="1800"/>
+              <a:buAutoNum type="arabicPeriod" startAt="11"/>
+            </a:pPr>
+            <a:r>
+              <a:rPr lang="en"/>
+              <a:t>Academic publishing</a:t>
+            </a:r>
+            <a:endParaRPr/>
+          </a:p>
+        </p:txBody>
+      </p:sp>
+    </p:spTree>
+  </p:cSld>
+  <p:clrMapOvr>
+    <a:masterClrMapping/>
+  </p:clrMapOvr>
+</p:sld>
+</file>
+
+<file path=ppt/slides/slide5.xml><?xml version="1.0" encoding="utf-8"?>
+<p:sld xmlns:a="http://schemas.openxmlformats.org/drawingml/2006/main" xmlns:r="http://schemas.openxmlformats.org/officeDocument/2006/relationships" xmlns:mc="http://schemas.openxmlformats.org/markup-compatibility/2006" xmlns:mv="urn:schemas-microsoft-com:mac:vml" xmlns:p="http://schemas.openxmlformats.org/presentationml/2006/main" xmlns:c="http://schemas.openxmlformats.org/drawingml/2006/chart" xmlns:dgm="http://schemas.openxmlformats.org/drawingml/2006/diagram" xmlns:o="urn:schemas-microsoft-com:office:office" xmlns:v="urn:schemas-microsoft-com:vml" xmlns:pvml="urn:schemas-microsoft-com:office:powerpoint" xmlns:com="http://schemas.openxmlformats.org/drawingml/2006/compatibility" xmlns:p14="http://schemas.microsoft.com/office/powerpoint/2010/main" xmlns:p15="http://schemas.microsoft.com/office/powerpoint/2012/main" xmlns:ahyp="http://schemas.microsoft.com/office/drawing/2018/hyperlinkcolor">
+  <p:cSld>
+    <p:spTree>
+      <p:nvGrpSpPr>
+        <p:cNvPr id="64" name="Shape 64"/>
+        <p:cNvGrpSpPr/>
+        <p:nvPr/>
+      </p:nvGrpSpPr>
+      <p:grpSpPr>
+        <a:xfrm>
+          <a:off x="0" y="0"/>
+          <a:ext cx="0" cy="0"/>
+          <a:chOff x="0" y="0"/>
+          <a:chExt cx="0" cy="0"/>
+        </a:xfrm>
+      </p:grpSpPr>
+      <p:sp>
+        <p:nvSpPr>
+          <p:cNvPr id="65" name="Google Shape;65;p12"/>
           <p:cNvSpPr txBox="1"/>
           <p:nvPr>
             <p:ph type="title"/>
@@ -12840,7 +13490,7 @@
             </a:pPr>
             <a:r>
               <a:rPr lang="en"/>
-              <a:t>What do you think science is about?</a:t>
+              <a:t>Skills Required for Course</a:t>
             </a:r>
             <a:endParaRPr/>
           </a:p>
@@ -12848,7 +13498,7 @@
       </p:sp>
       <p:sp>
         <p:nvSpPr>
-          <p:cNvPr id="50" name="Google Shape;50;p10"/>
+          <p:cNvPr id="66" name="Google Shape;66;p12"/>
           <p:cNvSpPr txBox="1"/>
           <p:nvPr>
             <p:ph idx="1" type="body"/>
@@ -12880,22 +13530,24 @@
             </a:pPr>
             <a:r>
               <a:rPr lang="en"/>
-              <a:t>Go to menti.com, enter code 7743 3107</a:t>
-            </a:r>
-            <a:endParaRPr/>
-          </a:p>
-          <a:p>
-            <a:pPr indent="0" lvl="0" marL="0" rtl="0" algn="l">
+              <a:t>No particular requirements, but …</a:t>
+            </a:r>
+            <a:endParaRPr/>
+          </a:p>
+          <a:p>
+            <a:pPr indent="-342900" lvl="0" marL="457200" rtl="0" algn="l">
               <a:spcBef>
                 <a:spcPts val="1200"/>
               </a:spcBef>
               <a:spcAft>
-                <a:spcPts val="1200"/>
-              </a:spcAft>
-              <a:buNone/>
-            </a:pPr>
-            <a:r>
-              <a:t/>
+                <a:spcPts val="0"/>
+              </a:spcAft>
+              <a:buSzPts val="1800"/>
+              <a:buChar char="●"/>
+            </a:pPr>
+            <a:r>
+              <a:rPr lang="en"/>
+              <a:t>Strong conceptual and analytical thinking</a:t>
             </a:r>
             <a:endParaRPr/>
           </a:p>
@@ -12903,7 +13555,7 @@
       </p:sp>
       <p:sp>
         <p:nvSpPr>
-          <p:cNvPr id="51" name="Google Shape;51;p10"/>
+          <p:cNvPr id="67" name="Google Shape;67;p12"/>
           <p:cNvSpPr txBox="1"/>
           <p:nvPr>
             <p:ph idx="12" type="sldNum"/>
@@ -12911,8 +13563,8 @@
         </p:nvSpPr>
         <p:spPr>
           <a:xfrm>
-            <a:off x="7315202" y="4416550"/>
-            <a:ext cx="1828800" cy="731400"/>
+            <a:off x="7315209" y="4229101"/>
+            <a:ext cx="1828800" cy="914400"/>
           </a:xfrm>
           <a:prstGeom prst="rect">
             <a:avLst/>
@@ -12950,27 +13602,19 @@
               <a:buNone/>
             </a:pPr>
             <a:r>
-              <a:rPr b="0" lang="en" sz="900" u="sng">
+              <a:rPr b="0" lang="en" sz="1000" u="sng">
                 <a:solidFill>
                   <a:schemeClr val="hlink"/>
                 </a:solidFill>
                 <a:hlinkClick r:id="rId3"/>
               </a:rPr>
-              <a:t>https://profriehle.com</a:t>
-            </a:r>
-            <a:r>
-              <a:rPr b="0" lang="en" sz="900">
-                <a:solidFill>
-                  <a:schemeClr val="dk2"/>
-                </a:solidFill>
-              </a:rPr>
+              <a:t>uni1.de/nyt</a:t>
+            </a:r>
+            <a:r>
+              <a:rPr b="0" lang="en" sz="1000"/>
               <a:t> </a:t>
             </a:r>
-            <a:endParaRPr b="0" sz="900">
-              <a:solidFill>
-                <a:schemeClr val="dk2"/>
-              </a:solidFill>
-            </a:endParaRPr>
+            <a:endParaRPr b="0" sz="1000"/>
           </a:p>
         </p:txBody>
       </p:sp>
@@ -12982,12 +13626,12 @@
 </p:sld>
 </file>
 
-<file path=ppt/slides/slide4.xml><?xml version="1.0" encoding="utf-8"?>
+<file path=ppt/slides/slide6.xml><?xml version="1.0" encoding="utf-8"?>
 <p:sld xmlns:a="http://schemas.openxmlformats.org/drawingml/2006/main" xmlns:r="http://schemas.openxmlformats.org/officeDocument/2006/relationships" xmlns:mc="http://schemas.openxmlformats.org/markup-compatibility/2006" xmlns:mv="urn:schemas-microsoft-com:mac:vml" xmlns:p="http://schemas.openxmlformats.org/presentationml/2006/main" xmlns:c="http://schemas.openxmlformats.org/drawingml/2006/chart" xmlns:dgm="http://schemas.openxmlformats.org/drawingml/2006/diagram" xmlns:o="urn:schemas-microsoft-com:office:office" xmlns:v="urn:schemas-microsoft-com:vml" xmlns:pvml="urn:schemas-microsoft-com:office:powerpoint" xmlns:com="http://schemas.openxmlformats.org/drawingml/2006/compatibility" xmlns:p14="http://schemas.microsoft.com/office/powerpoint/2010/main" xmlns:p15="http://schemas.microsoft.com/office/powerpoint/2012/main" xmlns:ahyp="http://schemas.microsoft.com/office/drawing/2018/hyperlinkcolor">
   <p:cSld>
     <p:spTree>
       <p:nvGrpSpPr>
-        <p:cNvPr id="55" name="Shape 55"/>
+        <p:cNvPr id="71" name="Shape 71"/>
         <p:cNvGrpSpPr/>
         <p:nvPr/>
       </p:nvGrpSpPr>
@@ -13001,7 +13645,275 @@
       </p:grpSpPr>
       <p:sp>
         <p:nvSpPr>
-          <p:cNvPr id="56" name="Google Shape;56;p11"/>
+          <p:cNvPr id="72" name="Google Shape;72;p13"/>
+          <p:cNvSpPr txBox="1"/>
+          <p:nvPr>
+            <p:ph type="title"/>
+          </p:nvPr>
+        </p:nvSpPr>
+        <p:spPr>
+          <a:xfrm>
+            <a:off x="0" y="0"/>
+            <a:ext cx="9144000" cy="685800"/>
+          </a:xfrm>
+          <a:prstGeom prst="rect">
+            <a:avLst/>
+          </a:prstGeom>
+        </p:spPr>
+        <p:txBody>
+          <a:bodyPr anchorCtr="0" anchor="ctr" bIns="91425" lIns="274300" spcFirstLastPara="1" rIns="91425" wrap="square" tIns="91425">
+            <a:noAutofit/>
+          </a:bodyPr>
+          <a:lstStyle/>
+          <a:p>
+            <a:pPr indent="0" lvl="0" marL="0" rtl="0" algn="l">
+              <a:spcBef>
+                <a:spcPts val="0"/>
+              </a:spcBef>
+              <a:spcAft>
+                <a:spcPts val="0"/>
+              </a:spcAft>
+              <a:buNone/>
+            </a:pPr>
+            <a:r>
+              <a:rPr lang="en"/>
+              <a:t>Requirements for Final Theses</a:t>
+            </a:r>
+            <a:endParaRPr/>
+          </a:p>
+        </p:txBody>
+      </p:sp>
+      <p:sp>
+        <p:nvSpPr>
+          <p:cNvPr id="73" name="Google Shape;73;p13"/>
+          <p:cNvSpPr txBox="1"/>
+          <p:nvPr>
+            <p:ph idx="1" type="body"/>
+          </p:nvPr>
+        </p:nvSpPr>
+        <p:spPr>
+          <a:xfrm>
+            <a:off x="274320" y="914400"/>
+            <a:ext cx="8595300" cy="4114800"/>
+          </a:xfrm>
+          <a:prstGeom prst="rect">
+            <a:avLst/>
+          </a:prstGeom>
+        </p:spPr>
+        <p:txBody>
+          <a:bodyPr anchorCtr="0" anchor="t" bIns="0" lIns="0" spcFirstLastPara="1" rIns="0" wrap="square" tIns="0">
+            <a:noAutofit/>
+          </a:bodyPr>
+          <a:lstStyle/>
+          <a:p>
+            <a:pPr indent="0" lvl="0" marL="0" rtl="0" algn="l">
+              <a:spcBef>
+                <a:spcPts val="0"/>
+              </a:spcBef>
+              <a:spcAft>
+                <a:spcPts val="0"/>
+              </a:spcAft>
+              <a:buClr>
+                <a:schemeClr val="dk1"/>
+              </a:buClr>
+              <a:buSzPts val="1100"/>
+              <a:buFont typeface="Arial"/>
+              <a:buNone/>
+            </a:pPr>
+            <a:r>
+              <a:rPr lang="en"/>
+              <a:t>From the Bachelor-Prüfungsordnung Informatik (“writing about science”)</a:t>
+            </a:r>
+            <a:endParaRPr/>
+          </a:p>
+          <a:p>
+            <a:pPr indent="-342900" lvl="0" marL="457200" rtl="0" algn="l">
+              <a:spcBef>
+                <a:spcPts val="1200"/>
+              </a:spcBef>
+              <a:spcAft>
+                <a:spcPts val="0"/>
+              </a:spcAft>
+              <a:buSzPts val="1800"/>
+              <a:buChar char="●"/>
+            </a:pPr>
+            <a:r>
+              <a:rPr lang="en"/>
+              <a:t>“Die schriftliche Bachelorarbeit soll ein wissenschaftliches Thema aus dem Bereich der Informatik behandeln.” </a:t>
+            </a:r>
+            <a:endParaRPr/>
+          </a:p>
+          <a:p>
+            <a:pPr indent="0" lvl="0" marL="0" rtl="0" algn="l">
+              <a:spcBef>
+                <a:spcPts val="1200"/>
+              </a:spcBef>
+              <a:spcAft>
+                <a:spcPts val="0"/>
+              </a:spcAft>
+              <a:buClr>
+                <a:schemeClr val="dk1"/>
+              </a:buClr>
+              <a:buSzPts val="1100"/>
+              <a:buFont typeface="Arial"/>
+              <a:buNone/>
+            </a:pPr>
+            <a:r>
+              <a:rPr lang="en"/>
+              <a:t>From the Master-Prüfungsordnung Informatik (“applying results of science”)</a:t>
+            </a:r>
+            <a:endParaRPr/>
+          </a:p>
+          <a:p>
+            <a:pPr indent="-342900" lvl="0" marL="457200" rtl="0" algn="l">
+              <a:spcBef>
+                <a:spcPts val="1200"/>
+              </a:spcBef>
+              <a:spcAft>
+                <a:spcPts val="0"/>
+              </a:spcAft>
+              <a:buSzPts val="1800"/>
+              <a:buChar char="●"/>
+            </a:pPr>
+            <a:r>
+              <a:rPr lang="en"/>
+              <a:t>“Die Masterarbeit dient dazu, die selbständige Bearbeitung von wissenschaftlichen Aufgabenstellungen der Informatik nachzuweisen.”</a:t>
+            </a:r>
+            <a:endParaRPr/>
+          </a:p>
+          <a:p>
+            <a:pPr indent="0" lvl="0" marL="0" rtl="0" algn="l">
+              <a:spcBef>
+                <a:spcPts val="1200"/>
+              </a:spcBef>
+              <a:spcAft>
+                <a:spcPts val="0"/>
+              </a:spcAft>
+              <a:buClr>
+                <a:schemeClr val="dk1"/>
+              </a:buClr>
+              <a:buSzPts val="1100"/>
+              <a:buFont typeface="Arial"/>
+              <a:buNone/>
+            </a:pPr>
+            <a:r>
+              <a:rPr lang="en"/>
+              <a:t>From the Promotionsordnung Informatik (“creating scientific progress”)</a:t>
+            </a:r>
+            <a:endParaRPr/>
+          </a:p>
+          <a:p>
+            <a:pPr indent="-342900" lvl="0" marL="457200" rtl="0" algn="l">
+              <a:spcBef>
+                <a:spcPts val="1200"/>
+              </a:spcBef>
+              <a:spcAft>
+                <a:spcPts val="0"/>
+              </a:spcAft>
+              <a:buSzPts val="1800"/>
+              <a:buChar char="●"/>
+            </a:pPr>
+            <a:r>
+              <a:rPr lang="en"/>
+              <a:t>“Die Dissertation soll die Fähigkeit des Bewerbers belegen, ingenieurwissenschaftliche Probleme selbständig und mit Erfolg zu bearbeiten und Wege zu ihrer Lösung zu finden.</a:t>
+            </a:r>
+            <a:endParaRPr/>
+          </a:p>
+        </p:txBody>
+      </p:sp>
+      <p:sp>
+        <p:nvSpPr>
+          <p:cNvPr id="74" name="Google Shape;74;p13"/>
+          <p:cNvSpPr txBox="1"/>
+          <p:nvPr>
+            <p:ph idx="12" type="sldNum"/>
+          </p:nvPr>
+        </p:nvSpPr>
+        <p:spPr>
+          <a:xfrm>
+            <a:off x="7315209" y="4229101"/>
+            <a:ext cx="1828800" cy="914400"/>
+          </a:xfrm>
+          <a:prstGeom prst="rect">
+            <a:avLst/>
+          </a:prstGeom>
+        </p:spPr>
+        <p:txBody>
+          <a:bodyPr anchorCtr="0" anchor="b" bIns="91425" lIns="91425" spcFirstLastPara="1" rIns="91425" wrap="square" tIns="91425">
+            <a:noAutofit/>
+          </a:bodyPr>
+          <a:lstStyle/>
+          <a:p>
+            <a:pPr indent="0" lvl="0" marL="0" rtl="0" algn="r">
+              <a:spcBef>
+                <a:spcPts val="0"/>
+              </a:spcBef>
+              <a:spcAft>
+                <a:spcPts val="0"/>
+              </a:spcAft>
+              <a:buNone/>
+            </a:pPr>
+            <a:fld id="{00000000-1234-1234-1234-123412341234}" type="slidenum">
+              <a:rPr lang="en"/>
+              <a:t>‹#›</a:t>
+            </a:fld>
+            <a:endParaRPr/>
+          </a:p>
+          <a:p>
+            <a:pPr indent="0" lvl="0" marL="0" rtl="0" algn="r">
+              <a:spcBef>
+                <a:spcPts val="0"/>
+              </a:spcBef>
+              <a:spcAft>
+                <a:spcPts val="0"/>
+              </a:spcAft>
+              <a:buNone/>
+            </a:pPr>
+            <a:r>
+              <a:rPr b="0" lang="en" sz="1000" u="sng">
+                <a:solidFill>
+                  <a:schemeClr val="hlink"/>
+                </a:solidFill>
+                <a:hlinkClick r:id="rId3"/>
+              </a:rPr>
+              <a:t>uni1.de/nyt</a:t>
+            </a:r>
+            <a:r>
+              <a:rPr b="0" lang="en" sz="1000"/>
+              <a:t> </a:t>
+            </a:r>
+            <a:endParaRPr b="0" sz="1000"/>
+          </a:p>
+        </p:txBody>
+      </p:sp>
+    </p:spTree>
+  </p:cSld>
+  <p:clrMapOvr>
+    <a:masterClrMapping/>
+  </p:clrMapOvr>
+</p:sld>
+</file>
+
+<file path=ppt/slides/slide7.xml><?xml version="1.0" encoding="utf-8"?>
+<p:sld xmlns:a="http://schemas.openxmlformats.org/drawingml/2006/main" xmlns:r="http://schemas.openxmlformats.org/officeDocument/2006/relationships" xmlns:mc="http://schemas.openxmlformats.org/markup-compatibility/2006" xmlns:mv="urn:schemas-microsoft-com:mac:vml" xmlns:p="http://schemas.openxmlformats.org/presentationml/2006/main" xmlns:c="http://schemas.openxmlformats.org/drawingml/2006/chart" xmlns:dgm="http://schemas.openxmlformats.org/drawingml/2006/diagram" xmlns:o="urn:schemas-microsoft-com:office:office" xmlns:v="urn:schemas-microsoft-com:vml" xmlns:pvml="urn:schemas-microsoft-com:office:powerpoint" xmlns:com="http://schemas.openxmlformats.org/drawingml/2006/compatibility" xmlns:p14="http://schemas.microsoft.com/office/powerpoint/2010/main" xmlns:p15="http://schemas.microsoft.com/office/powerpoint/2012/main" xmlns:ahyp="http://schemas.microsoft.com/office/drawing/2018/hyperlinkcolor">
+  <p:cSld>
+    <p:spTree>
+      <p:nvGrpSpPr>
+        <p:cNvPr id="78" name="Shape 78"/>
+        <p:cNvGrpSpPr/>
+        <p:nvPr/>
+      </p:nvGrpSpPr>
+      <p:grpSpPr>
+        <a:xfrm>
+          <a:off x="0" y="0"/>
+          <a:ext cx="0" cy="0"/>
+          <a:chOff x="0" y="0"/>
+          <a:chExt cx="0" cy="0"/>
+        </a:xfrm>
+      </p:grpSpPr>
+      <p:sp>
+        <p:nvSpPr>
+          <p:cNvPr id="79" name="Google Shape;79;p14"/>
           <p:cNvSpPr txBox="1"/>
           <p:nvPr>
             <p:ph type="title"/>
@@ -13033,1012 +13945,7 @@
             </a:pPr>
             <a:r>
               <a:rPr lang="en"/>
-              <a:t>Definition of Science (Working Definition)</a:t>
-            </a:r>
-            <a:endParaRPr/>
-          </a:p>
-        </p:txBody>
-      </p:sp>
-      <p:sp>
-        <p:nvSpPr>
-          <p:cNvPr id="57" name="Google Shape;57;p11"/>
-          <p:cNvSpPr txBox="1"/>
-          <p:nvPr>
-            <p:ph idx="4294967295" type="body"/>
-          </p:nvPr>
-        </p:nvSpPr>
-        <p:spPr>
-          <a:xfrm>
-            <a:off x="918576" y="914400"/>
-            <a:ext cx="7315200" cy="3657600"/>
-          </a:xfrm>
-          <a:prstGeom prst="rect">
-            <a:avLst/>
-          </a:prstGeom>
-        </p:spPr>
-        <p:txBody>
-          <a:bodyPr anchorCtr="0" anchor="ctr" bIns="0" lIns="0" spcFirstLastPara="1" rIns="0" wrap="square" tIns="0">
-            <a:noAutofit/>
-          </a:bodyPr>
-          <a:lstStyle/>
-          <a:p>
-            <a:pPr indent="0" lvl="0" marL="0" rtl="0" algn="just">
-              <a:spcBef>
-                <a:spcPts val="0"/>
-              </a:spcBef>
-              <a:spcAft>
-                <a:spcPts val="1200"/>
-              </a:spcAft>
-              <a:buNone/>
-            </a:pPr>
-            <a:r>
-              <a:rPr b="1" lang="en" sz="3200">
-                <a:solidFill>
-                  <a:schemeClr val="accent5"/>
-                </a:solidFill>
-              </a:rPr>
-              <a:t>Science</a:t>
-            </a:r>
-            <a:r>
-              <a:rPr lang="en" sz="3200"/>
-              <a:t> is the </a:t>
-            </a:r>
-            <a:r>
-              <a:rPr b="1" lang="en" sz="3200"/>
-              <a:t>process of acquiring knowledge</a:t>
-            </a:r>
-            <a:r>
-              <a:rPr lang="en" sz="3200"/>
-              <a:t> for </a:t>
-            </a:r>
-            <a:r>
-              <a:rPr b="1" lang="en" sz="3200"/>
-              <a:t>correct prediction and reliable outcome.</a:t>
-            </a:r>
-            <a:r>
-              <a:rPr lang="en" sz="3200"/>
-              <a:t> [DR]</a:t>
-            </a:r>
-            <a:endParaRPr sz="3200"/>
-          </a:p>
-        </p:txBody>
-      </p:sp>
-      <p:sp>
-        <p:nvSpPr>
-          <p:cNvPr id="58" name="Google Shape;58;p11"/>
-          <p:cNvSpPr txBox="1"/>
-          <p:nvPr>
-            <p:ph idx="12" type="sldNum"/>
-          </p:nvPr>
-        </p:nvSpPr>
-        <p:spPr>
-          <a:xfrm>
-            <a:off x="7315202" y="4416550"/>
-            <a:ext cx="1828800" cy="731400"/>
-          </a:xfrm>
-          <a:prstGeom prst="rect">
-            <a:avLst/>
-          </a:prstGeom>
-        </p:spPr>
-        <p:txBody>
-          <a:bodyPr anchorCtr="0" anchor="b" bIns="91425" lIns="91425" spcFirstLastPara="1" rIns="91425" wrap="square" tIns="91425">
-            <a:noAutofit/>
-          </a:bodyPr>
-          <a:lstStyle/>
-          <a:p>
-            <a:pPr indent="0" lvl="0" marL="0" rtl="0" algn="r">
-              <a:spcBef>
-                <a:spcPts val="0"/>
-              </a:spcBef>
-              <a:spcAft>
-                <a:spcPts val="0"/>
-              </a:spcAft>
-              <a:buNone/>
-            </a:pPr>
-            <a:fld id="{00000000-1234-1234-1234-123412341234}" type="slidenum">
-              <a:rPr lang="en"/>
-              <a:t>‹#›</a:t>
-            </a:fld>
-            <a:endParaRPr/>
-          </a:p>
-          <a:p>
-            <a:pPr indent="0" lvl="0" marL="0" rtl="0" algn="r">
-              <a:spcBef>
-                <a:spcPts val="0"/>
-              </a:spcBef>
-              <a:spcAft>
-                <a:spcPts val="0"/>
-              </a:spcAft>
-              <a:buNone/>
-            </a:pPr>
-            <a:r>
-              <a:rPr b="0" lang="en" sz="900" u="sng">
-                <a:solidFill>
-                  <a:schemeClr val="hlink"/>
-                </a:solidFill>
-                <a:hlinkClick r:id="rId3"/>
-              </a:rPr>
-              <a:t>https://profriehle.com</a:t>
-            </a:r>
-            <a:r>
-              <a:rPr b="0" lang="en" sz="900">
-                <a:solidFill>
-                  <a:schemeClr val="dk2"/>
-                </a:solidFill>
-              </a:rPr>
-              <a:t> </a:t>
-            </a:r>
-            <a:endParaRPr>
-              <a:solidFill>
-                <a:schemeClr val="dk2"/>
-              </a:solidFill>
-            </a:endParaRPr>
-          </a:p>
-        </p:txBody>
-      </p:sp>
-    </p:spTree>
-  </p:cSld>
-  <p:clrMapOvr>
-    <a:masterClrMapping/>
-  </p:clrMapOvr>
-</p:sld>
-</file>
-
-<file path=ppt/slides/slide5.xml><?xml version="1.0" encoding="utf-8"?>
-<p:sld xmlns:a="http://schemas.openxmlformats.org/drawingml/2006/main" xmlns:r="http://schemas.openxmlformats.org/officeDocument/2006/relationships" xmlns:mc="http://schemas.openxmlformats.org/markup-compatibility/2006" xmlns:mv="urn:schemas-microsoft-com:mac:vml" xmlns:p="http://schemas.openxmlformats.org/presentationml/2006/main" xmlns:c="http://schemas.openxmlformats.org/drawingml/2006/chart" xmlns:dgm="http://schemas.openxmlformats.org/drawingml/2006/diagram" xmlns:o="urn:schemas-microsoft-com:office:office" xmlns:v="urn:schemas-microsoft-com:vml" xmlns:pvml="urn:schemas-microsoft-com:office:powerpoint" xmlns:com="http://schemas.openxmlformats.org/drawingml/2006/compatibility" xmlns:p14="http://schemas.microsoft.com/office/powerpoint/2010/main" xmlns:p15="http://schemas.microsoft.com/office/powerpoint/2012/main" xmlns:ahyp="http://schemas.microsoft.com/office/drawing/2018/hyperlinkcolor">
-  <p:cSld>
-    <p:spTree>
-      <p:nvGrpSpPr>
-        <p:cNvPr id="62" name="Shape 62"/>
-        <p:cNvGrpSpPr/>
-        <p:nvPr/>
-      </p:nvGrpSpPr>
-      <p:grpSpPr>
-        <a:xfrm>
-          <a:off x="0" y="0"/>
-          <a:ext cx="0" cy="0"/>
-          <a:chOff x="0" y="0"/>
-          <a:chExt cx="0" cy="0"/>
-        </a:xfrm>
-      </p:grpSpPr>
-      <p:sp>
-        <p:nvSpPr>
-          <p:cNvPr id="63" name="Google Shape;63;p12"/>
-          <p:cNvSpPr txBox="1"/>
-          <p:nvPr>
-            <p:ph type="title"/>
-          </p:nvPr>
-        </p:nvSpPr>
-        <p:spPr>
-          <a:xfrm>
-            <a:off x="0" y="0"/>
-            <a:ext cx="9144000" cy="685800"/>
-          </a:xfrm>
-          <a:prstGeom prst="rect">
-            <a:avLst/>
-          </a:prstGeom>
-        </p:spPr>
-        <p:txBody>
-          <a:bodyPr anchorCtr="0" anchor="ctr" bIns="0" lIns="274300" spcFirstLastPara="1" rIns="0" wrap="square" tIns="0">
-            <a:noAutofit/>
-          </a:bodyPr>
-          <a:lstStyle/>
-          <a:p>
-            <a:pPr indent="0" lvl="0" marL="0" rtl="0" algn="l">
-              <a:spcBef>
-                <a:spcPts val="0"/>
-              </a:spcBef>
-              <a:spcAft>
-                <a:spcPts val="0"/>
-              </a:spcAft>
-              <a:buNone/>
-            </a:pPr>
-            <a:r>
-              <a:rPr lang="en"/>
-              <a:t>Course Content and Structure</a:t>
-            </a:r>
-            <a:endParaRPr/>
-          </a:p>
-        </p:txBody>
-      </p:sp>
-      <p:sp>
-        <p:nvSpPr>
-          <p:cNvPr id="64" name="Google Shape;64;p12"/>
-          <p:cNvSpPr txBox="1"/>
-          <p:nvPr>
-            <p:ph idx="12" type="sldNum"/>
-          </p:nvPr>
-        </p:nvSpPr>
-        <p:spPr>
-          <a:xfrm>
-            <a:off x="7315202" y="4416550"/>
-            <a:ext cx="1828800" cy="731400"/>
-          </a:xfrm>
-          <a:prstGeom prst="rect">
-            <a:avLst/>
-          </a:prstGeom>
-        </p:spPr>
-        <p:txBody>
-          <a:bodyPr anchorCtr="0" anchor="b" bIns="91425" lIns="91425" spcFirstLastPara="1" rIns="91425" wrap="square" tIns="91425">
-            <a:noAutofit/>
-          </a:bodyPr>
-          <a:lstStyle/>
-          <a:p>
-            <a:pPr indent="0" lvl="0" marL="0" rtl="0" algn="r">
-              <a:spcBef>
-                <a:spcPts val="0"/>
-              </a:spcBef>
-              <a:spcAft>
-                <a:spcPts val="0"/>
-              </a:spcAft>
-              <a:buNone/>
-            </a:pPr>
-            <a:fld id="{00000000-1234-1234-1234-123412341234}" type="slidenum">
-              <a:rPr lang="en"/>
-              <a:t>‹#›</a:t>
-            </a:fld>
-            <a:endParaRPr/>
-          </a:p>
-          <a:p>
-            <a:pPr indent="0" lvl="0" marL="0" rtl="0" algn="r">
-              <a:spcBef>
-                <a:spcPts val="0"/>
-              </a:spcBef>
-              <a:spcAft>
-                <a:spcPts val="0"/>
-              </a:spcAft>
-              <a:buNone/>
-            </a:pPr>
-            <a:r>
-              <a:rPr b="0" lang="en" sz="900" u="sng">
-                <a:solidFill>
-                  <a:schemeClr val="hlink"/>
-                </a:solidFill>
-                <a:hlinkClick r:id="rId3"/>
-              </a:rPr>
-              <a:t>https://profriehle.com</a:t>
-            </a:r>
-            <a:r>
-              <a:rPr b="0" lang="en" sz="900">
-                <a:solidFill>
-                  <a:schemeClr val="dk2"/>
-                </a:solidFill>
-              </a:rPr>
-              <a:t> </a:t>
-            </a:r>
-            <a:endParaRPr>
-              <a:solidFill>
-                <a:schemeClr val="dk2"/>
-              </a:solidFill>
-            </a:endParaRPr>
-          </a:p>
-        </p:txBody>
-      </p:sp>
-      <p:sp>
-        <p:nvSpPr>
-          <p:cNvPr id="65" name="Google Shape;65;p12"/>
-          <p:cNvSpPr txBox="1"/>
-          <p:nvPr>
-            <p:ph idx="1" type="body"/>
-          </p:nvPr>
-        </p:nvSpPr>
-        <p:spPr>
-          <a:xfrm>
-            <a:off x="274320" y="914400"/>
-            <a:ext cx="4114800" cy="4114800"/>
-          </a:xfrm>
-          <a:prstGeom prst="rect">
-            <a:avLst/>
-          </a:prstGeom>
-        </p:spPr>
-        <p:txBody>
-          <a:bodyPr anchorCtr="0" anchor="t" bIns="91425" lIns="0" spcFirstLastPara="1" rIns="91425" wrap="square" tIns="0">
-            <a:noAutofit/>
-          </a:bodyPr>
-          <a:lstStyle/>
-          <a:p>
-            <a:pPr indent="0" lvl="0" marL="0" rtl="0" algn="l">
-              <a:spcBef>
-                <a:spcPts val="0"/>
-              </a:spcBef>
-              <a:spcAft>
-                <a:spcPts val="0"/>
-              </a:spcAft>
-              <a:buNone/>
-            </a:pPr>
-            <a:r>
-              <a:rPr b="1" lang="en"/>
-              <a:t>Overview</a:t>
-            </a:r>
-            <a:endParaRPr b="1"/>
-          </a:p>
-          <a:p>
-            <a:pPr indent="-342900" lvl="0" marL="457200" rtl="0" algn="l">
-              <a:spcBef>
-                <a:spcPts val="1200"/>
-              </a:spcBef>
-              <a:spcAft>
-                <a:spcPts val="0"/>
-              </a:spcAft>
-              <a:buSzPts val="1800"/>
-              <a:buAutoNum type="arabicPeriod"/>
-            </a:pPr>
-            <a:r>
-              <a:rPr lang="en"/>
-              <a:t>What is science?</a:t>
-            </a:r>
-            <a:endParaRPr/>
-          </a:p>
-          <a:p>
-            <a:pPr indent="-342900" lvl="0" marL="457200" rtl="0" algn="l">
-              <a:spcBef>
-                <a:spcPts val="0"/>
-              </a:spcBef>
-              <a:spcAft>
-                <a:spcPts val="0"/>
-              </a:spcAft>
-              <a:buSzPts val="1800"/>
-              <a:buAutoNum type="arabicPeriod"/>
-            </a:pPr>
-            <a:r>
-              <a:rPr lang="en"/>
-              <a:t>Scientific research</a:t>
-            </a:r>
-            <a:endParaRPr/>
-          </a:p>
-          <a:p>
-            <a:pPr indent="0" lvl="0" marL="0" rtl="0" algn="l">
-              <a:spcBef>
-                <a:spcPts val="1200"/>
-              </a:spcBef>
-              <a:spcAft>
-                <a:spcPts val="0"/>
-              </a:spcAft>
-              <a:buNone/>
-            </a:pPr>
-            <a:r>
-              <a:rPr b="1" lang="en"/>
-              <a:t>Theory building</a:t>
-            </a:r>
-            <a:endParaRPr b="1"/>
-          </a:p>
-          <a:p>
-            <a:pPr indent="-342900" lvl="0" marL="457200" rtl="0" algn="l">
-              <a:spcBef>
-                <a:spcPts val="1200"/>
-              </a:spcBef>
-              <a:spcAft>
-                <a:spcPts val="0"/>
-              </a:spcAft>
-              <a:buSzPts val="1800"/>
-              <a:buAutoNum type="arabicPeriod" startAt="3"/>
-            </a:pPr>
-            <a:r>
-              <a:rPr lang="en"/>
-              <a:t>Qualitative data analysis</a:t>
-            </a:r>
-            <a:endParaRPr/>
-          </a:p>
-          <a:p>
-            <a:pPr indent="-342900" lvl="0" marL="457200" rtl="0" algn="l">
-              <a:spcBef>
-                <a:spcPts val="0"/>
-              </a:spcBef>
-              <a:spcAft>
-                <a:spcPts val="0"/>
-              </a:spcAft>
-              <a:buSzPts val="1800"/>
-              <a:buAutoNum type="arabicPeriod" startAt="3"/>
-            </a:pPr>
-            <a:r>
-              <a:rPr lang="en"/>
-              <a:t>Systematic reviews</a:t>
-            </a:r>
-            <a:endParaRPr/>
-          </a:p>
-          <a:p>
-            <a:pPr indent="-342900" lvl="0" marL="457200" rtl="0" algn="l">
-              <a:spcBef>
-                <a:spcPts val="0"/>
-              </a:spcBef>
-              <a:spcAft>
-                <a:spcPts val="0"/>
-              </a:spcAft>
-              <a:buSzPts val="1800"/>
-              <a:buAutoNum type="arabicPeriod" startAt="3"/>
-            </a:pPr>
-            <a:r>
-              <a:rPr lang="en"/>
-              <a:t>Qualitative surveys</a:t>
-            </a:r>
-            <a:endParaRPr/>
-          </a:p>
-          <a:p>
-            <a:pPr indent="-342900" lvl="0" marL="457200" rtl="0" algn="l">
-              <a:spcBef>
-                <a:spcPts val="0"/>
-              </a:spcBef>
-              <a:spcAft>
-                <a:spcPts val="0"/>
-              </a:spcAft>
-              <a:buSzPts val="1800"/>
-              <a:buAutoNum type="arabicPeriod" startAt="3"/>
-            </a:pPr>
-            <a:r>
-              <a:rPr lang="en"/>
-              <a:t>Action research</a:t>
-            </a:r>
-            <a:endParaRPr/>
-          </a:p>
-          <a:p>
-            <a:pPr indent="-342900" lvl="0" marL="457200" rtl="0" algn="l">
-              <a:spcBef>
-                <a:spcPts val="0"/>
-              </a:spcBef>
-              <a:spcAft>
-                <a:spcPts val="0"/>
-              </a:spcAft>
-              <a:buSzPts val="1800"/>
-              <a:buAutoNum type="arabicPeriod" startAt="3"/>
-            </a:pPr>
-            <a:r>
-              <a:rPr lang="en"/>
-              <a:t>Case study research</a:t>
-            </a:r>
-            <a:endParaRPr/>
-          </a:p>
-        </p:txBody>
-      </p:sp>
-      <p:sp>
-        <p:nvSpPr>
-          <p:cNvPr id="66" name="Google Shape;66;p12"/>
-          <p:cNvSpPr txBox="1"/>
-          <p:nvPr>
-            <p:ph idx="2" type="body"/>
-          </p:nvPr>
-        </p:nvSpPr>
-        <p:spPr>
-          <a:xfrm>
-            <a:off x="4846320" y="914400"/>
-            <a:ext cx="4114800" cy="4114800"/>
-          </a:xfrm>
-          <a:prstGeom prst="rect">
-            <a:avLst/>
-          </a:prstGeom>
-        </p:spPr>
-        <p:txBody>
-          <a:bodyPr anchorCtr="0" anchor="t" bIns="0" lIns="0" spcFirstLastPara="1" rIns="0" wrap="square" tIns="0">
-            <a:noAutofit/>
-          </a:bodyPr>
-          <a:lstStyle/>
-          <a:p>
-            <a:pPr indent="0" lvl="0" marL="0" rtl="0" algn="l">
-              <a:spcBef>
-                <a:spcPts val="0"/>
-              </a:spcBef>
-              <a:spcAft>
-                <a:spcPts val="0"/>
-              </a:spcAft>
-              <a:buNone/>
-            </a:pPr>
-            <a:r>
-              <a:rPr b="1" lang="en"/>
-              <a:t>Theory validation</a:t>
-            </a:r>
-            <a:endParaRPr b="1"/>
-          </a:p>
-          <a:p>
-            <a:pPr indent="-342900" lvl="0" marL="457200" rtl="0" algn="l">
-              <a:spcBef>
-                <a:spcPts val="1200"/>
-              </a:spcBef>
-              <a:spcAft>
-                <a:spcPts val="0"/>
-              </a:spcAft>
-              <a:buSzPts val="1800"/>
-              <a:buAutoNum type="arabicPeriod" startAt="8"/>
-            </a:pPr>
-            <a:r>
-              <a:rPr lang="en"/>
-              <a:t>Survey research</a:t>
-            </a:r>
-            <a:endParaRPr/>
-          </a:p>
-          <a:p>
-            <a:pPr indent="-342900" lvl="0" marL="457200" rtl="0" algn="l">
-              <a:spcBef>
-                <a:spcPts val="0"/>
-              </a:spcBef>
-              <a:spcAft>
-                <a:spcPts val="0"/>
-              </a:spcAft>
-              <a:buSzPts val="1800"/>
-              <a:buAutoNum type="arabicPeriod" startAt="8"/>
-            </a:pPr>
-            <a:r>
-              <a:rPr lang="en"/>
-              <a:t>Controlled experiments</a:t>
-            </a:r>
-            <a:endParaRPr/>
-          </a:p>
-          <a:p>
-            <a:pPr indent="0" lvl="0" marL="0" rtl="0" algn="l">
-              <a:spcBef>
-                <a:spcPts val="1200"/>
-              </a:spcBef>
-              <a:spcAft>
-                <a:spcPts val="0"/>
-              </a:spcAft>
-              <a:buNone/>
-            </a:pPr>
-            <a:r>
-              <a:rPr b="1" lang="en"/>
-              <a:t>Comprehensive</a:t>
-            </a:r>
-            <a:endParaRPr b="1"/>
-          </a:p>
-          <a:p>
-            <a:pPr indent="-342900" lvl="0" marL="457200" rtl="0" algn="l">
-              <a:spcBef>
-                <a:spcPts val="1200"/>
-              </a:spcBef>
-              <a:spcAft>
-                <a:spcPts val="0"/>
-              </a:spcAft>
-              <a:buSzPts val="1800"/>
-              <a:buAutoNum type="arabicPeriod" startAt="10"/>
-            </a:pPr>
-            <a:r>
-              <a:rPr lang="en"/>
-              <a:t>Design science</a:t>
-            </a:r>
-            <a:endParaRPr/>
-          </a:p>
-          <a:p>
-            <a:pPr indent="0" lvl="0" marL="0" rtl="0" algn="l">
-              <a:spcBef>
-                <a:spcPts val="1200"/>
-              </a:spcBef>
-              <a:spcAft>
-                <a:spcPts val="0"/>
-              </a:spcAft>
-              <a:buNone/>
-            </a:pPr>
-            <a:r>
-              <a:rPr b="1" lang="en"/>
-              <a:t>Academia</a:t>
-            </a:r>
-            <a:endParaRPr b="1"/>
-          </a:p>
-          <a:p>
-            <a:pPr indent="-342900" lvl="0" marL="457200" rtl="0" algn="l">
-              <a:spcBef>
-                <a:spcPts val="1200"/>
-              </a:spcBef>
-              <a:spcAft>
-                <a:spcPts val="0"/>
-              </a:spcAft>
-              <a:buSzPts val="1800"/>
-              <a:buAutoNum type="arabicPeriod" startAt="11"/>
-            </a:pPr>
-            <a:r>
-              <a:rPr lang="en"/>
-              <a:t>Academic writing</a:t>
-            </a:r>
-            <a:endParaRPr/>
-          </a:p>
-          <a:p>
-            <a:pPr indent="-342900" lvl="0" marL="457200" rtl="0" algn="l">
-              <a:spcBef>
-                <a:spcPts val="0"/>
-              </a:spcBef>
-              <a:spcAft>
-                <a:spcPts val="0"/>
-              </a:spcAft>
-              <a:buSzPts val="1800"/>
-              <a:buAutoNum type="arabicPeriod" startAt="11"/>
-            </a:pPr>
-            <a:r>
-              <a:rPr lang="en"/>
-              <a:t>Academic publishing</a:t>
-            </a:r>
-            <a:endParaRPr/>
-          </a:p>
-        </p:txBody>
-      </p:sp>
-    </p:spTree>
-  </p:cSld>
-  <p:clrMapOvr>
-    <a:masterClrMapping/>
-  </p:clrMapOvr>
-</p:sld>
-</file>
-
-<file path=ppt/slides/slide6.xml><?xml version="1.0" encoding="utf-8"?>
-<p:sld xmlns:a="http://schemas.openxmlformats.org/drawingml/2006/main" xmlns:r="http://schemas.openxmlformats.org/officeDocument/2006/relationships" xmlns:mc="http://schemas.openxmlformats.org/markup-compatibility/2006" xmlns:mv="urn:schemas-microsoft-com:mac:vml" xmlns:p="http://schemas.openxmlformats.org/presentationml/2006/main" xmlns:c="http://schemas.openxmlformats.org/drawingml/2006/chart" xmlns:dgm="http://schemas.openxmlformats.org/drawingml/2006/diagram" xmlns:o="urn:schemas-microsoft-com:office:office" xmlns:v="urn:schemas-microsoft-com:vml" xmlns:pvml="urn:schemas-microsoft-com:office:powerpoint" xmlns:com="http://schemas.openxmlformats.org/drawingml/2006/compatibility" xmlns:p14="http://schemas.microsoft.com/office/powerpoint/2010/main" xmlns:p15="http://schemas.microsoft.com/office/powerpoint/2012/main" xmlns:ahyp="http://schemas.microsoft.com/office/drawing/2018/hyperlinkcolor">
-  <p:cSld>
-    <p:spTree>
-      <p:nvGrpSpPr>
-        <p:cNvPr id="70" name="Shape 70"/>
-        <p:cNvGrpSpPr/>
-        <p:nvPr/>
-      </p:nvGrpSpPr>
-      <p:grpSpPr>
-        <a:xfrm>
-          <a:off x="0" y="0"/>
-          <a:ext cx="0" cy="0"/>
-          <a:chOff x="0" y="0"/>
-          <a:chExt cx="0" cy="0"/>
-        </a:xfrm>
-      </p:grpSpPr>
-      <p:sp>
-        <p:nvSpPr>
-          <p:cNvPr id="71" name="Google Shape;71;p13"/>
-          <p:cNvSpPr txBox="1"/>
-          <p:nvPr>
-            <p:ph type="title"/>
-          </p:nvPr>
-        </p:nvSpPr>
-        <p:spPr>
-          <a:xfrm>
-            <a:off x="0" y="0"/>
-            <a:ext cx="9144000" cy="685800"/>
-          </a:xfrm>
-          <a:prstGeom prst="rect">
-            <a:avLst/>
-          </a:prstGeom>
-        </p:spPr>
-        <p:txBody>
-          <a:bodyPr anchorCtr="0" anchor="ctr" bIns="91425" lIns="274300" spcFirstLastPara="1" rIns="91425" wrap="square" tIns="91425">
-            <a:noAutofit/>
-          </a:bodyPr>
-          <a:lstStyle/>
-          <a:p>
-            <a:pPr indent="0" lvl="0" marL="0" rtl="0" algn="l">
-              <a:spcBef>
-                <a:spcPts val="0"/>
-              </a:spcBef>
-              <a:spcAft>
-                <a:spcPts val="0"/>
-              </a:spcAft>
-              <a:buNone/>
-            </a:pPr>
-            <a:r>
-              <a:rPr lang="en"/>
-              <a:t>Skills Required for Course</a:t>
-            </a:r>
-            <a:endParaRPr/>
-          </a:p>
-        </p:txBody>
-      </p:sp>
-      <p:sp>
-        <p:nvSpPr>
-          <p:cNvPr id="72" name="Google Shape;72;p13"/>
-          <p:cNvSpPr txBox="1"/>
-          <p:nvPr>
-            <p:ph idx="1" type="body"/>
-          </p:nvPr>
-        </p:nvSpPr>
-        <p:spPr>
-          <a:xfrm>
-            <a:off x="274320" y="914400"/>
-            <a:ext cx="8595300" cy="4114800"/>
-          </a:xfrm>
-          <a:prstGeom prst="rect">
-            <a:avLst/>
-          </a:prstGeom>
-        </p:spPr>
-        <p:txBody>
-          <a:bodyPr anchorCtr="0" anchor="t" bIns="0" lIns="0" spcFirstLastPara="1" rIns="0" wrap="square" tIns="0">
-            <a:noAutofit/>
-          </a:bodyPr>
-          <a:lstStyle/>
-          <a:p>
-            <a:pPr indent="0" lvl="0" marL="0" rtl="0" algn="l">
-              <a:spcBef>
-                <a:spcPts val="0"/>
-              </a:spcBef>
-              <a:spcAft>
-                <a:spcPts val="0"/>
-              </a:spcAft>
-              <a:buNone/>
-            </a:pPr>
-            <a:r>
-              <a:rPr lang="en"/>
-              <a:t>No particular requirements, but …</a:t>
-            </a:r>
-            <a:endParaRPr/>
-          </a:p>
-          <a:p>
-            <a:pPr indent="-342900" lvl="0" marL="457200" rtl="0" algn="l">
-              <a:spcBef>
-                <a:spcPts val="1200"/>
-              </a:spcBef>
-              <a:spcAft>
-                <a:spcPts val="0"/>
-              </a:spcAft>
-              <a:buSzPts val="1800"/>
-              <a:buChar char="●"/>
-            </a:pPr>
-            <a:r>
-              <a:rPr lang="en"/>
-              <a:t>Strong conceptual and analytical thinking</a:t>
-            </a:r>
-            <a:endParaRPr/>
-          </a:p>
-        </p:txBody>
-      </p:sp>
-      <p:sp>
-        <p:nvSpPr>
-          <p:cNvPr id="73" name="Google Shape;73;p13"/>
-          <p:cNvSpPr txBox="1"/>
-          <p:nvPr>
-            <p:ph idx="12" type="sldNum"/>
-          </p:nvPr>
-        </p:nvSpPr>
-        <p:spPr>
-          <a:xfrm>
-            <a:off x="7315202" y="4416550"/>
-            <a:ext cx="1828800" cy="731400"/>
-          </a:xfrm>
-          <a:prstGeom prst="rect">
-            <a:avLst/>
-          </a:prstGeom>
-        </p:spPr>
-        <p:txBody>
-          <a:bodyPr anchorCtr="0" anchor="b" bIns="91425" lIns="91425" spcFirstLastPara="1" rIns="91425" wrap="square" tIns="91425">
-            <a:noAutofit/>
-          </a:bodyPr>
-          <a:lstStyle/>
-          <a:p>
-            <a:pPr indent="0" lvl="0" marL="0" rtl="0" algn="r">
-              <a:spcBef>
-                <a:spcPts val="0"/>
-              </a:spcBef>
-              <a:spcAft>
-                <a:spcPts val="0"/>
-              </a:spcAft>
-              <a:buNone/>
-            </a:pPr>
-            <a:fld id="{00000000-1234-1234-1234-123412341234}" type="slidenum">
-              <a:rPr lang="en"/>
-              <a:t>‹#›</a:t>
-            </a:fld>
-            <a:endParaRPr/>
-          </a:p>
-          <a:p>
-            <a:pPr indent="0" lvl="0" marL="0" rtl="0" algn="r">
-              <a:spcBef>
-                <a:spcPts val="0"/>
-              </a:spcBef>
-              <a:spcAft>
-                <a:spcPts val="0"/>
-              </a:spcAft>
-              <a:buNone/>
-            </a:pPr>
-            <a:r>
-              <a:rPr b="0" lang="en" sz="900" u="sng">
-                <a:solidFill>
-                  <a:schemeClr val="hlink"/>
-                </a:solidFill>
-                <a:hlinkClick r:id="rId3"/>
-              </a:rPr>
-              <a:t>https://profriehle.com</a:t>
-            </a:r>
-            <a:r>
-              <a:rPr b="0" lang="en" sz="900">
-                <a:solidFill>
-                  <a:schemeClr val="dk2"/>
-                </a:solidFill>
-              </a:rPr>
-              <a:t> </a:t>
-            </a:r>
-            <a:endParaRPr b="0" sz="900">
-              <a:solidFill>
-                <a:schemeClr val="dk2"/>
-              </a:solidFill>
-            </a:endParaRPr>
-          </a:p>
-        </p:txBody>
-      </p:sp>
-    </p:spTree>
-  </p:cSld>
-  <p:clrMapOvr>
-    <a:masterClrMapping/>
-  </p:clrMapOvr>
-</p:sld>
-</file>
-
-<file path=ppt/slides/slide7.xml><?xml version="1.0" encoding="utf-8"?>
-<p:sld xmlns:a="http://schemas.openxmlformats.org/drawingml/2006/main" xmlns:r="http://schemas.openxmlformats.org/officeDocument/2006/relationships" xmlns:mc="http://schemas.openxmlformats.org/markup-compatibility/2006" xmlns:mv="urn:schemas-microsoft-com:mac:vml" xmlns:p="http://schemas.openxmlformats.org/presentationml/2006/main" xmlns:c="http://schemas.openxmlformats.org/drawingml/2006/chart" xmlns:dgm="http://schemas.openxmlformats.org/drawingml/2006/diagram" xmlns:o="urn:schemas-microsoft-com:office:office" xmlns:v="urn:schemas-microsoft-com:vml" xmlns:pvml="urn:schemas-microsoft-com:office:powerpoint" xmlns:com="http://schemas.openxmlformats.org/drawingml/2006/compatibility" xmlns:p14="http://schemas.microsoft.com/office/powerpoint/2010/main" xmlns:p15="http://schemas.microsoft.com/office/powerpoint/2012/main" xmlns:ahyp="http://schemas.microsoft.com/office/drawing/2018/hyperlinkcolor">
-  <p:cSld>
-    <p:spTree>
-      <p:nvGrpSpPr>
-        <p:cNvPr id="77" name="Shape 77"/>
-        <p:cNvGrpSpPr/>
-        <p:nvPr/>
-      </p:nvGrpSpPr>
-      <p:grpSpPr>
-        <a:xfrm>
-          <a:off x="0" y="0"/>
-          <a:ext cx="0" cy="0"/>
-          <a:chOff x="0" y="0"/>
-          <a:chExt cx="0" cy="0"/>
-        </a:xfrm>
-      </p:grpSpPr>
-      <p:sp>
-        <p:nvSpPr>
-          <p:cNvPr id="78" name="Google Shape;78;p14"/>
-          <p:cNvSpPr txBox="1"/>
-          <p:nvPr>
-            <p:ph type="title"/>
-          </p:nvPr>
-        </p:nvSpPr>
-        <p:spPr>
-          <a:xfrm>
-            <a:off x="0" y="0"/>
-            <a:ext cx="9144000" cy="685800"/>
-          </a:xfrm>
-          <a:prstGeom prst="rect">
-            <a:avLst/>
-          </a:prstGeom>
-        </p:spPr>
-        <p:txBody>
-          <a:bodyPr anchorCtr="0" anchor="ctr" bIns="91425" lIns="274300" spcFirstLastPara="1" rIns="91425" wrap="square" tIns="91425">
-            <a:noAutofit/>
-          </a:bodyPr>
-          <a:lstStyle/>
-          <a:p>
-            <a:pPr indent="0" lvl="0" marL="0" rtl="0" algn="l">
-              <a:spcBef>
-                <a:spcPts val="0"/>
-              </a:spcBef>
-              <a:spcAft>
-                <a:spcPts val="0"/>
-              </a:spcAft>
-              <a:buNone/>
-            </a:pPr>
-            <a:r>
-              <a:rPr lang="en"/>
-              <a:t>Requirements for Final Theses</a:t>
-            </a:r>
-            <a:endParaRPr/>
-          </a:p>
-        </p:txBody>
-      </p:sp>
-      <p:sp>
-        <p:nvSpPr>
-          <p:cNvPr id="79" name="Google Shape;79;p14"/>
-          <p:cNvSpPr txBox="1"/>
-          <p:nvPr>
-            <p:ph idx="1" type="body"/>
-          </p:nvPr>
-        </p:nvSpPr>
-        <p:spPr>
-          <a:xfrm>
-            <a:off x="274320" y="914400"/>
-            <a:ext cx="8595300" cy="4114800"/>
-          </a:xfrm>
-          <a:prstGeom prst="rect">
-            <a:avLst/>
-          </a:prstGeom>
-        </p:spPr>
-        <p:txBody>
-          <a:bodyPr anchorCtr="0" anchor="t" bIns="0" lIns="0" spcFirstLastPara="1" rIns="0" wrap="square" tIns="0">
-            <a:noAutofit/>
-          </a:bodyPr>
-          <a:lstStyle/>
-          <a:p>
-            <a:pPr indent="0" lvl="0" marL="0" rtl="0" algn="l">
-              <a:spcBef>
-                <a:spcPts val="0"/>
-              </a:spcBef>
-              <a:spcAft>
-                <a:spcPts val="0"/>
-              </a:spcAft>
-              <a:buClr>
-                <a:schemeClr val="dk1"/>
-              </a:buClr>
-              <a:buSzPts val="1100"/>
-              <a:buFont typeface="Arial"/>
-              <a:buNone/>
-            </a:pPr>
-            <a:r>
-              <a:rPr lang="en"/>
-              <a:t>From the Bachelor-Prüfungsordnung Informatik (“writing about science”)</a:t>
-            </a:r>
-            <a:endParaRPr/>
-          </a:p>
-          <a:p>
-            <a:pPr indent="-342900" lvl="0" marL="457200" rtl="0" algn="l">
-              <a:spcBef>
-                <a:spcPts val="1200"/>
-              </a:spcBef>
-              <a:spcAft>
-                <a:spcPts val="0"/>
-              </a:spcAft>
-              <a:buSzPts val="1800"/>
-              <a:buChar char="●"/>
-            </a:pPr>
-            <a:r>
-              <a:rPr lang="en"/>
-              <a:t>“Die schriftliche Bachelorarbeit soll ein wissenschaftliches Thema aus dem Bereich der Informatik behandeln.” </a:t>
-            </a:r>
-            <a:endParaRPr/>
-          </a:p>
-          <a:p>
-            <a:pPr indent="0" lvl="0" marL="0" rtl="0" algn="l">
-              <a:spcBef>
-                <a:spcPts val="1200"/>
-              </a:spcBef>
-              <a:spcAft>
-                <a:spcPts val="0"/>
-              </a:spcAft>
-              <a:buClr>
-                <a:schemeClr val="dk1"/>
-              </a:buClr>
-              <a:buSzPts val="1100"/>
-              <a:buFont typeface="Arial"/>
-              <a:buNone/>
-            </a:pPr>
-            <a:r>
-              <a:rPr lang="en"/>
-              <a:t>From the Master-Prüfungsordnung Informatik (“applying results of science”)</a:t>
-            </a:r>
-            <a:endParaRPr/>
-          </a:p>
-          <a:p>
-            <a:pPr indent="-342900" lvl="0" marL="457200" rtl="0" algn="l">
-              <a:spcBef>
-                <a:spcPts val="1200"/>
-              </a:spcBef>
-              <a:spcAft>
-                <a:spcPts val="0"/>
-              </a:spcAft>
-              <a:buSzPts val="1800"/>
-              <a:buChar char="●"/>
-            </a:pPr>
-            <a:r>
-              <a:rPr lang="en"/>
-              <a:t>“Die Masterarbeit dient dazu, die selbständige Bearbeitung von wissenschaftlichen Aufgabenstellungen der Informatik nachzuweisen.”</a:t>
-            </a:r>
-            <a:endParaRPr/>
-          </a:p>
-          <a:p>
-            <a:pPr indent="0" lvl="0" marL="0" rtl="0" algn="l">
-              <a:spcBef>
-                <a:spcPts val="1200"/>
-              </a:spcBef>
-              <a:spcAft>
-                <a:spcPts val="0"/>
-              </a:spcAft>
-              <a:buClr>
-                <a:schemeClr val="dk1"/>
-              </a:buClr>
-              <a:buSzPts val="1100"/>
-              <a:buFont typeface="Arial"/>
-              <a:buNone/>
-            </a:pPr>
-            <a:r>
-              <a:rPr lang="en"/>
-              <a:t>From the Promotionsordnung Informatik (“creating scientific progress”)</a:t>
-            </a:r>
-            <a:endParaRPr/>
-          </a:p>
-          <a:p>
-            <a:pPr indent="-342900" lvl="0" marL="457200" rtl="0" algn="l">
-              <a:spcBef>
-                <a:spcPts val="1200"/>
-              </a:spcBef>
-              <a:spcAft>
-                <a:spcPts val="0"/>
-              </a:spcAft>
-              <a:buSzPts val="1800"/>
-              <a:buChar char="●"/>
-            </a:pPr>
-            <a:r>
-              <a:rPr lang="en"/>
-              <a:t>“Die Dissertation soll die Fähigkeit des Bewerbers belegen, ingenieurwissenschaftliche Probleme selbständig und mit Erfolg zu bearbeiten und Wege zu ihrer Lösung zu finden.</a:t>
+              <a:t>Course Position in Curriculum</a:t>
             </a:r>
             <a:endParaRPr/>
           </a:p>
@@ -14054,8 +13961,8 @@
         </p:nvSpPr>
         <p:spPr>
           <a:xfrm>
-            <a:off x="7315202" y="4416550"/>
-            <a:ext cx="1828800" cy="731400"/>
+            <a:off x="7315209" y="4229101"/>
+            <a:ext cx="1828800" cy="914400"/>
           </a:xfrm>
           <a:prstGeom prst="rect">
             <a:avLst/>
@@ -14093,171 +14000,25 @@
               <a:buNone/>
             </a:pPr>
             <a:r>
-              <a:rPr b="0" lang="en" sz="900" u="sng">
+              <a:rPr b="0" lang="en" sz="1000" u="sng">
                 <a:solidFill>
                   <a:schemeClr val="hlink"/>
                 </a:solidFill>
                 <a:hlinkClick r:id="rId3"/>
               </a:rPr>
-              <a:t>https://profriehle.com</a:t>
-            </a:r>
-            <a:r>
-              <a:rPr b="0" lang="en" sz="900">
-                <a:solidFill>
-                  <a:schemeClr val="dk2"/>
-                </a:solidFill>
-              </a:rPr>
+              <a:t>uni1.de/nyt</a:t>
+            </a:r>
+            <a:r>
+              <a:rPr b="0" lang="en" sz="1000"/>
               <a:t> </a:t>
             </a:r>
-            <a:endParaRPr b="0" sz="900">
-              <a:solidFill>
-                <a:schemeClr val="dk2"/>
-              </a:solidFill>
-            </a:endParaRPr>
-          </a:p>
-        </p:txBody>
-      </p:sp>
-    </p:spTree>
-  </p:cSld>
-  <p:clrMapOvr>
-    <a:masterClrMapping/>
-  </p:clrMapOvr>
-</p:sld>
-</file>
-
-<file path=ppt/slides/slide8.xml><?xml version="1.0" encoding="utf-8"?>
-<p:sld xmlns:a="http://schemas.openxmlformats.org/drawingml/2006/main" xmlns:r="http://schemas.openxmlformats.org/officeDocument/2006/relationships" xmlns:mc="http://schemas.openxmlformats.org/markup-compatibility/2006" xmlns:mv="urn:schemas-microsoft-com:mac:vml" xmlns:p="http://schemas.openxmlformats.org/presentationml/2006/main" xmlns:c="http://schemas.openxmlformats.org/drawingml/2006/chart" xmlns:dgm="http://schemas.openxmlformats.org/drawingml/2006/diagram" xmlns:o="urn:schemas-microsoft-com:office:office" xmlns:v="urn:schemas-microsoft-com:vml" xmlns:pvml="urn:schemas-microsoft-com:office:powerpoint" xmlns:com="http://schemas.openxmlformats.org/drawingml/2006/compatibility" xmlns:p14="http://schemas.microsoft.com/office/powerpoint/2010/main" xmlns:p15="http://schemas.microsoft.com/office/powerpoint/2012/main" xmlns:ahyp="http://schemas.microsoft.com/office/drawing/2018/hyperlinkcolor">
-  <p:cSld>
-    <p:spTree>
-      <p:nvGrpSpPr>
-        <p:cNvPr id="84" name="Shape 84"/>
-        <p:cNvGrpSpPr/>
-        <p:nvPr/>
-      </p:nvGrpSpPr>
-      <p:grpSpPr>
-        <a:xfrm>
-          <a:off x="0" y="0"/>
-          <a:ext cx="0" cy="0"/>
-          <a:chOff x="0" y="0"/>
-          <a:chExt cx="0" cy="0"/>
-        </a:xfrm>
-      </p:grpSpPr>
-      <p:sp>
-        <p:nvSpPr>
-          <p:cNvPr id="85" name="Google Shape;85;p15"/>
-          <p:cNvSpPr txBox="1"/>
-          <p:nvPr>
-            <p:ph type="title"/>
-          </p:nvPr>
-        </p:nvSpPr>
-        <p:spPr>
-          <a:xfrm>
-            <a:off x="0" y="0"/>
-            <a:ext cx="9144000" cy="685800"/>
-          </a:xfrm>
-          <a:prstGeom prst="rect">
-            <a:avLst/>
-          </a:prstGeom>
-        </p:spPr>
-        <p:txBody>
-          <a:bodyPr anchorCtr="0" anchor="ctr" bIns="0" lIns="274300" spcFirstLastPara="1" rIns="0" wrap="square" tIns="0">
-            <a:noAutofit/>
-          </a:bodyPr>
-          <a:lstStyle/>
-          <a:p>
-            <a:pPr indent="0" lvl="0" marL="0" rtl="0" algn="l">
-              <a:spcBef>
-                <a:spcPts val="0"/>
-              </a:spcBef>
-              <a:spcAft>
-                <a:spcPts val="0"/>
-              </a:spcAft>
-              <a:buNone/>
-            </a:pPr>
-            <a:r>
-              <a:rPr lang="en"/>
-              <a:t>Course Position in Curriculum</a:t>
-            </a:r>
-            <a:endParaRPr/>
-          </a:p>
-        </p:txBody>
-      </p:sp>
-      <p:sp>
-        <p:nvSpPr>
-          <p:cNvPr id="86" name="Google Shape;86;p15"/>
-          <p:cNvSpPr txBox="1"/>
-          <p:nvPr>
-            <p:ph idx="12" type="sldNum"/>
-          </p:nvPr>
-        </p:nvSpPr>
-        <p:spPr>
-          <a:xfrm>
-            <a:off x="7315202" y="4416550"/>
-            <a:ext cx="1828800" cy="731400"/>
-          </a:xfrm>
-          <a:prstGeom prst="rect">
-            <a:avLst/>
-          </a:prstGeom>
-        </p:spPr>
-        <p:txBody>
-          <a:bodyPr anchorCtr="0" anchor="b" bIns="91425" lIns="91425" spcFirstLastPara="1" rIns="91425" wrap="square" tIns="91425">
-            <a:noAutofit/>
-          </a:bodyPr>
-          <a:lstStyle/>
-          <a:p>
-            <a:pPr indent="0" lvl="0" marL="0" rtl="0" algn="r">
-              <a:spcBef>
-                <a:spcPts val="0"/>
-              </a:spcBef>
-              <a:spcAft>
-                <a:spcPts val="0"/>
-              </a:spcAft>
-              <a:buNone/>
-            </a:pPr>
-            <a:fld id="{00000000-1234-1234-1234-123412341234}" type="slidenum">
-              <a:rPr lang="en"/>
-              <a:t>‹#›</a:t>
-            </a:fld>
-            <a:endParaRPr/>
-          </a:p>
-          <a:p>
-            <a:pPr indent="0" lvl="0" marL="0" rtl="0" algn="r">
-              <a:spcBef>
-                <a:spcPts val="0"/>
-              </a:spcBef>
-              <a:spcAft>
-                <a:spcPts val="0"/>
-              </a:spcAft>
-              <a:buNone/>
-            </a:pPr>
-            <a:r>
-              <a:rPr b="0" lang="en" sz="900" u="sng">
-                <a:solidFill>
-                  <a:schemeClr val="hlink"/>
-                </a:solidFill>
-                <a:hlinkClick r:id="rId3"/>
-              </a:rPr>
-              <a:t>https://profriehle.com</a:t>
-            </a:r>
-            <a:r>
-              <a:rPr b="0" lang="en" sz="900">
-                <a:solidFill>
-                  <a:schemeClr val="dk2"/>
-                </a:solidFill>
-              </a:rPr>
-              <a:t> </a:t>
-            </a:r>
-            <a:endParaRPr>
-              <a:solidFill>
-                <a:schemeClr val="dk2"/>
-              </a:solidFill>
-            </a:endParaRPr>
+            <a:endParaRPr b="0" sz="1000"/>
           </a:p>
         </p:txBody>
       </p:sp>
       <p:pic>
         <p:nvPicPr>
-          <p:cNvPr id="87" name="Google Shape;87;p15"/>
+          <p:cNvPr id="81" name="Google Shape;81;p14"/>
           <p:cNvPicPr preferRelativeResize="0"/>
           <p:nvPr/>
         </p:nvPicPr>
@@ -14291,12 +14052,12 @@
 </p:sld>
 </file>
 
-<file path=ppt/slides/slide9.xml><?xml version="1.0" encoding="utf-8"?>
+<file path=ppt/slides/slide8.xml><?xml version="1.0" encoding="utf-8"?>
 <p:sld xmlns:a="http://schemas.openxmlformats.org/drawingml/2006/main" xmlns:r="http://schemas.openxmlformats.org/officeDocument/2006/relationships" xmlns:mc="http://schemas.openxmlformats.org/markup-compatibility/2006" xmlns:mv="urn:schemas-microsoft-com:mac:vml" xmlns:p="http://schemas.openxmlformats.org/presentationml/2006/main" xmlns:c="http://schemas.openxmlformats.org/drawingml/2006/chart" xmlns:dgm="http://schemas.openxmlformats.org/drawingml/2006/diagram" xmlns:o="urn:schemas-microsoft-com:office:office" xmlns:v="urn:schemas-microsoft-com:vml" xmlns:pvml="urn:schemas-microsoft-com:office:powerpoint" xmlns:com="http://schemas.openxmlformats.org/drawingml/2006/compatibility" xmlns:p14="http://schemas.microsoft.com/office/powerpoint/2010/main" xmlns:p15="http://schemas.microsoft.com/office/powerpoint/2012/main" xmlns:ahyp="http://schemas.microsoft.com/office/drawing/2018/hyperlinkcolor">
   <p:cSld>
     <p:spTree>
       <p:nvGrpSpPr>
-        <p:cNvPr id="91" name="Shape 91"/>
+        <p:cNvPr id="85" name="Shape 85"/>
         <p:cNvGrpSpPr/>
         <p:nvPr/>
       </p:nvGrpSpPr>
@@ -14310,7 +14071,7 @@
       </p:grpSpPr>
       <p:sp>
         <p:nvSpPr>
-          <p:cNvPr id="92" name="Google Shape;92;p16"/>
+          <p:cNvPr id="86" name="Google Shape;86;p15"/>
           <p:cNvSpPr txBox="1"/>
           <p:nvPr>
             <p:ph type="title"/>
@@ -14326,7 +14087,7 @@
           </a:prstGeom>
         </p:spPr>
         <p:txBody>
-          <a:bodyPr anchorCtr="0" anchor="ctr" bIns="0" lIns="274300" spcFirstLastPara="1" rIns="0" wrap="square" tIns="0">
+          <a:bodyPr anchorCtr="0" anchor="ctr" bIns="91425" lIns="274300" spcFirstLastPara="1" rIns="91425" wrap="square" tIns="91425">
             <a:noAutofit/>
           </a:bodyPr>
           <a:lstStyle/>
@@ -14340,10 +14101,6 @@
               </a:spcAft>
               <a:buNone/>
             </a:pPr>
-            <a:r>
-              <a:rPr lang="en"/>
-              <a:t>OSS-NYT </a:t>
-            </a:r>
             <a:r>
               <a:rPr lang="en"/>
               <a:t>Courses and Modules</a:t>
@@ -14354,7 +14111,7 @@
       </p:sp>
       <p:sp>
         <p:nvSpPr>
-          <p:cNvPr id="93" name="Google Shape;93;p16"/>
+          <p:cNvPr id="87" name="Google Shape;87;p15"/>
           <p:cNvSpPr txBox="1"/>
           <p:nvPr>
             <p:ph idx="12" type="sldNum"/>
@@ -14362,8 +14119,8 @@
         </p:nvSpPr>
         <p:spPr>
           <a:xfrm>
-            <a:off x="7315202" y="4416550"/>
-            <a:ext cx="1828800" cy="731400"/>
+            <a:off x="7315209" y="4229101"/>
+            <a:ext cx="1828800" cy="914400"/>
           </a:xfrm>
           <a:prstGeom prst="rect">
             <a:avLst/>
@@ -14401,33 +14158,25 @@
               <a:buNone/>
             </a:pPr>
             <a:r>
-              <a:rPr b="0" lang="en" sz="900" u="sng">
+              <a:rPr b="0" lang="en" sz="1000" u="sng">
                 <a:solidFill>
                   <a:schemeClr val="hlink"/>
                 </a:solidFill>
                 <a:hlinkClick r:id="rId3"/>
               </a:rPr>
-              <a:t>https://profriehle.com</a:t>
-            </a:r>
-            <a:r>
-              <a:rPr b="0" lang="en" sz="900">
-                <a:solidFill>
-                  <a:schemeClr val="dk2"/>
-                </a:solidFill>
-              </a:rPr>
+              <a:t>uni1.de/nyt</a:t>
+            </a:r>
+            <a:r>
+              <a:rPr b="0" lang="en" sz="1000"/>
               <a:t> </a:t>
             </a:r>
-            <a:endParaRPr>
-              <a:solidFill>
-                <a:schemeClr val="dk2"/>
-              </a:solidFill>
-            </a:endParaRPr>
+            <a:endParaRPr b="0" sz="1000"/>
           </a:p>
         </p:txBody>
       </p:sp>
       <p:graphicFrame>
         <p:nvGraphicFramePr>
-          <p:cNvPr id="94" name="Google Shape;94;p16"/>
+          <p:cNvPr id="88" name="Google Shape;88;p15"/>
           <p:cNvGraphicFramePr/>
           <p:nvPr/>
         </p:nvGraphicFramePr>
@@ -14440,16 +14189,17 @@
             <a:tbl>
               <a:tblPr>
                 <a:noFill/>
-                <a:tableStyleId>{23652F70-9202-48D5-8F4F-905141E43016}</a:tableStyleId>
+                <a:tableStyleId>{BDD3B64A-7FFF-4E8F-87F6-037DE44E73C1}</a:tableStyleId>
               </a:tblPr>
               <a:tblGrid>
-                <a:gridCol w="1719075"/>
-                <a:gridCol w="1719075"/>
-                <a:gridCol w="1719075"/>
-                <a:gridCol w="1719075"/>
-                <a:gridCol w="1719075"/>
+                <a:gridCol w="1432575"/>
+                <a:gridCol w="1432575"/>
+                <a:gridCol w="1432575"/>
+                <a:gridCol w="1432575"/>
+                <a:gridCol w="1432575"/>
+                <a:gridCol w="1432575"/>
               </a:tblGrid>
-              <a:tr h="731525">
+              <a:tr h="609600">
                 <a:tc gridSpan="2" rowSpan="2">
                   <a:txBody>
                     <a:bodyPr/>
@@ -14467,7 +14217,7 @@
                       <a:r>
                         <a:t/>
                       </a:r>
-                      <a:endParaRPr b="1" sz="1800">
+                      <a:endParaRPr b="1">
                         <a:solidFill>
                           <a:schemeClr val="lt1"/>
                         </a:solidFill>
@@ -14514,7 +14264,7 @@
                   </a:tcPr>
                 </a:tc>
                 <a:tc rowSpan="2" hMerge="1"/>
-                <a:tc gridSpan="3">
+                <a:tc gridSpan="4">
                   <a:txBody>
                     <a:bodyPr/>
                     <a:lstStyle/>
@@ -14587,8 +14337,9 @@
                 </a:tc>
                 <a:tc hMerge="1"/>
                 <a:tc hMerge="1"/>
+                <a:tc hMerge="1"/>
               </a:tr>
-              <a:tr h="731525">
+              <a:tr h="609600">
                 <a:tc gridSpan="2" vMerge="1"/>
                 <a:tc hMerge="1" vMerge="1"/>
                 <a:tc>
@@ -14606,14 +14357,38 @@
                         <a:buNone/>
                       </a:pPr>
                       <a:r>
-                        <a:rPr b="1" lang="en" sz="1800">
+                        <a:rPr b="1" lang="en">
                           <a:solidFill>
                             <a:schemeClr val="lt1"/>
                           </a:solidFill>
                         </a:rPr>
-                        <a:t>NYT-VUE</a:t>
+                        <a:t>Lecture</a:t>
                       </a:r>
-                      <a:endParaRPr b="1" sz="1800">
+                      <a:endParaRPr b="1">
+                        <a:solidFill>
+                          <a:schemeClr val="lt1"/>
+                        </a:solidFill>
+                      </a:endParaRPr>
+                    </a:p>
+                    <a:p>
+                      <a:pPr indent="0" lvl="0" marL="0" rtl="0" algn="ctr">
+                        <a:spcBef>
+                          <a:spcPts val="0"/>
+                        </a:spcBef>
+                        <a:spcAft>
+                          <a:spcPts val="0"/>
+                        </a:spcAft>
+                        <a:buNone/>
+                      </a:pPr>
+                      <a:r>
+                        <a:rPr b="1" lang="en">
+                          <a:solidFill>
+                            <a:schemeClr val="lt1"/>
+                          </a:solidFill>
+                        </a:rPr>
+                        <a:t>(2 SWS)</a:t>
+                      </a:r>
+                      <a:endParaRPr b="1">
                         <a:solidFill>
                           <a:schemeClr val="lt1"/>
                         </a:solidFill>
@@ -14677,14 +14452,38 @@
                         <a:buNone/>
                       </a:pPr>
                       <a:r>
-                        <a:rPr b="1" lang="en" sz="1800">
+                        <a:rPr b="1" lang="en">
                           <a:solidFill>
                             <a:schemeClr val="lt1"/>
                           </a:solidFill>
                         </a:rPr>
-                        <a:t>NYT-PROJ</a:t>
+                        <a:t>Exercise</a:t>
                       </a:r>
-                      <a:endParaRPr b="1" sz="1800">
+                      <a:endParaRPr b="1">
+                        <a:solidFill>
+                          <a:schemeClr val="lt1"/>
+                        </a:solidFill>
+                      </a:endParaRPr>
+                    </a:p>
+                    <a:p>
+                      <a:pPr indent="0" lvl="0" marL="0" rtl="0" algn="ctr">
+                        <a:spcBef>
+                          <a:spcPts val="0"/>
+                        </a:spcBef>
+                        <a:spcAft>
+                          <a:spcPts val="0"/>
+                        </a:spcAft>
+                        <a:buNone/>
+                      </a:pPr>
+                      <a:r>
+                        <a:rPr b="1" lang="en">
+                          <a:solidFill>
+                            <a:schemeClr val="lt1"/>
+                          </a:solidFill>
+                        </a:rPr>
+                        <a:t>(2 SWS)</a:t>
+                      </a:r>
+                      <a:endParaRPr b="1">
                         <a:solidFill>
                           <a:schemeClr val="lt1"/>
                         </a:solidFill>
@@ -14748,14 +14547,105 @@
                         <a:buNone/>
                       </a:pPr>
                       <a:r>
-                        <a:rPr b="1" lang="en" sz="1800">
+                        <a:rPr b="1" lang="en">
+                          <a:solidFill>
+                            <a:schemeClr val="lt1"/>
+                          </a:solidFill>
+                        </a:rPr>
+                        <a:t>Project</a:t>
+                      </a:r>
+                      <a:endParaRPr b="1">
+                        <a:solidFill>
+                          <a:schemeClr val="lt1"/>
+                        </a:solidFill>
+                      </a:endParaRPr>
+                    </a:p>
+                    <a:p>
+                      <a:pPr indent="0" lvl="0" marL="0" rtl="0" algn="ctr">
+                        <a:spcBef>
+                          <a:spcPts val="0"/>
+                        </a:spcBef>
+                        <a:spcAft>
+                          <a:spcPts val="0"/>
+                        </a:spcAft>
+                        <a:buNone/>
+                      </a:pPr>
+                      <a:r>
+                        <a:rPr b="1" lang="en">
+                          <a:solidFill>
+                            <a:schemeClr val="lt1"/>
+                          </a:solidFill>
+                        </a:rPr>
+                        <a:t>(2 SWS)</a:t>
+                      </a:r>
+                      <a:endParaRPr/>
+                    </a:p>
+                  </a:txBody>
+                  <a:tcPr marT="91425" marB="91425" marR="91425" marL="91425" anchor="ctr">
+                    <a:lnL cap="flat" cmpd="sng" w="38100">
+                      <a:solidFill>
+                        <a:schemeClr val="lt1"/>
+                      </a:solidFill>
+                      <a:prstDash val="solid"/>
+                      <a:round/>
+                      <a:headEnd len="sm" w="sm" type="none"/>
+                      <a:tailEnd len="sm" w="sm" type="none"/>
+                    </a:lnL>
+                    <a:lnR cap="flat" cmpd="sng" w="38100">
+                      <a:solidFill>
+                        <a:schemeClr val="lt1"/>
+                      </a:solidFill>
+                      <a:prstDash val="solid"/>
+                      <a:round/>
+                      <a:headEnd len="sm" w="sm" type="none"/>
+                      <a:tailEnd len="sm" w="sm" type="none"/>
+                    </a:lnR>
+                    <a:lnT cap="flat" cmpd="sng" w="38100">
+                      <a:solidFill>
+                        <a:schemeClr val="lt1"/>
+                      </a:solidFill>
+                      <a:prstDash val="solid"/>
+                      <a:round/>
+                      <a:headEnd len="sm" w="sm" type="none"/>
+                      <a:tailEnd len="sm" w="sm" type="none"/>
+                    </a:lnT>
+                    <a:lnB cap="flat" cmpd="sng" w="38100">
+                      <a:solidFill>
+                        <a:schemeClr val="lt1"/>
+                      </a:solidFill>
+                      <a:prstDash val="solid"/>
+                      <a:round/>
+                      <a:headEnd len="sm" w="sm" type="none"/>
+                      <a:tailEnd len="sm" w="sm" type="none"/>
+                    </a:lnB>
+                    <a:solidFill>
+                      <a:schemeClr val="lt2"/>
+                    </a:solidFill>
+                  </a:tcPr>
+                </a:tc>
+                <a:tc>
+                  <a:txBody>
+                    <a:bodyPr/>
+                    <a:lstStyle/>
+                    <a:p>
+                      <a:pPr indent="0" lvl="0" marL="0" rtl="0" algn="ctr">
+                        <a:spcBef>
+                          <a:spcPts val="0"/>
+                        </a:spcBef>
+                        <a:spcAft>
+                          <a:spcPts val="0"/>
+                        </a:spcAft>
+                        <a:buNone/>
+                      </a:pPr>
+                      <a:r>
+                        <a:rPr b="1" lang="en">
                           <a:solidFill>
                             <a:schemeClr val="lt1"/>
                           </a:solidFill>
                         </a:rPr>
                         <a:t>Total ECTS</a:t>
                       </a:r>
-                      <a:endParaRPr b="1" sz="1800">
+                      <a:endParaRPr b="1">
                         <a:solidFill>
                           <a:schemeClr val="lt1"/>
                         </a:solidFill>
@@ -14805,8 +14695,8 @@
                   </a:tcPr>
                 </a:tc>
               </a:tr>
-              <a:tr h="731525">
-                <a:tc rowSpan="3">
+              <a:tr h="609600">
+                <a:tc rowSpan="4">
                   <a:txBody>
                     <a:bodyPr/>
                     <a:lstStyle/>
@@ -14892,14 +14782,14 @@
                         <a:buNone/>
                       </a:pPr>
                       <a:r>
-                        <a:rPr b="1" lang="en" sz="1800">
+                        <a:rPr b="1" lang="en">
                           <a:solidFill>
                             <a:schemeClr val="lt1"/>
                           </a:solidFill>
                         </a:rPr>
                         <a:t>NYT-VUE</a:t>
                       </a:r>
-                      <a:endParaRPr b="1" sz="1800">
+                      <a:endParaRPr b="1">
                         <a:solidFill>
                           <a:schemeClr val="lt1"/>
                         </a:solidFill>
@@ -14963,10 +14853,10 @@
                         <a:buNone/>
                       </a:pPr>
                       <a:r>
-                        <a:rPr b="1" lang="en" sz="1800"/>
+                        <a:rPr b="1" lang="en"/>
                         <a:t>x</a:t>
                       </a:r>
-                      <a:endParaRPr b="1" sz="1800"/>
+                      <a:endParaRPr b="1"/>
                     </a:p>
                   </a:txBody>
                   <a:tcPr marT="91425" marB="91425" marR="91425" marL="91425" anchor="ctr">
@@ -15006,6 +14896,9 @@
                       <a:headEnd len="sm" w="sm" type="none"/>
                       <a:tailEnd len="sm" w="sm" type="none"/>
                     </a:lnB>
+                    <a:solidFill>
+                      <a:schemeClr val="accent1"/>
+                    </a:solidFill>
                   </a:tcPr>
                 </a:tc>
                 <a:tc>
@@ -15023,10 +14916,10 @@
                         <a:buNone/>
                       </a:pPr>
                       <a:r>
-                        <a:rPr b="1" lang="en" sz="1800"/>
-                        <a:t>–</a:t>
+                        <a:rPr b="1" lang="en"/>
+                        <a:t>x</a:t>
                       </a:r>
-                      <a:endParaRPr b="1" sz="1800"/>
+                      <a:endParaRPr b="1"/>
                     </a:p>
                   </a:txBody>
                   <a:tcPr marT="91425" marB="91425" marR="91425" marL="91425" anchor="ctr">
@@ -15066,6 +14959,71 @@
                       <a:headEnd len="sm" w="sm" type="none"/>
                       <a:tailEnd len="sm" w="sm" type="none"/>
                     </a:lnB>
+                    <a:solidFill>
+                      <a:schemeClr val="accent1"/>
+                    </a:solidFill>
+                  </a:tcPr>
+                </a:tc>
+                <a:tc>
+                  <a:txBody>
+                    <a:bodyPr/>
+                    <a:lstStyle/>
+                    <a:p>
+                      <a:pPr indent="0" lvl="0" marL="0" rtl="0" algn="l">
+                        <a:spcBef>
+                          <a:spcPts val="0"/>
+                        </a:spcBef>
+                        <a:spcAft>
+                          <a:spcPts val="0"/>
+                        </a:spcAft>
+                        <a:buNone/>
+                      </a:pPr>
+                      <a:r>
+                        <a:t/>
+                      </a:r>
+                      <a:endParaRPr/>
+                    </a:p>
+                  </a:txBody>
+                  <a:tcPr marT="91425" marB="91425" marR="91425" marL="91425" anchor="ctr">
+                    <a:lnL cap="flat" cmpd="sng" w="38100">
+                      <a:solidFill>
+                        <a:schemeClr val="lt1"/>
+                      </a:solidFill>
+                      <a:prstDash val="solid"/>
+                      <a:round/>
+                      <a:headEnd len="sm" w="sm" type="none"/>
+                      <a:tailEnd len="sm" w="sm" type="none"/>
+                    </a:lnL>
+                    <a:lnR cap="flat" cmpd="sng" w="38100">
+                      <a:solidFill>
+                        <a:schemeClr val="lt1"/>
+                      </a:solidFill>
+                      <a:prstDash val="solid"/>
+                      <a:round/>
+                      <a:headEnd len="sm" w="sm" type="none"/>
+                      <a:tailEnd len="sm" w="sm" type="none"/>
+                    </a:lnR>
+                    <a:lnT cap="flat" cmpd="sng" w="38100">
+                      <a:solidFill>
+                        <a:schemeClr val="lt1"/>
+                      </a:solidFill>
+                      <a:prstDash val="solid"/>
+                      <a:round/>
+                      <a:headEnd len="sm" w="sm" type="none"/>
+                      <a:tailEnd len="sm" w="sm" type="none"/>
+                    </a:lnT>
+                    <a:lnB cap="flat" cmpd="sng" w="38100">
+                      <a:solidFill>
+                        <a:schemeClr val="lt1"/>
+                      </a:solidFill>
+                      <a:prstDash val="solid"/>
+                      <a:round/>
+                      <a:headEnd len="sm" w="sm" type="none"/>
+                      <a:tailEnd len="sm" w="sm" type="none"/>
+                    </a:lnB>
+                    <a:solidFill>
+                      <a:schemeClr val="accent1"/>
+                    </a:solidFill>
                   </a:tcPr>
                 </a:tc>
                 <a:tc>
@@ -15083,10 +15041,10 @@
                         <a:buNone/>
                       </a:pPr>
                       <a:r>
-                        <a:rPr b="1" lang="en" sz="1800"/>
-                        <a:t>5 ECTS</a:t>
+                        <a:rPr b="1" lang="en"/>
+                        <a:t>5</a:t>
                       </a:r>
-                      <a:endParaRPr b="1" sz="1800"/>
+                      <a:endParaRPr b="1"/>
                     </a:p>
                   </a:txBody>
                   <a:tcPr marT="91425" marB="91425" marR="91425" marL="91425" anchor="ctr">
@@ -15126,10 +15084,13 @@
                       <a:headEnd len="sm" w="sm" type="none"/>
                       <a:tailEnd len="sm" w="sm" type="none"/>
                     </a:lnB>
+                    <a:solidFill>
+                      <a:schemeClr val="accent1"/>
+                    </a:solidFill>
                   </a:tcPr>
                 </a:tc>
               </a:tr>
-              <a:tr h="731525">
+              <a:tr h="609600">
                 <a:tc vMerge="1"/>
                 <a:tc>
                   <a:txBody>
@@ -15146,14 +15107,14 @@
                         <a:buNone/>
                       </a:pPr>
                       <a:r>
-                        <a:rPr b="1" lang="en" sz="1800">
+                        <a:rPr b="1" lang="en">
                           <a:solidFill>
                             <a:schemeClr val="lt1"/>
                           </a:solidFill>
                         </a:rPr>
                         <a:t>NYT-PROJ</a:t>
                       </a:r>
-                      <a:endParaRPr b="1" sz="1800">
+                      <a:endParaRPr b="1">
                         <a:solidFill>
                           <a:schemeClr val="lt1"/>
                         </a:solidFill>
@@ -15217,10 +15178,346 @@
                         <a:buNone/>
                       </a:pPr>
                       <a:r>
-                        <a:rPr b="1" lang="en" sz="1800"/>
-                        <a:t>–</a:t>
+                        <a:t/>
                       </a:r>
-                      <a:endParaRPr b="1" sz="1800"/>
+                      <a:endParaRPr b="1"/>
+                    </a:p>
+                  </a:txBody>
+                  <a:tcPr marT="91425" marB="91425" marR="91425" marL="91425" anchor="ctr">
+                    <a:lnL cap="flat" cmpd="sng" w="38100">
+                      <a:solidFill>
+                        <a:schemeClr val="lt1"/>
+                      </a:solidFill>
+                      <a:prstDash val="solid"/>
+                      <a:round/>
+                      <a:headEnd len="sm" w="sm" type="none"/>
+                      <a:tailEnd len="sm" w="sm" type="none"/>
+                    </a:lnL>
+                    <a:lnR cap="flat" cmpd="sng" w="38100">
+                      <a:solidFill>
+                        <a:schemeClr val="lt1"/>
+                      </a:solidFill>
+                      <a:prstDash val="solid"/>
+                      <a:round/>
+                      <a:headEnd len="sm" w="sm" type="none"/>
+                      <a:tailEnd len="sm" w="sm" type="none"/>
+                    </a:lnR>
+                    <a:lnT cap="flat" cmpd="sng" w="38100">
+                      <a:solidFill>
+                        <a:schemeClr val="lt1"/>
+                      </a:solidFill>
+                      <a:prstDash val="solid"/>
+                      <a:round/>
+                      <a:headEnd len="sm" w="sm" type="none"/>
+                      <a:tailEnd len="sm" w="sm" type="none"/>
+                    </a:lnT>
+                    <a:lnB cap="flat" cmpd="sng" w="38100">
+                      <a:solidFill>
+                        <a:schemeClr val="lt1"/>
+                      </a:solidFill>
+                      <a:prstDash val="solid"/>
+                      <a:round/>
+                      <a:headEnd len="sm" w="sm" type="none"/>
+                      <a:tailEnd len="sm" w="sm" type="none"/>
+                    </a:lnB>
+                  </a:tcPr>
+                </a:tc>
+                <a:tc>
+                  <a:txBody>
+                    <a:bodyPr/>
+                    <a:lstStyle/>
+                    <a:p>
+                      <a:pPr indent="0" lvl="0" marL="0" rtl="0" algn="ctr">
+                        <a:spcBef>
+                          <a:spcPts val="0"/>
+                        </a:spcBef>
+                        <a:spcAft>
+                          <a:spcPts val="0"/>
+                        </a:spcAft>
+                        <a:buNone/>
+                      </a:pPr>
+                      <a:r>
+                        <a:t/>
+                      </a:r>
+                      <a:endParaRPr b="1"/>
+                    </a:p>
+                  </a:txBody>
+                  <a:tcPr marT="91425" marB="91425" marR="91425" marL="91425" anchor="ctr">
+                    <a:lnL cap="flat" cmpd="sng" w="38100">
+                      <a:solidFill>
+                        <a:schemeClr val="lt1"/>
+                      </a:solidFill>
+                      <a:prstDash val="solid"/>
+                      <a:round/>
+                      <a:headEnd len="sm" w="sm" type="none"/>
+                      <a:tailEnd len="sm" w="sm" type="none"/>
+                    </a:lnL>
+                    <a:lnR cap="flat" cmpd="sng" w="38100">
+                      <a:solidFill>
+                        <a:schemeClr val="lt1"/>
+                      </a:solidFill>
+                      <a:prstDash val="solid"/>
+                      <a:round/>
+                      <a:headEnd len="sm" w="sm" type="none"/>
+                      <a:tailEnd len="sm" w="sm" type="none"/>
+                    </a:lnR>
+                    <a:lnT cap="flat" cmpd="sng" w="38100">
+                      <a:solidFill>
+                        <a:schemeClr val="lt1"/>
+                      </a:solidFill>
+                      <a:prstDash val="solid"/>
+                      <a:round/>
+                      <a:headEnd len="sm" w="sm" type="none"/>
+                      <a:tailEnd len="sm" w="sm" type="none"/>
+                    </a:lnT>
+                    <a:lnB cap="flat" cmpd="sng" w="38100">
+                      <a:solidFill>
+                        <a:schemeClr val="lt1"/>
+                      </a:solidFill>
+                      <a:prstDash val="solid"/>
+                      <a:round/>
+                      <a:headEnd len="sm" w="sm" type="none"/>
+                      <a:tailEnd len="sm" w="sm" type="none"/>
+                    </a:lnB>
+                  </a:tcPr>
+                </a:tc>
+                <a:tc>
+                  <a:txBody>
+                    <a:bodyPr/>
+                    <a:lstStyle/>
+                    <a:p>
+                      <a:pPr indent="0" lvl="0" marL="0" rtl="0" algn="ctr">
+                        <a:spcBef>
+                          <a:spcPts val="0"/>
+                        </a:spcBef>
+                        <a:spcAft>
+                          <a:spcPts val="0"/>
+                        </a:spcAft>
+                        <a:buNone/>
+                      </a:pPr>
+                      <a:r>
+                        <a:rPr b="1" lang="en"/>
+                        <a:t>x</a:t>
+                      </a:r>
+                      <a:endParaRPr b="1"/>
+                    </a:p>
+                  </a:txBody>
+                  <a:tcPr marT="91425" marB="91425" marR="91425" marL="91425" anchor="ctr">
+                    <a:lnL cap="flat" cmpd="sng" w="38100">
+                      <a:solidFill>
+                        <a:schemeClr val="lt1"/>
+                      </a:solidFill>
+                      <a:prstDash val="solid"/>
+                      <a:round/>
+                      <a:headEnd len="sm" w="sm" type="none"/>
+                      <a:tailEnd len="sm" w="sm" type="none"/>
+                    </a:lnL>
+                    <a:lnR cap="flat" cmpd="sng" w="38100">
+                      <a:solidFill>
+                        <a:schemeClr val="lt1"/>
+                      </a:solidFill>
+                      <a:prstDash val="solid"/>
+                      <a:round/>
+                      <a:headEnd len="sm" w="sm" type="none"/>
+                      <a:tailEnd len="sm" w="sm" type="none"/>
+                    </a:lnR>
+                    <a:lnT cap="flat" cmpd="sng" w="38100">
+                      <a:solidFill>
+                        <a:schemeClr val="lt1"/>
+                      </a:solidFill>
+                      <a:prstDash val="solid"/>
+                      <a:round/>
+                      <a:headEnd len="sm" w="sm" type="none"/>
+                      <a:tailEnd len="sm" w="sm" type="none"/>
+                    </a:lnT>
+                    <a:lnB cap="flat" cmpd="sng" w="38100">
+                      <a:solidFill>
+                        <a:schemeClr val="lt1"/>
+                      </a:solidFill>
+                      <a:prstDash val="solid"/>
+                      <a:round/>
+                      <a:headEnd len="sm" w="sm" type="none"/>
+                      <a:tailEnd len="sm" w="sm" type="none"/>
+                    </a:lnB>
+                  </a:tcPr>
+                </a:tc>
+                <a:tc>
+                  <a:txBody>
+                    <a:bodyPr/>
+                    <a:lstStyle/>
+                    <a:p>
+                      <a:pPr indent="0" lvl="0" marL="0" rtl="0" algn="ctr">
+                        <a:spcBef>
+                          <a:spcPts val="0"/>
+                        </a:spcBef>
+                        <a:spcAft>
+                          <a:spcPts val="0"/>
+                        </a:spcAft>
+                        <a:buNone/>
+                      </a:pPr>
+                      <a:r>
+                        <a:rPr b="1" lang="en"/>
+                        <a:t>5</a:t>
+                      </a:r>
+                      <a:endParaRPr b="1"/>
+                    </a:p>
+                  </a:txBody>
+                  <a:tcPr marT="91425" marB="91425" marR="91425" marL="91425" anchor="ctr">
+                    <a:lnL cap="flat" cmpd="sng" w="38100">
+                      <a:solidFill>
+                        <a:schemeClr val="lt1"/>
+                      </a:solidFill>
+                      <a:prstDash val="solid"/>
+                      <a:round/>
+                      <a:headEnd len="sm" w="sm" type="none"/>
+                      <a:tailEnd len="sm" w="sm" type="none"/>
+                    </a:lnL>
+                    <a:lnR cap="flat" cmpd="sng" w="38100">
+                      <a:solidFill>
+                        <a:schemeClr val="lt1"/>
+                      </a:solidFill>
+                      <a:prstDash val="solid"/>
+                      <a:round/>
+                      <a:headEnd len="sm" w="sm" type="none"/>
+                      <a:tailEnd len="sm" w="sm" type="none"/>
+                    </a:lnR>
+                    <a:lnT cap="flat" cmpd="sng" w="38100">
+                      <a:solidFill>
+                        <a:schemeClr val="lt1"/>
+                      </a:solidFill>
+                      <a:prstDash val="solid"/>
+                      <a:round/>
+                      <a:headEnd len="sm" w="sm" type="none"/>
+                      <a:tailEnd len="sm" w="sm" type="none"/>
+                    </a:lnT>
+                    <a:lnB cap="flat" cmpd="sng" w="38100">
+                      <a:solidFill>
+                        <a:schemeClr val="lt1"/>
+                      </a:solidFill>
+                      <a:prstDash val="solid"/>
+                      <a:round/>
+                      <a:headEnd len="sm" w="sm" type="none"/>
+                      <a:tailEnd len="sm" w="sm" type="none"/>
+                    </a:lnB>
+                  </a:tcPr>
+                </a:tc>
+              </a:tr>
+              <a:tr h="609600">
+                <a:tc vMerge="1"/>
+                <a:tc>
+                  <a:txBody>
+                    <a:bodyPr/>
+                    <a:lstStyle/>
+                    <a:p>
+                      <a:pPr indent="0" lvl="0" marL="0" rtl="0" algn="ctr">
+                        <a:spcBef>
+                          <a:spcPts val="0"/>
+                        </a:spcBef>
+                        <a:spcAft>
+                          <a:spcPts val="0"/>
+                        </a:spcAft>
+                        <a:buNone/>
+                      </a:pPr>
+                      <a:r>
+                        <a:rPr b="1" lang="en">
+                          <a:solidFill>
+                            <a:schemeClr val="lt1"/>
+                          </a:solidFill>
+                        </a:rPr>
+                        <a:t>NYT-</a:t>
+                      </a:r>
+                      <a:endParaRPr b="1">
+                        <a:solidFill>
+                          <a:schemeClr val="lt1"/>
+                        </a:solidFill>
+                      </a:endParaRPr>
+                    </a:p>
+                    <a:p>
+                      <a:pPr indent="0" lvl="0" marL="0" rtl="0" algn="ctr">
+                        <a:spcBef>
+                          <a:spcPts val="0"/>
+                        </a:spcBef>
+                        <a:spcAft>
+                          <a:spcPts val="0"/>
+                        </a:spcAft>
+                        <a:buNone/>
+                      </a:pPr>
+                      <a:r>
+                        <a:rPr b="1" lang="en">
+                          <a:solidFill>
+                            <a:schemeClr val="lt1"/>
+                          </a:solidFill>
+                        </a:rPr>
+                        <a:t>VUE+PROJ</a:t>
+                      </a:r>
+                      <a:endParaRPr b="1">
+                        <a:solidFill>
+                          <a:schemeClr val="lt1"/>
+                        </a:solidFill>
+                      </a:endParaRPr>
+                    </a:p>
+                  </a:txBody>
+                  <a:tcPr marT="91425" marB="91425" marR="91425" marL="91425" anchor="ctr">
+                    <a:lnL cap="flat" cmpd="sng" w="38100">
+                      <a:solidFill>
+                        <a:schemeClr val="lt1"/>
+                      </a:solidFill>
+                      <a:prstDash val="solid"/>
+                      <a:round/>
+                      <a:headEnd len="sm" w="sm" type="none"/>
+                      <a:tailEnd len="sm" w="sm" type="none"/>
+                    </a:lnL>
+                    <a:lnR cap="flat" cmpd="sng" w="38100">
+                      <a:solidFill>
+                        <a:schemeClr val="lt1"/>
+                      </a:solidFill>
+                      <a:prstDash val="solid"/>
+                      <a:round/>
+                      <a:headEnd len="sm" w="sm" type="none"/>
+                      <a:tailEnd len="sm" w="sm" type="none"/>
+                    </a:lnR>
+                    <a:lnT cap="flat" cmpd="sng" w="38100">
+                      <a:solidFill>
+                        <a:schemeClr val="lt1"/>
+                      </a:solidFill>
+                      <a:prstDash val="solid"/>
+                      <a:round/>
+                      <a:headEnd len="sm" w="sm" type="none"/>
+                      <a:tailEnd len="sm" w="sm" type="none"/>
+                    </a:lnT>
+                    <a:lnB cap="flat" cmpd="sng" w="38100">
+                      <a:solidFill>
+                        <a:schemeClr val="lt1"/>
+                      </a:solidFill>
+                      <a:prstDash val="solid"/>
+                      <a:round/>
+                      <a:headEnd len="sm" w="sm" type="none"/>
+                      <a:tailEnd len="sm" w="sm" type="none"/>
+                    </a:lnB>
+                    <a:solidFill>
+                      <a:schemeClr val="lt2"/>
+                    </a:solidFill>
+                  </a:tcPr>
+                </a:tc>
+                <a:tc>
+                  <a:txBody>
+                    <a:bodyPr/>
+                    <a:lstStyle/>
+                    <a:p>
+                      <a:pPr indent="0" lvl="0" marL="0" rtl="0" algn="ctr">
+                        <a:spcBef>
+                          <a:spcPts val="0"/>
+                        </a:spcBef>
+                        <a:spcAft>
+                          <a:spcPts val="0"/>
+                        </a:spcAft>
+                        <a:buNone/>
+                      </a:pPr>
+                      <a:r>
+                        <a:rPr b="1" lang="en"/>
+                        <a:t>x</a:t>
+                      </a:r>
+                      <a:endParaRPr b="1"/>
                     </a:p>
                   </a:txBody>
                   <a:tcPr marT="91425" marB="91425" marR="91425" marL="91425" anchor="ctr">
@@ -15280,10 +15577,10 @@
                         <a:buNone/>
                       </a:pPr>
                       <a:r>
-                        <a:rPr b="1" lang="en" sz="1800"/>
+                        <a:rPr b="1" lang="en"/>
                         <a:t>x</a:t>
                       </a:r>
-                      <a:endParaRPr b="1" sz="1800"/>
+                      <a:endParaRPr b="1"/>
                     </a:p>
                   </a:txBody>
                   <a:tcPr marT="91425" marB="91425" marR="91425" marL="91425" anchor="ctr">
@@ -15343,10 +15640,73 @@
                         <a:buNone/>
                       </a:pPr>
                       <a:r>
-                        <a:rPr b="1" lang="en" sz="1800"/>
-                        <a:t>5 ECTS</a:t>
+                        <a:rPr b="1" lang="en"/>
+                        <a:t>x</a:t>
                       </a:r>
-                      <a:endParaRPr b="1" sz="1800"/>
+                      <a:endParaRPr b="1"/>
+                    </a:p>
+                  </a:txBody>
+                  <a:tcPr marT="91425" marB="91425" marR="91425" marL="91425" anchor="ctr">
+                    <a:lnL cap="flat" cmpd="sng" w="38100">
+                      <a:solidFill>
+                        <a:schemeClr val="lt1"/>
+                      </a:solidFill>
+                      <a:prstDash val="solid"/>
+                      <a:round/>
+                      <a:headEnd len="sm" w="sm" type="none"/>
+                      <a:tailEnd len="sm" w="sm" type="none"/>
+                    </a:lnL>
+                    <a:lnR cap="flat" cmpd="sng" w="38100">
+                      <a:solidFill>
+                        <a:schemeClr val="lt1"/>
+                      </a:solidFill>
+                      <a:prstDash val="solid"/>
+                      <a:round/>
+                      <a:headEnd len="sm" w="sm" type="none"/>
+                      <a:tailEnd len="sm" w="sm" type="none"/>
+                    </a:lnR>
+                    <a:lnT cap="flat" cmpd="sng" w="38100">
+                      <a:solidFill>
+                        <a:schemeClr val="lt1"/>
+                      </a:solidFill>
+                      <a:prstDash val="solid"/>
+                      <a:round/>
+                      <a:headEnd len="sm" w="sm" type="none"/>
+                      <a:tailEnd len="sm" w="sm" type="none"/>
+                    </a:lnT>
+                    <a:lnB cap="flat" cmpd="sng" w="38100">
+                      <a:solidFill>
+                        <a:schemeClr val="lt1"/>
+                      </a:solidFill>
+                      <a:prstDash val="solid"/>
+                      <a:round/>
+                      <a:headEnd len="sm" w="sm" type="none"/>
+                      <a:tailEnd len="sm" w="sm" type="none"/>
+                    </a:lnB>
+                    <a:solidFill>
+                      <a:schemeClr val="accent1"/>
+                    </a:solidFill>
+                  </a:tcPr>
+                </a:tc>
+                <a:tc>
+                  <a:txBody>
+                    <a:bodyPr/>
+                    <a:lstStyle/>
+                    <a:p>
+                      <a:pPr indent="0" lvl="0" marL="0" rtl="0" algn="ctr">
+                        <a:spcBef>
+                          <a:spcPts val="0"/>
+                        </a:spcBef>
+                        <a:spcAft>
+                          <a:spcPts val="0"/>
+                        </a:spcAft>
+                        <a:buNone/>
+                      </a:pPr>
+                      <a:r>
+                        <a:rPr b="1" lang="en"/>
+                        <a:t>10</a:t>
+                      </a:r>
+                      <a:endParaRPr b="1"/>
                     </a:p>
                   </a:txBody>
                   <a:tcPr marT="91425" marB="91425" marR="91425" marL="91425" anchor="ctr">
@@ -15392,7 +15752,7 @@
                   </a:tcPr>
                 </a:tc>
               </a:tr>
-              <a:tr h="731525">
+              <a:tr h="609600">
                 <a:tc vMerge="1"/>
                 <a:tc>
                   <a:txBody>
@@ -15409,38 +15769,9 @@
                         <a:buNone/>
                       </a:pPr>
                       <a:r>
-                        <a:rPr b="1" lang="en" sz="1800">
-                          <a:solidFill>
-                            <a:schemeClr val="lt1"/>
-                          </a:solidFill>
-                        </a:rPr>
-                        <a:t>NYT-VUE+</a:t>
+                        <a:t/>
                       </a:r>
-                      <a:endParaRPr b="1" sz="1800">
-                        <a:solidFill>
-                          <a:schemeClr val="lt1"/>
-                        </a:solidFill>
-                      </a:endParaRPr>
-                    </a:p>
-                    <a:p>
-                      <a:pPr indent="0" lvl="0" marL="0" rtl="0" algn="ctr">
-                        <a:spcBef>
-                          <a:spcPts val="0"/>
-                        </a:spcBef>
-                        <a:spcAft>
-                          <a:spcPts val="0"/>
-                        </a:spcAft>
-                        <a:buNone/>
-                      </a:pPr>
-                      <a:r>
-                        <a:rPr b="1" lang="en" sz="1800">
-                          <a:solidFill>
-                            <a:schemeClr val="lt1"/>
-                          </a:solidFill>
-                        </a:rPr>
-                        <a:t>PROJ</a:t>
-                      </a:r>
-                      <a:endParaRPr b="1" sz="1800">
+                      <a:endParaRPr b="1">
                         <a:solidFill>
                           <a:schemeClr val="lt1"/>
                         </a:solidFill>
@@ -15504,10 +15835,9 @@
                         <a:buNone/>
                       </a:pPr>
                       <a:r>
-                        <a:rPr b="1" lang="en" sz="1800"/>
-                        <a:t>x</a:t>
+                        <a:t/>
                       </a:r>
-                      <a:endParaRPr b="1" sz="1800"/>
+                      <a:endParaRPr b="1"/>
                     </a:p>
                   </a:txBody>
                   <a:tcPr marT="91425" marB="91425" marR="91425" marL="91425" anchor="ctr">
@@ -15564,10 +15894,9 @@
                         <a:buNone/>
                       </a:pPr>
                       <a:r>
-                        <a:rPr b="1" lang="en" sz="1800"/>
-                        <a:t>x</a:t>
+                        <a:t/>
                       </a:r>
-                      <a:endParaRPr b="1" sz="1800"/>
+                      <a:endParaRPr b="1"/>
                     </a:p>
                   </a:txBody>
                   <a:tcPr marT="91425" marB="91425" marR="91425" marL="91425" anchor="ctr">
@@ -15624,10 +15953,68 @@
                         <a:buNone/>
                       </a:pPr>
                       <a:r>
-                        <a:rPr b="1" lang="en" sz="1800"/>
-                        <a:t>10 ECTS</a:t>
+                        <a:t/>
                       </a:r>
-                      <a:endParaRPr b="1" sz="1800"/>
+                      <a:endParaRPr b="1"/>
+                    </a:p>
+                  </a:txBody>
+                  <a:tcPr marT="91425" marB="91425" marR="91425" marL="91425" anchor="ctr">
+                    <a:lnL cap="flat" cmpd="sng" w="38100">
+                      <a:solidFill>
+                        <a:schemeClr val="lt1"/>
+                      </a:solidFill>
+                      <a:prstDash val="solid"/>
+                      <a:round/>
+                      <a:headEnd len="sm" w="sm" type="none"/>
+                      <a:tailEnd len="sm" w="sm" type="none"/>
+                    </a:lnL>
+                    <a:lnR cap="flat" cmpd="sng" w="38100">
+                      <a:solidFill>
+                        <a:schemeClr val="lt1"/>
+                      </a:solidFill>
+                      <a:prstDash val="solid"/>
+                      <a:round/>
+                      <a:headEnd len="sm" w="sm" type="none"/>
+                      <a:tailEnd len="sm" w="sm" type="none"/>
+                    </a:lnR>
+                    <a:lnT cap="flat" cmpd="sng" w="38100">
+                      <a:solidFill>
+                        <a:schemeClr val="lt1"/>
+                      </a:solidFill>
+                      <a:prstDash val="solid"/>
+                      <a:round/>
+                      <a:headEnd len="sm" w="sm" type="none"/>
+                      <a:tailEnd len="sm" w="sm" type="none"/>
+                    </a:lnT>
+                    <a:lnB cap="flat" cmpd="sng" w="38100">
+                      <a:solidFill>
+                        <a:schemeClr val="lt1"/>
+                      </a:solidFill>
+                      <a:prstDash val="solid"/>
+                      <a:round/>
+                      <a:headEnd len="sm" w="sm" type="none"/>
+                      <a:tailEnd len="sm" w="sm" type="none"/>
+                    </a:lnB>
+                  </a:tcPr>
+                </a:tc>
+                <a:tc>
+                  <a:txBody>
+                    <a:bodyPr/>
+                    <a:lstStyle/>
+                    <a:p>
+                      <a:pPr indent="0" lvl="0" marL="0" rtl="0" algn="ctr">
+                        <a:spcBef>
+                          <a:spcPts val="0"/>
+                        </a:spcBef>
+                        <a:spcAft>
+                          <a:spcPts val="0"/>
+                        </a:spcAft>
+                        <a:buNone/>
+                      </a:pPr>
+                      <a:r>
+                        <a:t/>
+                      </a:r>
+                      <a:endParaRPr b="1"/>
                     </a:p>
                   </a:txBody>
                   <a:tcPr marT="91425" marB="91425" marR="91425" marL="91425" anchor="ctr">
@@ -15676,7 +16063,7 @@
       </p:graphicFrame>
       <p:sp>
         <p:nvSpPr>
-          <p:cNvPr id="95" name="Google Shape;95;p16"/>
+          <p:cNvPr id="89" name="Google Shape;89;p15"/>
           <p:cNvSpPr txBox="1"/>
           <p:nvPr/>
         </p:nvSpPr>
@@ -15727,6 +16114,2178 @@
             <a:r>
               <a:rPr lang="en"/>
               <a:t>PROJ = Project</a:t>
+            </a:r>
+            <a:endParaRPr/>
+          </a:p>
+        </p:txBody>
+      </p:sp>
+    </p:spTree>
+  </p:cSld>
+  <p:clrMapOvr>
+    <a:masterClrMapping/>
+  </p:clrMapOvr>
+</p:sld>
+</file>
+
+<file path=ppt/slides/slide9.xml><?xml version="1.0" encoding="utf-8"?>
+<p:sld xmlns:a="http://schemas.openxmlformats.org/drawingml/2006/main" xmlns:r="http://schemas.openxmlformats.org/officeDocument/2006/relationships" xmlns:mc="http://schemas.openxmlformats.org/markup-compatibility/2006" xmlns:mv="urn:schemas-microsoft-com:mac:vml" xmlns:p="http://schemas.openxmlformats.org/presentationml/2006/main" xmlns:c="http://schemas.openxmlformats.org/drawingml/2006/chart" xmlns:dgm="http://schemas.openxmlformats.org/drawingml/2006/diagram" xmlns:o="urn:schemas-microsoft-com:office:office" xmlns:v="urn:schemas-microsoft-com:vml" xmlns:pvml="urn:schemas-microsoft-com:office:powerpoint" xmlns:com="http://schemas.openxmlformats.org/drawingml/2006/compatibility" xmlns:p14="http://schemas.microsoft.com/office/powerpoint/2010/main" xmlns:p15="http://schemas.microsoft.com/office/powerpoint/2012/main" xmlns:ahyp="http://schemas.microsoft.com/office/drawing/2018/hyperlinkcolor">
+  <p:cSld>
+    <p:spTree>
+      <p:nvGrpSpPr>
+        <p:cNvPr id="93" name="Shape 93"/>
+        <p:cNvGrpSpPr/>
+        <p:nvPr/>
+      </p:nvGrpSpPr>
+      <p:grpSpPr>
+        <a:xfrm>
+          <a:off x="0" y="0"/>
+          <a:ext cx="0" cy="0"/>
+          <a:chOff x="0" y="0"/>
+          <a:chExt cx="0" cy="0"/>
+        </a:xfrm>
+      </p:grpSpPr>
+      <p:sp>
+        <p:nvSpPr>
+          <p:cNvPr id="94" name="Google Shape;94;p16"/>
+          <p:cNvSpPr txBox="1"/>
+          <p:nvPr>
+            <p:ph type="title"/>
+          </p:nvPr>
+        </p:nvSpPr>
+        <p:spPr>
+          <a:xfrm>
+            <a:off x="0" y="0"/>
+            <a:ext cx="9144000" cy="685800"/>
+          </a:xfrm>
+          <a:prstGeom prst="rect">
+            <a:avLst/>
+          </a:prstGeom>
+        </p:spPr>
+        <p:txBody>
+          <a:bodyPr anchorCtr="0" anchor="ctr" bIns="0" lIns="274300" spcFirstLastPara="1" rIns="0" wrap="square" tIns="0">
+            <a:noAutofit/>
+          </a:bodyPr>
+          <a:lstStyle/>
+          <a:p>
+            <a:pPr indent="0" lvl="0" marL="0" rtl="0" algn="l">
+              <a:spcBef>
+                <a:spcPts val="0"/>
+              </a:spcBef>
+              <a:spcAft>
+                <a:spcPts val="0"/>
+              </a:spcAft>
+              <a:buNone/>
+            </a:pPr>
+            <a:r>
+              <a:rPr lang="en"/>
+              <a:t>Availability of Modules</a:t>
+            </a:r>
+            <a:endParaRPr/>
+          </a:p>
+        </p:txBody>
+      </p:sp>
+      <p:graphicFrame>
+        <p:nvGraphicFramePr>
+          <p:cNvPr id="95" name="Google Shape;95;p16"/>
+          <p:cNvGraphicFramePr/>
+          <p:nvPr/>
+        </p:nvGraphicFramePr>
+        <p:xfrm>
+          <a:off x="274320" y="914400"/>
+          <a:ext cx="3000000" cy="3000000"/>
+        </p:xfrm>
+        <a:graphic>
+          <a:graphicData uri="http://schemas.openxmlformats.org/drawingml/2006/table">
+            <a:tbl>
+              <a:tblPr>
+                <a:noFill/>
+                <a:tableStyleId>{BDD3B64A-7FFF-4E8F-87F6-037DE44E73C1}</a:tableStyleId>
+              </a:tblPr>
+              <a:tblGrid>
+                <a:gridCol w="1432550"/>
+                <a:gridCol w="1432550"/>
+                <a:gridCol w="1432550"/>
+                <a:gridCol w="1432550"/>
+                <a:gridCol w="1432550"/>
+                <a:gridCol w="1432550"/>
+              </a:tblGrid>
+              <a:tr h="609600">
+                <a:tc>
+                  <a:txBody>
+                    <a:bodyPr/>
+                    <a:lstStyle/>
+                    <a:p>
+                      <a:pPr indent="0" lvl="0" marL="0" rtl="0" algn="ctr">
+                        <a:spcBef>
+                          <a:spcPts val="0"/>
+                        </a:spcBef>
+                        <a:spcAft>
+                          <a:spcPts val="0"/>
+                        </a:spcAft>
+                        <a:buNone/>
+                      </a:pPr>
+                      <a:r>
+                        <a:t/>
+                      </a:r>
+                      <a:endParaRPr b="1"/>
+                    </a:p>
+                  </a:txBody>
+                  <a:tcPr marT="91425" marB="91425" marR="91425" marL="91425" anchor="ctr">
+                    <a:lnL cap="flat" cmpd="sng" w="38100">
+                      <a:solidFill>
+                        <a:schemeClr val="lt1"/>
+                      </a:solidFill>
+                      <a:prstDash val="solid"/>
+                      <a:round/>
+                      <a:headEnd len="sm" w="sm" type="none"/>
+                      <a:tailEnd len="sm" w="sm" type="none"/>
+                    </a:lnL>
+                    <a:lnR cap="flat" cmpd="sng" w="38100">
+                      <a:solidFill>
+                        <a:schemeClr val="lt1"/>
+                      </a:solidFill>
+                      <a:prstDash val="solid"/>
+                      <a:round/>
+                      <a:headEnd len="sm" w="sm" type="none"/>
+                      <a:tailEnd len="sm" w="sm" type="none"/>
+                    </a:lnR>
+                    <a:lnT cap="flat" cmpd="sng" w="38100">
+                      <a:solidFill>
+                        <a:schemeClr val="lt1"/>
+                      </a:solidFill>
+                      <a:prstDash val="solid"/>
+                      <a:round/>
+                      <a:headEnd len="sm" w="sm" type="none"/>
+                      <a:tailEnd len="sm" w="sm" type="none"/>
+                    </a:lnT>
+                    <a:lnB cap="flat" cmpd="sng" w="38100">
+                      <a:solidFill>
+                        <a:schemeClr val="lt1"/>
+                      </a:solidFill>
+                      <a:prstDash val="solid"/>
+                      <a:round/>
+                      <a:headEnd len="sm" w="sm" type="none"/>
+                      <a:tailEnd len="sm" w="sm" type="none"/>
+                    </a:lnB>
+                  </a:tcPr>
+                </a:tc>
+                <a:tc>
+                  <a:txBody>
+                    <a:bodyPr/>
+                    <a:lstStyle/>
+                    <a:p>
+                      <a:pPr indent="0" lvl="0" marL="0" rtl="0" algn="ctr">
+                        <a:spcBef>
+                          <a:spcPts val="0"/>
+                        </a:spcBef>
+                        <a:spcAft>
+                          <a:spcPts val="0"/>
+                        </a:spcAft>
+                        <a:buNone/>
+                      </a:pPr>
+                      <a:r>
+                        <a:t/>
+                      </a:r>
+                      <a:endParaRPr b="1"/>
+                    </a:p>
+                  </a:txBody>
+                  <a:tcPr marT="91425" marB="91425" marR="91425" marL="91425" anchor="ctr">
+                    <a:lnL cap="flat" cmpd="sng" w="38100">
+                      <a:solidFill>
+                        <a:schemeClr val="lt1"/>
+                      </a:solidFill>
+                      <a:prstDash val="solid"/>
+                      <a:round/>
+                      <a:headEnd len="sm" w="sm" type="none"/>
+                      <a:tailEnd len="sm" w="sm" type="none"/>
+                    </a:lnL>
+                    <a:lnR cap="flat" cmpd="sng" w="38100">
+                      <a:solidFill>
+                        <a:schemeClr val="lt1"/>
+                      </a:solidFill>
+                      <a:prstDash val="solid"/>
+                      <a:round/>
+                      <a:headEnd len="sm" w="sm" type="none"/>
+                      <a:tailEnd len="sm" w="sm" type="none"/>
+                    </a:lnR>
+                    <a:lnT cap="flat" cmpd="sng" w="38100">
+                      <a:solidFill>
+                        <a:schemeClr val="lt1"/>
+                      </a:solidFill>
+                      <a:prstDash val="solid"/>
+                      <a:round/>
+                      <a:headEnd len="sm" w="sm" type="none"/>
+                      <a:tailEnd len="sm" w="sm" type="none"/>
+                    </a:lnT>
+                    <a:lnB cap="flat" cmpd="sng" w="38100">
+                      <a:solidFill>
+                        <a:schemeClr val="lt1"/>
+                      </a:solidFill>
+                      <a:prstDash val="solid"/>
+                      <a:round/>
+                      <a:headEnd len="sm" w="sm" type="none"/>
+                      <a:tailEnd len="sm" w="sm" type="none"/>
+                    </a:lnB>
+                  </a:tcPr>
+                </a:tc>
+                <a:tc gridSpan="4">
+                  <a:txBody>
+                    <a:bodyPr/>
+                    <a:lstStyle/>
+                    <a:p>
+                      <a:pPr indent="0" lvl="0" marL="0" rtl="0" algn="ctr">
+                        <a:spcBef>
+                          <a:spcPts val="0"/>
+                        </a:spcBef>
+                        <a:spcAft>
+                          <a:spcPts val="0"/>
+                        </a:spcAft>
+                        <a:buNone/>
+                      </a:pPr>
+                      <a:r>
+                        <a:rPr b="1" lang="en" sz="1800">
+                          <a:solidFill>
+                            <a:schemeClr val="lt1"/>
+                          </a:solidFill>
+                        </a:rPr>
+                        <a:t>University</a:t>
+                      </a:r>
+                      <a:endParaRPr b="1" sz="1800">
+                        <a:solidFill>
+                          <a:schemeClr val="lt1"/>
+                        </a:solidFill>
+                      </a:endParaRPr>
+                    </a:p>
+                  </a:txBody>
+                  <a:tcPr marT="91425" marB="91425" marR="91425" marL="91425" anchor="ctr">
+                    <a:lnL cap="flat" cmpd="sng" w="38100">
+                      <a:solidFill>
+                        <a:schemeClr val="lt1"/>
+                      </a:solidFill>
+                      <a:prstDash val="solid"/>
+                      <a:round/>
+                      <a:headEnd len="sm" w="sm" type="none"/>
+                      <a:tailEnd len="sm" w="sm" type="none"/>
+                    </a:lnL>
+                    <a:lnR cap="flat" cmpd="sng" w="38100">
+                      <a:solidFill>
+                        <a:schemeClr val="lt1"/>
+                      </a:solidFill>
+                      <a:prstDash val="solid"/>
+                      <a:round/>
+                      <a:headEnd len="sm" w="sm" type="none"/>
+                      <a:tailEnd len="sm" w="sm" type="none"/>
+                    </a:lnR>
+                    <a:lnT cap="flat" cmpd="sng" w="38100">
+                      <a:solidFill>
+                        <a:schemeClr val="lt1"/>
+                      </a:solidFill>
+                      <a:prstDash val="solid"/>
+                      <a:round/>
+                      <a:headEnd len="sm" w="sm" type="none"/>
+                      <a:tailEnd len="sm" w="sm" type="none"/>
+                    </a:lnT>
+                    <a:lnB cap="flat" cmpd="sng" w="38100">
+                      <a:solidFill>
+                        <a:schemeClr val="lt1"/>
+                      </a:solidFill>
+                      <a:prstDash val="solid"/>
+                      <a:round/>
+                      <a:headEnd len="sm" w="sm" type="none"/>
+                      <a:tailEnd len="sm" w="sm" type="none"/>
+                    </a:lnB>
+                    <a:solidFill>
+                      <a:schemeClr val="dk2"/>
+                    </a:solidFill>
+                  </a:tcPr>
+                </a:tc>
+                <a:tc hMerge="1"/>
+                <a:tc hMerge="1"/>
+                <a:tc hMerge="1"/>
+              </a:tr>
+              <a:tr h="609600">
+                <a:tc>
+                  <a:txBody>
+                    <a:bodyPr/>
+                    <a:lstStyle/>
+                    <a:p>
+                      <a:pPr indent="0" lvl="0" marL="0" rtl="0" algn="ctr">
+                        <a:spcBef>
+                          <a:spcPts val="0"/>
+                        </a:spcBef>
+                        <a:spcAft>
+                          <a:spcPts val="0"/>
+                        </a:spcAft>
+                        <a:buNone/>
+                      </a:pPr>
+                      <a:r>
+                        <a:t/>
+                      </a:r>
+                      <a:endParaRPr b="1"/>
+                    </a:p>
+                  </a:txBody>
+                  <a:tcPr marT="91425" marB="91425" marR="91425" marL="91425" anchor="ctr">
+                    <a:lnL cap="flat" cmpd="sng" w="38100">
+                      <a:solidFill>
+                        <a:schemeClr val="lt1"/>
+                      </a:solidFill>
+                      <a:prstDash val="solid"/>
+                      <a:round/>
+                      <a:headEnd len="sm" w="sm" type="none"/>
+                      <a:tailEnd len="sm" w="sm" type="none"/>
+                    </a:lnL>
+                    <a:lnR cap="flat" cmpd="sng" w="38100">
+                      <a:solidFill>
+                        <a:schemeClr val="lt1"/>
+                      </a:solidFill>
+                      <a:prstDash val="solid"/>
+                      <a:round/>
+                      <a:headEnd len="sm" w="sm" type="none"/>
+                      <a:tailEnd len="sm" w="sm" type="none"/>
+                    </a:lnR>
+                    <a:lnT cap="flat" cmpd="sng" w="38100">
+                      <a:solidFill>
+                        <a:schemeClr val="lt1"/>
+                      </a:solidFill>
+                      <a:prstDash val="solid"/>
+                      <a:round/>
+                      <a:headEnd len="sm" w="sm" type="none"/>
+                      <a:tailEnd len="sm" w="sm" type="none"/>
+                    </a:lnT>
+                    <a:lnB cap="flat" cmpd="sng" w="38100">
+                      <a:solidFill>
+                        <a:schemeClr val="lt1"/>
+                      </a:solidFill>
+                      <a:prstDash val="solid"/>
+                      <a:round/>
+                      <a:headEnd len="sm" w="sm" type="none"/>
+                      <a:tailEnd len="sm" w="sm" type="none"/>
+                    </a:lnB>
+                  </a:tcPr>
+                </a:tc>
+                <a:tc>
+                  <a:txBody>
+                    <a:bodyPr/>
+                    <a:lstStyle/>
+                    <a:p>
+                      <a:pPr indent="0" lvl="0" marL="0" rtl="0" algn="ctr">
+                        <a:spcBef>
+                          <a:spcPts val="0"/>
+                        </a:spcBef>
+                        <a:spcAft>
+                          <a:spcPts val="0"/>
+                        </a:spcAft>
+                        <a:buNone/>
+                      </a:pPr>
+                      <a:r>
+                        <a:t/>
+                      </a:r>
+                      <a:endParaRPr b="1"/>
+                    </a:p>
+                  </a:txBody>
+                  <a:tcPr marT="91425" marB="91425" marR="91425" marL="91425" anchor="ctr">
+                    <a:lnL cap="flat" cmpd="sng" w="38100">
+                      <a:solidFill>
+                        <a:schemeClr val="lt1"/>
+                      </a:solidFill>
+                      <a:prstDash val="solid"/>
+                      <a:round/>
+                      <a:headEnd len="sm" w="sm" type="none"/>
+                      <a:tailEnd len="sm" w="sm" type="none"/>
+                    </a:lnL>
+                    <a:lnR cap="flat" cmpd="sng" w="38100">
+                      <a:solidFill>
+                        <a:schemeClr val="lt1"/>
+                      </a:solidFill>
+                      <a:prstDash val="solid"/>
+                      <a:round/>
+                      <a:headEnd len="sm" w="sm" type="none"/>
+                      <a:tailEnd len="sm" w="sm" type="none"/>
+                    </a:lnR>
+                    <a:lnT cap="flat" cmpd="sng" w="38100">
+                      <a:solidFill>
+                        <a:schemeClr val="lt1"/>
+                      </a:solidFill>
+                      <a:prstDash val="solid"/>
+                      <a:round/>
+                      <a:headEnd len="sm" w="sm" type="none"/>
+                      <a:tailEnd len="sm" w="sm" type="none"/>
+                    </a:lnT>
+                    <a:lnB cap="flat" cmpd="sng" w="38100">
+                      <a:solidFill>
+                        <a:schemeClr val="lt1"/>
+                      </a:solidFill>
+                      <a:prstDash val="solid"/>
+                      <a:round/>
+                      <a:headEnd len="sm" w="sm" type="none"/>
+                      <a:tailEnd len="sm" w="sm" type="none"/>
+                    </a:lnB>
+                  </a:tcPr>
+                </a:tc>
+                <a:tc>
+                  <a:txBody>
+                    <a:bodyPr/>
+                    <a:lstStyle/>
+                    <a:p>
+                      <a:pPr indent="0" lvl="0" marL="0" rtl="0" algn="ctr">
+                        <a:spcBef>
+                          <a:spcPts val="0"/>
+                        </a:spcBef>
+                        <a:spcAft>
+                          <a:spcPts val="0"/>
+                        </a:spcAft>
+                        <a:buNone/>
+                      </a:pPr>
+                      <a:r>
+                        <a:rPr b="1" lang="en">
+                          <a:solidFill>
+                            <a:schemeClr val="lt1"/>
+                          </a:solidFill>
+                        </a:rPr>
+                        <a:t>Univ. Erlangen</a:t>
+                      </a:r>
+                      <a:endParaRPr b="1">
+                        <a:solidFill>
+                          <a:schemeClr val="lt1"/>
+                        </a:solidFill>
+                      </a:endParaRPr>
+                    </a:p>
+                  </a:txBody>
+                  <a:tcPr marT="91425" marB="91425" marR="91425" marL="91425" anchor="ctr">
+                    <a:lnL cap="flat" cmpd="sng" w="38100">
+                      <a:solidFill>
+                        <a:schemeClr val="lt1"/>
+                      </a:solidFill>
+                      <a:prstDash val="solid"/>
+                      <a:round/>
+                      <a:headEnd len="sm" w="sm" type="none"/>
+                      <a:tailEnd len="sm" w="sm" type="none"/>
+                    </a:lnL>
+                    <a:lnR cap="flat" cmpd="sng" w="38100">
+                      <a:solidFill>
+                        <a:schemeClr val="lt1"/>
+                      </a:solidFill>
+                      <a:prstDash val="solid"/>
+                      <a:round/>
+                      <a:headEnd len="sm" w="sm" type="none"/>
+                      <a:tailEnd len="sm" w="sm" type="none"/>
+                    </a:lnR>
+                    <a:lnT cap="flat" cmpd="sng" w="38100">
+                      <a:solidFill>
+                        <a:schemeClr val="lt1"/>
+                      </a:solidFill>
+                      <a:prstDash val="solid"/>
+                      <a:round/>
+                      <a:headEnd len="sm" w="sm" type="none"/>
+                      <a:tailEnd len="sm" w="sm" type="none"/>
+                    </a:lnT>
+                    <a:lnB cap="flat" cmpd="sng" w="38100">
+                      <a:solidFill>
+                        <a:schemeClr val="lt1"/>
+                      </a:solidFill>
+                      <a:prstDash val="solid"/>
+                      <a:round/>
+                      <a:headEnd len="sm" w="sm" type="none"/>
+                      <a:tailEnd len="sm" w="sm" type="none"/>
+                    </a:lnB>
+                    <a:solidFill>
+                      <a:schemeClr val="lt2"/>
+                    </a:solidFill>
+                  </a:tcPr>
+                </a:tc>
+                <a:tc>
+                  <a:txBody>
+                    <a:bodyPr/>
+                    <a:lstStyle/>
+                    <a:p>
+                      <a:pPr indent="0" lvl="0" marL="0" rtl="0" algn="l">
+                        <a:spcBef>
+                          <a:spcPts val="0"/>
+                        </a:spcBef>
+                        <a:spcAft>
+                          <a:spcPts val="0"/>
+                        </a:spcAft>
+                        <a:buNone/>
+                      </a:pPr>
+                      <a:r>
+                        <a:t/>
+                      </a:r>
+                      <a:endParaRPr/>
+                    </a:p>
+                  </a:txBody>
+                  <a:tcPr marT="91425" marB="91425" marR="91425" marL="91425" anchor="ctr">
+                    <a:lnL cap="flat" cmpd="sng" w="38100">
+                      <a:solidFill>
+                        <a:schemeClr val="lt1"/>
+                      </a:solidFill>
+                      <a:prstDash val="solid"/>
+                      <a:round/>
+                      <a:headEnd len="sm" w="sm" type="none"/>
+                      <a:tailEnd len="sm" w="sm" type="none"/>
+                    </a:lnL>
+                    <a:lnR cap="flat" cmpd="sng" w="38100">
+                      <a:solidFill>
+                        <a:schemeClr val="lt1"/>
+                      </a:solidFill>
+                      <a:prstDash val="solid"/>
+                      <a:round/>
+                      <a:headEnd len="sm" w="sm" type="none"/>
+                      <a:tailEnd len="sm" w="sm" type="none"/>
+                    </a:lnR>
+                    <a:lnT cap="flat" cmpd="sng" w="38100">
+                      <a:solidFill>
+                        <a:schemeClr val="lt1"/>
+                      </a:solidFill>
+                      <a:prstDash val="solid"/>
+                      <a:round/>
+                      <a:headEnd len="sm" w="sm" type="none"/>
+                      <a:tailEnd len="sm" w="sm" type="none"/>
+                    </a:lnT>
+                    <a:lnB cap="flat" cmpd="sng" w="38100">
+                      <a:solidFill>
+                        <a:schemeClr val="lt1"/>
+                      </a:solidFill>
+                      <a:prstDash val="solid"/>
+                      <a:round/>
+                      <a:headEnd len="sm" w="sm" type="none"/>
+                      <a:tailEnd len="sm" w="sm" type="none"/>
+                    </a:lnB>
+                    <a:solidFill>
+                      <a:schemeClr val="lt2"/>
+                    </a:solidFill>
+                  </a:tcPr>
+                </a:tc>
+                <a:tc>
+                  <a:txBody>
+                    <a:bodyPr/>
+                    <a:lstStyle/>
+                    <a:p>
+                      <a:pPr indent="0" lvl="0" marL="0" rtl="0" algn="l">
+                        <a:spcBef>
+                          <a:spcPts val="0"/>
+                        </a:spcBef>
+                        <a:spcAft>
+                          <a:spcPts val="0"/>
+                        </a:spcAft>
+                        <a:buNone/>
+                      </a:pPr>
+                      <a:r>
+                        <a:t/>
+                      </a:r>
+                      <a:endParaRPr/>
+                    </a:p>
+                  </a:txBody>
+                  <a:tcPr marT="91425" marB="91425" marR="91425" marL="91425" anchor="ctr">
+                    <a:lnL cap="flat" cmpd="sng" w="38100">
+                      <a:solidFill>
+                        <a:schemeClr val="lt1"/>
+                      </a:solidFill>
+                      <a:prstDash val="solid"/>
+                      <a:round/>
+                      <a:headEnd len="sm" w="sm" type="none"/>
+                      <a:tailEnd len="sm" w="sm" type="none"/>
+                    </a:lnL>
+                    <a:lnR cap="flat" cmpd="sng" w="38100">
+                      <a:solidFill>
+                        <a:schemeClr val="lt1"/>
+                      </a:solidFill>
+                      <a:prstDash val="solid"/>
+                      <a:round/>
+                      <a:headEnd len="sm" w="sm" type="none"/>
+                      <a:tailEnd len="sm" w="sm" type="none"/>
+                    </a:lnR>
+                    <a:lnT cap="flat" cmpd="sng" w="38100">
+                      <a:solidFill>
+                        <a:schemeClr val="lt1"/>
+                      </a:solidFill>
+                      <a:prstDash val="solid"/>
+                      <a:round/>
+                      <a:headEnd len="sm" w="sm" type="none"/>
+                      <a:tailEnd len="sm" w="sm" type="none"/>
+                    </a:lnT>
+                    <a:lnB cap="flat" cmpd="sng" w="38100">
+                      <a:solidFill>
+                        <a:schemeClr val="lt1"/>
+                      </a:solidFill>
+                      <a:prstDash val="solid"/>
+                      <a:round/>
+                      <a:headEnd len="sm" w="sm" type="none"/>
+                      <a:tailEnd len="sm" w="sm" type="none"/>
+                    </a:lnB>
+                    <a:solidFill>
+                      <a:schemeClr val="lt2"/>
+                    </a:solidFill>
+                  </a:tcPr>
+                </a:tc>
+                <a:tc>
+                  <a:txBody>
+                    <a:bodyPr/>
+                    <a:lstStyle/>
+                    <a:p>
+                      <a:pPr indent="0" lvl="0" marL="0" rtl="0" algn="ctr">
+                        <a:spcBef>
+                          <a:spcPts val="0"/>
+                        </a:spcBef>
+                        <a:spcAft>
+                          <a:spcPts val="0"/>
+                        </a:spcAft>
+                        <a:buNone/>
+                      </a:pPr>
+                      <a:r>
+                        <a:t/>
+                      </a:r>
+                      <a:endParaRPr b="1">
+                        <a:solidFill>
+                          <a:schemeClr val="lt1"/>
+                        </a:solidFill>
+                      </a:endParaRPr>
+                    </a:p>
+                  </a:txBody>
+                  <a:tcPr marT="91425" marB="91425" marR="91425" marL="91425" anchor="ctr">
+                    <a:lnL cap="flat" cmpd="sng" w="38100">
+                      <a:solidFill>
+                        <a:schemeClr val="lt1"/>
+                      </a:solidFill>
+                      <a:prstDash val="solid"/>
+                      <a:round/>
+                      <a:headEnd len="sm" w="sm" type="none"/>
+                      <a:tailEnd len="sm" w="sm" type="none"/>
+                    </a:lnL>
+                    <a:lnR cap="flat" cmpd="sng" w="38100">
+                      <a:solidFill>
+                        <a:schemeClr val="lt1"/>
+                      </a:solidFill>
+                      <a:prstDash val="solid"/>
+                      <a:round/>
+                      <a:headEnd len="sm" w="sm" type="none"/>
+                      <a:tailEnd len="sm" w="sm" type="none"/>
+                    </a:lnR>
+                    <a:lnT cap="flat" cmpd="sng" w="38100">
+                      <a:solidFill>
+                        <a:schemeClr val="lt1"/>
+                      </a:solidFill>
+                      <a:prstDash val="solid"/>
+                      <a:round/>
+                      <a:headEnd len="sm" w="sm" type="none"/>
+                      <a:tailEnd len="sm" w="sm" type="none"/>
+                    </a:lnT>
+                    <a:lnB cap="flat" cmpd="sng" w="38100">
+                      <a:solidFill>
+                        <a:schemeClr val="lt1"/>
+                      </a:solidFill>
+                      <a:prstDash val="solid"/>
+                      <a:round/>
+                      <a:headEnd len="sm" w="sm" type="none"/>
+                      <a:tailEnd len="sm" w="sm" type="none"/>
+                    </a:lnB>
+                    <a:solidFill>
+                      <a:schemeClr val="lt2"/>
+                    </a:solidFill>
+                  </a:tcPr>
+                </a:tc>
+              </a:tr>
+              <a:tr h="609600">
+                <a:tc rowSpan="4">
+                  <a:txBody>
+                    <a:bodyPr/>
+                    <a:lstStyle/>
+                    <a:p>
+                      <a:pPr indent="0" lvl="0" marL="0" rtl="0" algn="ctr">
+                        <a:spcBef>
+                          <a:spcPts val="0"/>
+                        </a:spcBef>
+                        <a:spcAft>
+                          <a:spcPts val="0"/>
+                        </a:spcAft>
+                        <a:buNone/>
+                      </a:pPr>
+                      <a:r>
+                        <a:rPr b="1" lang="en" sz="1800">
+                          <a:solidFill>
+                            <a:schemeClr val="lt1"/>
+                          </a:solidFill>
+                        </a:rPr>
+                        <a:t>Modules</a:t>
+                      </a:r>
+                      <a:endParaRPr b="1" sz="1800">
+                        <a:solidFill>
+                          <a:schemeClr val="lt1"/>
+                        </a:solidFill>
+                      </a:endParaRPr>
+                    </a:p>
+                  </a:txBody>
+                  <a:tcPr marT="91425" marB="91425" marR="91425" marL="91425" anchor="ctr">
+                    <a:lnL cap="flat" cmpd="sng" w="38100">
+                      <a:solidFill>
+                        <a:schemeClr val="lt1"/>
+                      </a:solidFill>
+                      <a:prstDash val="solid"/>
+                      <a:round/>
+                      <a:headEnd len="sm" w="sm" type="none"/>
+                      <a:tailEnd len="sm" w="sm" type="none"/>
+                    </a:lnL>
+                    <a:lnR cap="flat" cmpd="sng" w="38100">
+                      <a:solidFill>
+                        <a:schemeClr val="lt1"/>
+                      </a:solidFill>
+                      <a:prstDash val="solid"/>
+                      <a:round/>
+                      <a:headEnd len="sm" w="sm" type="none"/>
+                      <a:tailEnd len="sm" w="sm" type="none"/>
+                    </a:lnR>
+                    <a:lnT cap="flat" cmpd="sng" w="38100">
+                      <a:solidFill>
+                        <a:schemeClr val="lt1"/>
+                      </a:solidFill>
+                      <a:prstDash val="solid"/>
+                      <a:round/>
+                      <a:headEnd len="sm" w="sm" type="none"/>
+                      <a:tailEnd len="sm" w="sm" type="none"/>
+                    </a:lnT>
+                    <a:lnB cap="flat" cmpd="sng" w="38100">
+                      <a:solidFill>
+                        <a:schemeClr val="lt1"/>
+                      </a:solidFill>
+                      <a:prstDash val="solid"/>
+                      <a:round/>
+                      <a:headEnd len="sm" w="sm" type="none"/>
+                      <a:tailEnd len="sm" w="sm" type="none"/>
+                    </a:lnB>
+                    <a:solidFill>
+                      <a:schemeClr val="dk2"/>
+                    </a:solidFill>
+                  </a:tcPr>
+                </a:tc>
+                <a:tc>
+                  <a:txBody>
+                    <a:bodyPr/>
+                    <a:lstStyle/>
+                    <a:p>
+                      <a:pPr indent="0" lvl="0" marL="0" rtl="0" algn="ctr">
+                        <a:spcBef>
+                          <a:spcPts val="0"/>
+                        </a:spcBef>
+                        <a:spcAft>
+                          <a:spcPts val="0"/>
+                        </a:spcAft>
+                        <a:buNone/>
+                      </a:pPr>
+                      <a:r>
+                        <a:rPr b="1" lang="en">
+                          <a:solidFill>
+                            <a:schemeClr val="lt1"/>
+                          </a:solidFill>
+                        </a:rPr>
+                        <a:t>NYT-VUE</a:t>
+                      </a:r>
+                      <a:endParaRPr b="1">
+                        <a:solidFill>
+                          <a:schemeClr val="lt1"/>
+                        </a:solidFill>
+                      </a:endParaRPr>
+                    </a:p>
+                  </a:txBody>
+                  <a:tcPr marT="91425" marB="91425" marR="91425" marL="91425" anchor="ctr">
+                    <a:lnL cap="flat" cmpd="sng" w="38100">
+                      <a:solidFill>
+                        <a:schemeClr val="lt1"/>
+                      </a:solidFill>
+                      <a:prstDash val="solid"/>
+                      <a:round/>
+                      <a:headEnd len="sm" w="sm" type="none"/>
+                      <a:tailEnd len="sm" w="sm" type="none"/>
+                    </a:lnL>
+                    <a:lnR cap="flat" cmpd="sng" w="38100">
+                      <a:solidFill>
+                        <a:schemeClr val="lt1"/>
+                      </a:solidFill>
+                      <a:prstDash val="solid"/>
+                      <a:round/>
+                      <a:headEnd len="sm" w="sm" type="none"/>
+                      <a:tailEnd len="sm" w="sm" type="none"/>
+                    </a:lnR>
+                    <a:lnT cap="flat" cmpd="sng" w="38100">
+                      <a:solidFill>
+                        <a:schemeClr val="lt1"/>
+                      </a:solidFill>
+                      <a:prstDash val="solid"/>
+                      <a:round/>
+                      <a:headEnd len="sm" w="sm" type="none"/>
+                      <a:tailEnd len="sm" w="sm" type="none"/>
+                    </a:lnT>
+                    <a:lnB cap="flat" cmpd="sng" w="38100">
+                      <a:solidFill>
+                        <a:schemeClr val="lt1"/>
+                      </a:solidFill>
+                      <a:prstDash val="solid"/>
+                      <a:round/>
+                      <a:headEnd len="sm" w="sm" type="none"/>
+                      <a:tailEnd len="sm" w="sm" type="none"/>
+                    </a:lnB>
+                    <a:solidFill>
+                      <a:schemeClr val="lt2"/>
+                    </a:solidFill>
+                  </a:tcPr>
+                </a:tc>
+                <a:tc>
+                  <a:txBody>
+                    <a:bodyPr/>
+                    <a:lstStyle/>
+                    <a:p>
+                      <a:pPr indent="0" lvl="0" marL="0" rtl="0" algn="ctr">
+                        <a:spcBef>
+                          <a:spcPts val="0"/>
+                        </a:spcBef>
+                        <a:spcAft>
+                          <a:spcPts val="0"/>
+                        </a:spcAft>
+                        <a:buNone/>
+                      </a:pPr>
+                      <a:r>
+                        <a:rPr b="1" lang="en"/>
+                        <a:t>x</a:t>
+                      </a:r>
+                      <a:endParaRPr b="1"/>
+                    </a:p>
+                  </a:txBody>
+                  <a:tcPr marT="91425" marB="91425" marR="91425" marL="91425" anchor="ctr">
+                    <a:lnL cap="flat" cmpd="sng" w="38100">
+                      <a:solidFill>
+                        <a:schemeClr val="lt1"/>
+                      </a:solidFill>
+                      <a:prstDash val="solid"/>
+                      <a:round/>
+                      <a:headEnd len="sm" w="sm" type="none"/>
+                      <a:tailEnd len="sm" w="sm" type="none"/>
+                    </a:lnL>
+                    <a:lnR cap="flat" cmpd="sng" w="38100">
+                      <a:solidFill>
+                        <a:schemeClr val="lt1"/>
+                      </a:solidFill>
+                      <a:prstDash val="solid"/>
+                      <a:round/>
+                      <a:headEnd len="sm" w="sm" type="none"/>
+                      <a:tailEnd len="sm" w="sm" type="none"/>
+                    </a:lnR>
+                    <a:lnT cap="flat" cmpd="sng" w="38100">
+                      <a:solidFill>
+                        <a:schemeClr val="lt1"/>
+                      </a:solidFill>
+                      <a:prstDash val="solid"/>
+                      <a:round/>
+                      <a:headEnd len="sm" w="sm" type="none"/>
+                      <a:tailEnd len="sm" w="sm" type="none"/>
+                    </a:lnT>
+                    <a:lnB cap="flat" cmpd="sng" w="38100">
+                      <a:solidFill>
+                        <a:schemeClr val="lt1"/>
+                      </a:solidFill>
+                      <a:prstDash val="solid"/>
+                      <a:round/>
+                      <a:headEnd len="sm" w="sm" type="none"/>
+                      <a:tailEnd len="sm" w="sm" type="none"/>
+                    </a:lnB>
+                    <a:solidFill>
+                      <a:schemeClr val="accent1"/>
+                    </a:solidFill>
+                  </a:tcPr>
+                </a:tc>
+                <a:tc>
+                  <a:txBody>
+                    <a:bodyPr/>
+                    <a:lstStyle/>
+                    <a:p>
+                      <a:pPr indent="0" lvl="0" marL="0" rtl="0" algn="l">
+                        <a:spcBef>
+                          <a:spcPts val="0"/>
+                        </a:spcBef>
+                        <a:spcAft>
+                          <a:spcPts val="0"/>
+                        </a:spcAft>
+                        <a:buNone/>
+                      </a:pPr>
+                      <a:r>
+                        <a:t/>
+                      </a:r>
+                      <a:endParaRPr/>
+                    </a:p>
+                  </a:txBody>
+                  <a:tcPr marT="91425" marB="91425" marR="91425" marL="91425" anchor="ctr">
+                    <a:lnL cap="flat" cmpd="sng" w="38100">
+                      <a:solidFill>
+                        <a:schemeClr val="lt1"/>
+                      </a:solidFill>
+                      <a:prstDash val="solid"/>
+                      <a:round/>
+                      <a:headEnd len="sm" w="sm" type="none"/>
+                      <a:tailEnd len="sm" w="sm" type="none"/>
+                    </a:lnL>
+                    <a:lnR cap="flat" cmpd="sng" w="38100">
+                      <a:solidFill>
+                        <a:schemeClr val="lt1"/>
+                      </a:solidFill>
+                      <a:prstDash val="solid"/>
+                      <a:round/>
+                      <a:headEnd len="sm" w="sm" type="none"/>
+                      <a:tailEnd len="sm" w="sm" type="none"/>
+                    </a:lnR>
+                    <a:lnT cap="flat" cmpd="sng" w="38100">
+                      <a:solidFill>
+                        <a:schemeClr val="lt1"/>
+                      </a:solidFill>
+                      <a:prstDash val="solid"/>
+                      <a:round/>
+                      <a:headEnd len="sm" w="sm" type="none"/>
+                      <a:tailEnd len="sm" w="sm" type="none"/>
+                    </a:lnT>
+                    <a:lnB cap="flat" cmpd="sng" w="38100">
+                      <a:solidFill>
+                        <a:schemeClr val="lt1"/>
+                      </a:solidFill>
+                      <a:prstDash val="solid"/>
+                      <a:round/>
+                      <a:headEnd len="sm" w="sm" type="none"/>
+                      <a:tailEnd len="sm" w="sm" type="none"/>
+                    </a:lnB>
+                    <a:solidFill>
+                      <a:schemeClr val="accent1"/>
+                    </a:solidFill>
+                  </a:tcPr>
+                </a:tc>
+                <a:tc>
+                  <a:txBody>
+                    <a:bodyPr/>
+                    <a:lstStyle/>
+                    <a:p>
+                      <a:pPr indent="0" lvl="0" marL="0" rtl="0" algn="l">
+                        <a:spcBef>
+                          <a:spcPts val="0"/>
+                        </a:spcBef>
+                        <a:spcAft>
+                          <a:spcPts val="0"/>
+                        </a:spcAft>
+                        <a:buNone/>
+                      </a:pPr>
+                      <a:r>
+                        <a:t/>
+                      </a:r>
+                      <a:endParaRPr/>
+                    </a:p>
+                  </a:txBody>
+                  <a:tcPr marT="91425" marB="91425" marR="91425" marL="91425" anchor="ctr">
+                    <a:lnL cap="flat" cmpd="sng" w="38100">
+                      <a:solidFill>
+                        <a:schemeClr val="lt1"/>
+                      </a:solidFill>
+                      <a:prstDash val="solid"/>
+                      <a:round/>
+                      <a:headEnd len="sm" w="sm" type="none"/>
+                      <a:tailEnd len="sm" w="sm" type="none"/>
+                    </a:lnL>
+                    <a:lnR cap="flat" cmpd="sng" w="38100">
+                      <a:solidFill>
+                        <a:schemeClr val="lt1"/>
+                      </a:solidFill>
+                      <a:prstDash val="solid"/>
+                      <a:round/>
+                      <a:headEnd len="sm" w="sm" type="none"/>
+                      <a:tailEnd len="sm" w="sm" type="none"/>
+                    </a:lnR>
+                    <a:lnT cap="flat" cmpd="sng" w="38100">
+                      <a:solidFill>
+                        <a:schemeClr val="lt1"/>
+                      </a:solidFill>
+                      <a:prstDash val="solid"/>
+                      <a:round/>
+                      <a:headEnd len="sm" w="sm" type="none"/>
+                      <a:tailEnd len="sm" w="sm" type="none"/>
+                    </a:lnT>
+                    <a:lnB cap="flat" cmpd="sng" w="38100">
+                      <a:solidFill>
+                        <a:schemeClr val="lt1"/>
+                      </a:solidFill>
+                      <a:prstDash val="solid"/>
+                      <a:round/>
+                      <a:headEnd len="sm" w="sm" type="none"/>
+                      <a:tailEnd len="sm" w="sm" type="none"/>
+                    </a:lnB>
+                    <a:solidFill>
+                      <a:schemeClr val="accent1"/>
+                    </a:solidFill>
+                  </a:tcPr>
+                </a:tc>
+                <a:tc>
+                  <a:txBody>
+                    <a:bodyPr/>
+                    <a:lstStyle/>
+                    <a:p>
+                      <a:pPr indent="0" lvl="0" marL="0" rtl="0" algn="ctr">
+                        <a:spcBef>
+                          <a:spcPts val="0"/>
+                        </a:spcBef>
+                        <a:spcAft>
+                          <a:spcPts val="0"/>
+                        </a:spcAft>
+                        <a:buNone/>
+                      </a:pPr>
+                      <a:r>
+                        <a:t/>
+                      </a:r>
+                      <a:endParaRPr b="1"/>
+                    </a:p>
+                  </a:txBody>
+                  <a:tcPr marT="91425" marB="91425" marR="91425" marL="91425" anchor="ctr">
+                    <a:lnL cap="flat" cmpd="sng" w="38100">
+                      <a:solidFill>
+                        <a:schemeClr val="lt1"/>
+                      </a:solidFill>
+                      <a:prstDash val="solid"/>
+                      <a:round/>
+                      <a:headEnd len="sm" w="sm" type="none"/>
+                      <a:tailEnd len="sm" w="sm" type="none"/>
+                    </a:lnL>
+                    <a:lnR cap="flat" cmpd="sng" w="38100">
+                      <a:solidFill>
+                        <a:schemeClr val="lt1"/>
+                      </a:solidFill>
+                      <a:prstDash val="solid"/>
+                      <a:round/>
+                      <a:headEnd len="sm" w="sm" type="none"/>
+                      <a:tailEnd len="sm" w="sm" type="none"/>
+                    </a:lnR>
+                    <a:lnT cap="flat" cmpd="sng" w="38100">
+                      <a:solidFill>
+                        <a:schemeClr val="lt1"/>
+                      </a:solidFill>
+                      <a:prstDash val="solid"/>
+                      <a:round/>
+                      <a:headEnd len="sm" w="sm" type="none"/>
+                      <a:tailEnd len="sm" w="sm" type="none"/>
+                    </a:lnT>
+                    <a:lnB cap="flat" cmpd="sng" w="38100">
+                      <a:solidFill>
+                        <a:schemeClr val="lt1"/>
+                      </a:solidFill>
+                      <a:prstDash val="solid"/>
+                      <a:round/>
+                      <a:headEnd len="sm" w="sm" type="none"/>
+                      <a:tailEnd len="sm" w="sm" type="none"/>
+                    </a:lnB>
+                    <a:solidFill>
+                      <a:schemeClr val="accent1"/>
+                    </a:solidFill>
+                  </a:tcPr>
+                </a:tc>
+              </a:tr>
+              <a:tr h="609600">
+                <a:tc vMerge="1"/>
+                <a:tc>
+                  <a:txBody>
+                    <a:bodyPr/>
+                    <a:lstStyle/>
+                    <a:p>
+                      <a:pPr indent="0" lvl="0" marL="0" rtl="0" algn="ctr">
+                        <a:spcBef>
+                          <a:spcPts val="0"/>
+                        </a:spcBef>
+                        <a:spcAft>
+                          <a:spcPts val="0"/>
+                        </a:spcAft>
+                        <a:buNone/>
+                      </a:pPr>
+                      <a:r>
+                        <a:rPr b="1" lang="en">
+                          <a:solidFill>
+                            <a:schemeClr val="lt1"/>
+                          </a:solidFill>
+                        </a:rPr>
+                        <a:t>NYT-PROJ</a:t>
+                      </a:r>
+                      <a:endParaRPr b="1">
+                        <a:solidFill>
+                          <a:schemeClr val="lt1"/>
+                        </a:solidFill>
+                      </a:endParaRPr>
+                    </a:p>
+                  </a:txBody>
+                  <a:tcPr marT="91425" marB="91425" marR="91425" marL="91425" anchor="ctr">
+                    <a:lnL cap="flat" cmpd="sng" w="38100">
+                      <a:solidFill>
+                        <a:schemeClr val="lt1"/>
+                      </a:solidFill>
+                      <a:prstDash val="solid"/>
+                      <a:round/>
+                      <a:headEnd len="sm" w="sm" type="none"/>
+                      <a:tailEnd len="sm" w="sm" type="none"/>
+                    </a:lnL>
+                    <a:lnR cap="flat" cmpd="sng" w="38100">
+                      <a:solidFill>
+                        <a:schemeClr val="lt1"/>
+                      </a:solidFill>
+                      <a:prstDash val="solid"/>
+                      <a:round/>
+                      <a:headEnd len="sm" w="sm" type="none"/>
+                      <a:tailEnd len="sm" w="sm" type="none"/>
+                    </a:lnR>
+                    <a:lnT cap="flat" cmpd="sng" w="38100">
+                      <a:solidFill>
+                        <a:schemeClr val="lt1"/>
+                      </a:solidFill>
+                      <a:prstDash val="solid"/>
+                      <a:round/>
+                      <a:headEnd len="sm" w="sm" type="none"/>
+                      <a:tailEnd len="sm" w="sm" type="none"/>
+                    </a:lnT>
+                    <a:lnB cap="flat" cmpd="sng" w="38100">
+                      <a:solidFill>
+                        <a:schemeClr val="lt1"/>
+                      </a:solidFill>
+                      <a:prstDash val="solid"/>
+                      <a:round/>
+                      <a:headEnd len="sm" w="sm" type="none"/>
+                      <a:tailEnd len="sm" w="sm" type="none"/>
+                    </a:lnB>
+                    <a:solidFill>
+                      <a:schemeClr val="lt2"/>
+                    </a:solidFill>
+                  </a:tcPr>
+                </a:tc>
+                <a:tc>
+                  <a:txBody>
+                    <a:bodyPr/>
+                    <a:lstStyle/>
+                    <a:p>
+                      <a:pPr indent="0" lvl="0" marL="0" rtl="0" algn="ctr">
+                        <a:spcBef>
+                          <a:spcPts val="0"/>
+                        </a:spcBef>
+                        <a:spcAft>
+                          <a:spcPts val="0"/>
+                        </a:spcAft>
+                        <a:buNone/>
+                      </a:pPr>
+                      <a:r>
+                        <a:rPr b="1" lang="en"/>
+                        <a:t>x</a:t>
+                      </a:r>
+                      <a:endParaRPr b="1"/>
+                    </a:p>
+                  </a:txBody>
+                  <a:tcPr marT="91425" marB="91425" marR="91425" marL="91425" anchor="ctr">
+                    <a:lnL cap="flat" cmpd="sng" w="38100">
+                      <a:solidFill>
+                        <a:schemeClr val="lt1"/>
+                      </a:solidFill>
+                      <a:prstDash val="solid"/>
+                      <a:round/>
+                      <a:headEnd len="sm" w="sm" type="none"/>
+                      <a:tailEnd len="sm" w="sm" type="none"/>
+                    </a:lnL>
+                    <a:lnR cap="flat" cmpd="sng" w="38100">
+                      <a:solidFill>
+                        <a:schemeClr val="lt1"/>
+                      </a:solidFill>
+                      <a:prstDash val="solid"/>
+                      <a:round/>
+                      <a:headEnd len="sm" w="sm" type="none"/>
+                      <a:tailEnd len="sm" w="sm" type="none"/>
+                    </a:lnR>
+                    <a:lnT cap="flat" cmpd="sng" w="38100">
+                      <a:solidFill>
+                        <a:schemeClr val="lt1"/>
+                      </a:solidFill>
+                      <a:prstDash val="solid"/>
+                      <a:round/>
+                      <a:headEnd len="sm" w="sm" type="none"/>
+                      <a:tailEnd len="sm" w="sm" type="none"/>
+                    </a:lnT>
+                    <a:lnB cap="flat" cmpd="sng" w="38100">
+                      <a:solidFill>
+                        <a:schemeClr val="lt1"/>
+                      </a:solidFill>
+                      <a:prstDash val="solid"/>
+                      <a:round/>
+                      <a:headEnd len="sm" w="sm" type="none"/>
+                      <a:tailEnd len="sm" w="sm" type="none"/>
+                    </a:lnB>
+                    <a:solidFill>
+                      <a:schemeClr val="lt1"/>
+                    </a:solidFill>
+                  </a:tcPr>
+                </a:tc>
+                <a:tc>
+                  <a:txBody>
+                    <a:bodyPr/>
+                    <a:lstStyle/>
+                    <a:p>
+                      <a:pPr indent="0" lvl="0" marL="0" rtl="0" algn="l">
+                        <a:spcBef>
+                          <a:spcPts val="0"/>
+                        </a:spcBef>
+                        <a:spcAft>
+                          <a:spcPts val="0"/>
+                        </a:spcAft>
+                        <a:buNone/>
+                      </a:pPr>
+                      <a:r>
+                        <a:t/>
+                      </a:r>
+                      <a:endParaRPr/>
+                    </a:p>
+                  </a:txBody>
+                  <a:tcPr marT="91425" marB="91425" marR="91425" marL="91425" anchor="ctr">
+                    <a:lnL cap="flat" cmpd="sng" w="38100">
+                      <a:solidFill>
+                        <a:schemeClr val="lt1"/>
+                      </a:solidFill>
+                      <a:prstDash val="solid"/>
+                      <a:round/>
+                      <a:headEnd len="sm" w="sm" type="none"/>
+                      <a:tailEnd len="sm" w="sm" type="none"/>
+                    </a:lnL>
+                    <a:lnR cap="flat" cmpd="sng" w="38100">
+                      <a:solidFill>
+                        <a:schemeClr val="lt1"/>
+                      </a:solidFill>
+                      <a:prstDash val="solid"/>
+                      <a:round/>
+                      <a:headEnd len="sm" w="sm" type="none"/>
+                      <a:tailEnd len="sm" w="sm" type="none"/>
+                    </a:lnR>
+                    <a:lnT cap="flat" cmpd="sng" w="38100">
+                      <a:solidFill>
+                        <a:schemeClr val="lt1"/>
+                      </a:solidFill>
+                      <a:prstDash val="solid"/>
+                      <a:round/>
+                      <a:headEnd len="sm" w="sm" type="none"/>
+                      <a:tailEnd len="sm" w="sm" type="none"/>
+                    </a:lnT>
+                    <a:lnB cap="flat" cmpd="sng" w="38100">
+                      <a:solidFill>
+                        <a:schemeClr val="lt1"/>
+                      </a:solidFill>
+                      <a:prstDash val="solid"/>
+                      <a:round/>
+                      <a:headEnd len="sm" w="sm" type="none"/>
+                      <a:tailEnd len="sm" w="sm" type="none"/>
+                    </a:lnB>
+                    <a:solidFill>
+                      <a:schemeClr val="lt1"/>
+                    </a:solidFill>
+                  </a:tcPr>
+                </a:tc>
+                <a:tc>
+                  <a:txBody>
+                    <a:bodyPr/>
+                    <a:lstStyle/>
+                    <a:p>
+                      <a:pPr indent="0" lvl="0" marL="0" rtl="0" algn="l">
+                        <a:spcBef>
+                          <a:spcPts val="0"/>
+                        </a:spcBef>
+                        <a:spcAft>
+                          <a:spcPts val="0"/>
+                        </a:spcAft>
+                        <a:buNone/>
+                      </a:pPr>
+                      <a:r>
+                        <a:t/>
+                      </a:r>
+                      <a:endParaRPr/>
+                    </a:p>
+                  </a:txBody>
+                  <a:tcPr marT="91425" marB="91425" marR="91425" marL="91425" anchor="ctr">
+                    <a:lnL cap="flat" cmpd="sng" w="38100">
+                      <a:solidFill>
+                        <a:schemeClr val="lt1"/>
+                      </a:solidFill>
+                      <a:prstDash val="solid"/>
+                      <a:round/>
+                      <a:headEnd len="sm" w="sm" type="none"/>
+                      <a:tailEnd len="sm" w="sm" type="none"/>
+                    </a:lnL>
+                    <a:lnR cap="flat" cmpd="sng" w="38100">
+                      <a:solidFill>
+                        <a:schemeClr val="lt1"/>
+                      </a:solidFill>
+                      <a:prstDash val="solid"/>
+                      <a:round/>
+                      <a:headEnd len="sm" w="sm" type="none"/>
+                      <a:tailEnd len="sm" w="sm" type="none"/>
+                    </a:lnR>
+                    <a:lnT cap="flat" cmpd="sng" w="38100">
+                      <a:solidFill>
+                        <a:schemeClr val="lt1"/>
+                      </a:solidFill>
+                      <a:prstDash val="solid"/>
+                      <a:round/>
+                      <a:headEnd len="sm" w="sm" type="none"/>
+                      <a:tailEnd len="sm" w="sm" type="none"/>
+                    </a:lnT>
+                    <a:lnB cap="flat" cmpd="sng" w="38100">
+                      <a:solidFill>
+                        <a:schemeClr val="lt1"/>
+                      </a:solidFill>
+                      <a:prstDash val="solid"/>
+                      <a:round/>
+                      <a:headEnd len="sm" w="sm" type="none"/>
+                      <a:tailEnd len="sm" w="sm" type="none"/>
+                    </a:lnB>
+                    <a:solidFill>
+                      <a:schemeClr val="lt1"/>
+                    </a:solidFill>
+                  </a:tcPr>
+                </a:tc>
+                <a:tc>
+                  <a:txBody>
+                    <a:bodyPr/>
+                    <a:lstStyle/>
+                    <a:p>
+                      <a:pPr indent="0" lvl="0" marL="0" rtl="0" algn="ctr">
+                        <a:spcBef>
+                          <a:spcPts val="0"/>
+                        </a:spcBef>
+                        <a:spcAft>
+                          <a:spcPts val="0"/>
+                        </a:spcAft>
+                        <a:buNone/>
+                      </a:pPr>
+                      <a:r>
+                        <a:t/>
+                      </a:r>
+                      <a:endParaRPr b="1"/>
+                    </a:p>
+                  </a:txBody>
+                  <a:tcPr marT="91425" marB="91425" marR="91425" marL="91425" anchor="ctr">
+                    <a:lnL cap="flat" cmpd="sng" w="38100">
+                      <a:solidFill>
+                        <a:schemeClr val="lt1"/>
+                      </a:solidFill>
+                      <a:prstDash val="solid"/>
+                      <a:round/>
+                      <a:headEnd len="sm" w="sm" type="none"/>
+                      <a:tailEnd len="sm" w="sm" type="none"/>
+                    </a:lnL>
+                    <a:lnR cap="flat" cmpd="sng" w="38100">
+                      <a:solidFill>
+                        <a:schemeClr val="lt1"/>
+                      </a:solidFill>
+                      <a:prstDash val="solid"/>
+                      <a:round/>
+                      <a:headEnd len="sm" w="sm" type="none"/>
+                      <a:tailEnd len="sm" w="sm" type="none"/>
+                    </a:lnR>
+                    <a:lnT cap="flat" cmpd="sng" w="38100">
+                      <a:solidFill>
+                        <a:schemeClr val="lt1"/>
+                      </a:solidFill>
+                      <a:prstDash val="solid"/>
+                      <a:round/>
+                      <a:headEnd len="sm" w="sm" type="none"/>
+                      <a:tailEnd len="sm" w="sm" type="none"/>
+                    </a:lnT>
+                    <a:lnB cap="flat" cmpd="sng" w="38100">
+                      <a:solidFill>
+                        <a:schemeClr val="lt1"/>
+                      </a:solidFill>
+                      <a:prstDash val="solid"/>
+                      <a:round/>
+                      <a:headEnd len="sm" w="sm" type="none"/>
+                      <a:tailEnd len="sm" w="sm" type="none"/>
+                    </a:lnB>
+                    <a:solidFill>
+                      <a:schemeClr val="lt1"/>
+                    </a:solidFill>
+                  </a:tcPr>
+                </a:tc>
+              </a:tr>
+              <a:tr h="609600">
+                <a:tc vMerge="1"/>
+                <a:tc>
+                  <a:txBody>
+                    <a:bodyPr/>
+                    <a:lstStyle/>
+                    <a:p>
+                      <a:pPr indent="0" lvl="0" marL="0" rtl="0" algn="ctr">
+                        <a:spcBef>
+                          <a:spcPts val="0"/>
+                        </a:spcBef>
+                        <a:spcAft>
+                          <a:spcPts val="0"/>
+                        </a:spcAft>
+                        <a:buNone/>
+                      </a:pPr>
+                      <a:r>
+                        <a:rPr b="1" lang="en">
+                          <a:solidFill>
+                            <a:schemeClr val="lt1"/>
+                          </a:solidFill>
+                        </a:rPr>
+                        <a:t>NYT-</a:t>
+                      </a:r>
+                      <a:endParaRPr b="1">
+                        <a:solidFill>
+                          <a:schemeClr val="lt1"/>
+                        </a:solidFill>
+                      </a:endParaRPr>
+                    </a:p>
+                    <a:p>
+                      <a:pPr indent="0" lvl="0" marL="0" rtl="0" algn="ctr">
+                        <a:spcBef>
+                          <a:spcPts val="0"/>
+                        </a:spcBef>
+                        <a:spcAft>
+                          <a:spcPts val="0"/>
+                        </a:spcAft>
+                        <a:buNone/>
+                      </a:pPr>
+                      <a:r>
+                        <a:rPr b="1" lang="en">
+                          <a:solidFill>
+                            <a:schemeClr val="lt1"/>
+                          </a:solidFill>
+                        </a:rPr>
+                        <a:t>VUE+PROJ</a:t>
+                      </a:r>
+                      <a:endParaRPr b="1">
+                        <a:solidFill>
+                          <a:schemeClr val="lt1"/>
+                        </a:solidFill>
+                      </a:endParaRPr>
+                    </a:p>
+                  </a:txBody>
+                  <a:tcPr marT="91425" marB="91425" marR="91425" marL="91425" anchor="ctr">
+                    <a:lnL cap="flat" cmpd="sng" w="38100">
+                      <a:solidFill>
+                        <a:schemeClr val="lt1"/>
+                      </a:solidFill>
+                      <a:prstDash val="solid"/>
+                      <a:round/>
+                      <a:headEnd len="sm" w="sm" type="none"/>
+                      <a:tailEnd len="sm" w="sm" type="none"/>
+                    </a:lnL>
+                    <a:lnR cap="flat" cmpd="sng" w="38100">
+                      <a:solidFill>
+                        <a:schemeClr val="lt1"/>
+                      </a:solidFill>
+                      <a:prstDash val="solid"/>
+                      <a:round/>
+                      <a:headEnd len="sm" w="sm" type="none"/>
+                      <a:tailEnd len="sm" w="sm" type="none"/>
+                    </a:lnR>
+                    <a:lnT cap="flat" cmpd="sng" w="38100">
+                      <a:solidFill>
+                        <a:schemeClr val="lt1"/>
+                      </a:solidFill>
+                      <a:prstDash val="solid"/>
+                      <a:round/>
+                      <a:headEnd len="sm" w="sm" type="none"/>
+                      <a:tailEnd len="sm" w="sm" type="none"/>
+                    </a:lnT>
+                    <a:lnB cap="flat" cmpd="sng" w="38100">
+                      <a:solidFill>
+                        <a:schemeClr val="lt1"/>
+                      </a:solidFill>
+                      <a:prstDash val="solid"/>
+                      <a:round/>
+                      <a:headEnd len="sm" w="sm" type="none"/>
+                      <a:tailEnd len="sm" w="sm" type="none"/>
+                    </a:lnB>
+                    <a:solidFill>
+                      <a:schemeClr val="lt2"/>
+                    </a:solidFill>
+                  </a:tcPr>
+                </a:tc>
+                <a:tc>
+                  <a:txBody>
+                    <a:bodyPr/>
+                    <a:lstStyle/>
+                    <a:p>
+                      <a:pPr indent="0" lvl="0" marL="0" rtl="0" algn="ctr">
+                        <a:spcBef>
+                          <a:spcPts val="0"/>
+                        </a:spcBef>
+                        <a:spcAft>
+                          <a:spcPts val="0"/>
+                        </a:spcAft>
+                        <a:buNone/>
+                      </a:pPr>
+                      <a:r>
+                        <a:rPr b="1" lang="en">
+                          <a:solidFill>
+                            <a:schemeClr val="dk1"/>
+                          </a:solidFill>
+                        </a:rPr>
+                        <a:t>x</a:t>
+                      </a:r>
+                      <a:endParaRPr/>
+                    </a:p>
+                  </a:txBody>
+                  <a:tcPr marT="91425" marB="91425" marR="91425" marL="91425" anchor="ctr">
+                    <a:lnL cap="flat" cmpd="sng" w="38100">
+                      <a:solidFill>
+                        <a:schemeClr val="lt1"/>
+                      </a:solidFill>
+                      <a:prstDash val="solid"/>
+                      <a:round/>
+                      <a:headEnd len="sm" w="sm" type="none"/>
+                      <a:tailEnd len="sm" w="sm" type="none"/>
+                    </a:lnL>
+                    <a:lnR cap="flat" cmpd="sng" w="38100">
+                      <a:solidFill>
+                        <a:schemeClr val="lt1"/>
+                      </a:solidFill>
+                      <a:prstDash val="solid"/>
+                      <a:round/>
+                      <a:headEnd len="sm" w="sm" type="none"/>
+                      <a:tailEnd len="sm" w="sm" type="none"/>
+                    </a:lnR>
+                    <a:lnT cap="flat" cmpd="sng" w="38100">
+                      <a:solidFill>
+                        <a:schemeClr val="lt1"/>
+                      </a:solidFill>
+                      <a:prstDash val="solid"/>
+                      <a:round/>
+                      <a:headEnd len="sm" w="sm" type="none"/>
+                      <a:tailEnd len="sm" w="sm" type="none"/>
+                    </a:lnT>
+                    <a:lnB cap="flat" cmpd="sng" w="38100">
+                      <a:solidFill>
+                        <a:schemeClr val="lt1"/>
+                      </a:solidFill>
+                      <a:prstDash val="solid"/>
+                      <a:round/>
+                      <a:headEnd len="sm" w="sm" type="none"/>
+                      <a:tailEnd len="sm" w="sm" type="none"/>
+                    </a:lnB>
+                    <a:solidFill>
+                      <a:schemeClr val="accent1"/>
+                    </a:solidFill>
+                  </a:tcPr>
+                </a:tc>
+                <a:tc>
+                  <a:txBody>
+                    <a:bodyPr/>
+                    <a:lstStyle/>
+                    <a:p>
+                      <a:pPr indent="0" lvl="0" marL="0" rtl="0" algn="l">
+                        <a:spcBef>
+                          <a:spcPts val="0"/>
+                        </a:spcBef>
+                        <a:spcAft>
+                          <a:spcPts val="0"/>
+                        </a:spcAft>
+                        <a:buNone/>
+                      </a:pPr>
+                      <a:r>
+                        <a:t/>
+                      </a:r>
+                      <a:endParaRPr/>
+                    </a:p>
+                  </a:txBody>
+                  <a:tcPr marT="91425" marB="91425" marR="91425" marL="91425" anchor="ctr">
+                    <a:lnL cap="flat" cmpd="sng" w="38100">
+                      <a:solidFill>
+                        <a:schemeClr val="lt1"/>
+                      </a:solidFill>
+                      <a:prstDash val="solid"/>
+                      <a:round/>
+                      <a:headEnd len="sm" w="sm" type="none"/>
+                      <a:tailEnd len="sm" w="sm" type="none"/>
+                    </a:lnL>
+                    <a:lnR cap="flat" cmpd="sng" w="38100">
+                      <a:solidFill>
+                        <a:schemeClr val="lt1"/>
+                      </a:solidFill>
+                      <a:prstDash val="solid"/>
+                      <a:round/>
+                      <a:headEnd len="sm" w="sm" type="none"/>
+                      <a:tailEnd len="sm" w="sm" type="none"/>
+                    </a:lnR>
+                    <a:lnT cap="flat" cmpd="sng" w="38100">
+                      <a:solidFill>
+                        <a:schemeClr val="lt1"/>
+                      </a:solidFill>
+                      <a:prstDash val="solid"/>
+                      <a:round/>
+                      <a:headEnd len="sm" w="sm" type="none"/>
+                      <a:tailEnd len="sm" w="sm" type="none"/>
+                    </a:lnT>
+                    <a:lnB cap="flat" cmpd="sng" w="38100">
+                      <a:solidFill>
+                        <a:schemeClr val="lt1"/>
+                      </a:solidFill>
+                      <a:prstDash val="solid"/>
+                      <a:round/>
+                      <a:headEnd len="sm" w="sm" type="none"/>
+                      <a:tailEnd len="sm" w="sm" type="none"/>
+                    </a:lnB>
+                    <a:solidFill>
+                      <a:schemeClr val="accent1"/>
+                    </a:solidFill>
+                  </a:tcPr>
+                </a:tc>
+                <a:tc>
+                  <a:txBody>
+                    <a:bodyPr/>
+                    <a:lstStyle/>
+                    <a:p>
+                      <a:pPr indent="0" lvl="0" marL="0" rtl="0" algn="l">
+                        <a:spcBef>
+                          <a:spcPts val="0"/>
+                        </a:spcBef>
+                        <a:spcAft>
+                          <a:spcPts val="0"/>
+                        </a:spcAft>
+                        <a:buNone/>
+                      </a:pPr>
+                      <a:r>
+                        <a:t/>
+                      </a:r>
+                      <a:endParaRPr/>
+                    </a:p>
+                  </a:txBody>
+                  <a:tcPr marT="91425" marB="91425" marR="91425" marL="91425" anchor="ctr">
+                    <a:lnL cap="flat" cmpd="sng" w="38100">
+                      <a:solidFill>
+                        <a:schemeClr val="lt1"/>
+                      </a:solidFill>
+                      <a:prstDash val="solid"/>
+                      <a:round/>
+                      <a:headEnd len="sm" w="sm" type="none"/>
+                      <a:tailEnd len="sm" w="sm" type="none"/>
+                    </a:lnL>
+                    <a:lnR cap="flat" cmpd="sng" w="38100">
+                      <a:solidFill>
+                        <a:schemeClr val="lt1"/>
+                      </a:solidFill>
+                      <a:prstDash val="solid"/>
+                      <a:round/>
+                      <a:headEnd len="sm" w="sm" type="none"/>
+                      <a:tailEnd len="sm" w="sm" type="none"/>
+                    </a:lnR>
+                    <a:lnT cap="flat" cmpd="sng" w="38100">
+                      <a:solidFill>
+                        <a:schemeClr val="lt1"/>
+                      </a:solidFill>
+                      <a:prstDash val="solid"/>
+                      <a:round/>
+                      <a:headEnd len="sm" w="sm" type="none"/>
+                      <a:tailEnd len="sm" w="sm" type="none"/>
+                    </a:lnT>
+                    <a:lnB cap="flat" cmpd="sng" w="38100">
+                      <a:solidFill>
+                        <a:schemeClr val="lt1"/>
+                      </a:solidFill>
+                      <a:prstDash val="solid"/>
+                      <a:round/>
+                      <a:headEnd len="sm" w="sm" type="none"/>
+                      <a:tailEnd len="sm" w="sm" type="none"/>
+                    </a:lnB>
+                    <a:solidFill>
+                      <a:schemeClr val="accent1"/>
+                    </a:solidFill>
+                  </a:tcPr>
+                </a:tc>
+                <a:tc>
+                  <a:txBody>
+                    <a:bodyPr/>
+                    <a:lstStyle/>
+                    <a:p>
+                      <a:pPr indent="0" lvl="0" marL="0" rtl="0" algn="ctr">
+                        <a:spcBef>
+                          <a:spcPts val="0"/>
+                        </a:spcBef>
+                        <a:spcAft>
+                          <a:spcPts val="0"/>
+                        </a:spcAft>
+                        <a:buNone/>
+                      </a:pPr>
+                      <a:r>
+                        <a:t/>
+                      </a:r>
+                      <a:endParaRPr b="1"/>
+                    </a:p>
+                  </a:txBody>
+                  <a:tcPr marT="91425" marB="91425" marR="91425" marL="91425" anchor="ctr">
+                    <a:lnL cap="flat" cmpd="sng" w="38100">
+                      <a:solidFill>
+                        <a:schemeClr val="lt1"/>
+                      </a:solidFill>
+                      <a:prstDash val="solid"/>
+                      <a:round/>
+                      <a:headEnd len="sm" w="sm" type="none"/>
+                      <a:tailEnd len="sm" w="sm" type="none"/>
+                    </a:lnL>
+                    <a:lnR cap="flat" cmpd="sng" w="38100">
+                      <a:solidFill>
+                        <a:schemeClr val="lt1"/>
+                      </a:solidFill>
+                      <a:prstDash val="solid"/>
+                      <a:round/>
+                      <a:headEnd len="sm" w="sm" type="none"/>
+                      <a:tailEnd len="sm" w="sm" type="none"/>
+                    </a:lnR>
+                    <a:lnT cap="flat" cmpd="sng" w="38100">
+                      <a:solidFill>
+                        <a:schemeClr val="lt1"/>
+                      </a:solidFill>
+                      <a:prstDash val="solid"/>
+                      <a:round/>
+                      <a:headEnd len="sm" w="sm" type="none"/>
+                      <a:tailEnd len="sm" w="sm" type="none"/>
+                    </a:lnT>
+                    <a:lnB cap="flat" cmpd="sng" w="38100">
+                      <a:solidFill>
+                        <a:schemeClr val="lt1"/>
+                      </a:solidFill>
+                      <a:prstDash val="solid"/>
+                      <a:round/>
+                      <a:headEnd len="sm" w="sm" type="none"/>
+                      <a:tailEnd len="sm" w="sm" type="none"/>
+                    </a:lnB>
+                    <a:solidFill>
+                      <a:schemeClr val="accent1"/>
+                    </a:solidFill>
+                  </a:tcPr>
+                </a:tc>
+              </a:tr>
+              <a:tr h="609600">
+                <a:tc vMerge="1"/>
+                <a:tc>
+                  <a:txBody>
+                    <a:bodyPr/>
+                    <a:lstStyle/>
+                    <a:p>
+                      <a:pPr indent="0" lvl="0" marL="0" rtl="0" algn="l">
+                        <a:spcBef>
+                          <a:spcPts val="0"/>
+                        </a:spcBef>
+                        <a:spcAft>
+                          <a:spcPts val="0"/>
+                        </a:spcAft>
+                        <a:buNone/>
+                      </a:pPr>
+                      <a:r>
+                        <a:t/>
+                      </a:r>
+                      <a:endParaRPr/>
+                    </a:p>
+                  </a:txBody>
+                  <a:tcPr marT="91425" marB="91425" marR="0" marL="0" anchor="ctr">
+                    <a:lnL cap="flat" cmpd="sng" w="38100">
+                      <a:solidFill>
+                        <a:schemeClr val="lt1"/>
+                      </a:solidFill>
+                      <a:prstDash val="solid"/>
+                      <a:round/>
+                      <a:headEnd len="sm" w="sm" type="none"/>
+                      <a:tailEnd len="sm" w="sm" type="none"/>
+                    </a:lnL>
+                    <a:lnR cap="flat" cmpd="sng" w="38100">
+                      <a:solidFill>
+                        <a:schemeClr val="lt1"/>
+                      </a:solidFill>
+                      <a:prstDash val="solid"/>
+                      <a:round/>
+                      <a:headEnd len="sm" w="sm" type="none"/>
+                      <a:tailEnd len="sm" w="sm" type="none"/>
+                    </a:lnR>
+                    <a:lnT cap="flat" cmpd="sng" w="38100">
+                      <a:solidFill>
+                        <a:schemeClr val="lt1"/>
+                      </a:solidFill>
+                      <a:prstDash val="solid"/>
+                      <a:round/>
+                      <a:headEnd len="sm" w="sm" type="none"/>
+                      <a:tailEnd len="sm" w="sm" type="none"/>
+                    </a:lnT>
+                    <a:lnB cap="flat" cmpd="sng" w="38100">
+                      <a:solidFill>
+                        <a:schemeClr val="lt1"/>
+                      </a:solidFill>
+                      <a:prstDash val="solid"/>
+                      <a:round/>
+                      <a:headEnd len="sm" w="sm" type="none"/>
+                      <a:tailEnd len="sm" w="sm" type="none"/>
+                    </a:lnB>
+                    <a:solidFill>
+                      <a:schemeClr val="lt2"/>
+                    </a:solidFill>
+                  </a:tcPr>
+                </a:tc>
+                <a:tc>
+                  <a:txBody>
+                    <a:bodyPr/>
+                    <a:lstStyle/>
+                    <a:p>
+                      <a:pPr indent="0" lvl="0" marL="0" rtl="0" algn="l">
+                        <a:spcBef>
+                          <a:spcPts val="0"/>
+                        </a:spcBef>
+                        <a:spcAft>
+                          <a:spcPts val="0"/>
+                        </a:spcAft>
+                        <a:buNone/>
+                      </a:pPr>
+                      <a:r>
+                        <a:t/>
+                      </a:r>
+                      <a:endParaRPr/>
+                    </a:p>
+                  </a:txBody>
+                  <a:tcPr marT="91425" marB="91425" marR="91425" marL="91425" anchor="ctr">
+                    <a:lnL cap="flat" cmpd="sng" w="38100">
+                      <a:solidFill>
+                        <a:schemeClr val="lt1"/>
+                      </a:solidFill>
+                      <a:prstDash val="solid"/>
+                      <a:round/>
+                      <a:headEnd len="sm" w="sm" type="none"/>
+                      <a:tailEnd len="sm" w="sm" type="none"/>
+                    </a:lnL>
+                    <a:lnR cap="flat" cmpd="sng" w="38100">
+                      <a:solidFill>
+                        <a:schemeClr val="lt1"/>
+                      </a:solidFill>
+                      <a:prstDash val="solid"/>
+                      <a:round/>
+                      <a:headEnd len="sm" w="sm" type="none"/>
+                      <a:tailEnd len="sm" w="sm" type="none"/>
+                    </a:lnR>
+                    <a:lnT cap="flat" cmpd="sng" w="38100">
+                      <a:solidFill>
+                        <a:schemeClr val="lt1"/>
+                      </a:solidFill>
+                      <a:prstDash val="solid"/>
+                      <a:round/>
+                      <a:headEnd len="sm" w="sm" type="none"/>
+                      <a:tailEnd len="sm" w="sm" type="none"/>
+                    </a:lnT>
+                    <a:lnB cap="flat" cmpd="sng" w="38100">
+                      <a:solidFill>
+                        <a:schemeClr val="lt1"/>
+                      </a:solidFill>
+                      <a:prstDash val="solid"/>
+                      <a:round/>
+                      <a:headEnd len="sm" w="sm" type="none"/>
+                      <a:tailEnd len="sm" w="sm" type="none"/>
+                    </a:lnB>
+                    <a:solidFill>
+                      <a:schemeClr val="lt1"/>
+                    </a:solidFill>
+                  </a:tcPr>
+                </a:tc>
+                <a:tc>
+                  <a:txBody>
+                    <a:bodyPr/>
+                    <a:lstStyle/>
+                    <a:p>
+                      <a:pPr indent="0" lvl="0" marL="0" rtl="0" algn="l">
+                        <a:spcBef>
+                          <a:spcPts val="0"/>
+                        </a:spcBef>
+                        <a:spcAft>
+                          <a:spcPts val="0"/>
+                        </a:spcAft>
+                        <a:buNone/>
+                      </a:pPr>
+                      <a:r>
+                        <a:t/>
+                      </a:r>
+                      <a:endParaRPr/>
+                    </a:p>
+                  </a:txBody>
+                  <a:tcPr marT="91425" marB="91425" marR="91425" marL="91425" anchor="ctr">
+                    <a:lnL cap="flat" cmpd="sng" w="38100">
+                      <a:solidFill>
+                        <a:schemeClr val="lt1"/>
+                      </a:solidFill>
+                      <a:prstDash val="solid"/>
+                      <a:round/>
+                      <a:headEnd len="sm" w="sm" type="none"/>
+                      <a:tailEnd len="sm" w="sm" type="none"/>
+                    </a:lnL>
+                    <a:lnR cap="flat" cmpd="sng" w="38100">
+                      <a:solidFill>
+                        <a:schemeClr val="lt1"/>
+                      </a:solidFill>
+                      <a:prstDash val="solid"/>
+                      <a:round/>
+                      <a:headEnd len="sm" w="sm" type="none"/>
+                      <a:tailEnd len="sm" w="sm" type="none"/>
+                    </a:lnR>
+                    <a:lnT cap="flat" cmpd="sng" w="38100">
+                      <a:solidFill>
+                        <a:schemeClr val="lt1"/>
+                      </a:solidFill>
+                      <a:prstDash val="solid"/>
+                      <a:round/>
+                      <a:headEnd len="sm" w="sm" type="none"/>
+                      <a:tailEnd len="sm" w="sm" type="none"/>
+                    </a:lnT>
+                    <a:lnB cap="flat" cmpd="sng" w="38100">
+                      <a:solidFill>
+                        <a:schemeClr val="lt1"/>
+                      </a:solidFill>
+                      <a:prstDash val="solid"/>
+                      <a:round/>
+                      <a:headEnd len="sm" w="sm" type="none"/>
+                      <a:tailEnd len="sm" w="sm" type="none"/>
+                    </a:lnB>
+                    <a:solidFill>
+                      <a:schemeClr val="lt1"/>
+                    </a:solidFill>
+                  </a:tcPr>
+                </a:tc>
+                <a:tc>
+                  <a:txBody>
+                    <a:bodyPr/>
+                    <a:lstStyle/>
+                    <a:p>
+                      <a:pPr indent="0" lvl="0" marL="0" rtl="0" algn="l">
+                        <a:spcBef>
+                          <a:spcPts val="0"/>
+                        </a:spcBef>
+                        <a:spcAft>
+                          <a:spcPts val="0"/>
+                        </a:spcAft>
+                        <a:buNone/>
+                      </a:pPr>
+                      <a:r>
+                        <a:t/>
+                      </a:r>
+                      <a:endParaRPr/>
+                    </a:p>
+                  </a:txBody>
+                  <a:tcPr marT="91425" marB="91425" marR="91425" marL="91425" anchor="ctr">
+                    <a:lnL cap="flat" cmpd="sng" w="38100">
+                      <a:solidFill>
+                        <a:schemeClr val="lt1"/>
+                      </a:solidFill>
+                      <a:prstDash val="solid"/>
+                      <a:round/>
+                      <a:headEnd len="sm" w="sm" type="none"/>
+                      <a:tailEnd len="sm" w="sm" type="none"/>
+                    </a:lnL>
+                    <a:lnR cap="flat" cmpd="sng" w="38100">
+                      <a:solidFill>
+                        <a:schemeClr val="lt1"/>
+                      </a:solidFill>
+                      <a:prstDash val="solid"/>
+                      <a:round/>
+                      <a:headEnd len="sm" w="sm" type="none"/>
+                      <a:tailEnd len="sm" w="sm" type="none"/>
+                    </a:lnR>
+                    <a:lnT cap="flat" cmpd="sng" w="38100">
+                      <a:solidFill>
+                        <a:schemeClr val="lt1"/>
+                      </a:solidFill>
+                      <a:prstDash val="solid"/>
+                      <a:round/>
+                      <a:headEnd len="sm" w="sm" type="none"/>
+                      <a:tailEnd len="sm" w="sm" type="none"/>
+                    </a:lnT>
+                    <a:lnB cap="flat" cmpd="sng" w="38100">
+                      <a:solidFill>
+                        <a:schemeClr val="lt1"/>
+                      </a:solidFill>
+                      <a:prstDash val="solid"/>
+                      <a:round/>
+                      <a:headEnd len="sm" w="sm" type="none"/>
+                      <a:tailEnd len="sm" w="sm" type="none"/>
+                    </a:lnB>
+                    <a:solidFill>
+                      <a:schemeClr val="lt1"/>
+                    </a:solidFill>
+                  </a:tcPr>
+                </a:tc>
+                <a:tc>
+                  <a:txBody>
+                    <a:bodyPr/>
+                    <a:lstStyle/>
+                    <a:p>
+                      <a:pPr indent="0" lvl="0" marL="0" rtl="0" algn="ctr">
+                        <a:spcBef>
+                          <a:spcPts val="0"/>
+                        </a:spcBef>
+                        <a:spcAft>
+                          <a:spcPts val="0"/>
+                        </a:spcAft>
+                        <a:buNone/>
+                      </a:pPr>
+                      <a:r>
+                        <a:t/>
+                      </a:r>
+                      <a:endParaRPr b="1"/>
+                    </a:p>
+                  </a:txBody>
+                  <a:tcPr marT="91425" marB="91425" marR="91425" marL="91425" anchor="ctr">
+                    <a:lnL cap="flat" cmpd="sng" w="38100">
+                      <a:solidFill>
+                        <a:schemeClr val="lt1"/>
+                      </a:solidFill>
+                      <a:prstDash val="solid"/>
+                      <a:round/>
+                      <a:headEnd len="sm" w="sm" type="none"/>
+                      <a:tailEnd len="sm" w="sm" type="none"/>
+                    </a:lnL>
+                    <a:lnR cap="flat" cmpd="sng" w="38100">
+                      <a:solidFill>
+                        <a:schemeClr val="lt1"/>
+                      </a:solidFill>
+                      <a:prstDash val="solid"/>
+                      <a:round/>
+                      <a:headEnd len="sm" w="sm" type="none"/>
+                      <a:tailEnd len="sm" w="sm" type="none"/>
+                    </a:lnR>
+                    <a:lnT cap="flat" cmpd="sng" w="38100">
+                      <a:solidFill>
+                        <a:schemeClr val="lt1"/>
+                      </a:solidFill>
+                      <a:prstDash val="solid"/>
+                      <a:round/>
+                      <a:headEnd len="sm" w="sm" type="none"/>
+                      <a:tailEnd len="sm" w="sm" type="none"/>
+                    </a:lnT>
+                    <a:lnB cap="flat" cmpd="sng" w="38100">
+                      <a:solidFill>
+                        <a:schemeClr val="lt1"/>
+                      </a:solidFill>
+                      <a:prstDash val="solid"/>
+                      <a:round/>
+                      <a:headEnd len="sm" w="sm" type="none"/>
+                      <a:tailEnd len="sm" w="sm" type="none"/>
+                    </a:lnB>
+                    <a:solidFill>
+                      <a:schemeClr val="lt1"/>
+                    </a:solidFill>
+                  </a:tcPr>
+                </a:tc>
+              </a:tr>
+            </a:tbl>
+          </a:graphicData>
+        </a:graphic>
+      </p:graphicFrame>
+      <p:sp>
+        <p:nvSpPr>
+          <p:cNvPr id="96" name="Google Shape;96;p16"/>
+          <p:cNvSpPr txBox="1"/>
+          <p:nvPr>
+            <p:ph idx="12" type="sldNum"/>
+          </p:nvPr>
+        </p:nvSpPr>
+        <p:spPr>
+          <a:xfrm>
+            <a:off x="7315209" y="4229101"/>
+            <a:ext cx="1828800" cy="914400"/>
+          </a:xfrm>
+          <a:prstGeom prst="rect">
+            <a:avLst/>
+          </a:prstGeom>
+        </p:spPr>
+        <p:txBody>
+          <a:bodyPr anchorCtr="0" anchor="b" bIns="91425" lIns="91425" spcFirstLastPara="1" rIns="91425" wrap="square" tIns="91425">
+            <a:noAutofit/>
+          </a:bodyPr>
+          <a:lstStyle/>
+          <a:p>
+            <a:pPr indent="0" lvl="0" marL="0" rtl="0" algn="r">
+              <a:spcBef>
+                <a:spcPts val="0"/>
+              </a:spcBef>
+              <a:spcAft>
+                <a:spcPts val="0"/>
+              </a:spcAft>
+              <a:buNone/>
+            </a:pPr>
+            <a:fld id="{00000000-1234-1234-1234-123412341234}" type="slidenum">
+              <a:rPr lang="en"/>
+              <a:t>‹#›</a:t>
+            </a:fld>
+            <a:endParaRPr/>
+          </a:p>
+          <a:p>
+            <a:pPr indent="0" lvl="0" marL="0" rtl="0" algn="r">
+              <a:spcBef>
+                <a:spcPts val="0"/>
+              </a:spcBef>
+              <a:spcAft>
+                <a:spcPts val="0"/>
+              </a:spcAft>
+              <a:buNone/>
+            </a:pPr>
+            <a:r>
+              <a:rPr b="0" lang="en" sz="1000" u="sng">
+                <a:solidFill>
+                  <a:schemeClr val="hlink"/>
+                </a:solidFill>
+                <a:hlinkClick r:id="rId3"/>
+              </a:rPr>
+              <a:t>uni1.de/nyt</a:t>
+            </a:r>
+            <a:r>
+              <a:rPr b="0" lang="en" sz="1000"/>
+              <a:t> </a:t>
+            </a:r>
+            <a:endParaRPr b="0" sz="1000"/>
+          </a:p>
+        </p:txBody>
+      </p:sp>
+      <p:sp>
+        <p:nvSpPr>
+          <p:cNvPr id="97" name="Google Shape;97;p16"/>
+          <p:cNvSpPr txBox="1"/>
+          <p:nvPr/>
+        </p:nvSpPr>
+        <p:spPr>
+          <a:xfrm>
+            <a:off x="0" y="4233672"/>
+            <a:ext cx="7315200" cy="914400"/>
+          </a:xfrm>
+          <a:prstGeom prst="rect">
+            <a:avLst/>
+          </a:prstGeom>
+          <a:noFill/>
+          <a:ln>
+            <a:noFill/>
+          </a:ln>
+        </p:spPr>
+        <p:txBody>
+          <a:bodyPr anchorCtr="0" anchor="b" bIns="91425" lIns="91425" spcFirstLastPara="1" rIns="91425" wrap="square" tIns="91425">
+            <a:noAutofit/>
+          </a:bodyPr>
+          <a:lstStyle/>
+          <a:p>
+            <a:pPr indent="0" lvl="0" marL="0" rtl="0" algn="l">
+              <a:spcBef>
+                <a:spcPts val="0"/>
+              </a:spcBef>
+              <a:spcAft>
+                <a:spcPts val="0"/>
+              </a:spcAft>
+              <a:buNone/>
+            </a:pPr>
+            <a:r>
+              <a:rPr lang="en"/>
+              <a:t>x = available</a:t>
+            </a:r>
+            <a:endParaRPr/>
+          </a:p>
+          <a:p>
+            <a:pPr indent="0" lvl="0" marL="0" rtl="0" algn="l">
+              <a:spcBef>
+                <a:spcPts val="0"/>
+              </a:spcBef>
+              <a:spcAft>
+                <a:spcPts val="0"/>
+              </a:spcAft>
+              <a:buNone/>
+            </a:pPr>
+            <a:r>
+              <a:rPr lang="en"/>
+              <a:t>– = not available</a:t>
             </a:r>
             <a:endParaRPr/>
           </a:p>
